--- a/RAKIPOEV-docs/docs/ppt/Building-Blocks.pptx
+++ b/RAKIPOEV-docs/docs/ppt/Building-Blocks.pptx
@@ -5,9 +5,13 @@
     <p:sldMasterId id="2147483648" r:id="rId1"/>
   </p:sldMasterIdLst>
   <p:sldIdLst>
-    <p:sldId id="256" r:id="rId2"/>
-    <p:sldId id="257" r:id="rId3"/>
-    <p:sldId id="258" r:id="rId4"/>
+    <p:sldId id="261" r:id="rId2"/>
+    <p:sldId id="262" r:id="rId3"/>
+    <p:sldId id="256" r:id="rId4"/>
+    <p:sldId id="257" r:id="rId5"/>
+    <p:sldId id="259" r:id="rId6"/>
+    <p:sldId id="260" r:id="rId7"/>
+    <p:sldId id="258" r:id="rId8"/>
   </p:sldIdLst>
   <p:sldSz cx="12192000" cy="6858000"/>
   <p:notesSz cx="6858000" cy="9144000"/>
@@ -3311,6 +3315,228 @@
   <p:cSld>
     <p:spTree>
       <p:nvGrpSpPr>
+        <p:cNvPr id="1" name="">
+          <a:extLst>
+            <a:ext uri="{FF2B5EF4-FFF2-40B4-BE49-F238E27FC236}">
+              <a16:creationId xmlns:a16="http://schemas.microsoft.com/office/drawing/2014/main" id="{DD1C70AB-7412-3488-47A4-785B2DB30A47}"/>
+            </a:ext>
+          </a:extLst>
+        </p:cNvPr>
+        <p:cNvGrpSpPr/>
+        <p:nvPr/>
+      </p:nvGrpSpPr>
+      <p:grpSpPr>
+        <a:xfrm>
+          <a:off x="0" y="0"/>
+          <a:ext cx="0" cy="0"/>
+          <a:chOff x="0" y="0"/>
+          <a:chExt cx="0" cy="0"/>
+        </a:xfrm>
+      </p:grpSpPr>
+      <p:sp>
+        <p:nvSpPr>
+          <p:cNvPr id="2" name="Titel 1">
+            <a:extLst>
+              <a:ext uri="{FF2B5EF4-FFF2-40B4-BE49-F238E27FC236}">
+                <a16:creationId xmlns:a16="http://schemas.microsoft.com/office/drawing/2014/main" id="{35BDD1AD-7069-5964-C2E1-6DB438992E33}"/>
+              </a:ext>
+            </a:extLst>
+          </p:cNvPr>
+          <p:cNvSpPr>
+            <a:spLocks noGrp="1"/>
+          </p:cNvSpPr>
+          <p:nvPr>
+            <p:ph type="ctrTitle"/>
+          </p:nvPr>
+        </p:nvSpPr>
+        <p:spPr/>
+        <p:txBody>
+          <a:bodyPr>
+            <a:normAutofit fontScale="90000"/>
+          </a:bodyPr>
+          <a:lstStyle/>
+          <a:p>
+            <a:r>
+              <a:rPr lang="de-DE" dirty="0"/>
+              <a:t>Referenzarchitektur KI-Plattform für die öffentliche Verwaltung</a:t>
+            </a:r>
+          </a:p>
+        </p:txBody>
+      </p:sp>
+      <p:sp>
+        <p:nvSpPr>
+          <p:cNvPr id="3" name="Untertitel 2">
+            <a:extLst>
+              <a:ext uri="{FF2B5EF4-FFF2-40B4-BE49-F238E27FC236}">
+                <a16:creationId xmlns:a16="http://schemas.microsoft.com/office/drawing/2014/main" id="{1397753B-E554-BE6F-D3D4-D49425BA8062}"/>
+              </a:ext>
+            </a:extLst>
+          </p:cNvPr>
+          <p:cNvSpPr>
+            <a:spLocks noGrp="1"/>
+          </p:cNvSpPr>
+          <p:nvPr>
+            <p:ph type="subTitle" idx="1"/>
+          </p:nvPr>
+        </p:nvSpPr>
+        <p:spPr/>
+        <p:txBody>
+          <a:bodyPr>
+            <a:normAutofit/>
+          </a:bodyPr>
+          <a:lstStyle/>
+          <a:p>
+            <a:endParaRPr lang="de-DE" sz="4800" dirty="0"/>
+          </a:p>
+          <a:p>
+            <a:r>
+              <a:rPr lang="de-DE" sz="4800" dirty="0"/>
+              <a:t>Architektur-Muster</a:t>
+            </a:r>
+          </a:p>
+        </p:txBody>
+      </p:sp>
+    </p:spTree>
+    <p:extLst>
+      <p:ext uri="{BB962C8B-B14F-4D97-AF65-F5344CB8AC3E}">
+        <p14:creationId xmlns:p14="http://schemas.microsoft.com/office/powerpoint/2010/main" val="2010971240"/>
+      </p:ext>
+    </p:extLst>
+  </p:cSld>
+  <p:clrMapOvr>
+    <a:masterClrMapping/>
+  </p:clrMapOvr>
+</p:sld>
+</file>
+
+<file path=ppt/slides/slide2.xml><?xml version="1.0" encoding="utf-8"?>
+<p:sld xmlns:a="http://schemas.openxmlformats.org/drawingml/2006/main" xmlns:r="http://schemas.openxmlformats.org/officeDocument/2006/relationships" xmlns:p="http://schemas.openxmlformats.org/presentationml/2006/main">
+  <p:cSld>
+    <p:spTree>
+      <p:nvGrpSpPr>
+        <p:cNvPr id="1" name="">
+          <a:extLst>
+            <a:ext uri="{FF2B5EF4-FFF2-40B4-BE49-F238E27FC236}">
+              <a16:creationId xmlns:a16="http://schemas.microsoft.com/office/drawing/2014/main" id="{2A794731-87A7-A3FF-0CB4-237DC35FAC29}"/>
+            </a:ext>
+          </a:extLst>
+        </p:cNvPr>
+        <p:cNvGrpSpPr/>
+        <p:nvPr/>
+      </p:nvGrpSpPr>
+      <p:grpSpPr>
+        <a:xfrm>
+          <a:off x="0" y="0"/>
+          <a:ext cx="0" cy="0"/>
+          <a:chOff x="0" y="0"/>
+          <a:chExt cx="0" cy="0"/>
+        </a:xfrm>
+      </p:grpSpPr>
+      <p:sp>
+        <p:nvSpPr>
+          <p:cNvPr id="2" name="Textfeld 1">
+            <a:extLst>
+              <a:ext uri="{FF2B5EF4-FFF2-40B4-BE49-F238E27FC236}">
+                <a16:creationId xmlns:a16="http://schemas.microsoft.com/office/drawing/2014/main" id="{5709D430-2F5F-AED9-23BE-BF5D36369B78}"/>
+              </a:ext>
+            </a:extLst>
+          </p:cNvPr>
+          <p:cNvSpPr txBox="1"/>
+          <p:nvPr/>
+        </p:nvSpPr>
+        <p:spPr>
+          <a:xfrm>
+            <a:off x="11322115" y="6488668"/>
+            <a:ext cx="879472" cy="369332"/>
+          </a:xfrm>
+          <a:prstGeom prst="rect">
+            <a:avLst/>
+          </a:prstGeom>
+          <a:noFill/>
+        </p:spPr>
+        <p:txBody>
+          <a:bodyPr wrap="none" rtlCol="0">
+            <a:spAutoFit/>
+          </a:bodyPr>
+          <a:lstStyle/>
+          <a:p>
+            <a:r>
+              <a:rPr lang="de-DE" dirty="0"/>
+              <a:t>Muster</a:t>
+            </a:r>
+          </a:p>
+        </p:txBody>
+      </p:sp>
+      <p:sp>
+        <p:nvSpPr>
+          <p:cNvPr id="3" name="Abgerundetes Rechteck 2">
+            <a:extLst>
+              <a:ext uri="{FF2B5EF4-FFF2-40B4-BE49-F238E27FC236}">
+                <a16:creationId xmlns:a16="http://schemas.microsoft.com/office/drawing/2014/main" id="{3D9A61AF-44A5-3151-EBCC-C0CE89025EDB}"/>
+              </a:ext>
+            </a:extLst>
+          </p:cNvPr>
+          <p:cNvSpPr/>
+          <p:nvPr/>
+        </p:nvSpPr>
+        <p:spPr>
+          <a:xfrm>
+            <a:off x="715616" y="424071"/>
+            <a:ext cx="3803374" cy="2729948"/>
+          </a:xfrm>
+          <a:prstGeom prst="roundRect">
+            <a:avLst/>
+          </a:prstGeom>
+          <a:noFill/>
+          <a:ln>
+            <a:solidFill>
+              <a:schemeClr val="accent1"/>
+            </a:solidFill>
+          </a:ln>
+        </p:spPr>
+        <p:style>
+          <a:lnRef idx="2">
+            <a:schemeClr val="accent1">
+              <a:shade val="15000"/>
+            </a:schemeClr>
+          </a:lnRef>
+          <a:fillRef idx="1">
+            <a:schemeClr val="accent1"/>
+          </a:fillRef>
+          <a:effectRef idx="0">
+            <a:schemeClr val="accent1"/>
+          </a:effectRef>
+          <a:fontRef idx="minor">
+            <a:schemeClr val="lt1"/>
+          </a:fontRef>
+        </p:style>
+        <p:txBody>
+          <a:bodyPr rtlCol="0" anchor="ctr"/>
+          <a:lstStyle/>
+          <a:p>
+            <a:pPr algn="ctr"/>
+            <a:endParaRPr lang="de-DE"/>
+          </a:p>
+        </p:txBody>
+      </p:sp>
+    </p:spTree>
+    <p:extLst>
+      <p:ext uri="{BB962C8B-B14F-4D97-AF65-F5344CB8AC3E}">
+        <p14:creationId xmlns:p14="http://schemas.microsoft.com/office/powerpoint/2010/main" val="2256264279"/>
+      </p:ext>
+    </p:extLst>
+  </p:cSld>
+  <p:clrMapOvr>
+    <a:masterClrMapping/>
+  </p:clrMapOvr>
+</p:sld>
+</file>
+
+<file path=ppt/slides/slide3.xml><?xml version="1.0" encoding="utf-8"?>
+<p:sld xmlns:a="http://schemas.openxmlformats.org/drawingml/2006/main" xmlns:r="http://schemas.openxmlformats.org/officeDocument/2006/relationships" xmlns:p="http://schemas.openxmlformats.org/presentationml/2006/main">
+  <p:cSld>
+    <p:spTree>
+      <p:nvGrpSpPr>
         <p:cNvPr id="1" name=""/>
         <p:cNvGrpSpPr/>
         <p:nvPr/>
@@ -3399,7 +3625,7 @@
 </p:sld>
 </file>
 
-<file path=ppt/slides/slide2.xml><?xml version="1.0" encoding="utf-8"?>
+<file path=ppt/slides/slide4.xml><?xml version="1.0" encoding="utf-8"?>
 <p:sld xmlns:a="http://schemas.openxmlformats.org/drawingml/2006/main" xmlns:r="http://schemas.openxmlformats.org/officeDocument/2006/relationships" xmlns:p="http://schemas.openxmlformats.org/presentationml/2006/main">
   <p:cSld>
     <p:spTree>
@@ -4809,7 +5035,1094 @@
 </p:sld>
 </file>
 
-<file path=ppt/slides/slide3.xml><?xml version="1.0" encoding="utf-8"?>
+<file path=ppt/slides/slide5.xml><?xml version="1.0" encoding="utf-8"?>
+<p:sld xmlns:a="http://schemas.openxmlformats.org/drawingml/2006/main" xmlns:r="http://schemas.openxmlformats.org/officeDocument/2006/relationships" xmlns:p="http://schemas.openxmlformats.org/presentationml/2006/main">
+  <p:cSld>
+    <p:spTree>
+      <p:nvGrpSpPr>
+        <p:cNvPr id="1" name="">
+          <a:extLst>
+            <a:ext uri="{FF2B5EF4-FFF2-40B4-BE49-F238E27FC236}">
+              <a16:creationId xmlns:a16="http://schemas.microsoft.com/office/drawing/2014/main" id="{D4B4F711-9BFA-6B47-BECE-0FE4E754D830}"/>
+            </a:ext>
+          </a:extLst>
+        </p:cNvPr>
+        <p:cNvGrpSpPr/>
+        <p:nvPr/>
+      </p:nvGrpSpPr>
+      <p:grpSpPr>
+        <a:xfrm>
+          <a:off x="0" y="0"/>
+          <a:ext cx="0" cy="0"/>
+          <a:chOff x="0" y="0"/>
+          <a:chExt cx="0" cy="0"/>
+        </a:xfrm>
+      </p:grpSpPr>
+      <p:sp>
+        <p:nvSpPr>
+          <p:cNvPr id="4" name="Textfeld 3">
+            <a:extLst>
+              <a:ext uri="{FF2B5EF4-FFF2-40B4-BE49-F238E27FC236}">
+                <a16:creationId xmlns:a16="http://schemas.microsoft.com/office/drawing/2014/main" id="{4881EF89-484D-119C-CDC1-C195E321951C}"/>
+              </a:ext>
+            </a:extLst>
+          </p:cNvPr>
+          <p:cNvSpPr txBox="1"/>
+          <p:nvPr/>
+        </p:nvSpPr>
+        <p:spPr>
+          <a:xfrm>
+            <a:off x="10275193" y="6488668"/>
+            <a:ext cx="1916807" cy="369332"/>
+          </a:xfrm>
+          <a:prstGeom prst="rect">
+            <a:avLst/>
+          </a:prstGeom>
+          <a:noFill/>
+        </p:spPr>
+        <p:txBody>
+          <a:bodyPr wrap="none" rtlCol="0">
+            <a:spAutoFit/>
+          </a:bodyPr>
+          <a:lstStyle/>
+          <a:p>
+            <a:r>
+              <a:rPr lang="de-DE" dirty="0"/>
+              <a:t>Chat-Anwendung</a:t>
+            </a:r>
+          </a:p>
+        </p:txBody>
+      </p:sp>
+      <p:sp>
+        <p:nvSpPr>
+          <p:cNvPr id="5" name="Textfeld 4">
+            <a:extLst>
+              <a:ext uri="{FF2B5EF4-FFF2-40B4-BE49-F238E27FC236}">
+                <a16:creationId xmlns:a16="http://schemas.microsoft.com/office/drawing/2014/main" id="{9D10A217-6598-C86C-0DAF-DEE7EDBEECAF}"/>
+              </a:ext>
+            </a:extLst>
+          </p:cNvPr>
+          <p:cNvSpPr txBox="1"/>
+          <p:nvPr/>
+        </p:nvSpPr>
+        <p:spPr>
+          <a:xfrm>
+            <a:off x="410817" y="304800"/>
+            <a:ext cx="2306914" cy="369332"/>
+          </a:xfrm>
+          <a:prstGeom prst="rect">
+            <a:avLst/>
+          </a:prstGeom>
+          <a:noFill/>
+        </p:spPr>
+        <p:txBody>
+          <a:bodyPr wrap="none" rtlCol="0">
+            <a:spAutoFit/>
+          </a:bodyPr>
+          <a:lstStyle/>
+          <a:p>
+            <a:r>
+              <a:rPr lang="de-DE" dirty="0"/>
+              <a:t>Kompositions-Prinzip</a:t>
+            </a:r>
+          </a:p>
+        </p:txBody>
+      </p:sp>
+      <p:sp>
+        <p:nvSpPr>
+          <p:cNvPr id="6" name="Abgerundetes Rechteck 5">
+            <a:extLst>
+              <a:ext uri="{FF2B5EF4-FFF2-40B4-BE49-F238E27FC236}">
+                <a16:creationId xmlns:a16="http://schemas.microsoft.com/office/drawing/2014/main" id="{162D3426-2A4F-3E61-6794-A817979CB53F}"/>
+              </a:ext>
+            </a:extLst>
+          </p:cNvPr>
+          <p:cNvSpPr/>
+          <p:nvPr/>
+        </p:nvSpPr>
+        <p:spPr>
+          <a:xfrm>
+            <a:off x="2477255" y="1192697"/>
+            <a:ext cx="2173357" cy="914400"/>
+          </a:xfrm>
+          <a:prstGeom prst="roundRect">
+            <a:avLst/>
+          </a:prstGeom>
+        </p:spPr>
+        <p:style>
+          <a:lnRef idx="2">
+            <a:schemeClr val="accent1">
+              <a:shade val="15000"/>
+            </a:schemeClr>
+          </a:lnRef>
+          <a:fillRef idx="1">
+            <a:schemeClr val="accent1"/>
+          </a:fillRef>
+          <a:effectRef idx="0">
+            <a:schemeClr val="accent1"/>
+          </a:effectRef>
+          <a:fontRef idx="minor">
+            <a:schemeClr val="lt1"/>
+          </a:fontRef>
+        </p:style>
+        <p:txBody>
+          <a:bodyPr rtlCol="0" anchor="ctr"/>
+          <a:lstStyle/>
+          <a:p>
+            <a:pPr algn="ctr"/>
+            <a:r>
+              <a:rPr lang="de-DE" dirty="0"/>
+              <a:t>Create</a:t>
+            </a:r>
+            <a:br>
+              <a:rPr lang="de-DE" dirty="0"/>
+            </a:br>
+            <a:r>
+              <a:rPr lang="de-DE" dirty="0"/>
+              <a:t>Chat-Anwendung</a:t>
+            </a:r>
+          </a:p>
+        </p:txBody>
+      </p:sp>
+      <p:sp>
+        <p:nvSpPr>
+          <p:cNvPr id="7" name="Abgerundetes Rechteck 6">
+            <a:extLst>
+              <a:ext uri="{FF2B5EF4-FFF2-40B4-BE49-F238E27FC236}">
+                <a16:creationId xmlns:a16="http://schemas.microsoft.com/office/drawing/2014/main" id="{D6958EE4-95E6-A6C8-811E-4A9F8D273DD0}"/>
+              </a:ext>
+            </a:extLst>
+          </p:cNvPr>
+          <p:cNvSpPr/>
+          <p:nvPr/>
+        </p:nvSpPr>
+        <p:spPr>
+          <a:xfrm>
+            <a:off x="5393633" y="576471"/>
+            <a:ext cx="2173357" cy="914400"/>
+          </a:xfrm>
+          <a:prstGeom prst="roundRect">
+            <a:avLst/>
+          </a:prstGeom>
+        </p:spPr>
+        <p:style>
+          <a:lnRef idx="2">
+            <a:schemeClr val="accent1">
+              <a:shade val="15000"/>
+            </a:schemeClr>
+          </a:lnRef>
+          <a:fillRef idx="1">
+            <a:schemeClr val="accent1"/>
+          </a:fillRef>
+          <a:effectRef idx="0">
+            <a:schemeClr val="accent1"/>
+          </a:effectRef>
+          <a:fontRef idx="minor">
+            <a:schemeClr val="lt1"/>
+          </a:fontRef>
+        </p:style>
+        <p:txBody>
+          <a:bodyPr rtlCol="0" anchor="ctr"/>
+          <a:lstStyle/>
+          <a:p>
+            <a:pPr algn="ctr"/>
+            <a:r>
+              <a:rPr lang="de-DE" dirty="0"/>
+              <a:t>Create </a:t>
+            </a:r>
+            <a:br>
+              <a:rPr lang="de-DE" dirty="0"/>
+            </a:br>
+            <a:r>
+              <a:rPr lang="de-DE" dirty="0" err="1"/>
+              <a:t>new</a:t>
+            </a:r>
+            <a:r>
+              <a:rPr lang="de-DE" dirty="0"/>
+              <a:t> </a:t>
+            </a:r>
+            <a:br>
+              <a:rPr lang="de-DE" dirty="0"/>
+            </a:br>
+            <a:r>
+              <a:rPr lang="de-DE" dirty="0"/>
+              <a:t>Chat-Anwendung</a:t>
+            </a:r>
+          </a:p>
+        </p:txBody>
+      </p:sp>
+      <p:sp>
+        <p:nvSpPr>
+          <p:cNvPr id="8" name="Abgerundetes Rechteck 7">
+            <a:extLst>
+              <a:ext uri="{FF2B5EF4-FFF2-40B4-BE49-F238E27FC236}">
+                <a16:creationId xmlns:a16="http://schemas.microsoft.com/office/drawing/2014/main" id="{CEE873B9-9638-4162-E7AB-A3B85771021E}"/>
+              </a:ext>
+            </a:extLst>
+          </p:cNvPr>
+          <p:cNvSpPr/>
+          <p:nvPr/>
+        </p:nvSpPr>
+        <p:spPr>
+          <a:xfrm>
+            <a:off x="5393632" y="2060715"/>
+            <a:ext cx="2173357" cy="914400"/>
+          </a:xfrm>
+          <a:prstGeom prst="roundRect">
+            <a:avLst/>
+          </a:prstGeom>
+        </p:spPr>
+        <p:style>
+          <a:lnRef idx="2">
+            <a:schemeClr val="accent1">
+              <a:shade val="15000"/>
+            </a:schemeClr>
+          </a:lnRef>
+          <a:fillRef idx="1">
+            <a:schemeClr val="accent1"/>
+          </a:fillRef>
+          <a:effectRef idx="0">
+            <a:schemeClr val="accent1"/>
+          </a:effectRef>
+          <a:fontRef idx="minor">
+            <a:schemeClr val="lt1"/>
+          </a:fontRef>
+        </p:style>
+        <p:txBody>
+          <a:bodyPr rtlCol="0" anchor="ctr"/>
+          <a:lstStyle/>
+          <a:p>
+            <a:pPr algn="ctr"/>
+            <a:r>
+              <a:rPr lang="de-DE" dirty="0"/>
+              <a:t>Create </a:t>
+            </a:r>
+            <a:br>
+              <a:rPr lang="de-DE" dirty="0"/>
+            </a:br>
+            <a:r>
+              <a:rPr lang="de-DE" dirty="0" err="1"/>
+              <a:t>based</a:t>
+            </a:r>
+            <a:r>
+              <a:rPr lang="de-DE" dirty="0"/>
+              <a:t> on </a:t>
+            </a:r>
+            <a:r>
+              <a:rPr lang="de-DE" dirty="0" err="1"/>
+              <a:t>existing</a:t>
+            </a:r>
+            <a:endParaRPr lang="de-DE" dirty="0"/>
+          </a:p>
+          <a:p>
+            <a:pPr algn="ctr"/>
+            <a:r>
+              <a:rPr lang="de-DE" dirty="0"/>
+              <a:t>Chat-Anwendung</a:t>
+            </a:r>
+          </a:p>
+        </p:txBody>
+      </p:sp>
+      <p:cxnSp>
+        <p:nvCxnSpPr>
+          <p:cNvPr id="10" name="Gerade Verbindung mit Pfeil 9">
+            <a:extLst>
+              <a:ext uri="{FF2B5EF4-FFF2-40B4-BE49-F238E27FC236}">
+                <a16:creationId xmlns:a16="http://schemas.microsoft.com/office/drawing/2014/main" id="{9B2E8908-2A88-CE3D-F4C9-69E6413B7FA2}"/>
+              </a:ext>
+            </a:extLst>
+          </p:cNvPr>
+          <p:cNvCxnSpPr>
+            <a:stCxn id="6" idx="3"/>
+            <a:endCxn id="7" idx="1"/>
+          </p:cNvCxnSpPr>
+          <p:nvPr/>
+        </p:nvCxnSpPr>
+        <p:spPr>
+          <a:xfrm flipV="1">
+            <a:off x="4650612" y="1033671"/>
+            <a:ext cx="743021" cy="616226"/>
+          </a:xfrm>
+          <a:prstGeom prst="straightConnector1">
+            <a:avLst/>
+          </a:prstGeom>
+          <a:ln>
+            <a:tailEnd type="triangle"/>
+          </a:ln>
+        </p:spPr>
+        <p:style>
+          <a:lnRef idx="2">
+            <a:schemeClr val="accent1"/>
+          </a:lnRef>
+          <a:fillRef idx="0">
+            <a:schemeClr val="accent1"/>
+          </a:fillRef>
+          <a:effectRef idx="1">
+            <a:schemeClr val="accent1"/>
+          </a:effectRef>
+          <a:fontRef idx="minor">
+            <a:schemeClr val="tx1"/>
+          </a:fontRef>
+        </p:style>
+      </p:cxnSp>
+      <p:cxnSp>
+        <p:nvCxnSpPr>
+          <p:cNvPr id="12" name="Gerade Verbindung mit Pfeil 11">
+            <a:extLst>
+              <a:ext uri="{FF2B5EF4-FFF2-40B4-BE49-F238E27FC236}">
+                <a16:creationId xmlns:a16="http://schemas.microsoft.com/office/drawing/2014/main" id="{F656A7AE-76B9-75D7-0EA7-A3489D0F49E6}"/>
+              </a:ext>
+            </a:extLst>
+          </p:cNvPr>
+          <p:cNvCxnSpPr>
+            <a:stCxn id="6" idx="3"/>
+            <a:endCxn id="8" idx="1"/>
+          </p:cNvCxnSpPr>
+          <p:nvPr/>
+        </p:nvCxnSpPr>
+        <p:spPr>
+          <a:xfrm>
+            <a:off x="4650612" y="1649897"/>
+            <a:ext cx="743020" cy="868018"/>
+          </a:xfrm>
+          <a:prstGeom prst="straightConnector1">
+            <a:avLst/>
+          </a:prstGeom>
+          <a:ln>
+            <a:tailEnd type="triangle"/>
+          </a:ln>
+        </p:spPr>
+        <p:style>
+          <a:lnRef idx="2">
+            <a:schemeClr val="accent1"/>
+          </a:lnRef>
+          <a:fillRef idx="0">
+            <a:schemeClr val="accent1"/>
+          </a:fillRef>
+          <a:effectRef idx="1">
+            <a:schemeClr val="accent1"/>
+          </a:effectRef>
+          <a:fontRef idx="minor">
+            <a:schemeClr val="tx1"/>
+          </a:fontRef>
+        </p:style>
+      </p:cxnSp>
+      <p:sp>
+        <p:nvSpPr>
+          <p:cNvPr id="13" name="Gefaltete Ecke 12">
+            <a:extLst>
+              <a:ext uri="{FF2B5EF4-FFF2-40B4-BE49-F238E27FC236}">
+                <a16:creationId xmlns:a16="http://schemas.microsoft.com/office/drawing/2014/main" id="{0C8AB7CF-4A17-4F21-E16E-DD15B5360BE0}"/>
+              </a:ext>
+            </a:extLst>
+          </p:cNvPr>
+          <p:cNvSpPr/>
+          <p:nvPr/>
+        </p:nvSpPr>
+        <p:spPr>
+          <a:xfrm>
+            <a:off x="2583271" y="2743201"/>
+            <a:ext cx="1948070" cy="914400"/>
+          </a:xfrm>
+          <a:prstGeom prst="foldedCorner">
+            <a:avLst/>
+          </a:prstGeom>
+        </p:spPr>
+        <p:style>
+          <a:lnRef idx="2">
+            <a:schemeClr val="accent1">
+              <a:shade val="15000"/>
+            </a:schemeClr>
+          </a:lnRef>
+          <a:fillRef idx="1">
+            <a:schemeClr val="accent1"/>
+          </a:fillRef>
+          <a:effectRef idx="0">
+            <a:schemeClr val="accent1"/>
+          </a:effectRef>
+          <a:fontRef idx="minor">
+            <a:schemeClr val="lt1"/>
+          </a:fontRef>
+        </p:style>
+        <p:txBody>
+          <a:bodyPr rtlCol="0" anchor="ctr"/>
+          <a:lstStyle/>
+          <a:p>
+            <a:pPr algn="ctr"/>
+            <a:r>
+              <a:rPr lang="de-DE" dirty="0"/>
+              <a:t>Konfiguration</a:t>
+            </a:r>
+          </a:p>
+        </p:txBody>
+      </p:sp>
+      <p:cxnSp>
+        <p:nvCxnSpPr>
+          <p:cNvPr id="15" name="Gerade Verbindung 14">
+            <a:extLst>
+              <a:ext uri="{FF2B5EF4-FFF2-40B4-BE49-F238E27FC236}">
+                <a16:creationId xmlns:a16="http://schemas.microsoft.com/office/drawing/2014/main" id="{EFDA3B34-7D7E-9375-46FC-AA4343FAAD08}"/>
+              </a:ext>
+            </a:extLst>
+          </p:cNvPr>
+          <p:cNvCxnSpPr>
+            <a:stCxn id="6" idx="2"/>
+            <a:endCxn id="13" idx="0"/>
+          </p:cNvCxnSpPr>
+          <p:nvPr/>
+        </p:nvCxnSpPr>
+        <p:spPr>
+          <a:xfrm flipH="1">
+            <a:off x="3557306" y="2107097"/>
+            <a:ext cx="6628" cy="636104"/>
+          </a:xfrm>
+          <a:prstGeom prst="line">
+            <a:avLst/>
+          </a:prstGeom>
+        </p:spPr>
+        <p:style>
+          <a:lnRef idx="2">
+            <a:schemeClr val="accent1"/>
+          </a:lnRef>
+          <a:fillRef idx="0">
+            <a:schemeClr val="accent1"/>
+          </a:fillRef>
+          <a:effectRef idx="1">
+            <a:schemeClr val="accent1"/>
+          </a:effectRef>
+          <a:fontRef idx="minor">
+            <a:schemeClr val="tx1"/>
+          </a:fontRef>
+        </p:style>
+      </p:cxnSp>
+      <p:sp>
+        <p:nvSpPr>
+          <p:cNvPr id="16" name="Rechteck 15">
+            <a:extLst>
+              <a:ext uri="{FF2B5EF4-FFF2-40B4-BE49-F238E27FC236}">
+                <a16:creationId xmlns:a16="http://schemas.microsoft.com/office/drawing/2014/main" id="{015EAEAA-66B4-D49A-44E0-534616D8EFEE}"/>
+              </a:ext>
+            </a:extLst>
+          </p:cNvPr>
+          <p:cNvSpPr/>
+          <p:nvPr/>
+        </p:nvSpPr>
+        <p:spPr>
+          <a:xfrm>
+            <a:off x="325385" y="4738517"/>
+            <a:ext cx="1504572" cy="914400"/>
+          </a:xfrm>
+          <a:prstGeom prst="rect">
+            <a:avLst/>
+          </a:prstGeom>
+        </p:spPr>
+        <p:style>
+          <a:lnRef idx="2">
+            <a:schemeClr val="accent1">
+              <a:shade val="15000"/>
+            </a:schemeClr>
+          </a:lnRef>
+          <a:fillRef idx="1">
+            <a:schemeClr val="accent1"/>
+          </a:fillRef>
+          <a:effectRef idx="0">
+            <a:schemeClr val="accent1"/>
+          </a:effectRef>
+          <a:fontRef idx="minor">
+            <a:schemeClr val="lt1"/>
+          </a:fontRef>
+        </p:style>
+        <p:txBody>
+          <a:bodyPr rtlCol="0" anchor="ctr"/>
+          <a:lstStyle/>
+          <a:p>
+            <a:pPr algn="ctr"/>
+            <a:r>
+              <a:rPr lang="de-DE" dirty="0"/>
+              <a:t>Agent</a:t>
+            </a:r>
+          </a:p>
+        </p:txBody>
+      </p:sp>
+      <p:sp>
+        <p:nvSpPr>
+          <p:cNvPr id="17" name="Rechteck 16">
+            <a:extLst>
+              <a:ext uri="{FF2B5EF4-FFF2-40B4-BE49-F238E27FC236}">
+                <a16:creationId xmlns:a16="http://schemas.microsoft.com/office/drawing/2014/main" id="{B7AA1C16-2517-CF55-B13C-852F105FA990}"/>
+              </a:ext>
+            </a:extLst>
+          </p:cNvPr>
+          <p:cNvSpPr/>
+          <p:nvPr/>
+        </p:nvSpPr>
+        <p:spPr>
+          <a:xfrm>
+            <a:off x="1981006" y="4733618"/>
+            <a:ext cx="1504572" cy="914400"/>
+          </a:xfrm>
+          <a:prstGeom prst="rect">
+            <a:avLst/>
+          </a:prstGeom>
+        </p:spPr>
+        <p:style>
+          <a:lnRef idx="2">
+            <a:schemeClr val="accent1">
+              <a:shade val="15000"/>
+            </a:schemeClr>
+          </a:lnRef>
+          <a:fillRef idx="1">
+            <a:schemeClr val="accent1"/>
+          </a:fillRef>
+          <a:effectRef idx="0">
+            <a:schemeClr val="accent1"/>
+          </a:effectRef>
+          <a:fontRef idx="minor">
+            <a:schemeClr val="lt1"/>
+          </a:fontRef>
+        </p:style>
+        <p:txBody>
+          <a:bodyPr rtlCol="0" anchor="ctr"/>
+          <a:lstStyle/>
+          <a:p>
+            <a:pPr algn="ctr"/>
+            <a:r>
+              <a:rPr lang="de-DE" dirty="0"/>
+              <a:t>Task</a:t>
+            </a:r>
+          </a:p>
+        </p:txBody>
+      </p:sp>
+      <p:sp>
+        <p:nvSpPr>
+          <p:cNvPr id="18" name="Rechteck 17">
+            <a:extLst>
+              <a:ext uri="{FF2B5EF4-FFF2-40B4-BE49-F238E27FC236}">
+                <a16:creationId xmlns:a16="http://schemas.microsoft.com/office/drawing/2014/main" id="{D9092D5B-35E2-76BA-D50D-540448331D15}"/>
+              </a:ext>
+            </a:extLst>
+          </p:cNvPr>
+          <p:cNvSpPr/>
+          <p:nvPr/>
+        </p:nvSpPr>
+        <p:spPr>
+          <a:xfrm>
+            <a:off x="3638429" y="4733618"/>
+            <a:ext cx="1504572" cy="914400"/>
+          </a:xfrm>
+          <a:prstGeom prst="rect">
+            <a:avLst/>
+          </a:prstGeom>
+        </p:spPr>
+        <p:style>
+          <a:lnRef idx="2">
+            <a:schemeClr val="accent1">
+              <a:shade val="15000"/>
+            </a:schemeClr>
+          </a:lnRef>
+          <a:fillRef idx="1">
+            <a:schemeClr val="accent1"/>
+          </a:fillRef>
+          <a:effectRef idx="0">
+            <a:schemeClr val="accent1"/>
+          </a:effectRef>
+          <a:fontRef idx="minor">
+            <a:schemeClr val="lt1"/>
+          </a:fontRef>
+        </p:style>
+        <p:txBody>
+          <a:bodyPr rtlCol="0" anchor="ctr"/>
+          <a:lstStyle/>
+          <a:p>
+            <a:pPr algn="ctr"/>
+            <a:r>
+              <a:rPr lang="de-DE" dirty="0"/>
+              <a:t>RAG</a:t>
+            </a:r>
+          </a:p>
+        </p:txBody>
+      </p:sp>
+      <p:sp>
+        <p:nvSpPr>
+          <p:cNvPr id="19" name="Rechteck 18">
+            <a:extLst>
+              <a:ext uri="{FF2B5EF4-FFF2-40B4-BE49-F238E27FC236}">
+                <a16:creationId xmlns:a16="http://schemas.microsoft.com/office/drawing/2014/main" id="{AF0C9BCC-1535-7CD9-8748-6FAD1C347FC9}"/>
+              </a:ext>
+            </a:extLst>
+          </p:cNvPr>
+          <p:cNvSpPr/>
+          <p:nvPr/>
+        </p:nvSpPr>
+        <p:spPr>
+          <a:xfrm>
+            <a:off x="5274364" y="4733618"/>
+            <a:ext cx="1504572" cy="914400"/>
+          </a:xfrm>
+          <a:prstGeom prst="rect">
+            <a:avLst/>
+          </a:prstGeom>
+        </p:spPr>
+        <p:style>
+          <a:lnRef idx="2">
+            <a:schemeClr val="accent1">
+              <a:shade val="15000"/>
+            </a:schemeClr>
+          </a:lnRef>
+          <a:fillRef idx="1">
+            <a:schemeClr val="accent1"/>
+          </a:fillRef>
+          <a:effectRef idx="0">
+            <a:schemeClr val="accent1"/>
+          </a:effectRef>
+          <a:fontRef idx="minor">
+            <a:schemeClr val="lt1"/>
+          </a:fontRef>
+        </p:style>
+        <p:txBody>
+          <a:bodyPr rtlCol="0" anchor="ctr"/>
+          <a:lstStyle/>
+          <a:p>
+            <a:pPr algn="ctr"/>
+            <a:r>
+              <a:rPr lang="de-DE" dirty="0"/>
+              <a:t>Tools</a:t>
+            </a:r>
+          </a:p>
+        </p:txBody>
+      </p:sp>
+      <p:sp>
+        <p:nvSpPr>
+          <p:cNvPr id="20" name="Rechteck 19">
+            <a:extLst>
+              <a:ext uri="{FF2B5EF4-FFF2-40B4-BE49-F238E27FC236}">
+                <a16:creationId xmlns:a16="http://schemas.microsoft.com/office/drawing/2014/main" id="{FA19E428-E9DF-5309-B2C7-F9B5A74272FD}"/>
+              </a:ext>
+            </a:extLst>
+          </p:cNvPr>
+          <p:cNvSpPr/>
+          <p:nvPr/>
+        </p:nvSpPr>
+        <p:spPr>
+          <a:xfrm>
+            <a:off x="325386" y="4108174"/>
+            <a:ext cx="6453550" cy="393530"/>
+          </a:xfrm>
+          <a:prstGeom prst="rect">
+            <a:avLst/>
+          </a:prstGeom>
+        </p:spPr>
+        <p:style>
+          <a:lnRef idx="2">
+            <a:schemeClr val="accent1">
+              <a:shade val="15000"/>
+            </a:schemeClr>
+          </a:lnRef>
+          <a:fillRef idx="1">
+            <a:schemeClr val="accent1"/>
+          </a:fillRef>
+          <a:effectRef idx="0">
+            <a:schemeClr val="accent1"/>
+          </a:effectRef>
+          <a:fontRef idx="minor">
+            <a:schemeClr val="lt1"/>
+          </a:fontRef>
+        </p:style>
+        <p:txBody>
+          <a:bodyPr rtlCol="0" anchor="ctr"/>
+          <a:lstStyle/>
+          <a:p>
+            <a:pPr algn="ctr"/>
+            <a:r>
+              <a:rPr lang="de-DE" dirty="0"/>
+              <a:t>Orchestrierung</a:t>
+            </a:r>
+          </a:p>
+        </p:txBody>
+      </p:sp>
+      <p:cxnSp>
+        <p:nvCxnSpPr>
+          <p:cNvPr id="22" name="Gerade Verbindung 21">
+            <a:extLst>
+              <a:ext uri="{FF2B5EF4-FFF2-40B4-BE49-F238E27FC236}">
+                <a16:creationId xmlns:a16="http://schemas.microsoft.com/office/drawing/2014/main" id="{9495C12E-A064-D486-DF3A-6B0209170B46}"/>
+              </a:ext>
+            </a:extLst>
+          </p:cNvPr>
+          <p:cNvCxnSpPr>
+            <a:stCxn id="13" idx="2"/>
+            <a:endCxn id="20" idx="0"/>
+          </p:cNvCxnSpPr>
+          <p:nvPr/>
+        </p:nvCxnSpPr>
+        <p:spPr>
+          <a:xfrm flipH="1">
+            <a:off x="3552161" y="3657601"/>
+            <a:ext cx="5145" cy="450573"/>
+          </a:xfrm>
+          <a:prstGeom prst="line">
+            <a:avLst/>
+          </a:prstGeom>
+        </p:spPr>
+        <p:style>
+          <a:lnRef idx="2">
+            <a:schemeClr val="accent1"/>
+          </a:lnRef>
+          <a:fillRef idx="0">
+            <a:schemeClr val="accent1"/>
+          </a:fillRef>
+          <a:effectRef idx="1">
+            <a:schemeClr val="accent1"/>
+          </a:effectRef>
+          <a:fontRef idx="minor">
+            <a:schemeClr val="tx1"/>
+          </a:fontRef>
+        </p:style>
+      </p:cxnSp>
+      <p:sp>
+        <p:nvSpPr>
+          <p:cNvPr id="23" name="Textfeld 22">
+            <a:extLst>
+              <a:ext uri="{FF2B5EF4-FFF2-40B4-BE49-F238E27FC236}">
+                <a16:creationId xmlns:a16="http://schemas.microsoft.com/office/drawing/2014/main" id="{D493599D-7D88-3E1B-7092-88576E5576CA}"/>
+              </a:ext>
+            </a:extLst>
+          </p:cNvPr>
+          <p:cNvSpPr txBox="1"/>
+          <p:nvPr/>
+        </p:nvSpPr>
+        <p:spPr>
+          <a:xfrm>
+            <a:off x="7991061" y="823365"/>
+            <a:ext cx="1934056" cy="369332"/>
+          </a:xfrm>
+          <a:prstGeom prst="rect">
+            <a:avLst/>
+          </a:prstGeom>
+          <a:noFill/>
+        </p:spPr>
+        <p:txBody>
+          <a:bodyPr wrap="none" rtlCol="0">
+            <a:spAutoFit/>
+          </a:bodyPr>
+          <a:lstStyle/>
+          <a:p>
+            <a:r>
+              <a:rPr lang="de-DE" dirty="0"/>
+              <a:t>Neu-Komposition</a:t>
+            </a:r>
+          </a:p>
+        </p:txBody>
+      </p:sp>
+      <p:sp>
+        <p:nvSpPr>
+          <p:cNvPr id="24" name="Textfeld 23">
+            <a:extLst>
+              <a:ext uri="{FF2B5EF4-FFF2-40B4-BE49-F238E27FC236}">
+                <a16:creationId xmlns:a16="http://schemas.microsoft.com/office/drawing/2014/main" id="{6561C869-9877-D7B3-627E-2287E9B5FD80}"/>
+              </a:ext>
+            </a:extLst>
+          </p:cNvPr>
+          <p:cNvSpPr txBox="1"/>
+          <p:nvPr/>
+        </p:nvSpPr>
+        <p:spPr>
+          <a:xfrm>
+            <a:off x="7991061" y="2240483"/>
+            <a:ext cx="3096425" cy="646331"/>
+          </a:xfrm>
+          <a:prstGeom prst="rect">
+            <a:avLst/>
+          </a:prstGeom>
+          <a:noFill/>
+        </p:spPr>
+        <p:txBody>
+          <a:bodyPr wrap="none" rtlCol="0">
+            <a:spAutoFit/>
+          </a:bodyPr>
+          <a:lstStyle/>
+          <a:p>
+            <a:r>
+              <a:rPr lang="de-DE" dirty="0"/>
+              <a:t>Änderung einer bestehenden </a:t>
+            </a:r>
+            <a:br>
+              <a:rPr lang="de-DE" dirty="0"/>
+            </a:br>
+            <a:r>
+              <a:rPr lang="de-DE" dirty="0"/>
+              <a:t>Konfiguration</a:t>
+            </a:r>
+          </a:p>
+        </p:txBody>
+      </p:sp>
+      <p:sp>
+        <p:nvSpPr>
+          <p:cNvPr id="25" name="Rechteck 24">
+            <a:extLst>
+              <a:ext uri="{FF2B5EF4-FFF2-40B4-BE49-F238E27FC236}">
+                <a16:creationId xmlns:a16="http://schemas.microsoft.com/office/drawing/2014/main" id="{04E5AA7B-392A-3DA3-C547-F7E4C6ED8C39}"/>
+              </a:ext>
+            </a:extLst>
+          </p:cNvPr>
+          <p:cNvSpPr/>
+          <p:nvPr/>
+        </p:nvSpPr>
+        <p:spPr>
+          <a:xfrm>
+            <a:off x="1981006" y="5826924"/>
+            <a:ext cx="1504572" cy="914400"/>
+          </a:xfrm>
+          <a:prstGeom prst="rect">
+            <a:avLst/>
+          </a:prstGeom>
+        </p:spPr>
+        <p:style>
+          <a:lnRef idx="2">
+            <a:schemeClr val="accent1">
+              <a:shade val="15000"/>
+            </a:schemeClr>
+          </a:lnRef>
+          <a:fillRef idx="1">
+            <a:schemeClr val="accent1"/>
+          </a:fillRef>
+          <a:effectRef idx="0">
+            <a:schemeClr val="accent1"/>
+          </a:effectRef>
+          <a:fontRef idx="minor">
+            <a:schemeClr val="lt1"/>
+          </a:fontRef>
+        </p:style>
+        <p:txBody>
+          <a:bodyPr rtlCol="0" anchor="ctr"/>
+          <a:lstStyle/>
+          <a:p>
+            <a:pPr algn="ctr"/>
+            <a:r>
+              <a:rPr lang="de-DE" dirty="0"/>
+              <a:t>Model</a:t>
+            </a:r>
+          </a:p>
+        </p:txBody>
+      </p:sp>
+      <p:sp>
+        <p:nvSpPr>
+          <p:cNvPr id="26" name="Rechteck 25">
+            <a:extLst>
+              <a:ext uri="{FF2B5EF4-FFF2-40B4-BE49-F238E27FC236}">
+                <a16:creationId xmlns:a16="http://schemas.microsoft.com/office/drawing/2014/main" id="{C384F920-6765-B8DA-2243-2B7863CF9EC2}"/>
+              </a:ext>
+            </a:extLst>
+          </p:cNvPr>
+          <p:cNvSpPr/>
+          <p:nvPr/>
+        </p:nvSpPr>
+        <p:spPr>
+          <a:xfrm>
+            <a:off x="325385" y="5814536"/>
+            <a:ext cx="1504572" cy="914400"/>
+          </a:xfrm>
+          <a:prstGeom prst="rect">
+            <a:avLst/>
+          </a:prstGeom>
+        </p:spPr>
+        <p:style>
+          <a:lnRef idx="2">
+            <a:schemeClr val="accent1">
+              <a:shade val="15000"/>
+            </a:schemeClr>
+          </a:lnRef>
+          <a:fillRef idx="1">
+            <a:schemeClr val="accent1"/>
+          </a:fillRef>
+          <a:effectRef idx="0">
+            <a:schemeClr val="accent1"/>
+          </a:effectRef>
+          <a:fontRef idx="minor">
+            <a:schemeClr val="lt1"/>
+          </a:fontRef>
+        </p:style>
+        <p:txBody>
+          <a:bodyPr rtlCol="0" anchor="ctr"/>
+          <a:lstStyle/>
+          <a:p>
+            <a:pPr algn="ctr"/>
+            <a:r>
+              <a:rPr lang="de-DE" dirty="0"/>
+              <a:t>Model</a:t>
+            </a:r>
+          </a:p>
+        </p:txBody>
+      </p:sp>
+      <p:sp>
+        <p:nvSpPr>
+          <p:cNvPr id="27" name="Rechteck 26">
+            <a:extLst>
+              <a:ext uri="{FF2B5EF4-FFF2-40B4-BE49-F238E27FC236}">
+                <a16:creationId xmlns:a16="http://schemas.microsoft.com/office/drawing/2014/main" id="{849E1A30-D794-3B20-0E10-986B9C91880D}"/>
+              </a:ext>
+            </a:extLst>
+          </p:cNvPr>
+          <p:cNvSpPr/>
+          <p:nvPr/>
+        </p:nvSpPr>
+        <p:spPr>
+          <a:xfrm>
+            <a:off x="3636627" y="5815399"/>
+            <a:ext cx="1504572" cy="914400"/>
+          </a:xfrm>
+          <a:prstGeom prst="rect">
+            <a:avLst/>
+          </a:prstGeom>
+        </p:spPr>
+        <p:style>
+          <a:lnRef idx="2">
+            <a:schemeClr val="accent1">
+              <a:shade val="15000"/>
+            </a:schemeClr>
+          </a:lnRef>
+          <a:fillRef idx="1">
+            <a:schemeClr val="accent1"/>
+          </a:fillRef>
+          <a:effectRef idx="0">
+            <a:schemeClr val="accent1"/>
+          </a:effectRef>
+          <a:fontRef idx="minor">
+            <a:schemeClr val="lt1"/>
+          </a:fontRef>
+        </p:style>
+        <p:txBody>
+          <a:bodyPr rtlCol="0" anchor="ctr"/>
+          <a:lstStyle/>
+          <a:p>
+            <a:pPr algn="ctr"/>
+            <a:r>
+              <a:rPr lang="de-DE" dirty="0"/>
+              <a:t>Model</a:t>
+            </a:r>
+          </a:p>
+        </p:txBody>
+      </p:sp>
+    </p:spTree>
+    <p:extLst>
+      <p:ext uri="{BB962C8B-B14F-4D97-AF65-F5344CB8AC3E}">
+        <p14:creationId xmlns:p14="http://schemas.microsoft.com/office/powerpoint/2010/main" val="1985047825"/>
+      </p:ext>
+    </p:extLst>
+  </p:cSld>
+  <p:clrMapOvr>
+    <a:masterClrMapping/>
+  </p:clrMapOvr>
+</p:sld>
+</file>
+
+<file path=ppt/slides/slide6.xml><?xml version="1.0" encoding="utf-8"?>
+<p:sld xmlns:a="http://schemas.openxmlformats.org/drawingml/2006/main" xmlns:r="http://schemas.openxmlformats.org/officeDocument/2006/relationships" xmlns:p="http://schemas.openxmlformats.org/presentationml/2006/main">
+  <p:cSld>
+    <p:spTree>
+      <p:nvGrpSpPr>
+        <p:cNvPr id="1" name="">
+          <a:extLst>
+            <a:ext uri="{FF2B5EF4-FFF2-40B4-BE49-F238E27FC236}">
+              <a16:creationId xmlns:a16="http://schemas.microsoft.com/office/drawing/2014/main" id="{1C0082E8-D4FA-5228-FF59-B8224550DE59}"/>
+            </a:ext>
+          </a:extLst>
+        </p:cNvPr>
+        <p:cNvGrpSpPr/>
+        <p:nvPr/>
+      </p:nvGrpSpPr>
+      <p:grpSpPr>
+        <a:xfrm>
+          <a:off x="0" y="0"/>
+          <a:ext cx="0" cy="0"/>
+          <a:chOff x="0" y="0"/>
+          <a:chExt cx="0" cy="0"/>
+        </a:xfrm>
+      </p:grpSpPr>
+      <p:sp>
+        <p:nvSpPr>
+          <p:cNvPr id="4" name="Textfeld 3">
+            <a:extLst>
+              <a:ext uri="{FF2B5EF4-FFF2-40B4-BE49-F238E27FC236}">
+                <a16:creationId xmlns:a16="http://schemas.microsoft.com/office/drawing/2014/main" id="{494E2629-47F8-D5A1-D937-AA66184228A6}"/>
+              </a:ext>
+            </a:extLst>
+          </p:cNvPr>
+          <p:cNvSpPr txBox="1"/>
+          <p:nvPr/>
+        </p:nvSpPr>
+        <p:spPr>
+          <a:xfrm>
+            <a:off x="10275193" y="6488668"/>
+            <a:ext cx="1916807" cy="369332"/>
+          </a:xfrm>
+          <a:prstGeom prst="rect">
+            <a:avLst/>
+          </a:prstGeom>
+          <a:noFill/>
+        </p:spPr>
+        <p:txBody>
+          <a:bodyPr wrap="none" rtlCol="0">
+            <a:spAutoFit/>
+          </a:bodyPr>
+          <a:lstStyle/>
+          <a:p>
+            <a:r>
+              <a:rPr lang="de-DE" dirty="0"/>
+              <a:t>Chat-Anwendung</a:t>
+            </a:r>
+          </a:p>
+        </p:txBody>
+      </p:sp>
+      <p:sp>
+        <p:nvSpPr>
+          <p:cNvPr id="5" name="Textfeld 4">
+            <a:extLst>
+              <a:ext uri="{FF2B5EF4-FFF2-40B4-BE49-F238E27FC236}">
+                <a16:creationId xmlns:a16="http://schemas.microsoft.com/office/drawing/2014/main" id="{CD882101-D92E-C5EB-2484-C6C55B12A82D}"/>
+              </a:ext>
+            </a:extLst>
+          </p:cNvPr>
+          <p:cNvSpPr txBox="1"/>
+          <p:nvPr/>
+        </p:nvSpPr>
+        <p:spPr>
+          <a:xfrm>
+            <a:off x="410817" y="304800"/>
+            <a:ext cx="1551387" cy="369332"/>
+          </a:xfrm>
+          <a:prstGeom prst="rect">
+            <a:avLst/>
+          </a:prstGeom>
+          <a:noFill/>
+        </p:spPr>
+        <p:txBody>
+          <a:bodyPr wrap="none" rtlCol="0">
+            <a:spAutoFit/>
+          </a:bodyPr>
+          <a:lstStyle/>
+          <a:p>
+            <a:r>
+              <a:rPr lang="de-DE" dirty="0"/>
+              <a:t>Plugin-Prinzip</a:t>
+            </a:r>
+          </a:p>
+        </p:txBody>
+      </p:sp>
+    </p:spTree>
+    <p:extLst>
+      <p:ext uri="{BB962C8B-B14F-4D97-AF65-F5344CB8AC3E}">
+        <p14:creationId xmlns:p14="http://schemas.microsoft.com/office/powerpoint/2010/main" val="2812396779"/>
+      </p:ext>
+    </p:extLst>
+  </p:cSld>
+  <p:clrMapOvr>
+    <a:masterClrMapping/>
+  </p:clrMapOvr>
+</p:sld>
+</file>
+
+<file path=ppt/slides/slide7.xml><?xml version="1.0" encoding="utf-8"?>
 <p:sld xmlns:a="http://schemas.openxmlformats.org/drawingml/2006/main" xmlns:r="http://schemas.openxmlformats.org/officeDocument/2006/relationships" xmlns:p="http://schemas.openxmlformats.org/presentationml/2006/main">
   <p:cSld>
     <p:spTree>

--- a/RAKIPOEV-docs/docs/ppt/Building-Blocks.pptx
+++ b/RAKIPOEV-docs/docs/ppt/Building-Blocks.pptx
@@ -12,6 +12,7 @@
     <p:sldId id="259" r:id="rId6"/>
     <p:sldId id="260" r:id="rId7"/>
     <p:sldId id="258" r:id="rId8"/>
+    <p:sldId id="263" r:id="rId9"/>
   </p:sldIdLst>
   <p:sldSz cx="12192000" cy="6858000"/>
   <p:notesSz cx="6858000" cy="9144000"/>
@@ -110,6 +111,11 @@
       </a:defRPr>
     </a:lvl9pPr>
   </p:defaultTextStyle>
+  <p:extLst>
+    <p:ext uri="{EFAFB233-063F-42B5-8137-9DF3F51BA10A}">
+      <p15:sldGuideLst xmlns:p15="http://schemas.microsoft.com/office/powerpoint/2012/main"/>
+    </p:ext>
+  </p:extLst>
 </p:presentation>
 </file>
 
@@ -260,7 +266,7 @@
           <a:p>
             <a:fld id="{BA6DBFC3-540E-6444-9571-9AC72F552CFB}" type="datetimeFigureOut">
               <a:rPr lang="de-DE" smtClean="0"/>
-              <a:t>17.01.25</a:t>
+              <a:t>27.01.25</a:t>
             </a:fld>
             <a:endParaRPr lang="de-DE"/>
           </a:p>
@@ -458,7 +464,7 @@
           <a:p>
             <a:fld id="{BA6DBFC3-540E-6444-9571-9AC72F552CFB}" type="datetimeFigureOut">
               <a:rPr lang="de-DE" smtClean="0"/>
-              <a:t>17.01.25</a:t>
+              <a:t>27.01.25</a:t>
             </a:fld>
             <a:endParaRPr lang="de-DE"/>
           </a:p>
@@ -666,7 +672,7 @@
           <a:p>
             <a:fld id="{BA6DBFC3-540E-6444-9571-9AC72F552CFB}" type="datetimeFigureOut">
               <a:rPr lang="de-DE" smtClean="0"/>
-              <a:t>17.01.25</a:t>
+              <a:t>27.01.25</a:t>
             </a:fld>
             <a:endParaRPr lang="de-DE"/>
           </a:p>
@@ -864,7 +870,7 @@
           <a:p>
             <a:fld id="{BA6DBFC3-540E-6444-9571-9AC72F552CFB}" type="datetimeFigureOut">
               <a:rPr lang="de-DE" smtClean="0"/>
-              <a:t>17.01.25</a:t>
+              <a:t>27.01.25</a:t>
             </a:fld>
             <a:endParaRPr lang="de-DE"/>
           </a:p>
@@ -1139,7 +1145,7 @@
           <a:p>
             <a:fld id="{BA6DBFC3-540E-6444-9571-9AC72F552CFB}" type="datetimeFigureOut">
               <a:rPr lang="de-DE" smtClean="0"/>
-              <a:t>17.01.25</a:t>
+              <a:t>27.01.25</a:t>
             </a:fld>
             <a:endParaRPr lang="de-DE"/>
           </a:p>
@@ -1404,7 +1410,7 @@
           <a:p>
             <a:fld id="{BA6DBFC3-540E-6444-9571-9AC72F552CFB}" type="datetimeFigureOut">
               <a:rPr lang="de-DE" smtClean="0"/>
-              <a:t>17.01.25</a:t>
+              <a:t>27.01.25</a:t>
             </a:fld>
             <a:endParaRPr lang="de-DE"/>
           </a:p>
@@ -1816,7 +1822,7 @@
           <a:p>
             <a:fld id="{BA6DBFC3-540E-6444-9571-9AC72F552CFB}" type="datetimeFigureOut">
               <a:rPr lang="de-DE" smtClean="0"/>
-              <a:t>17.01.25</a:t>
+              <a:t>27.01.25</a:t>
             </a:fld>
             <a:endParaRPr lang="de-DE"/>
           </a:p>
@@ -1957,7 +1963,7 @@
           <a:p>
             <a:fld id="{BA6DBFC3-540E-6444-9571-9AC72F552CFB}" type="datetimeFigureOut">
               <a:rPr lang="de-DE" smtClean="0"/>
-              <a:t>17.01.25</a:t>
+              <a:t>27.01.25</a:t>
             </a:fld>
             <a:endParaRPr lang="de-DE"/>
           </a:p>
@@ -2070,7 +2076,7 @@
           <a:p>
             <a:fld id="{BA6DBFC3-540E-6444-9571-9AC72F552CFB}" type="datetimeFigureOut">
               <a:rPr lang="de-DE" smtClean="0"/>
-              <a:t>17.01.25</a:t>
+              <a:t>27.01.25</a:t>
             </a:fld>
             <a:endParaRPr lang="de-DE"/>
           </a:p>
@@ -2381,7 +2387,7 @@
           <a:p>
             <a:fld id="{BA6DBFC3-540E-6444-9571-9AC72F552CFB}" type="datetimeFigureOut">
               <a:rPr lang="de-DE" smtClean="0"/>
-              <a:t>17.01.25</a:t>
+              <a:t>27.01.25</a:t>
             </a:fld>
             <a:endParaRPr lang="de-DE"/>
           </a:p>
@@ -2669,7 +2675,7 @@
           <a:p>
             <a:fld id="{BA6DBFC3-540E-6444-9571-9AC72F552CFB}" type="datetimeFigureOut">
               <a:rPr lang="de-DE" smtClean="0"/>
-              <a:t>17.01.25</a:t>
+              <a:t>27.01.25</a:t>
             </a:fld>
             <a:endParaRPr lang="de-DE"/>
           </a:p>
@@ -2910,7 +2916,7 @@
           <a:p>
             <a:fld id="{BA6DBFC3-540E-6444-9571-9AC72F552CFB}" type="datetimeFigureOut">
               <a:rPr lang="de-DE" smtClean="0"/>
-              <a:t>17.01.25</a:t>
+              <a:t>27.01.25</a:t>
             </a:fld>
             <a:endParaRPr lang="de-DE"/>
           </a:p>
@@ -6187,6 +6193,1696 @@
 </p:sld>
 </file>
 
+<file path=ppt/slides/slide8.xml><?xml version="1.0" encoding="utf-8"?>
+<p:sld xmlns:a="http://schemas.openxmlformats.org/drawingml/2006/main" xmlns:r="http://schemas.openxmlformats.org/officeDocument/2006/relationships" xmlns:p="http://schemas.openxmlformats.org/presentationml/2006/main">
+  <p:cSld>
+    <p:spTree>
+      <p:nvGrpSpPr>
+        <p:cNvPr id="1" name="">
+          <a:extLst>
+            <a:ext uri="{FF2B5EF4-FFF2-40B4-BE49-F238E27FC236}">
+              <a16:creationId xmlns:a16="http://schemas.microsoft.com/office/drawing/2014/main" id="{C5AA740A-B22E-267E-685E-57A569EAA693}"/>
+            </a:ext>
+          </a:extLst>
+        </p:cNvPr>
+        <p:cNvGrpSpPr/>
+        <p:nvPr/>
+      </p:nvGrpSpPr>
+      <p:grpSpPr>
+        <a:xfrm>
+          <a:off x="0" y="0"/>
+          <a:ext cx="0" cy="0"/>
+          <a:chOff x="0" y="0"/>
+          <a:chExt cx="0" cy="0"/>
+        </a:xfrm>
+      </p:grpSpPr>
+      <p:sp>
+        <p:nvSpPr>
+          <p:cNvPr id="2" name="Textfeld 1">
+            <a:extLst>
+              <a:ext uri="{FF2B5EF4-FFF2-40B4-BE49-F238E27FC236}">
+                <a16:creationId xmlns:a16="http://schemas.microsoft.com/office/drawing/2014/main" id="{781058E1-FA51-37E4-BA72-F075BC78C6C8}"/>
+              </a:ext>
+            </a:extLst>
+          </p:cNvPr>
+          <p:cNvSpPr txBox="1"/>
+          <p:nvPr/>
+        </p:nvSpPr>
+        <p:spPr>
+          <a:xfrm>
+            <a:off x="10434468" y="6127161"/>
+            <a:ext cx="1550746" cy="369332"/>
+          </a:xfrm>
+          <a:prstGeom prst="rect">
+            <a:avLst/>
+          </a:prstGeom>
+          <a:noFill/>
+        </p:spPr>
+        <p:txBody>
+          <a:bodyPr wrap="none" rtlCol="0">
+            <a:spAutoFit/>
+          </a:bodyPr>
+          <a:lstStyle/>
+          <a:p>
+            <a:r>
+              <a:rPr lang="de-DE" dirty="0"/>
+              <a:t>LLM-Gateway</a:t>
+            </a:r>
+          </a:p>
+        </p:txBody>
+      </p:sp>
+      <p:sp>
+        <p:nvSpPr>
+          <p:cNvPr id="3" name="Rechteck 2">
+            <a:extLst>
+              <a:ext uri="{FF2B5EF4-FFF2-40B4-BE49-F238E27FC236}">
+                <a16:creationId xmlns:a16="http://schemas.microsoft.com/office/drawing/2014/main" id="{742DE95F-898E-479C-DD7F-F06CE137193C}"/>
+              </a:ext>
+            </a:extLst>
+          </p:cNvPr>
+          <p:cNvSpPr/>
+          <p:nvPr/>
+        </p:nvSpPr>
+        <p:spPr>
+          <a:xfrm>
+            <a:off x="3664835" y="1790885"/>
+            <a:ext cx="1534632" cy="2298026"/>
+          </a:xfrm>
+          <a:prstGeom prst="rect">
+            <a:avLst/>
+          </a:prstGeom>
+        </p:spPr>
+        <p:style>
+          <a:lnRef idx="2">
+            <a:schemeClr val="accent1">
+              <a:shade val="15000"/>
+            </a:schemeClr>
+          </a:lnRef>
+          <a:fillRef idx="1">
+            <a:schemeClr val="accent1"/>
+          </a:fillRef>
+          <a:effectRef idx="0">
+            <a:schemeClr val="accent1"/>
+          </a:effectRef>
+          <a:fontRef idx="minor">
+            <a:schemeClr val="lt1"/>
+          </a:fontRef>
+        </p:style>
+        <p:txBody>
+          <a:bodyPr rtlCol="0" anchor="ctr"/>
+          <a:lstStyle/>
+          <a:p>
+            <a:pPr algn="ctr"/>
+            <a:r>
+              <a:rPr lang="de-DE" dirty="0"/>
+              <a:t>HTTP-Server</a:t>
+            </a:r>
+          </a:p>
+        </p:txBody>
+      </p:sp>
+      <p:sp>
+        <p:nvSpPr>
+          <p:cNvPr id="4" name="Rechteck 3">
+            <a:extLst>
+              <a:ext uri="{FF2B5EF4-FFF2-40B4-BE49-F238E27FC236}">
+                <a16:creationId xmlns:a16="http://schemas.microsoft.com/office/drawing/2014/main" id="{340E1F97-72BA-6A7B-4055-920779A88029}"/>
+              </a:ext>
+            </a:extLst>
+          </p:cNvPr>
+          <p:cNvSpPr/>
+          <p:nvPr/>
+        </p:nvSpPr>
+        <p:spPr>
+          <a:xfrm>
+            <a:off x="9454929" y="1771920"/>
+            <a:ext cx="1534632" cy="619703"/>
+          </a:xfrm>
+          <a:prstGeom prst="rect">
+            <a:avLst/>
+          </a:prstGeom>
+        </p:spPr>
+        <p:style>
+          <a:lnRef idx="2">
+            <a:schemeClr val="accent1">
+              <a:shade val="15000"/>
+            </a:schemeClr>
+          </a:lnRef>
+          <a:fillRef idx="1">
+            <a:schemeClr val="accent1"/>
+          </a:fillRef>
+          <a:effectRef idx="0">
+            <a:schemeClr val="accent1"/>
+          </a:effectRef>
+          <a:fontRef idx="minor">
+            <a:schemeClr val="lt1"/>
+          </a:fontRef>
+        </p:style>
+        <p:txBody>
+          <a:bodyPr rtlCol="0" anchor="ctr"/>
+          <a:lstStyle/>
+          <a:p>
+            <a:pPr algn="ctr"/>
+            <a:r>
+              <a:rPr lang="de-DE" dirty="0" err="1"/>
+              <a:t>vLLM</a:t>
+            </a:r>
+            <a:endParaRPr lang="de-DE" dirty="0"/>
+          </a:p>
+        </p:txBody>
+      </p:sp>
+      <p:cxnSp>
+        <p:nvCxnSpPr>
+          <p:cNvPr id="7" name="Gerade Verbindung 6">
+            <a:extLst>
+              <a:ext uri="{FF2B5EF4-FFF2-40B4-BE49-F238E27FC236}">
+                <a16:creationId xmlns:a16="http://schemas.microsoft.com/office/drawing/2014/main" id="{7DDAF222-B80D-77CE-A6D4-C71FDD41CC53}"/>
+              </a:ext>
+            </a:extLst>
+          </p:cNvPr>
+          <p:cNvCxnSpPr>
+            <a:stCxn id="3" idx="1"/>
+            <a:endCxn id="5" idx="3"/>
+          </p:cNvCxnSpPr>
+          <p:nvPr/>
+        </p:nvCxnSpPr>
+        <p:spPr>
+          <a:xfrm flipH="1">
+            <a:off x="3459271" y="2939898"/>
+            <a:ext cx="205564" cy="0"/>
+          </a:xfrm>
+          <a:prstGeom prst="line">
+            <a:avLst/>
+          </a:prstGeom>
+        </p:spPr>
+        <p:style>
+          <a:lnRef idx="2">
+            <a:schemeClr val="accent1"/>
+          </a:lnRef>
+          <a:fillRef idx="0">
+            <a:schemeClr val="accent1"/>
+          </a:fillRef>
+          <a:effectRef idx="1">
+            <a:schemeClr val="accent1"/>
+          </a:effectRef>
+          <a:fontRef idx="minor">
+            <a:schemeClr val="tx1"/>
+          </a:fontRef>
+        </p:style>
+      </p:cxnSp>
+      <p:sp>
+        <p:nvSpPr>
+          <p:cNvPr id="8" name="Zylinder 7">
+            <a:extLst>
+              <a:ext uri="{FF2B5EF4-FFF2-40B4-BE49-F238E27FC236}">
+                <a16:creationId xmlns:a16="http://schemas.microsoft.com/office/drawing/2014/main" id="{CD9ED640-8222-22D6-84A9-473C540F8BB3}"/>
+              </a:ext>
+            </a:extLst>
+          </p:cNvPr>
+          <p:cNvSpPr/>
+          <p:nvPr/>
+        </p:nvSpPr>
+        <p:spPr>
+          <a:xfrm>
+            <a:off x="3664835" y="4378507"/>
+            <a:ext cx="1534631" cy="1216152"/>
+          </a:xfrm>
+          <a:prstGeom prst="can">
+            <a:avLst/>
+          </a:prstGeom>
+        </p:spPr>
+        <p:style>
+          <a:lnRef idx="2">
+            <a:schemeClr val="accent1">
+              <a:shade val="15000"/>
+            </a:schemeClr>
+          </a:lnRef>
+          <a:fillRef idx="1">
+            <a:schemeClr val="accent1"/>
+          </a:fillRef>
+          <a:effectRef idx="0">
+            <a:schemeClr val="accent1"/>
+          </a:effectRef>
+          <a:fontRef idx="minor">
+            <a:schemeClr val="lt1"/>
+          </a:fontRef>
+        </p:style>
+        <p:txBody>
+          <a:bodyPr rtlCol="0" anchor="ctr"/>
+          <a:lstStyle/>
+          <a:p>
+            <a:pPr algn="ctr"/>
+            <a:r>
+              <a:rPr lang="de-DE" dirty="0"/>
+              <a:t>User &amp; </a:t>
+            </a:r>
+            <a:r>
+              <a:rPr lang="de-DE" dirty="0" err="1"/>
+              <a:t>Usage</a:t>
+            </a:r>
+            <a:endParaRPr lang="de-DE" dirty="0"/>
+          </a:p>
+        </p:txBody>
+      </p:sp>
+      <p:cxnSp>
+        <p:nvCxnSpPr>
+          <p:cNvPr id="12" name="Gerade Verbindung 11">
+            <a:extLst>
+              <a:ext uri="{FF2B5EF4-FFF2-40B4-BE49-F238E27FC236}">
+                <a16:creationId xmlns:a16="http://schemas.microsoft.com/office/drawing/2014/main" id="{4341B0A5-5214-A54C-8FEF-5FF6020A83A5}"/>
+              </a:ext>
+            </a:extLst>
+          </p:cNvPr>
+          <p:cNvCxnSpPr>
+            <a:stCxn id="3" idx="2"/>
+            <a:endCxn id="8" idx="1"/>
+          </p:cNvCxnSpPr>
+          <p:nvPr/>
+        </p:nvCxnSpPr>
+        <p:spPr>
+          <a:xfrm>
+            <a:off x="4432151" y="4088911"/>
+            <a:ext cx="0" cy="289596"/>
+          </a:xfrm>
+          <a:prstGeom prst="line">
+            <a:avLst/>
+          </a:prstGeom>
+        </p:spPr>
+        <p:style>
+          <a:lnRef idx="2">
+            <a:schemeClr val="accent1"/>
+          </a:lnRef>
+          <a:fillRef idx="0">
+            <a:schemeClr val="accent1"/>
+          </a:fillRef>
+          <a:effectRef idx="1">
+            <a:schemeClr val="accent1"/>
+          </a:effectRef>
+          <a:fontRef idx="minor">
+            <a:schemeClr val="tx1"/>
+          </a:fontRef>
+        </p:style>
+      </p:cxnSp>
+      <p:sp>
+        <p:nvSpPr>
+          <p:cNvPr id="13" name="Textfeld 12">
+            <a:extLst>
+              <a:ext uri="{FF2B5EF4-FFF2-40B4-BE49-F238E27FC236}">
+                <a16:creationId xmlns:a16="http://schemas.microsoft.com/office/drawing/2014/main" id="{8CEC852B-1F79-39A9-7229-1D5C50625BFF}"/>
+              </a:ext>
+            </a:extLst>
+          </p:cNvPr>
+          <p:cNvSpPr txBox="1"/>
+          <p:nvPr/>
+        </p:nvSpPr>
+        <p:spPr>
+          <a:xfrm>
+            <a:off x="2910806" y="1316623"/>
+            <a:ext cx="2650021" cy="369332"/>
+          </a:xfrm>
+          <a:prstGeom prst="rect">
+            <a:avLst/>
+          </a:prstGeom>
+          <a:noFill/>
+        </p:spPr>
+        <p:txBody>
+          <a:bodyPr wrap="none" rtlCol="0">
+            <a:spAutoFit/>
+          </a:bodyPr>
+          <a:lstStyle/>
+          <a:p>
+            <a:r>
+              <a:rPr lang="de-DE" dirty="0"/>
+              <a:t>Unified interface </a:t>
+            </a:r>
+            <a:r>
+              <a:rPr lang="de-DE" dirty="0" err="1"/>
+              <a:t>to</a:t>
+            </a:r>
+            <a:r>
+              <a:rPr lang="de-DE" dirty="0"/>
+              <a:t> LLMs</a:t>
+            </a:r>
+          </a:p>
+        </p:txBody>
+      </p:sp>
+      <p:sp>
+        <p:nvSpPr>
+          <p:cNvPr id="14" name="Textfeld 13">
+            <a:extLst>
+              <a:ext uri="{FF2B5EF4-FFF2-40B4-BE49-F238E27FC236}">
+                <a16:creationId xmlns:a16="http://schemas.microsoft.com/office/drawing/2014/main" id="{C3804BB0-4F63-EE22-4647-1D3B47DB111A}"/>
+              </a:ext>
+            </a:extLst>
+          </p:cNvPr>
+          <p:cNvSpPr txBox="1"/>
+          <p:nvPr/>
+        </p:nvSpPr>
+        <p:spPr>
+          <a:xfrm>
+            <a:off x="1381487" y="4428120"/>
+            <a:ext cx="2357184" cy="2031325"/>
+          </a:xfrm>
+          <a:prstGeom prst="rect">
+            <a:avLst/>
+          </a:prstGeom>
+          <a:noFill/>
+        </p:spPr>
+        <p:txBody>
+          <a:bodyPr wrap="none" rtlCol="0">
+            <a:spAutoFit/>
+          </a:bodyPr>
+          <a:lstStyle/>
+          <a:p>
+            <a:pPr marL="285750" indent="-285750">
+              <a:buFont typeface="Arial" panose="020B0604020202020204" pitchFamily="34" charset="0"/>
+              <a:buChar char="•"/>
+            </a:pPr>
+            <a:r>
+              <a:rPr lang="de-DE" dirty="0"/>
+              <a:t>virtual </a:t>
+            </a:r>
+            <a:r>
+              <a:rPr lang="de-DE" dirty="0" err="1"/>
+              <a:t>keys</a:t>
+            </a:r>
+            <a:endParaRPr lang="de-DE" dirty="0"/>
+          </a:p>
+          <a:p>
+            <a:pPr marL="285750" indent="-285750">
+              <a:buFont typeface="Arial" panose="020B0604020202020204" pitchFamily="34" charset="0"/>
+              <a:buChar char="•"/>
+            </a:pPr>
+            <a:r>
+              <a:rPr lang="de-DE" dirty="0"/>
+              <a:t>rate </a:t>
+            </a:r>
+            <a:r>
+              <a:rPr lang="de-DE" dirty="0" err="1"/>
+              <a:t>limit</a:t>
+            </a:r>
+            <a:endParaRPr lang="de-DE" dirty="0"/>
+          </a:p>
+          <a:p>
+            <a:pPr marL="285750" indent="-285750">
+              <a:buFont typeface="Arial" panose="020B0604020202020204" pitchFamily="34" charset="0"/>
+              <a:buChar char="•"/>
+            </a:pPr>
+            <a:r>
+              <a:rPr lang="de-DE" dirty="0"/>
+              <a:t>track </a:t>
+            </a:r>
+            <a:r>
+              <a:rPr lang="de-DE" dirty="0" err="1"/>
+              <a:t>spend</a:t>
+            </a:r>
+            <a:endParaRPr lang="de-DE" dirty="0"/>
+          </a:p>
+          <a:p>
+            <a:pPr marL="285750" indent="-285750">
+              <a:buFont typeface="Arial" panose="020B0604020202020204" pitchFamily="34" charset="0"/>
+              <a:buChar char="•"/>
+            </a:pPr>
+            <a:r>
+              <a:rPr lang="de-DE" dirty="0" err="1"/>
+              <a:t>set</a:t>
+            </a:r>
+            <a:r>
+              <a:rPr lang="de-DE" dirty="0"/>
+              <a:t> </a:t>
+            </a:r>
+            <a:r>
+              <a:rPr lang="de-DE" dirty="0" err="1"/>
+              <a:t>budgets</a:t>
+            </a:r>
+            <a:r>
+              <a:rPr lang="de-DE" dirty="0"/>
+              <a:t> </a:t>
+            </a:r>
+            <a:br>
+              <a:rPr lang="de-DE" dirty="0"/>
+            </a:br>
+            <a:r>
+              <a:rPr lang="de-DE" dirty="0"/>
+              <a:t>per virtual </a:t>
+            </a:r>
+            <a:r>
+              <a:rPr lang="de-DE" dirty="0" err="1"/>
+              <a:t>key</a:t>
+            </a:r>
+            <a:r>
+              <a:rPr lang="de-DE" dirty="0"/>
+              <a:t>/</a:t>
+            </a:r>
+            <a:r>
+              <a:rPr lang="de-DE" dirty="0" err="1"/>
+              <a:t>user</a:t>
+            </a:r>
+            <a:endParaRPr lang="de-DE" dirty="0"/>
+          </a:p>
+          <a:p>
+            <a:pPr marL="285750" indent="-285750">
+              <a:buFont typeface="Arial" panose="020B0604020202020204" pitchFamily="34" charset="0"/>
+              <a:buChar char="•"/>
+            </a:pPr>
+            <a:endParaRPr lang="de-DE" dirty="0"/>
+          </a:p>
+          <a:p>
+            <a:endParaRPr lang="de-DE" dirty="0"/>
+          </a:p>
+        </p:txBody>
+      </p:sp>
+      <p:sp>
+        <p:nvSpPr>
+          <p:cNvPr id="15" name="Rechteck 14">
+            <a:extLst>
+              <a:ext uri="{FF2B5EF4-FFF2-40B4-BE49-F238E27FC236}">
+                <a16:creationId xmlns:a16="http://schemas.microsoft.com/office/drawing/2014/main" id="{066B5977-9CDF-EBB1-F1BD-5AD9A5C8B851}"/>
+              </a:ext>
+            </a:extLst>
+          </p:cNvPr>
+          <p:cNvSpPr/>
+          <p:nvPr/>
+        </p:nvSpPr>
+        <p:spPr>
+          <a:xfrm>
+            <a:off x="9454929" y="2549804"/>
+            <a:ext cx="1534632" cy="580889"/>
+          </a:xfrm>
+          <a:prstGeom prst="rect">
+            <a:avLst/>
+          </a:prstGeom>
+        </p:spPr>
+        <p:style>
+          <a:lnRef idx="2">
+            <a:schemeClr val="accent1">
+              <a:shade val="15000"/>
+            </a:schemeClr>
+          </a:lnRef>
+          <a:fillRef idx="1">
+            <a:schemeClr val="accent1"/>
+          </a:fillRef>
+          <a:effectRef idx="0">
+            <a:schemeClr val="accent1"/>
+          </a:effectRef>
+          <a:fontRef idx="minor">
+            <a:schemeClr val="lt1"/>
+          </a:fontRef>
+        </p:style>
+        <p:txBody>
+          <a:bodyPr rtlCol="0" anchor="ctr"/>
+          <a:lstStyle/>
+          <a:p>
+            <a:pPr algn="ctr"/>
+            <a:r>
+              <a:rPr lang="de-DE" dirty="0" err="1"/>
+              <a:t>Ollama</a:t>
+            </a:r>
+            <a:endParaRPr lang="de-DE" dirty="0"/>
+          </a:p>
+        </p:txBody>
+      </p:sp>
+      <p:sp>
+        <p:nvSpPr>
+          <p:cNvPr id="17" name="Textfeld 16">
+            <a:extLst>
+              <a:ext uri="{FF2B5EF4-FFF2-40B4-BE49-F238E27FC236}">
+                <a16:creationId xmlns:a16="http://schemas.microsoft.com/office/drawing/2014/main" id="{3F1F151F-3495-B957-14EA-20AFE979657E}"/>
+              </a:ext>
+            </a:extLst>
+          </p:cNvPr>
+          <p:cNvSpPr txBox="1"/>
+          <p:nvPr/>
+        </p:nvSpPr>
+        <p:spPr>
+          <a:xfrm>
+            <a:off x="7224869" y="4441202"/>
+            <a:ext cx="1911614" cy="923330"/>
+          </a:xfrm>
+          <a:prstGeom prst="rect">
+            <a:avLst/>
+          </a:prstGeom>
+          <a:noFill/>
+        </p:spPr>
+        <p:txBody>
+          <a:bodyPr wrap="none" rtlCol="0">
+            <a:spAutoFit/>
+          </a:bodyPr>
+          <a:lstStyle/>
+          <a:p>
+            <a:pPr marL="285750" indent="-285750">
+              <a:buFont typeface="Arial" panose="020B0604020202020204" pitchFamily="34" charset="0"/>
+              <a:buChar char="•"/>
+            </a:pPr>
+            <a:r>
+              <a:rPr lang="de-DE" dirty="0" err="1"/>
+              <a:t>model</a:t>
+            </a:r>
+            <a:r>
+              <a:rPr lang="de-DE" dirty="0"/>
+              <a:t> </a:t>
+            </a:r>
+            <a:r>
+              <a:rPr lang="de-DE" dirty="0" err="1"/>
+              <a:t>list</a:t>
+            </a:r>
+            <a:endParaRPr lang="de-DE" dirty="0"/>
+          </a:p>
+          <a:p>
+            <a:pPr marL="285750" indent="-285750">
+              <a:buFont typeface="Arial" panose="020B0604020202020204" pitchFamily="34" charset="0"/>
+              <a:buChar char="•"/>
+            </a:pPr>
+            <a:r>
+              <a:rPr lang="de-DE" dirty="0" err="1"/>
+              <a:t>router</a:t>
+            </a:r>
+            <a:r>
+              <a:rPr lang="de-DE" dirty="0"/>
+              <a:t> </a:t>
+            </a:r>
+            <a:r>
+              <a:rPr lang="de-DE" dirty="0" err="1"/>
+              <a:t>settings</a:t>
+            </a:r>
+            <a:endParaRPr lang="de-DE" dirty="0"/>
+          </a:p>
+          <a:p>
+            <a:endParaRPr lang="de-DE" dirty="0"/>
+          </a:p>
+        </p:txBody>
+      </p:sp>
+      <p:sp>
+        <p:nvSpPr>
+          <p:cNvPr id="19" name="Rechteck 18">
+            <a:extLst>
+              <a:ext uri="{FF2B5EF4-FFF2-40B4-BE49-F238E27FC236}">
+                <a16:creationId xmlns:a16="http://schemas.microsoft.com/office/drawing/2014/main" id="{8A318063-7FF2-BCDB-6E35-CA627FE66DE9}"/>
+              </a:ext>
+            </a:extLst>
+          </p:cNvPr>
+          <p:cNvSpPr/>
+          <p:nvPr/>
+        </p:nvSpPr>
+        <p:spPr>
+          <a:xfrm>
+            <a:off x="5631711" y="1790885"/>
+            <a:ext cx="1534632" cy="2298026"/>
+          </a:xfrm>
+          <a:prstGeom prst="rect">
+            <a:avLst/>
+          </a:prstGeom>
+        </p:spPr>
+        <p:style>
+          <a:lnRef idx="2">
+            <a:schemeClr val="accent1">
+              <a:shade val="15000"/>
+            </a:schemeClr>
+          </a:lnRef>
+          <a:fillRef idx="1">
+            <a:schemeClr val="accent1"/>
+          </a:fillRef>
+          <a:effectRef idx="0">
+            <a:schemeClr val="accent1"/>
+          </a:effectRef>
+          <a:fontRef idx="minor">
+            <a:schemeClr val="lt1"/>
+          </a:fontRef>
+        </p:style>
+        <p:txBody>
+          <a:bodyPr rtlCol="0" anchor="ctr"/>
+          <a:lstStyle/>
+          <a:p>
+            <a:pPr algn="ctr"/>
+            <a:r>
+              <a:rPr lang="de-DE" dirty="0"/>
+              <a:t>HTTP-Server</a:t>
+            </a:r>
+          </a:p>
+        </p:txBody>
+      </p:sp>
+      <p:cxnSp>
+        <p:nvCxnSpPr>
+          <p:cNvPr id="21" name="Gerade Verbindung 20">
+            <a:extLst>
+              <a:ext uri="{FF2B5EF4-FFF2-40B4-BE49-F238E27FC236}">
+                <a16:creationId xmlns:a16="http://schemas.microsoft.com/office/drawing/2014/main" id="{B04B6D5D-2580-9652-B61C-77BB410070A0}"/>
+              </a:ext>
+            </a:extLst>
+          </p:cNvPr>
+          <p:cNvCxnSpPr>
+            <a:cxnSpLocks/>
+            <a:stCxn id="19" idx="2"/>
+          </p:cNvCxnSpPr>
+          <p:nvPr/>
+        </p:nvCxnSpPr>
+        <p:spPr>
+          <a:xfrm flipH="1">
+            <a:off x="6395483" y="4088911"/>
+            <a:ext cx="3544" cy="440472"/>
+          </a:xfrm>
+          <a:prstGeom prst="line">
+            <a:avLst/>
+          </a:prstGeom>
+        </p:spPr>
+        <p:style>
+          <a:lnRef idx="2">
+            <a:schemeClr val="accent1"/>
+          </a:lnRef>
+          <a:fillRef idx="0">
+            <a:schemeClr val="accent1"/>
+          </a:fillRef>
+          <a:effectRef idx="1">
+            <a:schemeClr val="accent1"/>
+          </a:effectRef>
+          <a:fontRef idx="minor">
+            <a:schemeClr val="tx1"/>
+          </a:fontRef>
+        </p:style>
+      </p:cxnSp>
+      <p:sp>
+        <p:nvSpPr>
+          <p:cNvPr id="18" name="Rechteck 17">
+            <a:extLst>
+              <a:ext uri="{FF2B5EF4-FFF2-40B4-BE49-F238E27FC236}">
+                <a16:creationId xmlns:a16="http://schemas.microsoft.com/office/drawing/2014/main" id="{9A16E477-26D3-9664-A5AB-DD4B7C5ECFCF}"/>
+              </a:ext>
+            </a:extLst>
+          </p:cNvPr>
+          <p:cNvSpPr/>
+          <p:nvPr/>
+        </p:nvSpPr>
+        <p:spPr>
+          <a:xfrm>
+            <a:off x="3664835" y="1790885"/>
+            <a:ext cx="5309044" cy="2298023"/>
+          </a:xfrm>
+          <a:prstGeom prst="rect">
+            <a:avLst/>
+          </a:prstGeom>
+        </p:spPr>
+        <p:style>
+          <a:lnRef idx="2">
+            <a:schemeClr val="accent1">
+              <a:shade val="15000"/>
+            </a:schemeClr>
+          </a:lnRef>
+          <a:fillRef idx="1">
+            <a:schemeClr val="accent1"/>
+          </a:fillRef>
+          <a:effectRef idx="0">
+            <a:schemeClr val="accent1"/>
+          </a:effectRef>
+          <a:fontRef idx="minor">
+            <a:schemeClr val="lt1"/>
+          </a:fontRef>
+        </p:style>
+        <p:txBody>
+          <a:bodyPr rtlCol="0" anchor="ctr"/>
+          <a:lstStyle/>
+          <a:p>
+            <a:pPr algn="ctr"/>
+            <a:endParaRPr lang="de-DE"/>
+          </a:p>
+        </p:txBody>
+      </p:sp>
+      <p:sp>
+        <p:nvSpPr>
+          <p:cNvPr id="22" name="Abgerundetes Rechteck 21">
+            <a:extLst>
+              <a:ext uri="{FF2B5EF4-FFF2-40B4-BE49-F238E27FC236}">
+                <a16:creationId xmlns:a16="http://schemas.microsoft.com/office/drawing/2014/main" id="{BE915409-C71A-A46D-F6A6-453BBE64AC00}"/>
+              </a:ext>
+            </a:extLst>
+          </p:cNvPr>
+          <p:cNvSpPr/>
+          <p:nvPr/>
+        </p:nvSpPr>
+        <p:spPr>
+          <a:xfrm>
+            <a:off x="3813985" y="2171341"/>
+            <a:ext cx="983660" cy="580171"/>
+          </a:xfrm>
+          <a:prstGeom prst="roundRect">
+            <a:avLst/>
+          </a:prstGeom>
+        </p:spPr>
+        <p:style>
+          <a:lnRef idx="2">
+            <a:schemeClr val="accent6"/>
+          </a:lnRef>
+          <a:fillRef idx="1">
+            <a:schemeClr val="lt1"/>
+          </a:fillRef>
+          <a:effectRef idx="0">
+            <a:schemeClr val="accent6"/>
+          </a:effectRef>
+          <a:fontRef idx="minor">
+            <a:schemeClr val="dk1"/>
+          </a:fontRef>
+        </p:style>
+        <p:txBody>
+          <a:bodyPr rtlCol="0" anchor="ctr"/>
+          <a:lstStyle/>
+          <a:p>
+            <a:pPr algn="ctr"/>
+            <a:r>
+              <a:rPr lang="de-DE" sz="1200" dirty="0"/>
+              <a:t>check virtual </a:t>
+            </a:r>
+            <a:r>
+              <a:rPr lang="de-DE" sz="1200" dirty="0" err="1"/>
+              <a:t>key</a:t>
+            </a:r>
+            <a:r>
+              <a:rPr lang="de-DE" sz="1200" dirty="0"/>
+              <a:t> (</a:t>
+            </a:r>
+            <a:r>
+              <a:rPr lang="de-DE" sz="1200" dirty="0" err="1"/>
+              <a:t>Bearer</a:t>
+            </a:r>
+            <a:r>
+              <a:rPr lang="de-DE" sz="1200" dirty="0"/>
+              <a:t>)</a:t>
+            </a:r>
+          </a:p>
+        </p:txBody>
+      </p:sp>
+      <p:sp>
+        <p:nvSpPr>
+          <p:cNvPr id="25" name="Abgerundetes Rechteck 24">
+            <a:extLst>
+              <a:ext uri="{FF2B5EF4-FFF2-40B4-BE49-F238E27FC236}">
+                <a16:creationId xmlns:a16="http://schemas.microsoft.com/office/drawing/2014/main" id="{B699EE7E-038E-A894-569E-C5A04C87CC3A}"/>
+              </a:ext>
+            </a:extLst>
+          </p:cNvPr>
+          <p:cNvSpPr/>
+          <p:nvPr/>
+        </p:nvSpPr>
+        <p:spPr>
+          <a:xfrm>
+            <a:off x="7473004" y="2171338"/>
+            <a:ext cx="1345033" cy="580171"/>
+          </a:xfrm>
+          <a:prstGeom prst="roundRect">
+            <a:avLst/>
+          </a:prstGeom>
+        </p:spPr>
+        <p:style>
+          <a:lnRef idx="2">
+            <a:schemeClr val="accent6"/>
+          </a:lnRef>
+          <a:fillRef idx="1">
+            <a:schemeClr val="lt1"/>
+          </a:fillRef>
+          <a:effectRef idx="0">
+            <a:schemeClr val="accent6"/>
+          </a:effectRef>
+          <a:fontRef idx="minor">
+            <a:schemeClr val="dk1"/>
+          </a:fontRef>
+        </p:style>
+        <p:txBody>
+          <a:bodyPr rtlCol="0" anchor="ctr"/>
+          <a:lstStyle/>
+          <a:p>
+            <a:r>
+              <a:rPr lang="de-DE" sz="1200" dirty="0"/>
+              <a:t>Routing</a:t>
+            </a:r>
+          </a:p>
+          <a:p>
+            <a:r>
+              <a:rPr lang="de-DE" sz="800" dirty="0" err="1"/>
+              <a:t>with</a:t>
+            </a:r>
+            <a:r>
+              <a:rPr lang="de-DE" sz="800" dirty="0"/>
+              <a:t> Load </a:t>
+            </a:r>
+            <a:r>
+              <a:rPr lang="de-DE" sz="800" dirty="0" err="1"/>
+              <a:t>Balancing</a:t>
+            </a:r>
+            <a:r>
+              <a:rPr lang="de-DE" sz="800" dirty="0"/>
+              <a:t>, </a:t>
+            </a:r>
+            <a:r>
+              <a:rPr lang="de-DE" sz="800" dirty="0" err="1"/>
+              <a:t>Fallback</a:t>
+            </a:r>
+            <a:r>
+              <a:rPr lang="de-DE" sz="800" dirty="0"/>
+              <a:t> &amp; </a:t>
+            </a:r>
+            <a:r>
+              <a:rPr lang="de-DE" sz="800" dirty="0" err="1"/>
+              <a:t>Retry</a:t>
+            </a:r>
+            <a:endParaRPr lang="de-DE" sz="800" dirty="0"/>
+          </a:p>
+        </p:txBody>
+      </p:sp>
+      <p:cxnSp>
+        <p:nvCxnSpPr>
+          <p:cNvPr id="27" name="Gewinkelte Verbindung 26">
+            <a:extLst>
+              <a:ext uri="{FF2B5EF4-FFF2-40B4-BE49-F238E27FC236}">
+                <a16:creationId xmlns:a16="http://schemas.microsoft.com/office/drawing/2014/main" id="{75AD632E-92AB-7C7A-5591-1155BF7134AF}"/>
+              </a:ext>
+            </a:extLst>
+          </p:cNvPr>
+          <p:cNvCxnSpPr>
+            <a:cxnSpLocks/>
+            <a:stCxn id="25" idx="3"/>
+            <a:endCxn id="4" idx="1"/>
+          </p:cNvCxnSpPr>
+          <p:nvPr/>
+        </p:nvCxnSpPr>
+        <p:spPr>
+          <a:xfrm flipV="1">
+            <a:off x="8818037" y="2081772"/>
+            <a:ext cx="636892" cy="379652"/>
+          </a:xfrm>
+          <a:prstGeom prst="bentConnector3">
+            <a:avLst/>
+          </a:prstGeom>
+          <a:ln>
+            <a:headEnd type="triangle"/>
+            <a:tailEnd type="triangle"/>
+          </a:ln>
+        </p:spPr>
+        <p:style>
+          <a:lnRef idx="1">
+            <a:schemeClr val="accent6"/>
+          </a:lnRef>
+          <a:fillRef idx="0">
+            <a:schemeClr val="accent6"/>
+          </a:fillRef>
+          <a:effectRef idx="0">
+            <a:schemeClr val="accent6"/>
+          </a:effectRef>
+          <a:fontRef idx="minor">
+            <a:schemeClr val="tx1"/>
+          </a:fontRef>
+        </p:style>
+      </p:cxnSp>
+      <p:cxnSp>
+        <p:nvCxnSpPr>
+          <p:cNvPr id="29" name="Gewinkelte Verbindung 28">
+            <a:extLst>
+              <a:ext uri="{FF2B5EF4-FFF2-40B4-BE49-F238E27FC236}">
+                <a16:creationId xmlns:a16="http://schemas.microsoft.com/office/drawing/2014/main" id="{EC778835-7BF7-CBC2-BF75-489A7D9683D0}"/>
+              </a:ext>
+            </a:extLst>
+          </p:cNvPr>
+          <p:cNvCxnSpPr>
+            <a:cxnSpLocks/>
+            <a:stCxn id="25" idx="3"/>
+            <a:endCxn id="15" idx="1"/>
+          </p:cNvCxnSpPr>
+          <p:nvPr/>
+        </p:nvCxnSpPr>
+        <p:spPr>
+          <a:xfrm>
+            <a:off x="8818037" y="2461424"/>
+            <a:ext cx="636892" cy="378825"/>
+          </a:xfrm>
+          <a:prstGeom prst="bentConnector3">
+            <a:avLst/>
+          </a:prstGeom>
+          <a:ln>
+            <a:headEnd type="triangle"/>
+            <a:tailEnd type="triangle"/>
+          </a:ln>
+        </p:spPr>
+        <p:style>
+          <a:lnRef idx="1">
+            <a:schemeClr val="accent6"/>
+          </a:lnRef>
+          <a:fillRef idx="0">
+            <a:schemeClr val="accent6"/>
+          </a:fillRef>
+          <a:effectRef idx="0">
+            <a:schemeClr val="accent6"/>
+          </a:effectRef>
+          <a:fontRef idx="minor">
+            <a:schemeClr val="tx1"/>
+          </a:fontRef>
+        </p:style>
+      </p:cxnSp>
+      <p:sp>
+        <p:nvSpPr>
+          <p:cNvPr id="35" name="Zylinder 34">
+            <a:extLst>
+              <a:ext uri="{FF2B5EF4-FFF2-40B4-BE49-F238E27FC236}">
+                <a16:creationId xmlns:a16="http://schemas.microsoft.com/office/drawing/2014/main" id="{93BFDCE2-253C-A5B7-98CF-C4DD0696D5BF}"/>
+              </a:ext>
+            </a:extLst>
+          </p:cNvPr>
+          <p:cNvSpPr/>
+          <p:nvPr/>
+        </p:nvSpPr>
+        <p:spPr>
+          <a:xfrm rot="16200000">
+            <a:off x="5669983" y="1073857"/>
+            <a:ext cx="1043564" cy="4804395"/>
+          </a:xfrm>
+          <a:prstGeom prst="can">
+            <a:avLst/>
+          </a:prstGeom>
+        </p:spPr>
+        <p:style>
+          <a:lnRef idx="2">
+            <a:schemeClr val="accent6"/>
+          </a:lnRef>
+          <a:fillRef idx="1">
+            <a:schemeClr val="lt1"/>
+          </a:fillRef>
+          <a:effectRef idx="0">
+            <a:schemeClr val="accent6"/>
+          </a:effectRef>
+          <a:fontRef idx="minor">
+            <a:schemeClr val="dk1"/>
+          </a:fontRef>
+        </p:style>
+        <p:txBody>
+          <a:bodyPr vert="vert" rtlCol="0" anchor="t"/>
+          <a:lstStyle/>
+          <a:p>
+            <a:pPr algn="ctr"/>
+            <a:r>
+              <a:rPr lang="de-DE" sz="1200" dirty="0"/>
+              <a:t>Post </a:t>
+            </a:r>
+            <a:r>
+              <a:rPr lang="de-DE" sz="1200" dirty="0" err="1"/>
+              <a:t>Requests</a:t>
+            </a:r>
+            <a:r>
+              <a:rPr lang="de-DE" sz="1200" dirty="0"/>
+              <a:t> (</a:t>
+            </a:r>
+            <a:r>
+              <a:rPr lang="de-DE" sz="1200" dirty="0" err="1"/>
+              <a:t>async</a:t>
+            </a:r>
+            <a:r>
+              <a:rPr lang="de-DE" sz="1200" dirty="0"/>
+              <a:t> </a:t>
+            </a:r>
+            <a:r>
+              <a:rPr lang="de-DE" sz="1200" dirty="0" err="1"/>
+              <a:t>updates</a:t>
+            </a:r>
+            <a:r>
+              <a:rPr lang="de-DE" sz="1200" dirty="0"/>
+              <a:t>)</a:t>
+            </a:r>
+          </a:p>
+        </p:txBody>
+      </p:sp>
+      <p:sp>
+        <p:nvSpPr>
+          <p:cNvPr id="40" name="Abgerundetes Rechteck 39">
+            <a:extLst>
+              <a:ext uri="{FF2B5EF4-FFF2-40B4-BE49-F238E27FC236}">
+                <a16:creationId xmlns:a16="http://schemas.microsoft.com/office/drawing/2014/main" id="{711596AF-51EA-8688-F485-CFC834473B67}"/>
+              </a:ext>
+            </a:extLst>
+          </p:cNvPr>
+          <p:cNvSpPr/>
+          <p:nvPr/>
+        </p:nvSpPr>
+        <p:spPr>
+          <a:xfrm>
+            <a:off x="5759168" y="3309886"/>
+            <a:ext cx="1256708" cy="580171"/>
+          </a:xfrm>
+          <a:prstGeom prst="roundRect">
+            <a:avLst/>
+          </a:prstGeom>
+        </p:spPr>
+        <p:style>
+          <a:lnRef idx="2">
+            <a:schemeClr val="accent6"/>
+          </a:lnRef>
+          <a:fillRef idx="1">
+            <a:schemeClr val="lt1"/>
+          </a:fillRef>
+          <a:effectRef idx="0">
+            <a:schemeClr val="accent6"/>
+          </a:effectRef>
+          <a:fontRef idx="minor">
+            <a:schemeClr val="dk1"/>
+          </a:fontRef>
+        </p:style>
+        <p:txBody>
+          <a:bodyPr rtlCol="0" anchor="ctr"/>
+          <a:lstStyle/>
+          <a:p>
+            <a:r>
+              <a:rPr lang="de-DE" sz="1200" dirty="0"/>
+              <a:t>Token &amp; </a:t>
+            </a:r>
+            <a:r>
+              <a:rPr lang="de-DE" sz="1200" dirty="0" err="1"/>
+              <a:t>Usage</a:t>
+            </a:r>
+            <a:r>
+              <a:rPr lang="de-DE" sz="1200" dirty="0"/>
+              <a:t> </a:t>
+            </a:r>
+            <a:r>
+              <a:rPr lang="de-DE" sz="1200" dirty="0" err="1"/>
+              <a:t>tracking</a:t>
+            </a:r>
+            <a:endParaRPr lang="de-DE" sz="800" dirty="0"/>
+          </a:p>
+        </p:txBody>
+      </p:sp>
+      <p:sp>
+        <p:nvSpPr>
+          <p:cNvPr id="41" name="Abgerundetes Rechteck 40">
+            <a:extLst>
+              <a:ext uri="{FF2B5EF4-FFF2-40B4-BE49-F238E27FC236}">
+                <a16:creationId xmlns:a16="http://schemas.microsoft.com/office/drawing/2014/main" id="{0CDB7DB7-3E78-EE6B-B74F-095AB8A4C293}"/>
+              </a:ext>
+            </a:extLst>
+          </p:cNvPr>
+          <p:cNvSpPr/>
+          <p:nvPr/>
+        </p:nvSpPr>
+        <p:spPr>
+          <a:xfrm>
+            <a:off x="7078241" y="3319706"/>
+            <a:ext cx="1256708" cy="580171"/>
+          </a:xfrm>
+          <a:prstGeom prst="roundRect">
+            <a:avLst/>
+          </a:prstGeom>
+        </p:spPr>
+        <p:style>
+          <a:lnRef idx="2">
+            <a:schemeClr val="accent6"/>
+          </a:lnRef>
+          <a:fillRef idx="1">
+            <a:schemeClr val="lt1"/>
+          </a:fillRef>
+          <a:effectRef idx="0">
+            <a:schemeClr val="accent6"/>
+          </a:effectRef>
+          <a:fontRef idx="minor">
+            <a:schemeClr val="dk1"/>
+          </a:fontRef>
+        </p:style>
+        <p:txBody>
+          <a:bodyPr rtlCol="0" anchor="ctr"/>
+          <a:lstStyle/>
+          <a:p>
+            <a:r>
+              <a:rPr lang="de-DE" sz="1200" dirty="0" err="1"/>
+              <a:t>Logging</a:t>
+            </a:r>
+            <a:endParaRPr lang="de-DE" sz="1200" dirty="0"/>
+          </a:p>
+          <a:p>
+            <a:r>
+              <a:rPr lang="de-DE" sz="1200" dirty="0"/>
+              <a:t>(</a:t>
+            </a:r>
+            <a:r>
+              <a:rPr lang="de-DE" sz="1200" dirty="0" err="1"/>
+              <a:t>langfuse</a:t>
+            </a:r>
+            <a:r>
+              <a:rPr lang="de-DE" sz="1200" dirty="0"/>
+              <a:t> </a:t>
+            </a:r>
+            <a:r>
+              <a:rPr lang="de-DE" sz="1200" dirty="0" err="1"/>
+              <a:t>integration</a:t>
+            </a:r>
+            <a:r>
+              <a:rPr lang="de-DE" sz="1200" dirty="0"/>
+              <a:t>)</a:t>
+            </a:r>
+            <a:endParaRPr lang="de-DE" sz="800" dirty="0"/>
+          </a:p>
+        </p:txBody>
+      </p:sp>
+      <p:sp>
+        <p:nvSpPr>
+          <p:cNvPr id="43" name="Rechteck 42">
+            <a:extLst>
+              <a:ext uri="{FF2B5EF4-FFF2-40B4-BE49-F238E27FC236}">
+                <a16:creationId xmlns:a16="http://schemas.microsoft.com/office/drawing/2014/main" id="{883EAD5E-6D21-2F79-68D3-49C4A8481403}"/>
+              </a:ext>
+            </a:extLst>
+          </p:cNvPr>
+          <p:cNvSpPr/>
+          <p:nvPr/>
+        </p:nvSpPr>
+        <p:spPr>
+          <a:xfrm>
+            <a:off x="523350" y="2176105"/>
+            <a:ext cx="1534632" cy="1555923"/>
+          </a:xfrm>
+          <a:prstGeom prst="rect">
+            <a:avLst/>
+          </a:prstGeom>
+        </p:spPr>
+        <p:style>
+          <a:lnRef idx="2">
+            <a:schemeClr val="accent1">
+              <a:shade val="15000"/>
+            </a:schemeClr>
+          </a:lnRef>
+          <a:fillRef idx="1">
+            <a:schemeClr val="accent1"/>
+          </a:fillRef>
+          <a:effectRef idx="0">
+            <a:schemeClr val="accent1"/>
+          </a:effectRef>
+          <a:fontRef idx="minor">
+            <a:schemeClr val="lt1"/>
+          </a:fontRef>
+        </p:style>
+        <p:txBody>
+          <a:bodyPr rtlCol="0" anchor="ctr"/>
+          <a:lstStyle/>
+          <a:p>
+            <a:pPr algn="ctr"/>
+            <a:r>
+              <a:rPr lang="de-DE" dirty="0"/>
+              <a:t>Client</a:t>
+            </a:r>
+          </a:p>
+        </p:txBody>
+      </p:sp>
+      <p:cxnSp>
+        <p:nvCxnSpPr>
+          <p:cNvPr id="45" name="Gerade Verbindung mit Pfeil 44">
+            <a:extLst>
+              <a:ext uri="{FF2B5EF4-FFF2-40B4-BE49-F238E27FC236}">
+                <a16:creationId xmlns:a16="http://schemas.microsoft.com/office/drawing/2014/main" id="{7295A916-2BFF-F939-8B2D-1833A204CAB9}"/>
+              </a:ext>
+            </a:extLst>
+          </p:cNvPr>
+          <p:cNvCxnSpPr>
+            <a:cxnSpLocks/>
+            <a:endCxn id="22" idx="1"/>
+          </p:cNvCxnSpPr>
+          <p:nvPr/>
+        </p:nvCxnSpPr>
+        <p:spPr>
+          <a:xfrm>
+            <a:off x="2057982" y="2461427"/>
+            <a:ext cx="1756003" cy="0"/>
+          </a:xfrm>
+          <a:prstGeom prst="straightConnector1">
+            <a:avLst/>
+          </a:prstGeom>
+          <a:ln>
+            <a:tailEnd type="triangle"/>
+          </a:ln>
+        </p:spPr>
+        <p:style>
+          <a:lnRef idx="1">
+            <a:schemeClr val="accent6"/>
+          </a:lnRef>
+          <a:fillRef idx="0">
+            <a:schemeClr val="accent6"/>
+          </a:fillRef>
+          <a:effectRef idx="0">
+            <a:schemeClr val="accent6"/>
+          </a:effectRef>
+          <a:fontRef idx="minor">
+            <a:schemeClr val="tx1"/>
+          </a:fontRef>
+        </p:style>
+      </p:cxnSp>
+      <p:sp>
+        <p:nvSpPr>
+          <p:cNvPr id="48" name="Textfeld 47">
+            <a:extLst>
+              <a:ext uri="{FF2B5EF4-FFF2-40B4-BE49-F238E27FC236}">
+                <a16:creationId xmlns:a16="http://schemas.microsoft.com/office/drawing/2014/main" id="{57FDCC50-7F07-006A-C571-D58C7251E6FD}"/>
+              </a:ext>
+            </a:extLst>
+          </p:cNvPr>
+          <p:cNvSpPr txBox="1"/>
+          <p:nvPr/>
+        </p:nvSpPr>
+        <p:spPr>
+          <a:xfrm>
+            <a:off x="397627" y="6089007"/>
+            <a:ext cx="4520468" cy="369332"/>
+          </a:xfrm>
+          <a:prstGeom prst="rect">
+            <a:avLst/>
+          </a:prstGeom>
+          <a:noFill/>
+        </p:spPr>
+        <p:txBody>
+          <a:bodyPr wrap="none" rtlCol="0">
+            <a:spAutoFit/>
+          </a:bodyPr>
+          <a:lstStyle/>
+          <a:p>
+            <a:r>
+              <a:rPr lang="de-DE" dirty="0"/>
+              <a:t>In Anlehnung an </a:t>
+            </a:r>
+            <a:r>
+              <a:rPr lang="de-DE" dirty="0" err="1"/>
+              <a:t>LiteLLM.proxy</a:t>
+            </a:r>
+            <a:r>
+              <a:rPr lang="de-DE" dirty="0"/>
+              <a:t> Architektur</a:t>
+            </a:r>
+          </a:p>
+        </p:txBody>
+      </p:sp>
+      <p:sp>
+        <p:nvSpPr>
+          <p:cNvPr id="49" name="Zylinder 48">
+            <a:extLst>
+              <a:ext uri="{FF2B5EF4-FFF2-40B4-BE49-F238E27FC236}">
+                <a16:creationId xmlns:a16="http://schemas.microsoft.com/office/drawing/2014/main" id="{04DCF56F-69E0-13B9-B0C3-525DB740A7FF}"/>
+              </a:ext>
+            </a:extLst>
+          </p:cNvPr>
+          <p:cNvSpPr/>
+          <p:nvPr/>
+        </p:nvSpPr>
+        <p:spPr>
+          <a:xfrm>
+            <a:off x="5664569" y="4374042"/>
+            <a:ext cx="1534631" cy="1216152"/>
+          </a:xfrm>
+          <a:prstGeom prst="can">
+            <a:avLst/>
+          </a:prstGeom>
+        </p:spPr>
+        <p:style>
+          <a:lnRef idx="2">
+            <a:schemeClr val="accent1">
+              <a:shade val="15000"/>
+            </a:schemeClr>
+          </a:lnRef>
+          <a:fillRef idx="1">
+            <a:schemeClr val="accent1"/>
+          </a:fillRef>
+          <a:effectRef idx="0">
+            <a:schemeClr val="accent1"/>
+          </a:effectRef>
+          <a:fontRef idx="minor">
+            <a:schemeClr val="lt1"/>
+          </a:fontRef>
+        </p:style>
+        <p:txBody>
+          <a:bodyPr rtlCol="0" anchor="ctr"/>
+          <a:lstStyle/>
+          <a:p>
+            <a:pPr algn="ctr"/>
+            <a:r>
+              <a:rPr lang="de-DE" dirty="0"/>
+              <a:t>Model Registry</a:t>
+            </a:r>
+          </a:p>
+        </p:txBody>
+      </p:sp>
+      <p:sp>
+        <p:nvSpPr>
+          <p:cNvPr id="50" name="Abgerundetes Rechteck 49">
+            <a:extLst>
+              <a:ext uri="{FF2B5EF4-FFF2-40B4-BE49-F238E27FC236}">
+                <a16:creationId xmlns:a16="http://schemas.microsoft.com/office/drawing/2014/main" id="{7947DDA0-6B1A-22D7-601C-46DFBA9B22A4}"/>
+              </a:ext>
+            </a:extLst>
+          </p:cNvPr>
+          <p:cNvSpPr/>
+          <p:nvPr/>
+        </p:nvSpPr>
+        <p:spPr>
+          <a:xfrm>
+            <a:off x="4351993" y="3303728"/>
+            <a:ext cx="1256708" cy="580171"/>
+          </a:xfrm>
+          <a:prstGeom prst="roundRect">
+            <a:avLst/>
+          </a:prstGeom>
+        </p:spPr>
+        <p:style>
+          <a:lnRef idx="2">
+            <a:schemeClr val="accent6"/>
+          </a:lnRef>
+          <a:fillRef idx="1">
+            <a:schemeClr val="lt1"/>
+          </a:fillRef>
+          <a:effectRef idx="0">
+            <a:schemeClr val="accent6"/>
+          </a:effectRef>
+          <a:fontRef idx="minor">
+            <a:schemeClr val="dk1"/>
+          </a:fontRef>
+        </p:style>
+        <p:txBody>
+          <a:bodyPr rtlCol="0" anchor="ctr"/>
+          <a:lstStyle/>
+          <a:p>
+            <a:r>
+              <a:rPr lang="de-DE" sz="1200" dirty="0" err="1"/>
+              <a:t>Guardrails</a:t>
+            </a:r>
+            <a:endParaRPr lang="de-DE" sz="800" dirty="0"/>
+          </a:p>
+        </p:txBody>
+      </p:sp>
+      <p:cxnSp>
+        <p:nvCxnSpPr>
+          <p:cNvPr id="52" name="Gerade Verbindung mit Pfeil 51">
+            <a:extLst>
+              <a:ext uri="{FF2B5EF4-FFF2-40B4-BE49-F238E27FC236}">
+                <a16:creationId xmlns:a16="http://schemas.microsoft.com/office/drawing/2014/main" id="{72AC2E83-F236-7B6C-9280-C8AC4B982382}"/>
+              </a:ext>
+            </a:extLst>
+          </p:cNvPr>
+          <p:cNvCxnSpPr>
+            <a:cxnSpLocks/>
+            <a:stCxn id="25" idx="2"/>
+          </p:cNvCxnSpPr>
+          <p:nvPr/>
+        </p:nvCxnSpPr>
+        <p:spPr>
+          <a:xfrm flipH="1">
+            <a:off x="8145520" y="2751509"/>
+            <a:ext cx="1" cy="215903"/>
+          </a:xfrm>
+          <a:prstGeom prst="straightConnector1">
+            <a:avLst/>
+          </a:prstGeom>
+          <a:ln>
+            <a:tailEnd type="triangle"/>
+          </a:ln>
+        </p:spPr>
+        <p:style>
+          <a:lnRef idx="1">
+            <a:schemeClr val="accent6"/>
+          </a:lnRef>
+          <a:fillRef idx="0">
+            <a:schemeClr val="accent6"/>
+          </a:fillRef>
+          <a:effectRef idx="0">
+            <a:schemeClr val="accent6"/>
+          </a:effectRef>
+          <a:fontRef idx="minor">
+            <a:schemeClr val="tx1"/>
+          </a:fontRef>
+        </p:style>
+      </p:cxnSp>
+      <p:cxnSp>
+        <p:nvCxnSpPr>
+          <p:cNvPr id="55" name="Gerade Verbindung mit Pfeil 54">
+            <a:extLst>
+              <a:ext uri="{FF2B5EF4-FFF2-40B4-BE49-F238E27FC236}">
+                <a16:creationId xmlns:a16="http://schemas.microsoft.com/office/drawing/2014/main" id="{3D9A572A-0742-580D-9F3D-EF46D163131D}"/>
+              </a:ext>
+            </a:extLst>
+          </p:cNvPr>
+          <p:cNvCxnSpPr>
+            <a:stCxn id="35" idx="1"/>
+          </p:cNvCxnSpPr>
+          <p:nvPr/>
+        </p:nvCxnSpPr>
+        <p:spPr>
+          <a:xfrm flipH="1" flipV="1">
+            <a:off x="2057982" y="3476054"/>
+            <a:ext cx="1731586" cy="1"/>
+          </a:xfrm>
+          <a:prstGeom prst="straightConnector1">
+            <a:avLst/>
+          </a:prstGeom>
+          <a:ln>
+            <a:tailEnd type="triangle"/>
+          </a:ln>
+        </p:spPr>
+        <p:style>
+          <a:lnRef idx="1">
+            <a:schemeClr val="accent6"/>
+          </a:lnRef>
+          <a:fillRef idx="0">
+            <a:schemeClr val="accent6"/>
+          </a:fillRef>
+          <a:effectRef idx="0">
+            <a:schemeClr val="accent6"/>
+          </a:effectRef>
+          <a:fontRef idx="minor">
+            <a:schemeClr val="tx1"/>
+          </a:fontRef>
+        </p:style>
+      </p:cxnSp>
+      <p:cxnSp>
+        <p:nvCxnSpPr>
+          <p:cNvPr id="60" name="Gerade Verbindung mit Pfeil 59">
+            <a:extLst>
+              <a:ext uri="{FF2B5EF4-FFF2-40B4-BE49-F238E27FC236}">
+                <a16:creationId xmlns:a16="http://schemas.microsoft.com/office/drawing/2014/main" id="{D20920E7-B58D-BDD0-1D81-B16279DA3F07}"/>
+              </a:ext>
+            </a:extLst>
+          </p:cNvPr>
+          <p:cNvCxnSpPr>
+            <a:stCxn id="22" idx="3"/>
+            <a:endCxn id="25" idx="1"/>
+          </p:cNvCxnSpPr>
+          <p:nvPr/>
+        </p:nvCxnSpPr>
+        <p:spPr>
+          <a:xfrm flipV="1">
+            <a:off x="4797645" y="2461424"/>
+            <a:ext cx="2675359" cy="3"/>
+          </a:xfrm>
+          <a:prstGeom prst="straightConnector1">
+            <a:avLst/>
+          </a:prstGeom>
+          <a:ln>
+            <a:tailEnd type="triangle"/>
+          </a:ln>
+        </p:spPr>
+        <p:style>
+          <a:lnRef idx="1">
+            <a:schemeClr val="accent6"/>
+          </a:lnRef>
+          <a:fillRef idx="0">
+            <a:schemeClr val="accent6"/>
+          </a:fillRef>
+          <a:effectRef idx="0">
+            <a:schemeClr val="accent6"/>
+          </a:effectRef>
+          <a:fontRef idx="minor">
+            <a:schemeClr val="tx1"/>
+          </a:fontRef>
+        </p:style>
+      </p:cxnSp>
+      <p:sp>
+        <p:nvSpPr>
+          <p:cNvPr id="23" name="Abgerundetes Rechteck 22">
+            <a:extLst>
+              <a:ext uri="{FF2B5EF4-FFF2-40B4-BE49-F238E27FC236}">
+                <a16:creationId xmlns:a16="http://schemas.microsoft.com/office/drawing/2014/main" id="{B7C5D797-0E97-0B3D-D23A-898980605540}"/>
+              </a:ext>
+            </a:extLst>
+          </p:cNvPr>
+          <p:cNvSpPr/>
+          <p:nvPr/>
+        </p:nvSpPr>
+        <p:spPr>
+          <a:xfrm>
+            <a:off x="4913201" y="2171340"/>
+            <a:ext cx="983660" cy="580171"/>
+          </a:xfrm>
+          <a:prstGeom prst="roundRect">
+            <a:avLst/>
+          </a:prstGeom>
+        </p:spPr>
+        <p:style>
+          <a:lnRef idx="2">
+            <a:schemeClr val="accent6"/>
+          </a:lnRef>
+          <a:fillRef idx="1">
+            <a:schemeClr val="lt1"/>
+          </a:fillRef>
+          <a:effectRef idx="0">
+            <a:schemeClr val="accent6"/>
+          </a:effectRef>
+          <a:fontRef idx="minor">
+            <a:schemeClr val="dk1"/>
+          </a:fontRef>
+        </p:style>
+        <p:txBody>
+          <a:bodyPr rtlCol="0" anchor="ctr"/>
+          <a:lstStyle/>
+          <a:p>
+            <a:pPr algn="ctr"/>
+            <a:r>
+              <a:rPr lang="de-DE" sz="1200" dirty="0"/>
+              <a:t>check rate </a:t>
+            </a:r>
+            <a:r>
+              <a:rPr lang="de-DE" sz="1200" dirty="0" err="1"/>
+              <a:t>limit</a:t>
+            </a:r>
+            <a:endParaRPr lang="de-DE" sz="1200" dirty="0"/>
+          </a:p>
+        </p:txBody>
+      </p:sp>
+      <p:sp>
+        <p:nvSpPr>
+          <p:cNvPr id="24" name="Abgerundetes Rechteck 23">
+            <a:extLst>
+              <a:ext uri="{FF2B5EF4-FFF2-40B4-BE49-F238E27FC236}">
+                <a16:creationId xmlns:a16="http://schemas.microsoft.com/office/drawing/2014/main" id="{0189F3E6-8AA4-7CF9-4D0C-58C86E0D6D49}"/>
+              </a:ext>
+            </a:extLst>
+          </p:cNvPr>
+          <p:cNvSpPr/>
+          <p:nvPr/>
+        </p:nvSpPr>
+        <p:spPr>
+          <a:xfrm>
+            <a:off x="6012416" y="2171339"/>
+            <a:ext cx="1345033" cy="580171"/>
+          </a:xfrm>
+          <a:prstGeom prst="roundRect">
+            <a:avLst/>
+          </a:prstGeom>
+        </p:spPr>
+        <p:style>
+          <a:lnRef idx="2">
+            <a:schemeClr val="accent6"/>
+          </a:lnRef>
+          <a:fillRef idx="1">
+            <a:schemeClr val="lt1"/>
+          </a:fillRef>
+          <a:effectRef idx="0">
+            <a:schemeClr val="accent6"/>
+          </a:effectRef>
+          <a:fontRef idx="minor">
+            <a:schemeClr val="dk1"/>
+          </a:fontRef>
+        </p:style>
+        <p:txBody>
+          <a:bodyPr rtlCol="0" anchor="ctr"/>
+          <a:lstStyle/>
+          <a:p>
+            <a:r>
+              <a:rPr lang="de-DE" sz="1200" dirty="0"/>
+              <a:t>Handle</a:t>
+            </a:r>
+            <a:br>
+              <a:rPr lang="de-DE" sz="1200" dirty="0"/>
+            </a:br>
+            <a:r>
+              <a:rPr lang="de-DE" sz="800" dirty="0"/>
+              <a:t>/v1/</a:t>
+            </a:r>
+            <a:r>
+              <a:rPr lang="de-DE" sz="800" dirty="0" err="1"/>
+              <a:t>chat</a:t>
+            </a:r>
+            <a:r>
+              <a:rPr lang="de-DE" sz="800" dirty="0"/>
+              <a:t>/</a:t>
+            </a:r>
+            <a:r>
+              <a:rPr lang="de-DE" sz="800" dirty="0" err="1"/>
+              <a:t>completions</a:t>
+            </a:r>
+            <a:endParaRPr lang="de-DE" sz="800" dirty="0"/>
+          </a:p>
+          <a:p>
+            <a:r>
+              <a:rPr lang="de-DE" sz="800" dirty="0"/>
+              <a:t>/v1/</a:t>
+            </a:r>
+            <a:r>
+              <a:rPr lang="de-DE" sz="800" dirty="0" err="1"/>
+              <a:t>embeddings</a:t>
+            </a:r>
+            <a:endParaRPr lang="de-DE" sz="800" dirty="0"/>
+          </a:p>
+        </p:txBody>
+      </p:sp>
+      <p:sp>
+        <p:nvSpPr>
+          <p:cNvPr id="5" name="Rechteck 4">
+            <a:extLst>
+              <a:ext uri="{FF2B5EF4-FFF2-40B4-BE49-F238E27FC236}">
+                <a16:creationId xmlns:a16="http://schemas.microsoft.com/office/drawing/2014/main" id="{778CC6F6-8D9F-FCCD-E553-1E26F51F790A}"/>
+              </a:ext>
+            </a:extLst>
+          </p:cNvPr>
+          <p:cNvSpPr/>
+          <p:nvPr/>
+        </p:nvSpPr>
+        <p:spPr>
+          <a:xfrm>
+            <a:off x="3062176" y="1790885"/>
+            <a:ext cx="397095" cy="2298026"/>
+          </a:xfrm>
+          <a:prstGeom prst="rect">
+            <a:avLst/>
+          </a:prstGeom>
+        </p:spPr>
+        <p:style>
+          <a:lnRef idx="2">
+            <a:schemeClr val="accent1">
+              <a:shade val="15000"/>
+            </a:schemeClr>
+          </a:lnRef>
+          <a:fillRef idx="1">
+            <a:schemeClr val="accent1"/>
+          </a:fillRef>
+          <a:effectRef idx="0">
+            <a:schemeClr val="accent1"/>
+          </a:effectRef>
+          <a:fontRef idx="minor">
+            <a:schemeClr val="lt1"/>
+          </a:fontRef>
+        </p:style>
+        <p:txBody>
+          <a:bodyPr vert="vert270" rtlCol="0" anchor="ctr"/>
+          <a:lstStyle/>
+          <a:p>
+            <a:pPr algn="ctr"/>
+            <a:r>
+              <a:rPr lang="de-DE" dirty="0" err="1"/>
+              <a:t>OpenAI</a:t>
+            </a:r>
+            <a:r>
+              <a:rPr lang="de-DE" dirty="0"/>
+              <a:t> API</a:t>
+            </a:r>
+          </a:p>
+        </p:txBody>
+      </p:sp>
+    </p:spTree>
+    <p:extLst>
+      <p:ext uri="{BB962C8B-B14F-4D97-AF65-F5344CB8AC3E}">
+        <p14:creationId xmlns:p14="http://schemas.microsoft.com/office/powerpoint/2010/main" val="3358893672"/>
+      </p:ext>
+    </p:extLst>
+  </p:cSld>
+  <p:clrMapOvr>
+    <a:masterClrMapping/>
+  </p:clrMapOvr>
+</p:sld>
+</file>
+
 <file path=ppt/theme/theme1.xml><?xml version="1.0" encoding="utf-8"?>
 <a:theme xmlns:a="http://schemas.openxmlformats.org/drawingml/2006/main" name="Office">
   <a:themeElements>

--- a/RAKIPOEV-docs/docs/ppt/Building-Blocks.pptx
+++ b/RAKIPOEV-docs/docs/ppt/Building-Blocks.pptx
@@ -12,7 +12,8 @@
     <p:sldId id="259" r:id="rId6"/>
     <p:sldId id="260" r:id="rId7"/>
     <p:sldId id="258" r:id="rId8"/>
-    <p:sldId id="263" r:id="rId9"/>
+    <p:sldId id="264" r:id="rId9"/>
+    <p:sldId id="263" r:id="rId10"/>
   </p:sldIdLst>
   <p:sldSz cx="12192000" cy="6858000"/>
   <p:notesSz cx="6858000" cy="9144000"/>
@@ -6201,6 +6202,1696 @@
         <p:cNvPr id="1" name="">
           <a:extLst>
             <a:ext uri="{FF2B5EF4-FFF2-40B4-BE49-F238E27FC236}">
+              <a16:creationId xmlns:a16="http://schemas.microsoft.com/office/drawing/2014/main" id="{06F41A03-276B-983F-CA94-025243CC4964}"/>
+            </a:ext>
+          </a:extLst>
+        </p:cNvPr>
+        <p:cNvGrpSpPr/>
+        <p:nvPr/>
+      </p:nvGrpSpPr>
+      <p:grpSpPr>
+        <a:xfrm>
+          <a:off x="0" y="0"/>
+          <a:ext cx="0" cy="0"/>
+          <a:chOff x="0" y="0"/>
+          <a:chExt cx="0" cy="0"/>
+        </a:xfrm>
+      </p:grpSpPr>
+      <p:sp>
+        <p:nvSpPr>
+          <p:cNvPr id="2" name="Textfeld 1">
+            <a:extLst>
+              <a:ext uri="{FF2B5EF4-FFF2-40B4-BE49-F238E27FC236}">
+                <a16:creationId xmlns:a16="http://schemas.microsoft.com/office/drawing/2014/main" id="{4D93E79D-ECAA-D610-93E4-409B8195162D}"/>
+              </a:ext>
+            </a:extLst>
+          </p:cNvPr>
+          <p:cNvSpPr txBox="1"/>
+          <p:nvPr/>
+        </p:nvSpPr>
+        <p:spPr>
+          <a:xfrm>
+            <a:off x="10434468" y="6127161"/>
+            <a:ext cx="1550746" cy="369332"/>
+          </a:xfrm>
+          <a:prstGeom prst="rect">
+            <a:avLst/>
+          </a:prstGeom>
+          <a:noFill/>
+        </p:spPr>
+        <p:txBody>
+          <a:bodyPr wrap="none" rtlCol="0">
+            <a:spAutoFit/>
+          </a:bodyPr>
+          <a:lstStyle/>
+          <a:p>
+            <a:r>
+              <a:rPr lang="de-DE" dirty="0"/>
+              <a:t>LLM-Gateway</a:t>
+            </a:r>
+          </a:p>
+        </p:txBody>
+      </p:sp>
+      <p:sp>
+        <p:nvSpPr>
+          <p:cNvPr id="3" name="Rechteck 2">
+            <a:extLst>
+              <a:ext uri="{FF2B5EF4-FFF2-40B4-BE49-F238E27FC236}">
+                <a16:creationId xmlns:a16="http://schemas.microsoft.com/office/drawing/2014/main" id="{8A2FC194-3B63-1CC9-7AE8-99DEE824F31D}"/>
+              </a:ext>
+            </a:extLst>
+          </p:cNvPr>
+          <p:cNvSpPr/>
+          <p:nvPr/>
+        </p:nvSpPr>
+        <p:spPr>
+          <a:xfrm>
+            <a:off x="3664835" y="1790885"/>
+            <a:ext cx="1534632" cy="2298026"/>
+          </a:xfrm>
+          <a:prstGeom prst="rect">
+            <a:avLst/>
+          </a:prstGeom>
+        </p:spPr>
+        <p:style>
+          <a:lnRef idx="2">
+            <a:schemeClr val="accent1">
+              <a:shade val="15000"/>
+            </a:schemeClr>
+          </a:lnRef>
+          <a:fillRef idx="1">
+            <a:schemeClr val="accent1"/>
+          </a:fillRef>
+          <a:effectRef idx="0">
+            <a:schemeClr val="accent1"/>
+          </a:effectRef>
+          <a:fontRef idx="minor">
+            <a:schemeClr val="lt1"/>
+          </a:fontRef>
+        </p:style>
+        <p:txBody>
+          <a:bodyPr rtlCol="0" anchor="ctr"/>
+          <a:lstStyle/>
+          <a:p>
+            <a:pPr algn="ctr"/>
+            <a:r>
+              <a:rPr lang="de-DE" dirty="0"/>
+              <a:t>HTTP-Server</a:t>
+            </a:r>
+          </a:p>
+        </p:txBody>
+      </p:sp>
+      <p:sp>
+        <p:nvSpPr>
+          <p:cNvPr id="4" name="Rechteck 3">
+            <a:extLst>
+              <a:ext uri="{FF2B5EF4-FFF2-40B4-BE49-F238E27FC236}">
+                <a16:creationId xmlns:a16="http://schemas.microsoft.com/office/drawing/2014/main" id="{42BBD9A7-CA62-D115-15A9-A1DFDB44F6A0}"/>
+              </a:ext>
+            </a:extLst>
+          </p:cNvPr>
+          <p:cNvSpPr/>
+          <p:nvPr/>
+        </p:nvSpPr>
+        <p:spPr>
+          <a:xfrm>
+            <a:off x="9454929" y="1771920"/>
+            <a:ext cx="1534632" cy="619703"/>
+          </a:xfrm>
+          <a:prstGeom prst="rect">
+            <a:avLst/>
+          </a:prstGeom>
+        </p:spPr>
+        <p:style>
+          <a:lnRef idx="2">
+            <a:schemeClr val="accent1">
+              <a:shade val="15000"/>
+            </a:schemeClr>
+          </a:lnRef>
+          <a:fillRef idx="1">
+            <a:schemeClr val="accent1"/>
+          </a:fillRef>
+          <a:effectRef idx="0">
+            <a:schemeClr val="accent1"/>
+          </a:effectRef>
+          <a:fontRef idx="minor">
+            <a:schemeClr val="lt1"/>
+          </a:fontRef>
+        </p:style>
+        <p:txBody>
+          <a:bodyPr rtlCol="0" anchor="ctr"/>
+          <a:lstStyle/>
+          <a:p>
+            <a:pPr algn="ctr"/>
+            <a:r>
+              <a:rPr lang="de-DE" dirty="0" err="1"/>
+              <a:t>vLLM</a:t>
+            </a:r>
+            <a:endParaRPr lang="de-DE" dirty="0"/>
+          </a:p>
+        </p:txBody>
+      </p:sp>
+      <p:cxnSp>
+        <p:nvCxnSpPr>
+          <p:cNvPr id="7" name="Gerade Verbindung 6">
+            <a:extLst>
+              <a:ext uri="{FF2B5EF4-FFF2-40B4-BE49-F238E27FC236}">
+                <a16:creationId xmlns:a16="http://schemas.microsoft.com/office/drawing/2014/main" id="{A75E94E8-ACC9-C201-9380-30EE5483B43C}"/>
+              </a:ext>
+            </a:extLst>
+          </p:cNvPr>
+          <p:cNvCxnSpPr>
+            <a:stCxn id="3" idx="1"/>
+            <a:endCxn id="5" idx="3"/>
+          </p:cNvCxnSpPr>
+          <p:nvPr/>
+        </p:nvCxnSpPr>
+        <p:spPr>
+          <a:xfrm flipH="1">
+            <a:off x="3459271" y="2939898"/>
+            <a:ext cx="205564" cy="0"/>
+          </a:xfrm>
+          <a:prstGeom prst="line">
+            <a:avLst/>
+          </a:prstGeom>
+        </p:spPr>
+        <p:style>
+          <a:lnRef idx="2">
+            <a:schemeClr val="accent1"/>
+          </a:lnRef>
+          <a:fillRef idx="0">
+            <a:schemeClr val="accent1"/>
+          </a:fillRef>
+          <a:effectRef idx="1">
+            <a:schemeClr val="accent1"/>
+          </a:effectRef>
+          <a:fontRef idx="minor">
+            <a:schemeClr val="tx1"/>
+          </a:fontRef>
+        </p:style>
+      </p:cxnSp>
+      <p:sp>
+        <p:nvSpPr>
+          <p:cNvPr id="8" name="Zylinder 7">
+            <a:extLst>
+              <a:ext uri="{FF2B5EF4-FFF2-40B4-BE49-F238E27FC236}">
+                <a16:creationId xmlns:a16="http://schemas.microsoft.com/office/drawing/2014/main" id="{A78513DE-A141-FEE6-BA43-29869C51B57F}"/>
+              </a:ext>
+            </a:extLst>
+          </p:cNvPr>
+          <p:cNvSpPr/>
+          <p:nvPr/>
+        </p:nvSpPr>
+        <p:spPr>
+          <a:xfrm>
+            <a:off x="3664835" y="4378507"/>
+            <a:ext cx="1534631" cy="1216152"/>
+          </a:xfrm>
+          <a:prstGeom prst="can">
+            <a:avLst/>
+          </a:prstGeom>
+        </p:spPr>
+        <p:style>
+          <a:lnRef idx="2">
+            <a:schemeClr val="accent1">
+              <a:shade val="15000"/>
+            </a:schemeClr>
+          </a:lnRef>
+          <a:fillRef idx="1">
+            <a:schemeClr val="accent1"/>
+          </a:fillRef>
+          <a:effectRef idx="0">
+            <a:schemeClr val="accent1"/>
+          </a:effectRef>
+          <a:fontRef idx="minor">
+            <a:schemeClr val="lt1"/>
+          </a:fontRef>
+        </p:style>
+        <p:txBody>
+          <a:bodyPr rtlCol="0" anchor="ctr"/>
+          <a:lstStyle/>
+          <a:p>
+            <a:pPr algn="ctr"/>
+            <a:r>
+              <a:rPr lang="de-DE" dirty="0"/>
+              <a:t>User &amp; </a:t>
+            </a:r>
+            <a:r>
+              <a:rPr lang="de-DE" dirty="0" err="1"/>
+              <a:t>Usage</a:t>
+            </a:r>
+            <a:endParaRPr lang="de-DE" dirty="0"/>
+          </a:p>
+        </p:txBody>
+      </p:sp>
+      <p:cxnSp>
+        <p:nvCxnSpPr>
+          <p:cNvPr id="12" name="Gerade Verbindung 11">
+            <a:extLst>
+              <a:ext uri="{FF2B5EF4-FFF2-40B4-BE49-F238E27FC236}">
+                <a16:creationId xmlns:a16="http://schemas.microsoft.com/office/drawing/2014/main" id="{514EDD3B-641C-CB8C-0D1C-DF044BF03CF2}"/>
+              </a:ext>
+            </a:extLst>
+          </p:cNvPr>
+          <p:cNvCxnSpPr>
+            <a:stCxn id="3" idx="2"/>
+            <a:endCxn id="8" idx="1"/>
+          </p:cNvCxnSpPr>
+          <p:nvPr/>
+        </p:nvCxnSpPr>
+        <p:spPr>
+          <a:xfrm>
+            <a:off x="4432151" y="4088911"/>
+            <a:ext cx="0" cy="289596"/>
+          </a:xfrm>
+          <a:prstGeom prst="line">
+            <a:avLst/>
+          </a:prstGeom>
+        </p:spPr>
+        <p:style>
+          <a:lnRef idx="2">
+            <a:schemeClr val="accent1"/>
+          </a:lnRef>
+          <a:fillRef idx="0">
+            <a:schemeClr val="accent1"/>
+          </a:fillRef>
+          <a:effectRef idx="1">
+            <a:schemeClr val="accent1"/>
+          </a:effectRef>
+          <a:fontRef idx="minor">
+            <a:schemeClr val="tx1"/>
+          </a:fontRef>
+        </p:style>
+      </p:cxnSp>
+      <p:sp>
+        <p:nvSpPr>
+          <p:cNvPr id="13" name="Textfeld 12">
+            <a:extLst>
+              <a:ext uri="{FF2B5EF4-FFF2-40B4-BE49-F238E27FC236}">
+                <a16:creationId xmlns:a16="http://schemas.microsoft.com/office/drawing/2014/main" id="{6691FBB9-D0E0-4E84-359C-821D8CE3DAE1}"/>
+              </a:ext>
+            </a:extLst>
+          </p:cNvPr>
+          <p:cNvSpPr txBox="1"/>
+          <p:nvPr/>
+        </p:nvSpPr>
+        <p:spPr>
+          <a:xfrm>
+            <a:off x="2910806" y="1316623"/>
+            <a:ext cx="2650021" cy="369332"/>
+          </a:xfrm>
+          <a:prstGeom prst="rect">
+            <a:avLst/>
+          </a:prstGeom>
+          <a:noFill/>
+        </p:spPr>
+        <p:txBody>
+          <a:bodyPr wrap="none" rtlCol="0">
+            <a:spAutoFit/>
+          </a:bodyPr>
+          <a:lstStyle/>
+          <a:p>
+            <a:r>
+              <a:rPr lang="de-DE" dirty="0"/>
+              <a:t>Unified interface </a:t>
+            </a:r>
+            <a:r>
+              <a:rPr lang="de-DE" dirty="0" err="1"/>
+              <a:t>to</a:t>
+            </a:r>
+            <a:r>
+              <a:rPr lang="de-DE" dirty="0"/>
+              <a:t> LLMs</a:t>
+            </a:r>
+          </a:p>
+        </p:txBody>
+      </p:sp>
+      <p:sp>
+        <p:nvSpPr>
+          <p:cNvPr id="14" name="Textfeld 13">
+            <a:extLst>
+              <a:ext uri="{FF2B5EF4-FFF2-40B4-BE49-F238E27FC236}">
+                <a16:creationId xmlns:a16="http://schemas.microsoft.com/office/drawing/2014/main" id="{9AD67A94-13A8-C773-1900-9E5DB69DC808}"/>
+              </a:ext>
+            </a:extLst>
+          </p:cNvPr>
+          <p:cNvSpPr txBox="1"/>
+          <p:nvPr/>
+        </p:nvSpPr>
+        <p:spPr>
+          <a:xfrm>
+            <a:off x="1381487" y="4428120"/>
+            <a:ext cx="2357184" cy="2031325"/>
+          </a:xfrm>
+          <a:prstGeom prst="rect">
+            <a:avLst/>
+          </a:prstGeom>
+          <a:noFill/>
+        </p:spPr>
+        <p:txBody>
+          <a:bodyPr wrap="none" rtlCol="0">
+            <a:spAutoFit/>
+          </a:bodyPr>
+          <a:lstStyle/>
+          <a:p>
+            <a:pPr marL="285750" indent="-285750">
+              <a:buFont typeface="Arial" panose="020B0604020202020204" pitchFamily="34" charset="0"/>
+              <a:buChar char="•"/>
+            </a:pPr>
+            <a:r>
+              <a:rPr lang="de-DE" dirty="0"/>
+              <a:t>virtual </a:t>
+            </a:r>
+            <a:r>
+              <a:rPr lang="de-DE" dirty="0" err="1"/>
+              <a:t>keys</a:t>
+            </a:r>
+            <a:endParaRPr lang="de-DE" dirty="0"/>
+          </a:p>
+          <a:p>
+            <a:pPr marL="285750" indent="-285750">
+              <a:buFont typeface="Arial" panose="020B0604020202020204" pitchFamily="34" charset="0"/>
+              <a:buChar char="•"/>
+            </a:pPr>
+            <a:r>
+              <a:rPr lang="de-DE" dirty="0"/>
+              <a:t>rate </a:t>
+            </a:r>
+            <a:r>
+              <a:rPr lang="de-DE" dirty="0" err="1"/>
+              <a:t>limit</a:t>
+            </a:r>
+            <a:endParaRPr lang="de-DE" dirty="0"/>
+          </a:p>
+          <a:p>
+            <a:pPr marL="285750" indent="-285750">
+              <a:buFont typeface="Arial" panose="020B0604020202020204" pitchFamily="34" charset="0"/>
+              <a:buChar char="•"/>
+            </a:pPr>
+            <a:r>
+              <a:rPr lang="de-DE" dirty="0"/>
+              <a:t>track </a:t>
+            </a:r>
+            <a:r>
+              <a:rPr lang="de-DE" dirty="0" err="1"/>
+              <a:t>spend</a:t>
+            </a:r>
+            <a:endParaRPr lang="de-DE" dirty="0"/>
+          </a:p>
+          <a:p>
+            <a:pPr marL="285750" indent="-285750">
+              <a:buFont typeface="Arial" panose="020B0604020202020204" pitchFamily="34" charset="0"/>
+              <a:buChar char="•"/>
+            </a:pPr>
+            <a:r>
+              <a:rPr lang="de-DE" dirty="0" err="1"/>
+              <a:t>set</a:t>
+            </a:r>
+            <a:r>
+              <a:rPr lang="de-DE" dirty="0"/>
+              <a:t> </a:t>
+            </a:r>
+            <a:r>
+              <a:rPr lang="de-DE" dirty="0" err="1"/>
+              <a:t>budgets</a:t>
+            </a:r>
+            <a:r>
+              <a:rPr lang="de-DE" dirty="0"/>
+              <a:t> </a:t>
+            </a:r>
+            <a:br>
+              <a:rPr lang="de-DE" dirty="0"/>
+            </a:br>
+            <a:r>
+              <a:rPr lang="de-DE" dirty="0"/>
+              <a:t>per virtual </a:t>
+            </a:r>
+            <a:r>
+              <a:rPr lang="de-DE" dirty="0" err="1"/>
+              <a:t>key</a:t>
+            </a:r>
+            <a:r>
+              <a:rPr lang="de-DE" dirty="0"/>
+              <a:t>/</a:t>
+            </a:r>
+            <a:r>
+              <a:rPr lang="de-DE" dirty="0" err="1"/>
+              <a:t>user</a:t>
+            </a:r>
+            <a:endParaRPr lang="de-DE" dirty="0"/>
+          </a:p>
+          <a:p>
+            <a:pPr marL="285750" indent="-285750">
+              <a:buFont typeface="Arial" panose="020B0604020202020204" pitchFamily="34" charset="0"/>
+              <a:buChar char="•"/>
+            </a:pPr>
+            <a:endParaRPr lang="de-DE" dirty="0"/>
+          </a:p>
+          <a:p>
+            <a:endParaRPr lang="de-DE" dirty="0"/>
+          </a:p>
+        </p:txBody>
+      </p:sp>
+      <p:sp>
+        <p:nvSpPr>
+          <p:cNvPr id="15" name="Rechteck 14">
+            <a:extLst>
+              <a:ext uri="{FF2B5EF4-FFF2-40B4-BE49-F238E27FC236}">
+                <a16:creationId xmlns:a16="http://schemas.microsoft.com/office/drawing/2014/main" id="{AA680242-2120-6486-282E-16CAA86A0564}"/>
+              </a:ext>
+            </a:extLst>
+          </p:cNvPr>
+          <p:cNvSpPr/>
+          <p:nvPr/>
+        </p:nvSpPr>
+        <p:spPr>
+          <a:xfrm>
+            <a:off x="9454929" y="2549804"/>
+            <a:ext cx="1534632" cy="580889"/>
+          </a:xfrm>
+          <a:prstGeom prst="rect">
+            <a:avLst/>
+          </a:prstGeom>
+        </p:spPr>
+        <p:style>
+          <a:lnRef idx="2">
+            <a:schemeClr val="accent1">
+              <a:shade val="15000"/>
+            </a:schemeClr>
+          </a:lnRef>
+          <a:fillRef idx="1">
+            <a:schemeClr val="accent1"/>
+          </a:fillRef>
+          <a:effectRef idx="0">
+            <a:schemeClr val="accent1"/>
+          </a:effectRef>
+          <a:fontRef idx="minor">
+            <a:schemeClr val="lt1"/>
+          </a:fontRef>
+        </p:style>
+        <p:txBody>
+          <a:bodyPr rtlCol="0" anchor="ctr"/>
+          <a:lstStyle/>
+          <a:p>
+            <a:pPr algn="ctr"/>
+            <a:r>
+              <a:rPr lang="de-DE" dirty="0" err="1"/>
+              <a:t>Ollama</a:t>
+            </a:r>
+            <a:endParaRPr lang="de-DE" dirty="0"/>
+          </a:p>
+        </p:txBody>
+      </p:sp>
+      <p:sp>
+        <p:nvSpPr>
+          <p:cNvPr id="17" name="Textfeld 16">
+            <a:extLst>
+              <a:ext uri="{FF2B5EF4-FFF2-40B4-BE49-F238E27FC236}">
+                <a16:creationId xmlns:a16="http://schemas.microsoft.com/office/drawing/2014/main" id="{D70E1B4B-20AE-A2FC-DC2B-C70EB992332C}"/>
+              </a:ext>
+            </a:extLst>
+          </p:cNvPr>
+          <p:cNvSpPr txBox="1"/>
+          <p:nvPr/>
+        </p:nvSpPr>
+        <p:spPr>
+          <a:xfrm>
+            <a:off x="7224869" y="4441202"/>
+            <a:ext cx="1911614" cy="923330"/>
+          </a:xfrm>
+          <a:prstGeom prst="rect">
+            <a:avLst/>
+          </a:prstGeom>
+          <a:noFill/>
+        </p:spPr>
+        <p:txBody>
+          <a:bodyPr wrap="none" rtlCol="0">
+            <a:spAutoFit/>
+          </a:bodyPr>
+          <a:lstStyle/>
+          <a:p>
+            <a:pPr marL="285750" indent="-285750">
+              <a:buFont typeface="Arial" panose="020B0604020202020204" pitchFamily="34" charset="0"/>
+              <a:buChar char="•"/>
+            </a:pPr>
+            <a:r>
+              <a:rPr lang="de-DE" dirty="0" err="1"/>
+              <a:t>model</a:t>
+            </a:r>
+            <a:r>
+              <a:rPr lang="de-DE" dirty="0"/>
+              <a:t> </a:t>
+            </a:r>
+            <a:r>
+              <a:rPr lang="de-DE" dirty="0" err="1"/>
+              <a:t>list</a:t>
+            </a:r>
+            <a:endParaRPr lang="de-DE" dirty="0"/>
+          </a:p>
+          <a:p>
+            <a:pPr marL="285750" indent="-285750">
+              <a:buFont typeface="Arial" panose="020B0604020202020204" pitchFamily="34" charset="0"/>
+              <a:buChar char="•"/>
+            </a:pPr>
+            <a:r>
+              <a:rPr lang="de-DE" dirty="0" err="1"/>
+              <a:t>router</a:t>
+            </a:r>
+            <a:r>
+              <a:rPr lang="de-DE" dirty="0"/>
+              <a:t> </a:t>
+            </a:r>
+            <a:r>
+              <a:rPr lang="de-DE" dirty="0" err="1"/>
+              <a:t>settings</a:t>
+            </a:r>
+            <a:endParaRPr lang="de-DE" dirty="0"/>
+          </a:p>
+          <a:p>
+            <a:endParaRPr lang="de-DE" dirty="0"/>
+          </a:p>
+        </p:txBody>
+      </p:sp>
+      <p:sp>
+        <p:nvSpPr>
+          <p:cNvPr id="19" name="Rechteck 18">
+            <a:extLst>
+              <a:ext uri="{FF2B5EF4-FFF2-40B4-BE49-F238E27FC236}">
+                <a16:creationId xmlns:a16="http://schemas.microsoft.com/office/drawing/2014/main" id="{BA141570-F14A-F6D9-9BA7-1AA8DE9B9228}"/>
+              </a:ext>
+            </a:extLst>
+          </p:cNvPr>
+          <p:cNvSpPr/>
+          <p:nvPr/>
+        </p:nvSpPr>
+        <p:spPr>
+          <a:xfrm>
+            <a:off x="5631711" y="1790885"/>
+            <a:ext cx="1534632" cy="2298026"/>
+          </a:xfrm>
+          <a:prstGeom prst="rect">
+            <a:avLst/>
+          </a:prstGeom>
+        </p:spPr>
+        <p:style>
+          <a:lnRef idx="2">
+            <a:schemeClr val="accent1">
+              <a:shade val="15000"/>
+            </a:schemeClr>
+          </a:lnRef>
+          <a:fillRef idx="1">
+            <a:schemeClr val="accent1"/>
+          </a:fillRef>
+          <a:effectRef idx="0">
+            <a:schemeClr val="accent1"/>
+          </a:effectRef>
+          <a:fontRef idx="minor">
+            <a:schemeClr val="lt1"/>
+          </a:fontRef>
+        </p:style>
+        <p:txBody>
+          <a:bodyPr rtlCol="0" anchor="ctr"/>
+          <a:lstStyle/>
+          <a:p>
+            <a:pPr algn="ctr"/>
+            <a:r>
+              <a:rPr lang="de-DE" dirty="0"/>
+              <a:t>HTTP-Server</a:t>
+            </a:r>
+          </a:p>
+        </p:txBody>
+      </p:sp>
+      <p:cxnSp>
+        <p:nvCxnSpPr>
+          <p:cNvPr id="21" name="Gerade Verbindung 20">
+            <a:extLst>
+              <a:ext uri="{FF2B5EF4-FFF2-40B4-BE49-F238E27FC236}">
+                <a16:creationId xmlns:a16="http://schemas.microsoft.com/office/drawing/2014/main" id="{9368CA87-10B9-FE4C-1668-19460C84FB4F}"/>
+              </a:ext>
+            </a:extLst>
+          </p:cNvPr>
+          <p:cNvCxnSpPr>
+            <a:cxnSpLocks/>
+            <a:stCxn id="19" idx="2"/>
+          </p:cNvCxnSpPr>
+          <p:nvPr/>
+        </p:nvCxnSpPr>
+        <p:spPr>
+          <a:xfrm flipH="1">
+            <a:off x="6395483" y="4088911"/>
+            <a:ext cx="3544" cy="440472"/>
+          </a:xfrm>
+          <a:prstGeom prst="line">
+            <a:avLst/>
+          </a:prstGeom>
+        </p:spPr>
+        <p:style>
+          <a:lnRef idx="2">
+            <a:schemeClr val="accent1"/>
+          </a:lnRef>
+          <a:fillRef idx="0">
+            <a:schemeClr val="accent1"/>
+          </a:fillRef>
+          <a:effectRef idx="1">
+            <a:schemeClr val="accent1"/>
+          </a:effectRef>
+          <a:fontRef idx="minor">
+            <a:schemeClr val="tx1"/>
+          </a:fontRef>
+        </p:style>
+      </p:cxnSp>
+      <p:sp>
+        <p:nvSpPr>
+          <p:cNvPr id="18" name="Rechteck 17">
+            <a:extLst>
+              <a:ext uri="{FF2B5EF4-FFF2-40B4-BE49-F238E27FC236}">
+                <a16:creationId xmlns:a16="http://schemas.microsoft.com/office/drawing/2014/main" id="{16187CA9-AD66-DD44-69BF-32F0AD4152D1}"/>
+              </a:ext>
+            </a:extLst>
+          </p:cNvPr>
+          <p:cNvSpPr/>
+          <p:nvPr/>
+        </p:nvSpPr>
+        <p:spPr>
+          <a:xfrm>
+            <a:off x="3664835" y="1790885"/>
+            <a:ext cx="5309044" cy="2298023"/>
+          </a:xfrm>
+          <a:prstGeom prst="rect">
+            <a:avLst/>
+          </a:prstGeom>
+        </p:spPr>
+        <p:style>
+          <a:lnRef idx="2">
+            <a:schemeClr val="accent1">
+              <a:shade val="15000"/>
+            </a:schemeClr>
+          </a:lnRef>
+          <a:fillRef idx="1">
+            <a:schemeClr val="accent1"/>
+          </a:fillRef>
+          <a:effectRef idx="0">
+            <a:schemeClr val="accent1"/>
+          </a:effectRef>
+          <a:fontRef idx="minor">
+            <a:schemeClr val="lt1"/>
+          </a:fontRef>
+        </p:style>
+        <p:txBody>
+          <a:bodyPr rtlCol="0" anchor="ctr"/>
+          <a:lstStyle/>
+          <a:p>
+            <a:pPr algn="ctr"/>
+            <a:endParaRPr lang="de-DE"/>
+          </a:p>
+        </p:txBody>
+      </p:sp>
+      <p:sp>
+        <p:nvSpPr>
+          <p:cNvPr id="22" name="Abgerundetes Rechteck 21">
+            <a:extLst>
+              <a:ext uri="{FF2B5EF4-FFF2-40B4-BE49-F238E27FC236}">
+                <a16:creationId xmlns:a16="http://schemas.microsoft.com/office/drawing/2014/main" id="{9FFE8965-B8B0-AE9D-6A67-AC64B85B8D50}"/>
+              </a:ext>
+            </a:extLst>
+          </p:cNvPr>
+          <p:cNvSpPr/>
+          <p:nvPr/>
+        </p:nvSpPr>
+        <p:spPr>
+          <a:xfrm>
+            <a:off x="3813985" y="2171341"/>
+            <a:ext cx="983660" cy="580171"/>
+          </a:xfrm>
+          <a:prstGeom prst="roundRect">
+            <a:avLst/>
+          </a:prstGeom>
+        </p:spPr>
+        <p:style>
+          <a:lnRef idx="2">
+            <a:schemeClr val="accent6"/>
+          </a:lnRef>
+          <a:fillRef idx="1">
+            <a:schemeClr val="lt1"/>
+          </a:fillRef>
+          <a:effectRef idx="0">
+            <a:schemeClr val="accent6"/>
+          </a:effectRef>
+          <a:fontRef idx="minor">
+            <a:schemeClr val="dk1"/>
+          </a:fontRef>
+        </p:style>
+        <p:txBody>
+          <a:bodyPr rtlCol="0" anchor="ctr"/>
+          <a:lstStyle/>
+          <a:p>
+            <a:pPr algn="ctr"/>
+            <a:r>
+              <a:rPr lang="de-DE" sz="1200" dirty="0"/>
+              <a:t>check virtual </a:t>
+            </a:r>
+            <a:r>
+              <a:rPr lang="de-DE" sz="1200" dirty="0" err="1"/>
+              <a:t>key</a:t>
+            </a:r>
+            <a:r>
+              <a:rPr lang="de-DE" sz="1200" dirty="0"/>
+              <a:t> (</a:t>
+            </a:r>
+            <a:r>
+              <a:rPr lang="de-DE" sz="1200" dirty="0" err="1"/>
+              <a:t>Bearer</a:t>
+            </a:r>
+            <a:r>
+              <a:rPr lang="de-DE" sz="1200" dirty="0"/>
+              <a:t>)</a:t>
+            </a:r>
+          </a:p>
+        </p:txBody>
+      </p:sp>
+      <p:sp>
+        <p:nvSpPr>
+          <p:cNvPr id="25" name="Abgerundetes Rechteck 24">
+            <a:extLst>
+              <a:ext uri="{FF2B5EF4-FFF2-40B4-BE49-F238E27FC236}">
+                <a16:creationId xmlns:a16="http://schemas.microsoft.com/office/drawing/2014/main" id="{C393F13F-31E8-EF41-BB67-8C41C450364D}"/>
+              </a:ext>
+            </a:extLst>
+          </p:cNvPr>
+          <p:cNvSpPr/>
+          <p:nvPr/>
+        </p:nvSpPr>
+        <p:spPr>
+          <a:xfrm>
+            <a:off x="7473004" y="2171338"/>
+            <a:ext cx="1345033" cy="580171"/>
+          </a:xfrm>
+          <a:prstGeom prst="roundRect">
+            <a:avLst/>
+          </a:prstGeom>
+        </p:spPr>
+        <p:style>
+          <a:lnRef idx="2">
+            <a:schemeClr val="accent6"/>
+          </a:lnRef>
+          <a:fillRef idx="1">
+            <a:schemeClr val="lt1"/>
+          </a:fillRef>
+          <a:effectRef idx="0">
+            <a:schemeClr val="accent6"/>
+          </a:effectRef>
+          <a:fontRef idx="minor">
+            <a:schemeClr val="dk1"/>
+          </a:fontRef>
+        </p:style>
+        <p:txBody>
+          <a:bodyPr rtlCol="0" anchor="ctr"/>
+          <a:lstStyle/>
+          <a:p>
+            <a:r>
+              <a:rPr lang="de-DE" sz="1200" dirty="0"/>
+              <a:t>Routing</a:t>
+            </a:r>
+          </a:p>
+          <a:p>
+            <a:r>
+              <a:rPr lang="de-DE" sz="800" dirty="0" err="1"/>
+              <a:t>with</a:t>
+            </a:r>
+            <a:r>
+              <a:rPr lang="de-DE" sz="800" dirty="0"/>
+              <a:t> Load </a:t>
+            </a:r>
+            <a:r>
+              <a:rPr lang="de-DE" sz="800" dirty="0" err="1"/>
+              <a:t>Balancing</a:t>
+            </a:r>
+            <a:r>
+              <a:rPr lang="de-DE" sz="800" dirty="0"/>
+              <a:t>, </a:t>
+            </a:r>
+            <a:r>
+              <a:rPr lang="de-DE" sz="800" dirty="0" err="1"/>
+              <a:t>Fallback</a:t>
+            </a:r>
+            <a:r>
+              <a:rPr lang="de-DE" sz="800" dirty="0"/>
+              <a:t> &amp; </a:t>
+            </a:r>
+            <a:r>
+              <a:rPr lang="de-DE" sz="800" dirty="0" err="1"/>
+              <a:t>Retry</a:t>
+            </a:r>
+            <a:endParaRPr lang="de-DE" sz="800" dirty="0"/>
+          </a:p>
+        </p:txBody>
+      </p:sp>
+      <p:cxnSp>
+        <p:nvCxnSpPr>
+          <p:cNvPr id="27" name="Gewinkelte Verbindung 26">
+            <a:extLst>
+              <a:ext uri="{FF2B5EF4-FFF2-40B4-BE49-F238E27FC236}">
+                <a16:creationId xmlns:a16="http://schemas.microsoft.com/office/drawing/2014/main" id="{A1C30941-E972-8C2C-E00F-2DD8DFBF0C17}"/>
+              </a:ext>
+            </a:extLst>
+          </p:cNvPr>
+          <p:cNvCxnSpPr>
+            <a:cxnSpLocks/>
+            <a:stCxn id="25" idx="3"/>
+            <a:endCxn id="4" idx="1"/>
+          </p:cNvCxnSpPr>
+          <p:nvPr/>
+        </p:nvCxnSpPr>
+        <p:spPr>
+          <a:xfrm flipV="1">
+            <a:off x="8818037" y="2081772"/>
+            <a:ext cx="636892" cy="379652"/>
+          </a:xfrm>
+          <a:prstGeom prst="bentConnector3">
+            <a:avLst/>
+          </a:prstGeom>
+          <a:ln>
+            <a:headEnd type="triangle"/>
+            <a:tailEnd type="triangle"/>
+          </a:ln>
+        </p:spPr>
+        <p:style>
+          <a:lnRef idx="1">
+            <a:schemeClr val="accent6"/>
+          </a:lnRef>
+          <a:fillRef idx="0">
+            <a:schemeClr val="accent6"/>
+          </a:fillRef>
+          <a:effectRef idx="0">
+            <a:schemeClr val="accent6"/>
+          </a:effectRef>
+          <a:fontRef idx="minor">
+            <a:schemeClr val="tx1"/>
+          </a:fontRef>
+        </p:style>
+      </p:cxnSp>
+      <p:cxnSp>
+        <p:nvCxnSpPr>
+          <p:cNvPr id="29" name="Gewinkelte Verbindung 28">
+            <a:extLst>
+              <a:ext uri="{FF2B5EF4-FFF2-40B4-BE49-F238E27FC236}">
+                <a16:creationId xmlns:a16="http://schemas.microsoft.com/office/drawing/2014/main" id="{4D443C9D-BEE2-E866-EC2D-19BA978F679B}"/>
+              </a:ext>
+            </a:extLst>
+          </p:cNvPr>
+          <p:cNvCxnSpPr>
+            <a:cxnSpLocks/>
+            <a:stCxn id="25" idx="3"/>
+            <a:endCxn id="15" idx="1"/>
+          </p:cNvCxnSpPr>
+          <p:nvPr/>
+        </p:nvCxnSpPr>
+        <p:spPr>
+          <a:xfrm>
+            <a:off x="8818037" y="2461424"/>
+            <a:ext cx="636892" cy="378825"/>
+          </a:xfrm>
+          <a:prstGeom prst="bentConnector3">
+            <a:avLst/>
+          </a:prstGeom>
+          <a:ln>
+            <a:headEnd type="triangle"/>
+            <a:tailEnd type="triangle"/>
+          </a:ln>
+        </p:spPr>
+        <p:style>
+          <a:lnRef idx="1">
+            <a:schemeClr val="accent6"/>
+          </a:lnRef>
+          <a:fillRef idx="0">
+            <a:schemeClr val="accent6"/>
+          </a:fillRef>
+          <a:effectRef idx="0">
+            <a:schemeClr val="accent6"/>
+          </a:effectRef>
+          <a:fontRef idx="minor">
+            <a:schemeClr val="tx1"/>
+          </a:fontRef>
+        </p:style>
+      </p:cxnSp>
+      <p:sp>
+        <p:nvSpPr>
+          <p:cNvPr id="35" name="Zylinder 34">
+            <a:extLst>
+              <a:ext uri="{FF2B5EF4-FFF2-40B4-BE49-F238E27FC236}">
+                <a16:creationId xmlns:a16="http://schemas.microsoft.com/office/drawing/2014/main" id="{592B9945-3F75-D8F5-8EA5-33524BEDF887}"/>
+              </a:ext>
+            </a:extLst>
+          </p:cNvPr>
+          <p:cNvSpPr/>
+          <p:nvPr/>
+        </p:nvSpPr>
+        <p:spPr>
+          <a:xfrm rot="16200000">
+            <a:off x="5669983" y="1073857"/>
+            <a:ext cx="1043564" cy="4804395"/>
+          </a:xfrm>
+          <a:prstGeom prst="can">
+            <a:avLst/>
+          </a:prstGeom>
+        </p:spPr>
+        <p:style>
+          <a:lnRef idx="2">
+            <a:schemeClr val="accent6"/>
+          </a:lnRef>
+          <a:fillRef idx="1">
+            <a:schemeClr val="lt1"/>
+          </a:fillRef>
+          <a:effectRef idx="0">
+            <a:schemeClr val="accent6"/>
+          </a:effectRef>
+          <a:fontRef idx="minor">
+            <a:schemeClr val="dk1"/>
+          </a:fontRef>
+        </p:style>
+        <p:txBody>
+          <a:bodyPr vert="vert" rtlCol="0" anchor="t"/>
+          <a:lstStyle/>
+          <a:p>
+            <a:pPr algn="ctr"/>
+            <a:r>
+              <a:rPr lang="de-DE" sz="1200" dirty="0"/>
+              <a:t>Post </a:t>
+            </a:r>
+            <a:r>
+              <a:rPr lang="de-DE" sz="1200" dirty="0" err="1"/>
+              <a:t>Requests</a:t>
+            </a:r>
+            <a:r>
+              <a:rPr lang="de-DE" sz="1200" dirty="0"/>
+              <a:t> (</a:t>
+            </a:r>
+            <a:r>
+              <a:rPr lang="de-DE" sz="1200" dirty="0" err="1"/>
+              <a:t>async</a:t>
+            </a:r>
+            <a:r>
+              <a:rPr lang="de-DE" sz="1200" dirty="0"/>
+              <a:t> </a:t>
+            </a:r>
+            <a:r>
+              <a:rPr lang="de-DE" sz="1200" dirty="0" err="1"/>
+              <a:t>updates</a:t>
+            </a:r>
+            <a:r>
+              <a:rPr lang="de-DE" sz="1200" dirty="0"/>
+              <a:t>)</a:t>
+            </a:r>
+          </a:p>
+        </p:txBody>
+      </p:sp>
+      <p:sp>
+        <p:nvSpPr>
+          <p:cNvPr id="40" name="Abgerundetes Rechteck 39">
+            <a:extLst>
+              <a:ext uri="{FF2B5EF4-FFF2-40B4-BE49-F238E27FC236}">
+                <a16:creationId xmlns:a16="http://schemas.microsoft.com/office/drawing/2014/main" id="{D6C802E4-FB49-DAA7-1ED4-679E53807D68}"/>
+              </a:ext>
+            </a:extLst>
+          </p:cNvPr>
+          <p:cNvSpPr/>
+          <p:nvPr/>
+        </p:nvSpPr>
+        <p:spPr>
+          <a:xfrm>
+            <a:off x="5759168" y="3309886"/>
+            <a:ext cx="1256708" cy="580171"/>
+          </a:xfrm>
+          <a:prstGeom prst="roundRect">
+            <a:avLst/>
+          </a:prstGeom>
+        </p:spPr>
+        <p:style>
+          <a:lnRef idx="2">
+            <a:schemeClr val="accent6"/>
+          </a:lnRef>
+          <a:fillRef idx="1">
+            <a:schemeClr val="lt1"/>
+          </a:fillRef>
+          <a:effectRef idx="0">
+            <a:schemeClr val="accent6"/>
+          </a:effectRef>
+          <a:fontRef idx="minor">
+            <a:schemeClr val="dk1"/>
+          </a:fontRef>
+        </p:style>
+        <p:txBody>
+          <a:bodyPr rtlCol="0" anchor="ctr"/>
+          <a:lstStyle/>
+          <a:p>
+            <a:r>
+              <a:rPr lang="de-DE" sz="1200" dirty="0"/>
+              <a:t>Token &amp; </a:t>
+            </a:r>
+            <a:r>
+              <a:rPr lang="de-DE" sz="1200" dirty="0" err="1"/>
+              <a:t>Usage</a:t>
+            </a:r>
+            <a:r>
+              <a:rPr lang="de-DE" sz="1200" dirty="0"/>
+              <a:t> </a:t>
+            </a:r>
+            <a:r>
+              <a:rPr lang="de-DE" sz="1200" dirty="0" err="1"/>
+              <a:t>tracking</a:t>
+            </a:r>
+            <a:endParaRPr lang="de-DE" sz="800" dirty="0"/>
+          </a:p>
+        </p:txBody>
+      </p:sp>
+      <p:sp>
+        <p:nvSpPr>
+          <p:cNvPr id="41" name="Abgerundetes Rechteck 40">
+            <a:extLst>
+              <a:ext uri="{FF2B5EF4-FFF2-40B4-BE49-F238E27FC236}">
+                <a16:creationId xmlns:a16="http://schemas.microsoft.com/office/drawing/2014/main" id="{9050511B-CE33-7916-6984-FE7BAABE1928}"/>
+              </a:ext>
+            </a:extLst>
+          </p:cNvPr>
+          <p:cNvSpPr/>
+          <p:nvPr/>
+        </p:nvSpPr>
+        <p:spPr>
+          <a:xfrm>
+            <a:off x="7078241" y="3319706"/>
+            <a:ext cx="1256708" cy="580171"/>
+          </a:xfrm>
+          <a:prstGeom prst="roundRect">
+            <a:avLst/>
+          </a:prstGeom>
+        </p:spPr>
+        <p:style>
+          <a:lnRef idx="2">
+            <a:schemeClr val="accent6"/>
+          </a:lnRef>
+          <a:fillRef idx="1">
+            <a:schemeClr val="lt1"/>
+          </a:fillRef>
+          <a:effectRef idx="0">
+            <a:schemeClr val="accent6"/>
+          </a:effectRef>
+          <a:fontRef idx="minor">
+            <a:schemeClr val="dk1"/>
+          </a:fontRef>
+        </p:style>
+        <p:txBody>
+          <a:bodyPr rtlCol="0" anchor="ctr"/>
+          <a:lstStyle/>
+          <a:p>
+            <a:r>
+              <a:rPr lang="de-DE" sz="1200" dirty="0" err="1"/>
+              <a:t>Logging</a:t>
+            </a:r>
+            <a:endParaRPr lang="de-DE" sz="1200" dirty="0"/>
+          </a:p>
+          <a:p>
+            <a:r>
+              <a:rPr lang="de-DE" sz="1200" dirty="0"/>
+              <a:t>(</a:t>
+            </a:r>
+            <a:r>
+              <a:rPr lang="de-DE" sz="1200" dirty="0" err="1"/>
+              <a:t>langfuse</a:t>
+            </a:r>
+            <a:r>
+              <a:rPr lang="de-DE" sz="1200" dirty="0"/>
+              <a:t> </a:t>
+            </a:r>
+            <a:r>
+              <a:rPr lang="de-DE" sz="1200" dirty="0" err="1"/>
+              <a:t>integration</a:t>
+            </a:r>
+            <a:r>
+              <a:rPr lang="de-DE" sz="1200" dirty="0"/>
+              <a:t>)</a:t>
+            </a:r>
+            <a:endParaRPr lang="de-DE" sz="800" dirty="0"/>
+          </a:p>
+        </p:txBody>
+      </p:sp>
+      <p:sp>
+        <p:nvSpPr>
+          <p:cNvPr id="43" name="Rechteck 42">
+            <a:extLst>
+              <a:ext uri="{FF2B5EF4-FFF2-40B4-BE49-F238E27FC236}">
+                <a16:creationId xmlns:a16="http://schemas.microsoft.com/office/drawing/2014/main" id="{56404238-B9D9-0E5B-225F-48F2E21F4A25}"/>
+              </a:ext>
+            </a:extLst>
+          </p:cNvPr>
+          <p:cNvSpPr/>
+          <p:nvPr/>
+        </p:nvSpPr>
+        <p:spPr>
+          <a:xfrm>
+            <a:off x="523350" y="2176105"/>
+            <a:ext cx="1534632" cy="1555923"/>
+          </a:xfrm>
+          <a:prstGeom prst="rect">
+            <a:avLst/>
+          </a:prstGeom>
+        </p:spPr>
+        <p:style>
+          <a:lnRef idx="2">
+            <a:schemeClr val="accent1">
+              <a:shade val="15000"/>
+            </a:schemeClr>
+          </a:lnRef>
+          <a:fillRef idx="1">
+            <a:schemeClr val="accent1"/>
+          </a:fillRef>
+          <a:effectRef idx="0">
+            <a:schemeClr val="accent1"/>
+          </a:effectRef>
+          <a:fontRef idx="minor">
+            <a:schemeClr val="lt1"/>
+          </a:fontRef>
+        </p:style>
+        <p:txBody>
+          <a:bodyPr rtlCol="0" anchor="ctr"/>
+          <a:lstStyle/>
+          <a:p>
+            <a:pPr algn="ctr"/>
+            <a:r>
+              <a:rPr lang="de-DE" dirty="0"/>
+              <a:t>Client</a:t>
+            </a:r>
+          </a:p>
+        </p:txBody>
+      </p:sp>
+      <p:cxnSp>
+        <p:nvCxnSpPr>
+          <p:cNvPr id="45" name="Gerade Verbindung mit Pfeil 44">
+            <a:extLst>
+              <a:ext uri="{FF2B5EF4-FFF2-40B4-BE49-F238E27FC236}">
+                <a16:creationId xmlns:a16="http://schemas.microsoft.com/office/drawing/2014/main" id="{302203D0-DFF0-E3BF-AD2F-B3A6C378D89D}"/>
+              </a:ext>
+            </a:extLst>
+          </p:cNvPr>
+          <p:cNvCxnSpPr>
+            <a:cxnSpLocks/>
+            <a:endCxn id="22" idx="1"/>
+          </p:cNvCxnSpPr>
+          <p:nvPr/>
+        </p:nvCxnSpPr>
+        <p:spPr>
+          <a:xfrm>
+            <a:off x="2057982" y="2461427"/>
+            <a:ext cx="1756003" cy="0"/>
+          </a:xfrm>
+          <a:prstGeom prst="straightConnector1">
+            <a:avLst/>
+          </a:prstGeom>
+          <a:ln>
+            <a:tailEnd type="triangle"/>
+          </a:ln>
+        </p:spPr>
+        <p:style>
+          <a:lnRef idx="1">
+            <a:schemeClr val="accent6"/>
+          </a:lnRef>
+          <a:fillRef idx="0">
+            <a:schemeClr val="accent6"/>
+          </a:fillRef>
+          <a:effectRef idx="0">
+            <a:schemeClr val="accent6"/>
+          </a:effectRef>
+          <a:fontRef idx="minor">
+            <a:schemeClr val="tx1"/>
+          </a:fontRef>
+        </p:style>
+      </p:cxnSp>
+      <p:sp>
+        <p:nvSpPr>
+          <p:cNvPr id="48" name="Textfeld 47">
+            <a:extLst>
+              <a:ext uri="{FF2B5EF4-FFF2-40B4-BE49-F238E27FC236}">
+                <a16:creationId xmlns:a16="http://schemas.microsoft.com/office/drawing/2014/main" id="{B31ADDFA-CFD9-5783-52C3-6FB591084045}"/>
+              </a:ext>
+            </a:extLst>
+          </p:cNvPr>
+          <p:cNvSpPr txBox="1"/>
+          <p:nvPr/>
+        </p:nvSpPr>
+        <p:spPr>
+          <a:xfrm>
+            <a:off x="397627" y="6089007"/>
+            <a:ext cx="4520468" cy="369332"/>
+          </a:xfrm>
+          <a:prstGeom prst="rect">
+            <a:avLst/>
+          </a:prstGeom>
+          <a:noFill/>
+        </p:spPr>
+        <p:txBody>
+          <a:bodyPr wrap="none" rtlCol="0">
+            <a:spAutoFit/>
+          </a:bodyPr>
+          <a:lstStyle/>
+          <a:p>
+            <a:r>
+              <a:rPr lang="de-DE" dirty="0"/>
+              <a:t>In Anlehnung an </a:t>
+            </a:r>
+            <a:r>
+              <a:rPr lang="de-DE" dirty="0" err="1"/>
+              <a:t>LiteLLM.proxy</a:t>
+            </a:r>
+            <a:r>
+              <a:rPr lang="de-DE" dirty="0"/>
+              <a:t> Architektur</a:t>
+            </a:r>
+          </a:p>
+        </p:txBody>
+      </p:sp>
+      <p:sp>
+        <p:nvSpPr>
+          <p:cNvPr id="49" name="Zylinder 48">
+            <a:extLst>
+              <a:ext uri="{FF2B5EF4-FFF2-40B4-BE49-F238E27FC236}">
+                <a16:creationId xmlns:a16="http://schemas.microsoft.com/office/drawing/2014/main" id="{55BB0E58-0765-EFA2-DBC0-999F7B07DCC5}"/>
+              </a:ext>
+            </a:extLst>
+          </p:cNvPr>
+          <p:cNvSpPr/>
+          <p:nvPr/>
+        </p:nvSpPr>
+        <p:spPr>
+          <a:xfrm>
+            <a:off x="5664569" y="4374042"/>
+            <a:ext cx="1534631" cy="1216152"/>
+          </a:xfrm>
+          <a:prstGeom prst="can">
+            <a:avLst/>
+          </a:prstGeom>
+        </p:spPr>
+        <p:style>
+          <a:lnRef idx="2">
+            <a:schemeClr val="accent1">
+              <a:shade val="15000"/>
+            </a:schemeClr>
+          </a:lnRef>
+          <a:fillRef idx="1">
+            <a:schemeClr val="accent1"/>
+          </a:fillRef>
+          <a:effectRef idx="0">
+            <a:schemeClr val="accent1"/>
+          </a:effectRef>
+          <a:fontRef idx="minor">
+            <a:schemeClr val="lt1"/>
+          </a:fontRef>
+        </p:style>
+        <p:txBody>
+          <a:bodyPr rtlCol="0" anchor="ctr"/>
+          <a:lstStyle/>
+          <a:p>
+            <a:pPr algn="ctr"/>
+            <a:r>
+              <a:rPr lang="de-DE" dirty="0"/>
+              <a:t>Model Registry</a:t>
+            </a:r>
+          </a:p>
+        </p:txBody>
+      </p:sp>
+      <p:sp>
+        <p:nvSpPr>
+          <p:cNvPr id="50" name="Abgerundetes Rechteck 49">
+            <a:extLst>
+              <a:ext uri="{FF2B5EF4-FFF2-40B4-BE49-F238E27FC236}">
+                <a16:creationId xmlns:a16="http://schemas.microsoft.com/office/drawing/2014/main" id="{CDC12B9F-B551-FF58-FE65-6DB30A25C289}"/>
+              </a:ext>
+            </a:extLst>
+          </p:cNvPr>
+          <p:cNvSpPr/>
+          <p:nvPr/>
+        </p:nvSpPr>
+        <p:spPr>
+          <a:xfrm>
+            <a:off x="4351993" y="3303728"/>
+            <a:ext cx="1256708" cy="580171"/>
+          </a:xfrm>
+          <a:prstGeom prst="roundRect">
+            <a:avLst/>
+          </a:prstGeom>
+        </p:spPr>
+        <p:style>
+          <a:lnRef idx="2">
+            <a:schemeClr val="accent6"/>
+          </a:lnRef>
+          <a:fillRef idx="1">
+            <a:schemeClr val="lt1"/>
+          </a:fillRef>
+          <a:effectRef idx="0">
+            <a:schemeClr val="accent6"/>
+          </a:effectRef>
+          <a:fontRef idx="minor">
+            <a:schemeClr val="dk1"/>
+          </a:fontRef>
+        </p:style>
+        <p:txBody>
+          <a:bodyPr rtlCol="0" anchor="ctr"/>
+          <a:lstStyle/>
+          <a:p>
+            <a:r>
+              <a:rPr lang="de-DE" sz="1200" dirty="0" err="1"/>
+              <a:t>Guardrails</a:t>
+            </a:r>
+            <a:endParaRPr lang="de-DE" sz="800" dirty="0"/>
+          </a:p>
+        </p:txBody>
+      </p:sp>
+      <p:cxnSp>
+        <p:nvCxnSpPr>
+          <p:cNvPr id="52" name="Gerade Verbindung mit Pfeil 51">
+            <a:extLst>
+              <a:ext uri="{FF2B5EF4-FFF2-40B4-BE49-F238E27FC236}">
+                <a16:creationId xmlns:a16="http://schemas.microsoft.com/office/drawing/2014/main" id="{ED45F491-D47A-5BAE-4C22-7F20CDCFABBF}"/>
+              </a:ext>
+            </a:extLst>
+          </p:cNvPr>
+          <p:cNvCxnSpPr>
+            <a:cxnSpLocks/>
+            <a:stCxn id="25" idx="2"/>
+          </p:cNvCxnSpPr>
+          <p:nvPr/>
+        </p:nvCxnSpPr>
+        <p:spPr>
+          <a:xfrm flipH="1">
+            <a:off x="8145520" y="2751509"/>
+            <a:ext cx="1" cy="215903"/>
+          </a:xfrm>
+          <a:prstGeom prst="straightConnector1">
+            <a:avLst/>
+          </a:prstGeom>
+          <a:ln>
+            <a:tailEnd type="triangle"/>
+          </a:ln>
+        </p:spPr>
+        <p:style>
+          <a:lnRef idx="1">
+            <a:schemeClr val="accent6"/>
+          </a:lnRef>
+          <a:fillRef idx="0">
+            <a:schemeClr val="accent6"/>
+          </a:fillRef>
+          <a:effectRef idx="0">
+            <a:schemeClr val="accent6"/>
+          </a:effectRef>
+          <a:fontRef idx="minor">
+            <a:schemeClr val="tx1"/>
+          </a:fontRef>
+        </p:style>
+      </p:cxnSp>
+      <p:cxnSp>
+        <p:nvCxnSpPr>
+          <p:cNvPr id="55" name="Gerade Verbindung mit Pfeil 54">
+            <a:extLst>
+              <a:ext uri="{FF2B5EF4-FFF2-40B4-BE49-F238E27FC236}">
+                <a16:creationId xmlns:a16="http://schemas.microsoft.com/office/drawing/2014/main" id="{165EF593-BAC9-9AE0-E832-12DF48335EAC}"/>
+              </a:ext>
+            </a:extLst>
+          </p:cNvPr>
+          <p:cNvCxnSpPr>
+            <a:stCxn id="35" idx="1"/>
+          </p:cNvCxnSpPr>
+          <p:nvPr/>
+        </p:nvCxnSpPr>
+        <p:spPr>
+          <a:xfrm flipH="1" flipV="1">
+            <a:off x="2057982" y="3476054"/>
+            <a:ext cx="1731586" cy="1"/>
+          </a:xfrm>
+          <a:prstGeom prst="straightConnector1">
+            <a:avLst/>
+          </a:prstGeom>
+          <a:ln>
+            <a:tailEnd type="triangle"/>
+          </a:ln>
+        </p:spPr>
+        <p:style>
+          <a:lnRef idx="1">
+            <a:schemeClr val="accent6"/>
+          </a:lnRef>
+          <a:fillRef idx="0">
+            <a:schemeClr val="accent6"/>
+          </a:fillRef>
+          <a:effectRef idx="0">
+            <a:schemeClr val="accent6"/>
+          </a:effectRef>
+          <a:fontRef idx="minor">
+            <a:schemeClr val="tx1"/>
+          </a:fontRef>
+        </p:style>
+      </p:cxnSp>
+      <p:cxnSp>
+        <p:nvCxnSpPr>
+          <p:cNvPr id="60" name="Gerade Verbindung mit Pfeil 59">
+            <a:extLst>
+              <a:ext uri="{FF2B5EF4-FFF2-40B4-BE49-F238E27FC236}">
+                <a16:creationId xmlns:a16="http://schemas.microsoft.com/office/drawing/2014/main" id="{87DBA12C-145F-0EE9-B3FF-C5D28B60DA8F}"/>
+              </a:ext>
+            </a:extLst>
+          </p:cNvPr>
+          <p:cNvCxnSpPr>
+            <a:stCxn id="22" idx="3"/>
+            <a:endCxn id="25" idx="1"/>
+          </p:cNvCxnSpPr>
+          <p:nvPr/>
+        </p:nvCxnSpPr>
+        <p:spPr>
+          <a:xfrm flipV="1">
+            <a:off x="4797645" y="2461424"/>
+            <a:ext cx="2675359" cy="3"/>
+          </a:xfrm>
+          <a:prstGeom prst="straightConnector1">
+            <a:avLst/>
+          </a:prstGeom>
+          <a:ln>
+            <a:tailEnd type="triangle"/>
+          </a:ln>
+        </p:spPr>
+        <p:style>
+          <a:lnRef idx="1">
+            <a:schemeClr val="accent6"/>
+          </a:lnRef>
+          <a:fillRef idx="0">
+            <a:schemeClr val="accent6"/>
+          </a:fillRef>
+          <a:effectRef idx="0">
+            <a:schemeClr val="accent6"/>
+          </a:effectRef>
+          <a:fontRef idx="minor">
+            <a:schemeClr val="tx1"/>
+          </a:fontRef>
+        </p:style>
+      </p:cxnSp>
+      <p:sp>
+        <p:nvSpPr>
+          <p:cNvPr id="23" name="Abgerundetes Rechteck 22">
+            <a:extLst>
+              <a:ext uri="{FF2B5EF4-FFF2-40B4-BE49-F238E27FC236}">
+                <a16:creationId xmlns:a16="http://schemas.microsoft.com/office/drawing/2014/main" id="{10A9674F-D4C8-EF44-143C-58DE7412E80D}"/>
+              </a:ext>
+            </a:extLst>
+          </p:cNvPr>
+          <p:cNvSpPr/>
+          <p:nvPr/>
+        </p:nvSpPr>
+        <p:spPr>
+          <a:xfrm>
+            <a:off x="4913201" y="2171340"/>
+            <a:ext cx="983660" cy="580171"/>
+          </a:xfrm>
+          <a:prstGeom prst="roundRect">
+            <a:avLst/>
+          </a:prstGeom>
+        </p:spPr>
+        <p:style>
+          <a:lnRef idx="2">
+            <a:schemeClr val="accent6"/>
+          </a:lnRef>
+          <a:fillRef idx="1">
+            <a:schemeClr val="lt1"/>
+          </a:fillRef>
+          <a:effectRef idx="0">
+            <a:schemeClr val="accent6"/>
+          </a:effectRef>
+          <a:fontRef idx="minor">
+            <a:schemeClr val="dk1"/>
+          </a:fontRef>
+        </p:style>
+        <p:txBody>
+          <a:bodyPr rtlCol="0" anchor="ctr"/>
+          <a:lstStyle/>
+          <a:p>
+            <a:pPr algn="ctr"/>
+            <a:r>
+              <a:rPr lang="de-DE" sz="1200" dirty="0"/>
+              <a:t>check rate </a:t>
+            </a:r>
+            <a:r>
+              <a:rPr lang="de-DE" sz="1200" dirty="0" err="1"/>
+              <a:t>limit</a:t>
+            </a:r>
+            <a:endParaRPr lang="de-DE" sz="1200" dirty="0"/>
+          </a:p>
+        </p:txBody>
+      </p:sp>
+      <p:sp>
+        <p:nvSpPr>
+          <p:cNvPr id="24" name="Abgerundetes Rechteck 23">
+            <a:extLst>
+              <a:ext uri="{FF2B5EF4-FFF2-40B4-BE49-F238E27FC236}">
+                <a16:creationId xmlns:a16="http://schemas.microsoft.com/office/drawing/2014/main" id="{8254989A-15C6-7F0F-13DA-AFA52B4053B2}"/>
+              </a:ext>
+            </a:extLst>
+          </p:cNvPr>
+          <p:cNvSpPr/>
+          <p:nvPr/>
+        </p:nvSpPr>
+        <p:spPr>
+          <a:xfrm>
+            <a:off x="6012416" y="2171339"/>
+            <a:ext cx="1345033" cy="580171"/>
+          </a:xfrm>
+          <a:prstGeom prst="roundRect">
+            <a:avLst/>
+          </a:prstGeom>
+        </p:spPr>
+        <p:style>
+          <a:lnRef idx="2">
+            <a:schemeClr val="accent6"/>
+          </a:lnRef>
+          <a:fillRef idx="1">
+            <a:schemeClr val="lt1"/>
+          </a:fillRef>
+          <a:effectRef idx="0">
+            <a:schemeClr val="accent6"/>
+          </a:effectRef>
+          <a:fontRef idx="minor">
+            <a:schemeClr val="dk1"/>
+          </a:fontRef>
+        </p:style>
+        <p:txBody>
+          <a:bodyPr rtlCol="0" anchor="ctr"/>
+          <a:lstStyle/>
+          <a:p>
+            <a:r>
+              <a:rPr lang="de-DE" sz="1200" dirty="0"/>
+              <a:t>Handle</a:t>
+            </a:r>
+            <a:br>
+              <a:rPr lang="de-DE" sz="1200" dirty="0"/>
+            </a:br>
+            <a:r>
+              <a:rPr lang="de-DE" sz="800" dirty="0"/>
+              <a:t>/v1/</a:t>
+            </a:r>
+            <a:r>
+              <a:rPr lang="de-DE" sz="800" dirty="0" err="1"/>
+              <a:t>chat</a:t>
+            </a:r>
+            <a:r>
+              <a:rPr lang="de-DE" sz="800" dirty="0"/>
+              <a:t>/</a:t>
+            </a:r>
+            <a:r>
+              <a:rPr lang="de-DE" sz="800" dirty="0" err="1"/>
+              <a:t>completions</a:t>
+            </a:r>
+            <a:endParaRPr lang="de-DE" sz="800" dirty="0"/>
+          </a:p>
+          <a:p>
+            <a:r>
+              <a:rPr lang="de-DE" sz="800" dirty="0"/>
+              <a:t>/v1/</a:t>
+            </a:r>
+            <a:r>
+              <a:rPr lang="de-DE" sz="800" dirty="0" err="1"/>
+              <a:t>embeddings</a:t>
+            </a:r>
+            <a:endParaRPr lang="de-DE" sz="800" dirty="0"/>
+          </a:p>
+        </p:txBody>
+      </p:sp>
+      <p:sp>
+        <p:nvSpPr>
+          <p:cNvPr id="5" name="Rechteck 4">
+            <a:extLst>
+              <a:ext uri="{FF2B5EF4-FFF2-40B4-BE49-F238E27FC236}">
+                <a16:creationId xmlns:a16="http://schemas.microsoft.com/office/drawing/2014/main" id="{686960DB-31E6-22C2-9F54-63F342F85476}"/>
+              </a:ext>
+            </a:extLst>
+          </p:cNvPr>
+          <p:cNvSpPr/>
+          <p:nvPr/>
+        </p:nvSpPr>
+        <p:spPr>
+          <a:xfrm>
+            <a:off x="3062176" y="1790885"/>
+            <a:ext cx="397095" cy="2298026"/>
+          </a:xfrm>
+          <a:prstGeom prst="rect">
+            <a:avLst/>
+          </a:prstGeom>
+        </p:spPr>
+        <p:style>
+          <a:lnRef idx="2">
+            <a:schemeClr val="accent1">
+              <a:shade val="15000"/>
+            </a:schemeClr>
+          </a:lnRef>
+          <a:fillRef idx="1">
+            <a:schemeClr val="accent1"/>
+          </a:fillRef>
+          <a:effectRef idx="0">
+            <a:schemeClr val="accent1"/>
+          </a:effectRef>
+          <a:fontRef idx="minor">
+            <a:schemeClr val="lt1"/>
+          </a:fontRef>
+        </p:style>
+        <p:txBody>
+          <a:bodyPr vert="vert270" rtlCol="0" anchor="ctr"/>
+          <a:lstStyle/>
+          <a:p>
+            <a:pPr algn="ctr"/>
+            <a:r>
+              <a:rPr lang="de-DE" dirty="0" err="1"/>
+              <a:t>OpenAI</a:t>
+            </a:r>
+            <a:r>
+              <a:rPr lang="de-DE" dirty="0"/>
+              <a:t> API</a:t>
+            </a:r>
+          </a:p>
+        </p:txBody>
+      </p:sp>
+    </p:spTree>
+    <p:extLst>
+      <p:ext uri="{BB962C8B-B14F-4D97-AF65-F5344CB8AC3E}">
+        <p14:creationId xmlns:p14="http://schemas.microsoft.com/office/powerpoint/2010/main" val="1666102649"/>
+      </p:ext>
+    </p:extLst>
+  </p:cSld>
+  <p:clrMapOvr>
+    <a:masterClrMapping/>
+  </p:clrMapOvr>
+</p:sld>
+</file>
+
+<file path=ppt/slides/slide9.xml><?xml version="1.0" encoding="utf-8"?>
+<p:sld xmlns:a="http://schemas.openxmlformats.org/drawingml/2006/main" xmlns:r="http://schemas.openxmlformats.org/officeDocument/2006/relationships" xmlns:p="http://schemas.openxmlformats.org/presentationml/2006/main">
+  <p:cSld>
+    <p:spTree>
+      <p:nvGrpSpPr>
+        <p:cNvPr id="1" name="">
+          <a:extLst>
+            <a:ext uri="{FF2B5EF4-FFF2-40B4-BE49-F238E27FC236}">
               <a16:creationId xmlns:a16="http://schemas.microsoft.com/office/drawing/2014/main" id="{C5AA740A-B22E-267E-685E-57A569EAA693}"/>
             </a:ext>
           </a:extLst>
@@ -6218,6 +7909,196 @@
       </p:grpSpPr>
       <p:sp>
         <p:nvSpPr>
+          <p:cNvPr id="79" name="Rechteck 78">
+            <a:extLst>
+              <a:ext uri="{FF2B5EF4-FFF2-40B4-BE49-F238E27FC236}">
+                <a16:creationId xmlns:a16="http://schemas.microsoft.com/office/drawing/2014/main" id="{4B3E0AAE-2699-86BB-A4EC-67E30A66A1AA}"/>
+              </a:ext>
+            </a:extLst>
+          </p:cNvPr>
+          <p:cNvSpPr/>
+          <p:nvPr/>
+        </p:nvSpPr>
+        <p:spPr>
+          <a:xfrm>
+            <a:off x="7556204" y="276512"/>
+            <a:ext cx="1713693" cy="5979206"/>
+          </a:xfrm>
+          <a:prstGeom prst="rect">
+            <a:avLst/>
+          </a:prstGeom>
+          <a:solidFill>
+            <a:schemeClr val="accent3">
+              <a:lumMod val="40000"/>
+              <a:lumOff val="60000"/>
+              <a:alpha val="10870"/>
+            </a:schemeClr>
+          </a:solidFill>
+          <a:ln w="9525" cap="flat" cmpd="sng" algn="ctr">
+            <a:solidFill>
+              <a:schemeClr val="accent2"/>
+            </a:solidFill>
+            <a:prstDash val="solid"/>
+            <a:round/>
+            <a:headEnd type="none" w="med" len="med"/>
+            <a:tailEnd type="none" w="med" len="med"/>
+          </a:ln>
+        </p:spPr>
+        <p:style>
+          <a:lnRef idx="0">
+            <a:scrgbClr r="0" g="0" b="0"/>
+          </a:lnRef>
+          <a:fillRef idx="0">
+            <a:scrgbClr r="0" g="0" b="0"/>
+          </a:fillRef>
+          <a:effectRef idx="0">
+            <a:scrgbClr r="0" g="0" b="0"/>
+          </a:effectRef>
+          <a:fontRef idx="minor">
+            <a:schemeClr val="accent2"/>
+          </a:fontRef>
+        </p:style>
+        <p:txBody>
+          <a:bodyPr rtlCol="0" anchor="t"/>
+          <a:lstStyle/>
+          <a:p>
+            <a:pPr algn="ctr"/>
+            <a:endParaRPr lang="de-DE" dirty="0"/>
+          </a:p>
+        </p:txBody>
+      </p:sp>
+      <p:sp>
+        <p:nvSpPr>
+          <p:cNvPr id="63" name="Rechteck 62">
+            <a:extLst>
+              <a:ext uri="{FF2B5EF4-FFF2-40B4-BE49-F238E27FC236}">
+                <a16:creationId xmlns:a16="http://schemas.microsoft.com/office/drawing/2014/main" id="{F385F5DB-B773-29B1-44C4-F6936739CFD2}"/>
+              </a:ext>
+            </a:extLst>
+          </p:cNvPr>
+          <p:cNvSpPr/>
+          <p:nvPr/>
+        </p:nvSpPr>
+        <p:spPr>
+          <a:xfrm>
+            <a:off x="2780825" y="3514752"/>
+            <a:ext cx="4692180" cy="2766615"/>
+          </a:xfrm>
+          <a:prstGeom prst="rect">
+            <a:avLst/>
+          </a:prstGeom>
+          <a:solidFill>
+            <a:schemeClr val="accent1">
+              <a:lumMod val="20000"/>
+              <a:lumOff val="80000"/>
+              <a:alpha val="10870"/>
+            </a:schemeClr>
+          </a:solidFill>
+          <a:ln w="9525" cap="flat" cmpd="sng" algn="ctr">
+            <a:solidFill>
+              <a:schemeClr val="accent2"/>
+            </a:solidFill>
+            <a:prstDash val="solid"/>
+            <a:round/>
+            <a:headEnd type="none" w="med" len="med"/>
+            <a:tailEnd type="none" w="med" len="med"/>
+          </a:ln>
+        </p:spPr>
+        <p:style>
+          <a:lnRef idx="0">
+            <a:scrgbClr r="0" g="0" b="0"/>
+          </a:lnRef>
+          <a:fillRef idx="0">
+            <a:scrgbClr r="0" g="0" b="0"/>
+          </a:fillRef>
+          <a:effectRef idx="0">
+            <a:scrgbClr r="0" g="0" b="0"/>
+          </a:effectRef>
+          <a:fontRef idx="minor">
+            <a:schemeClr val="accent2"/>
+          </a:fontRef>
+        </p:style>
+        <p:txBody>
+          <a:bodyPr rtlCol="0" anchor="b"/>
+          <a:lstStyle/>
+          <a:p>
+            <a:pPr algn="r"/>
+            <a:r>
+              <a:rPr lang="de-DE" dirty="0" err="1"/>
+              <a:t>Managed</a:t>
+            </a:r>
+            <a:r>
+              <a:rPr lang="de-DE" dirty="0"/>
+              <a:t> PostgreSQL</a:t>
+            </a:r>
+          </a:p>
+        </p:txBody>
+      </p:sp>
+      <p:sp>
+        <p:nvSpPr>
+          <p:cNvPr id="68" name="Rechteck 67">
+            <a:extLst>
+              <a:ext uri="{FF2B5EF4-FFF2-40B4-BE49-F238E27FC236}">
+                <a16:creationId xmlns:a16="http://schemas.microsoft.com/office/drawing/2014/main" id="{0CB8904B-0BD5-8C40-47C5-01585EECF6D0}"/>
+              </a:ext>
+            </a:extLst>
+          </p:cNvPr>
+          <p:cNvSpPr/>
+          <p:nvPr/>
+        </p:nvSpPr>
+        <p:spPr>
+          <a:xfrm>
+            <a:off x="9324877" y="2693042"/>
+            <a:ext cx="2758471" cy="3588325"/>
+          </a:xfrm>
+          <a:prstGeom prst="rect">
+            <a:avLst/>
+          </a:prstGeom>
+          <a:solidFill>
+            <a:schemeClr val="accent5">
+              <a:lumMod val="40000"/>
+              <a:lumOff val="60000"/>
+              <a:alpha val="10870"/>
+            </a:schemeClr>
+          </a:solidFill>
+          <a:ln w="9525" cap="flat" cmpd="sng" algn="ctr">
+            <a:solidFill>
+              <a:schemeClr val="accent2"/>
+            </a:solidFill>
+            <a:prstDash val="solid"/>
+            <a:round/>
+            <a:headEnd type="none" w="med" len="med"/>
+            <a:tailEnd type="none" w="med" len="med"/>
+          </a:ln>
+        </p:spPr>
+        <p:style>
+          <a:lnRef idx="0">
+            <a:scrgbClr r="0" g="0" b="0"/>
+          </a:lnRef>
+          <a:fillRef idx="0">
+            <a:scrgbClr r="0" g="0" b="0"/>
+          </a:fillRef>
+          <a:effectRef idx="0">
+            <a:scrgbClr r="0" g="0" b="0"/>
+          </a:effectRef>
+          <a:fontRef idx="minor">
+            <a:schemeClr val="accent2"/>
+          </a:fontRef>
+        </p:style>
+        <p:txBody>
+          <a:bodyPr rtlCol="0" anchor="b"/>
+          <a:lstStyle/>
+          <a:p>
+            <a:pPr algn="ctr"/>
+            <a:r>
+              <a:rPr lang="de-DE" dirty="0"/>
+              <a:t>S3 Storage</a:t>
+            </a:r>
+          </a:p>
+        </p:txBody>
+      </p:sp>
+      <p:sp>
+        <p:nvSpPr>
           <p:cNvPr id="2" name="Textfeld 1">
             <a:extLst>
               <a:ext uri="{FF2B5EF4-FFF2-40B4-BE49-F238E27FC236}">
@@ -6230,7 +8111,7 @@
         </p:nvSpPr>
         <p:spPr>
           <a:xfrm>
-            <a:off x="10434468" y="6127161"/>
+            <a:off x="67883" y="546173"/>
             <a:ext cx="1550746" cy="369332"/>
           </a:xfrm>
           <a:prstGeom prst="rect">
@@ -6265,7 +8146,7 @@
         </p:nvSpPr>
         <p:spPr>
           <a:xfrm>
-            <a:off x="3664835" y="1790885"/>
+            <a:off x="3664835" y="1110399"/>
             <a:ext cx="1534632" cy="2298026"/>
           </a:xfrm>
           <a:prstGeom prst="rect">
@@ -6314,7 +8195,7 @@
         </p:nvSpPr>
         <p:spPr>
           <a:xfrm>
-            <a:off x="9454929" y="1771920"/>
+            <a:off x="9454929" y="1091434"/>
             <a:ext cx="1534632" cy="619703"/>
           </a:xfrm>
           <a:prstGeom prst="rect">
@@ -6367,7 +8248,7 @@
         </p:nvCxnSpPr>
         <p:spPr>
           <a:xfrm flipH="1">
-            <a:off x="3459271" y="2939898"/>
+            <a:off x="3459271" y="2259412"/>
             <a:ext cx="205564" cy="0"/>
           </a:xfrm>
           <a:prstGeom prst="line">
@@ -6403,7 +8284,7 @@
         </p:nvSpPr>
         <p:spPr>
           <a:xfrm>
-            <a:off x="3664835" y="4378507"/>
+            <a:off x="3664835" y="3698021"/>
             <a:ext cx="1534631" cy="1216152"/>
           </a:xfrm>
           <a:prstGeom prst="can">
@@ -6460,7 +8341,7 @@
         </p:nvCxnSpPr>
         <p:spPr>
           <a:xfrm>
-            <a:off x="4432151" y="4088911"/>
+            <a:off x="4432151" y="3408425"/>
             <a:ext cx="0" cy="289596"/>
           </a:xfrm>
           <a:prstGeom prst="line">
@@ -6496,7 +8377,7 @@
         </p:nvSpPr>
         <p:spPr>
           <a:xfrm>
-            <a:off x="2910806" y="1316623"/>
+            <a:off x="69198" y="176841"/>
             <a:ext cx="2650021" cy="369332"/>
           </a:xfrm>
           <a:prstGeom prst="rect">
@@ -6539,8 +8420,8 @@
         </p:nvSpPr>
         <p:spPr>
           <a:xfrm>
-            <a:off x="1381487" y="4428120"/>
-            <a:ext cx="2357184" cy="2031325"/>
+            <a:off x="3597016" y="4838456"/>
+            <a:ext cx="1682512" cy="1754326"/>
           </a:xfrm>
           <a:prstGeom prst="rect">
             <a:avLst/>
@@ -6613,29 +8494,6 @@
             <a:r>
               <a:rPr lang="de-DE" dirty="0" err="1"/>
               <a:t>budgets</a:t>
-            </a:r>
-            <a:r>
-              <a:rPr lang="de-DE" dirty="0"/>
-              <a:t> </a:t>
-            </a:r>
-            <a:br>
-              <a:rPr lang="de-DE" dirty="0"/>
-            </a:br>
-            <a:r>
-              <a:rPr lang="de-DE" dirty="0"/>
-              <a:t>per virtual </a:t>
-            </a:r>
-            <a:r>
-              <a:rPr lang="de-DE" dirty="0" err="1"/>
-              <a:t>key</a:t>
-            </a:r>
-            <a:r>
-              <a:rPr lang="de-DE" dirty="0"/>
-              <a:t>/</a:t>
-            </a:r>
-            <a:r>
-              <a:rPr lang="de-DE" dirty="0" err="1"/>
-              <a:t>user</a:t>
             </a:r>
             <a:endParaRPr lang="de-DE" dirty="0"/>
           </a:p>
@@ -6665,7 +8523,7 @@
         </p:nvSpPr>
         <p:spPr>
           <a:xfrm>
-            <a:off x="9454929" y="2549804"/>
+            <a:off x="9454929" y="1869318"/>
             <a:ext cx="1534632" cy="580889"/>
           </a:xfrm>
           <a:prstGeom prst="rect">
@@ -6715,8 +8573,8 @@
         </p:nvSpPr>
         <p:spPr>
           <a:xfrm>
-            <a:off x="7224869" y="4441202"/>
-            <a:ext cx="1911614" cy="923330"/>
+            <a:off x="5561390" y="4859262"/>
+            <a:ext cx="1911614" cy="646331"/>
           </a:xfrm>
           <a:prstGeom prst="rect">
             <a:avLst/>
@@ -6766,9 +8624,6 @@
             </a:r>
             <a:endParaRPr lang="de-DE" dirty="0"/>
           </a:p>
-          <a:p>
-            <a:endParaRPr lang="de-DE" dirty="0"/>
-          </a:p>
         </p:txBody>
       </p:sp>
       <p:sp>
@@ -6785,7 +8640,7 @@
         </p:nvSpPr>
         <p:spPr>
           <a:xfrm>
-            <a:off x="5631711" y="1790885"/>
+            <a:off x="5631711" y="1110399"/>
             <a:ext cx="1534632" cy="2298026"/>
           </a:xfrm>
           <a:prstGeom prst="rect">
@@ -6837,7 +8692,7 @@
         </p:nvCxnSpPr>
         <p:spPr>
           <a:xfrm flipH="1">
-            <a:off x="6395483" y="4088911"/>
+            <a:off x="6395483" y="3408425"/>
             <a:ext cx="3544" cy="440472"/>
           </a:xfrm>
           <a:prstGeom prst="line">
@@ -6873,7 +8728,7 @@
         </p:nvSpPr>
         <p:spPr>
           <a:xfrm>
-            <a:off x="3664835" y="1790885"/>
+            <a:off x="3664835" y="1110399"/>
             <a:ext cx="5309044" cy="2298023"/>
           </a:xfrm>
           <a:prstGeom prst="rect">
@@ -6919,7 +8774,7 @@
         </p:nvSpPr>
         <p:spPr>
           <a:xfrm>
-            <a:off x="3813985" y="2171341"/>
+            <a:off x="3813985" y="1490855"/>
             <a:ext cx="983660" cy="580171"/>
           </a:xfrm>
           <a:prstGeom prst="roundRect">
@@ -6982,7 +8837,7 @@
         </p:nvSpPr>
         <p:spPr>
           <a:xfrm>
-            <a:off x="7473004" y="2171338"/>
+            <a:off x="7473004" y="1490852"/>
             <a:ext cx="1345033" cy="580171"/>
           </a:xfrm>
           <a:prstGeom prst="roundRect">
@@ -7063,7 +8918,7 @@
         </p:nvCxnSpPr>
         <p:spPr>
           <a:xfrm flipV="1">
-            <a:off x="8818037" y="2081772"/>
+            <a:off x="8818037" y="1401286"/>
             <a:ext cx="636892" cy="379652"/>
           </a:xfrm>
           <a:prstGeom prst="bentConnector3">
@@ -7107,7 +8962,7 @@
         </p:nvCxnSpPr>
         <p:spPr>
           <a:xfrm>
-            <a:off x="8818037" y="2461424"/>
+            <a:off x="8818037" y="1780938"/>
             <a:ext cx="636892" cy="378825"/>
           </a:xfrm>
           <a:prstGeom prst="bentConnector3">
@@ -7147,7 +9002,7 @@
         </p:nvSpPr>
         <p:spPr>
           <a:xfrm rot="16200000">
-            <a:off x="5669983" y="1073857"/>
+            <a:off x="5669983" y="393371"/>
             <a:ext cx="1043564" cy="4804395"/>
           </a:xfrm>
           <a:prstGeom prst="can">
@@ -7218,7 +9073,7 @@
         </p:nvSpPr>
         <p:spPr>
           <a:xfrm>
-            <a:off x="5759168" y="3309886"/>
+            <a:off x="5759168" y="2629400"/>
             <a:ext cx="1256708" cy="580171"/>
           </a:xfrm>
           <a:prstGeom prst="roundRect">
@@ -7277,7 +9132,7 @@
         </p:nvSpPr>
         <p:spPr>
           <a:xfrm>
-            <a:off x="7078241" y="3319706"/>
+            <a:off x="7078241" y="2639220"/>
             <a:ext cx="1256708" cy="580171"/>
           </a:xfrm>
           <a:prstGeom prst="roundRect">
@@ -7347,7 +9202,7 @@
         </p:nvSpPr>
         <p:spPr>
           <a:xfrm>
-            <a:off x="523350" y="2176105"/>
+            <a:off x="481315" y="1508964"/>
             <a:ext cx="1534632" cy="1555923"/>
           </a:xfrm>
           <a:prstGeom prst="rect">
@@ -7380,6 +9235,13 @@
               <a:t>Client</a:t>
             </a:r>
           </a:p>
+          <a:p>
+            <a:pPr algn="ctr"/>
+            <a:r>
+              <a:rPr lang="de-DE" dirty="0"/>
+              <a:t>(Chat, RAG)</a:t>
+            </a:r>
+          </a:p>
         </p:txBody>
       </p:sp>
       <p:cxnSp>
@@ -7399,7 +9261,7 @@
         </p:nvCxnSpPr>
         <p:spPr>
           <a:xfrm>
-            <a:off x="2057982" y="2461427"/>
+            <a:off x="2057982" y="1780941"/>
             <a:ext cx="1756003" cy="0"/>
           </a:xfrm>
           <a:prstGeom prst="straightConnector1">
@@ -7438,7 +9300,7 @@
         </p:nvSpPr>
         <p:spPr>
           <a:xfrm>
-            <a:off x="397627" y="6089007"/>
+            <a:off x="71928" y="6396823"/>
             <a:ext cx="4520468" cy="369332"/>
           </a:xfrm>
           <a:prstGeom prst="rect">
@@ -7481,7 +9343,7 @@
         </p:nvSpPr>
         <p:spPr>
           <a:xfrm>
-            <a:off x="5664569" y="4374042"/>
+            <a:off x="5664569" y="3693556"/>
             <a:ext cx="1534631" cy="1216152"/>
           </a:xfrm>
           <a:prstGeom prst="can">
@@ -7530,7 +9392,7 @@
         </p:nvSpPr>
         <p:spPr>
           <a:xfrm>
-            <a:off x="4351993" y="3303728"/>
+            <a:off x="4351993" y="2623242"/>
             <a:ext cx="1256708" cy="580171"/>
           </a:xfrm>
           <a:prstGeom prst="roundRect">
@@ -7580,7 +9442,7 @@
         </p:nvCxnSpPr>
         <p:spPr>
           <a:xfrm flipH="1">
-            <a:off x="8145520" y="2751509"/>
+            <a:off x="8145520" y="2071023"/>
             <a:ext cx="1" cy="215903"/>
           </a:xfrm>
           <a:prstGeom prst="straightConnector1">
@@ -7621,7 +9483,7 @@
         </p:nvCxnSpPr>
         <p:spPr>
           <a:xfrm flipH="1" flipV="1">
-            <a:off x="2057982" y="3476054"/>
+            <a:off x="2057982" y="2795568"/>
             <a:ext cx="1731586" cy="1"/>
           </a:xfrm>
           <a:prstGeom prst="straightConnector1">
@@ -7663,7 +9525,7 @@
         </p:nvCxnSpPr>
         <p:spPr>
           <a:xfrm flipV="1">
-            <a:off x="4797645" y="2461424"/>
+            <a:off x="4797645" y="1780938"/>
             <a:ext cx="2675359" cy="3"/>
           </a:xfrm>
           <a:prstGeom prst="straightConnector1">
@@ -7702,7 +9564,7 @@
         </p:nvSpPr>
         <p:spPr>
           <a:xfrm>
-            <a:off x="4913201" y="2171340"/>
+            <a:off x="4913201" y="1490854"/>
             <a:ext cx="983660" cy="580171"/>
           </a:xfrm>
           <a:prstGeom prst="roundRect">
@@ -7754,7 +9616,7 @@
         </p:nvSpPr>
         <p:spPr>
           <a:xfrm>
-            <a:off x="6012416" y="2171339"/>
+            <a:off x="6012416" y="1490853"/>
             <a:ext cx="1345033" cy="580171"/>
           </a:xfrm>
           <a:prstGeom prst="roundRect">
@@ -7831,7 +9693,7 @@
         </p:nvSpPr>
         <p:spPr>
           <a:xfrm>
-            <a:off x="3062176" y="1790885"/>
+            <a:off x="3062176" y="1110399"/>
             <a:ext cx="397095" cy="2298026"/>
           </a:xfrm>
           <a:prstGeom prst="rect">
@@ -7866,6 +9728,750 @@
             <a:r>
               <a:rPr lang="de-DE" dirty="0"/>
               <a:t> API</a:t>
+            </a:r>
+          </a:p>
+        </p:txBody>
+      </p:sp>
+      <p:sp>
+        <p:nvSpPr>
+          <p:cNvPr id="64" name="Rechteck 63">
+            <a:extLst>
+              <a:ext uri="{FF2B5EF4-FFF2-40B4-BE49-F238E27FC236}">
+                <a16:creationId xmlns:a16="http://schemas.microsoft.com/office/drawing/2014/main" id="{21AD584E-3CC9-4198-155C-0B17CAA0D443}"/>
+              </a:ext>
+            </a:extLst>
+          </p:cNvPr>
+          <p:cNvSpPr/>
+          <p:nvPr/>
+        </p:nvSpPr>
+        <p:spPr>
+          <a:xfrm>
+            <a:off x="2780826" y="276511"/>
+            <a:ext cx="6482444" cy="3187240"/>
+          </a:xfrm>
+          <a:prstGeom prst="rect">
+            <a:avLst/>
+          </a:prstGeom>
+          <a:solidFill>
+            <a:schemeClr val="accent3">
+              <a:lumMod val="40000"/>
+              <a:lumOff val="60000"/>
+              <a:alpha val="10870"/>
+            </a:schemeClr>
+          </a:solidFill>
+          <a:ln w="9525" cap="flat" cmpd="sng" algn="ctr">
+            <a:solidFill>
+              <a:schemeClr val="accent2"/>
+            </a:solidFill>
+            <a:prstDash val="solid"/>
+            <a:round/>
+            <a:headEnd type="none" w="med" len="med"/>
+            <a:tailEnd type="none" w="med" len="med"/>
+          </a:ln>
+        </p:spPr>
+        <p:style>
+          <a:lnRef idx="0">
+            <a:scrgbClr r="0" g="0" b="0"/>
+          </a:lnRef>
+          <a:fillRef idx="0">
+            <a:scrgbClr r="0" g="0" b="0"/>
+          </a:fillRef>
+          <a:effectRef idx="0">
+            <a:scrgbClr r="0" g="0" b="0"/>
+          </a:effectRef>
+          <a:fontRef idx="minor">
+            <a:schemeClr val="accent2"/>
+          </a:fontRef>
+        </p:style>
+        <p:txBody>
+          <a:bodyPr rtlCol="0" anchor="t"/>
+          <a:lstStyle/>
+          <a:p>
+            <a:pPr algn="ctr"/>
+            <a:r>
+              <a:rPr lang="de-DE" dirty="0" err="1"/>
+              <a:t>Managed</a:t>
+            </a:r>
+            <a:r>
+              <a:rPr lang="de-DE" dirty="0"/>
+              <a:t> </a:t>
+            </a:r>
+            <a:r>
+              <a:rPr lang="de-DE" dirty="0" err="1"/>
+              <a:t>Kubernetes</a:t>
+            </a:r>
+            <a:r>
+              <a:rPr lang="de-DE" dirty="0"/>
+              <a:t> </a:t>
+            </a:r>
+            <a:r>
+              <a:rPr lang="de-DE" dirty="0" err="1"/>
+              <a:t>with</a:t>
+            </a:r>
+            <a:r>
+              <a:rPr lang="de-DE" dirty="0"/>
+              <a:t> CPU support</a:t>
+            </a:r>
+          </a:p>
+        </p:txBody>
+      </p:sp>
+      <p:sp>
+        <p:nvSpPr>
+          <p:cNvPr id="65" name="Rechteck 64">
+            <a:extLst>
+              <a:ext uri="{FF2B5EF4-FFF2-40B4-BE49-F238E27FC236}">
+                <a16:creationId xmlns:a16="http://schemas.microsoft.com/office/drawing/2014/main" id="{4E039A2E-6B3C-2D62-0F29-07D88844C160}"/>
+              </a:ext>
+            </a:extLst>
+          </p:cNvPr>
+          <p:cNvSpPr/>
+          <p:nvPr/>
+        </p:nvSpPr>
+        <p:spPr>
+          <a:xfrm>
+            <a:off x="9320779" y="276511"/>
+            <a:ext cx="2758471" cy="2346731"/>
+          </a:xfrm>
+          <a:prstGeom prst="rect">
+            <a:avLst/>
+          </a:prstGeom>
+          <a:solidFill>
+            <a:schemeClr val="accent2">
+              <a:lumMod val="40000"/>
+              <a:lumOff val="60000"/>
+              <a:alpha val="10870"/>
+            </a:schemeClr>
+          </a:solidFill>
+          <a:ln w="9525" cap="flat" cmpd="sng" algn="ctr">
+            <a:solidFill>
+              <a:schemeClr val="accent2"/>
+            </a:solidFill>
+            <a:prstDash val="solid"/>
+            <a:round/>
+            <a:headEnd type="none" w="med" len="med"/>
+            <a:tailEnd type="none" w="med" len="med"/>
+          </a:ln>
+        </p:spPr>
+        <p:style>
+          <a:lnRef idx="0">
+            <a:scrgbClr r="0" g="0" b="0"/>
+          </a:lnRef>
+          <a:fillRef idx="0">
+            <a:scrgbClr r="0" g="0" b="0"/>
+          </a:fillRef>
+          <a:effectRef idx="0">
+            <a:scrgbClr r="0" g="0" b="0"/>
+          </a:effectRef>
+          <a:fontRef idx="minor">
+            <a:schemeClr val="accent2"/>
+          </a:fontRef>
+        </p:style>
+        <p:txBody>
+          <a:bodyPr rtlCol="0" anchor="t"/>
+          <a:lstStyle/>
+          <a:p>
+            <a:pPr algn="ctr"/>
+            <a:r>
+              <a:rPr lang="de-DE" dirty="0" err="1"/>
+              <a:t>Kubernetes</a:t>
+            </a:r>
+            <a:r>
+              <a:rPr lang="de-DE" dirty="0"/>
+              <a:t> </a:t>
+            </a:r>
+            <a:r>
+              <a:rPr lang="de-DE" dirty="0" err="1"/>
+              <a:t>with</a:t>
+            </a:r>
+            <a:r>
+              <a:rPr lang="de-DE" dirty="0"/>
+              <a:t> GPU support</a:t>
+            </a:r>
+          </a:p>
+        </p:txBody>
+      </p:sp>
+      <p:sp>
+        <p:nvSpPr>
+          <p:cNvPr id="69" name="Rechteck 68">
+            <a:extLst>
+              <a:ext uri="{FF2B5EF4-FFF2-40B4-BE49-F238E27FC236}">
+                <a16:creationId xmlns:a16="http://schemas.microsoft.com/office/drawing/2014/main" id="{75329B37-8B0D-908F-DD0F-24CED6DB4CAD}"/>
+              </a:ext>
+            </a:extLst>
+          </p:cNvPr>
+          <p:cNvSpPr/>
+          <p:nvPr/>
+        </p:nvSpPr>
+        <p:spPr>
+          <a:xfrm>
+            <a:off x="215842" y="3489126"/>
+            <a:ext cx="2493134" cy="2766615"/>
+          </a:xfrm>
+          <a:prstGeom prst="rect">
+            <a:avLst/>
+          </a:prstGeom>
+          <a:solidFill>
+            <a:schemeClr val="accent2">
+              <a:lumMod val="40000"/>
+              <a:lumOff val="60000"/>
+              <a:alpha val="10870"/>
+            </a:schemeClr>
+          </a:solidFill>
+          <a:ln w="9525" cap="flat" cmpd="sng" algn="ctr">
+            <a:solidFill>
+              <a:schemeClr val="accent2"/>
+            </a:solidFill>
+            <a:prstDash val="solid"/>
+            <a:round/>
+            <a:headEnd type="none" w="med" len="med"/>
+            <a:tailEnd type="none" w="med" len="med"/>
+          </a:ln>
+        </p:spPr>
+        <p:style>
+          <a:lnRef idx="0">
+            <a:scrgbClr r="0" g="0" b="0"/>
+          </a:lnRef>
+          <a:fillRef idx="0">
+            <a:scrgbClr r="0" g="0" b="0"/>
+          </a:fillRef>
+          <a:effectRef idx="0">
+            <a:scrgbClr r="0" g="0" b="0"/>
+          </a:effectRef>
+          <a:fontRef idx="minor">
+            <a:schemeClr val="accent2"/>
+          </a:fontRef>
+        </p:style>
+        <p:txBody>
+          <a:bodyPr rtlCol="0" anchor="b"/>
+          <a:lstStyle/>
+          <a:p>
+            <a:pPr algn="ctr"/>
+            <a:r>
+              <a:rPr lang="de-DE" dirty="0"/>
+              <a:t>Identity Provider</a:t>
+            </a:r>
+          </a:p>
+        </p:txBody>
+      </p:sp>
+      <p:sp>
+        <p:nvSpPr>
+          <p:cNvPr id="70" name="Rechteck 69">
+            <a:extLst>
+              <a:ext uri="{FF2B5EF4-FFF2-40B4-BE49-F238E27FC236}">
+                <a16:creationId xmlns:a16="http://schemas.microsoft.com/office/drawing/2014/main" id="{B05C0D7E-C24D-BAE7-1418-7CD4119A336E}"/>
+              </a:ext>
+            </a:extLst>
+          </p:cNvPr>
+          <p:cNvSpPr/>
+          <p:nvPr/>
+        </p:nvSpPr>
+        <p:spPr>
+          <a:xfrm>
+            <a:off x="993502" y="4027678"/>
+            <a:ext cx="1022445" cy="767080"/>
+          </a:xfrm>
+          <a:prstGeom prst="rect">
+            <a:avLst/>
+          </a:prstGeom>
+        </p:spPr>
+        <p:style>
+          <a:lnRef idx="2">
+            <a:schemeClr val="accent1">
+              <a:shade val="15000"/>
+            </a:schemeClr>
+          </a:lnRef>
+          <a:fillRef idx="1">
+            <a:schemeClr val="accent1"/>
+          </a:fillRef>
+          <a:effectRef idx="0">
+            <a:schemeClr val="accent1"/>
+          </a:effectRef>
+          <a:fontRef idx="minor">
+            <a:schemeClr val="lt1"/>
+          </a:fontRef>
+        </p:style>
+        <p:txBody>
+          <a:bodyPr rtlCol="0" anchor="ctr"/>
+          <a:lstStyle/>
+          <a:p>
+            <a:pPr algn="ctr"/>
+            <a:r>
+              <a:rPr lang="de-DE" dirty="0"/>
+              <a:t>IDP</a:t>
+            </a:r>
+          </a:p>
+        </p:txBody>
+      </p:sp>
+      <p:cxnSp>
+        <p:nvCxnSpPr>
+          <p:cNvPr id="72" name="Gerade Verbindung 71">
+            <a:extLst>
+              <a:ext uri="{FF2B5EF4-FFF2-40B4-BE49-F238E27FC236}">
+                <a16:creationId xmlns:a16="http://schemas.microsoft.com/office/drawing/2014/main" id="{B802D437-85CB-FBB4-B703-A0F3FDB54FD1}"/>
+              </a:ext>
+            </a:extLst>
+          </p:cNvPr>
+          <p:cNvCxnSpPr>
+            <a:stCxn id="70" idx="3"/>
+          </p:cNvCxnSpPr>
+          <p:nvPr/>
+        </p:nvCxnSpPr>
+        <p:spPr>
+          <a:xfrm>
+            <a:off x="2015947" y="4411218"/>
+            <a:ext cx="1648888" cy="0"/>
+          </a:xfrm>
+          <a:prstGeom prst="line">
+            <a:avLst/>
+          </a:prstGeom>
+        </p:spPr>
+        <p:style>
+          <a:lnRef idx="2">
+            <a:schemeClr val="accent1"/>
+          </a:lnRef>
+          <a:fillRef idx="0">
+            <a:schemeClr val="accent1"/>
+          </a:fillRef>
+          <a:effectRef idx="1">
+            <a:schemeClr val="accent1"/>
+          </a:effectRef>
+          <a:fontRef idx="minor">
+            <a:schemeClr val="tx1"/>
+          </a:fontRef>
+        </p:style>
+      </p:cxnSp>
+      <p:sp>
+        <p:nvSpPr>
+          <p:cNvPr id="74" name="Rechteck 73">
+            <a:extLst>
+              <a:ext uri="{FF2B5EF4-FFF2-40B4-BE49-F238E27FC236}">
+                <a16:creationId xmlns:a16="http://schemas.microsoft.com/office/drawing/2014/main" id="{4C03CE99-560A-ADAE-5CFE-50EC27DA80CB}"/>
+              </a:ext>
+            </a:extLst>
+          </p:cNvPr>
+          <p:cNvSpPr/>
+          <p:nvPr/>
+        </p:nvSpPr>
+        <p:spPr>
+          <a:xfrm>
+            <a:off x="7758935" y="4411218"/>
+            <a:ext cx="1229688" cy="767080"/>
+          </a:xfrm>
+          <a:prstGeom prst="rect">
+            <a:avLst/>
+          </a:prstGeom>
+        </p:spPr>
+        <p:style>
+          <a:lnRef idx="2">
+            <a:schemeClr val="accent1">
+              <a:shade val="15000"/>
+            </a:schemeClr>
+          </a:lnRef>
+          <a:fillRef idx="1">
+            <a:schemeClr val="accent1"/>
+          </a:fillRef>
+          <a:effectRef idx="0">
+            <a:schemeClr val="accent1"/>
+          </a:effectRef>
+          <a:fontRef idx="minor">
+            <a:schemeClr val="lt1"/>
+          </a:fontRef>
+        </p:style>
+        <p:txBody>
+          <a:bodyPr rtlCol="0" anchor="ctr"/>
+          <a:lstStyle/>
+          <a:p>
+            <a:pPr algn="ctr"/>
+            <a:r>
+              <a:rPr lang="de-DE" dirty="0" err="1"/>
+              <a:t>Langfuse</a:t>
+            </a:r>
+            <a:r>
+              <a:rPr lang="de-DE" dirty="0"/>
+              <a:t> </a:t>
+            </a:r>
+            <a:r>
+              <a:rPr lang="de-DE" dirty="0" err="1"/>
+              <a:t>server</a:t>
+            </a:r>
+            <a:endParaRPr lang="de-DE" dirty="0"/>
+          </a:p>
+        </p:txBody>
+      </p:sp>
+      <p:sp>
+        <p:nvSpPr>
+          <p:cNvPr id="75" name="Rechteck 74">
+            <a:extLst>
+              <a:ext uri="{FF2B5EF4-FFF2-40B4-BE49-F238E27FC236}">
+                <a16:creationId xmlns:a16="http://schemas.microsoft.com/office/drawing/2014/main" id="{ABF437C1-13C4-8E3A-E8F9-58817ED192C2}"/>
+              </a:ext>
+            </a:extLst>
+          </p:cNvPr>
+          <p:cNvSpPr/>
+          <p:nvPr/>
+        </p:nvSpPr>
+        <p:spPr>
+          <a:xfrm>
+            <a:off x="9388002" y="2884830"/>
+            <a:ext cx="2588156" cy="1214345"/>
+          </a:xfrm>
+          <a:prstGeom prst="rect">
+            <a:avLst/>
+          </a:prstGeom>
+        </p:spPr>
+        <p:style>
+          <a:lnRef idx="2">
+            <a:schemeClr val="accent6"/>
+          </a:lnRef>
+          <a:fillRef idx="1">
+            <a:schemeClr val="lt1"/>
+          </a:fillRef>
+          <a:effectRef idx="0">
+            <a:schemeClr val="accent6"/>
+          </a:effectRef>
+          <a:fontRef idx="minor">
+            <a:schemeClr val="dk1"/>
+          </a:fontRef>
+        </p:style>
+        <p:txBody>
+          <a:bodyPr rtlCol="0" anchor="t"/>
+          <a:lstStyle/>
+          <a:p>
+            <a:pPr algn="ctr"/>
+            <a:r>
+              <a:rPr lang="de-DE" dirty="0"/>
+              <a:t>Modelle</a:t>
+            </a:r>
+          </a:p>
+        </p:txBody>
+      </p:sp>
+      <p:sp>
+        <p:nvSpPr>
+          <p:cNvPr id="76" name="Abgerundetes Rechteck 75">
+            <a:extLst>
+              <a:ext uri="{FF2B5EF4-FFF2-40B4-BE49-F238E27FC236}">
+                <a16:creationId xmlns:a16="http://schemas.microsoft.com/office/drawing/2014/main" id="{799164B6-4130-6B63-FA20-903DC5C084DC}"/>
+              </a:ext>
+            </a:extLst>
+          </p:cNvPr>
+          <p:cNvSpPr/>
+          <p:nvPr/>
+        </p:nvSpPr>
+        <p:spPr>
+          <a:xfrm>
+            <a:off x="9484455" y="3377923"/>
+            <a:ext cx="914400" cy="580889"/>
+          </a:xfrm>
+          <a:prstGeom prst="roundRect">
+            <a:avLst/>
+          </a:prstGeom>
+        </p:spPr>
+        <p:style>
+          <a:lnRef idx="2">
+            <a:schemeClr val="accent1">
+              <a:shade val="15000"/>
+            </a:schemeClr>
+          </a:lnRef>
+          <a:fillRef idx="1">
+            <a:schemeClr val="accent1"/>
+          </a:fillRef>
+          <a:effectRef idx="0">
+            <a:schemeClr val="accent1"/>
+          </a:effectRef>
+          <a:fontRef idx="minor">
+            <a:schemeClr val="lt1"/>
+          </a:fontRef>
+        </p:style>
+        <p:txBody>
+          <a:bodyPr rtlCol="0" anchor="ctr"/>
+          <a:lstStyle/>
+          <a:p>
+            <a:pPr algn="ctr"/>
+            <a:r>
+              <a:rPr lang="de-DE" dirty="0" err="1"/>
+              <a:t>Mixtral</a:t>
+            </a:r>
+            <a:endParaRPr lang="de-DE" dirty="0"/>
+          </a:p>
+        </p:txBody>
+      </p:sp>
+      <p:sp>
+        <p:nvSpPr>
+          <p:cNvPr id="77" name="Abgerundetes Rechteck 76">
+            <a:extLst>
+              <a:ext uri="{FF2B5EF4-FFF2-40B4-BE49-F238E27FC236}">
+                <a16:creationId xmlns:a16="http://schemas.microsoft.com/office/drawing/2014/main" id="{34E12740-C513-C14A-E7ED-04BBC745E150}"/>
+              </a:ext>
+            </a:extLst>
+          </p:cNvPr>
+          <p:cNvSpPr/>
+          <p:nvPr/>
+        </p:nvSpPr>
+        <p:spPr>
+          <a:xfrm>
+            <a:off x="10537654" y="3377923"/>
+            <a:ext cx="914400" cy="580889"/>
+          </a:xfrm>
+          <a:prstGeom prst="roundRect">
+            <a:avLst/>
+          </a:prstGeom>
+        </p:spPr>
+        <p:style>
+          <a:lnRef idx="2">
+            <a:schemeClr val="accent1">
+              <a:shade val="15000"/>
+            </a:schemeClr>
+          </a:lnRef>
+          <a:fillRef idx="1">
+            <a:schemeClr val="accent1"/>
+          </a:fillRef>
+          <a:effectRef idx="0">
+            <a:schemeClr val="accent1"/>
+          </a:effectRef>
+          <a:fontRef idx="minor">
+            <a:schemeClr val="lt1"/>
+          </a:fontRef>
+        </p:style>
+        <p:txBody>
+          <a:bodyPr rtlCol="0" anchor="ctr"/>
+          <a:lstStyle/>
+          <a:p>
+            <a:pPr algn="ctr"/>
+            <a:r>
+              <a:rPr lang="de-DE" dirty="0" err="1"/>
+              <a:t>Llama</a:t>
+            </a:r>
+            <a:endParaRPr lang="de-DE" dirty="0"/>
+          </a:p>
+        </p:txBody>
+      </p:sp>
+      <p:sp>
+        <p:nvSpPr>
+          <p:cNvPr id="78" name="Rechteck 77">
+            <a:extLst>
+              <a:ext uri="{FF2B5EF4-FFF2-40B4-BE49-F238E27FC236}">
+                <a16:creationId xmlns:a16="http://schemas.microsoft.com/office/drawing/2014/main" id="{94F92B63-013F-E8D4-E0D0-58F3588946C5}"/>
+              </a:ext>
+            </a:extLst>
+          </p:cNvPr>
+          <p:cNvSpPr/>
+          <p:nvPr/>
+        </p:nvSpPr>
+        <p:spPr>
+          <a:xfrm>
+            <a:off x="9383148" y="4243203"/>
+            <a:ext cx="2588156" cy="1110676"/>
+          </a:xfrm>
+          <a:prstGeom prst="rect">
+            <a:avLst/>
+          </a:prstGeom>
+        </p:spPr>
+        <p:style>
+          <a:lnRef idx="2">
+            <a:schemeClr val="accent6"/>
+          </a:lnRef>
+          <a:fillRef idx="1">
+            <a:schemeClr val="lt1"/>
+          </a:fillRef>
+          <a:effectRef idx="0">
+            <a:schemeClr val="accent6"/>
+          </a:effectRef>
+          <a:fontRef idx="minor">
+            <a:schemeClr val="dk1"/>
+          </a:fontRef>
+        </p:style>
+        <p:txBody>
+          <a:bodyPr rtlCol="0" anchor="t"/>
+          <a:lstStyle/>
+          <a:p>
+            <a:pPr algn="ctr"/>
+            <a:r>
+              <a:rPr lang="de-DE" dirty="0" err="1"/>
+              <a:t>Logging</a:t>
+            </a:r>
+            <a:endParaRPr lang="de-DE" dirty="0"/>
+          </a:p>
+        </p:txBody>
+      </p:sp>
+      <p:cxnSp>
+        <p:nvCxnSpPr>
+          <p:cNvPr id="81" name="Gewinkelte Verbindung 80">
+            <a:extLst>
+              <a:ext uri="{FF2B5EF4-FFF2-40B4-BE49-F238E27FC236}">
+                <a16:creationId xmlns:a16="http://schemas.microsoft.com/office/drawing/2014/main" id="{D0A24F84-C2C5-A41B-EC86-E6DA6E296ED1}"/>
+              </a:ext>
+            </a:extLst>
+          </p:cNvPr>
+          <p:cNvCxnSpPr>
+            <a:cxnSpLocks/>
+            <a:endCxn id="74" idx="0"/>
+          </p:cNvCxnSpPr>
+          <p:nvPr/>
+        </p:nvCxnSpPr>
+        <p:spPr>
+          <a:xfrm rot="16200000" flipH="1">
+            <a:off x="7462455" y="3499893"/>
+            <a:ext cx="1207805" cy="614844"/>
+          </a:xfrm>
+          <a:prstGeom prst="bentConnector3">
+            <a:avLst/>
+          </a:prstGeom>
+          <a:ln>
+            <a:tailEnd type="triangle"/>
+          </a:ln>
+        </p:spPr>
+        <p:style>
+          <a:lnRef idx="1">
+            <a:schemeClr val="accent6"/>
+          </a:lnRef>
+          <a:fillRef idx="0">
+            <a:schemeClr val="accent6"/>
+          </a:fillRef>
+          <a:effectRef idx="0">
+            <a:schemeClr val="accent6"/>
+          </a:effectRef>
+          <a:fontRef idx="minor">
+            <a:schemeClr val="tx1"/>
+          </a:fontRef>
+        </p:style>
+      </p:cxnSp>
+      <p:cxnSp>
+        <p:nvCxnSpPr>
+          <p:cNvPr id="84" name="Gerade Verbindung mit Pfeil 83">
+            <a:extLst>
+              <a:ext uri="{FF2B5EF4-FFF2-40B4-BE49-F238E27FC236}">
+                <a16:creationId xmlns:a16="http://schemas.microsoft.com/office/drawing/2014/main" id="{6C87FA22-3240-4501-1F16-E8C690106ED9}"/>
+              </a:ext>
+            </a:extLst>
+          </p:cNvPr>
+          <p:cNvCxnSpPr>
+            <a:cxnSpLocks/>
+            <a:stCxn id="74" idx="3"/>
+            <a:endCxn id="78" idx="1"/>
+          </p:cNvCxnSpPr>
+          <p:nvPr/>
+        </p:nvCxnSpPr>
+        <p:spPr>
+          <a:xfrm>
+            <a:off x="8988623" y="4794758"/>
+            <a:ext cx="394525" cy="3783"/>
+          </a:xfrm>
+          <a:prstGeom prst="straightConnector1">
+            <a:avLst/>
+          </a:prstGeom>
+          <a:ln>
+            <a:tailEnd type="triangle"/>
+          </a:ln>
+        </p:spPr>
+        <p:style>
+          <a:lnRef idx="1">
+            <a:schemeClr val="accent6"/>
+          </a:lnRef>
+          <a:fillRef idx="0">
+            <a:schemeClr val="accent6"/>
+          </a:fillRef>
+          <a:effectRef idx="0">
+            <a:schemeClr val="accent6"/>
+          </a:effectRef>
+          <a:fontRef idx="minor">
+            <a:schemeClr val="tx1"/>
+          </a:fontRef>
+        </p:style>
+      </p:cxnSp>
+      <p:sp>
+        <p:nvSpPr>
+          <p:cNvPr id="87" name="Zylinder 86">
+            <a:extLst>
+              <a:ext uri="{FF2B5EF4-FFF2-40B4-BE49-F238E27FC236}">
+                <a16:creationId xmlns:a16="http://schemas.microsoft.com/office/drawing/2014/main" id="{D11C88FE-31A4-BB6B-071D-86E02A4EF9C0}"/>
+              </a:ext>
+            </a:extLst>
+          </p:cNvPr>
+          <p:cNvSpPr/>
+          <p:nvPr/>
+        </p:nvSpPr>
+        <p:spPr>
+          <a:xfrm>
+            <a:off x="11075937" y="1100916"/>
+            <a:ext cx="865784" cy="600738"/>
+          </a:xfrm>
+          <a:prstGeom prst="can">
+            <a:avLst/>
+          </a:prstGeom>
+        </p:spPr>
+        <p:style>
+          <a:lnRef idx="2">
+            <a:schemeClr val="accent1">
+              <a:shade val="15000"/>
+            </a:schemeClr>
+          </a:lnRef>
+          <a:fillRef idx="1">
+            <a:schemeClr val="accent1"/>
+          </a:fillRef>
+          <a:effectRef idx="0">
+            <a:schemeClr val="accent1"/>
+          </a:effectRef>
+          <a:fontRef idx="minor">
+            <a:schemeClr val="lt1"/>
+          </a:fontRef>
+        </p:style>
+        <p:txBody>
+          <a:bodyPr rtlCol="0" anchor="ctr"/>
+          <a:lstStyle/>
+          <a:p>
+            <a:pPr algn="ctr"/>
+            <a:r>
+              <a:rPr lang="de-DE" sz="1200" dirty="0"/>
+              <a:t>KV-Cache</a:t>
+            </a:r>
+          </a:p>
+        </p:txBody>
+      </p:sp>
+      <p:sp>
+        <p:nvSpPr>
+          <p:cNvPr id="88" name="Zylinder 87">
+            <a:extLst>
+              <a:ext uri="{FF2B5EF4-FFF2-40B4-BE49-F238E27FC236}">
+                <a16:creationId xmlns:a16="http://schemas.microsoft.com/office/drawing/2014/main" id="{73EB3829-BB86-7879-23D0-4E68DDA7671E}"/>
+              </a:ext>
+            </a:extLst>
+          </p:cNvPr>
+          <p:cNvSpPr/>
+          <p:nvPr/>
+        </p:nvSpPr>
+        <p:spPr>
+          <a:xfrm>
+            <a:off x="11075937" y="1849469"/>
+            <a:ext cx="865784" cy="600738"/>
+          </a:xfrm>
+          <a:prstGeom prst="can">
+            <a:avLst/>
+          </a:prstGeom>
+        </p:spPr>
+        <p:style>
+          <a:lnRef idx="2">
+            <a:schemeClr val="accent1">
+              <a:shade val="15000"/>
+            </a:schemeClr>
+          </a:lnRef>
+          <a:fillRef idx="1">
+            <a:schemeClr val="accent1"/>
+          </a:fillRef>
+          <a:effectRef idx="0">
+            <a:schemeClr val="accent1"/>
+          </a:effectRef>
+          <a:fontRef idx="minor">
+            <a:schemeClr val="lt1"/>
+          </a:fontRef>
+        </p:style>
+        <p:txBody>
+          <a:bodyPr rtlCol="0" anchor="ctr"/>
+          <a:lstStyle/>
+          <a:p>
+            <a:pPr algn="ctr"/>
+            <a:r>
+              <a:rPr lang="de-DE" sz="1200" dirty="0"/>
+              <a:t>KV-Cache</a:t>
             </a:r>
           </a:p>
         </p:txBody>

--- a/RAKIPOEV-docs/docs/ppt/Building-Blocks.pptx
+++ b/RAKIPOEV-docs/docs/ppt/Building-Blocks.pptx
@@ -18,6 +18,7 @@
     <p:sldId id="268" r:id="rId12"/>
     <p:sldId id="264" r:id="rId13"/>
     <p:sldId id="263" r:id="rId14"/>
+    <p:sldId id="269" r:id="rId15"/>
   </p:sldIdLst>
   <p:sldSz cx="12192000" cy="6858000"/>
   <p:notesSz cx="6858000" cy="9144000"/>
@@ -271,7 +272,7 @@
           <a:p>
             <a:fld id="{BA6DBFC3-540E-6444-9571-9AC72F552CFB}" type="datetimeFigureOut">
               <a:rPr lang="de-DE" smtClean="0"/>
-              <a:t>27.01.25</a:t>
+              <a:t>02.02.25</a:t>
             </a:fld>
             <a:endParaRPr lang="de-DE"/>
           </a:p>
@@ -469,7 +470,7 @@
           <a:p>
             <a:fld id="{BA6DBFC3-540E-6444-9571-9AC72F552CFB}" type="datetimeFigureOut">
               <a:rPr lang="de-DE" smtClean="0"/>
-              <a:t>27.01.25</a:t>
+              <a:t>02.02.25</a:t>
             </a:fld>
             <a:endParaRPr lang="de-DE"/>
           </a:p>
@@ -677,7 +678,7 @@
           <a:p>
             <a:fld id="{BA6DBFC3-540E-6444-9571-9AC72F552CFB}" type="datetimeFigureOut">
               <a:rPr lang="de-DE" smtClean="0"/>
-              <a:t>27.01.25</a:t>
+              <a:t>02.02.25</a:t>
             </a:fld>
             <a:endParaRPr lang="de-DE"/>
           </a:p>
@@ -875,7 +876,7 @@
           <a:p>
             <a:fld id="{BA6DBFC3-540E-6444-9571-9AC72F552CFB}" type="datetimeFigureOut">
               <a:rPr lang="de-DE" smtClean="0"/>
-              <a:t>27.01.25</a:t>
+              <a:t>02.02.25</a:t>
             </a:fld>
             <a:endParaRPr lang="de-DE"/>
           </a:p>
@@ -1150,7 +1151,7 @@
           <a:p>
             <a:fld id="{BA6DBFC3-540E-6444-9571-9AC72F552CFB}" type="datetimeFigureOut">
               <a:rPr lang="de-DE" smtClean="0"/>
-              <a:t>27.01.25</a:t>
+              <a:t>02.02.25</a:t>
             </a:fld>
             <a:endParaRPr lang="de-DE"/>
           </a:p>
@@ -1415,7 +1416,7 @@
           <a:p>
             <a:fld id="{BA6DBFC3-540E-6444-9571-9AC72F552CFB}" type="datetimeFigureOut">
               <a:rPr lang="de-DE" smtClean="0"/>
-              <a:t>27.01.25</a:t>
+              <a:t>02.02.25</a:t>
             </a:fld>
             <a:endParaRPr lang="de-DE"/>
           </a:p>
@@ -1827,7 +1828,7 @@
           <a:p>
             <a:fld id="{BA6DBFC3-540E-6444-9571-9AC72F552CFB}" type="datetimeFigureOut">
               <a:rPr lang="de-DE" smtClean="0"/>
-              <a:t>27.01.25</a:t>
+              <a:t>02.02.25</a:t>
             </a:fld>
             <a:endParaRPr lang="de-DE"/>
           </a:p>
@@ -1968,7 +1969,7 @@
           <a:p>
             <a:fld id="{BA6DBFC3-540E-6444-9571-9AC72F552CFB}" type="datetimeFigureOut">
               <a:rPr lang="de-DE" smtClean="0"/>
-              <a:t>27.01.25</a:t>
+              <a:t>02.02.25</a:t>
             </a:fld>
             <a:endParaRPr lang="de-DE"/>
           </a:p>
@@ -2081,7 +2082,7 @@
           <a:p>
             <a:fld id="{BA6DBFC3-540E-6444-9571-9AC72F552CFB}" type="datetimeFigureOut">
               <a:rPr lang="de-DE" smtClean="0"/>
-              <a:t>27.01.25</a:t>
+              <a:t>02.02.25</a:t>
             </a:fld>
             <a:endParaRPr lang="de-DE"/>
           </a:p>
@@ -2392,7 +2393,7 @@
           <a:p>
             <a:fld id="{BA6DBFC3-540E-6444-9571-9AC72F552CFB}" type="datetimeFigureOut">
               <a:rPr lang="de-DE" smtClean="0"/>
-              <a:t>27.01.25</a:t>
+              <a:t>02.02.25</a:t>
             </a:fld>
             <a:endParaRPr lang="de-DE"/>
           </a:p>
@@ -2680,7 +2681,7 @@
           <a:p>
             <a:fld id="{BA6DBFC3-540E-6444-9571-9AC72F552CFB}" type="datetimeFigureOut">
               <a:rPr lang="de-DE" smtClean="0"/>
-              <a:t>27.01.25</a:t>
+              <a:t>02.02.25</a:t>
             </a:fld>
             <a:endParaRPr lang="de-DE"/>
           </a:p>
@@ -2921,7 +2922,7 @@
           <a:p>
             <a:fld id="{BA6DBFC3-540E-6444-9571-9AC72F552CFB}" type="datetimeFigureOut">
               <a:rPr lang="de-DE" smtClean="0"/>
-              <a:t>27.01.25</a:t>
+              <a:t>02.02.25</a:t>
             </a:fld>
             <a:endParaRPr lang="de-DE"/>
           </a:p>
@@ -9464,6 +9465,1095 @@
 </p:sld>
 </file>
 
+<file path=ppt/slides/slide14.xml><?xml version="1.0" encoding="utf-8"?>
+<p:sld xmlns:a="http://schemas.openxmlformats.org/drawingml/2006/main" xmlns:r="http://schemas.openxmlformats.org/officeDocument/2006/relationships" xmlns:p="http://schemas.openxmlformats.org/presentationml/2006/main">
+  <p:cSld>
+    <p:spTree>
+      <p:nvGrpSpPr>
+        <p:cNvPr id="1" name=""/>
+        <p:cNvGrpSpPr/>
+        <p:nvPr/>
+      </p:nvGrpSpPr>
+      <p:grpSpPr>
+        <a:xfrm>
+          <a:off x="0" y="0"/>
+          <a:ext cx="0" cy="0"/>
+          <a:chOff x="0" y="0"/>
+          <a:chExt cx="0" cy="0"/>
+        </a:xfrm>
+      </p:grpSpPr>
+      <p:sp>
+        <p:nvSpPr>
+          <p:cNvPr id="2" name="Textfeld 1">
+            <a:extLst>
+              <a:ext uri="{FF2B5EF4-FFF2-40B4-BE49-F238E27FC236}">
+                <a16:creationId xmlns:a16="http://schemas.microsoft.com/office/drawing/2014/main" id="{9B582775-FF59-6B78-0305-BD3FCB234491}"/>
+              </a:ext>
+            </a:extLst>
+          </p:cNvPr>
+          <p:cNvSpPr txBox="1"/>
+          <p:nvPr/>
+        </p:nvSpPr>
+        <p:spPr>
+          <a:xfrm>
+            <a:off x="10434468" y="6127161"/>
+            <a:ext cx="1124347" cy="369332"/>
+          </a:xfrm>
+          <a:prstGeom prst="rect">
+            <a:avLst/>
+          </a:prstGeom>
+          <a:noFill/>
+        </p:spPr>
+        <p:txBody>
+          <a:bodyPr wrap="none" rtlCol="0">
+            <a:spAutoFit/>
+          </a:bodyPr>
+          <a:lstStyle/>
+          <a:p>
+            <a:r>
+              <a:rPr lang="de-DE" dirty="0" err="1"/>
+              <a:t>Inference</a:t>
+            </a:r>
+            <a:endParaRPr lang="de-DE" dirty="0"/>
+          </a:p>
+        </p:txBody>
+      </p:sp>
+      <p:sp>
+        <p:nvSpPr>
+          <p:cNvPr id="3" name="Rechteck 2">
+            <a:extLst>
+              <a:ext uri="{FF2B5EF4-FFF2-40B4-BE49-F238E27FC236}">
+                <a16:creationId xmlns:a16="http://schemas.microsoft.com/office/drawing/2014/main" id="{402181A9-3C3D-5E48-EF19-73B15C6D9CD7}"/>
+              </a:ext>
+            </a:extLst>
+          </p:cNvPr>
+          <p:cNvSpPr/>
+          <p:nvPr/>
+        </p:nvSpPr>
+        <p:spPr>
+          <a:xfrm>
+            <a:off x="988825" y="1152929"/>
+            <a:ext cx="397095" cy="3323370"/>
+          </a:xfrm>
+          <a:prstGeom prst="rect">
+            <a:avLst/>
+          </a:prstGeom>
+        </p:spPr>
+        <p:style>
+          <a:lnRef idx="2">
+            <a:schemeClr val="accent1">
+              <a:shade val="15000"/>
+            </a:schemeClr>
+          </a:lnRef>
+          <a:fillRef idx="1">
+            <a:schemeClr val="accent1"/>
+          </a:fillRef>
+          <a:effectRef idx="0">
+            <a:schemeClr val="accent1"/>
+          </a:effectRef>
+          <a:fontRef idx="minor">
+            <a:schemeClr val="lt1"/>
+          </a:fontRef>
+        </p:style>
+        <p:txBody>
+          <a:bodyPr vert="vert270" rtlCol="0" anchor="ctr"/>
+          <a:lstStyle/>
+          <a:p>
+            <a:pPr algn="ctr"/>
+            <a:r>
+              <a:rPr lang="de-DE" dirty="0"/>
+              <a:t>LLM Gateway</a:t>
+            </a:r>
+          </a:p>
+        </p:txBody>
+      </p:sp>
+      <p:sp>
+        <p:nvSpPr>
+          <p:cNvPr id="4" name="Rechteck 3">
+            <a:extLst>
+              <a:ext uri="{FF2B5EF4-FFF2-40B4-BE49-F238E27FC236}">
+                <a16:creationId xmlns:a16="http://schemas.microsoft.com/office/drawing/2014/main" id="{F24FC566-0F97-CA29-89F3-854D5B1A2109}"/>
+              </a:ext>
+            </a:extLst>
+          </p:cNvPr>
+          <p:cNvSpPr/>
+          <p:nvPr/>
+        </p:nvSpPr>
+        <p:spPr>
+          <a:xfrm>
+            <a:off x="2392323" y="1152928"/>
+            <a:ext cx="7325834" cy="3323371"/>
+          </a:xfrm>
+          <a:prstGeom prst="rect">
+            <a:avLst/>
+          </a:prstGeom>
+        </p:spPr>
+        <p:style>
+          <a:lnRef idx="2">
+            <a:schemeClr val="accent1">
+              <a:shade val="15000"/>
+            </a:schemeClr>
+          </a:lnRef>
+          <a:fillRef idx="1">
+            <a:schemeClr val="accent1"/>
+          </a:fillRef>
+          <a:effectRef idx="0">
+            <a:schemeClr val="accent1"/>
+          </a:effectRef>
+          <a:fontRef idx="minor">
+            <a:schemeClr val="lt1"/>
+          </a:fontRef>
+        </p:style>
+        <p:txBody>
+          <a:bodyPr rtlCol="0" anchor="ctr"/>
+          <a:lstStyle/>
+          <a:p>
+            <a:pPr algn="ctr"/>
+            <a:endParaRPr lang="de-DE"/>
+          </a:p>
+        </p:txBody>
+      </p:sp>
+      <p:sp>
+        <p:nvSpPr>
+          <p:cNvPr id="5" name="Abgerundetes Rechteck 4">
+            <a:extLst>
+              <a:ext uri="{FF2B5EF4-FFF2-40B4-BE49-F238E27FC236}">
+                <a16:creationId xmlns:a16="http://schemas.microsoft.com/office/drawing/2014/main" id="{F89F3C77-079C-3600-FA69-67144CDB21BC}"/>
+              </a:ext>
+            </a:extLst>
+          </p:cNvPr>
+          <p:cNvSpPr/>
+          <p:nvPr/>
+        </p:nvSpPr>
+        <p:spPr>
+          <a:xfrm>
+            <a:off x="2867685" y="2025561"/>
+            <a:ext cx="983660" cy="580171"/>
+          </a:xfrm>
+          <a:prstGeom prst="roundRect">
+            <a:avLst/>
+          </a:prstGeom>
+        </p:spPr>
+        <p:style>
+          <a:lnRef idx="2">
+            <a:schemeClr val="accent6"/>
+          </a:lnRef>
+          <a:fillRef idx="1">
+            <a:schemeClr val="lt1"/>
+          </a:fillRef>
+          <a:effectRef idx="0">
+            <a:schemeClr val="accent6"/>
+          </a:effectRef>
+          <a:fontRef idx="minor">
+            <a:schemeClr val="dk1"/>
+          </a:fontRef>
+        </p:style>
+        <p:txBody>
+          <a:bodyPr rtlCol="0" anchor="ctr"/>
+          <a:lstStyle/>
+          <a:p>
+            <a:pPr algn="ctr"/>
+            <a:r>
+              <a:rPr lang="de-DE" sz="1200" dirty="0"/>
+              <a:t>Queue Scheduler</a:t>
+            </a:r>
+          </a:p>
+        </p:txBody>
+      </p:sp>
+      <p:cxnSp>
+        <p:nvCxnSpPr>
+          <p:cNvPr id="7" name="Gerade Verbindung mit Pfeil 6">
+            <a:extLst>
+              <a:ext uri="{FF2B5EF4-FFF2-40B4-BE49-F238E27FC236}">
+                <a16:creationId xmlns:a16="http://schemas.microsoft.com/office/drawing/2014/main" id="{C0C414BD-BD45-3CAE-088F-563DB7F4ACC3}"/>
+              </a:ext>
+            </a:extLst>
+          </p:cNvPr>
+          <p:cNvCxnSpPr>
+            <a:endCxn id="5" idx="1"/>
+          </p:cNvCxnSpPr>
+          <p:nvPr/>
+        </p:nvCxnSpPr>
+        <p:spPr>
+          <a:xfrm>
+            <a:off x="1385920" y="2315646"/>
+            <a:ext cx="1481765" cy="1"/>
+          </a:xfrm>
+          <a:prstGeom prst="straightConnector1">
+            <a:avLst/>
+          </a:prstGeom>
+          <a:ln>
+            <a:tailEnd type="triangle"/>
+          </a:ln>
+        </p:spPr>
+        <p:style>
+          <a:lnRef idx="1">
+            <a:schemeClr val="accent6"/>
+          </a:lnRef>
+          <a:fillRef idx="0">
+            <a:schemeClr val="accent6"/>
+          </a:fillRef>
+          <a:effectRef idx="0">
+            <a:schemeClr val="accent6"/>
+          </a:effectRef>
+          <a:fontRef idx="minor">
+            <a:schemeClr val="tx1"/>
+          </a:fontRef>
+        </p:style>
+      </p:cxnSp>
+      <p:sp>
+        <p:nvSpPr>
+          <p:cNvPr id="8" name="Textfeld 7">
+            <a:extLst>
+              <a:ext uri="{FF2B5EF4-FFF2-40B4-BE49-F238E27FC236}">
+                <a16:creationId xmlns:a16="http://schemas.microsoft.com/office/drawing/2014/main" id="{7352304F-500E-65AE-2EB1-A6C27D8DD6DB}"/>
+              </a:ext>
+            </a:extLst>
+          </p:cNvPr>
+          <p:cNvSpPr txBox="1"/>
+          <p:nvPr/>
+        </p:nvSpPr>
+        <p:spPr>
+          <a:xfrm>
+            <a:off x="1438661" y="2025561"/>
+            <a:ext cx="1008609" cy="276999"/>
+          </a:xfrm>
+          <a:prstGeom prst="rect">
+            <a:avLst/>
+          </a:prstGeom>
+          <a:noFill/>
+        </p:spPr>
+        <p:txBody>
+          <a:bodyPr wrap="none" rtlCol="0">
+            <a:spAutoFit/>
+          </a:bodyPr>
+          <a:lstStyle/>
+          <a:p>
+            <a:r>
+              <a:rPr lang="de-DE" sz="1200" dirty="0"/>
+              <a:t>HTTP / gRPC</a:t>
+            </a:r>
+          </a:p>
+        </p:txBody>
+      </p:sp>
+      <p:sp>
+        <p:nvSpPr>
+          <p:cNvPr id="9" name="Abgerundetes Rechteck 8">
+            <a:extLst>
+              <a:ext uri="{FF2B5EF4-FFF2-40B4-BE49-F238E27FC236}">
+                <a16:creationId xmlns:a16="http://schemas.microsoft.com/office/drawing/2014/main" id="{BEB5CC34-EA08-C911-A809-9DE8678CCB67}"/>
+              </a:ext>
+            </a:extLst>
+          </p:cNvPr>
+          <p:cNvSpPr/>
+          <p:nvPr/>
+        </p:nvSpPr>
+        <p:spPr>
+          <a:xfrm>
+            <a:off x="4426328" y="1588449"/>
+            <a:ext cx="3994656" cy="1903839"/>
+          </a:xfrm>
+          <a:prstGeom prst="roundRect">
+            <a:avLst/>
+          </a:prstGeom>
+        </p:spPr>
+        <p:style>
+          <a:lnRef idx="2">
+            <a:schemeClr val="accent6"/>
+          </a:lnRef>
+          <a:fillRef idx="1">
+            <a:schemeClr val="lt1"/>
+          </a:fillRef>
+          <a:effectRef idx="0">
+            <a:schemeClr val="accent6"/>
+          </a:effectRef>
+          <a:fontRef idx="minor">
+            <a:schemeClr val="dk1"/>
+          </a:fontRef>
+        </p:style>
+        <p:txBody>
+          <a:bodyPr rtlCol="0" anchor="t"/>
+          <a:lstStyle/>
+          <a:p>
+            <a:pPr algn="ctr"/>
+            <a:r>
+              <a:rPr lang="de-DE" sz="1200" dirty="0" err="1"/>
+              <a:t>Inference</a:t>
+            </a:r>
+            <a:r>
+              <a:rPr lang="de-DE" sz="1200" dirty="0"/>
+              <a:t> Engine</a:t>
+            </a:r>
+          </a:p>
+        </p:txBody>
+      </p:sp>
+      <p:sp>
+        <p:nvSpPr>
+          <p:cNvPr id="10" name="Abgerundetes Rechteck 9">
+            <a:extLst>
+              <a:ext uri="{FF2B5EF4-FFF2-40B4-BE49-F238E27FC236}">
+                <a16:creationId xmlns:a16="http://schemas.microsoft.com/office/drawing/2014/main" id="{4178716A-37B9-5E2F-B43B-2A0439C77673}"/>
+              </a:ext>
+            </a:extLst>
+          </p:cNvPr>
+          <p:cNvSpPr/>
+          <p:nvPr/>
+        </p:nvSpPr>
+        <p:spPr>
+          <a:xfrm>
+            <a:off x="4532862" y="2019488"/>
+            <a:ext cx="983660" cy="580171"/>
+          </a:xfrm>
+          <a:prstGeom prst="roundRect">
+            <a:avLst/>
+          </a:prstGeom>
+        </p:spPr>
+        <p:style>
+          <a:lnRef idx="2">
+            <a:schemeClr val="accent6"/>
+          </a:lnRef>
+          <a:fillRef idx="1">
+            <a:schemeClr val="lt1"/>
+          </a:fillRef>
+          <a:effectRef idx="0">
+            <a:schemeClr val="accent6"/>
+          </a:effectRef>
+          <a:fontRef idx="minor">
+            <a:schemeClr val="dk1"/>
+          </a:fontRef>
+        </p:style>
+        <p:txBody>
+          <a:bodyPr rtlCol="0" anchor="ctr"/>
+          <a:lstStyle/>
+          <a:p>
+            <a:pPr algn="ctr"/>
+            <a:r>
+              <a:rPr lang="de-DE" sz="1200" dirty="0"/>
+              <a:t>Dynamic </a:t>
+            </a:r>
+            <a:r>
+              <a:rPr lang="de-DE" sz="1200" dirty="0" err="1"/>
+              <a:t>Batching</a:t>
+            </a:r>
+            <a:endParaRPr lang="de-DE" sz="1200" dirty="0"/>
+          </a:p>
+        </p:txBody>
+      </p:sp>
+      <p:sp>
+        <p:nvSpPr>
+          <p:cNvPr id="11" name="Abgerundetes Rechteck 10">
+            <a:extLst>
+              <a:ext uri="{FF2B5EF4-FFF2-40B4-BE49-F238E27FC236}">
+                <a16:creationId xmlns:a16="http://schemas.microsoft.com/office/drawing/2014/main" id="{0D5A8207-2898-E14E-9979-AD3A421C6B43}"/>
+              </a:ext>
+            </a:extLst>
+          </p:cNvPr>
+          <p:cNvSpPr/>
+          <p:nvPr/>
+        </p:nvSpPr>
+        <p:spPr>
+          <a:xfrm>
+            <a:off x="4532862" y="2777659"/>
+            <a:ext cx="983660" cy="580171"/>
+          </a:xfrm>
+          <a:prstGeom prst="roundRect">
+            <a:avLst/>
+          </a:prstGeom>
+        </p:spPr>
+        <p:style>
+          <a:lnRef idx="2">
+            <a:schemeClr val="accent6"/>
+          </a:lnRef>
+          <a:fillRef idx="1">
+            <a:schemeClr val="lt1"/>
+          </a:fillRef>
+          <a:effectRef idx="0">
+            <a:schemeClr val="accent6"/>
+          </a:effectRef>
+          <a:fontRef idx="minor">
+            <a:schemeClr val="dk1"/>
+          </a:fontRef>
+        </p:style>
+        <p:txBody>
+          <a:bodyPr rtlCol="0" anchor="ctr"/>
+          <a:lstStyle/>
+          <a:p>
+            <a:pPr algn="ctr"/>
+            <a:r>
+              <a:rPr lang="de-DE" sz="1200" dirty="0"/>
+              <a:t>Response</a:t>
+            </a:r>
+          </a:p>
+        </p:txBody>
+      </p:sp>
+      <p:sp>
+        <p:nvSpPr>
+          <p:cNvPr id="12" name="Abgerundetes Rechteck 11">
+            <a:extLst>
+              <a:ext uri="{FF2B5EF4-FFF2-40B4-BE49-F238E27FC236}">
+                <a16:creationId xmlns:a16="http://schemas.microsoft.com/office/drawing/2014/main" id="{9AAC590D-D263-1955-BFC4-CB0BD9E204E7}"/>
+              </a:ext>
+            </a:extLst>
+          </p:cNvPr>
+          <p:cNvSpPr/>
+          <p:nvPr/>
+        </p:nvSpPr>
+        <p:spPr>
+          <a:xfrm>
+            <a:off x="7067514" y="2011662"/>
+            <a:ext cx="974510" cy="580171"/>
+          </a:xfrm>
+          <a:prstGeom prst="roundRect">
+            <a:avLst/>
+          </a:prstGeom>
+        </p:spPr>
+        <p:style>
+          <a:lnRef idx="2">
+            <a:schemeClr val="accent6"/>
+          </a:lnRef>
+          <a:fillRef idx="1">
+            <a:schemeClr val="lt1"/>
+          </a:fillRef>
+          <a:effectRef idx="0">
+            <a:schemeClr val="accent6"/>
+          </a:effectRef>
+          <a:fontRef idx="minor">
+            <a:schemeClr val="dk1"/>
+          </a:fontRef>
+        </p:style>
+        <p:txBody>
+          <a:bodyPr rtlCol="0" anchor="ctr"/>
+          <a:lstStyle/>
+          <a:p>
+            <a:pPr algn="ctr"/>
+            <a:r>
+              <a:rPr lang="de-DE" sz="1200" dirty="0"/>
+              <a:t>Model</a:t>
+            </a:r>
+          </a:p>
+        </p:txBody>
+      </p:sp>
+      <p:sp>
+        <p:nvSpPr>
+          <p:cNvPr id="13" name="Abgerundetes Rechteck 12">
+            <a:extLst>
+              <a:ext uri="{FF2B5EF4-FFF2-40B4-BE49-F238E27FC236}">
+                <a16:creationId xmlns:a16="http://schemas.microsoft.com/office/drawing/2014/main" id="{7F38D1E1-4A6C-95BA-12F4-C57BE9BEE7EA}"/>
+              </a:ext>
+            </a:extLst>
+          </p:cNvPr>
+          <p:cNvSpPr/>
+          <p:nvPr/>
+        </p:nvSpPr>
+        <p:spPr>
+          <a:xfrm>
+            <a:off x="5675877" y="2019487"/>
+            <a:ext cx="983660" cy="580171"/>
+          </a:xfrm>
+          <a:prstGeom prst="roundRect">
+            <a:avLst/>
+          </a:prstGeom>
+        </p:spPr>
+        <p:style>
+          <a:lnRef idx="2">
+            <a:schemeClr val="accent6"/>
+          </a:lnRef>
+          <a:fillRef idx="1">
+            <a:schemeClr val="lt1"/>
+          </a:fillRef>
+          <a:effectRef idx="0">
+            <a:schemeClr val="accent6"/>
+          </a:effectRef>
+          <a:fontRef idx="minor">
+            <a:schemeClr val="dk1"/>
+          </a:fontRef>
+        </p:style>
+        <p:txBody>
+          <a:bodyPr rtlCol="0" anchor="ctr"/>
+          <a:lstStyle/>
+          <a:p>
+            <a:pPr algn="ctr"/>
+            <a:r>
+              <a:rPr lang="de-DE" sz="1200" dirty="0"/>
+              <a:t>Generate</a:t>
+            </a:r>
+          </a:p>
+        </p:txBody>
+      </p:sp>
+      <p:cxnSp>
+        <p:nvCxnSpPr>
+          <p:cNvPr id="15" name="Gerade Verbindung mit Pfeil 14">
+            <a:extLst>
+              <a:ext uri="{FF2B5EF4-FFF2-40B4-BE49-F238E27FC236}">
+                <a16:creationId xmlns:a16="http://schemas.microsoft.com/office/drawing/2014/main" id="{84528BD7-E1E1-C71C-4232-2EE2E37D8928}"/>
+              </a:ext>
+            </a:extLst>
+          </p:cNvPr>
+          <p:cNvCxnSpPr>
+            <a:stCxn id="13" idx="3"/>
+            <a:endCxn id="12" idx="1"/>
+          </p:cNvCxnSpPr>
+          <p:nvPr/>
+        </p:nvCxnSpPr>
+        <p:spPr>
+          <a:xfrm flipV="1">
+            <a:off x="6659537" y="2301748"/>
+            <a:ext cx="407977" cy="7825"/>
+          </a:xfrm>
+          <a:prstGeom prst="straightConnector1">
+            <a:avLst/>
+          </a:prstGeom>
+          <a:ln>
+            <a:headEnd type="triangle"/>
+            <a:tailEnd type="triangle"/>
+          </a:ln>
+        </p:spPr>
+        <p:style>
+          <a:lnRef idx="2">
+            <a:schemeClr val="accent1"/>
+          </a:lnRef>
+          <a:fillRef idx="0">
+            <a:schemeClr val="accent1"/>
+          </a:fillRef>
+          <a:effectRef idx="1">
+            <a:schemeClr val="accent1"/>
+          </a:effectRef>
+          <a:fontRef idx="minor">
+            <a:schemeClr val="tx1"/>
+          </a:fontRef>
+        </p:style>
+      </p:cxnSp>
+      <p:sp>
+        <p:nvSpPr>
+          <p:cNvPr id="16" name="Textfeld 15">
+            <a:extLst>
+              <a:ext uri="{FF2B5EF4-FFF2-40B4-BE49-F238E27FC236}">
+                <a16:creationId xmlns:a16="http://schemas.microsoft.com/office/drawing/2014/main" id="{79C1AA3E-E327-A921-0FDD-1C26205CBB41}"/>
+              </a:ext>
+            </a:extLst>
+          </p:cNvPr>
+          <p:cNvSpPr txBox="1"/>
+          <p:nvPr/>
+        </p:nvSpPr>
+        <p:spPr>
+          <a:xfrm>
+            <a:off x="6622914" y="2024748"/>
+            <a:ext cx="481222" cy="276999"/>
+          </a:xfrm>
+          <a:prstGeom prst="rect">
+            <a:avLst/>
+          </a:prstGeom>
+          <a:noFill/>
+        </p:spPr>
+        <p:txBody>
+          <a:bodyPr wrap="none" rtlCol="0">
+            <a:spAutoFit/>
+          </a:bodyPr>
+          <a:lstStyle/>
+          <a:p>
+            <a:r>
+              <a:rPr lang="de-DE" sz="1200" dirty="0"/>
+              <a:t>loop</a:t>
+            </a:r>
+          </a:p>
+        </p:txBody>
+      </p:sp>
+      <p:cxnSp>
+        <p:nvCxnSpPr>
+          <p:cNvPr id="18" name="Gerade Verbindung mit Pfeil 17">
+            <a:extLst>
+              <a:ext uri="{FF2B5EF4-FFF2-40B4-BE49-F238E27FC236}">
+                <a16:creationId xmlns:a16="http://schemas.microsoft.com/office/drawing/2014/main" id="{62176BB9-79AB-F7EC-2EE3-BC291D5201F4}"/>
+              </a:ext>
+            </a:extLst>
+          </p:cNvPr>
+          <p:cNvCxnSpPr>
+            <a:stCxn id="10" idx="3"/>
+            <a:endCxn id="13" idx="1"/>
+          </p:cNvCxnSpPr>
+          <p:nvPr/>
+        </p:nvCxnSpPr>
+        <p:spPr>
+          <a:xfrm flipV="1">
+            <a:off x="5516522" y="2309573"/>
+            <a:ext cx="159355" cy="1"/>
+          </a:xfrm>
+          <a:prstGeom prst="straightConnector1">
+            <a:avLst/>
+          </a:prstGeom>
+          <a:ln>
+            <a:tailEnd type="triangle"/>
+          </a:ln>
+        </p:spPr>
+        <p:style>
+          <a:lnRef idx="2">
+            <a:schemeClr val="accent1"/>
+          </a:lnRef>
+          <a:fillRef idx="0">
+            <a:schemeClr val="accent1"/>
+          </a:fillRef>
+          <a:effectRef idx="1">
+            <a:schemeClr val="accent1"/>
+          </a:effectRef>
+          <a:fontRef idx="minor">
+            <a:schemeClr val="tx1"/>
+          </a:fontRef>
+        </p:style>
+      </p:cxnSp>
+      <p:cxnSp>
+        <p:nvCxnSpPr>
+          <p:cNvPr id="20" name="Gewinkelte Verbindung 19">
+            <a:extLst>
+              <a:ext uri="{FF2B5EF4-FFF2-40B4-BE49-F238E27FC236}">
+                <a16:creationId xmlns:a16="http://schemas.microsoft.com/office/drawing/2014/main" id="{59F9F2C6-5B00-CAEA-C6DB-FF520E0A85B2}"/>
+              </a:ext>
+            </a:extLst>
+          </p:cNvPr>
+          <p:cNvCxnSpPr>
+            <a:stCxn id="13" idx="2"/>
+            <a:endCxn id="11" idx="3"/>
+          </p:cNvCxnSpPr>
+          <p:nvPr/>
+        </p:nvCxnSpPr>
+        <p:spPr>
+          <a:xfrm rot="5400000">
+            <a:off x="5608072" y="2508109"/>
+            <a:ext cx="468087" cy="651185"/>
+          </a:xfrm>
+          <a:prstGeom prst="bentConnector2">
+            <a:avLst/>
+          </a:prstGeom>
+          <a:ln>
+            <a:tailEnd type="triangle"/>
+          </a:ln>
+        </p:spPr>
+        <p:style>
+          <a:lnRef idx="2">
+            <a:schemeClr val="accent1"/>
+          </a:lnRef>
+          <a:fillRef idx="0">
+            <a:schemeClr val="accent1"/>
+          </a:fillRef>
+          <a:effectRef idx="1">
+            <a:schemeClr val="accent1"/>
+          </a:effectRef>
+          <a:fontRef idx="minor">
+            <a:schemeClr val="tx1"/>
+          </a:fontRef>
+        </p:style>
+      </p:cxnSp>
+      <p:cxnSp>
+        <p:nvCxnSpPr>
+          <p:cNvPr id="22" name="Gerade Verbindung mit Pfeil 21">
+            <a:extLst>
+              <a:ext uri="{FF2B5EF4-FFF2-40B4-BE49-F238E27FC236}">
+                <a16:creationId xmlns:a16="http://schemas.microsoft.com/office/drawing/2014/main" id="{72BAC15D-BBCC-9DB6-2276-4539444E3F40}"/>
+              </a:ext>
+            </a:extLst>
+          </p:cNvPr>
+          <p:cNvCxnSpPr>
+            <a:stCxn id="5" idx="3"/>
+            <a:endCxn id="10" idx="1"/>
+          </p:cNvCxnSpPr>
+          <p:nvPr/>
+        </p:nvCxnSpPr>
+        <p:spPr>
+          <a:xfrm flipV="1">
+            <a:off x="3851345" y="2309574"/>
+            <a:ext cx="681517" cy="6073"/>
+          </a:xfrm>
+          <a:prstGeom prst="straightConnector1">
+            <a:avLst/>
+          </a:prstGeom>
+          <a:ln>
+            <a:tailEnd type="triangle"/>
+          </a:ln>
+        </p:spPr>
+        <p:style>
+          <a:lnRef idx="1">
+            <a:schemeClr val="accent6"/>
+          </a:lnRef>
+          <a:fillRef idx="0">
+            <a:schemeClr val="accent6"/>
+          </a:fillRef>
+          <a:effectRef idx="0">
+            <a:schemeClr val="accent6"/>
+          </a:effectRef>
+          <a:fontRef idx="minor">
+            <a:schemeClr val="tx1"/>
+          </a:fontRef>
+        </p:style>
+      </p:cxnSp>
+      <p:cxnSp>
+        <p:nvCxnSpPr>
+          <p:cNvPr id="24" name="Gerade Verbindung mit Pfeil 23">
+            <a:extLst>
+              <a:ext uri="{FF2B5EF4-FFF2-40B4-BE49-F238E27FC236}">
+                <a16:creationId xmlns:a16="http://schemas.microsoft.com/office/drawing/2014/main" id="{A9973DEF-1CFA-9DAE-EDF5-31AB2A3D2152}"/>
+              </a:ext>
+            </a:extLst>
+          </p:cNvPr>
+          <p:cNvCxnSpPr>
+            <a:stCxn id="11" idx="1"/>
+          </p:cNvCxnSpPr>
+          <p:nvPr/>
+        </p:nvCxnSpPr>
+        <p:spPr>
+          <a:xfrm flipH="1" flipV="1">
+            <a:off x="1385920" y="3067744"/>
+            <a:ext cx="3146942" cy="1"/>
+          </a:xfrm>
+          <a:prstGeom prst="straightConnector1">
+            <a:avLst/>
+          </a:prstGeom>
+          <a:ln>
+            <a:tailEnd type="triangle"/>
+          </a:ln>
+        </p:spPr>
+        <p:style>
+          <a:lnRef idx="1">
+            <a:schemeClr val="accent6"/>
+          </a:lnRef>
+          <a:fillRef idx="0">
+            <a:schemeClr val="accent6"/>
+          </a:fillRef>
+          <a:effectRef idx="0">
+            <a:schemeClr val="accent6"/>
+          </a:effectRef>
+          <a:fontRef idx="minor">
+            <a:schemeClr val="tx1"/>
+          </a:fontRef>
+        </p:style>
+      </p:cxnSp>
+      <p:sp>
+        <p:nvSpPr>
+          <p:cNvPr id="25" name="Textfeld 24">
+            <a:extLst>
+              <a:ext uri="{FF2B5EF4-FFF2-40B4-BE49-F238E27FC236}">
+                <a16:creationId xmlns:a16="http://schemas.microsoft.com/office/drawing/2014/main" id="{565310B2-977C-512F-9847-A489FAB03222}"/>
+              </a:ext>
+            </a:extLst>
+          </p:cNvPr>
+          <p:cNvSpPr txBox="1"/>
+          <p:nvPr/>
+        </p:nvSpPr>
+        <p:spPr>
+          <a:xfrm>
+            <a:off x="1449545" y="3114135"/>
+            <a:ext cx="1008609" cy="276999"/>
+          </a:xfrm>
+          <a:prstGeom prst="rect">
+            <a:avLst/>
+          </a:prstGeom>
+          <a:noFill/>
+        </p:spPr>
+        <p:txBody>
+          <a:bodyPr wrap="none" rtlCol="0">
+            <a:spAutoFit/>
+          </a:bodyPr>
+          <a:lstStyle/>
+          <a:p>
+            <a:r>
+              <a:rPr lang="de-DE" sz="1200" dirty="0"/>
+              <a:t>HTTP / gRPC</a:t>
+            </a:r>
+          </a:p>
+        </p:txBody>
+      </p:sp>
+      <p:sp>
+        <p:nvSpPr>
+          <p:cNvPr id="26" name="Abgerundetes Rechteck 25">
+            <a:extLst>
+              <a:ext uri="{FF2B5EF4-FFF2-40B4-BE49-F238E27FC236}">
+                <a16:creationId xmlns:a16="http://schemas.microsoft.com/office/drawing/2014/main" id="{7FCFCC05-2906-3F64-BAA7-694D22B8C7E7}"/>
+              </a:ext>
+            </a:extLst>
+          </p:cNvPr>
+          <p:cNvSpPr/>
+          <p:nvPr/>
+        </p:nvSpPr>
+        <p:spPr>
+          <a:xfrm>
+            <a:off x="2788448" y="3748049"/>
+            <a:ext cx="3266792" cy="580171"/>
+          </a:xfrm>
+          <a:prstGeom prst="roundRect">
+            <a:avLst/>
+          </a:prstGeom>
+        </p:spPr>
+        <p:style>
+          <a:lnRef idx="2">
+            <a:schemeClr val="accent6"/>
+          </a:lnRef>
+          <a:fillRef idx="1">
+            <a:schemeClr val="lt1"/>
+          </a:fillRef>
+          <a:effectRef idx="0">
+            <a:schemeClr val="accent6"/>
+          </a:effectRef>
+          <a:fontRef idx="minor">
+            <a:schemeClr val="dk1"/>
+          </a:fontRef>
+        </p:style>
+        <p:txBody>
+          <a:bodyPr rtlCol="0" anchor="ctr"/>
+          <a:lstStyle/>
+          <a:p>
+            <a:pPr algn="ctr"/>
+            <a:r>
+              <a:rPr lang="de-DE" sz="1200" dirty="0" err="1"/>
+              <a:t>Metrics</a:t>
+            </a:r>
+            <a:r>
+              <a:rPr lang="de-DE" sz="1200" dirty="0"/>
+              <a:t> (Durchsatz &amp; Latenz)</a:t>
+            </a:r>
+          </a:p>
+        </p:txBody>
+      </p:sp>
+      <p:sp>
+        <p:nvSpPr>
+          <p:cNvPr id="27" name="Abgerundetes Rechteck 26">
+            <a:extLst>
+              <a:ext uri="{FF2B5EF4-FFF2-40B4-BE49-F238E27FC236}">
+                <a16:creationId xmlns:a16="http://schemas.microsoft.com/office/drawing/2014/main" id="{96156987-7718-A741-19A5-09610FA08715}"/>
+              </a:ext>
+            </a:extLst>
+          </p:cNvPr>
+          <p:cNvSpPr/>
+          <p:nvPr/>
+        </p:nvSpPr>
+        <p:spPr>
+          <a:xfrm>
+            <a:off x="8508430" y="1588449"/>
+            <a:ext cx="974510" cy="1903839"/>
+          </a:xfrm>
+          <a:prstGeom prst="roundRect">
+            <a:avLst/>
+          </a:prstGeom>
+        </p:spPr>
+        <p:style>
+          <a:lnRef idx="2">
+            <a:schemeClr val="accent6"/>
+          </a:lnRef>
+          <a:fillRef idx="1">
+            <a:schemeClr val="lt1"/>
+          </a:fillRef>
+          <a:effectRef idx="0">
+            <a:schemeClr val="accent6"/>
+          </a:effectRef>
+          <a:fontRef idx="minor">
+            <a:schemeClr val="dk1"/>
+          </a:fontRef>
+        </p:style>
+        <p:txBody>
+          <a:bodyPr vert="vert270" rtlCol="0" anchor="ctr"/>
+          <a:lstStyle/>
+          <a:p>
+            <a:pPr algn="ctr"/>
+            <a:r>
+              <a:rPr lang="de-DE" sz="1200" dirty="0"/>
+              <a:t>Multi-Model Management</a:t>
+            </a:r>
+          </a:p>
+        </p:txBody>
+      </p:sp>
+      <p:sp>
+        <p:nvSpPr>
+          <p:cNvPr id="28" name="Rechteck 27">
+            <a:extLst>
+              <a:ext uri="{FF2B5EF4-FFF2-40B4-BE49-F238E27FC236}">
+                <a16:creationId xmlns:a16="http://schemas.microsoft.com/office/drawing/2014/main" id="{978E31BD-50AF-E96C-B401-6154BE28C1CD}"/>
+              </a:ext>
+            </a:extLst>
+          </p:cNvPr>
+          <p:cNvSpPr/>
+          <p:nvPr/>
+        </p:nvSpPr>
+        <p:spPr>
+          <a:xfrm>
+            <a:off x="10242417" y="1152929"/>
+            <a:ext cx="1026732" cy="2791749"/>
+          </a:xfrm>
+          <a:prstGeom prst="rect">
+            <a:avLst/>
+          </a:prstGeom>
+        </p:spPr>
+        <p:style>
+          <a:lnRef idx="2">
+            <a:schemeClr val="accent1">
+              <a:shade val="15000"/>
+            </a:schemeClr>
+          </a:lnRef>
+          <a:fillRef idx="1">
+            <a:schemeClr val="accent1"/>
+          </a:fillRef>
+          <a:effectRef idx="0">
+            <a:schemeClr val="accent1"/>
+          </a:effectRef>
+          <a:fontRef idx="minor">
+            <a:schemeClr val="lt1"/>
+          </a:fontRef>
+        </p:style>
+        <p:txBody>
+          <a:bodyPr vert="vert270" rtlCol="0" anchor="ctr"/>
+          <a:lstStyle/>
+          <a:p>
+            <a:pPr algn="ctr"/>
+            <a:r>
+              <a:rPr lang="de-DE" dirty="0"/>
+              <a:t>Model Registry</a:t>
+            </a:r>
+          </a:p>
+        </p:txBody>
+      </p:sp>
+      <p:cxnSp>
+        <p:nvCxnSpPr>
+          <p:cNvPr id="30" name="Gerade Verbindung mit Pfeil 29">
+            <a:extLst>
+              <a:ext uri="{FF2B5EF4-FFF2-40B4-BE49-F238E27FC236}">
+                <a16:creationId xmlns:a16="http://schemas.microsoft.com/office/drawing/2014/main" id="{607ADCEE-C847-92DE-8011-FEA72C586452}"/>
+              </a:ext>
+            </a:extLst>
+          </p:cNvPr>
+          <p:cNvCxnSpPr>
+            <a:cxnSpLocks/>
+            <a:stCxn id="27" idx="3"/>
+          </p:cNvCxnSpPr>
+          <p:nvPr/>
+        </p:nvCxnSpPr>
+        <p:spPr>
+          <a:xfrm>
+            <a:off x="9482940" y="2540369"/>
+            <a:ext cx="759477" cy="0"/>
+          </a:xfrm>
+          <a:prstGeom prst="straightConnector1">
+            <a:avLst/>
+          </a:prstGeom>
+          <a:ln>
+            <a:solidFill>
+              <a:schemeClr val="accent6"/>
+            </a:solidFill>
+            <a:headEnd type="triangle"/>
+            <a:tailEnd type="triangle"/>
+          </a:ln>
+        </p:spPr>
+        <p:style>
+          <a:lnRef idx="2">
+            <a:schemeClr val="accent1"/>
+          </a:lnRef>
+          <a:fillRef idx="0">
+            <a:schemeClr val="accent1"/>
+          </a:fillRef>
+          <a:effectRef idx="1">
+            <a:schemeClr val="accent1"/>
+          </a:effectRef>
+          <a:fontRef idx="minor">
+            <a:schemeClr val="tx1"/>
+          </a:fontRef>
+        </p:style>
+      </p:cxnSp>
+      <p:sp>
+        <p:nvSpPr>
+          <p:cNvPr id="32" name="Rechteck 31">
+            <a:extLst>
+              <a:ext uri="{FF2B5EF4-FFF2-40B4-BE49-F238E27FC236}">
+                <a16:creationId xmlns:a16="http://schemas.microsoft.com/office/drawing/2014/main" id="{1E79F723-EE87-0E9C-8C9C-8143DDBF4581}"/>
+              </a:ext>
+            </a:extLst>
+          </p:cNvPr>
+          <p:cNvSpPr/>
+          <p:nvPr/>
+        </p:nvSpPr>
+        <p:spPr>
+          <a:xfrm>
+            <a:off x="2458153" y="4859078"/>
+            <a:ext cx="7260003" cy="914400"/>
+          </a:xfrm>
+          <a:prstGeom prst="rect">
+            <a:avLst/>
+          </a:prstGeom>
+        </p:spPr>
+        <p:style>
+          <a:lnRef idx="2">
+            <a:schemeClr val="accent1">
+              <a:shade val="15000"/>
+            </a:schemeClr>
+          </a:lnRef>
+          <a:fillRef idx="1">
+            <a:schemeClr val="accent1"/>
+          </a:fillRef>
+          <a:effectRef idx="0">
+            <a:schemeClr val="accent1"/>
+          </a:effectRef>
+          <a:fontRef idx="minor">
+            <a:schemeClr val="lt1"/>
+          </a:fontRef>
+        </p:style>
+        <p:txBody>
+          <a:bodyPr rtlCol="0" anchor="ctr"/>
+          <a:lstStyle/>
+          <a:p>
+            <a:pPr algn="ctr"/>
+            <a:r>
+              <a:rPr lang="de-DE" dirty="0"/>
+              <a:t>Hardware GPU</a:t>
+            </a:r>
+          </a:p>
+        </p:txBody>
+      </p:sp>
+      <p:cxnSp>
+        <p:nvCxnSpPr>
+          <p:cNvPr id="34" name="Gerade Verbindung mit Pfeil 33">
+            <a:extLst>
+              <a:ext uri="{FF2B5EF4-FFF2-40B4-BE49-F238E27FC236}">
+                <a16:creationId xmlns:a16="http://schemas.microsoft.com/office/drawing/2014/main" id="{FB25368E-55D7-71CE-1EFA-1C25BB30EC11}"/>
+              </a:ext>
+            </a:extLst>
+          </p:cNvPr>
+          <p:cNvCxnSpPr/>
+          <p:nvPr/>
+        </p:nvCxnSpPr>
+        <p:spPr>
+          <a:xfrm>
+            <a:off x="7581012" y="2599658"/>
+            <a:ext cx="0" cy="2259420"/>
+          </a:xfrm>
+          <a:prstGeom prst="straightConnector1">
+            <a:avLst/>
+          </a:prstGeom>
+          <a:ln>
+            <a:tailEnd type="triangle"/>
+          </a:ln>
+        </p:spPr>
+        <p:style>
+          <a:lnRef idx="1">
+            <a:schemeClr val="accent6"/>
+          </a:lnRef>
+          <a:fillRef idx="0">
+            <a:schemeClr val="accent6"/>
+          </a:fillRef>
+          <a:effectRef idx="0">
+            <a:schemeClr val="accent6"/>
+          </a:effectRef>
+          <a:fontRef idx="minor">
+            <a:schemeClr val="tx1"/>
+          </a:fontRef>
+        </p:style>
+      </p:cxnSp>
+    </p:spTree>
+    <p:extLst>
+      <p:ext uri="{BB962C8B-B14F-4D97-AF65-F5344CB8AC3E}">
+        <p14:creationId xmlns:p14="http://schemas.microsoft.com/office/powerpoint/2010/main" val="4025392899"/>
+      </p:ext>
+    </p:extLst>
+  </p:cSld>
+  <p:clrMapOvr>
+    <a:masterClrMapping/>
+  </p:clrMapOvr>
+</p:sld>
+</file>
+
 <file path=ppt/slides/slide2.xml><?xml version="1.0" encoding="utf-8"?>
 <p:sld xmlns:a="http://schemas.openxmlformats.org/drawingml/2006/main" xmlns:r="http://schemas.openxmlformats.org/officeDocument/2006/relationships" xmlns:p="http://schemas.openxmlformats.org/presentationml/2006/main">
   <p:cSld>

--- a/RAKIPOEV-docs/docs/ppt/Building-Blocks.pptx
+++ b/RAKIPOEV-docs/docs/ppt/Building-Blocks.pptx
@@ -19,6 +19,8 @@
     <p:sldId id="264" r:id="rId13"/>
     <p:sldId id="263" r:id="rId14"/>
     <p:sldId id="269" r:id="rId15"/>
+    <p:sldId id="270" r:id="rId16"/>
+    <p:sldId id="271" r:id="rId17"/>
   </p:sldIdLst>
   <p:sldSz cx="12192000" cy="6858000"/>
   <p:notesSz cx="6858000" cy="9144000"/>
@@ -272,7 +274,7 @@
           <a:p>
             <a:fld id="{BA6DBFC3-540E-6444-9571-9AC72F552CFB}" type="datetimeFigureOut">
               <a:rPr lang="de-DE" smtClean="0"/>
-              <a:t>02.02.25</a:t>
+              <a:t>03.02.25</a:t>
             </a:fld>
             <a:endParaRPr lang="de-DE"/>
           </a:p>
@@ -470,7 +472,7 @@
           <a:p>
             <a:fld id="{BA6DBFC3-540E-6444-9571-9AC72F552CFB}" type="datetimeFigureOut">
               <a:rPr lang="de-DE" smtClean="0"/>
-              <a:t>02.02.25</a:t>
+              <a:t>03.02.25</a:t>
             </a:fld>
             <a:endParaRPr lang="de-DE"/>
           </a:p>
@@ -678,7 +680,7 @@
           <a:p>
             <a:fld id="{BA6DBFC3-540E-6444-9571-9AC72F552CFB}" type="datetimeFigureOut">
               <a:rPr lang="de-DE" smtClean="0"/>
-              <a:t>02.02.25</a:t>
+              <a:t>03.02.25</a:t>
             </a:fld>
             <a:endParaRPr lang="de-DE"/>
           </a:p>
@@ -876,7 +878,7 @@
           <a:p>
             <a:fld id="{BA6DBFC3-540E-6444-9571-9AC72F552CFB}" type="datetimeFigureOut">
               <a:rPr lang="de-DE" smtClean="0"/>
-              <a:t>02.02.25</a:t>
+              <a:t>03.02.25</a:t>
             </a:fld>
             <a:endParaRPr lang="de-DE"/>
           </a:p>
@@ -1151,7 +1153,7 @@
           <a:p>
             <a:fld id="{BA6DBFC3-540E-6444-9571-9AC72F552CFB}" type="datetimeFigureOut">
               <a:rPr lang="de-DE" smtClean="0"/>
-              <a:t>02.02.25</a:t>
+              <a:t>03.02.25</a:t>
             </a:fld>
             <a:endParaRPr lang="de-DE"/>
           </a:p>
@@ -1416,7 +1418,7 @@
           <a:p>
             <a:fld id="{BA6DBFC3-540E-6444-9571-9AC72F552CFB}" type="datetimeFigureOut">
               <a:rPr lang="de-DE" smtClean="0"/>
-              <a:t>02.02.25</a:t>
+              <a:t>03.02.25</a:t>
             </a:fld>
             <a:endParaRPr lang="de-DE"/>
           </a:p>
@@ -1828,7 +1830,7 @@
           <a:p>
             <a:fld id="{BA6DBFC3-540E-6444-9571-9AC72F552CFB}" type="datetimeFigureOut">
               <a:rPr lang="de-DE" smtClean="0"/>
-              <a:t>02.02.25</a:t>
+              <a:t>03.02.25</a:t>
             </a:fld>
             <a:endParaRPr lang="de-DE"/>
           </a:p>
@@ -1969,7 +1971,7 @@
           <a:p>
             <a:fld id="{BA6DBFC3-540E-6444-9571-9AC72F552CFB}" type="datetimeFigureOut">
               <a:rPr lang="de-DE" smtClean="0"/>
-              <a:t>02.02.25</a:t>
+              <a:t>03.02.25</a:t>
             </a:fld>
             <a:endParaRPr lang="de-DE"/>
           </a:p>
@@ -2082,7 +2084,7 @@
           <a:p>
             <a:fld id="{BA6DBFC3-540E-6444-9571-9AC72F552CFB}" type="datetimeFigureOut">
               <a:rPr lang="de-DE" smtClean="0"/>
-              <a:t>02.02.25</a:t>
+              <a:t>03.02.25</a:t>
             </a:fld>
             <a:endParaRPr lang="de-DE"/>
           </a:p>
@@ -2393,7 +2395,7 @@
           <a:p>
             <a:fld id="{BA6DBFC3-540E-6444-9571-9AC72F552CFB}" type="datetimeFigureOut">
               <a:rPr lang="de-DE" smtClean="0"/>
-              <a:t>02.02.25</a:t>
+              <a:t>03.02.25</a:t>
             </a:fld>
             <a:endParaRPr lang="de-DE"/>
           </a:p>
@@ -2681,7 +2683,7 @@
           <a:p>
             <a:fld id="{BA6DBFC3-540E-6444-9571-9AC72F552CFB}" type="datetimeFigureOut">
               <a:rPr lang="de-DE" smtClean="0"/>
-              <a:t>02.02.25</a:t>
+              <a:t>03.02.25</a:t>
             </a:fld>
             <a:endParaRPr lang="de-DE"/>
           </a:p>
@@ -2922,7 +2924,7 @@
           <a:p>
             <a:fld id="{BA6DBFC3-540E-6444-9571-9AC72F552CFB}" type="datetimeFigureOut">
               <a:rPr lang="de-DE" smtClean="0"/>
-              <a:t>02.02.25</a:t>
+              <a:t>03.02.25</a:t>
             </a:fld>
             <a:endParaRPr lang="de-DE"/>
           </a:p>
@@ -10554,6 +10556,1164 @@
 </p:sld>
 </file>
 
+<file path=ppt/slides/slide15.xml><?xml version="1.0" encoding="utf-8"?>
+<p:sld xmlns:a="http://schemas.openxmlformats.org/drawingml/2006/main" xmlns:r="http://schemas.openxmlformats.org/officeDocument/2006/relationships" xmlns:p="http://schemas.openxmlformats.org/presentationml/2006/main">
+  <p:cSld>
+    <p:spTree>
+      <p:nvGrpSpPr>
+        <p:cNvPr id="1" name=""/>
+        <p:cNvGrpSpPr/>
+        <p:nvPr/>
+      </p:nvGrpSpPr>
+      <p:grpSpPr>
+        <a:xfrm>
+          <a:off x="0" y="0"/>
+          <a:ext cx="0" cy="0"/>
+          <a:chOff x="0" y="0"/>
+          <a:chExt cx="0" cy="0"/>
+        </a:xfrm>
+      </p:grpSpPr>
+      <p:sp>
+        <p:nvSpPr>
+          <p:cNvPr id="7" name="Rechteck 6">
+            <a:extLst>
+              <a:ext uri="{FF2B5EF4-FFF2-40B4-BE49-F238E27FC236}">
+                <a16:creationId xmlns:a16="http://schemas.microsoft.com/office/drawing/2014/main" id="{94FBF044-36A2-A164-C34E-CFC8E73229E6}"/>
+              </a:ext>
+            </a:extLst>
+          </p:cNvPr>
+          <p:cNvSpPr/>
+          <p:nvPr/>
+        </p:nvSpPr>
+        <p:spPr>
+          <a:xfrm>
+            <a:off x="1541722" y="951611"/>
+            <a:ext cx="1286539" cy="3508744"/>
+          </a:xfrm>
+          <a:prstGeom prst="rect">
+            <a:avLst/>
+          </a:prstGeom>
+          <a:solidFill>
+            <a:schemeClr val="bg1"/>
+          </a:solidFill>
+        </p:spPr>
+        <p:style>
+          <a:lnRef idx="2">
+            <a:schemeClr val="accent1">
+              <a:shade val="15000"/>
+            </a:schemeClr>
+          </a:lnRef>
+          <a:fillRef idx="1">
+            <a:schemeClr val="accent1"/>
+          </a:fillRef>
+          <a:effectRef idx="0">
+            <a:schemeClr val="accent1"/>
+          </a:effectRef>
+          <a:fontRef idx="minor">
+            <a:schemeClr val="lt1"/>
+          </a:fontRef>
+        </p:style>
+        <p:txBody>
+          <a:bodyPr rtlCol="0" anchor="ctr"/>
+          <a:lstStyle/>
+          <a:p>
+            <a:pPr algn="ctr"/>
+            <a:r>
+              <a:rPr lang="de-DE" dirty="0">
+                <a:solidFill>
+                  <a:sysClr val="windowText" lastClr="000000"/>
+                </a:solidFill>
+              </a:rPr>
+              <a:t>Client</a:t>
+            </a:r>
+          </a:p>
+        </p:txBody>
+      </p:sp>
+      <p:sp>
+        <p:nvSpPr>
+          <p:cNvPr id="8" name="Rechteck 7">
+            <a:extLst>
+              <a:ext uri="{FF2B5EF4-FFF2-40B4-BE49-F238E27FC236}">
+                <a16:creationId xmlns:a16="http://schemas.microsoft.com/office/drawing/2014/main" id="{14B94E5C-1FA5-4DFF-163E-822304CCF358}"/>
+              </a:ext>
+            </a:extLst>
+          </p:cNvPr>
+          <p:cNvSpPr/>
+          <p:nvPr/>
+        </p:nvSpPr>
+        <p:spPr>
+          <a:xfrm>
+            <a:off x="3193313" y="951611"/>
+            <a:ext cx="8332380" cy="3508744"/>
+          </a:xfrm>
+          <a:prstGeom prst="rect">
+            <a:avLst/>
+          </a:prstGeom>
+          <a:solidFill>
+            <a:schemeClr val="bg1"/>
+          </a:solidFill>
+        </p:spPr>
+        <p:style>
+          <a:lnRef idx="2">
+            <a:schemeClr val="accent1">
+              <a:shade val="15000"/>
+            </a:schemeClr>
+          </a:lnRef>
+          <a:fillRef idx="1">
+            <a:schemeClr val="accent1"/>
+          </a:fillRef>
+          <a:effectRef idx="0">
+            <a:schemeClr val="accent1"/>
+          </a:effectRef>
+          <a:fontRef idx="minor">
+            <a:schemeClr val="lt1"/>
+          </a:fontRef>
+        </p:style>
+        <p:txBody>
+          <a:bodyPr rtlCol="0" anchor="t"/>
+          <a:lstStyle/>
+          <a:p>
+            <a:pPr algn="ctr"/>
+            <a:r>
+              <a:rPr lang="de-DE" dirty="0">
+                <a:solidFill>
+                  <a:sysClr val="windowText" lastClr="000000"/>
+                </a:solidFill>
+              </a:rPr>
+              <a:t>KI-System</a:t>
+            </a:r>
+          </a:p>
+        </p:txBody>
+      </p:sp>
+      <p:sp>
+        <p:nvSpPr>
+          <p:cNvPr id="2" name="Textfeld 1">
+            <a:extLst>
+              <a:ext uri="{FF2B5EF4-FFF2-40B4-BE49-F238E27FC236}">
+                <a16:creationId xmlns:a16="http://schemas.microsoft.com/office/drawing/2014/main" id="{506C87A4-39DC-2F2E-DD8D-B09A243FFA6C}"/>
+              </a:ext>
+            </a:extLst>
+          </p:cNvPr>
+          <p:cNvSpPr txBox="1"/>
+          <p:nvPr/>
+        </p:nvSpPr>
+        <p:spPr>
+          <a:xfrm>
+            <a:off x="10434468" y="6127161"/>
+            <a:ext cx="1501821" cy="369332"/>
+          </a:xfrm>
+          <a:prstGeom prst="rect">
+            <a:avLst/>
+          </a:prstGeom>
+          <a:noFill/>
+        </p:spPr>
+        <p:txBody>
+          <a:bodyPr wrap="none" rtlCol="0">
+            <a:spAutoFit/>
+          </a:bodyPr>
+          <a:lstStyle/>
+          <a:p>
+            <a:r>
+              <a:rPr lang="de-DE" dirty="0" err="1"/>
+              <a:t>Observability</a:t>
+            </a:r>
+            <a:endParaRPr lang="de-DE" dirty="0"/>
+          </a:p>
+        </p:txBody>
+      </p:sp>
+      <p:cxnSp>
+        <p:nvCxnSpPr>
+          <p:cNvPr id="3" name="Gerade Verbindung mit Pfeil 2">
+            <a:extLst>
+              <a:ext uri="{FF2B5EF4-FFF2-40B4-BE49-F238E27FC236}">
+                <a16:creationId xmlns:a16="http://schemas.microsoft.com/office/drawing/2014/main" id="{401C59DB-5C6F-5034-C4A6-141A7E0CC245}"/>
+              </a:ext>
+            </a:extLst>
+          </p:cNvPr>
+          <p:cNvCxnSpPr>
+            <a:cxnSpLocks/>
+          </p:cNvCxnSpPr>
+          <p:nvPr/>
+        </p:nvCxnSpPr>
+        <p:spPr>
+          <a:xfrm>
+            <a:off x="2594344" y="2424225"/>
+            <a:ext cx="1786270" cy="0"/>
+          </a:xfrm>
+          <a:prstGeom prst="straightConnector1">
+            <a:avLst/>
+          </a:prstGeom>
+          <a:ln w="50800">
+            <a:tailEnd type="triangle"/>
+          </a:ln>
+        </p:spPr>
+        <p:style>
+          <a:lnRef idx="2">
+            <a:schemeClr val="dk1"/>
+          </a:lnRef>
+          <a:fillRef idx="0">
+            <a:schemeClr val="dk1"/>
+          </a:fillRef>
+          <a:effectRef idx="1">
+            <a:schemeClr val="dk1"/>
+          </a:effectRef>
+          <a:fontRef idx="minor">
+            <a:schemeClr val="tx1"/>
+          </a:fontRef>
+        </p:style>
+      </p:cxnSp>
+      <p:sp>
+        <p:nvSpPr>
+          <p:cNvPr id="4" name="Textfeld 3">
+            <a:extLst>
+              <a:ext uri="{FF2B5EF4-FFF2-40B4-BE49-F238E27FC236}">
+                <a16:creationId xmlns:a16="http://schemas.microsoft.com/office/drawing/2014/main" id="{04A17496-54D5-7C09-D596-3B440EEC2C0E}"/>
+              </a:ext>
+            </a:extLst>
+          </p:cNvPr>
+          <p:cNvSpPr txBox="1"/>
+          <p:nvPr/>
+        </p:nvSpPr>
+        <p:spPr>
+          <a:xfrm>
+            <a:off x="3302881" y="1940446"/>
+            <a:ext cx="942374" cy="369332"/>
+          </a:xfrm>
+          <a:prstGeom prst="rect">
+            <a:avLst/>
+          </a:prstGeom>
+          <a:solidFill>
+            <a:schemeClr val="accent2">
+              <a:lumMod val="60000"/>
+              <a:lumOff val="40000"/>
+            </a:schemeClr>
+          </a:solidFill>
+        </p:spPr>
+        <p:txBody>
+          <a:bodyPr wrap="none" rtlCol="0">
+            <a:spAutoFit/>
+          </a:bodyPr>
+          <a:lstStyle/>
+          <a:p>
+            <a:r>
+              <a:rPr lang="de-DE" dirty="0"/>
+              <a:t>Anfrage</a:t>
+            </a:r>
+          </a:p>
+        </p:txBody>
+      </p:sp>
+      <p:cxnSp>
+        <p:nvCxnSpPr>
+          <p:cNvPr id="5" name="Gerade Verbindung mit Pfeil 4">
+            <a:extLst>
+              <a:ext uri="{FF2B5EF4-FFF2-40B4-BE49-F238E27FC236}">
+                <a16:creationId xmlns:a16="http://schemas.microsoft.com/office/drawing/2014/main" id="{B74768A2-6803-9CA7-6D1B-09E9CF3ACC52}"/>
+              </a:ext>
+            </a:extLst>
+          </p:cNvPr>
+          <p:cNvCxnSpPr>
+            <a:cxnSpLocks/>
+          </p:cNvCxnSpPr>
+          <p:nvPr/>
+        </p:nvCxnSpPr>
+        <p:spPr>
+          <a:xfrm flipH="1">
+            <a:off x="2576623" y="3346742"/>
+            <a:ext cx="1803991" cy="3545"/>
+          </a:xfrm>
+          <a:prstGeom prst="straightConnector1">
+            <a:avLst/>
+          </a:prstGeom>
+          <a:ln w="50800">
+            <a:tailEnd type="triangle"/>
+          </a:ln>
+        </p:spPr>
+        <p:style>
+          <a:lnRef idx="2">
+            <a:schemeClr val="dk1"/>
+          </a:lnRef>
+          <a:fillRef idx="0">
+            <a:schemeClr val="dk1"/>
+          </a:fillRef>
+          <a:effectRef idx="1">
+            <a:schemeClr val="dk1"/>
+          </a:effectRef>
+          <a:fontRef idx="minor">
+            <a:schemeClr val="tx1"/>
+          </a:fontRef>
+        </p:style>
+      </p:cxnSp>
+      <p:sp>
+        <p:nvSpPr>
+          <p:cNvPr id="6" name="Textfeld 5">
+            <a:extLst>
+              <a:ext uri="{FF2B5EF4-FFF2-40B4-BE49-F238E27FC236}">
+                <a16:creationId xmlns:a16="http://schemas.microsoft.com/office/drawing/2014/main" id="{CDFFD883-242A-9E23-7201-FC6CF332A371}"/>
+              </a:ext>
+            </a:extLst>
+          </p:cNvPr>
+          <p:cNvSpPr txBox="1"/>
+          <p:nvPr/>
+        </p:nvSpPr>
+        <p:spPr>
+          <a:xfrm>
+            <a:off x="3286669" y="2885628"/>
+            <a:ext cx="966290" cy="369332"/>
+          </a:xfrm>
+          <a:prstGeom prst="rect">
+            <a:avLst/>
+          </a:prstGeom>
+          <a:solidFill>
+            <a:schemeClr val="accent2">
+              <a:lumMod val="60000"/>
+              <a:lumOff val="40000"/>
+            </a:schemeClr>
+          </a:solidFill>
+        </p:spPr>
+        <p:txBody>
+          <a:bodyPr wrap="none" rtlCol="0">
+            <a:spAutoFit/>
+          </a:bodyPr>
+          <a:lstStyle/>
+          <a:p>
+            <a:r>
+              <a:rPr lang="de-DE" dirty="0"/>
+              <a:t>Antwort</a:t>
+            </a:r>
+          </a:p>
+        </p:txBody>
+      </p:sp>
+      <p:sp>
+        <p:nvSpPr>
+          <p:cNvPr id="9" name="Rechteck 8">
+            <a:extLst>
+              <a:ext uri="{FF2B5EF4-FFF2-40B4-BE49-F238E27FC236}">
+                <a16:creationId xmlns:a16="http://schemas.microsoft.com/office/drawing/2014/main" id="{47702512-C6D4-8B54-F96B-117410D35AEB}"/>
+              </a:ext>
+            </a:extLst>
+          </p:cNvPr>
+          <p:cNvSpPr/>
+          <p:nvPr/>
+        </p:nvSpPr>
+        <p:spPr>
+          <a:xfrm>
+            <a:off x="3193313" y="4627968"/>
+            <a:ext cx="8332379" cy="960842"/>
+          </a:xfrm>
+          <a:prstGeom prst="rect">
+            <a:avLst/>
+          </a:prstGeom>
+        </p:spPr>
+        <p:style>
+          <a:lnRef idx="2">
+            <a:schemeClr val="accent1">
+              <a:shade val="15000"/>
+            </a:schemeClr>
+          </a:lnRef>
+          <a:fillRef idx="1">
+            <a:schemeClr val="accent1"/>
+          </a:fillRef>
+          <a:effectRef idx="0">
+            <a:schemeClr val="accent1"/>
+          </a:effectRef>
+          <a:fontRef idx="minor">
+            <a:schemeClr val="lt1"/>
+          </a:fontRef>
+        </p:style>
+        <p:txBody>
+          <a:bodyPr rtlCol="0" anchor="ctr"/>
+          <a:lstStyle/>
+          <a:p>
+            <a:pPr algn="ctr"/>
+            <a:r>
+              <a:rPr lang="de-DE" dirty="0" err="1"/>
+              <a:t>Logging</a:t>
+            </a:r>
+            <a:r>
+              <a:rPr lang="de-DE" dirty="0"/>
+              <a:t> &amp; Tracing</a:t>
+            </a:r>
+          </a:p>
+        </p:txBody>
+      </p:sp>
+      <p:sp>
+        <p:nvSpPr>
+          <p:cNvPr id="10" name="Rechteck 9">
+            <a:extLst>
+              <a:ext uri="{FF2B5EF4-FFF2-40B4-BE49-F238E27FC236}">
+                <a16:creationId xmlns:a16="http://schemas.microsoft.com/office/drawing/2014/main" id="{F2390BB9-AFE3-9C48-6442-AF8EE75B0806}"/>
+              </a:ext>
+            </a:extLst>
+          </p:cNvPr>
+          <p:cNvSpPr/>
+          <p:nvPr/>
+        </p:nvSpPr>
+        <p:spPr>
+          <a:xfrm>
+            <a:off x="1541722" y="4627968"/>
+            <a:ext cx="1286539" cy="960842"/>
+          </a:xfrm>
+          <a:prstGeom prst="rect">
+            <a:avLst/>
+          </a:prstGeom>
+        </p:spPr>
+        <p:style>
+          <a:lnRef idx="2">
+            <a:schemeClr val="accent1">
+              <a:shade val="15000"/>
+            </a:schemeClr>
+          </a:lnRef>
+          <a:fillRef idx="1">
+            <a:schemeClr val="accent1"/>
+          </a:fillRef>
+          <a:effectRef idx="0">
+            <a:schemeClr val="accent1"/>
+          </a:effectRef>
+          <a:fontRef idx="minor">
+            <a:schemeClr val="lt1"/>
+          </a:fontRef>
+        </p:style>
+        <p:txBody>
+          <a:bodyPr rtlCol="0" anchor="ctr"/>
+          <a:lstStyle/>
+          <a:p>
+            <a:pPr algn="ctr"/>
+            <a:r>
+              <a:rPr lang="de-DE" dirty="0"/>
+              <a:t>Analyse</a:t>
+            </a:r>
+          </a:p>
+          <a:p>
+            <a:pPr algn="ctr"/>
+            <a:r>
+              <a:rPr lang="de-DE" dirty="0"/>
+              <a:t>Client</a:t>
+            </a:r>
+          </a:p>
+        </p:txBody>
+      </p:sp>
+      <p:cxnSp>
+        <p:nvCxnSpPr>
+          <p:cNvPr id="12" name="Gerade Verbindung mit Pfeil 11">
+            <a:extLst>
+              <a:ext uri="{FF2B5EF4-FFF2-40B4-BE49-F238E27FC236}">
+                <a16:creationId xmlns:a16="http://schemas.microsoft.com/office/drawing/2014/main" id="{12BBBE48-6111-AAFF-22B5-E6DFF1674E89}"/>
+              </a:ext>
+            </a:extLst>
+          </p:cNvPr>
+          <p:cNvCxnSpPr>
+            <a:cxnSpLocks/>
+            <a:stCxn id="10" idx="3"/>
+            <a:endCxn id="9" idx="1"/>
+          </p:cNvCxnSpPr>
+          <p:nvPr/>
+        </p:nvCxnSpPr>
+        <p:spPr>
+          <a:xfrm>
+            <a:off x="2828261" y="5108389"/>
+            <a:ext cx="365052" cy="0"/>
+          </a:xfrm>
+          <a:prstGeom prst="straightConnector1">
+            <a:avLst/>
+          </a:prstGeom>
+          <a:ln>
+            <a:headEnd type="triangle"/>
+            <a:tailEnd type="triangle"/>
+          </a:ln>
+        </p:spPr>
+        <p:style>
+          <a:lnRef idx="2">
+            <a:schemeClr val="accent1"/>
+          </a:lnRef>
+          <a:fillRef idx="0">
+            <a:schemeClr val="accent1"/>
+          </a:fillRef>
+          <a:effectRef idx="1">
+            <a:schemeClr val="accent1"/>
+          </a:effectRef>
+          <a:fontRef idx="minor">
+            <a:schemeClr val="tx1"/>
+          </a:fontRef>
+        </p:style>
+      </p:cxnSp>
+      <p:cxnSp>
+        <p:nvCxnSpPr>
+          <p:cNvPr id="15" name="Gerade Verbindung mit Pfeil 14">
+            <a:extLst>
+              <a:ext uri="{FF2B5EF4-FFF2-40B4-BE49-F238E27FC236}">
+                <a16:creationId xmlns:a16="http://schemas.microsoft.com/office/drawing/2014/main" id="{9A4FF946-7FB5-3FFC-4B22-B5D461A23DCB}"/>
+              </a:ext>
+            </a:extLst>
+          </p:cNvPr>
+          <p:cNvCxnSpPr>
+            <a:cxnSpLocks/>
+            <a:stCxn id="8" idx="2"/>
+            <a:endCxn id="9" idx="0"/>
+          </p:cNvCxnSpPr>
+          <p:nvPr/>
+        </p:nvCxnSpPr>
+        <p:spPr>
+          <a:xfrm>
+            <a:off x="7359503" y="4460355"/>
+            <a:ext cx="0" cy="167613"/>
+          </a:xfrm>
+          <a:prstGeom prst="straightConnector1">
+            <a:avLst/>
+          </a:prstGeom>
+          <a:ln>
+            <a:tailEnd type="triangle"/>
+          </a:ln>
+        </p:spPr>
+        <p:style>
+          <a:lnRef idx="2">
+            <a:schemeClr val="accent1"/>
+          </a:lnRef>
+          <a:fillRef idx="0">
+            <a:schemeClr val="accent1"/>
+          </a:fillRef>
+          <a:effectRef idx="1">
+            <a:schemeClr val="accent1"/>
+          </a:effectRef>
+          <a:fontRef idx="minor">
+            <a:schemeClr val="tx1"/>
+          </a:fontRef>
+        </p:style>
+      </p:cxnSp>
+      <p:sp>
+        <p:nvSpPr>
+          <p:cNvPr id="19" name="Rechteck 18">
+            <a:extLst>
+              <a:ext uri="{FF2B5EF4-FFF2-40B4-BE49-F238E27FC236}">
+                <a16:creationId xmlns:a16="http://schemas.microsoft.com/office/drawing/2014/main" id="{3CCFA1EF-1E61-B5F4-F21B-7154417A18A1}"/>
+              </a:ext>
+            </a:extLst>
+          </p:cNvPr>
+          <p:cNvSpPr/>
+          <p:nvPr/>
+        </p:nvSpPr>
+        <p:spPr>
+          <a:xfrm>
+            <a:off x="4380614" y="1831033"/>
+            <a:ext cx="1414130" cy="1815436"/>
+          </a:xfrm>
+          <a:prstGeom prst="rect">
+            <a:avLst/>
+          </a:prstGeom>
+        </p:spPr>
+        <p:style>
+          <a:lnRef idx="2">
+            <a:schemeClr val="accent1">
+              <a:shade val="15000"/>
+            </a:schemeClr>
+          </a:lnRef>
+          <a:fillRef idx="1">
+            <a:schemeClr val="accent1"/>
+          </a:fillRef>
+          <a:effectRef idx="0">
+            <a:schemeClr val="accent1"/>
+          </a:effectRef>
+          <a:fontRef idx="minor">
+            <a:schemeClr val="lt1"/>
+          </a:fontRef>
+        </p:style>
+        <p:txBody>
+          <a:bodyPr rtlCol="0" anchor="ctr"/>
+          <a:lstStyle/>
+          <a:p>
+            <a:pPr algn="ctr"/>
+            <a:r>
+              <a:rPr lang="de-DE" dirty="0"/>
+              <a:t>Web Anwendung</a:t>
+            </a:r>
+          </a:p>
+        </p:txBody>
+      </p:sp>
+      <p:sp>
+        <p:nvSpPr>
+          <p:cNvPr id="20" name="Rechteck 19">
+            <a:extLst>
+              <a:ext uri="{FF2B5EF4-FFF2-40B4-BE49-F238E27FC236}">
+                <a16:creationId xmlns:a16="http://schemas.microsoft.com/office/drawing/2014/main" id="{753AC7E8-2876-9611-3C6F-00A94E2C2F09}"/>
+              </a:ext>
+            </a:extLst>
+          </p:cNvPr>
+          <p:cNvSpPr/>
+          <p:nvPr/>
+        </p:nvSpPr>
+        <p:spPr>
+          <a:xfrm>
+            <a:off x="7725096" y="2802719"/>
+            <a:ext cx="1534632" cy="843750"/>
+          </a:xfrm>
+          <a:prstGeom prst="rect">
+            <a:avLst/>
+          </a:prstGeom>
+        </p:spPr>
+        <p:style>
+          <a:lnRef idx="2">
+            <a:schemeClr val="accent1">
+              <a:shade val="15000"/>
+            </a:schemeClr>
+          </a:lnRef>
+          <a:fillRef idx="1">
+            <a:schemeClr val="accent1"/>
+          </a:fillRef>
+          <a:effectRef idx="0">
+            <a:schemeClr val="accent1"/>
+          </a:effectRef>
+          <a:fontRef idx="minor">
+            <a:schemeClr val="lt1"/>
+          </a:fontRef>
+        </p:style>
+        <p:txBody>
+          <a:bodyPr rtlCol="0" anchor="ctr"/>
+          <a:lstStyle/>
+          <a:p>
+            <a:pPr algn="ctr"/>
+            <a:r>
+              <a:rPr lang="de-DE" dirty="0"/>
+              <a:t>Tools</a:t>
+            </a:r>
+          </a:p>
+        </p:txBody>
+      </p:sp>
+      <p:sp>
+        <p:nvSpPr>
+          <p:cNvPr id="21" name="Rechteck 20">
+            <a:extLst>
+              <a:ext uri="{FF2B5EF4-FFF2-40B4-BE49-F238E27FC236}">
+                <a16:creationId xmlns:a16="http://schemas.microsoft.com/office/drawing/2014/main" id="{451EECDA-E8F4-5448-1D06-EDC2E28AFBA2}"/>
+              </a:ext>
+            </a:extLst>
+          </p:cNvPr>
+          <p:cNvSpPr/>
+          <p:nvPr/>
+        </p:nvSpPr>
+        <p:spPr>
+          <a:xfrm>
+            <a:off x="7725096" y="1831033"/>
+            <a:ext cx="1534632" cy="843750"/>
+          </a:xfrm>
+          <a:prstGeom prst="rect">
+            <a:avLst/>
+          </a:prstGeom>
+        </p:spPr>
+        <p:style>
+          <a:lnRef idx="2">
+            <a:schemeClr val="accent1">
+              <a:shade val="15000"/>
+            </a:schemeClr>
+          </a:lnRef>
+          <a:fillRef idx="1">
+            <a:schemeClr val="accent1"/>
+          </a:fillRef>
+          <a:effectRef idx="0">
+            <a:schemeClr val="accent1"/>
+          </a:effectRef>
+          <a:fontRef idx="minor">
+            <a:schemeClr val="lt1"/>
+          </a:fontRef>
+        </p:style>
+        <p:txBody>
+          <a:bodyPr rtlCol="0" anchor="ctr"/>
+          <a:lstStyle/>
+          <a:p>
+            <a:pPr algn="ctr"/>
+            <a:r>
+              <a:rPr lang="de-DE" dirty="0" err="1"/>
+              <a:t>Agents</a:t>
+            </a:r>
+            <a:endParaRPr lang="de-DE" dirty="0"/>
+          </a:p>
+        </p:txBody>
+      </p:sp>
+      <p:sp>
+        <p:nvSpPr>
+          <p:cNvPr id="22" name="Rechteck 21">
+            <a:extLst>
+              <a:ext uri="{FF2B5EF4-FFF2-40B4-BE49-F238E27FC236}">
+                <a16:creationId xmlns:a16="http://schemas.microsoft.com/office/drawing/2014/main" id="{9B25DC27-FAE2-715E-304D-F1E59AA5EA0D}"/>
+              </a:ext>
+            </a:extLst>
+          </p:cNvPr>
+          <p:cNvSpPr/>
+          <p:nvPr/>
+        </p:nvSpPr>
+        <p:spPr>
+          <a:xfrm>
+            <a:off x="6042835" y="2802719"/>
+            <a:ext cx="1534632" cy="843750"/>
+          </a:xfrm>
+          <a:prstGeom prst="rect">
+            <a:avLst/>
+          </a:prstGeom>
+        </p:spPr>
+        <p:style>
+          <a:lnRef idx="2">
+            <a:schemeClr val="accent1">
+              <a:shade val="15000"/>
+            </a:schemeClr>
+          </a:lnRef>
+          <a:fillRef idx="1">
+            <a:schemeClr val="accent1"/>
+          </a:fillRef>
+          <a:effectRef idx="0">
+            <a:schemeClr val="accent1"/>
+          </a:effectRef>
+          <a:fontRef idx="minor">
+            <a:schemeClr val="lt1"/>
+          </a:fontRef>
+        </p:style>
+        <p:txBody>
+          <a:bodyPr rtlCol="0" anchor="ctr"/>
+          <a:lstStyle/>
+          <a:p>
+            <a:pPr algn="ctr"/>
+            <a:r>
+              <a:rPr lang="de-DE" dirty="0"/>
+              <a:t>Tasks</a:t>
+            </a:r>
+          </a:p>
+        </p:txBody>
+      </p:sp>
+      <p:sp>
+        <p:nvSpPr>
+          <p:cNvPr id="23" name="Rechteck 22">
+            <a:extLst>
+              <a:ext uri="{FF2B5EF4-FFF2-40B4-BE49-F238E27FC236}">
+                <a16:creationId xmlns:a16="http://schemas.microsoft.com/office/drawing/2014/main" id="{56D9EEFA-BAD2-4DA6-F9BF-53E21B33B048}"/>
+              </a:ext>
+            </a:extLst>
+          </p:cNvPr>
+          <p:cNvSpPr/>
+          <p:nvPr/>
+        </p:nvSpPr>
+        <p:spPr>
+          <a:xfrm>
+            <a:off x="6042835" y="1831033"/>
+            <a:ext cx="1534632" cy="843750"/>
+          </a:xfrm>
+          <a:prstGeom prst="rect">
+            <a:avLst/>
+          </a:prstGeom>
+        </p:spPr>
+        <p:style>
+          <a:lnRef idx="2">
+            <a:schemeClr val="accent1">
+              <a:shade val="15000"/>
+            </a:schemeClr>
+          </a:lnRef>
+          <a:fillRef idx="1">
+            <a:schemeClr val="accent1"/>
+          </a:fillRef>
+          <a:effectRef idx="0">
+            <a:schemeClr val="accent1"/>
+          </a:effectRef>
+          <a:fontRef idx="minor">
+            <a:schemeClr val="lt1"/>
+          </a:fontRef>
+        </p:style>
+        <p:txBody>
+          <a:bodyPr rtlCol="0" anchor="ctr"/>
+          <a:lstStyle/>
+          <a:p>
+            <a:pPr algn="ctr"/>
+            <a:r>
+              <a:rPr lang="de-DE" dirty="0"/>
+              <a:t>RAG</a:t>
+            </a:r>
+          </a:p>
+        </p:txBody>
+      </p:sp>
+      <p:sp>
+        <p:nvSpPr>
+          <p:cNvPr id="24" name="Rechteck 23">
+            <a:extLst>
+              <a:ext uri="{FF2B5EF4-FFF2-40B4-BE49-F238E27FC236}">
+                <a16:creationId xmlns:a16="http://schemas.microsoft.com/office/drawing/2014/main" id="{999D831B-40B5-A2A8-36EC-F7350D411021}"/>
+              </a:ext>
+            </a:extLst>
+          </p:cNvPr>
+          <p:cNvSpPr/>
+          <p:nvPr/>
+        </p:nvSpPr>
+        <p:spPr>
+          <a:xfrm>
+            <a:off x="9448794" y="1788778"/>
+            <a:ext cx="397095" cy="1857691"/>
+          </a:xfrm>
+          <a:prstGeom prst="rect">
+            <a:avLst/>
+          </a:prstGeom>
+        </p:spPr>
+        <p:style>
+          <a:lnRef idx="2">
+            <a:schemeClr val="accent1">
+              <a:shade val="15000"/>
+            </a:schemeClr>
+          </a:lnRef>
+          <a:fillRef idx="1">
+            <a:schemeClr val="accent1"/>
+          </a:fillRef>
+          <a:effectRef idx="0">
+            <a:schemeClr val="accent1"/>
+          </a:effectRef>
+          <a:fontRef idx="minor">
+            <a:schemeClr val="lt1"/>
+          </a:fontRef>
+        </p:style>
+        <p:txBody>
+          <a:bodyPr vert="vert270" rtlCol="0" anchor="ctr"/>
+          <a:lstStyle/>
+          <a:p>
+            <a:pPr algn="ctr"/>
+            <a:r>
+              <a:rPr lang="de-DE" dirty="0"/>
+              <a:t>LLM Gateway</a:t>
+            </a:r>
+          </a:p>
+        </p:txBody>
+      </p:sp>
+      <p:sp>
+        <p:nvSpPr>
+          <p:cNvPr id="25" name="Rechteck 24">
+            <a:extLst>
+              <a:ext uri="{FF2B5EF4-FFF2-40B4-BE49-F238E27FC236}">
+                <a16:creationId xmlns:a16="http://schemas.microsoft.com/office/drawing/2014/main" id="{F0050B2F-D9AE-226E-A686-DED327A36D1A}"/>
+              </a:ext>
+            </a:extLst>
+          </p:cNvPr>
+          <p:cNvSpPr/>
+          <p:nvPr/>
+        </p:nvSpPr>
+        <p:spPr>
+          <a:xfrm>
+            <a:off x="10050464" y="2364931"/>
+            <a:ext cx="1199628" cy="619703"/>
+          </a:xfrm>
+          <a:prstGeom prst="rect">
+            <a:avLst/>
+          </a:prstGeom>
+        </p:spPr>
+        <p:style>
+          <a:lnRef idx="2">
+            <a:schemeClr val="accent1">
+              <a:shade val="15000"/>
+            </a:schemeClr>
+          </a:lnRef>
+          <a:fillRef idx="1">
+            <a:schemeClr val="accent1"/>
+          </a:fillRef>
+          <a:effectRef idx="0">
+            <a:schemeClr val="accent1"/>
+          </a:effectRef>
+          <a:fontRef idx="minor">
+            <a:schemeClr val="lt1"/>
+          </a:fontRef>
+        </p:style>
+        <p:txBody>
+          <a:bodyPr rtlCol="0" anchor="ctr"/>
+          <a:lstStyle/>
+          <a:p>
+            <a:pPr algn="ctr"/>
+            <a:r>
+              <a:rPr lang="de-DE" dirty="0" err="1"/>
+              <a:t>Inference</a:t>
+            </a:r>
+            <a:r>
+              <a:rPr lang="de-DE" dirty="0"/>
+              <a:t> Engine</a:t>
+            </a:r>
+          </a:p>
+        </p:txBody>
+      </p:sp>
+      <p:sp>
+        <p:nvSpPr>
+          <p:cNvPr id="26" name="Geschweifte Klammer rechts 25">
+            <a:extLst>
+              <a:ext uri="{FF2B5EF4-FFF2-40B4-BE49-F238E27FC236}">
+                <a16:creationId xmlns:a16="http://schemas.microsoft.com/office/drawing/2014/main" id="{F38BA393-DCCE-BFFD-D704-FA1FC34813E9}"/>
+              </a:ext>
+            </a:extLst>
+          </p:cNvPr>
+          <p:cNvSpPr/>
+          <p:nvPr/>
+        </p:nvSpPr>
+        <p:spPr>
+          <a:xfrm rot="5400000">
+            <a:off x="7523469" y="2298101"/>
+            <a:ext cx="255623" cy="3216893"/>
+          </a:xfrm>
+          <a:prstGeom prst="rightBrace">
+            <a:avLst/>
+          </a:prstGeom>
+        </p:spPr>
+        <p:style>
+          <a:lnRef idx="2">
+            <a:schemeClr val="accent1"/>
+          </a:lnRef>
+          <a:fillRef idx="0">
+            <a:schemeClr val="accent1"/>
+          </a:fillRef>
+          <a:effectRef idx="1">
+            <a:schemeClr val="accent1"/>
+          </a:effectRef>
+          <a:fontRef idx="minor">
+            <a:schemeClr val="tx1"/>
+          </a:fontRef>
+        </p:style>
+        <p:txBody>
+          <a:bodyPr rtlCol="0" anchor="ctr"/>
+          <a:lstStyle/>
+          <a:p>
+            <a:pPr algn="ctr"/>
+            <a:endParaRPr lang="de-DE"/>
+          </a:p>
+        </p:txBody>
+      </p:sp>
+      <p:sp>
+        <p:nvSpPr>
+          <p:cNvPr id="27" name="Textfeld 26">
+            <a:extLst>
+              <a:ext uri="{FF2B5EF4-FFF2-40B4-BE49-F238E27FC236}">
+                <a16:creationId xmlns:a16="http://schemas.microsoft.com/office/drawing/2014/main" id="{A2A25981-7B2E-8A13-8FDC-C8E1602700C4}"/>
+              </a:ext>
+            </a:extLst>
+          </p:cNvPr>
+          <p:cNvSpPr txBox="1"/>
+          <p:nvPr/>
+        </p:nvSpPr>
+        <p:spPr>
+          <a:xfrm>
+            <a:off x="6367360" y="4007217"/>
+            <a:ext cx="2293577" cy="369332"/>
+          </a:xfrm>
+          <a:prstGeom prst="rect">
+            <a:avLst/>
+          </a:prstGeom>
+          <a:noFill/>
+        </p:spPr>
+        <p:txBody>
+          <a:bodyPr wrap="none" rtlCol="0">
+            <a:spAutoFit/>
+          </a:bodyPr>
+          <a:lstStyle/>
+          <a:p>
+            <a:r>
+              <a:rPr lang="de-DE" dirty="0"/>
+              <a:t>Instrument &amp; </a:t>
+            </a:r>
+            <a:r>
+              <a:rPr lang="de-DE" dirty="0" err="1"/>
+              <a:t>anotate</a:t>
+            </a:r>
+            <a:endParaRPr lang="de-DE" dirty="0"/>
+          </a:p>
+        </p:txBody>
+      </p:sp>
+      <p:sp>
+        <p:nvSpPr>
+          <p:cNvPr id="28" name="Textfeld 27">
+            <a:extLst>
+              <a:ext uri="{FF2B5EF4-FFF2-40B4-BE49-F238E27FC236}">
+                <a16:creationId xmlns:a16="http://schemas.microsoft.com/office/drawing/2014/main" id="{DC84CF95-7066-E5A0-7A21-F9CA08FA4986}"/>
+              </a:ext>
+            </a:extLst>
+          </p:cNvPr>
+          <p:cNvSpPr txBox="1"/>
+          <p:nvPr/>
+        </p:nvSpPr>
+        <p:spPr>
+          <a:xfrm>
+            <a:off x="9760612" y="4020850"/>
+            <a:ext cx="1183401" cy="369332"/>
+          </a:xfrm>
+          <a:prstGeom prst="rect">
+            <a:avLst/>
+          </a:prstGeom>
+          <a:noFill/>
+        </p:spPr>
+        <p:txBody>
+          <a:bodyPr wrap="none" rtlCol="0">
+            <a:spAutoFit/>
+          </a:bodyPr>
+          <a:lstStyle/>
+          <a:p>
+            <a:r>
+              <a:rPr lang="de-DE" dirty="0" err="1"/>
+              <a:t>Callbacks</a:t>
+            </a:r>
+            <a:endParaRPr lang="de-DE" dirty="0"/>
+          </a:p>
+        </p:txBody>
+      </p:sp>
+      <p:sp>
+        <p:nvSpPr>
+          <p:cNvPr id="32" name="Geschweifte Klammer rechts 31">
+            <a:extLst>
+              <a:ext uri="{FF2B5EF4-FFF2-40B4-BE49-F238E27FC236}">
+                <a16:creationId xmlns:a16="http://schemas.microsoft.com/office/drawing/2014/main" id="{2D0CC849-8F6A-274B-3720-1CFDB362B69B}"/>
+              </a:ext>
+            </a:extLst>
+          </p:cNvPr>
+          <p:cNvSpPr/>
+          <p:nvPr/>
+        </p:nvSpPr>
+        <p:spPr>
+          <a:xfrm rot="5400000">
+            <a:off x="10246935" y="2886736"/>
+            <a:ext cx="255621" cy="2046712"/>
+          </a:xfrm>
+          <a:prstGeom prst="rightBrace">
+            <a:avLst/>
+          </a:prstGeom>
+        </p:spPr>
+        <p:style>
+          <a:lnRef idx="2">
+            <a:schemeClr val="accent1"/>
+          </a:lnRef>
+          <a:fillRef idx="0">
+            <a:schemeClr val="accent1"/>
+          </a:fillRef>
+          <a:effectRef idx="1">
+            <a:schemeClr val="accent1"/>
+          </a:effectRef>
+          <a:fontRef idx="minor">
+            <a:schemeClr val="tx1"/>
+          </a:fontRef>
+        </p:style>
+        <p:txBody>
+          <a:bodyPr rtlCol="0" anchor="ctr"/>
+          <a:lstStyle/>
+          <a:p>
+            <a:pPr algn="ctr"/>
+            <a:endParaRPr lang="de-DE"/>
+          </a:p>
+        </p:txBody>
+      </p:sp>
+      <p:sp>
+        <p:nvSpPr>
+          <p:cNvPr id="33" name="Textfeld 32">
+            <a:extLst>
+              <a:ext uri="{FF2B5EF4-FFF2-40B4-BE49-F238E27FC236}">
+                <a16:creationId xmlns:a16="http://schemas.microsoft.com/office/drawing/2014/main" id="{6610B779-7D64-5D9F-B604-FAEF709EC1AF}"/>
+              </a:ext>
+            </a:extLst>
+          </p:cNvPr>
+          <p:cNvSpPr txBox="1"/>
+          <p:nvPr/>
+        </p:nvSpPr>
+        <p:spPr>
+          <a:xfrm>
+            <a:off x="4513930" y="4001204"/>
+            <a:ext cx="1342035" cy="369332"/>
+          </a:xfrm>
+          <a:prstGeom prst="rect">
+            <a:avLst/>
+          </a:prstGeom>
+          <a:noFill/>
+        </p:spPr>
+        <p:txBody>
+          <a:bodyPr wrap="square" rtlCol="0">
+            <a:spAutoFit/>
+          </a:bodyPr>
+          <a:lstStyle/>
+          <a:p>
+            <a:r>
+              <a:rPr lang="de-DE" dirty="0" err="1"/>
+              <a:t>Callbacks</a:t>
+            </a:r>
+            <a:endParaRPr lang="de-DE" dirty="0"/>
+          </a:p>
+        </p:txBody>
+      </p:sp>
+      <p:sp>
+        <p:nvSpPr>
+          <p:cNvPr id="34" name="Geschweifte Klammer rechts 33">
+            <a:extLst>
+              <a:ext uri="{FF2B5EF4-FFF2-40B4-BE49-F238E27FC236}">
+                <a16:creationId xmlns:a16="http://schemas.microsoft.com/office/drawing/2014/main" id="{A03ADAD9-091F-9849-983D-C860CFAA4A54}"/>
+              </a:ext>
+            </a:extLst>
+          </p:cNvPr>
+          <p:cNvSpPr/>
+          <p:nvPr/>
+        </p:nvSpPr>
+        <p:spPr>
+          <a:xfrm rot="5400000">
+            <a:off x="4948044" y="3183158"/>
+            <a:ext cx="248539" cy="1426733"/>
+          </a:xfrm>
+          <a:prstGeom prst="rightBrace">
+            <a:avLst/>
+          </a:prstGeom>
+        </p:spPr>
+        <p:style>
+          <a:lnRef idx="2">
+            <a:schemeClr val="accent1"/>
+          </a:lnRef>
+          <a:fillRef idx="0">
+            <a:schemeClr val="accent1"/>
+          </a:fillRef>
+          <a:effectRef idx="1">
+            <a:schemeClr val="accent1"/>
+          </a:effectRef>
+          <a:fontRef idx="minor">
+            <a:schemeClr val="tx1"/>
+          </a:fontRef>
+        </p:style>
+        <p:txBody>
+          <a:bodyPr rtlCol="0" anchor="ctr"/>
+          <a:lstStyle/>
+          <a:p>
+            <a:pPr algn="ctr"/>
+            <a:endParaRPr lang="de-DE"/>
+          </a:p>
+        </p:txBody>
+      </p:sp>
+    </p:spTree>
+    <p:extLst>
+      <p:ext uri="{BB962C8B-B14F-4D97-AF65-F5344CB8AC3E}">
+        <p14:creationId xmlns:p14="http://schemas.microsoft.com/office/powerpoint/2010/main" val="2027558273"/>
+      </p:ext>
+    </p:extLst>
+  </p:cSld>
+  <p:clrMapOvr>
+    <a:masterClrMapping/>
+  </p:clrMapOvr>
+</p:sld>
+</file>
+
+<file path=ppt/slides/slide16.xml><?xml version="1.0" encoding="utf-8"?>
+<p:sld xmlns:a="http://schemas.openxmlformats.org/drawingml/2006/main" xmlns:r="http://schemas.openxmlformats.org/officeDocument/2006/relationships" xmlns:p="http://schemas.openxmlformats.org/presentationml/2006/main">
+  <p:cSld>
+    <p:spTree>
+      <p:nvGrpSpPr>
+        <p:cNvPr id="1" name=""/>
+        <p:cNvGrpSpPr/>
+        <p:nvPr/>
+      </p:nvGrpSpPr>
+      <p:grpSpPr>
+        <a:xfrm>
+          <a:off x="0" y="0"/>
+          <a:ext cx="0" cy="0"/>
+          <a:chOff x="0" y="0"/>
+          <a:chExt cx="0" cy="0"/>
+        </a:xfrm>
+      </p:grpSpPr>
+    </p:spTree>
+    <p:extLst>
+      <p:ext uri="{BB962C8B-B14F-4D97-AF65-F5344CB8AC3E}">
+        <p14:creationId xmlns:p14="http://schemas.microsoft.com/office/powerpoint/2010/main" val="3729991217"/>
+      </p:ext>
+    </p:extLst>
+  </p:cSld>
+  <p:clrMapOvr>
+    <a:masterClrMapping/>
+  </p:clrMapOvr>
+</p:sld>
+</file>
+
 <file path=ppt/slides/slide2.xml><?xml version="1.0" encoding="utf-8"?>
 <p:sld xmlns:a="http://schemas.openxmlformats.org/drawingml/2006/main" xmlns:r="http://schemas.openxmlformats.org/officeDocument/2006/relationships" xmlns:p="http://schemas.openxmlformats.org/presentationml/2006/main">
   <p:cSld>

--- a/RAKIPOEV-docs/docs/ppt/Building-Blocks.pptx
+++ b/RAKIPOEV-docs/docs/ppt/Building-Blocks.pptx
@@ -5,21 +5,21 @@
     <p:sldMasterId id="2147483648" r:id="rId1"/>
   </p:sldMasterIdLst>
   <p:sldIdLst>
-    <p:sldId id="261" r:id="rId2"/>
-    <p:sldId id="262" r:id="rId3"/>
-    <p:sldId id="256" r:id="rId4"/>
-    <p:sldId id="257" r:id="rId5"/>
-    <p:sldId id="259" r:id="rId6"/>
-    <p:sldId id="260" r:id="rId7"/>
-    <p:sldId id="265" r:id="rId8"/>
-    <p:sldId id="258" r:id="rId9"/>
-    <p:sldId id="266" r:id="rId10"/>
-    <p:sldId id="267" r:id="rId11"/>
-    <p:sldId id="268" r:id="rId12"/>
-    <p:sldId id="264" r:id="rId13"/>
-    <p:sldId id="263" r:id="rId14"/>
-    <p:sldId id="269" r:id="rId15"/>
-    <p:sldId id="270" r:id="rId16"/>
+    <p:sldId id="256" r:id="rId2"/>
+    <p:sldId id="257" r:id="rId3"/>
+    <p:sldId id="259" r:id="rId4"/>
+    <p:sldId id="260" r:id="rId5"/>
+    <p:sldId id="265" r:id="rId6"/>
+    <p:sldId id="258" r:id="rId7"/>
+    <p:sldId id="266" r:id="rId8"/>
+    <p:sldId id="267" r:id="rId9"/>
+    <p:sldId id="268" r:id="rId10"/>
+    <p:sldId id="264" r:id="rId11"/>
+    <p:sldId id="263" r:id="rId12"/>
+    <p:sldId id="269" r:id="rId13"/>
+    <p:sldId id="270" r:id="rId14"/>
+    <p:sldId id="261" r:id="rId15"/>
+    <p:sldId id="262" r:id="rId16"/>
     <p:sldId id="271" r:id="rId17"/>
   </p:sldIdLst>
   <p:sldSz cx="12192000" cy="6858000"/>
@@ -274,7 +274,7 @@
           <a:p>
             <a:fld id="{BA6DBFC3-540E-6444-9571-9AC72F552CFB}" type="datetimeFigureOut">
               <a:rPr lang="de-DE" smtClean="0"/>
-              <a:t>03.02.25</a:t>
+              <a:t>04.02.25</a:t>
             </a:fld>
             <a:endParaRPr lang="de-DE"/>
           </a:p>
@@ -472,7 +472,7 @@
           <a:p>
             <a:fld id="{BA6DBFC3-540E-6444-9571-9AC72F552CFB}" type="datetimeFigureOut">
               <a:rPr lang="de-DE" smtClean="0"/>
-              <a:t>03.02.25</a:t>
+              <a:t>04.02.25</a:t>
             </a:fld>
             <a:endParaRPr lang="de-DE"/>
           </a:p>
@@ -680,7 +680,7 @@
           <a:p>
             <a:fld id="{BA6DBFC3-540E-6444-9571-9AC72F552CFB}" type="datetimeFigureOut">
               <a:rPr lang="de-DE" smtClean="0"/>
-              <a:t>03.02.25</a:t>
+              <a:t>04.02.25</a:t>
             </a:fld>
             <a:endParaRPr lang="de-DE"/>
           </a:p>
@@ -878,7 +878,7 @@
           <a:p>
             <a:fld id="{BA6DBFC3-540E-6444-9571-9AC72F552CFB}" type="datetimeFigureOut">
               <a:rPr lang="de-DE" smtClean="0"/>
-              <a:t>03.02.25</a:t>
+              <a:t>04.02.25</a:t>
             </a:fld>
             <a:endParaRPr lang="de-DE"/>
           </a:p>
@@ -1153,7 +1153,7 @@
           <a:p>
             <a:fld id="{BA6DBFC3-540E-6444-9571-9AC72F552CFB}" type="datetimeFigureOut">
               <a:rPr lang="de-DE" smtClean="0"/>
-              <a:t>03.02.25</a:t>
+              <a:t>04.02.25</a:t>
             </a:fld>
             <a:endParaRPr lang="de-DE"/>
           </a:p>
@@ -1418,7 +1418,7 @@
           <a:p>
             <a:fld id="{BA6DBFC3-540E-6444-9571-9AC72F552CFB}" type="datetimeFigureOut">
               <a:rPr lang="de-DE" smtClean="0"/>
-              <a:t>03.02.25</a:t>
+              <a:t>04.02.25</a:t>
             </a:fld>
             <a:endParaRPr lang="de-DE"/>
           </a:p>
@@ -1830,7 +1830,7 @@
           <a:p>
             <a:fld id="{BA6DBFC3-540E-6444-9571-9AC72F552CFB}" type="datetimeFigureOut">
               <a:rPr lang="de-DE" smtClean="0"/>
-              <a:t>03.02.25</a:t>
+              <a:t>04.02.25</a:t>
             </a:fld>
             <a:endParaRPr lang="de-DE"/>
           </a:p>
@@ -1971,7 +1971,7 @@
           <a:p>
             <a:fld id="{BA6DBFC3-540E-6444-9571-9AC72F552CFB}" type="datetimeFigureOut">
               <a:rPr lang="de-DE" smtClean="0"/>
-              <a:t>03.02.25</a:t>
+              <a:t>04.02.25</a:t>
             </a:fld>
             <a:endParaRPr lang="de-DE"/>
           </a:p>
@@ -2084,7 +2084,7 @@
           <a:p>
             <a:fld id="{BA6DBFC3-540E-6444-9571-9AC72F552CFB}" type="datetimeFigureOut">
               <a:rPr lang="de-DE" smtClean="0"/>
-              <a:t>03.02.25</a:t>
+              <a:t>04.02.25</a:t>
             </a:fld>
             <a:endParaRPr lang="de-DE"/>
           </a:p>
@@ -2395,7 +2395,7 @@
           <a:p>
             <a:fld id="{BA6DBFC3-540E-6444-9571-9AC72F552CFB}" type="datetimeFigureOut">
               <a:rPr lang="de-DE" smtClean="0"/>
-              <a:t>03.02.25</a:t>
+              <a:t>04.02.25</a:t>
             </a:fld>
             <a:endParaRPr lang="de-DE"/>
           </a:p>
@@ -2683,7 +2683,7 @@
           <a:p>
             <a:fld id="{BA6DBFC3-540E-6444-9571-9AC72F552CFB}" type="datetimeFigureOut">
               <a:rPr lang="de-DE" smtClean="0"/>
-              <a:t>03.02.25</a:t>
+              <a:t>04.02.25</a:t>
             </a:fld>
             <a:endParaRPr lang="de-DE"/>
           </a:p>
@@ -2924,7 +2924,7 @@
           <a:p>
             <a:fld id="{BA6DBFC3-540E-6444-9571-9AC72F552CFB}" type="datetimeFigureOut">
               <a:rPr lang="de-DE" smtClean="0"/>
-              <a:t>03.02.25</a:t>
+              <a:t>04.02.25</a:t>
             </a:fld>
             <a:endParaRPr lang="de-DE"/>
           </a:p>
@@ -3329,105 +3329,6 @@
   <p:cSld>
     <p:spTree>
       <p:nvGrpSpPr>
-        <p:cNvPr id="1" name="">
-          <a:extLst>
-            <a:ext uri="{FF2B5EF4-FFF2-40B4-BE49-F238E27FC236}">
-              <a16:creationId xmlns:a16="http://schemas.microsoft.com/office/drawing/2014/main" id="{DD1C70AB-7412-3488-47A4-785B2DB30A47}"/>
-            </a:ext>
-          </a:extLst>
-        </p:cNvPr>
-        <p:cNvGrpSpPr/>
-        <p:nvPr/>
-      </p:nvGrpSpPr>
-      <p:grpSpPr>
-        <a:xfrm>
-          <a:off x="0" y="0"/>
-          <a:ext cx="0" cy="0"/>
-          <a:chOff x="0" y="0"/>
-          <a:chExt cx="0" cy="0"/>
-        </a:xfrm>
-      </p:grpSpPr>
-      <p:sp>
-        <p:nvSpPr>
-          <p:cNvPr id="2" name="Titel 1">
-            <a:extLst>
-              <a:ext uri="{FF2B5EF4-FFF2-40B4-BE49-F238E27FC236}">
-                <a16:creationId xmlns:a16="http://schemas.microsoft.com/office/drawing/2014/main" id="{35BDD1AD-7069-5964-C2E1-6DB438992E33}"/>
-              </a:ext>
-            </a:extLst>
-          </p:cNvPr>
-          <p:cNvSpPr>
-            <a:spLocks noGrp="1"/>
-          </p:cNvSpPr>
-          <p:nvPr>
-            <p:ph type="ctrTitle"/>
-          </p:nvPr>
-        </p:nvSpPr>
-        <p:spPr/>
-        <p:txBody>
-          <a:bodyPr>
-            <a:normAutofit fontScale="90000"/>
-          </a:bodyPr>
-          <a:lstStyle/>
-          <a:p>
-            <a:r>
-              <a:rPr lang="de-DE" dirty="0"/>
-              <a:t>Referenzarchitektur KI-Plattform für die öffentliche Verwaltung</a:t>
-            </a:r>
-          </a:p>
-        </p:txBody>
-      </p:sp>
-      <p:sp>
-        <p:nvSpPr>
-          <p:cNvPr id="3" name="Untertitel 2">
-            <a:extLst>
-              <a:ext uri="{FF2B5EF4-FFF2-40B4-BE49-F238E27FC236}">
-                <a16:creationId xmlns:a16="http://schemas.microsoft.com/office/drawing/2014/main" id="{1397753B-E554-BE6F-D3D4-D49425BA8062}"/>
-              </a:ext>
-            </a:extLst>
-          </p:cNvPr>
-          <p:cNvSpPr>
-            <a:spLocks noGrp="1"/>
-          </p:cNvSpPr>
-          <p:nvPr>
-            <p:ph type="subTitle" idx="1"/>
-          </p:nvPr>
-        </p:nvSpPr>
-        <p:spPr/>
-        <p:txBody>
-          <a:bodyPr>
-            <a:normAutofit/>
-          </a:bodyPr>
-          <a:lstStyle/>
-          <a:p>
-            <a:endParaRPr lang="de-DE" sz="4800" dirty="0"/>
-          </a:p>
-          <a:p>
-            <a:r>
-              <a:rPr lang="de-DE" sz="4800" dirty="0"/>
-              <a:t>Architektur-Muster</a:t>
-            </a:r>
-          </a:p>
-        </p:txBody>
-      </p:sp>
-    </p:spTree>
-    <p:extLst>
-      <p:ext uri="{BB962C8B-B14F-4D97-AF65-F5344CB8AC3E}">
-        <p14:creationId xmlns:p14="http://schemas.microsoft.com/office/powerpoint/2010/main" val="2010971240"/>
-      </p:ext>
-    </p:extLst>
-  </p:cSld>
-  <p:clrMapOvr>
-    <a:masterClrMapping/>
-  </p:clrMapOvr>
-</p:sld>
-</file>
-
-<file path=ppt/slides/slide10.xml><?xml version="1.0" encoding="utf-8"?>
-<p:sld xmlns:a="http://schemas.openxmlformats.org/drawingml/2006/main" xmlns:r="http://schemas.openxmlformats.org/officeDocument/2006/relationships" xmlns:p="http://schemas.openxmlformats.org/presentationml/2006/main">
-  <p:cSld>
-    <p:spTree>
-      <p:nvGrpSpPr>
         <p:cNvPr id="1" name=""/>
         <p:cNvGrpSpPr/>
         <p:nvPr/>
@@ -3442,494 +3343,71 @@
       </p:grpSpPr>
       <p:sp>
         <p:nvSpPr>
-          <p:cNvPr id="2" name="Textfeld 1">
-            <a:extLst>
-              <a:ext uri="{FF2B5EF4-FFF2-40B4-BE49-F238E27FC236}">
-                <a16:creationId xmlns:a16="http://schemas.microsoft.com/office/drawing/2014/main" id="{C16616D8-E7D2-EED6-1440-C328B0431A4A}"/>
-              </a:ext>
-            </a:extLst>
-          </p:cNvPr>
-          <p:cNvSpPr txBox="1"/>
-          <p:nvPr/>
-        </p:nvSpPr>
-        <p:spPr>
-          <a:xfrm>
-            <a:off x="11322115" y="6488668"/>
-            <a:ext cx="618374" cy="369332"/>
-          </a:xfrm>
-          <a:prstGeom prst="rect">
-            <a:avLst/>
-          </a:prstGeom>
-          <a:noFill/>
-        </p:spPr>
-        <p:txBody>
-          <a:bodyPr wrap="none" rtlCol="0">
-            <a:spAutoFit/>
+          <p:cNvPr id="2" name="Titel 1">
+            <a:extLst>
+              <a:ext uri="{FF2B5EF4-FFF2-40B4-BE49-F238E27FC236}">
+                <a16:creationId xmlns:a16="http://schemas.microsoft.com/office/drawing/2014/main" id="{C71DB2E2-66A0-3B76-A5C8-821F1488C7E7}"/>
+              </a:ext>
+            </a:extLst>
+          </p:cNvPr>
+          <p:cNvSpPr>
+            <a:spLocks noGrp="1"/>
+          </p:cNvSpPr>
+          <p:nvPr>
+            <p:ph type="ctrTitle"/>
+          </p:nvPr>
+        </p:nvSpPr>
+        <p:spPr/>
+        <p:txBody>
+          <a:bodyPr>
+            <a:normAutofit fontScale="90000"/>
           </a:bodyPr>
           <a:lstStyle/>
           <a:p>
             <a:r>
               <a:rPr lang="de-DE" dirty="0"/>
-              <a:t>RAG</a:t>
-            </a:r>
-          </a:p>
-        </p:txBody>
-      </p:sp>
-      <p:sp>
-        <p:nvSpPr>
-          <p:cNvPr id="3" name="Rechteck 2">
-            <a:extLst>
-              <a:ext uri="{FF2B5EF4-FFF2-40B4-BE49-F238E27FC236}">
-                <a16:creationId xmlns:a16="http://schemas.microsoft.com/office/drawing/2014/main" id="{19205BB8-847E-EBB2-8B2F-46DD0FA0BC58}"/>
-              </a:ext>
-            </a:extLst>
-          </p:cNvPr>
-          <p:cNvSpPr/>
-          <p:nvPr/>
-        </p:nvSpPr>
-        <p:spPr>
-          <a:xfrm>
-            <a:off x="3776051" y="2783494"/>
-            <a:ext cx="3168088" cy="1291011"/>
-          </a:xfrm>
-          <a:prstGeom prst="rect">
-            <a:avLst/>
-          </a:prstGeom>
-        </p:spPr>
-        <p:style>
-          <a:lnRef idx="2">
-            <a:schemeClr val="accent1">
-              <a:shade val="15000"/>
-            </a:schemeClr>
-          </a:lnRef>
-          <a:fillRef idx="1">
-            <a:schemeClr val="accent1"/>
-          </a:fillRef>
-          <a:effectRef idx="0">
-            <a:schemeClr val="accent1"/>
-          </a:effectRef>
-          <a:fontRef idx="minor">
-            <a:schemeClr val="lt1"/>
-          </a:fontRef>
-        </p:style>
-        <p:txBody>
-          <a:bodyPr rtlCol="0" anchor="ctr"/>
-          <a:lstStyle/>
-          <a:p>
-            <a:pPr algn="ctr"/>
-            <a:r>
-              <a:rPr lang="de-DE" dirty="0"/>
-              <a:t>RAG</a:t>
-            </a:r>
-          </a:p>
-        </p:txBody>
-      </p:sp>
-      <p:sp>
-        <p:nvSpPr>
-          <p:cNvPr id="4" name="Rechteck 3">
-            <a:extLst>
-              <a:ext uri="{FF2B5EF4-FFF2-40B4-BE49-F238E27FC236}">
-                <a16:creationId xmlns:a16="http://schemas.microsoft.com/office/drawing/2014/main" id="{D7C291F3-0537-4AAC-57E1-F3E1222362A2}"/>
-              </a:ext>
-            </a:extLst>
-          </p:cNvPr>
-          <p:cNvSpPr/>
-          <p:nvPr/>
-        </p:nvSpPr>
-        <p:spPr>
-          <a:xfrm>
-            <a:off x="3776051" y="2067339"/>
-            <a:ext cx="3168088" cy="436783"/>
-          </a:xfrm>
-          <a:prstGeom prst="rect">
-            <a:avLst/>
-          </a:prstGeom>
-        </p:spPr>
-        <p:style>
-          <a:lnRef idx="2">
-            <a:schemeClr val="accent1">
-              <a:shade val="15000"/>
-            </a:schemeClr>
-          </a:lnRef>
-          <a:fillRef idx="1">
-            <a:schemeClr val="accent1"/>
-          </a:fillRef>
-          <a:effectRef idx="0">
-            <a:schemeClr val="accent1"/>
-          </a:effectRef>
-          <a:fontRef idx="minor">
-            <a:schemeClr val="lt1"/>
-          </a:fontRef>
-        </p:style>
-        <p:txBody>
-          <a:bodyPr rtlCol="0" anchor="ctr"/>
-          <a:lstStyle/>
-          <a:p>
-            <a:pPr algn="ctr"/>
-            <a:r>
-              <a:rPr lang="de-DE" dirty="0"/>
-              <a:t>API</a:t>
-            </a:r>
-          </a:p>
-        </p:txBody>
-      </p:sp>
-      <p:sp>
-        <p:nvSpPr>
-          <p:cNvPr id="5" name="Gefaltete Ecke 4">
-            <a:extLst>
-              <a:ext uri="{FF2B5EF4-FFF2-40B4-BE49-F238E27FC236}">
-                <a16:creationId xmlns:a16="http://schemas.microsoft.com/office/drawing/2014/main" id="{449BFB25-BFE6-AACE-5D7B-EA86A8984214}"/>
-              </a:ext>
-            </a:extLst>
-          </p:cNvPr>
-          <p:cNvSpPr/>
-          <p:nvPr/>
-        </p:nvSpPr>
-        <p:spPr>
-          <a:xfrm>
-            <a:off x="1113183" y="2787132"/>
-            <a:ext cx="2275686" cy="1287372"/>
-          </a:xfrm>
-          <a:prstGeom prst="foldedCorner">
-            <a:avLst/>
-          </a:prstGeom>
-        </p:spPr>
-        <p:style>
-          <a:lnRef idx="2">
-            <a:schemeClr val="accent1">
-              <a:shade val="15000"/>
-            </a:schemeClr>
-          </a:lnRef>
-          <a:fillRef idx="1">
-            <a:schemeClr val="accent1"/>
-          </a:fillRef>
-          <a:effectRef idx="0">
-            <a:schemeClr val="accent1"/>
-          </a:effectRef>
-          <a:fontRef idx="minor">
-            <a:schemeClr val="lt1"/>
-          </a:fontRef>
-        </p:style>
-        <p:txBody>
-          <a:bodyPr rtlCol="0" anchor="ctr"/>
-          <a:lstStyle/>
-          <a:p>
-            <a:pPr algn="ctr"/>
-            <a:r>
-              <a:rPr lang="de-DE" dirty="0"/>
-              <a:t>Framework</a:t>
-            </a:r>
-          </a:p>
-        </p:txBody>
-      </p:sp>
-      <p:sp>
-        <p:nvSpPr>
-          <p:cNvPr id="6" name="Rechteck 5">
-            <a:extLst>
-              <a:ext uri="{FF2B5EF4-FFF2-40B4-BE49-F238E27FC236}">
-                <a16:creationId xmlns:a16="http://schemas.microsoft.com/office/drawing/2014/main" id="{9C5F0B66-35BB-2B71-AF9E-5EE39A74C319}"/>
-              </a:ext>
-            </a:extLst>
-          </p:cNvPr>
-          <p:cNvSpPr/>
-          <p:nvPr/>
-        </p:nvSpPr>
-        <p:spPr>
-          <a:xfrm>
-            <a:off x="8420938" y="2783493"/>
-            <a:ext cx="3168088" cy="1291011"/>
-          </a:xfrm>
-          <a:prstGeom prst="rect">
-            <a:avLst/>
-          </a:prstGeom>
-        </p:spPr>
-        <p:style>
-          <a:lnRef idx="2">
-            <a:schemeClr val="accent1">
-              <a:shade val="15000"/>
-            </a:schemeClr>
-          </a:lnRef>
-          <a:fillRef idx="1">
-            <a:schemeClr val="accent1"/>
-          </a:fillRef>
-          <a:effectRef idx="0">
-            <a:schemeClr val="accent1"/>
-          </a:effectRef>
-          <a:fontRef idx="minor">
-            <a:schemeClr val="lt1"/>
-          </a:fontRef>
-        </p:style>
-        <p:txBody>
-          <a:bodyPr rtlCol="0" anchor="ctr"/>
-          <a:lstStyle/>
-          <a:p>
-            <a:pPr algn="ctr"/>
-            <a:r>
-              <a:rPr lang="de-DE" dirty="0"/>
-              <a:t>Modell</a:t>
-            </a:r>
-          </a:p>
-        </p:txBody>
-      </p:sp>
-      <p:cxnSp>
-        <p:nvCxnSpPr>
-          <p:cNvPr id="7" name="Gerade Verbindung mit Pfeil 6">
-            <a:extLst>
-              <a:ext uri="{FF2B5EF4-FFF2-40B4-BE49-F238E27FC236}">
-                <a16:creationId xmlns:a16="http://schemas.microsoft.com/office/drawing/2014/main" id="{8226F0F9-01BC-27E9-7B0B-CC23425489D0}"/>
-              </a:ext>
-            </a:extLst>
-          </p:cNvPr>
-          <p:cNvCxnSpPr>
-            <a:stCxn id="3" idx="3"/>
-            <a:endCxn id="6" idx="1"/>
-          </p:cNvCxnSpPr>
-          <p:nvPr/>
-        </p:nvCxnSpPr>
-        <p:spPr>
-          <a:xfrm flipV="1">
-            <a:off x="6944139" y="3428999"/>
-            <a:ext cx="1476799" cy="1"/>
-          </a:xfrm>
-          <a:prstGeom prst="straightConnector1">
-            <a:avLst/>
-          </a:prstGeom>
-          <a:ln>
-            <a:headEnd type="triangle"/>
-            <a:tailEnd type="triangle"/>
-          </a:ln>
-        </p:spPr>
-        <p:style>
-          <a:lnRef idx="2">
-            <a:schemeClr val="accent1"/>
-          </a:lnRef>
-          <a:fillRef idx="0">
-            <a:schemeClr val="accent1"/>
-          </a:fillRef>
-          <a:effectRef idx="1">
-            <a:schemeClr val="accent1"/>
-          </a:effectRef>
-          <a:fontRef idx="minor">
-            <a:schemeClr val="tx1"/>
-          </a:fontRef>
-        </p:style>
-      </p:cxnSp>
-      <p:sp>
-        <p:nvSpPr>
-          <p:cNvPr id="8" name="Textfeld 7">
-            <a:extLst>
-              <a:ext uri="{FF2B5EF4-FFF2-40B4-BE49-F238E27FC236}">
-                <a16:creationId xmlns:a16="http://schemas.microsoft.com/office/drawing/2014/main" id="{F4AD29CD-6E0D-4B86-AAF1-DBDEAE458405}"/>
-              </a:ext>
-            </a:extLst>
-          </p:cNvPr>
-          <p:cNvSpPr txBox="1"/>
-          <p:nvPr/>
-        </p:nvSpPr>
-        <p:spPr>
-          <a:xfrm>
-            <a:off x="7331320" y="3059666"/>
-            <a:ext cx="702436" cy="369332"/>
-          </a:xfrm>
-          <a:prstGeom prst="rect">
-            <a:avLst/>
-          </a:prstGeom>
-          <a:noFill/>
-        </p:spPr>
-        <p:txBody>
-          <a:bodyPr wrap="none" rtlCol="0">
-            <a:spAutoFit/>
+              <a:t>Referenzarchitektur KI-Plattform für die öffentliche Verwaltung</a:t>
+            </a:r>
+          </a:p>
+        </p:txBody>
+      </p:sp>
+      <p:sp>
+        <p:nvSpPr>
+          <p:cNvPr id="3" name="Untertitel 2">
+            <a:extLst>
+              <a:ext uri="{FF2B5EF4-FFF2-40B4-BE49-F238E27FC236}">
+                <a16:creationId xmlns:a16="http://schemas.microsoft.com/office/drawing/2014/main" id="{8930CEE2-D18C-66AA-2BC5-011C5F2D19C4}"/>
+              </a:ext>
+            </a:extLst>
+          </p:cNvPr>
+          <p:cNvSpPr>
+            <a:spLocks noGrp="1"/>
+          </p:cNvSpPr>
+          <p:nvPr>
+            <p:ph type="subTitle" idx="1"/>
+          </p:nvPr>
+        </p:nvSpPr>
+        <p:spPr/>
+        <p:txBody>
+          <a:bodyPr>
+            <a:normAutofit/>
           </a:bodyPr>
           <a:lstStyle/>
           <a:p>
-            <a:r>
-              <a:rPr lang="de-DE" dirty="0"/>
-              <a:t>HTTP</a:t>
-            </a:r>
-          </a:p>
-        </p:txBody>
-      </p:sp>
-      <p:cxnSp>
-        <p:nvCxnSpPr>
-          <p:cNvPr id="9" name="Gerade Verbindung mit Pfeil 8">
-            <a:extLst>
-              <a:ext uri="{FF2B5EF4-FFF2-40B4-BE49-F238E27FC236}">
-                <a16:creationId xmlns:a16="http://schemas.microsoft.com/office/drawing/2014/main" id="{2570699F-3085-B632-49B0-B60E6584C417}"/>
-              </a:ext>
-            </a:extLst>
-          </p:cNvPr>
-          <p:cNvCxnSpPr>
-            <a:stCxn id="4" idx="2"/>
-            <a:endCxn id="3" idx="0"/>
-          </p:cNvCxnSpPr>
-          <p:nvPr/>
-        </p:nvCxnSpPr>
-        <p:spPr>
-          <a:xfrm>
-            <a:off x="5360095" y="2504122"/>
-            <a:ext cx="0" cy="279372"/>
-          </a:xfrm>
-          <a:prstGeom prst="straightConnector1">
-            <a:avLst/>
-          </a:prstGeom>
-          <a:ln>
-            <a:headEnd type="triangle"/>
-            <a:tailEnd type="triangle"/>
-          </a:ln>
-        </p:spPr>
-        <p:style>
-          <a:lnRef idx="2">
-            <a:schemeClr val="accent1"/>
-          </a:lnRef>
-          <a:fillRef idx="0">
-            <a:schemeClr val="accent1"/>
-          </a:fillRef>
-          <a:effectRef idx="1">
-            <a:schemeClr val="accent1"/>
-          </a:effectRef>
-          <a:fontRef idx="minor">
-            <a:schemeClr val="tx1"/>
-          </a:fontRef>
-        </p:style>
-      </p:cxnSp>
-      <p:cxnSp>
-        <p:nvCxnSpPr>
-          <p:cNvPr id="18" name="Gerade Verbindung 17">
-            <a:extLst>
-              <a:ext uri="{FF2B5EF4-FFF2-40B4-BE49-F238E27FC236}">
-                <a16:creationId xmlns:a16="http://schemas.microsoft.com/office/drawing/2014/main" id="{93410C5E-28FB-5A42-76BF-14177615CD57}"/>
-              </a:ext>
-            </a:extLst>
-          </p:cNvPr>
-          <p:cNvCxnSpPr>
-            <a:stCxn id="5" idx="3"/>
-            <a:endCxn id="3" idx="1"/>
-          </p:cNvCxnSpPr>
-          <p:nvPr/>
-        </p:nvCxnSpPr>
-        <p:spPr>
-          <a:xfrm flipV="1">
-            <a:off x="3388869" y="3429000"/>
-            <a:ext cx="387182" cy="1818"/>
-          </a:xfrm>
-          <a:prstGeom prst="line">
-            <a:avLst/>
-          </a:prstGeom>
-          <a:ln>
-            <a:prstDash val="dash"/>
-          </a:ln>
-        </p:spPr>
-        <p:style>
-          <a:lnRef idx="2">
-            <a:schemeClr val="accent1"/>
-          </a:lnRef>
-          <a:fillRef idx="0">
-            <a:schemeClr val="accent1"/>
-          </a:fillRef>
-          <a:effectRef idx="1">
-            <a:schemeClr val="accent1"/>
-          </a:effectRef>
-          <a:fontRef idx="minor">
-            <a:schemeClr val="tx1"/>
-          </a:fontRef>
-        </p:style>
-      </p:cxnSp>
-      <p:sp>
-        <p:nvSpPr>
-          <p:cNvPr id="19" name="Zylinder 18">
-            <a:extLst>
-              <a:ext uri="{FF2B5EF4-FFF2-40B4-BE49-F238E27FC236}">
-                <a16:creationId xmlns:a16="http://schemas.microsoft.com/office/drawing/2014/main" id="{FC80FBA4-AD69-1285-C631-A022AB35BDFD}"/>
-              </a:ext>
-            </a:extLst>
-          </p:cNvPr>
-          <p:cNvSpPr/>
-          <p:nvPr/>
-        </p:nvSpPr>
-        <p:spPr>
-          <a:xfrm>
-            <a:off x="3776051" y="4611756"/>
-            <a:ext cx="3168088" cy="1216152"/>
-          </a:xfrm>
-          <a:prstGeom prst="can">
-            <a:avLst/>
-          </a:prstGeom>
-        </p:spPr>
-        <p:style>
-          <a:lnRef idx="2">
-            <a:schemeClr val="accent1">
-              <a:shade val="15000"/>
-            </a:schemeClr>
-          </a:lnRef>
-          <a:fillRef idx="1">
-            <a:schemeClr val="accent1"/>
-          </a:fillRef>
-          <a:effectRef idx="0">
-            <a:schemeClr val="accent1"/>
-          </a:effectRef>
-          <a:fontRef idx="minor">
-            <a:schemeClr val="lt1"/>
-          </a:fontRef>
-        </p:style>
-        <p:txBody>
-          <a:bodyPr rtlCol="0" anchor="ctr"/>
-          <a:lstStyle/>
-          <a:p>
-            <a:pPr algn="ctr"/>
-            <a:r>
-              <a:rPr lang="de-DE" dirty="0"/>
-              <a:t>Datenquelle</a:t>
-            </a:r>
-          </a:p>
-        </p:txBody>
-      </p:sp>
-      <p:cxnSp>
-        <p:nvCxnSpPr>
-          <p:cNvPr id="21" name="Gerade Verbindung mit Pfeil 20">
-            <a:extLst>
-              <a:ext uri="{FF2B5EF4-FFF2-40B4-BE49-F238E27FC236}">
-                <a16:creationId xmlns:a16="http://schemas.microsoft.com/office/drawing/2014/main" id="{20C0CCDE-B912-9D23-8CCC-031A31C55106}"/>
-              </a:ext>
-            </a:extLst>
-          </p:cNvPr>
-          <p:cNvCxnSpPr>
-            <a:stCxn id="3" idx="2"/>
-            <a:endCxn id="19" idx="1"/>
-          </p:cNvCxnSpPr>
-          <p:nvPr/>
-        </p:nvCxnSpPr>
-        <p:spPr>
-          <a:xfrm>
-            <a:off x="5360095" y="4074505"/>
-            <a:ext cx="0" cy="537251"/>
-          </a:xfrm>
-          <a:prstGeom prst="straightConnector1">
-            <a:avLst/>
-          </a:prstGeom>
-          <a:ln>
-            <a:headEnd type="triangle"/>
-            <a:tailEnd type="triangle"/>
-          </a:ln>
-        </p:spPr>
-        <p:style>
-          <a:lnRef idx="2">
-            <a:schemeClr val="accent1"/>
-          </a:lnRef>
-          <a:fillRef idx="0">
-            <a:schemeClr val="accent1"/>
-          </a:fillRef>
-          <a:effectRef idx="1">
-            <a:schemeClr val="accent1"/>
-          </a:effectRef>
-          <a:fontRef idx="minor">
-            <a:schemeClr val="tx1"/>
-          </a:fontRef>
-        </p:style>
-      </p:cxnSp>
+            <a:endParaRPr lang="de-DE" sz="4800" dirty="0"/>
+          </a:p>
+          <a:p>
+            <a:r>
+              <a:rPr lang="de-DE" sz="4800" dirty="0"/>
+              <a:t>Building-Blocks</a:t>
+            </a:r>
+          </a:p>
+        </p:txBody>
+      </p:sp>
     </p:spTree>
     <p:extLst>
       <p:ext uri="{BB962C8B-B14F-4D97-AF65-F5344CB8AC3E}">
-        <p14:creationId xmlns:p14="http://schemas.microsoft.com/office/powerpoint/2010/main" val="204256130"/>
+        <p14:creationId xmlns:p14="http://schemas.microsoft.com/office/powerpoint/2010/main" val="764292948"/>
       </p:ext>
     </p:extLst>
   </p:cSld>
@@ -3939,1240 +3417,7 @@
 </p:sld>
 </file>
 
-<file path=ppt/slides/slide11.xml><?xml version="1.0" encoding="utf-8"?>
-<p:sld xmlns:a="http://schemas.openxmlformats.org/drawingml/2006/main" xmlns:r="http://schemas.openxmlformats.org/officeDocument/2006/relationships" xmlns:p="http://schemas.openxmlformats.org/presentationml/2006/main">
-  <p:cSld>
-    <p:spTree>
-      <p:nvGrpSpPr>
-        <p:cNvPr id="1" name=""/>
-        <p:cNvGrpSpPr/>
-        <p:nvPr/>
-      </p:nvGrpSpPr>
-      <p:grpSpPr>
-        <a:xfrm>
-          <a:off x="0" y="0"/>
-          <a:ext cx="0" cy="0"/>
-          <a:chOff x="0" y="0"/>
-          <a:chExt cx="0" cy="0"/>
-        </a:xfrm>
-      </p:grpSpPr>
-      <p:sp>
-        <p:nvSpPr>
-          <p:cNvPr id="2" name="Abgerundetes Rechteck 1">
-            <a:extLst>
-              <a:ext uri="{FF2B5EF4-FFF2-40B4-BE49-F238E27FC236}">
-                <a16:creationId xmlns:a16="http://schemas.microsoft.com/office/drawing/2014/main" id="{432B9BF0-42C0-A960-DFB4-3E320B8604AC}"/>
-              </a:ext>
-            </a:extLst>
-          </p:cNvPr>
-          <p:cNvSpPr/>
-          <p:nvPr/>
-        </p:nvSpPr>
-        <p:spPr bwMode="gray">
-          <a:xfrm>
-            <a:off x="6324528" y="1388257"/>
-            <a:ext cx="2867226" cy="3767859"/>
-          </a:xfrm>
-          <a:prstGeom prst="roundRect">
-            <a:avLst/>
-          </a:prstGeom>
-          <a:solidFill>
-            <a:schemeClr val="bg1"/>
-          </a:solidFill>
-          <a:ln w="9525">
-            <a:solidFill>
-              <a:schemeClr val="tx1"/>
-            </a:solidFill>
-          </a:ln>
-        </p:spPr>
-        <p:style>
-          <a:lnRef idx="2">
-            <a:schemeClr val="accent1">
-              <a:shade val="50000"/>
-            </a:schemeClr>
-          </a:lnRef>
-          <a:fillRef idx="1">
-            <a:schemeClr val="accent1"/>
-          </a:fillRef>
-          <a:effectRef idx="0">
-            <a:schemeClr val="accent1"/>
-          </a:effectRef>
-          <a:fontRef idx="minor">
-            <a:schemeClr val="lt1"/>
-          </a:fontRef>
-        </p:style>
-        <p:txBody>
-          <a:bodyPr lIns="0" tIns="0" rIns="0" bIns="0" rtlCol="0" anchor="t"/>
-          <a:lstStyle/>
-          <a:p>
-            <a:pPr algn="ctr"/>
-            <a:endParaRPr lang="de-DE" sz="1400" dirty="0">
-              <a:solidFill>
-                <a:schemeClr val="tx1"/>
-              </a:solidFill>
-            </a:endParaRPr>
-          </a:p>
-        </p:txBody>
-      </p:sp>
-      <p:sp>
-        <p:nvSpPr>
-          <p:cNvPr id="3" name="Abgerundetes Rechteck 2">
-            <a:extLst>
-              <a:ext uri="{FF2B5EF4-FFF2-40B4-BE49-F238E27FC236}">
-                <a16:creationId xmlns:a16="http://schemas.microsoft.com/office/drawing/2014/main" id="{EABF9221-309B-05D2-27F1-5762CF84DD05}"/>
-              </a:ext>
-            </a:extLst>
-          </p:cNvPr>
-          <p:cNvSpPr/>
-          <p:nvPr/>
-        </p:nvSpPr>
-        <p:spPr bwMode="gray">
-          <a:xfrm>
-            <a:off x="6621366" y="3979787"/>
-            <a:ext cx="914400" cy="914400"/>
-          </a:xfrm>
-          <a:prstGeom prst="roundRect">
-            <a:avLst/>
-          </a:prstGeom>
-          <a:solidFill>
-            <a:schemeClr val="bg1"/>
-          </a:solidFill>
-          <a:ln w="9525">
-            <a:solidFill>
-              <a:schemeClr val="tx1"/>
-            </a:solidFill>
-          </a:ln>
-        </p:spPr>
-        <p:style>
-          <a:lnRef idx="2">
-            <a:schemeClr val="accent1">
-              <a:shade val="50000"/>
-            </a:schemeClr>
-          </a:lnRef>
-          <a:fillRef idx="1">
-            <a:schemeClr val="accent1"/>
-          </a:fillRef>
-          <a:effectRef idx="0">
-            <a:schemeClr val="accent1"/>
-          </a:effectRef>
-          <a:fontRef idx="minor">
-            <a:schemeClr val="lt1"/>
-          </a:fontRef>
-        </p:style>
-        <p:txBody>
-          <a:bodyPr lIns="0" tIns="0" rIns="0" bIns="0" rtlCol="0" anchor="ctr"/>
-          <a:lstStyle/>
-          <a:p>
-            <a:pPr algn="ctr"/>
-            <a:r>
-              <a:rPr lang="de-DE" sz="1400" dirty="0" err="1">
-                <a:solidFill>
-                  <a:schemeClr val="tx1"/>
-                </a:solidFill>
-              </a:rPr>
-              <a:t>Reasoning</a:t>
-            </a:r>
-            <a:endParaRPr lang="de-DE" sz="1400" dirty="0">
-              <a:solidFill>
-                <a:schemeClr val="tx1"/>
-              </a:solidFill>
-            </a:endParaRPr>
-          </a:p>
-        </p:txBody>
-      </p:sp>
-      <p:sp>
-        <p:nvSpPr>
-          <p:cNvPr id="5" name="Abgerundetes Rechteck 4">
-            <a:extLst>
-              <a:ext uri="{FF2B5EF4-FFF2-40B4-BE49-F238E27FC236}">
-                <a16:creationId xmlns:a16="http://schemas.microsoft.com/office/drawing/2014/main" id="{2E50D81D-0FB8-2B32-B9FE-3685E4814FD6}"/>
-              </a:ext>
-            </a:extLst>
-          </p:cNvPr>
-          <p:cNvSpPr/>
-          <p:nvPr/>
-        </p:nvSpPr>
-        <p:spPr bwMode="gray">
-          <a:xfrm>
-            <a:off x="1205948" y="1048149"/>
-            <a:ext cx="1301262" cy="545123"/>
-          </a:xfrm>
-          <a:prstGeom prst="roundRect">
-            <a:avLst/>
-          </a:prstGeom>
-          <a:solidFill>
-            <a:schemeClr val="bg1"/>
-          </a:solidFill>
-          <a:ln w="9525">
-            <a:solidFill>
-              <a:schemeClr val="tx1"/>
-            </a:solidFill>
-          </a:ln>
-        </p:spPr>
-        <p:style>
-          <a:lnRef idx="2">
-            <a:schemeClr val="accent1">
-              <a:shade val="50000"/>
-            </a:schemeClr>
-          </a:lnRef>
-          <a:fillRef idx="1">
-            <a:schemeClr val="accent1"/>
-          </a:fillRef>
-          <a:effectRef idx="0">
-            <a:schemeClr val="accent1"/>
-          </a:effectRef>
-          <a:fontRef idx="minor">
-            <a:schemeClr val="lt1"/>
-          </a:fontRef>
-        </p:style>
-        <p:txBody>
-          <a:bodyPr lIns="0" tIns="0" rIns="0" bIns="0" rtlCol="0" anchor="ctr"/>
-          <a:lstStyle/>
-          <a:p>
-            <a:pPr algn="ctr"/>
-            <a:r>
-              <a:rPr lang="de-DE" sz="1400" dirty="0">
-                <a:solidFill>
-                  <a:schemeClr val="tx1"/>
-                </a:solidFill>
-              </a:rPr>
-              <a:t>Task</a:t>
-            </a:r>
-          </a:p>
-        </p:txBody>
-      </p:sp>
-      <p:sp>
-        <p:nvSpPr>
-          <p:cNvPr id="6" name="Abgerundetes Rechteck 5">
-            <a:extLst>
-              <a:ext uri="{FF2B5EF4-FFF2-40B4-BE49-F238E27FC236}">
-                <a16:creationId xmlns:a16="http://schemas.microsoft.com/office/drawing/2014/main" id="{F9AE25E2-72E4-EC49-8680-60C34E22DB2A}"/>
-              </a:ext>
-            </a:extLst>
-          </p:cNvPr>
-          <p:cNvSpPr/>
-          <p:nvPr/>
-        </p:nvSpPr>
-        <p:spPr bwMode="gray">
-          <a:xfrm>
-            <a:off x="2828365" y="1048149"/>
-            <a:ext cx="1301262" cy="545123"/>
-          </a:xfrm>
-          <a:prstGeom prst="roundRect">
-            <a:avLst/>
-          </a:prstGeom>
-          <a:solidFill>
-            <a:schemeClr val="bg1"/>
-          </a:solidFill>
-          <a:ln w="9525">
-            <a:solidFill>
-              <a:schemeClr val="tx1"/>
-            </a:solidFill>
-          </a:ln>
-        </p:spPr>
-        <p:style>
-          <a:lnRef idx="2">
-            <a:schemeClr val="accent1">
-              <a:shade val="50000"/>
-            </a:schemeClr>
-          </a:lnRef>
-          <a:fillRef idx="1">
-            <a:schemeClr val="accent1"/>
-          </a:fillRef>
-          <a:effectRef idx="0">
-            <a:schemeClr val="accent1"/>
-          </a:effectRef>
-          <a:fontRef idx="minor">
-            <a:schemeClr val="lt1"/>
-          </a:fontRef>
-        </p:style>
-        <p:txBody>
-          <a:bodyPr lIns="0" tIns="0" rIns="0" bIns="0" rtlCol="0" anchor="ctr"/>
-          <a:lstStyle/>
-          <a:p>
-            <a:pPr algn="ctr"/>
-            <a:r>
-              <a:rPr lang="de-DE" sz="1400" dirty="0" err="1">
-                <a:solidFill>
-                  <a:schemeClr val="tx1"/>
-                </a:solidFill>
-              </a:rPr>
-              <a:t>Decision</a:t>
-            </a:r>
-            <a:endParaRPr lang="de-DE" sz="1400" dirty="0">
-              <a:solidFill>
-                <a:schemeClr val="tx1"/>
-              </a:solidFill>
-            </a:endParaRPr>
-          </a:p>
-        </p:txBody>
-      </p:sp>
-      <p:sp>
-        <p:nvSpPr>
-          <p:cNvPr id="7" name="Abgerundetes Rechteck 6">
-            <a:extLst>
-              <a:ext uri="{FF2B5EF4-FFF2-40B4-BE49-F238E27FC236}">
-                <a16:creationId xmlns:a16="http://schemas.microsoft.com/office/drawing/2014/main" id="{E04E9B34-85C7-C6A8-1DF4-8F2CA8C24225}"/>
-              </a:ext>
-            </a:extLst>
-          </p:cNvPr>
-          <p:cNvSpPr/>
-          <p:nvPr/>
-        </p:nvSpPr>
-        <p:spPr bwMode="gray">
-          <a:xfrm>
-            <a:off x="9425755" y="3698837"/>
-            <a:ext cx="1301262" cy="545123"/>
-          </a:xfrm>
-          <a:prstGeom prst="roundRect">
-            <a:avLst/>
-          </a:prstGeom>
-          <a:solidFill>
-            <a:schemeClr val="bg1"/>
-          </a:solidFill>
-          <a:ln w="9525">
-            <a:solidFill>
-              <a:schemeClr val="tx1"/>
-            </a:solidFill>
-          </a:ln>
-        </p:spPr>
-        <p:style>
-          <a:lnRef idx="2">
-            <a:schemeClr val="accent1">
-              <a:shade val="50000"/>
-            </a:schemeClr>
-          </a:lnRef>
-          <a:fillRef idx="1">
-            <a:schemeClr val="accent1"/>
-          </a:fillRef>
-          <a:effectRef idx="0">
-            <a:schemeClr val="accent1"/>
-          </a:effectRef>
-          <a:fontRef idx="minor">
-            <a:schemeClr val="lt1"/>
-          </a:fontRef>
-        </p:style>
-        <p:txBody>
-          <a:bodyPr lIns="0" tIns="0" rIns="0" bIns="0" rtlCol="0" anchor="ctr"/>
-          <a:lstStyle/>
-          <a:p>
-            <a:pPr algn="ctr"/>
-            <a:r>
-              <a:rPr lang="de-DE" sz="1400" dirty="0">
-                <a:solidFill>
-                  <a:schemeClr val="tx1"/>
-                </a:solidFill>
-              </a:rPr>
-              <a:t>Environment</a:t>
-            </a:r>
-          </a:p>
-        </p:txBody>
-      </p:sp>
-      <p:sp>
-        <p:nvSpPr>
-          <p:cNvPr id="8" name="Abgerundetes Rechteck 7">
-            <a:extLst>
-              <a:ext uri="{FF2B5EF4-FFF2-40B4-BE49-F238E27FC236}">
-                <a16:creationId xmlns:a16="http://schemas.microsoft.com/office/drawing/2014/main" id="{AF42AC78-B42F-7488-AFA9-33FF85107A81}"/>
-              </a:ext>
-            </a:extLst>
-          </p:cNvPr>
-          <p:cNvSpPr/>
-          <p:nvPr/>
-        </p:nvSpPr>
-        <p:spPr bwMode="gray">
-          <a:xfrm>
-            <a:off x="6543055" y="1948407"/>
-            <a:ext cx="1106191" cy="545123"/>
-          </a:xfrm>
-          <a:prstGeom prst="roundRect">
-            <a:avLst/>
-          </a:prstGeom>
-          <a:solidFill>
-            <a:schemeClr val="bg1"/>
-          </a:solidFill>
-          <a:ln w="9525">
-            <a:solidFill>
-              <a:schemeClr val="tx1"/>
-            </a:solidFill>
-          </a:ln>
-        </p:spPr>
-        <p:style>
-          <a:lnRef idx="2">
-            <a:schemeClr val="accent1">
-              <a:shade val="50000"/>
-            </a:schemeClr>
-          </a:lnRef>
-          <a:fillRef idx="1">
-            <a:schemeClr val="accent1"/>
-          </a:fillRef>
-          <a:effectRef idx="0">
-            <a:schemeClr val="accent1"/>
-          </a:effectRef>
-          <a:fontRef idx="minor">
-            <a:schemeClr val="lt1"/>
-          </a:fontRef>
-        </p:style>
-        <p:txBody>
-          <a:bodyPr lIns="0" tIns="0" rIns="0" bIns="0" rtlCol="0" anchor="ctr"/>
-          <a:lstStyle/>
-          <a:p>
-            <a:pPr algn="ctr"/>
-            <a:r>
-              <a:rPr lang="de-DE" sz="1400" dirty="0">
-                <a:solidFill>
-                  <a:schemeClr val="tx1"/>
-                </a:solidFill>
-              </a:rPr>
-              <a:t>Memory</a:t>
-            </a:r>
-          </a:p>
-        </p:txBody>
-      </p:sp>
-      <p:sp>
-        <p:nvSpPr>
-          <p:cNvPr id="9" name="Abgerundetes Rechteck 8">
-            <a:extLst>
-              <a:ext uri="{FF2B5EF4-FFF2-40B4-BE49-F238E27FC236}">
-                <a16:creationId xmlns:a16="http://schemas.microsoft.com/office/drawing/2014/main" id="{CF19667F-EBB5-7F11-B1C6-F5E5FC94A041}"/>
-              </a:ext>
-            </a:extLst>
-          </p:cNvPr>
-          <p:cNvSpPr/>
-          <p:nvPr/>
-        </p:nvSpPr>
-        <p:spPr bwMode="gray">
-          <a:xfrm>
-            <a:off x="6519600" y="3702841"/>
-            <a:ext cx="1106191" cy="545123"/>
-          </a:xfrm>
-          <a:prstGeom prst="roundRect">
-            <a:avLst/>
-          </a:prstGeom>
-          <a:solidFill>
-            <a:schemeClr val="bg1"/>
-          </a:solidFill>
-          <a:ln w="9525">
-            <a:solidFill>
-              <a:schemeClr val="tx1"/>
-            </a:solidFill>
-          </a:ln>
-        </p:spPr>
-        <p:style>
-          <a:lnRef idx="2">
-            <a:schemeClr val="accent1">
-              <a:shade val="50000"/>
-            </a:schemeClr>
-          </a:lnRef>
-          <a:fillRef idx="1">
-            <a:schemeClr val="accent1"/>
-          </a:fillRef>
-          <a:effectRef idx="0">
-            <a:schemeClr val="accent1"/>
-          </a:effectRef>
-          <a:fontRef idx="minor">
-            <a:schemeClr val="lt1"/>
-          </a:fontRef>
-        </p:style>
-        <p:txBody>
-          <a:bodyPr lIns="0" tIns="0" rIns="0" bIns="0" rtlCol="0" anchor="ctr"/>
-          <a:lstStyle/>
-          <a:p>
-            <a:pPr algn="ctr"/>
-            <a:r>
-              <a:rPr lang="de-DE" sz="1400" dirty="0">
-                <a:solidFill>
-                  <a:schemeClr val="tx1"/>
-                </a:solidFill>
-              </a:rPr>
-              <a:t>LLM</a:t>
-            </a:r>
-          </a:p>
-        </p:txBody>
-      </p:sp>
-      <p:sp>
-        <p:nvSpPr>
-          <p:cNvPr id="11" name="Abgerundetes Rechteck 10">
-            <a:extLst>
-              <a:ext uri="{FF2B5EF4-FFF2-40B4-BE49-F238E27FC236}">
-                <a16:creationId xmlns:a16="http://schemas.microsoft.com/office/drawing/2014/main" id="{C8A2848D-2A8A-43EC-A663-B0A40D1CCFC2}"/>
-              </a:ext>
-            </a:extLst>
-          </p:cNvPr>
-          <p:cNvSpPr/>
-          <p:nvPr/>
-        </p:nvSpPr>
-        <p:spPr bwMode="gray">
-          <a:xfrm>
-            <a:off x="7805392" y="3702840"/>
-            <a:ext cx="1106191" cy="545123"/>
-          </a:xfrm>
-          <a:prstGeom prst="roundRect">
-            <a:avLst/>
-          </a:prstGeom>
-          <a:solidFill>
-            <a:schemeClr val="bg1"/>
-          </a:solidFill>
-          <a:ln w="9525">
-            <a:solidFill>
-              <a:schemeClr val="tx1"/>
-            </a:solidFill>
-          </a:ln>
-        </p:spPr>
-        <p:style>
-          <a:lnRef idx="2">
-            <a:schemeClr val="accent1">
-              <a:shade val="50000"/>
-            </a:schemeClr>
-          </a:lnRef>
-          <a:fillRef idx="1">
-            <a:schemeClr val="accent1"/>
-          </a:fillRef>
-          <a:effectRef idx="0">
-            <a:schemeClr val="accent1"/>
-          </a:effectRef>
-          <a:fontRef idx="minor">
-            <a:schemeClr val="lt1"/>
-          </a:fontRef>
-        </p:style>
-        <p:txBody>
-          <a:bodyPr lIns="0" tIns="0" rIns="0" bIns="0" rtlCol="0" anchor="ctr"/>
-          <a:lstStyle/>
-          <a:p>
-            <a:pPr algn="ctr"/>
-            <a:r>
-              <a:rPr lang="de-DE" sz="1400" dirty="0">
-                <a:solidFill>
-                  <a:schemeClr val="tx1"/>
-                </a:solidFill>
-              </a:rPr>
-              <a:t>Tool</a:t>
-            </a:r>
-          </a:p>
-        </p:txBody>
-      </p:sp>
-      <p:cxnSp>
-        <p:nvCxnSpPr>
-          <p:cNvPr id="12" name="Gekrümmte Verbindung 11">
-            <a:extLst>
-              <a:ext uri="{FF2B5EF4-FFF2-40B4-BE49-F238E27FC236}">
-                <a16:creationId xmlns:a16="http://schemas.microsoft.com/office/drawing/2014/main" id="{FC6B889C-E4A8-E548-87B5-589AF3370128}"/>
-              </a:ext>
-            </a:extLst>
-          </p:cNvPr>
-          <p:cNvCxnSpPr>
-            <a:stCxn id="11" idx="0"/>
-            <a:endCxn id="7" idx="0"/>
-          </p:cNvCxnSpPr>
-          <p:nvPr/>
-        </p:nvCxnSpPr>
-        <p:spPr>
-          <a:xfrm rot="5400000" flipH="1" flipV="1">
-            <a:off x="9215436" y="2841890"/>
-            <a:ext cx="4003" cy="1717898"/>
-          </a:xfrm>
-          <a:prstGeom prst="curvedConnector3">
-            <a:avLst>
-              <a:gd name="adj1" fmla="val 11082138"/>
-            </a:avLst>
-          </a:prstGeom>
-          <a:ln w="25400">
-            <a:solidFill>
-              <a:schemeClr val="tx1"/>
-            </a:solidFill>
-            <a:tailEnd type="triangle"/>
-          </a:ln>
-        </p:spPr>
-        <p:style>
-          <a:lnRef idx="1">
-            <a:schemeClr val="accent1"/>
-          </a:lnRef>
-          <a:fillRef idx="0">
-            <a:schemeClr val="accent1"/>
-          </a:fillRef>
-          <a:effectRef idx="0">
-            <a:schemeClr val="accent1"/>
-          </a:effectRef>
-          <a:fontRef idx="minor">
-            <a:schemeClr val="tx1"/>
-          </a:fontRef>
-        </p:style>
-      </p:cxnSp>
-      <p:cxnSp>
-        <p:nvCxnSpPr>
-          <p:cNvPr id="13" name="Gekrümmte Verbindung 12">
-            <a:extLst>
-              <a:ext uri="{FF2B5EF4-FFF2-40B4-BE49-F238E27FC236}">
-                <a16:creationId xmlns:a16="http://schemas.microsoft.com/office/drawing/2014/main" id="{30BE2450-6948-F60A-2539-A7B06E3A857A}"/>
-              </a:ext>
-            </a:extLst>
-          </p:cNvPr>
-          <p:cNvCxnSpPr>
-            <a:cxnSpLocks/>
-            <a:stCxn id="7" idx="2"/>
-            <a:endCxn id="11" idx="2"/>
-          </p:cNvCxnSpPr>
-          <p:nvPr/>
-        </p:nvCxnSpPr>
-        <p:spPr>
-          <a:xfrm rot="5400000">
-            <a:off x="9215436" y="3387012"/>
-            <a:ext cx="4003" cy="1717898"/>
-          </a:xfrm>
-          <a:prstGeom prst="curvedConnector3">
-            <a:avLst>
-              <a:gd name="adj1" fmla="val 11082163"/>
-            </a:avLst>
-          </a:prstGeom>
-          <a:ln w="25400">
-            <a:solidFill>
-              <a:schemeClr val="tx1"/>
-            </a:solidFill>
-            <a:tailEnd type="triangle"/>
-          </a:ln>
-        </p:spPr>
-        <p:style>
-          <a:lnRef idx="1">
-            <a:schemeClr val="accent1"/>
-          </a:lnRef>
-          <a:fillRef idx="0">
-            <a:schemeClr val="accent1"/>
-          </a:fillRef>
-          <a:effectRef idx="0">
-            <a:schemeClr val="accent1"/>
-          </a:effectRef>
-          <a:fontRef idx="minor">
-            <a:schemeClr val="tx1"/>
-          </a:fontRef>
-        </p:style>
-      </p:cxnSp>
-      <p:cxnSp>
-        <p:nvCxnSpPr>
-          <p:cNvPr id="14" name="Gerade Verbindung 13">
-            <a:extLst>
-              <a:ext uri="{FF2B5EF4-FFF2-40B4-BE49-F238E27FC236}">
-                <a16:creationId xmlns:a16="http://schemas.microsoft.com/office/drawing/2014/main" id="{D9F9B59A-AC4B-6ED7-276B-8A89E3C715EF}"/>
-              </a:ext>
-            </a:extLst>
-          </p:cNvPr>
-          <p:cNvCxnSpPr>
-            <a:stCxn id="9" idx="3"/>
-            <a:endCxn id="11" idx="1"/>
-          </p:cNvCxnSpPr>
-          <p:nvPr/>
-        </p:nvCxnSpPr>
-        <p:spPr>
-          <a:xfrm flipV="1">
-            <a:off x="7625791" y="3975402"/>
-            <a:ext cx="179601" cy="1"/>
-          </a:xfrm>
-          <a:prstGeom prst="line">
-            <a:avLst/>
-          </a:prstGeom>
-          <a:ln w="25400">
-            <a:solidFill>
-              <a:schemeClr val="tx1"/>
-            </a:solidFill>
-          </a:ln>
-        </p:spPr>
-        <p:style>
-          <a:lnRef idx="1">
-            <a:schemeClr val="accent1"/>
-          </a:lnRef>
-          <a:fillRef idx="0">
-            <a:schemeClr val="accent1"/>
-          </a:fillRef>
-          <a:effectRef idx="0">
-            <a:schemeClr val="accent1"/>
-          </a:effectRef>
-          <a:fontRef idx="minor">
-            <a:schemeClr val="tx1"/>
-          </a:fontRef>
-        </p:style>
-      </p:cxnSp>
-      <p:cxnSp>
-        <p:nvCxnSpPr>
-          <p:cNvPr id="15" name="Gerade Verbindung 14">
-            <a:extLst>
-              <a:ext uri="{FF2B5EF4-FFF2-40B4-BE49-F238E27FC236}">
-                <a16:creationId xmlns:a16="http://schemas.microsoft.com/office/drawing/2014/main" id="{6371F1EB-22C4-7823-31A5-0C762C801A33}"/>
-              </a:ext>
-            </a:extLst>
-          </p:cNvPr>
-          <p:cNvCxnSpPr>
-            <a:cxnSpLocks/>
-            <a:stCxn id="9" idx="0"/>
-            <a:endCxn id="8" idx="2"/>
-          </p:cNvCxnSpPr>
-          <p:nvPr/>
-        </p:nvCxnSpPr>
-        <p:spPr>
-          <a:xfrm flipV="1">
-            <a:off x="7072696" y="2493530"/>
-            <a:ext cx="23455" cy="1209311"/>
-          </a:xfrm>
-          <a:prstGeom prst="line">
-            <a:avLst/>
-          </a:prstGeom>
-          <a:ln w="25400">
-            <a:solidFill>
-              <a:schemeClr val="tx1"/>
-            </a:solidFill>
-          </a:ln>
-        </p:spPr>
-        <p:style>
-          <a:lnRef idx="1">
-            <a:schemeClr val="accent1"/>
-          </a:lnRef>
-          <a:fillRef idx="0">
-            <a:schemeClr val="accent1"/>
-          </a:fillRef>
-          <a:effectRef idx="0">
-            <a:schemeClr val="accent1"/>
-          </a:effectRef>
-          <a:fontRef idx="minor">
-            <a:schemeClr val="tx1"/>
-          </a:fontRef>
-        </p:style>
-      </p:cxnSp>
-      <p:sp>
-        <p:nvSpPr>
-          <p:cNvPr id="17" name="Abgerundetes Rechteck 16">
-            <a:extLst>
-              <a:ext uri="{FF2B5EF4-FFF2-40B4-BE49-F238E27FC236}">
-                <a16:creationId xmlns:a16="http://schemas.microsoft.com/office/drawing/2014/main" id="{1FD404EB-E0D9-8AA6-8321-BF7000FB44C8}"/>
-              </a:ext>
-            </a:extLst>
-          </p:cNvPr>
-          <p:cNvSpPr/>
-          <p:nvPr/>
-        </p:nvSpPr>
-        <p:spPr bwMode="gray">
-          <a:xfrm>
-            <a:off x="7921901" y="1948406"/>
-            <a:ext cx="1106191" cy="545123"/>
-          </a:xfrm>
-          <a:prstGeom prst="roundRect">
-            <a:avLst/>
-          </a:prstGeom>
-          <a:solidFill>
-            <a:schemeClr val="accent3">
-              <a:lumMod val="60000"/>
-              <a:lumOff val="40000"/>
-            </a:schemeClr>
-          </a:solidFill>
-          <a:ln w="9525">
-            <a:solidFill>
-              <a:schemeClr val="tx1"/>
-            </a:solidFill>
-          </a:ln>
-        </p:spPr>
-        <p:style>
-          <a:lnRef idx="2">
-            <a:schemeClr val="accent1">
-              <a:shade val="50000"/>
-            </a:schemeClr>
-          </a:lnRef>
-          <a:fillRef idx="1">
-            <a:schemeClr val="accent1"/>
-          </a:fillRef>
-          <a:effectRef idx="0">
-            <a:schemeClr val="accent1"/>
-          </a:effectRef>
-          <a:fontRef idx="minor">
-            <a:schemeClr val="lt1"/>
-          </a:fontRef>
-        </p:style>
-        <p:txBody>
-          <a:bodyPr lIns="0" tIns="0" rIns="0" bIns="0" rtlCol="0" anchor="ctr"/>
-          <a:lstStyle/>
-          <a:p>
-            <a:pPr algn="ctr"/>
-            <a:r>
-              <a:rPr lang="de-DE" sz="1400" dirty="0" err="1">
-                <a:solidFill>
-                  <a:schemeClr val="tx1"/>
-                </a:solidFill>
-              </a:rPr>
-              <a:t>Cognitive</a:t>
-            </a:r>
-            <a:r>
-              <a:rPr lang="de-DE" sz="1400" dirty="0">
-                <a:solidFill>
-                  <a:schemeClr val="tx1"/>
-                </a:solidFill>
-              </a:rPr>
-              <a:t> Skills</a:t>
-            </a:r>
-          </a:p>
-        </p:txBody>
-      </p:sp>
-      <p:cxnSp>
-        <p:nvCxnSpPr>
-          <p:cNvPr id="18" name="Gewinkelte Verbindung 17">
-            <a:extLst>
-              <a:ext uri="{FF2B5EF4-FFF2-40B4-BE49-F238E27FC236}">
-                <a16:creationId xmlns:a16="http://schemas.microsoft.com/office/drawing/2014/main" id="{53C69240-FD6C-BDB4-F06D-9DD1E8CAD0B8}"/>
-              </a:ext>
-            </a:extLst>
-          </p:cNvPr>
-          <p:cNvCxnSpPr>
-            <a:stCxn id="9" idx="0"/>
-            <a:endCxn id="17" idx="2"/>
-          </p:cNvCxnSpPr>
-          <p:nvPr/>
-        </p:nvCxnSpPr>
-        <p:spPr>
-          <a:xfrm rot="5400000" flipH="1" flipV="1">
-            <a:off x="7169190" y="2397035"/>
-            <a:ext cx="1209312" cy="1402301"/>
-          </a:xfrm>
-          <a:prstGeom prst="bentConnector3">
-            <a:avLst/>
-          </a:prstGeom>
-          <a:ln w="25400">
-            <a:solidFill>
-              <a:schemeClr val="tx1"/>
-            </a:solidFill>
-          </a:ln>
-        </p:spPr>
-        <p:style>
-          <a:lnRef idx="1">
-            <a:schemeClr val="accent1"/>
-          </a:lnRef>
-          <a:fillRef idx="0">
-            <a:schemeClr val="accent1"/>
-          </a:fillRef>
-          <a:effectRef idx="0">
-            <a:schemeClr val="accent1"/>
-          </a:effectRef>
-          <a:fontRef idx="minor">
-            <a:schemeClr val="tx1"/>
-          </a:fontRef>
-        </p:style>
-      </p:cxnSp>
-      <p:sp>
-        <p:nvSpPr>
-          <p:cNvPr id="19" name="Textfeld 18">
-            <a:extLst>
-              <a:ext uri="{FF2B5EF4-FFF2-40B4-BE49-F238E27FC236}">
-                <a16:creationId xmlns:a16="http://schemas.microsoft.com/office/drawing/2014/main" id="{271446E5-C4C5-CF54-8863-54B3FB5583D2}"/>
-              </a:ext>
-            </a:extLst>
-          </p:cNvPr>
-          <p:cNvSpPr txBox="1"/>
-          <p:nvPr/>
-        </p:nvSpPr>
-        <p:spPr>
-          <a:xfrm>
-            <a:off x="11322115" y="6488668"/>
-            <a:ext cx="759695" cy="369332"/>
-          </a:xfrm>
-          <a:prstGeom prst="rect">
-            <a:avLst/>
-          </a:prstGeom>
-          <a:noFill/>
-        </p:spPr>
-        <p:txBody>
-          <a:bodyPr wrap="none" rtlCol="0">
-            <a:spAutoFit/>
-          </a:bodyPr>
-          <a:lstStyle/>
-          <a:p>
-            <a:r>
-              <a:rPr lang="de-DE" dirty="0"/>
-              <a:t>Agent</a:t>
-            </a:r>
-          </a:p>
-        </p:txBody>
-      </p:sp>
-      <p:sp>
-        <p:nvSpPr>
-          <p:cNvPr id="20" name="Rechteck 19">
-            <a:extLst>
-              <a:ext uri="{FF2B5EF4-FFF2-40B4-BE49-F238E27FC236}">
-                <a16:creationId xmlns:a16="http://schemas.microsoft.com/office/drawing/2014/main" id="{4DFF252B-4DA6-93B5-4F0E-F7DFBC1BE470}"/>
-              </a:ext>
-            </a:extLst>
-          </p:cNvPr>
-          <p:cNvSpPr/>
-          <p:nvPr/>
-        </p:nvSpPr>
-        <p:spPr>
-          <a:xfrm>
-            <a:off x="1203783" y="2891094"/>
-            <a:ext cx="3168088" cy="1291011"/>
-          </a:xfrm>
-          <a:prstGeom prst="rect">
-            <a:avLst/>
-          </a:prstGeom>
-        </p:spPr>
-        <p:style>
-          <a:lnRef idx="2">
-            <a:schemeClr val="accent1">
-              <a:shade val="15000"/>
-            </a:schemeClr>
-          </a:lnRef>
-          <a:fillRef idx="1">
-            <a:schemeClr val="accent1"/>
-          </a:fillRef>
-          <a:effectRef idx="0">
-            <a:schemeClr val="accent1"/>
-          </a:effectRef>
-          <a:fontRef idx="minor">
-            <a:schemeClr val="lt1"/>
-          </a:fontRef>
-        </p:style>
-        <p:txBody>
-          <a:bodyPr rtlCol="0" anchor="ctr"/>
-          <a:lstStyle/>
-          <a:p>
-            <a:pPr algn="ctr"/>
-            <a:r>
-              <a:rPr lang="de-DE" dirty="0"/>
-              <a:t>Agent</a:t>
-            </a:r>
-          </a:p>
-        </p:txBody>
-      </p:sp>
-      <p:sp>
-        <p:nvSpPr>
-          <p:cNvPr id="21" name="Rechteck 20">
-            <a:extLst>
-              <a:ext uri="{FF2B5EF4-FFF2-40B4-BE49-F238E27FC236}">
-                <a16:creationId xmlns:a16="http://schemas.microsoft.com/office/drawing/2014/main" id="{719D85B7-D90A-EB66-21D4-097FFAFE0CFE}"/>
-              </a:ext>
-            </a:extLst>
-          </p:cNvPr>
-          <p:cNvSpPr/>
-          <p:nvPr/>
-        </p:nvSpPr>
-        <p:spPr>
-          <a:xfrm>
-            <a:off x="1203783" y="2174939"/>
-            <a:ext cx="3168088" cy="436783"/>
-          </a:xfrm>
-          <a:prstGeom prst="rect">
-            <a:avLst/>
-          </a:prstGeom>
-        </p:spPr>
-        <p:style>
-          <a:lnRef idx="2">
-            <a:schemeClr val="accent1">
-              <a:shade val="15000"/>
-            </a:schemeClr>
-          </a:lnRef>
-          <a:fillRef idx="1">
-            <a:schemeClr val="accent1"/>
-          </a:fillRef>
-          <a:effectRef idx="0">
-            <a:schemeClr val="accent1"/>
-          </a:effectRef>
-          <a:fontRef idx="minor">
-            <a:schemeClr val="lt1"/>
-          </a:fontRef>
-        </p:style>
-        <p:txBody>
-          <a:bodyPr rtlCol="0" anchor="ctr"/>
-          <a:lstStyle/>
-          <a:p>
-            <a:pPr algn="ctr"/>
-            <a:r>
-              <a:rPr lang="de-DE" dirty="0"/>
-              <a:t>API</a:t>
-            </a:r>
-          </a:p>
-        </p:txBody>
-      </p:sp>
-      <p:cxnSp>
-        <p:nvCxnSpPr>
-          <p:cNvPr id="22" name="Gerade Verbindung mit Pfeil 21">
-            <a:extLst>
-              <a:ext uri="{FF2B5EF4-FFF2-40B4-BE49-F238E27FC236}">
-                <a16:creationId xmlns:a16="http://schemas.microsoft.com/office/drawing/2014/main" id="{9268B187-EEFD-48CD-C328-420B4B30D903}"/>
-              </a:ext>
-            </a:extLst>
-          </p:cNvPr>
-          <p:cNvCxnSpPr>
-            <a:stCxn id="21" idx="2"/>
-            <a:endCxn id="20" idx="0"/>
-          </p:cNvCxnSpPr>
-          <p:nvPr/>
-        </p:nvCxnSpPr>
-        <p:spPr>
-          <a:xfrm>
-            <a:off x="2787827" y="2611722"/>
-            <a:ext cx="0" cy="279372"/>
-          </a:xfrm>
-          <a:prstGeom prst="straightConnector1">
-            <a:avLst/>
-          </a:prstGeom>
-          <a:ln>
-            <a:headEnd type="triangle"/>
-            <a:tailEnd type="triangle"/>
-          </a:ln>
-        </p:spPr>
-        <p:style>
-          <a:lnRef idx="2">
-            <a:schemeClr val="accent1"/>
-          </a:lnRef>
-          <a:fillRef idx="0">
-            <a:schemeClr val="accent1"/>
-          </a:fillRef>
-          <a:effectRef idx="1">
-            <a:schemeClr val="accent1"/>
-          </a:effectRef>
-          <a:fontRef idx="minor">
-            <a:schemeClr val="tx1"/>
-          </a:fontRef>
-        </p:style>
-      </p:cxnSp>
-      <p:cxnSp>
-        <p:nvCxnSpPr>
-          <p:cNvPr id="25" name="Gerade Verbindung mit Pfeil 24">
-            <a:extLst>
-              <a:ext uri="{FF2B5EF4-FFF2-40B4-BE49-F238E27FC236}">
-                <a16:creationId xmlns:a16="http://schemas.microsoft.com/office/drawing/2014/main" id="{BC4E60CE-721E-44F8-FB2D-7631CEF8028B}"/>
-              </a:ext>
-            </a:extLst>
-          </p:cNvPr>
-          <p:cNvCxnSpPr>
-            <a:cxnSpLocks/>
-            <a:stCxn id="5" idx="2"/>
-          </p:cNvCxnSpPr>
-          <p:nvPr/>
-        </p:nvCxnSpPr>
-        <p:spPr>
-          <a:xfrm flipH="1">
-            <a:off x="1846922" y="1593272"/>
-            <a:ext cx="9657" cy="581667"/>
-          </a:xfrm>
-          <a:prstGeom prst="straightConnector1">
-            <a:avLst/>
-          </a:prstGeom>
-          <a:ln>
-            <a:tailEnd type="triangle"/>
-          </a:ln>
-        </p:spPr>
-        <p:style>
-          <a:lnRef idx="2">
-            <a:schemeClr val="accent1"/>
-          </a:lnRef>
-          <a:fillRef idx="0">
-            <a:schemeClr val="accent1"/>
-          </a:fillRef>
-          <a:effectRef idx="1">
-            <a:schemeClr val="accent1"/>
-          </a:effectRef>
-          <a:fontRef idx="minor">
-            <a:schemeClr val="tx1"/>
-          </a:fontRef>
-        </p:style>
-      </p:cxnSp>
-      <p:cxnSp>
-        <p:nvCxnSpPr>
-          <p:cNvPr id="30" name="Gerade Verbindung mit Pfeil 29">
-            <a:extLst>
-              <a:ext uri="{FF2B5EF4-FFF2-40B4-BE49-F238E27FC236}">
-                <a16:creationId xmlns:a16="http://schemas.microsoft.com/office/drawing/2014/main" id="{036D16D9-96D6-FCA1-A1DC-26A53E1F8FED}"/>
-              </a:ext>
-            </a:extLst>
-          </p:cNvPr>
-          <p:cNvCxnSpPr>
-            <a:cxnSpLocks/>
-            <a:endCxn id="6" idx="2"/>
-          </p:cNvCxnSpPr>
-          <p:nvPr/>
-        </p:nvCxnSpPr>
-        <p:spPr>
-          <a:xfrm flipV="1">
-            <a:off x="3478996" y="1593272"/>
-            <a:ext cx="0" cy="581667"/>
-          </a:xfrm>
-          <a:prstGeom prst="straightConnector1">
-            <a:avLst/>
-          </a:prstGeom>
-          <a:ln>
-            <a:tailEnd type="triangle"/>
-          </a:ln>
-        </p:spPr>
-        <p:style>
-          <a:lnRef idx="2">
-            <a:schemeClr val="accent1"/>
-          </a:lnRef>
-          <a:fillRef idx="0">
-            <a:schemeClr val="accent1"/>
-          </a:fillRef>
-          <a:effectRef idx="1">
-            <a:schemeClr val="accent1"/>
-          </a:effectRef>
-          <a:fontRef idx="minor">
-            <a:schemeClr val="tx1"/>
-          </a:fontRef>
-        </p:style>
-      </p:cxnSp>
-      <p:sp>
-        <p:nvSpPr>
-          <p:cNvPr id="32" name="Abgerundetes Rechteck 31">
-            <a:extLst>
-              <a:ext uri="{FF2B5EF4-FFF2-40B4-BE49-F238E27FC236}">
-                <a16:creationId xmlns:a16="http://schemas.microsoft.com/office/drawing/2014/main" id="{1D6920EB-B4F3-6E0C-1B5F-E9E54D344689}"/>
-              </a:ext>
-            </a:extLst>
-          </p:cNvPr>
-          <p:cNvSpPr/>
-          <p:nvPr/>
-        </p:nvSpPr>
-        <p:spPr bwMode="gray">
-          <a:xfrm>
-            <a:off x="2137196" y="4834552"/>
-            <a:ext cx="1301262" cy="545123"/>
-          </a:xfrm>
-          <a:prstGeom prst="roundRect">
-            <a:avLst/>
-          </a:prstGeom>
-          <a:solidFill>
-            <a:schemeClr val="bg1"/>
-          </a:solidFill>
-          <a:ln w="9525">
-            <a:solidFill>
-              <a:schemeClr val="tx1"/>
-            </a:solidFill>
-          </a:ln>
-        </p:spPr>
-        <p:style>
-          <a:lnRef idx="2">
-            <a:schemeClr val="accent1">
-              <a:shade val="50000"/>
-            </a:schemeClr>
-          </a:lnRef>
-          <a:fillRef idx="1">
-            <a:schemeClr val="accent1"/>
-          </a:fillRef>
-          <a:effectRef idx="0">
-            <a:schemeClr val="accent1"/>
-          </a:effectRef>
-          <a:fontRef idx="minor">
-            <a:schemeClr val="lt1"/>
-          </a:fontRef>
-        </p:style>
-        <p:txBody>
-          <a:bodyPr lIns="0" tIns="0" rIns="0" bIns="0" rtlCol="0" anchor="ctr"/>
-          <a:lstStyle/>
-          <a:p>
-            <a:pPr algn="ctr"/>
-            <a:r>
-              <a:rPr lang="de-DE" sz="1400" dirty="0">
-                <a:solidFill>
-                  <a:schemeClr val="tx1"/>
-                </a:solidFill>
-              </a:rPr>
-              <a:t>Environment</a:t>
-            </a:r>
-          </a:p>
-        </p:txBody>
-      </p:sp>
-      <p:cxnSp>
-        <p:nvCxnSpPr>
-          <p:cNvPr id="34" name="Gerade Verbindung mit Pfeil 33">
-            <a:extLst>
-              <a:ext uri="{FF2B5EF4-FFF2-40B4-BE49-F238E27FC236}">
-                <a16:creationId xmlns:a16="http://schemas.microsoft.com/office/drawing/2014/main" id="{8EA668F0-43F1-1D75-016E-528C45A4474B}"/>
-              </a:ext>
-            </a:extLst>
-          </p:cNvPr>
-          <p:cNvCxnSpPr>
-            <a:stCxn id="20" idx="2"/>
-            <a:endCxn id="32" idx="0"/>
-          </p:cNvCxnSpPr>
-          <p:nvPr/>
-        </p:nvCxnSpPr>
-        <p:spPr>
-          <a:xfrm>
-            <a:off x="2787827" y="4182105"/>
-            <a:ext cx="0" cy="652447"/>
-          </a:xfrm>
-          <a:prstGeom prst="straightConnector1">
-            <a:avLst/>
-          </a:prstGeom>
-          <a:ln>
-            <a:headEnd type="triangle"/>
-            <a:tailEnd type="triangle"/>
-          </a:ln>
-        </p:spPr>
-        <p:style>
-          <a:lnRef idx="2">
-            <a:schemeClr val="accent1"/>
-          </a:lnRef>
-          <a:fillRef idx="0">
-            <a:schemeClr val="accent1"/>
-          </a:fillRef>
-          <a:effectRef idx="1">
-            <a:schemeClr val="accent1"/>
-          </a:effectRef>
-          <a:fontRef idx="minor">
-            <a:schemeClr val="tx1"/>
-          </a:fontRef>
-        </p:style>
-      </p:cxnSp>
-      <p:sp>
-        <p:nvSpPr>
-          <p:cNvPr id="35" name="Geschweifte Klammer rechts 34">
-            <a:extLst>
-              <a:ext uri="{FF2B5EF4-FFF2-40B4-BE49-F238E27FC236}">
-                <a16:creationId xmlns:a16="http://schemas.microsoft.com/office/drawing/2014/main" id="{54C51CAB-9128-9EB4-81C9-6F1A0191C1DC}"/>
-              </a:ext>
-            </a:extLst>
-          </p:cNvPr>
-          <p:cNvSpPr/>
-          <p:nvPr/>
-        </p:nvSpPr>
-        <p:spPr>
-          <a:xfrm rot="10800000">
-            <a:off x="4982730" y="2091795"/>
-            <a:ext cx="344245" cy="2674409"/>
-          </a:xfrm>
-          <a:prstGeom prst="rightBrace">
-            <a:avLst/>
-          </a:prstGeom>
-        </p:spPr>
-        <p:style>
-          <a:lnRef idx="2">
-            <a:schemeClr val="accent1"/>
-          </a:lnRef>
-          <a:fillRef idx="0">
-            <a:schemeClr val="accent1"/>
-          </a:fillRef>
-          <a:effectRef idx="1">
-            <a:schemeClr val="accent1"/>
-          </a:effectRef>
-          <a:fontRef idx="minor">
-            <a:schemeClr val="tx1"/>
-          </a:fontRef>
-        </p:style>
-        <p:txBody>
-          <a:bodyPr rtlCol="0" anchor="ctr"/>
-          <a:lstStyle/>
-          <a:p>
-            <a:pPr algn="ctr"/>
-            <a:endParaRPr lang="de-DE"/>
-          </a:p>
-        </p:txBody>
-      </p:sp>
-    </p:spTree>
-    <p:extLst>
-      <p:ext uri="{BB962C8B-B14F-4D97-AF65-F5344CB8AC3E}">
-        <p14:creationId xmlns:p14="http://schemas.microsoft.com/office/powerpoint/2010/main" val="580521837"/>
-      </p:ext>
-    </p:extLst>
-  </p:cSld>
-  <p:clrMapOvr>
-    <a:masterClrMapping/>
-  </p:clrMapOvr>
-</p:sld>
-</file>
-
-<file path=ppt/slides/slide12.xml><?xml version="1.0" encoding="utf-8"?>
+<file path=ppt/slides/slide10.xml><?xml version="1.0" encoding="utf-8"?>
 <p:sld xmlns:a="http://schemas.openxmlformats.org/drawingml/2006/main" xmlns:r="http://schemas.openxmlformats.org/officeDocument/2006/relationships" xmlns:p="http://schemas.openxmlformats.org/presentationml/2006/main">
   <p:cSld>
     <p:spTree>
@@ -6862,7 +5107,7 @@
 </p:sld>
 </file>
 
-<file path=ppt/slides/slide13.xml><?xml version="1.0" encoding="utf-8"?>
+<file path=ppt/slides/slide11.xml><?xml version="1.0" encoding="utf-8"?>
 <p:sld xmlns:a="http://schemas.openxmlformats.org/drawingml/2006/main" xmlns:r="http://schemas.openxmlformats.org/officeDocument/2006/relationships" xmlns:p="http://schemas.openxmlformats.org/presentationml/2006/main">
   <p:cSld>
     <p:spTree>
@@ -9467,7 +7712,7 @@
 </p:sld>
 </file>
 
-<file path=ppt/slides/slide14.xml><?xml version="1.0" encoding="utf-8"?>
+<file path=ppt/slides/slide12.xml><?xml version="1.0" encoding="utf-8"?>
 <p:sld xmlns:a="http://schemas.openxmlformats.org/drawingml/2006/main" xmlns:r="http://schemas.openxmlformats.org/officeDocument/2006/relationships" xmlns:p="http://schemas.openxmlformats.org/presentationml/2006/main">
   <p:cSld>
     <p:spTree>
@@ -10556,7 +8801,7 @@
 </p:sld>
 </file>
 
-<file path=ppt/slides/slide15.xml><?xml version="1.0" encoding="utf-8"?>
+<file path=ppt/slides/slide13.xml><?xml version="1.0" encoding="utf-8"?>
 <p:sld xmlns:a="http://schemas.openxmlformats.org/drawingml/2006/main" xmlns:r="http://schemas.openxmlformats.org/officeDocument/2006/relationships" xmlns:p="http://schemas.openxmlformats.org/presentationml/2006/main">
   <p:cSld>
     <p:spTree>
@@ -11675,6 +9920,511 @@
     <p:extLst>
       <p:ext uri="{BB962C8B-B14F-4D97-AF65-F5344CB8AC3E}">
         <p14:creationId xmlns:p14="http://schemas.microsoft.com/office/powerpoint/2010/main" val="2027558273"/>
+      </p:ext>
+    </p:extLst>
+  </p:cSld>
+  <p:clrMapOvr>
+    <a:masterClrMapping/>
+  </p:clrMapOvr>
+</p:sld>
+</file>
+
+<file path=ppt/slides/slide14.xml><?xml version="1.0" encoding="utf-8"?>
+<p:sld xmlns:a="http://schemas.openxmlformats.org/drawingml/2006/main" xmlns:r="http://schemas.openxmlformats.org/officeDocument/2006/relationships" xmlns:p="http://schemas.openxmlformats.org/presentationml/2006/main">
+  <p:cSld>
+    <p:spTree>
+      <p:nvGrpSpPr>
+        <p:cNvPr id="1" name="">
+          <a:extLst>
+            <a:ext uri="{FF2B5EF4-FFF2-40B4-BE49-F238E27FC236}">
+              <a16:creationId xmlns:a16="http://schemas.microsoft.com/office/drawing/2014/main" id="{DD1C70AB-7412-3488-47A4-785B2DB30A47}"/>
+            </a:ext>
+          </a:extLst>
+        </p:cNvPr>
+        <p:cNvGrpSpPr/>
+        <p:nvPr/>
+      </p:nvGrpSpPr>
+      <p:grpSpPr>
+        <a:xfrm>
+          <a:off x="0" y="0"/>
+          <a:ext cx="0" cy="0"/>
+          <a:chOff x="0" y="0"/>
+          <a:chExt cx="0" cy="0"/>
+        </a:xfrm>
+      </p:grpSpPr>
+      <p:sp>
+        <p:nvSpPr>
+          <p:cNvPr id="2" name="Titel 1">
+            <a:extLst>
+              <a:ext uri="{FF2B5EF4-FFF2-40B4-BE49-F238E27FC236}">
+                <a16:creationId xmlns:a16="http://schemas.microsoft.com/office/drawing/2014/main" id="{35BDD1AD-7069-5964-C2E1-6DB438992E33}"/>
+              </a:ext>
+            </a:extLst>
+          </p:cNvPr>
+          <p:cNvSpPr>
+            <a:spLocks noGrp="1"/>
+          </p:cNvSpPr>
+          <p:nvPr>
+            <p:ph type="ctrTitle"/>
+          </p:nvPr>
+        </p:nvSpPr>
+        <p:spPr/>
+        <p:txBody>
+          <a:bodyPr>
+            <a:normAutofit fontScale="90000"/>
+          </a:bodyPr>
+          <a:lstStyle/>
+          <a:p>
+            <a:r>
+              <a:rPr lang="de-DE" dirty="0"/>
+              <a:t>Referenzarchitektur KI-Plattform für die öffentliche Verwaltung</a:t>
+            </a:r>
+          </a:p>
+        </p:txBody>
+      </p:sp>
+      <p:sp>
+        <p:nvSpPr>
+          <p:cNvPr id="3" name="Untertitel 2">
+            <a:extLst>
+              <a:ext uri="{FF2B5EF4-FFF2-40B4-BE49-F238E27FC236}">
+                <a16:creationId xmlns:a16="http://schemas.microsoft.com/office/drawing/2014/main" id="{1397753B-E554-BE6F-D3D4-D49425BA8062}"/>
+              </a:ext>
+            </a:extLst>
+          </p:cNvPr>
+          <p:cNvSpPr>
+            <a:spLocks noGrp="1"/>
+          </p:cNvSpPr>
+          <p:nvPr>
+            <p:ph type="subTitle" idx="1"/>
+          </p:nvPr>
+        </p:nvSpPr>
+        <p:spPr/>
+        <p:txBody>
+          <a:bodyPr>
+            <a:normAutofit/>
+          </a:bodyPr>
+          <a:lstStyle/>
+          <a:p>
+            <a:endParaRPr lang="de-DE" sz="4800" dirty="0"/>
+          </a:p>
+          <a:p>
+            <a:r>
+              <a:rPr lang="de-DE" sz="4800" dirty="0"/>
+              <a:t>Use Cases Umsetzung</a:t>
+            </a:r>
+          </a:p>
+        </p:txBody>
+      </p:sp>
+    </p:spTree>
+    <p:extLst>
+      <p:ext uri="{BB962C8B-B14F-4D97-AF65-F5344CB8AC3E}">
+        <p14:creationId xmlns:p14="http://schemas.microsoft.com/office/powerpoint/2010/main" val="2019303433"/>
+      </p:ext>
+    </p:extLst>
+  </p:cSld>
+  <p:clrMapOvr>
+    <a:masterClrMapping/>
+  </p:clrMapOvr>
+</p:sld>
+</file>
+
+<file path=ppt/slides/slide15.xml><?xml version="1.0" encoding="utf-8"?>
+<p:sld xmlns:a="http://schemas.openxmlformats.org/drawingml/2006/main" xmlns:r="http://schemas.openxmlformats.org/officeDocument/2006/relationships" xmlns:p="http://schemas.openxmlformats.org/presentationml/2006/main">
+  <p:cSld>
+    <p:spTree>
+      <p:nvGrpSpPr>
+        <p:cNvPr id="1" name="">
+          <a:extLst>
+            <a:ext uri="{FF2B5EF4-FFF2-40B4-BE49-F238E27FC236}">
+              <a16:creationId xmlns:a16="http://schemas.microsoft.com/office/drawing/2014/main" id="{2A794731-87A7-A3FF-0CB4-237DC35FAC29}"/>
+            </a:ext>
+          </a:extLst>
+        </p:cNvPr>
+        <p:cNvGrpSpPr/>
+        <p:nvPr/>
+      </p:nvGrpSpPr>
+      <p:grpSpPr>
+        <a:xfrm>
+          <a:off x="0" y="0"/>
+          <a:ext cx="0" cy="0"/>
+          <a:chOff x="0" y="0"/>
+          <a:chExt cx="0" cy="0"/>
+        </a:xfrm>
+      </p:grpSpPr>
+      <p:sp>
+        <p:nvSpPr>
+          <p:cNvPr id="2" name="Textfeld 1">
+            <a:extLst>
+              <a:ext uri="{FF2B5EF4-FFF2-40B4-BE49-F238E27FC236}">
+                <a16:creationId xmlns:a16="http://schemas.microsoft.com/office/drawing/2014/main" id="{5709D430-2F5F-AED9-23BE-BF5D36369B78}"/>
+              </a:ext>
+            </a:extLst>
+          </p:cNvPr>
+          <p:cNvSpPr txBox="1"/>
+          <p:nvPr/>
+        </p:nvSpPr>
+        <p:spPr>
+          <a:xfrm>
+            <a:off x="10875550" y="6488668"/>
+            <a:ext cx="1252009" cy="369332"/>
+          </a:xfrm>
+          <a:prstGeom prst="rect">
+            <a:avLst/>
+          </a:prstGeom>
+          <a:noFill/>
+        </p:spPr>
+        <p:txBody>
+          <a:bodyPr wrap="none" rtlCol="0">
+            <a:spAutoFit/>
+          </a:bodyPr>
+          <a:lstStyle/>
+          <a:p>
+            <a:r>
+              <a:rPr lang="de-DE" dirty="0"/>
+              <a:t>Use Cases</a:t>
+            </a:r>
+          </a:p>
+        </p:txBody>
+      </p:sp>
+      <p:sp>
+        <p:nvSpPr>
+          <p:cNvPr id="3" name="Abgerundetes Rechteck 2">
+            <a:extLst>
+              <a:ext uri="{FF2B5EF4-FFF2-40B4-BE49-F238E27FC236}">
+                <a16:creationId xmlns:a16="http://schemas.microsoft.com/office/drawing/2014/main" id="{3D9A61AF-44A5-3151-EBCC-C0CE89025EDB}"/>
+              </a:ext>
+            </a:extLst>
+          </p:cNvPr>
+          <p:cNvSpPr/>
+          <p:nvPr/>
+        </p:nvSpPr>
+        <p:spPr>
+          <a:xfrm>
+            <a:off x="1493723" y="4189244"/>
+            <a:ext cx="1706678" cy="1139133"/>
+          </a:xfrm>
+          <a:prstGeom prst="roundRect">
+            <a:avLst/>
+          </a:prstGeom>
+          <a:noFill/>
+          <a:ln>
+            <a:solidFill>
+              <a:schemeClr val="accent1"/>
+            </a:solidFill>
+          </a:ln>
+        </p:spPr>
+        <p:style>
+          <a:lnRef idx="2">
+            <a:schemeClr val="accent1">
+              <a:shade val="15000"/>
+            </a:schemeClr>
+          </a:lnRef>
+          <a:fillRef idx="1">
+            <a:schemeClr val="accent1"/>
+          </a:fillRef>
+          <a:effectRef idx="0">
+            <a:schemeClr val="accent1"/>
+          </a:effectRef>
+          <a:fontRef idx="minor">
+            <a:schemeClr val="lt1"/>
+          </a:fontRef>
+        </p:style>
+        <p:txBody>
+          <a:bodyPr rtlCol="0" anchor="ctr"/>
+          <a:lstStyle/>
+          <a:p>
+            <a:pPr algn="ctr"/>
+            <a:r>
+              <a:rPr lang="de-DE" sz="1600" dirty="0" err="1">
+                <a:solidFill>
+                  <a:schemeClr val="tx1"/>
+                </a:solidFill>
+              </a:rPr>
+              <a:t>Conversational</a:t>
+            </a:r>
+            <a:r>
+              <a:rPr lang="de-DE" sz="1600" dirty="0">
+                <a:solidFill>
+                  <a:schemeClr val="tx1"/>
+                </a:solidFill>
+              </a:rPr>
+              <a:t> AI</a:t>
+            </a:r>
+          </a:p>
+        </p:txBody>
+      </p:sp>
+      <p:cxnSp>
+        <p:nvCxnSpPr>
+          <p:cNvPr id="5" name="Gerade Verbindung mit Pfeil 4">
+            <a:extLst>
+              <a:ext uri="{FF2B5EF4-FFF2-40B4-BE49-F238E27FC236}">
+                <a16:creationId xmlns:a16="http://schemas.microsoft.com/office/drawing/2014/main" id="{6AF8935C-0424-F2E5-2F63-7E96E312D2DC}"/>
+              </a:ext>
+            </a:extLst>
+          </p:cNvPr>
+          <p:cNvCxnSpPr/>
+          <p:nvPr/>
+        </p:nvCxnSpPr>
+        <p:spPr>
+          <a:xfrm flipV="1">
+            <a:off x="1254642" y="701749"/>
+            <a:ext cx="0" cy="5018567"/>
+          </a:xfrm>
+          <a:prstGeom prst="straightConnector1">
+            <a:avLst/>
+          </a:prstGeom>
+          <a:ln>
+            <a:tailEnd type="triangle"/>
+          </a:ln>
+        </p:spPr>
+        <p:style>
+          <a:lnRef idx="2">
+            <a:schemeClr val="accent1"/>
+          </a:lnRef>
+          <a:fillRef idx="0">
+            <a:schemeClr val="accent1"/>
+          </a:fillRef>
+          <a:effectRef idx="1">
+            <a:schemeClr val="accent1"/>
+          </a:effectRef>
+          <a:fontRef idx="minor">
+            <a:schemeClr val="tx1"/>
+          </a:fontRef>
+        </p:style>
+      </p:cxnSp>
+      <p:cxnSp>
+        <p:nvCxnSpPr>
+          <p:cNvPr id="6" name="Gerade Verbindung mit Pfeil 5">
+            <a:extLst>
+              <a:ext uri="{FF2B5EF4-FFF2-40B4-BE49-F238E27FC236}">
+                <a16:creationId xmlns:a16="http://schemas.microsoft.com/office/drawing/2014/main" id="{A4B79B18-BD8F-7B7B-7369-8EBE222DB8F9}"/>
+              </a:ext>
+            </a:extLst>
+          </p:cNvPr>
+          <p:cNvCxnSpPr>
+            <a:cxnSpLocks/>
+          </p:cNvCxnSpPr>
+          <p:nvPr/>
+        </p:nvCxnSpPr>
+        <p:spPr>
+          <a:xfrm>
+            <a:off x="1109331" y="5564371"/>
+            <a:ext cx="5748670" cy="0"/>
+          </a:xfrm>
+          <a:prstGeom prst="straightConnector1">
+            <a:avLst/>
+          </a:prstGeom>
+          <a:ln>
+            <a:tailEnd type="triangle"/>
+          </a:ln>
+        </p:spPr>
+        <p:style>
+          <a:lnRef idx="2">
+            <a:schemeClr val="accent1"/>
+          </a:lnRef>
+          <a:fillRef idx="0">
+            <a:schemeClr val="accent1"/>
+          </a:fillRef>
+          <a:effectRef idx="1">
+            <a:schemeClr val="accent1"/>
+          </a:effectRef>
+          <a:fontRef idx="minor">
+            <a:schemeClr val="tx1"/>
+          </a:fontRef>
+        </p:style>
+      </p:cxnSp>
+      <p:sp>
+        <p:nvSpPr>
+          <p:cNvPr id="8" name="Textfeld 7">
+            <a:extLst>
+              <a:ext uri="{FF2B5EF4-FFF2-40B4-BE49-F238E27FC236}">
+                <a16:creationId xmlns:a16="http://schemas.microsoft.com/office/drawing/2014/main" id="{B39C4ABB-579E-F5D4-05BC-648394F199B5}"/>
+              </a:ext>
+            </a:extLst>
+          </p:cNvPr>
+          <p:cNvSpPr txBox="1"/>
+          <p:nvPr/>
+        </p:nvSpPr>
+        <p:spPr>
+          <a:xfrm>
+            <a:off x="5726552" y="5592726"/>
+            <a:ext cx="1276760" cy="369332"/>
+          </a:xfrm>
+          <a:prstGeom prst="rect">
+            <a:avLst/>
+          </a:prstGeom>
+          <a:noFill/>
+        </p:spPr>
+        <p:txBody>
+          <a:bodyPr wrap="none" rtlCol="0">
+            <a:spAutoFit/>
+          </a:bodyPr>
+          <a:lstStyle/>
+          <a:p>
+            <a:r>
+              <a:rPr lang="de-DE" dirty="0"/>
+              <a:t>Autonomie</a:t>
+            </a:r>
+          </a:p>
+        </p:txBody>
+      </p:sp>
+      <p:sp>
+        <p:nvSpPr>
+          <p:cNvPr id="9" name="Textfeld 8">
+            <a:extLst>
+              <a:ext uri="{FF2B5EF4-FFF2-40B4-BE49-F238E27FC236}">
+                <a16:creationId xmlns:a16="http://schemas.microsoft.com/office/drawing/2014/main" id="{A2C376AC-BA79-79D9-36B4-C2F9B776DF58}"/>
+              </a:ext>
+            </a:extLst>
+          </p:cNvPr>
+          <p:cNvSpPr txBox="1"/>
+          <p:nvPr/>
+        </p:nvSpPr>
+        <p:spPr>
+          <a:xfrm rot="16200000">
+            <a:off x="80491" y="1333709"/>
+            <a:ext cx="1688347" cy="369332"/>
+          </a:xfrm>
+          <a:prstGeom prst="rect">
+            <a:avLst/>
+          </a:prstGeom>
+          <a:noFill/>
+        </p:spPr>
+        <p:txBody>
+          <a:bodyPr wrap="none" rtlCol="0">
+            <a:spAutoFit/>
+          </a:bodyPr>
+          <a:lstStyle/>
+          <a:p>
+            <a:r>
+              <a:rPr lang="de-DE" dirty="0"/>
+              <a:t>Spezialisierung</a:t>
+            </a:r>
+          </a:p>
+        </p:txBody>
+      </p:sp>
+      <p:sp>
+        <p:nvSpPr>
+          <p:cNvPr id="12" name="Abgerundetes Rechteck 11">
+            <a:extLst>
+              <a:ext uri="{FF2B5EF4-FFF2-40B4-BE49-F238E27FC236}">
+                <a16:creationId xmlns:a16="http://schemas.microsoft.com/office/drawing/2014/main" id="{C5D665A4-941C-0952-8AE0-1EC3C54B38A8}"/>
+              </a:ext>
+            </a:extLst>
+          </p:cNvPr>
+          <p:cNvSpPr/>
+          <p:nvPr/>
+        </p:nvSpPr>
+        <p:spPr>
+          <a:xfrm>
+            <a:off x="3294168" y="2788369"/>
+            <a:ext cx="1706678" cy="1139133"/>
+          </a:xfrm>
+          <a:prstGeom prst="roundRect">
+            <a:avLst/>
+          </a:prstGeom>
+          <a:noFill/>
+          <a:ln>
+            <a:solidFill>
+              <a:schemeClr val="accent1"/>
+            </a:solidFill>
+          </a:ln>
+        </p:spPr>
+        <p:style>
+          <a:lnRef idx="2">
+            <a:schemeClr val="accent1">
+              <a:shade val="15000"/>
+            </a:schemeClr>
+          </a:lnRef>
+          <a:fillRef idx="1">
+            <a:schemeClr val="accent1"/>
+          </a:fillRef>
+          <a:effectRef idx="0">
+            <a:schemeClr val="accent1"/>
+          </a:effectRef>
+          <a:fontRef idx="minor">
+            <a:schemeClr val="lt1"/>
+          </a:fontRef>
+        </p:style>
+        <p:txBody>
+          <a:bodyPr rtlCol="0" anchor="ctr"/>
+          <a:lstStyle/>
+          <a:p>
+            <a:pPr algn="ctr"/>
+            <a:r>
+              <a:rPr lang="de-DE" sz="1600" dirty="0">
+                <a:solidFill>
+                  <a:schemeClr val="tx1"/>
+                </a:solidFill>
+              </a:rPr>
+              <a:t>Copilot</a:t>
+            </a:r>
+          </a:p>
+        </p:txBody>
+      </p:sp>
+      <p:sp>
+        <p:nvSpPr>
+          <p:cNvPr id="13" name="Abgerundetes Rechteck 12">
+            <a:extLst>
+              <a:ext uri="{FF2B5EF4-FFF2-40B4-BE49-F238E27FC236}">
+                <a16:creationId xmlns:a16="http://schemas.microsoft.com/office/drawing/2014/main" id="{54CFACF8-B03B-CD84-A797-3E5F1B7F74AA}"/>
+              </a:ext>
+            </a:extLst>
+          </p:cNvPr>
+          <p:cNvSpPr/>
+          <p:nvPr/>
+        </p:nvSpPr>
+        <p:spPr>
+          <a:xfrm>
+            <a:off x="5032745" y="1223415"/>
+            <a:ext cx="1706678" cy="1139133"/>
+          </a:xfrm>
+          <a:prstGeom prst="roundRect">
+            <a:avLst/>
+          </a:prstGeom>
+          <a:noFill/>
+          <a:ln>
+            <a:solidFill>
+              <a:schemeClr val="accent1"/>
+            </a:solidFill>
+          </a:ln>
+        </p:spPr>
+        <p:style>
+          <a:lnRef idx="2">
+            <a:schemeClr val="accent1">
+              <a:shade val="15000"/>
+            </a:schemeClr>
+          </a:lnRef>
+          <a:fillRef idx="1">
+            <a:schemeClr val="accent1"/>
+          </a:fillRef>
+          <a:effectRef idx="0">
+            <a:schemeClr val="accent1"/>
+          </a:effectRef>
+          <a:fontRef idx="minor">
+            <a:schemeClr val="lt1"/>
+          </a:fontRef>
+        </p:style>
+        <p:txBody>
+          <a:bodyPr rtlCol="0" anchor="ctr"/>
+          <a:lstStyle/>
+          <a:p>
+            <a:pPr algn="ctr"/>
+            <a:r>
+              <a:rPr lang="de-DE" sz="1600" dirty="0">
+                <a:solidFill>
+                  <a:schemeClr val="tx1"/>
+                </a:solidFill>
+              </a:rPr>
+              <a:t>Multi-Agent Problem Solver</a:t>
+            </a:r>
+          </a:p>
+        </p:txBody>
+      </p:sp>
+    </p:spTree>
+    <p:extLst>
+      <p:ext uri="{BB962C8B-B14F-4D97-AF65-F5344CB8AC3E}">
+        <p14:creationId xmlns:p14="http://schemas.microsoft.com/office/powerpoint/2010/main" val="3569590208"/>
       </p:ext>
     </p:extLst>
   </p:cSld>
@@ -11719,222 +10469,6 @@
   <p:cSld>
     <p:spTree>
       <p:nvGrpSpPr>
-        <p:cNvPr id="1" name="">
-          <a:extLst>
-            <a:ext uri="{FF2B5EF4-FFF2-40B4-BE49-F238E27FC236}">
-              <a16:creationId xmlns:a16="http://schemas.microsoft.com/office/drawing/2014/main" id="{2A794731-87A7-A3FF-0CB4-237DC35FAC29}"/>
-            </a:ext>
-          </a:extLst>
-        </p:cNvPr>
-        <p:cNvGrpSpPr/>
-        <p:nvPr/>
-      </p:nvGrpSpPr>
-      <p:grpSpPr>
-        <a:xfrm>
-          <a:off x="0" y="0"/>
-          <a:ext cx="0" cy="0"/>
-          <a:chOff x="0" y="0"/>
-          <a:chExt cx="0" cy="0"/>
-        </a:xfrm>
-      </p:grpSpPr>
-      <p:sp>
-        <p:nvSpPr>
-          <p:cNvPr id="2" name="Textfeld 1">
-            <a:extLst>
-              <a:ext uri="{FF2B5EF4-FFF2-40B4-BE49-F238E27FC236}">
-                <a16:creationId xmlns:a16="http://schemas.microsoft.com/office/drawing/2014/main" id="{5709D430-2F5F-AED9-23BE-BF5D36369B78}"/>
-              </a:ext>
-            </a:extLst>
-          </p:cNvPr>
-          <p:cNvSpPr txBox="1"/>
-          <p:nvPr/>
-        </p:nvSpPr>
-        <p:spPr>
-          <a:xfrm>
-            <a:off x="11322115" y="6488668"/>
-            <a:ext cx="879472" cy="369332"/>
-          </a:xfrm>
-          <a:prstGeom prst="rect">
-            <a:avLst/>
-          </a:prstGeom>
-          <a:noFill/>
-        </p:spPr>
-        <p:txBody>
-          <a:bodyPr wrap="none" rtlCol="0">
-            <a:spAutoFit/>
-          </a:bodyPr>
-          <a:lstStyle/>
-          <a:p>
-            <a:r>
-              <a:rPr lang="de-DE" dirty="0"/>
-              <a:t>Muster</a:t>
-            </a:r>
-          </a:p>
-        </p:txBody>
-      </p:sp>
-      <p:sp>
-        <p:nvSpPr>
-          <p:cNvPr id="3" name="Abgerundetes Rechteck 2">
-            <a:extLst>
-              <a:ext uri="{FF2B5EF4-FFF2-40B4-BE49-F238E27FC236}">
-                <a16:creationId xmlns:a16="http://schemas.microsoft.com/office/drawing/2014/main" id="{3D9A61AF-44A5-3151-EBCC-C0CE89025EDB}"/>
-              </a:ext>
-            </a:extLst>
-          </p:cNvPr>
-          <p:cNvSpPr/>
-          <p:nvPr/>
-        </p:nvSpPr>
-        <p:spPr>
-          <a:xfrm>
-            <a:off x="715616" y="424071"/>
-            <a:ext cx="3803374" cy="2729948"/>
-          </a:xfrm>
-          <a:prstGeom prst="roundRect">
-            <a:avLst/>
-          </a:prstGeom>
-          <a:noFill/>
-          <a:ln>
-            <a:solidFill>
-              <a:schemeClr val="accent1"/>
-            </a:solidFill>
-          </a:ln>
-        </p:spPr>
-        <p:style>
-          <a:lnRef idx="2">
-            <a:schemeClr val="accent1">
-              <a:shade val="15000"/>
-            </a:schemeClr>
-          </a:lnRef>
-          <a:fillRef idx="1">
-            <a:schemeClr val="accent1"/>
-          </a:fillRef>
-          <a:effectRef idx="0">
-            <a:schemeClr val="accent1"/>
-          </a:effectRef>
-          <a:fontRef idx="minor">
-            <a:schemeClr val="lt1"/>
-          </a:fontRef>
-        </p:style>
-        <p:txBody>
-          <a:bodyPr rtlCol="0" anchor="ctr"/>
-          <a:lstStyle/>
-          <a:p>
-            <a:pPr algn="ctr"/>
-            <a:endParaRPr lang="de-DE"/>
-          </a:p>
-        </p:txBody>
-      </p:sp>
-    </p:spTree>
-    <p:extLst>
-      <p:ext uri="{BB962C8B-B14F-4D97-AF65-F5344CB8AC3E}">
-        <p14:creationId xmlns:p14="http://schemas.microsoft.com/office/powerpoint/2010/main" val="2256264279"/>
-      </p:ext>
-    </p:extLst>
-  </p:cSld>
-  <p:clrMapOvr>
-    <a:masterClrMapping/>
-  </p:clrMapOvr>
-</p:sld>
-</file>
-
-<file path=ppt/slides/slide3.xml><?xml version="1.0" encoding="utf-8"?>
-<p:sld xmlns:a="http://schemas.openxmlformats.org/drawingml/2006/main" xmlns:r="http://schemas.openxmlformats.org/officeDocument/2006/relationships" xmlns:p="http://schemas.openxmlformats.org/presentationml/2006/main">
-  <p:cSld>
-    <p:spTree>
-      <p:nvGrpSpPr>
-        <p:cNvPr id="1" name=""/>
-        <p:cNvGrpSpPr/>
-        <p:nvPr/>
-      </p:nvGrpSpPr>
-      <p:grpSpPr>
-        <a:xfrm>
-          <a:off x="0" y="0"/>
-          <a:ext cx="0" cy="0"/>
-          <a:chOff x="0" y="0"/>
-          <a:chExt cx="0" cy="0"/>
-        </a:xfrm>
-      </p:grpSpPr>
-      <p:sp>
-        <p:nvSpPr>
-          <p:cNvPr id="2" name="Titel 1">
-            <a:extLst>
-              <a:ext uri="{FF2B5EF4-FFF2-40B4-BE49-F238E27FC236}">
-                <a16:creationId xmlns:a16="http://schemas.microsoft.com/office/drawing/2014/main" id="{C71DB2E2-66A0-3B76-A5C8-821F1488C7E7}"/>
-              </a:ext>
-            </a:extLst>
-          </p:cNvPr>
-          <p:cNvSpPr>
-            <a:spLocks noGrp="1"/>
-          </p:cNvSpPr>
-          <p:nvPr>
-            <p:ph type="ctrTitle"/>
-          </p:nvPr>
-        </p:nvSpPr>
-        <p:spPr/>
-        <p:txBody>
-          <a:bodyPr>
-            <a:normAutofit fontScale="90000"/>
-          </a:bodyPr>
-          <a:lstStyle/>
-          <a:p>
-            <a:r>
-              <a:rPr lang="de-DE" dirty="0"/>
-              <a:t>Referenzarchitektur KI-Plattform für die öffentliche Verwaltung</a:t>
-            </a:r>
-          </a:p>
-        </p:txBody>
-      </p:sp>
-      <p:sp>
-        <p:nvSpPr>
-          <p:cNvPr id="3" name="Untertitel 2">
-            <a:extLst>
-              <a:ext uri="{FF2B5EF4-FFF2-40B4-BE49-F238E27FC236}">
-                <a16:creationId xmlns:a16="http://schemas.microsoft.com/office/drawing/2014/main" id="{8930CEE2-D18C-66AA-2BC5-011C5F2D19C4}"/>
-              </a:ext>
-            </a:extLst>
-          </p:cNvPr>
-          <p:cNvSpPr>
-            <a:spLocks noGrp="1"/>
-          </p:cNvSpPr>
-          <p:nvPr>
-            <p:ph type="subTitle" idx="1"/>
-          </p:nvPr>
-        </p:nvSpPr>
-        <p:spPr/>
-        <p:txBody>
-          <a:bodyPr>
-            <a:normAutofit/>
-          </a:bodyPr>
-          <a:lstStyle/>
-          <a:p>
-            <a:endParaRPr lang="de-DE" sz="4800" dirty="0"/>
-          </a:p>
-          <a:p>
-            <a:r>
-              <a:rPr lang="de-DE" sz="4800" dirty="0"/>
-              <a:t>Building-Blocks</a:t>
-            </a:r>
-          </a:p>
-        </p:txBody>
-      </p:sp>
-    </p:spTree>
-    <p:extLst>
-      <p:ext uri="{BB962C8B-B14F-4D97-AF65-F5344CB8AC3E}">
-        <p14:creationId xmlns:p14="http://schemas.microsoft.com/office/powerpoint/2010/main" val="764292948"/>
-      </p:ext>
-    </p:extLst>
-  </p:cSld>
-  <p:clrMapOvr>
-    <a:masterClrMapping/>
-  </p:clrMapOvr>
-</p:sld>
-</file>
-
-<file path=ppt/slides/slide4.xml><?xml version="1.0" encoding="utf-8"?>
-<p:sld xmlns:a="http://schemas.openxmlformats.org/drawingml/2006/main" xmlns:r="http://schemas.openxmlformats.org/officeDocument/2006/relationships" xmlns:p="http://schemas.openxmlformats.org/presentationml/2006/main">
-  <p:cSld>
-    <p:spTree>
-      <p:nvGrpSpPr>
         <p:cNvPr id="1" name=""/>
         <p:cNvGrpSpPr/>
         <p:nvPr/>
@@ -13340,7 +11874,7 @@
 </p:sld>
 </file>
 
-<file path=ppt/slides/slide5.xml><?xml version="1.0" encoding="utf-8"?>
+<file path=ppt/slides/slide3.xml><?xml version="1.0" encoding="utf-8"?>
 <p:sld xmlns:a="http://schemas.openxmlformats.org/drawingml/2006/main" xmlns:r="http://schemas.openxmlformats.org/officeDocument/2006/relationships" xmlns:p="http://schemas.openxmlformats.org/presentationml/2006/main">
   <p:cSld>
     <p:spTree>
@@ -14321,7 +12855,7 @@
 </p:sld>
 </file>
 
-<file path=ppt/slides/slide6.xml><?xml version="1.0" encoding="utf-8"?>
+<file path=ppt/slides/slide4.xml><?xml version="1.0" encoding="utf-8"?>
 <p:sld xmlns:a="http://schemas.openxmlformats.org/drawingml/2006/main" xmlns:r="http://schemas.openxmlformats.org/officeDocument/2006/relationships" xmlns:p="http://schemas.openxmlformats.org/presentationml/2006/main">
   <p:cSld>
     <p:spTree>
@@ -14427,7 +12961,7 @@
 </p:sld>
 </file>
 
-<file path=ppt/slides/slide7.xml><?xml version="1.0" encoding="utf-8"?>
+<file path=ppt/slides/slide5.xml><?xml version="1.0" encoding="utf-8"?>
 <p:sld xmlns:a="http://schemas.openxmlformats.org/drawingml/2006/main" xmlns:r="http://schemas.openxmlformats.org/officeDocument/2006/relationships" xmlns:p="http://schemas.openxmlformats.org/presentationml/2006/main">
   <p:cSld>
     <p:spTree>
@@ -14902,6 +13436,1107 @@
     <p:extLst>
       <p:ext uri="{BB962C8B-B14F-4D97-AF65-F5344CB8AC3E}">
         <p14:creationId xmlns:p14="http://schemas.microsoft.com/office/powerpoint/2010/main" val="1395274834"/>
+      </p:ext>
+    </p:extLst>
+  </p:cSld>
+  <p:clrMapOvr>
+    <a:masterClrMapping/>
+  </p:clrMapOvr>
+</p:sld>
+</file>
+
+<file path=ppt/slides/slide6.xml><?xml version="1.0" encoding="utf-8"?>
+<p:sld xmlns:a="http://schemas.openxmlformats.org/drawingml/2006/main" xmlns:r="http://schemas.openxmlformats.org/officeDocument/2006/relationships" xmlns:p="http://schemas.openxmlformats.org/presentationml/2006/main">
+  <p:cSld>
+    <p:spTree>
+      <p:nvGrpSpPr>
+        <p:cNvPr id="1" name=""/>
+        <p:cNvGrpSpPr/>
+        <p:nvPr/>
+      </p:nvGrpSpPr>
+      <p:grpSpPr>
+        <a:xfrm>
+          <a:off x="0" y="0"/>
+          <a:ext cx="0" cy="0"/>
+          <a:chOff x="0" y="0"/>
+          <a:chExt cx="0" cy="0"/>
+        </a:xfrm>
+      </p:grpSpPr>
+      <p:sp>
+        <p:nvSpPr>
+          <p:cNvPr id="2" name="Textfeld 1">
+            <a:extLst>
+              <a:ext uri="{FF2B5EF4-FFF2-40B4-BE49-F238E27FC236}">
+                <a16:creationId xmlns:a16="http://schemas.microsoft.com/office/drawing/2014/main" id="{19A3D0D4-F1F8-DDE5-2179-1A6F34B2E551}"/>
+              </a:ext>
+            </a:extLst>
+          </p:cNvPr>
+          <p:cNvSpPr txBox="1"/>
+          <p:nvPr/>
+        </p:nvSpPr>
+        <p:spPr>
+          <a:xfrm>
+            <a:off x="11322115" y="6488668"/>
+            <a:ext cx="625749" cy="369332"/>
+          </a:xfrm>
+          <a:prstGeom prst="rect">
+            <a:avLst/>
+          </a:prstGeom>
+          <a:noFill/>
+        </p:spPr>
+        <p:txBody>
+          <a:bodyPr wrap="none" rtlCol="0">
+            <a:spAutoFit/>
+          </a:bodyPr>
+          <a:lstStyle/>
+          <a:p>
+            <a:r>
+              <a:rPr lang="de-DE" dirty="0"/>
+              <a:t>Task</a:t>
+            </a:r>
+          </a:p>
+        </p:txBody>
+      </p:sp>
+      <p:sp>
+        <p:nvSpPr>
+          <p:cNvPr id="3" name="Rechteck 2">
+            <a:extLst>
+              <a:ext uri="{FF2B5EF4-FFF2-40B4-BE49-F238E27FC236}">
+                <a16:creationId xmlns:a16="http://schemas.microsoft.com/office/drawing/2014/main" id="{8463E4B6-3EB6-3756-1F37-9D1B92114633}"/>
+              </a:ext>
+            </a:extLst>
+          </p:cNvPr>
+          <p:cNvSpPr/>
+          <p:nvPr/>
+        </p:nvSpPr>
+        <p:spPr>
+          <a:xfrm>
+            <a:off x="2079773" y="2783494"/>
+            <a:ext cx="3168088" cy="1291011"/>
+          </a:xfrm>
+          <a:prstGeom prst="rect">
+            <a:avLst/>
+          </a:prstGeom>
+        </p:spPr>
+        <p:style>
+          <a:lnRef idx="2">
+            <a:schemeClr val="accent1">
+              <a:shade val="15000"/>
+            </a:schemeClr>
+          </a:lnRef>
+          <a:fillRef idx="1">
+            <a:schemeClr val="accent1"/>
+          </a:fillRef>
+          <a:effectRef idx="0">
+            <a:schemeClr val="accent1"/>
+          </a:effectRef>
+          <a:fontRef idx="minor">
+            <a:schemeClr val="lt1"/>
+          </a:fontRef>
+        </p:style>
+        <p:txBody>
+          <a:bodyPr rtlCol="0" anchor="ctr"/>
+          <a:lstStyle/>
+          <a:p>
+            <a:pPr algn="ctr"/>
+            <a:r>
+              <a:rPr lang="de-DE" dirty="0"/>
+              <a:t>Task</a:t>
+            </a:r>
+          </a:p>
+        </p:txBody>
+      </p:sp>
+      <p:sp>
+        <p:nvSpPr>
+          <p:cNvPr id="4" name="Rechteck 3">
+            <a:extLst>
+              <a:ext uri="{FF2B5EF4-FFF2-40B4-BE49-F238E27FC236}">
+                <a16:creationId xmlns:a16="http://schemas.microsoft.com/office/drawing/2014/main" id="{DB3716C7-DF99-FBC7-3B42-8128D9206E77}"/>
+              </a:ext>
+            </a:extLst>
+          </p:cNvPr>
+          <p:cNvSpPr/>
+          <p:nvPr/>
+        </p:nvSpPr>
+        <p:spPr>
+          <a:xfrm>
+            <a:off x="2079773" y="2067339"/>
+            <a:ext cx="3168088" cy="436783"/>
+          </a:xfrm>
+          <a:prstGeom prst="rect">
+            <a:avLst/>
+          </a:prstGeom>
+        </p:spPr>
+        <p:style>
+          <a:lnRef idx="2">
+            <a:schemeClr val="accent1">
+              <a:shade val="15000"/>
+            </a:schemeClr>
+          </a:lnRef>
+          <a:fillRef idx="1">
+            <a:schemeClr val="accent1"/>
+          </a:fillRef>
+          <a:effectRef idx="0">
+            <a:schemeClr val="accent1"/>
+          </a:effectRef>
+          <a:fontRef idx="minor">
+            <a:schemeClr val="lt1"/>
+          </a:fontRef>
+        </p:style>
+        <p:txBody>
+          <a:bodyPr rtlCol="0" anchor="ctr"/>
+          <a:lstStyle/>
+          <a:p>
+            <a:pPr algn="ctr"/>
+            <a:r>
+              <a:rPr lang="de-DE" dirty="0"/>
+              <a:t>API</a:t>
+            </a:r>
+          </a:p>
+        </p:txBody>
+      </p:sp>
+      <p:sp>
+        <p:nvSpPr>
+          <p:cNvPr id="5" name="Gefaltete Ecke 4">
+            <a:extLst>
+              <a:ext uri="{FF2B5EF4-FFF2-40B4-BE49-F238E27FC236}">
+                <a16:creationId xmlns:a16="http://schemas.microsoft.com/office/drawing/2014/main" id="{50494332-732F-8014-7B78-D85C55507B8E}"/>
+              </a:ext>
+            </a:extLst>
+          </p:cNvPr>
+          <p:cNvSpPr/>
+          <p:nvPr/>
+        </p:nvSpPr>
+        <p:spPr>
+          <a:xfrm>
+            <a:off x="2079773" y="4532244"/>
+            <a:ext cx="1842052" cy="914400"/>
+          </a:xfrm>
+          <a:prstGeom prst="foldedCorner">
+            <a:avLst/>
+          </a:prstGeom>
+        </p:spPr>
+        <p:style>
+          <a:lnRef idx="2">
+            <a:schemeClr val="accent1">
+              <a:shade val="15000"/>
+            </a:schemeClr>
+          </a:lnRef>
+          <a:fillRef idx="1">
+            <a:schemeClr val="accent1"/>
+          </a:fillRef>
+          <a:effectRef idx="0">
+            <a:schemeClr val="accent1"/>
+          </a:effectRef>
+          <a:fontRef idx="minor">
+            <a:schemeClr val="lt1"/>
+          </a:fontRef>
+        </p:style>
+        <p:txBody>
+          <a:bodyPr rtlCol="0" anchor="ctr"/>
+          <a:lstStyle/>
+          <a:p>
+            <a:pPr algn="ctr"/>
+            <a:r>
+              <a:rPr lang="de-DE" dirty="0"/>
+              <a:t>Konfiguration</a:t>
+            </a:r>
+          </a:p>
+        </p:txBody>
+      </p:sp>
+      <p:sp>
+        <p:nvSpPr>
+          <p:cNvPr id="6" name="Rechteck 5">
+            <a:extLst>
+              <a:ext uri="{FF2B5EF4-FFF2-40B4-BE49-F238E27FC236}">
+                <a16:creationId xmlns:a16="http://schemas.microsoft.com/office/drawing/2014/main" id="{4016248A-08E2-2FCC-7ABF-538764CEE16B}"/>
+              </a:ext>
+            </a:extLst>
+          </p:cNvPr>
+          <p:cNvSpPr/>
+          <p:nvPr/>
+        </p:nvSpPr>
+        <p:spPr>
+          <a:xfrm>
+            <a:off x="6724660" y="2783493"/>
+            <a:ext cx="3168088" cy="1291011"/>
+          </a:xfrm>
+          <a:prstGeom prst="rect">
+            <a:avLst/>
+          </a:prstGeom>
+        </p:spPr>
+        <p:style>
+          <a:lnRef idx="2">
+            <a:schemeClr val="accent1">
+              <a:shade val="15000"/>
+            </a:schemeClr>
+          </a:lnRef>
+          <a:fillRef idx="1">
+            <a:schemeClr val="accent1"/>
+          </a:fillRef>
+          <a:effectRef idx="0">
+            <a:schemeClr val="accent1"/>
+          </a:effectRef>
+          <a:fontRef idx="minor">
+            <a:schemeClr val="lt1"/>
+          </a:fontRef>
+        </p:style>
+        <p:txBody>
+          <a:bodyPr rtlCol="0" anchor="ctr"/>
+          <a:lstStyle/>
+          <a:p>
+            <a:pPr algn="ctr"/>
+            <a:r>
+              <a:rPr lang="de-DE" dirty="0"/>
+              <a:t>Modell</a:t>
+            </a:r>
+          </a:p>
+        </p:txBody>
+      </p:sp>
+      <p:cxnSp>
+        <p:nvCxnSpPr>
+          <p:cNvPr id="8" name="Gerade Verbindung mit Pfeil 7">
+            <a:extLst>
+              <a:ext uri="{FF2B5EF4-FFF2-40B4-BE49-F238E27FC236}">
+                <a16:creationId xmlns:a16="http://schemas.microsoft.com/office/drawing/2014/main" id="{D02B31B6-486D-EC46-D9EF-EA32B5EFB33A}"/>
+              </a:ext>
+            </a:extLst>
+          </p:cNvPr>
+          <p:cNvCxnSpPr>
+            <a:stCxn id="3" idx="3"/>
+            <a:endCxn id="6" idx="1"/>
+          </p:cNvCxnSpPr>
+          <p:nvPr/>
+        </p:nvCxnSpPr>
+        <p:spPr>
+          <a:xfrm flipV="1">
+            <a:off x="5247861" y="3428999"/>
+            <a:ext cx="1476799" cy="1"/>
+          </a:xfrm>
+          <a:prstGeom prst="straightConnector1">
+            <a:avLst/>
+          </a:prstGeom>
+          <a:ln>
+            <a:headEnd type="triangle"/>
+            <a:tailEnd type="triangle"/>
+          </a:ln>
+        </p:spPr>
+        <p:style>
+          <a:lnRef idx="2">
+            <a:schemeClr val="accent1"/>
+          </a:lnRef>
+          <a:fillRef idx="0">
+            <a:schemeClr val="accent1"/>
+          </a:fillRef>
+          <a:effectRef idx="1">
+            <a:schemeClr val="accent1"/>
+          </a:effectRef>
+          <a:fontRef idx="minor">
+            <a:schemeClr val="tx1"/>
+          </a:fontRef>
+        </p:style>
+      </p:cxnSp>
+      <p:sp>
+        <p:nvSpPr>
+          <p:cNvPr id="9" name="Textfeld 8">
+            <a:extLst>
+              <a:ext uri="{FF2B5EF4-FFF2-40B4-BE49-F238E27FC236}">
+                <a16:creationId xmlns:a16="http://schemas.microsoft.com/office/drawing/2014/main" id="{87D7115B-5516-AF3C-AA69-46CE46C071E0}"/>
+              </a:ext>
+            </a:extLst>
+          </p:cNvPr>
+          <p:cNvSpPr txBox="1"/>
+          <p:nvPr/>
+        </p:nvSpPr>
+        <p:spPr>
+          <a:xfrm>
+            <a:off x="5635042" y="3059666"/>
+            <a:ext cx="702436" cy="369332"/>
+          </a:xfrm>
+          <a:prstGeom prst="rect">
+            <a:avLst/>
+          </a:prstGeom>
+          <a:noFill/>
+        </p:spPr>
+        <p:txBody>
+          <a:bodyPr wrap="none" rtlCol="0">
+            <a:spAutoFit/>
+          </a:bodyPr>
+          <a:lstStyle/>
+          <a:p>
+            <a:r>
+              <a:rPr lang="de-DE" dirty="0"/>
+              <a:t>HTTP</a:t>
+            </a:r>
+          </a:p>
+        </p:txBody>
+      </p:sp>
+      <p:cxnSp>
+        <p:nvCxnSpPr>
+          <p:cNvPr id="11" name="Gerade Verbindung mit Pfeil 10">
+            <a:extLst>
+              <a:ext uri="{FF2B5EF4-FFF2-40B4-BE49-F238E27FC236}">
+                <a16:creationId xmlns:a16="http://schemas.microsoft.com/office/drawing/2014/main" id="{162FA411-6579-9D23-FE53-569CB4AE74AA}"/>
+              </a:ext>
+            </a:extLst>
+          </p:cNvPr>
+          <p:cNvCxnSpPr>
+            <a:stCxn id="4" idx="2"/>
+            <a:endCxn id="3" idx="0"/>
+          </p:cNvCxnSpPr>
+          <p:nvPr/>
+        </p:nvCxnSpPr>
+        <p:spPr>
+          <a:xfrm>
+            <a:off x="3663817" y="2504122"/>
+            <a:ext cx="0" cy="279372"/>
+          </a:xfrm>
+          <a:prstGeom prst="straightConnector1">
+            <a:avLst/>
+          </a:prstGeom>
+          <a:ln>
+            <a:headEnd type="triangle"/>
+            <a:tailEnd type="triangle"/>
+          </a:ln>
+        </p:spPr>
+        <p:style>
+          <a:lnRef idx="2">
+            <a:schemeClr val="accent1"/>
+          </a:lnRef>
+          <a:fillRef idx="0">
+            <a:schemeClr val="accent1"/>
+          </a:fillRef>
+          <a:effectRef idx="1">
+            <a:schemeClr val="accent1"/>
+          </a:effectRef>
+          <a:fontRef idx="minor">
+            <a:schemeClr val="tx1"/>
+          </a:fontRef>
+        </p:style>
+      </p:cxnSp>
+      <p:cxnSp>
+        <p:nvCxnSpPr>
+          <p:cNvPr id="13" name="Gerade Verbindung 12">
+            <a:extLst>
+              <a:ext uri="{FF2B5EF4-FFF2-40B4-BE49-F238E27FC236}">
+                <a16:creationId xmlns:a16="http://schemas.microsoft.com/office/drawing/2014/main" id="{43DCBA61-95F3-C1DE-8500-5E99B0F8F658}"/>
+              </a:ext>
+            </a:extLst>
+          </p:cNvPr>
+          <p:cNvCxnSpPr>
+            <a:stCxn id="5" idx="0"/>
+          </p:cNvCxnSpPr>
+          <p:nvPr/>
+        </p:nvCxnSpPr>
+        <p:spPr>
+          <a:xfrm flipV="1">
+            <a:off x="3000799" y="4074504"/>
+            <a:ext cx="0" cy="457740"/>
+          </a:xfrm>
+          <a:prstGeom prst="line">
+            <a:avLst/>
+          </a:prstGeom>
+        </p:spPr>
+        <p:style>
+          <a:lnRef idx="2">
+            <a:schemeClr val="accent1"/>
+          </a:lnRef>
+          <a:fillRef idx="0">
+            <a:schemeClr val="accent1"/>
+          </a:fillRef>
+          <a:effectRef idx="1">
+            <a:schemeClr val="accent1"/>
+          </a:effectRef>
+          <a:fontRef idx="minor">
+            <a:schemeClr val="tx1"/>
+          </a:fontRef>
+        </p:style>
+      </p:cxnSp>
+    </p:spTree>
+    <p:extLst>
+      <p:ext uri="{BB962C8B-B14F-4D97-AF65-F5344CB8AC3E}">
+        <p14:creationId xmlns:p14="http://schemas.microsoft.com/office/powerpoint/2010/main" val="822532289"/>
+      </p:ext>
+    </p:extLst>
+  </p:cSld>
+  <p:clrMapOvr>
+    <a:masterClrMapping/>
+  </p:clrMapOvr>
+</p:sld>
+</file>
+
+<file path=ppt/slides/slide7.xml><?xml version="1.0" encoding="utf-8"?>
+<p:sld xmlns:a="http://schemas.openxmlformats.org/drawingml/2006/main" xmlns:r="http://schemas.openxmlformats.org/officeDocument/2006/relationships" xmlns:p="http://schemas.openxmlformats.org/presentationml/2006/main">
+  <p:cSld>
+    <p:spTree>
+      <p:nvGrpSpPr>
+        <p:cNvPr id="1" name="">
+          <a:extLst>
+            <a:ext uri="{FF2B5EF4-FFF2-40B4-BE49-F238E27FC236}">
+              <a16:creationId xmlns:a16="http://schemas.microsoft.com/office/drawing/2014/main" id="{7D21B112-4B1A-D2D9-20F1-877C11E4616B}"/>
+            </a:ext>
+          </a:extLst>
+        </p:cNvPr>
+        <p:cNvGrpSpPr/>
+        <p:nvPr/>
+      </p:nvGrpSpPr>
+      <p:grpSpPr>
+        <a:xfrm>
+          <a:off x="0" y="0"/>
+          <a:ext cx="0" cy="0"/>
+          <a:chOff x="0" y="0"/>
+          <a:chExt cx="0" cy="0"/>
+        </a:xfrm>
+      </p:grpSpPr>
+      <p:sp>
+        <p:nvSpPr>
+          <p:cNvPr id="2" name="Textfeld 1">
+            <a:extLst>
+              <a:ext uri="{FF2B5EF4-FFF2-40B4-BE49-F238E27FC236}">
+                <a16:creationId xmlns:a16="http://schemas.microsoft.com/office/drawing/2014/main" id="{AB4DAA37-F0E9-3826-DAEC-BE8903BF761A}"/>
+              </a:ext>
+            </a:extLst>
+          </p:cNvPr>
+          <p:cNvSpPr txBox="1"/>
+          <p:nvPr/>
+        </p:nvSpPr>
+        <p:spPr>
+          <a:xfrm>
+            <a:off x="11322115" y="6488668"/>
+            <a:ext cx="589392" cy="369332"/>
+          </a:xfrm>
+          <a:prstGeom prst="rect">
+            <a:avLst/>
+          </a:prstGeom>
+          <a:noFill/>
+        </p:spPr>
+        <p:txBody>
+          <a:bodyPr wrap="none" rtlCol="0">
+            <a:spAutoFit/>
+          </a:bodyPr>
+          <a:lstStyle/>
+          <a:p>
+            <a:r>
+              <a:rPr lang="de-DE" dirty="0"/>
+              <a:t>Tool</a:t>
+            </a:r>
+          </a:p>
+        </p:txBody>
+      </p:sp>
+      <p:sp>
+        <p:nvSpPr>
+          <p:cNvPr id="3" name="Rechteck 2">
+            <a:extLst>
+              <a:ext uri="{FF2B5EF4-FFF2-40B4-BE49-F238E27FC236}">
+                <a16:creationId xmlns:a16="http://schemas.microsoft.com/office/drawing/2014/main" id="{9E1EBE20-32DC-1E65-F336-90BEF31134F9}"/>
+              </a:ext>
+            </a:extLst>
+          </p:cNvPr>
+          <p:cNvSpPr/>
+          <p:nvPr/>
+        </p:nvSpPr>
+        <p:spPr>
+          <a:xfrm>
+            <a:off x="2079773" y="2783494"/>
+            <a:ext cx="3168088" cy="1291011"/>
+          </a:xfrm>
+          <a:prstGeom prst="rect">
+            <a:avLst/>
+          </a:prstGeom>
+        </p:spPr>
+        <p:style>
+          <a:lnRef idx="2">
+            <a:schemeClr val="accent1">
+              <a:shade val="15000"/>
+            </a:schemeClr>
+          </a:lnRef>
+          <a:fillRef idx="1">
+            <a:schemeClr val="accent1"/>
+          </a:fillRef>
+          <a:effectRef idx="0">
+            <a:schemeClr val="accent1"/>
+          </a:effectRef>
+          <a:fontRef idx="minor">
+            <a:schemeClr val="lt1"/>
+          </a:fontRef>
+        </p:style>
+        <p:txBody>
+          <a:bodyPr rtlCol="0" anchor="ctr"/>
+          <a:lstStyle/>
+          <a:p>
+            <a:pPr algn="ctr"/>
+            <a:r>
+              <a:rPr lang="de-DE" dirty="0"/>
+              <a:t>Tool</a:t>
+            </a:r>
+          </a:p>
+        </p:txBody>
+      </p:sp>
+      <p:sp>
+        <p:nvSpPr>
+          <p:cNvPr id="4" name="Rechteck 3">
+            <a:extLst>
+              <a:ext uri="{FF2B5EF4-FFF2-40B4-BE49-F238E27FC236}">
+                <a16:creationId xmlns:a16="http://schemas.microsoft.com/office/drawing/2014/main" id="{1CB99027-B9D7-C065-9C13-B9370806F085}"/>
+              </a:ext>
+            </a:extLst>
+          </p:cNvPr>
+          <p:cNvSpPr/>
+          <p:nvPr/>
+        </p:nvSpPr>
+        <p:spPr>
+          <a:xfrm>
+            <a:off x="2079773" y="2067339"/>
+            <a:ext cx="3168088" cy="436783"/>
+          </a:xfrm>
+          <a:prstGeom prst="rect">
+            <a:avLst/>
+          </a:prstGeom>
+        </p:spPr>
+        <p:style>
+          <a:lnRef idx="2">
+            <a:schemeClr val="accent1">
+              <a:shade val="15000"/>
+            </a:schemeClr>
+          </a:lnRef>
+          <a:fillRef idx="1">
+            <a:schemeClr val="accent1"/>
+          </a:fillRef>
+          <a:effectRef idx="0">
+            <a:schemeClr val="accent1"/>
+          </a:effectRef>
+          <a:fontRef idx="minor">
+            <a:schemeClr val="lt1"/>
+          </a:fontRef>
+        </p:style>
+        <p:txBody>
+          <a:bodyPr rtlCol="0" anchor="ctr"/>
+          <a:lstStyle/>
+          <a:p>
+            <a:pPr algn="ctr"/>
+            <a:r>
+              <a:rPr lang="de-DE" dirty="0"/>
+              <a:t>API</a:t>
+            </a:r>
+          </a:p>
+        </p:txBody>
+      </p:sp>
+      <p:sp>
+        <p:nvSpPr>
+          <p:cNvPr id="5" name="Gefaltete Ecke 4">
+            <a:extLst>
+              <a:ext uri="{FF2B5EF4-FFF2-40B4-BE49-F238E27FC236}">
+                <a16:creationId xmlns:a16="http://schemas.microsoft.com/office/drawing/2014/main" id="{CFCB836C-1D4F-460E-5722-80136CB14315}"/>
+              </a:ext>
+            </a:extLst>
+          </p:cNvPr>
+          <p:cNvSpPr/>
+          <p:nvPr/>
+        </p:nvSpPr>
+        <p:spPr>
+          <a:xfrm>
+            <a:off x="2079773" y="4532244"/>
+            <a:ext cx="1842052" cy="914400"/>
+          </a:xfrm>
+          <a:prstGeom prst="foldedCorner">
+            <a:avLst/>
+          </a:prstGeom>
+        </p:spPr>
+        <p:style>
+          <a:lnRef idx="2">
+            <a:schemeClr val="accent1">
+              <a:shade val="15000"/>
+            </a:schemeClr>
+          </a:lnRef>
+          <a:fillRef idx="1">
+            <a:schemeClr val="accent1"/>
+          </a:fillRef>
+          <a:effectRef idx="0">
+            <a:schemeClr val="accent1"/>
+          </a:effectRef>
+          <a:fontRef idx="minor">
+            <a:schemeClr val="lt1"/>
+          </a:fontRef>
+        </p:style>
+        <p:txBody>
+          <a:bodyPr rtlCol="0" anchor="ctr"/>
+          <a:lstStyle/>
+          <a:p>
+            <a:pPr algn="ctr"/>
+            <a:r>
+              <a:rPr lang="de-DE" dirty="0"/>
+              <a:t>Konfiguration</a:t>
+            </a:r>
+          </a:p>
+        </p:txBody>
+      </p:sp>
+      <p:sp>
+        <p:nvSpPr>
+          <p:cNvPr id="6" name="Rechteck 5">
+            <a:extLst>
+              <a:ext uri="{FF2B5EF4-FFF2-40B4-BE49-F238E27FC236}">
+                <a16:creationId xmlns:a16="http://schemas.microsoft.com/office/drawing/2014/main" id="{BB047BC5-85A6-F1F0-3D3C-B3714789684F}"/>
+              </a:ext>
+            </a:extLst>
+          </p:cNvPr>
+          <p:cNvSpPr/>
+          <p:nvPr/>
+        </p:nvSpPr>
+        <p:spPr>
+          <a:xfrm>
+            <a:off x="6724660" y="1103781"/>
+            <a:ext cx="3168088" cy="1291011"/>
+          </a:xfrm>
+          <a:prstGeom prst="rect">
+            <a:avLst/>
+          </a:prstGeom>
+        </p:spPr>
+        <p:style>
+          <a:lnRef idx="2">
+            <a:schemeClr val="accent1">
+              <a:shade val="15000"/>
+            </a:schemeClr>
+          </a:lnRef>
+          <a:fillRef idx="1">
+            <a:schemeClr val="accent1"/>
+          </a:fillRef>
+          <a:effectRef idx="0">
+            <a:schemeClr val="accent1"/>
+          </a:effectRef>
+          <a:fontRef idx="minor">
+            <a:schemeClr val="lt1"/>
+          </a:fontRef>
+        </p:style>
+        <p:txBody>
+          <a:bodyPr rtlCol="0" anchor="ctr"/>
+          <a:lstStyle/>
+          <a:p>
+            <a:pPr algn="ctr"/>
+            <a:r>
+              <a:rPr lang="de-DE" dirty="0"/>
+              <a:t>Internet</a:t>
+            </a:r>
+          </a:p>
+        </p:txBody>
+      </p:sp>
+      <p:sp>
+        <p:nvSpPr>
+          <p:cNvPr id="9" name="Textfeld 8">
+            <a:extLst>
+              <a:ext uri="{FF2B5EF4-FFF2-40B4-BE49-F238E27FC236}">
+                <a16:creationId xmlns:a16="http://schemas.microsoft.com/office/drawing/2014/main" id="{31022DD4-B31C-C135-D9FB-EE367C642621}"/>
+              </a:ext>
+            </a:extLst>
+          </p:cNvPr>
+          <p:cNvSpPr txBox="1"/>
+          <p:nvPr/>
+        </p:nvSpPr>
+        <p:spPr>
+          <a:xfrm>
+            <a:off x="6016487" y="1869749"/>
+            <a:ext cx="702436" cy="369332"/>
+          </a:xfrm>
+          <a:prstGeom prst="rect">
+            <a:avLst/>
+          </a:prstGeom>
+          <a:noFill/>
+        </p:spPr>
+        <p:txBody>
+          <a:bodyPr wrap="none" rtlCol="0">
+            <a:spAutoFit/>
+          </a:bodyPr>
+          <a:lstStyle/>
+          <a:p>
+            <a:r>
+              <a:rPr lang="de-DE" dirty="0"/>
+              <a:t>HTTP</a:t>
+            </a:r>
+          </a:p>
+        </p:txBody>
+      </p:sp>
+      <p:cxnSp>
+        <p:nvCxnSpPr>
+          <p:cNvPr id="11" name="Gerade Verbindung mit Pfeil 10">
+            <a:extLst>
+              <a:ext uri="{FF2B5EF4-FFF2-40B4-BE49-F238E27FC236}">
+                <a16:creationId xmlns:a16="http://schemas.microsoft.com/office/drawing/2014/main" id="{6A81FB52-AD59-BE96-9E60-6DD7763DAB0C}"/>
+              </a:ext>
+            </a:extLst>
+          </p:cNvPr>
+          <p:cNvCxnSpPr>
+            <a:stCxn id="4" idx="2"/>
+            <a:endCxn id="3" idx="0"/>
+          </p:cNvCxnSpPr>
+          <p:nvPr/>
+        </p:nvCxnSpPr>
+        <p:spPr>
+          <a:xfrm>
+            <a:off x="3663817" y="2504122"/>
+            <a:ext cx="0" cy="279372"/>
+          </a:xfrm>
+          <a:prstGeom prst="straightConnector1">
+            <a:avLst/>
+          </a:prstGeom>
+          <a:ln>
+            <a:headEnd type="triangle"/>
+            <a:tailEnd type="triangle"/>
+          </a:ln>
+        </p:spPr>
+        <p:style>
+          <a:lnRef idx="2">
+            <a:schemeClr val="accent1"/>
+          </a:lnRef>
+          <a:fillRef idx="0">
+            <a:schemeClr val="accent1"/>
+          </a:fillRef>
+          <a:effectRef idx="1">
+            <a:schemeClr val="accent1"/>
+          </a:effectRef>
+          <a:fontRef idx="minor">
+            <a:schemeClr val="tx1"/>
+          </a:fontRef>
+        </p:style>
+      </p:cxnSp>
+      <p:cxnSp>
+        <p:nvCxnSpPr>
+          <p:cNvPr id="13" name="Gerade Verbindung 12">
+            <a:extLst>
+              <a:ext uri="{FF2B5EF4-FFF2-40B4-BE49-F238E27FC236}">
+                <a16:creationId xmlns:a16="http://schemas.microsoft.com/office/drawing/2014/main" id="{4ED397CF-CD1B-E9AA-A5FE-25D12F949D04}"/>
+              </a:ext>
+            </a:extLst>
+          </p:cNvPr>
+          <p:cNvCxnSpPr>
+            <a:stCxn id="5" idx="0"/>
+          </p:cNvCxnSpPr>
+          <p:nvPr/>
+        </p:nvCxnSpPr>
+        <p:spPr>
+          <a:xfrm flipV="1">
+            <a:off x="3000799" y="4074504"/>
+            <a:ext cx="0" cy="457740"/>
+          </a:xfrm>
+          <a:prstGeom prst="line">
+            <a:avLst/>
+          </a:prstGeom>
+        </p:spPr>
+        <p:style>
+          <a:lnRef idx="2">
+            <a:schemeClr val="accent1"/>
+          </a:lnRef>
+          <a:fillRef idx="0">
+            <a:schemeClr val="accent1"/>
+          </a:fillRef>
+          <a:effectRef idx="1">
+            <a:schemeClr val="accent1"/>
+          </a:effectRef>
+          <a:fontRef idx="minor">
+            <a:schemeClr val="tx1"/>
+          </a:fontRef>
+        </p:style>
+      </p:cxnSp>
+      <p:cxnSp>
+        <p:nvCxnSpPr>
+          <p:cNvPr id="12" name="Gewinkelte Verbindung 11">
+            <a:extLst>
+              <a:ext uri="{FF2B5EF4-FFF2-40B4-BE49-F238E27FC236}">
+                <a16:creationId xmlns:a16="http://schemas.microsoft.com/office/drawing/2014/main" id="{FD09F7C4-9C43-9233-15B0-2FBB683968AA}"/>
+              </a:ext>
+            </a:extLst>
+          </p:cNvPr>
+          <p:cNvCxnSpPr>
+            <a:stCxn id="3" idx="3"/>
+            <a:endCxn id="6" idx="1"/>
+          </p:cNvCxnSpPr>
+          <p:nvPr/>
+        </p:nvCxnSpPr>
+        <p:spPr>
+          <a:xfrm flipV="1">
+            <a:off x="5247861" y="1749287"/>
+            <a:ext cx="1476799" cy="1679713"/>
+          </a:xfrm>
+          <a:prstGeom prst="bentConnector3">
+            <a:avLst/>
+          </a:prstGeom>
+          <a:ln>
+            <a:headEnd type="triangle"/>
+            <a:tailEnd type="triangle"/>
+          </a:ln>
+        </p:spPr>
+        <p:style>
+          <a:lnRef idx="2">
+            <a:schemeClr val="accent1"/>
+          </a:lnRef>
+          <a:fillRef idx="0">
+            <a:schemeClr val="accent1"/>
+          </a:fillRef>
+          <a:effectRef idx="1">
+            <a:schemeClr val="accent1"/>
+          </a:effectRef>
+          <a:fontRef idx="minor">
+            <a:schemeClr val="tx1"/>
+          </a:fontRef>
+        </p:style>
+      </p:cxnSp>
+      <p:sp>
+        <p:nvSpPr>
+          <p:cNvPr id="14" name="Rechteck 13">
+            <a:extLst>
+              <a:ext uri="{FF2B5EF4-FFF2-40B4-BE49-F238E27FC236}">
+                <a16:creationId xmlns:a16="http://schemas.microsoft.com/office/drawing/2014/main" id="{B30D464B-6D9D-7E38-80D1-EA8DBB40D667}"/>
+              </a:ext>
+            </a:extLst>
+          </p:cNvPr>
+          <p:cNvSpPr/>
+          <p:nvPr/>
+        </p:nvSpPr>
+        <p:spPr>
+          <a:xfrm>
+            <a:off x="6718923" y="2784343"/>
+            <a:ext cx="3168088" cy="1291011"/>
+          </a:xfrm>
+          <a:prstGeom prst="rect">
+            <a:avLst/>
+          </a:prstGeom>
+        </p:spPr>
+        <p:style>
+          <a:lnRef idx="2">
+            <a:schemeClr val="accent1">
+              <a:shade val="15000"/>
+            </a:schemeClr>
+          </a:lnRef>
+          <a:fillRef idx="1">
+            <a:schemeClr val="accent1"/>
+          </a:fillRef>
+          <a:effectRef idx="0">
+            <a:schemeClr val="accent1"/>
+          </a:effectRef>
+          <a:fontRef idx="minor">
+            <a:schemeClr val="lt1"/>
+          </a:fontRef>
+        </p:style>
+        <p:txBody>
+          <a:bodyPr rtlCol="0" anchor="ctr"/>
+          <a:lstStyle/>
+          <a:p>
+            <a:pPr algn="ctr"/>
+            <a:r>
+              <a:rPr lang="de-DE" dirty="0"/>
+              <a:t>Fachverfahren</a:t>
+            </a:r>
+          </a:p>
+        </p:txBody>
+      </p:sp>
+      <p:cxnSp>
+        <p:nvCxnSpPr>
+          <p:cNvPr id="16" name="Gewinkelte Verbindung 15">
+            <a:extLst>
+              <a:ext uri="{FF2B5EF4-FFF2-40B4-BE49-F238E27FC236}">
+                <a16:creationId xmlns:a16="http://schemas.microsoft.com/office/drawing/2014/main" id="{1E8E102F-51A7-E915-6136-3DF6A0B6E1C0}"/>
+              </a:ext>
+            </a:extLst>
+          </p:cNvPr>
+          <p:cNvCxnSpPr>
+            <a:stCxn id="3" idx="3"/>
+            <a:endCxn id="14" idx="1"/>
+          </p:cNvCxnSpPr>
+          <p:nvPr/>
+        </p:nvCxnSpPr>
+        <p:spPr>
+          <a:xfrm>
+            <a:off x="5247861" y="3429000"/>
+            <a:ext cx="1471062" cy="849"/>
+          </a:xfrm>
+          <a:prstGeom prst="bentConnector3">
+            <a:avLst/>
+          </a:prstGeom>
+          <a:ln>
+            <a:headEnd type="triangle"/>
+            <a:tailEnd type="triangle"/>
+          </a:ln>
+        </p:spPr>
+        <p:style>
+          <a:lnRef idx="2">
+            <a:schemeClr val="accent1"/>
+          </a:lnRef>
+          <a:fillRef idx="0">
+            <a:schemeClr val="accent1"/>
+          </a:fillRef>
+          <a:effectRef idx="1">
+            <a:schemeClr val="accent1"/>
+          </a:effectRef>
+          <a:fontRef idx="minor">
+            <a:schemeClr val="tx1"/>
+          </a:fontRef>
+        </p:style>
+      </p:cxnSp>
+      <p:sp>
+        <p:nvSpPr>
+          <p:cNvPr id="17" name="Textfeld 16">
+            <a:extLst>
+              <a:ext uri="{FF2B5EF4-FFF2-40B4-BE49-F238E27FC236}">
+                <a16:creationId xmlns:a16="http://schemas.microsoft.com/office/drawing/2014/main" id="{341A85E1-20F1-748C-D8CB-985574DAE2C5}"/>
+              </a:ext>
+            </a:extLst>
+          </p:cNvPr>
+          <p:cNvSpPr txBox="1"/>
+          <p:nvPr/>
+        </p:nvSpPr>
+        <p:spPr>
+          <a:xfrm>
+            <a:off x="6095709" y="3403784"/>
+            <a:ext cx="617477" cy="369332"/>
+          </a:xfrm>
+          <a:prstGeom prst="rect">
+            <a:avLst/>
+          </a:prstGeom>
+          <a:noFill/>
+        </p:spPr>
+        <p:txBody>
+          <a:bodyPr wrap="none" rtlCol="0">
+            <a:spAutoFit/>
+          </a:bodyPr>
+          <a:lstStyle/>
+          <a:p>
+            <a:r>
+              <a:rPr lang="de-DE" dirty="0"/>
+              <a:t>RPC</a:t>
+            </a:r>
+          </a:p>
+        </p:txBody>
+      </p:sp>
+      <p:sp>
+        <p:nvSpPr>
+          <p:cNvPr id="18" name="Rechteck 17">
+            <a:extLst>
+              <a:ext uri="{FF2B5EF4-FFF2-40B4-BE49-F238E27FC236}">
+                <a16:creationId xmlns:a16="http://schemas.microsoft.com/office/drawing/2014/main" id="{41A6D7A5-9F00-19CD-6CC0-9CEB1A93E8F7}"/>
+              </a:ext>
+            </a:extLst>
+          </p:cNvPr>
+          <p:cNvSpPr/>
+          <p:nvPr/>
+        </p:nvSpPr>
+        <p:spPr>
+          <a:xfrm>
+            <a:off x="6724660" y="4483086"/>
+            <a:ext cx="3168088" cy="1291011"/>
+          </a:xfrm>
+          <a:prstGeom prst="rect">
+            <a:avLst/>
+          </a:prstGeom>
+        </p:spPr>
+        <p:style>
+          <a:lnRef idx="2">
+            <a:schemeClr val="accent1">
+              <a:shade val="15000"/>
+            </a:schemeClr>
+          </a:lnRef>
+          <a:fillRef idx="1">
+            <a:schemeClr val="accent1"/>
+          </a:fillRef>
+          <a:effectRef idx="0">
+            <a:schemeClr val="accent1"/>
+          </a:effectRef>
+          <a:fontRef idx="minor">
+            <a:schemeClr val="lt1"/>
+          </a:fontRef>
+        </p:style>
+        <p:txBody>
+          <a:bodyPr rtlCol="0" anchor="ctr"/>
+          <a:lstStyle/>
+          <a:p>
+            <a:pPr algn="ctr"/>
+            <a:r>
+              <a:rPr lang="de-DE" dirty="0"/>
+              <a:t>Sandbox</a:t>
+            </a:r>
+          </a:p>
+        </p:txBody>
+      </p:sp>
+      <p:cxnSp>
+        <p:nvCxnSpPr>
+          <p:cNvPr id="20" name="Gewinkelte Verbindung 19">
+            <a:extLst>
+              <a:ext uri="{FF2B5EF4-FFF2-40B4-BE49-F238E27FC236}">
+                <a16:creationId xmlns:a16="http://schemas.microsoft.com/office/drawing/2014/main" id="{1ED1FF8A-949E-1BFB-9E90-84F49C35F7FF}"/>
+              </a:ext>
+            </a:extLst>
+          </p:cNvPr>
+          <p:cNvCxnSpPr>
+            <a:stCxn id="3" idx="3"/>
+            <a:endCxn id="18" idx="1"/>
+          </p:cNvCxnSpPr>
+          <p:nvPr/>
+        </p:nvCxnSpPr>
+        <p:spPr>
+          <a:xfrm>
+            <a:off x="5247861" y="3429000"/>
+            <a:ext cx="1476799" cy="1699592"/>
+          </a:xfrm>
+          <a:prstGeom prst="bentConnector3">
+            <a:avLst/>
+          </a:prstGeom>
+          <a:ln>
+            <a:headEnd type="triangle"/>
+            <a:tailEnd type="triangle"/>
+          </a:ln>
+        </p:spPr>
+        <p:style>
+          <a:lnRef idx="2">
+            <a:schemeClr val="accent1"/>
+          </a:lnRef>
+          <a:fillRef idx="0">
+            <a:schemeClr val="accent1"/>
+          </a:fillRef>
+          <a:effectRef idx="1">
+            <a:schemeClr val="accent1"/>
+          </a:effectRef>
+          <a:fontRef idx="minor">
+            <a:schemeClr val="tx1"/>
+          </a:fontRef>
+        </p:style>
+      </p:cxnSp>
+      <p:sp>
+        <p:nvSpPr>
+          <p:cNvPr id="21" name="Textfeld 20">
+            <a:extLst>
+              <a:ext uri="{FF2B5EF4-FFF2-40B4-BE49-F238E27FC236}">
+                <a16:creationId xmlns:a16="http://schemas.microsoft.com/office/drawing/2014/main" id="{47C3D592-0B7B-2749-D5E8-C99D943FD1F9}"/>
+              </a:ext>
+            </a:extLst>
+          </p:cNvPr>
+          <p:cNvSpPr txBox="1"/>
+          <p:nvPr/>
+        </p:nvSpPr>
+        <p:spPr>
+          <a:xfrm>
+            <a:off x="5754843" y="5181602"/>
+            <a:ext cx="969817" cy="369332"/>
+          </a:xfrm>
+          <a:prstGeom prst="rect">
+            <a:avLst/>
+          </a:prstGeom>
+          <a:noFill/>
+        </p:spPr>
+        <p:txBody>
+          <a:bodyPr wrap="none" rtlCol="0">
+            <a:spAutoFit/>
+          </a:bodyPr>
+          <a:lstStyle/>
+          <a:p>
+            <a:r>
+              <a:rPr lang="de-DE" dirty="0" err="1"/>
+              <a:t>execute</a:t>
+            </a:r>
+            <a:endParaRPr lang="de-DE" dirty="0"/>
+          </a:p>
+        </p:txBody>
+      </p:sp>
+    </p:spTree>
+    <p:extLst>
+      <p:ext uri="{BB962C8B-B14F-4D97-AF65-F5344CB8AC3E}">
+        <p14:creationId xmlns:p14="http://schemas.microsoft.com/office/powerpoint/2010/main" val="14209618"/>
       </p:ext>
     </p:extLst>
   </p:cSld>
@@ -14933,7 +14568,7 @@
           <p:cNvPr id="2" name="Textfeld 1">
             <a:extLst>
               <a:ext uri="{FF2B5EF4-FFF2-40B4-BE49-F238E27FC236}">
-                <a16:creationId xmlns:a16="http://schemas.microsoft.com/office/drawing/2014/main" id="{19A3D0D4-F1F8-DDE5-2179-1A6F34B2E551}"/>
+                <a16:creationId xmlns:a16="http://schemas.microsoft.com/office/drawing/2014/main" id="{C16616D8-E7D2-EED6-1440-C328B0431A4A}"/>
               </a:ext>
             </a:extLst>
           </p:cNvPr>
@@ -14943,7 +14578,7 @@
         <p:spPr>
           <a:xfrm>
             <a:off x="11322115" y="6488668"/>
-            <a:ext cx="625749" cy="369332"/>
+            <a:ext cx="618374" cy="369332"/>
           </a:xfrm>
           <a:prstGeom prst="rect">
             <a:avLst/>
@@ -14958,7 +14593,7 @@
           <a:p>
             <a:r>
               <a:rPr lang="de-DE" dirty="0"/>
-              <a:t>Task</a:t>
+              <a:t>RAG</a:t>
             </a:r>
           </a:p>
         </p:txBody>
@@ -14968,7 +14603,7 @@
           <p:cNvPr id="3" name="Rechteck 2">
             <a:extLst>
               <a:ext uri="{FF2B5EF4-FFF2-40B4-BE49-F238E27FC236}">
-                <a16:creationId xmlns:a16="http://schemas.microsoft.com/office/drawing/2014/main" id="{8463E4B6-3EB6-3756-1F37-9D1B92114633}"/>
+                <a16:creationId xmlns:a16="http://schemas.microsoft.com/office/drawing/2014/main" id="{19205BB8-847E-EBB2-8B2F-46DD0FA0BC58}"/>
               </a:ext>
             </a:extLst>
           </p:cNvPr>
@@ -14977,7 +14612,7 @@
         </p:nvSpPr>
         <p:spPr>
           <a:xfrm>
-            <a:off x="2079773" y="2783494"/>
+            <a:off x="3776051" y="2783494"/>
             <a:ext cx="3168088" cy="1291011"/>
           </a:xfrm>
           <a:prstGeom prst="rect">
@@ -15007,7 +14642,7 @@
             <a:pPr algn="ctr"/>
             <a:r>
               <a:rPr lang="de-DE" dirty="0"/>
-              <a:t>Task</a:t>
+              <a:t>RAG</a:t>
             </a:r>
           </a:p>
         </p:txBody>
@@ -15017,7 +14652,7 @@
           <p:cNvPr id="4" name="Rechteck 3">
             <a:extLst>
               <a:ext uri="{FF2B5EF4-FFF2-40B4-BE49-F238E27FC236}">
-                <a16:creationId xmlns:a16="http://schemas.microsoft.com/office/drawing/2014/main" id="{DB3716C7-DF99-FBC7-3B42-8128D9206E77}"/>
+                <a16:creationId xmlns:a16="http://schemas.microsoft.com/office/drawing/2014/main" id="{D7C291F3-0537-4AAC-57E1-F3E1222362A2}"/>
               </a:ext>
             </a:extLst>
           </p:cNvPr>
@@ -15026,7 +14661,7 @@
         </p:nvSpPr>
         <p:spPr>
           <a:xfrm>
-            <a:off x="2079773" y="2067339"/>
+            <a:off x="3776051" y="2067339"/>
             <a:ext cx="3168088" cy="436783"/>
           </a:xfrm>
           <a:prstGeom prst="rect">
@@ -15066,7 +14701,7 @@
           <p:cNvPr id="5" name="Gefaltete Ecke 4">
             <a:extLst>
               <a:ext uri="{FF2B5EF4-FFF2-40B4-BE49-F238E27FC236}">
-                <a16:creationId xmlns:a16="http://schemas.microsoft.com/office/drawing/2014/main" id="{50494332-732F-8014-7B78-D85C55507B8E}"/>
+                <a16:creationId xmlns:a16="http://schemas.microsoft.com/office/drawing/2014/main" id="{449BFB25-BFE6-AACE-5D7B-EA86A8984214}"/>
               </a:ext>
             </a:extLst>
           </p:cNvPr>
@@ -15075,8 +14710,8 @@
         </p:nvSpPr>
         <p:spPr>
           <a:xfrm>
-            <a:off x="2079773" y="4532244"/>
-            <a:ext cx="1842052" cy="914400"/>
+            <a:off x="1113183" y="2787132"/>
+            <a:ext cx="2275686" cy="1287372"/>
           </a:xfrm>
           <a:prstGeom prst="foldedCorner">
             <a:avLst/>
@@ -15105,7 +14740,7 @@
             <a:pPr algn="ctr"/>
             <a:r>
               <a:rPr lang="de-DE" dirty="0"/>
-              <a:t>Konfiguration</a:t>
+              <a:t>Framework</a:t>
             </a:r>
           </a:p>
         </p:txBody>
@@ -15115,7 +14750,7 @@
           <p:cNvPr id="6" name="Rechteck 5">
             <a:extLst>
               <a:ext uri="{FF2B5EF4-FFF2-40B4-BE49-F238E27FC236}">
-                <a16:creationId xmlns:a16="http://schemas.microsoft.com/office/drawing/2014/main" id="{4016248A-08E2-2FCC-7ABF-538764CEE16B}"/>
+                <a16:creationId xmlns:a16="http://schemas.microsoft.com/office/drawing/2014/main" id="{9C5F0B66-35BB-2B71-AF9E-5EE39A74C319}"/>
               </a:ext>
             </a:extLst>
           </p:cNvPr>
@@ -15124,7 +14759,7 @@
         </p:nvSpPr>
         <p:spPr>
           <a:xfrm>
-            <a:off x="6724660" y="2783493"/>
+            <a:off x="8420938" y="2783493"/>
             <a:ext cx="3168088" cy="1291011"/>
           </a:xfrm>
           <a:prstGeom prst="rect">
@@ -15161,10 +14796,10 @@
       </p:sp>
       <p:cxnSp>
         <p:nvCxnSpPr>
-          <p:cNvPr id="8" name="Gerade Verbindung mit Pfeil 7">
-            <a:extLst>
-              <a:ext uri="{FF2B5EF4-FFF2-40B4-BE49-F238E27FC236}">
-                <a16:creationId xmlns:a16="http://schemas.microsoft.com/office/drawing/2014/main" id="{D02B31B6-486D-EC46-D9EF-EA32B5EFB33A}"/>
+          <p:cNvPr id="7" name="Gerade Verbindung mit Pfeil 6">
+            <a:extLst>
+              <a:ext uri="{FF2B5EF4-FFF2-40B4-BE49-F238E27FC236}">
+                <a16:creationId xmlns:a16="http://schemas.microsoft.com/office/drawing/2014/main" id="{8226F0F9-01BC-27E9-7B0B-CC23425489D0}"/>
               </a:ext>
             </a:extLst>
           </p:cNvPr>
@@ -15176,7 +14811,7 @@
         </p:nvCxnSpPr>
         <p:spPr>
           <a:xfrm flipV="1">
-            <a:off x="5247861" y="3428999"/>
+            <a:off x="6944139" y="3428999"/>
             <a:ext cx="1476799" cy="1"/>
           </a:xfrm>
           <a:prstGeom prst="straightConnector1">
@@ -15204,10 +14839,10 @@
       </p:cxnSp>
       <p:sp>
         <p:nvSpPr>
-          <p:cNvPr id="9" name="Textfeld 8">
-            <a:extLst>
-              <a:ext uri="{FF2B5EF4-FFF2-40B4-BE49-F238E27FC236}">
-                <a16:creationId xmlns:a16="http://schemas.microsoft.com/office/drawing/2014/main" id="{87D7115B-5516-AF3C-AA69-46CE46C071E0}"/>
+          <p:cNvPr id="8" name="Textfeld 7">
+            <a:extLst>
+              <a:ext uri="{FF2B5EF4-FFF2-40B4-BE49-F238E27FC236}">
+                <a16:creationId xmlns:a16="http://schemas.microsoft.com/office/drawing/2014/main" id="{F4AD29CD-6E0D-4B86-AAF1-DBDEAE458405}"/>
               </a:ext>
             </a:extLst>
           </p:cNvPr>
@@ -15216,7 +14851,7 @@
         </p:nvSpPr>
         <p:spPr>
           <a:xfrm>
-            <a:off x="5635042" y="3059666"/>
+            <a:off x="7331320" y="3059666"/>
             <a:ext cx="702436" cy="369332"/>
           </a:xfrm>
           <a:prstGeom prst="rect">
@@ -15239,10 +14874,10 @@
       </p:sp>
       <p:cxnSp>
         <p:nvCxnSpPr>
-          <p:cNvPr id="11" name="Gerade Verbindung mit Pfeil 10">
-            <a:extLst>
-              <a:ext uri="{FF2B5EF4-FFF2-40B4-BE49-F238E27FC236}">
-                <a16:creationId xmlns:a16="http://schemas.microsoft.com/office/drawing/2014/main" id="{162FA411-6579-9D23-FE53-569CB4AE74AA}"/>
+          <p:cNvPr id="9" name="Gerade Verbindung mit Pfeil 8">
+            <a:extLst>
+              <a:ext uri="{FF2B5EF4-FFF2-40B4-BE49-F238E27FC236}">
+                <a16:creationId xmlns:a16="http://schemas.microsoft.com/office/drawing/2014/main" id="{2570699F-3085-B632-49B0-B60E6584C417}"/>
               </a:ext>
             </a:extLst>
           </p:cNvPr>
@@ -15254,7 +14889,7 @@
         </p:nvCxnSpPr>
         <p:spPr>
           <a:xfrm>
-            <a:off x="3663817" y="2504122"/>
+            <a:off x="5360095" y="2504122"/>
             <a:ext cx="0" cy="279372"/>
           </a:xfrm>
           <a:prstGeom prst="straightConnector1">
@@ -15282,26 +14917,122 @@
       </p:cxnSp>
       <p:cxnSp>
         <p:nvCxnSpPr>
-          <p:cNvPr id="13" name="Gerade Verbindung 12">
-            <a:extLst>
-              <a:ext uri="{FF2B5EF4-FFF2-40B4-BE49-F238E27FC236}">
-                <a16:creationId xmlns:a16="http://schemas.microsoft.com/office/drawing/2014/main" id="{43DCBA61-95F3-C1DE-8500-5E99B0F8F658}"/>
+          <p:cNvPr id="18" name="Gerade Verbindung 17">
+            <a:extLst>
+              <a:ext uri="{FF2B5EF4-FFF2-40B4-BE49-F238E27FC236}">
+                <a16:creationId xmlns:a16="http://schemas.microsoft.com/office/drawing/2014/main" id="{93410C5E-28FB-5A42-76BF-14177615CD57}"/>
               </a:ext>
             </a:extLst>
           </p:cNvPr>
           <p:cNvCxnSpPr>
-            <a:stCxn id="5" idx="0"/>
+            <a:stCxn id="5" idx="3"/>
+            <a:endCxn id="3" idx="1"/>
           </p:cNvCxnSpPr>
           <p:nvPr/>
         </p:nvCxnSpPr>
         <p:spPr>
           <a:xfrm flipV="1">
-            <a:off x="3000799" y="4074504"/>
-            <a:ext cx="0" cy="457740"/>
+            <a:off x="3388869" y="3429000"/>
+            <a:ext cx="387182" cy="1818"/>
           </a:xfrm>
           <a:prstGeom prst="line">
             <a:avLst/>
           </a:prstGeom>
+          <a:ln>
+            <a:prstDash val="dash"/>
+          </a:ln>
+        </p:spPr>
+        <p:style>
+          <a:lnRef idx="2">
+            <a:schemeClr val="accent1"/>
+          </a:lnRef>
+          <a:fillRef idx="0">
+            <a:schemeClr val="accent1"/>
+          </a:fillRef>
+          <a:effectRef idx="1">
+            <a:schemeClr val="accent1"/>
+          </a:effectRef>
+          <a:fontRef idx="minor">
+            <a:schemeClr val="tx1"/>
+          </a:fontRef>
+        </p:style>
+      </p:cxnSp>
+      <p:sp>
+        <p:nvSpPr>
+          <p:cNvPr id="19" name="Zylinder 18">
+            <a:extLst>
+              <a:ext uri="{FF2B5EF4-FFF2-40B4-BE49-F238E27FC236}">
+                <a16:creationId xmlns:a16="http://schemas.microsoft.com/office/drawing/2014/main" id="{FC80FBA4-AD69-1285-C631-A022AB35BDFD}"/>
+              </a:ext>
+            </a:extLst>
+          </p:cNvPr>
+          <p:cNvSpPr/>
+          <p:nvPr/>
+        </p:nvSpPr>
+        <p:spPr>
+          <a:xfrm>
+            <a:off x="3776051" y="4611756"/>
+            <a:ext cx="3168088" cy="1216152"/>
+          </a:xfrm>
+          <a:prstGeom prst="can">
+            <a:avLst/>
+          </a:prstGeom>
+        </p:spPr>
+        <p:style>
+          <a:lnRef idx="2">
+            <a:schemeClr val="accent1">
+              <a:shade val="15000"/>
+            </a:schemeClr>
+          </a:lnRef>
+          <a:fillRef idx="1">
+            <a:schemeClr val="accent1"/>
+          </a:fillRef>
+          <a:effectRef idx="0">
+            <a:schemeClr val="accent1"/>
+          </a:effectRef>
+          <a:fontRef idx="minor">
+            <a:schemeClr val="lt1"/>
+          </a:fontRef>
+        </p:style>
+        <p:txBody>
+          <a:bodyPr rtlCol="0" anchor="ctr"/>
+          <a:lstStyle/>
+          <a:p>
+            <a:pPr algn="ctr"/>
+            <a:r>
+              <a:rPr lang="de-DE" dirty="0"/>
+              <a:t>Datenquelle</a:t>
+            </a:r>
+          </a:p>
+        </p:txBody>
+      </p:sp>
+      <p:cxnSp>
+        <p:nvCxnSpPr>
+          <p:cNvPr id="21" name="Gerade Verbindung mit Pfeil 20">
+            <a:extLst>
+              <a:ext uri="{FF2B5EF4-FFF2-40B4-BE49-F238E27FC236}">
+                <a16:creationId xmlns:a16="http://schemas.microsoft.com/office/drawing/2014/main" id="{20C0CCDE-B912-9D23-8CCC-031A31C55106}"/>
+              </a:ext>
+            </a:extLst>
+          </p:cNvPr>
+          <p:cNvCxnSpPr>
+            <a:stCxn id="3" idx="2"/>
+            <a:endCxn id="19" idx="1"/>
+          </p:cNvCxnSpPr>
+          <p:nvPr/>
+        </p:nvCxnSpPr>
+        <p:spPr>
+          <a:xfrm>
+            <a:off x="5360095" y="4074505"/>
+            <a:ext cx="0" cy="537251"/>
+          </a:xfrm>
+          <a:prstGeom prst="straightConnector1">
+            <a:avLst/>
+          </a:prstGeom>
+          <a:ln>
+            <a:headEnd type="triangle"/>
+            <a:tailEnd type="triangle"/>
+          </a:ln>
         </p:spPr>
         <p:style>
           <a:lnRef idx="2">
@@ -15321,7 +15052,7 @@
     </p:spTree>
     <p:extLst>
       <p:ext uri="{BB962C8B-B14F-4D97-AF65-F5344CB8AC3E}">
-        <p14:creationId xmlns:p14="http://schemas.microsoft.com/office/powerpoint/2010/main" val="822532289"/>
+        <p14:creationId xmlns:p14="http://schemas.microsoft.com/office/powerpoint/2010/main" val="204256130"/>
       </p:ext>
     </p:extLst>
   </p:cSld>
@@ -15336,13 +15067,7 @@
   <p:cSld>
     <p:spTree>
       <p:nvGrpSpPr>
-        <p:cNvPr id="1" name="">
-          <a:extLst>
-            <a:ext uri="{FF2B5EF4-FFF2-40B4-BE49-F238E27FC236}">
-              <a16:creationId xmlns:a16="http://schemas.microsoft.com/office/drawing/2014/main" id="{7D21B112-4B1A-D2D9-20F1-877C11E4616B}"/>
-            </a:ext>
-          </a:extLst>
-        </p:cNvPr>
+        <p:cNvPr id="1" name=""/>
         <p:cNvGrpSpPr/>
         <p:nvPr/>
       </p:nvGrpSpPr>
@@ -15356,10 +15081,805 @@
       </p:grpSpPr>
       <p:sp>
         <p:nvSpPr>
-          <p:cNvPr id="2" name="Textfeld 1">
-            <a:extLst>
-              <a:ext uri="{FF2B5EF4-FFF2-40B4-BE49-F238E27FC236}">
-                <a16:creationId xmlns:a16="http://schemas.microsoft.com/office/drawing/2014/main" id="{AB4DAA37-F0E9-3826-DAEC-BE8903BF761A}"/>
+          <p:cNvPr id="2" name="Abgerundetes Rechteck 1">
+            <a:extLst>
+              <a:ext uri="{FF2B5EF4-FFF2-40B4-BE49-F238E27FC236}">
+                <a16:creationId xmlns:a16="http://schemas.microsoft.com/office/drawing/2014/main" id="{432B9BF0-42C0-A960-DFB4-3E320B8604AC}"/>
+              </a:ext>
+            </a:extLst>
+          </p:cNvPr>
+          <p:cNvSpPr/>
+          <p:nvPr/>
+        </p:nvSpPr>
+        <p:spPr bwMode="gray">
+          <a:xfrm>
+            <a:off x="6324528" y="1388257"/>
+            <a:ext cx="2867226" cy="3767859"/>
+          </a:xfrm>
+          <a:prstGeom prst="roundRect">
+            <a:avLst/>
+          </a:prstGeom>
+          <a:solidFill>
+            <a:schemeClr val="bg1"/>
+          </a:solidFill>
+          <a:ln w="9525">
+            <a:solidFill>
+              <a:schemeClr val="tx1"/>
+            </a:solidFill>
+          </a:ln>
+        </p:spPr>
+        <p:style>
+          <a:lnRef idx="2">
+            <a:schemeClr val="accent1">
+              <a:shade val="50000"/>
+            </a:schemeClr>
+          </a:lnRef>
+          <a:fillRef idx="1">
+            <a:schemeClr val="accent1"/>
+          </a:fillRef>
+          <a:effectRef idx="0">
+            <a:schemeClr val="accent1"/>
+          </a:effectRef>
+          <a:fontRef idx="minor">
+            <a:schemeClr val="lt1"/>
+          </a:fontRef>
+        </p:style>
+        <p:txBody>
+          <a:bodyPr lIns="0" tIns="0" rIns="0" bIns="0" rtlCol="0" anchor="t"/>
+          <a:lstStyle/>
+          <a:p>
+            <a:pPr algn="ctr"/>
+            <a:endParaRPr lang="de-DE" sz="1400" dirty="0">
+              <a:solidFill>
+                <a:schemeClr val="tx1"/>
+              </a:solidFill>
+            </a:endParaRPr>
+          </a:p>
+        </p:txBody>
+      </p:sp>
+      <p:sp>
+        <p:nvSpPr>
+          <p:cNvPr id="3" name="Abgerundetes Rechteck 2">
+            <a:extLst>
+              <a:ext uri="{FF2B5EF4-FFF2-40B4-BE49-F238E27FC236}">
+                <a16:creationId xmlns:a16="http://schemas.microsoft.com/office/drawing/2014/main" id="{EABF9221-309B-05D2-27F1-5762CF84DD05}"/>
+              </a:ext>
+            </a:extLst>
+          </p:cNvPr>
+          <p:cNvSpPr/>
+          <p:nvPr/>
+        </p:nvSpPr>
+        <p:spPr bwMode="gray">
+          <a:xfrm>
+            <a:off x="6621366" y="3979787"/>
+            <a:ext cx="914400" cy="914400"/>
+          </a:xfrm>
+          <a:prstGeom prst="roundRect">
+            <a:avLst/>
+          </a:prstGeom>
+          <a:solidFill>
+            <a:schemeClr val="bg1"/>
+          </a:solidFill>
+          <a:ln w="9525">
+            <a:solidFill>
+              <a:schemeClr val="tx1"/>
+            </a:solidFill>
+          </a:ln>
+        </p:spPr>
+        <p:style>
+          <a:lnRef idx="2">
+            <a:schemeClr val="accent1">
+              <a:shade val="50000"/>
+            </a:schemeClr>
+          </a:lnRef>
+          <a:fillRef idx="1">
+            <a:schemeClr val="accent1"/>
+          </a:fillRef>
+          <a:effectRef idx="0">
+            <a:schemeClr val="accent1"/>
+          </a:effectRef>
+          <a:fontRef idx="minor">
+            <a:schemeClr val="lt1"/>
+          </a:fontRef>
+        </p:style>
+        <p:txBody>
+          <a:bodyPr lIns="0" tIns="0" rIns="0" bIns="0" rtlCol="0" anchor="ctr"/>
+          <a:lstStyle/>
+          <a:p>
+            <a:pPr algn="ctr"/>
+            <a:r>
+              <a:rPr lang="de-DE" sz="1400" dirty="0" err="1">
+                <a:solidFill>
+                  <a:schemeClr val="tx1"/>
+                </a:solidFill>
+              </a:rPr>
+              <a:t>Reasoning</a:t>
+            </a:r>
+            <a:endParaRPr lang="de-DE" sz="1400" dirty="0">
+              <a:solidFill>
+                <a:schemeClr val="tx1"/>
+              </a:solidFill>
+            </a:endParaRPr>
+          </a:p>
+        </p:txBody>
+      </p:sp>
+      <p:sp>
+        <p:nvSpPr>
+          <p:cNvPr id="5" name="Abgerundetes Rechteck 4">
+            <a:extLst>
+              <a:ext uri="{FF2B5EF4-FFF2-40B4-BE49-F238E27FC236}">
+                <a16:creationId xmlns:a16="http://schemas.microsoft.com/office/drawing/2014/main" id="{2E50D81D-0FB8-2B32-B9FE-3685E4814FD6}"/>
+              </a:ext>
+            </a:extLst>
+          </p:cNvPr>
+          <p:cNvSpPr/>
+          <p:nvPr/>
+        </p:nvSpPr>
+        <p:spPr bwMode="gray">
+          <a:xfrm>
+            <a:off x="1205948" y="1048149"/>
+            <a:ext cx="1301262" cy="545123"/>
+          </a:xfrm>
+          <a:prstGeom prst="roundRect">
+            <a:avLst/>
+          </a:prstGeom>
+          <a:solidFill>
+            <a:schemeClr val="bg1"/>
+          </a:solidFill>
+          <a:ln w="9525">
+            <a:solidFill>
+              <a:schemeClr val="tx1"/>
+            </a:solidFill>
+          </a:ln>
+        </p:spPr>
+        <p:style>
+          <a:lnRef idx="2">
+            <a:schemeClr val="accent1">
+              <a:shade val="50000"/>
+            </a:schemeClr>
+          </a:lnRef>
+          <a:fillRef idx="1">
+            <a:schemeClr val="accent1"/>
+          </a:fillRef>
+          <a:effectRef idx="0">
+            <a:schemeClr val="accent1"/>
+          </a:effectRef>
+          <a:fontRef idx="minor">
+            <a:schemeClr val="lt1"/>
+          </a:fontRef>
+        </p:style>
+        <p:txBody>
+          <a:bodyPr lIns="0" tIns="0" rIns="0" bIns="0" rtlCol="0" anchor="ctr"/>
+          <a:lstStyle/>
+          <a:p>
+            <a:pPr algn="ctr"/>
+            <a:r>
+              <a:rPr lang="de-DE" sz="1400" dirty="0">
+                <a:solidFill>
+                  <a:schemeClr val="tx1"/>
+                </a:solidFill>
+              </a:rPr>
+              <a:t>Task</a:t>
+            </a:r>
+          </a:p>
+        </p:txBody>
+      </p:sp>
+      <p:sp>
+        <p:nvSpPr>
+          <p:cNvPr id="6" name="Abgerundetes Rechteck 5">
+            <a:extLst>
+              <a:ext uri="{FF2B5EF4-FFF2-40B4-BE49-F238E27FC236}">
+                <a16:creationId xmlns:a16="http://schemas.microsoft.com/office/drawing/2014/main" id="{F9AE25E2-72E4-EC49-8680-60C34E22DB2A}"/>
+              </a:ext>
+            </a:extLst>
+          </p:cNvPr>
+          <p:cNvSpPr/>
+          <p:nvPr/>
+        </p:nvSpPr>
+        <p:spPr bwMode="gray">
+          <a:xfrm>
+            <a:off x="2828365" y="1048149"/>
+            <a:ext cx="1301262" cy="545123"/>
+          </a:xfrm>
+          <a:prstGeom prst="roundRect">
+            <a:avLst/>
+          </a:prstGeom>
+          <a:solidFill>
+            <a:schemeClr val="bg1"/>
+          </a:solidFill>
+          <a:ln w="9525">
+            <a:solidFill>
+              <a:schemeClr val="tx1"/>
+            </a:solidFill>
+          </a:ln>
+        </p:spPr>
+        <p:style>
+          <a:lnRef idx="2">
+            <a:schemeClr val="accent1">
+              <a:shade val="50000"/>
+            </a:schemeClr>
+          </a:lnRef>
+          <a:fillRef idx="1">
+            <a:schemeClr val="accent1"/>
+          </a:fillRef>
+          <a:effectRef idx="0">
+            <a:schemeClr val="accent1"/>
+          </a:effectRef>
+          <a:fontRef idx="minor">
+            <a:schemeClr val="lt1"/>
+          </a:fontRef>
+        </p:style>
+        <p:txBody>
+          <a:bodyPr lIns="0" tIns="0" rIns="0" bIns="0" rtlCol="0" anchor="ctr"/>
+          <a:lstStyle/>
+          <a:p>
+            <a:pPr algn="ctr"/>
+            <a:r>
+              <a:rPr lang="de-DE" sz="1400" dirty="0" err="1">
+                <a:solidFill>
+                  <a:schemeClr val="tx1"/>
+                </a:solidFill>
+              </a:rPr>
+              <a:t>Decision</a:t>
+            </a:r>
+            <a:endParaRPr lang="de-DE" sz="1400" dirty="0">
+              <a:solidFill>
+                <a:schemeClr val="tx1"/>
+              </a:solidFill>
+            </a:endParaRPr>
+          </a:p>
+        </p:txBody>
+      </p:sp>
+      <p:sp>
+        <p:nvSpPr>
+          <p:cNvPr id="7" name="Abgerundetes Rechteck 6">
+            <a:extLst>
+              <a:ext uri="{FF2B5EF4-FFF2-40B4-BE49-F238E27FC236}">
+                <a16:creationId xmlns:a16="http://schemas.microsoft.com/office/drawing/2014/main" id="{E04E9B34-85C7-C6A8-1DF4-8F2CA8C24225}"/>
+              </a:ext>
+            </a:extLst>
+          </p:cNvPr>
+          <p:cNvSpPr/>
+          <p:nvPr/>
+        </p:nvSpPr>
+        <p:spPr bwMode="gray">
+          <a:xfrm>
+            <a:off x="9425755" y="3698837"/>
+            <a:ext cx="1301262" cy="545123"/>
+          </a:xfrm>
+          <a:prstGeom prst="roundRect">
+            <a:avLst/>
+          </a:prstGeom>
+          <a:solidFill>
+            <a:schemeClr val="bg1"/>
+          </a:solidFill>
+          <a:ln w="9525">
+            <a:solidFill>
+              <a:schemeClr val="tx1"/>
+            </a:solidFill>
+          </a:ln>
+        </p:spPr>
+        <p:style>
+          <a:lnRef idx="2">
+            <a:schemeClr val="accent1">
+              <a:shade val="50000"/>
+            </a:schemeClr>
+          </a:lnRef>
+          <a:fillRef idx="1">
+            <a:schemeClr val="accent1"/>
+          </a:fillRef>
+          <a:effectRef idx="0">
+            <a:schemeClr val="accent1"/>
+          </a:effectRef>
+          <a:fontRef idx="minor">
+            <a:schemeClr val="lt1"/>
+          </a:fontRef>
+        </p:style>
+        <p:txBody>
+          <a:bodyPr lIns="0" tIns="0" rIns="0" bIns="0" rtlCol="0" anchor="ctr"/>
+          <a:lstStyle/>
+          <a:p>
+            <a:pPr algn="ctr"/>
+            <a:r>
+              <a:rPr lang="de-DE" sz="1400" dirty="0">
+                <a:solidFill>
+                  <a:schemeClr val="tx1"/>
+                </a:solidFill>
+              </a:rPr>
+              <a:t>Environment</a:t>
+            </a:r>
+          </a:p>
+        </p:txBody>
+      </p:sp>
+      <p:sp>
+        <p:nvSpPr>
+          <p:cNvPr id="8" name="Abgerundetes Rechteck 7">
+            <a:extLst>
+              <a:ext uri="{FF2B5EF4-FFF2-40B4-BE49-F238E27FC236}">
+                <a16:creationId xmlns:a16="http://schemas.microsoft.com/office/drawing/2014/main" id="{AF42AC78-B42F-7488-AFA9-33FF85107A81}"/>
+              </a:ext>
+            </a:extLst>
+          </p:cNvPr>
+          <p:cNvSpPr/>
+          <p:nvPr/>
+        </p:nvSpPr>
+        <p:spPr bwMode="gray">
+          <a:xfrm>
+            <a:off x="6543055" y="1948407"/>
+            <a:ext cx="1106191" cy="545123"/>
+          </a:xfrm>
+          <a:prstGeom prst="roundRect">
+            <a:avLst/>
+          </a:prstGeom>
+          <a:solidFill>
+            <a:schemeClr val="bg1"/>
+          </a:solidFill>
+          <a:ln w="9525">
+            <a:solidFill>
+              <a:schemeClr val="tx1"/>
+            </a:solidFill>
+          </a:ln>
+        </p:spPr>
+        <p:style>
+          <a:lnRef idx="2">
+            <a:schemeClr val="accent1">
+              <a:shade val="50000"/>
+            </a:schemeClr>
+          </a:lnRef>
+          <a:fillRef idx="1">
+            <a:schemeClr val="accent1"/>
+          </a:fillRef>
+          <a:effectRef idx="0">
+            <a:schemeClr val="accent1"/>
+          </a:effectRef>
+          <a:fontRef idx="minor">
+            <a:schemeClr val="lt1"/>
+          </a:fontRef>
+        </p:style>
+        <p:txBody>
+          <a:bodyPr lIns="0" tIns="0" rIns="0" bIns="0" rtlCol="0" anchor="ctr"/>
+          <a:lstStyle/>
+          <a:p>
+            <a:pPr algn="ctr"/>
+            <a:r>
+              <a:rPr lang="de-DE" sz="1400" dirty="0">
+                <a:solidFill>
+                  <a:schemeClr val="tx1"/>
+                </a:solidFill>
+              </a:rPr>
+              <a:t>Memory</a:t>
+            </a:r>
+          </a:p>
+        </p:txBody>
+      </p:sp>
+      <p:sp>
+        <p:nvSpPr>
+          <p:cNvPr id="9" name="Abgerundetes Rechteck 8">
+            <a:extLst>
+              <a:ext uri="{FF2B5EF4-FFF2-40B4-BE49-F238E27FC236}">
+                <a16:creationId xmlns:a16="http://schemas.microsoft.com/office/drawing/2014/main" id="{CF19667F-EBB5-7F11-B1C6-F5E5FC94A041}"/>
+              </a:ext>
+            </a:extLst>
+          </p:cNvPr>
+          <p:cNvSpPr/>
+          <p:nvPr/>
+        </p:nvSpPr>
+        <p:spPr bwMode="gray">
+          <a:xfrm>
+            <a:off x="6519600" y="3702841"/>
+            <a:ext cx="1106191" cy="545123"/>
+          </a:xfrm>
+          <a:prstGeom prst="roundRect">
+            <a:avLst/>
+          </a:prstGeom>
+          <a:solidFill>
+            <a:schemeClr val="bg1"/>
+          </a:solidFill>
+          <a:ln w="9525">
+            <a:solidFill>
+              <a:schemeClr val="tx1"/>
+            </a:solidFill>
+          </a:ln>
+        </p:spPr>
+        <p:style>
+          <a:lnRef idx="2">
+            <a:schemeClr val="accent1">
+              <a:shade val="50000"/>
+            </a:schemeClr>
+          </a:lnRef>
+          <a:fillRef idx="1">
+            <a:schemeClr val="accent1"/>
+          </a:fillRef>
+          <a:effectRef idx="0">
+            <a:schemeClr val="accent1"/>
+          </a:effectRef>
+          <a:fontRef idx="minor">
+            <a:schemeClr val="lt1"/>
+          </a:fontRef>
+        </p:style>
+        <p:txBody>
+          <a:bodyPr lIns="0" tIns="0" rIns="0" bIns="0" rtlCol="0" anchor="ctr"/>
+          <a:lstStyle/>
+          <a:p>
+            <a:pPr algn="ctr"/>
+            <a:r>
+              <a:rPr lang="de-DE" sz="1400" dirty="0">
+                <a:solidFill>
+                  <a:schemeClr val="tx1"/>
+                </a:solidFill>
+              </a:rPr>
+              <a:t>LLM</a:t>
+            </a:r>
+          </a:p>
+        </p:txBody>
+      </p:sp>
+      <p:sp>
+        <p:nvSpPr>
+          <p:cNvPr id="11" name="Abgerundetes Rechteck 10">
+            <a:extLst>
+              <a:ext uri="{FF2B5EF4-FFF2-40B4-BE49-F238E27FC236}">
+                <a16:creationId xmlns:a16="http://schemas.microsoft.com/office/drawing/2014/main" id="{C8A2848D-2A8A-43EC-A663-B0A40D1CCFC2}"/>
+              </a:ext>
+            </a:extLst>
+          </p:cNvPr>
+          <p:cNvSpPr/>
+          <p:nvPr/>
+        </p:nvSpPr>
+        <p:spPr bwMode="gray">
+          <a:xfrm>
+            <a:off x="7805392" y="3702840"/>
+            <a:ext cx="1106191" cy="545123"/>
+          </a:xfrm>
+          <a:prstGeom prst="roundRect">
+            <a:avLst/>
+          </a:prstGeom>
+          <a:solidFill>
+            <a:schemeClr val="bg1"/>
+          </a:solidFill>
+          <a:ln w="9525">
+            <a:solidFill>
+              <a:schemeClr val="tx1"/>
+            </a:solidFill>
+          </a:ln>
+        </p:spPr>
+        <p:style>
+          <a:lnRef idx="2">
+            <a:schemeClr val="accent1">
+              <a:shade val="50000"/>
+            </a:schemeClr>
+          </a:lnRef>
+          <a:fillRef idx="1">
+            <a:schemeClr val="accent1"/>
+          </a:fillRef>
+          <a:effectRef idx="0">
+            <a:schemeClr val="accent1"/>
+          </a:effectRef>
+          <a:fontRef idx="minor">
+            <a:schemeClr val="lt1"/>
+          </a:fontRef>
+        </p:style>
+        <p:txBody>
+          <a:bodyPr lIns="0" tIns="0" rIns="0" bIns="0" rtlCol="0" anchor="ctr"/>
+          <a:lstStyle/>
+          <a:p>
+            <a:pPr algn="ctr"/>
+            <a:r>
+              <a:rPr lang="de-DE" sz="1400" dirty="0">
+                <a:solidFill>
+                  <a:schemeClr val="tx1"/>
+                </a:solidFill>
+              </a:rPr>
+              <a:t>Tool</a:t>
+            </a:r>
+          </a:p>
+        </p:txBody>
+      </p:sp>
+      <p:cxnSp>
+        <p:nvCxnSpPr>
+          <p:cNvPr id="12" name="Gekrümmte Verbindung 11">
+            <a:extLst>
+              <a:ext uri="{FF2B5EF4-FFF2-40B4-BE49-F238E27FC236}">
+                <a16:creationId xmlns:a16="http://schemas.microsoft.com/office/drawing/2014/main" id="{FC6B889C-E4A8-E548-87B5-589AF3370128}"/>
+              </a:ext>
+            </a:extLst>
+          </p:cNvPr>
+          <p:cNvCxnSpPr>
+            <a:stCxn id="11" idx="0"/>
+            <a:endCxn id="7" idx="0"/>
+          </p:cNvCxnSpPr>
+          <p:nvPr/>
+        </p:nvCxnSpPr>
+        <p:spPr>
+          <a:xfrm rot="5400000" flipH="1" flipV="1">
+            <a:off x="9215436" y="2841890"/>
+            <a:ext cx="4003" cy="1717898"/>
+          </a:xfrm>
+          <a:prstGeom prst="curvedConnector3">
+            <a:avLst>
+              <a:gd name="adj1" fmla="val 11082138"/>
+            </a:avLst>
+          </a:prstGeom>
+          <a:ln w="25400">
+            <a:solidFill>
+              <a:schemeClr val="tx1"/>
+            </a:solidFill>
+            <a:tailEnd type="triangle"/>
+          </a:ln>
+        </p:spPr>
+        <p:style>
+          <a:lnRef idx="1">
+            <a:schemeClr val="accent1"/>
+          </a:lnRef>
+          <a:fillRef idx="0">
+            <a:schemeClr val="accent1"/>
+          </a:fillRef>
+          <a:effectRef idx="0">
+            <a:schemeClr val="accent1"/>
+          </a:effectRef>
+          <a:fontRef idx="minor">
+            <a:schemeClr val="tx1"/>
+          </a:fontRef>
+        </p:style>
+      </p:cxnSp>
+      <p:cxnSp>
+        <p:nvCxnSpPr>
+          <p:cNvPr id="13" name="Gekrümmte Verbindung 12">
+            <a:extLst>
+              <a:ext uri="{FF2B5EF4-FFF2-40B4-BE49-F238E27FC236}">
+                <a16:creationId xmlns:a16="http://schemas.microsoft.com/office/drawing/2014/main" id="{30BE2450-6948-F60A-2539-A7B06E3A857A}"/>
+              </a:ext>
+            </a:extLst>
+          </p:cNvPr>
+          <p:cNvCxnSpPr>
+            <a:cxnSpLocks/>
+            <a:stCxn id="7" idx="2"/>
+            <a:endCxn id="11" idx="2"/>
+          </p:cNvCxnSpPr>
+          <p:nvPr/>
+        </p:nvCxnSpPr>
+        <p:spPr>
+          <a:xfrm rot="5400000">
+            <a:off x="9215436" y="3387012"/>
+            <a:ext cx="4003" cy="1717898"/>
+          </a:xfrm>
+          <a:prstGeom prst="curvedConnector3">
+            <a:avLst>
+              <a:gd name="adj1" fmla="val 11082163"/>
+            </a:avLst>
+          </a:prstGeom>
+          <a:ln w="25400">
+            <a:solidFill>
+              <a:schemeClr val="tx1"/>
+            </a:solidFill>
+            <a:tailEnd type="triangle"/>
+          </a:ln>
+        </p:spPr>
+        <p:style>
+          <a:lnRef idx="1">
+            <a:schemeClr val="accent1"/>
+          </a:lnRef>
+          <a:fillRef idx="0">
+            <a:schemeClr val="accent1"/>
+          </a:fillRef>
+          <a:effectRef idx="0">
+            <a:schemeClr val="accent1"/>
+          </a:effectRef>
+          <a:fontRef idx="minor">
+            <a:schemeClr val="tx1"/>
+          </a:fontRef>
+        </p:style>
+      </p:cxnSp>
+      <p:cxnSp>
+        <p:nvCxnSpPr>
+          <p:cNvPr id="14" name="Gerade Verbindung 13">
+            <a:extLst>
+              <a:ext uri="{FF2B5EF4-FFF2-40B4-BE49-F238E27FC236}">
+                <a16:creationId xmlns:a16="http://schemas.microsoft.com/office/drawing/2014/main" id="{D9F9B59A-AC4B-6ED7-276B-8A89E3C715EF}"/>
+              </a:ext>
+            </a:extLst>
+          </p:cNvPr>
+          <p:cNvCxnSpPr>
+            <a:stCxn id="9" idx="3"/>
+            <a:endCxn id="11" idx="1"/>
+          </p:cNvCxnSpPr>
+          <p:nvPr/>
+        </p:nvCxnSpPr>
+        <p:spPr>
+          <a:xfrm flipV="1">
+            <a:off x="7625791" y="3975402"/>
+            <a:ext cx="179601" cy="1"/>
+          </a:xfrm>
+          <a:prstGeom prst="line">
+            <a:avLst/>
+          </a:prstGeom>
+          <a:ln w="25400">
+            <a:solidFill>
+              <a:schemeClr val="tx1"/>
+            </a:solidFill>
+          </a:ln>
+        </p:spPr>
+        <p:style>
+          <a:lnRef idx="1">
+            <a:schemeClr val="accent1"/>
+          </a:lnRef>
+          <a:fillRef idx="0">
+            <a:schemeClr val="accent1"/>
+          </a:fillRef>
+          <a:effectRef idx="0">
+            <a:schemeClr val="accent1"/>
+          </a:effectRef>
+          <a:fontRef idx="minor">
+            <a:schemeClr val="tx1"/>
+          </a:fontRef>
+        </p:style>
+      </p:cxnSp>
+      <p:cxnSp>
+        <p:nvCxnSpPr>
+          <p:cNvPr id="15" name="Gerade Verbindung 14">
+            <a:extLst>
+              <a:ext uri="{FF2B5EF4-FFF2-40B4-BE49-F238E27FC236}">
+                <a16:creationId xmlns:a16="http://schemas.microsoft.com/office/drawing/2014/main" id="{6371F1EB-22C4-7823-31A5-0C762C801A33}"/>
+              </a:ext>
+            </a:extLst>
+          </p:cNvPr>
+          <p:cNvCxnSpPr>
+            <a:cxnSpLocks/>
+            <a:stCxn id="9" idx="0"/>
+            <a:endCxn id="8" idx="2"/>
+          </p:cNvCxnSpPr>
+          <p:nvPr/>
+        </p:nvCxnSpPr>
+        <p:spPr>
+          <a:xfrm flipV="1">
+            <a:off x="7072696" y="2493530"/>
+            <a:ext cx="23455" cy="1209311"/>
+          </a:xfrm>
+          <a:prstGeom prst="line">
+            <a:avLst/>
+          </a:prstGeom>
+          <a:ln w="25400">
+            <a:solidFill>
+              <a:schemeClr val="tx1"/>
+            </a:solidFill>
+          </a:ln>
+        </p:spPr>
+        <p:style>
+          <a:lnRef idx="1">
+            <a:schemeClr val="accent1"/>
+          </a:lnRef>
+          <a:fillRef idx="0">
+            <a:schemeClr val="accent1"/>
+          </a:fillRef>
+          <a:effectRef idx="0">
+            <a:schemeClr val="accent1"/>
+          </a:effectRef>
+          <a:fontRef idx="minor">
+            <a:schemeClr val="tx1"/>
+          </a:fontRef>
+        </p:style>
+      </p:cxnSp>
+      <p:sp>
+        <p:nvSpPr>
+          <p:cNvPr id="17" name="Abgerundetes Rechteck 16">
+            <a:extLst>
+              <a:ext uri="{FF2B5EF4-FFF2-40B4-BE49-F238E27FC236}">
+                <a16:creationId xmlns:a16="http://schemas.microsoft.com/office/drawing/2014/main" id="{1FD404EB-E0D9-8AA6-8321-BF7000FB44C8}"/>
+              </a:ext>
+            </a:extLst>
+          </p:cNvPr>
+          <p:cNvSpPr/>
+          <p:nvPr/>
+        </p:nvSpPr>
+        <p:spPr bwMode="gray">
+          <a:xfrm>
+            <a:off x="7921901" y="1948406"/>
+            <a:ext cx="1106191" cy="545123"/>
+          </a:xfrm>
+          <a:prstGeom prst="roundRect">
+            <a:avLst/>
+          </a:prstGeom>
+          <a:solidFill>
+            <a:schemeClr val="accent3">
+              <a:lumMod val="60000"/>
+              <a:lumOff val="40000"/>
+            </a:schemeClr>
+          </a:solidFill>
+          <a:ln w="9525">
+            <a:solidFill>
+              <a:schemeClr val="tx1"/>
+            </a:solidFill>
+          </a:ln>
+        </p:spPr>
+        <p:style>
+          <a:lnRef idx="2">
+            <a:schemeClr val="accent1">
+              <a:shade val="50000"/>
+            </a:schemeClr>
+          </a:lnRef>
+          <a:fillRef idx="1">
+            <a:schemeClr val="accent1"/>
+          </a:fillRef>
+          <a:effectRef idx="0">
+            <a:schemeClr val="accent1"/>
+          </a:effectRef>
+          <a:fontRef idx="minor">
+            <a:schemeClr val="lt1"/>
+          </a:fontRef>
+        </p:style>
+        <p:txBody>
+          <a:bodyPr lIns="0" tIns="0" rIns="0" bIns="0" rtlCol="0" anchor="ctr"/>
+          <a:lstStyle/>
+          <a:p>
+            <a:pPr algn="ctr"/>
+            <a:r>
+              <a:rPr lang="de-DE" sz="1400" dirty="0" err="1">
+                <a:solidFill>
+                  <a:schemeClr val="tx1"/>
+                </a:solidFill>
+              </a:rPr>
+              <a:t>Cognitive</a:t>
+            </a:r>
+            <a:r>
+              <a:rPr lang="de-DE" sz="1400" dirty="0">
+                <a:solidFill>
+                  <a:schemeClr val="tx1"/>
+                </a:solidFill>
+              </a:rPr>
+              <a:t> Skills</a:t>
+            </a:r>
+          </a:p>
+        </p:txBody>
+      </p:sp>
+      <p:cxnSp>
+        <p:nvCxnSpPr>
+          <p:cNvPr id="18" name="Gewinkelte Verbindung 17">
+            <a:extLst>
+              <a:ext uri="{FF2B5EF4-FFF2-40B4-BE49-F238E27FC236}">
+                <a16:creationId xmlns:a16="http://schemas.microsoft.com/office/drawing/2014/main" id="{53C69240-FD6C-BDB4-F06D-9DD1E8CAD0B8}"/>
+              </a:ext>
+            </a:extLst>
+          </p:cNvPr>
+          <p:cNvCxnSpPr>
+            <a:stCxn id="9" idx="0"/>
+            <a:endCxn id="17" idx="2"/>
+          </p:cNvCxnSpPr>
+          <p:nvPr/>
+        </p:nvCxnSpPr>
+        <p:spPr>
+          <a:xfrm rot="5400000" flipH="1" flipV="1">
+            <a:off x="7169190" y="2397035"/>
+            <a:ext cx="1209312" cy="1402301"/>
+          </a:xfrm>
+          <a:prstGeom prst="bentConnector3">
+            <a:avLst/>
+          </a:prstGeom>
+          <a:ln w="25400">
+            <a:solidFill>
+              <a:schemeClr val="tx1"/>
+            </a:solidFill>
+          </a:ln>
+        </p:spPr>
+        <p:style>
+          <a:lnRef idx="1">
+            <a:schemeClr val="accent1"/>
+          </a:lnRef>
+          <a:fillRef idx="0">
+            <a:schemeClr val="accent1"/>
+          </a:fillRef>
+          <a:effectRef idx="0">
+            <a:schemeClr val="accent1"/>
+          </a:effectRef>
+          <a:fontRef idx="minor">
+            <a:schemeClr val="tx1"/>
+          </a:fontRef>
+        </p:style>
+      </p:cxnSp>
+      <p:sp>
+        <p:nvSpPr>
+          <p:cNvPr id="19" name="Textfeld 18">
+            <a:extLst>
+              <a:ext uri="{FF2B5EF4-FFF2-40B4-BE49-F238E27FC236}">
+                <a16:creationId xmlns:a16="http://schemas.microsoft.com/office/drawing/2014/main" id="{271446E5-C4C5-CF54-8863-54B3FB5583D2}"/>
               </a:ext>
             </a:extLst>
           </p:cNvPr>
@@ -15369,7 +15889,7 @@
         <p:spPr>
           <a:xfrm>
             <a:off x="11322115" y="6488668"/>
-            <a:ext cx="589392" cy="369332"/>
+            <a:ext cx="759695" cy="369332"/>
           </a:xfrm>
           <a:prstGeom prst="rect">
             <a:avLst/>
@@ -15384,17 +15904,17 @@
           <a:p>
             <a:r>
               <a:rPr lang="de-DE" dirty="0"/>
-              <a:t>Tool</a:t>
-            </a:r>
-          </a:p>
-        </p:txBody>
-      </p:sp>
-      <p:sp>
-        <p:nvSpPr>
-          <p:cNvPr id="3" name="Rechteck 2">
-            <a:extLst>
-              <a:ext uri="{FF2B5EF4-FFF2-40B4-BE49-F238E27FC236}">
-                <a16:creationId xmlns:a16="http://schemas.microsoft.com/office/drawing/2014/main" id="{9E1EBE20-32DC-1E65-F336-90BEF31134F9}"/>
+              <a:t>Agent</a:t>
+            </a:r>
+          </a:p>
+        </p:txBody>
+      </p:sp>
+      <p:sp>
+        <p:nvSpPr>
+          <p:cNvPr id="20" name="Rechteck 19">
+            <a:extLst>
+              <a:ext uri="{FF2B5EF4-FFF2-40B4-BE49-F238E27FC236}">
+                <a16:creationId xmlns:a16="http://schemas.microsoft.com/office/drawing/2014/main" id="{4DFF252B-4DA6-93B5-4F0E-F7DFBC1BE470}"/>
               </a:ext>
             </a:extLst>
           </p:cNvPr>
@@ -15403,7 +15923,7 @@
         </p:nvSpPr>
         <p:spPr>
           <a:xfrm>
-            <a:off x="2079773" y="2783494"/>
+            <a:off x="1203783" y="2891094"/>
             <a:ext cx="3168088" cy="1291011"/>
           </a:xfrm>
           <a:prstGeom prst="rect">
@@ -15433,17 +15953,17 @@
             <a:pPr algn="ctr"/>
             <a:r>
               <a:rPr lang="de-DE" dirty="0"/>
-              <a:t>Tool</a:t>
-            </a:r>
-          </a:p>
-        </p:txBody>
-      </p:sp>
-      <p:sp>
-        <p:nvSpPr>
-          <p:cNvPr id="4" name="Rechteck 3">
-            <a:extLst>
-              <a:ext uri="{FF2B5EF4-FFF2-40B4-BE49-F238E27FC236}">
-                <a16:creationId xmlns:a16="http://schemas.microsoft.com/office/drawing/2014/main" id="{1CB99027-B9D7-C065-9C13-B9370806F085}"/>
+              <a:t>Agent</a:t>
+            </a:r>
+          </a:p>
+        </p:txBody>
+      </p:sp>
+      <p:sp>
+        <p:nvSpPr>
+          <p:cNvPr id="21" name="Rechteck 20">
+            <a:extLst>
+              <a:ext uri="{FF2B5EF4-FFF2-40B4-BE49-F238E27FC236}">
+                <a16:creationId xmlns:a16="http://schemas.microsoft.com/office/drawing/2014/main" id="{719D85B7-D90A-EB66-21D4-097FFAFE0CFE}"/>
               </a:ext>
             </a:extLst>
           </p:cNvPr>
@@ -15452,7 +15972,7 @@
         </p:nvSpPr>
         <p:spPr>
           <a:xfrm>
-            <a:off x="2079773" y="2067339"/>
+            <a:off x="1203783" y="2174939"/>
             <a:ext cx="3168088" cy="436783"/>
           </a:xfrm>
           <a:prstGeom prst="rect">
@@ -15487,157 +16007,24 @@
           </a:p>
         </p:txBody>
       </p:sp>
-      <p:sp>
-        <p:nvSpPr>
-          <p:cNvPr id="5" name="Gefaltete Ecke 4">
-            <a:extLst>
-              <a:ext uri="{FF2B5EF4-FFF2-40B4-BE49-F238E27FC236}">
-                <a16:creationId xmlns:a16="http://schemas.microsoft.com/office/drawing/2014/main" id="{CFCB836C-1D4F-460E-5722-80136CB14315}"/>
-              </a:ext>
-            </a:extLst>
-          </p:cNvPr>
-          <p:cNvSpPr/>
-          <p:nvPr/>
-        </p:nvSpPr>
-        <p:spPr>
-          <a:xfrm>
-            <a:off x="2079773" y="4532244"/>
-            <a:ext cx="1842052" cy="914400"/>
-          </a:xfrm>
-          <a:prstGeom prst="foldedCorner">
-            <a:avLst/>
-          </a:prstGeom>
-        </p:spPr>
-        <p:style>
-          <a:lnRef idx="2">
-            <a:schemeClr val="accent1">
-              <a:shade val="15000"/>
-            </a:schemeClr>
-          </a:lnRef>
-          <a:fillRef idx="1">
-            <a:schemeClr val="accent1"/>
-          </a:fillRef>
-          <a:effectRef idx="0">
-            <a:schemeClr val="accent1"/>
-          </a:effectRef>
-          <a:fontRef idx="minor">
-            <a:schemeClr val="lt1"/>
-          </a:fontRef>
-        </p:style>
-        <p:txBody>
-          <a:bodyPr rtlCol="0" anchor="ctr"/>
-          <a:lstStyle/>
-          <a:p>
-            <a:pPr algn="ctr"/>
-            <a:r>
-              <a:rPr lang="de-DE" dirty="0"/>
-              <a:t>Konfiguration</a:t>
-            </a:r>
-          </a:p>
-        </p:txBody>
-      </p:sp>
-      <p:sp>
-        <p:nvSpPr>
-          <p:cNvPr id="6" name="Rechteck 5">
-            <a:extLst>
-              <a:ext uri="{FF2B5EF4-FFF2-40B4-BE49-F238E27FC236}">
-                <a16:creationId xmlns:a16="http://schemas.microsoft.com/office/drawing/2014/main" id="{BB047BC5-85A6-F1F0-3D3C-B3714789684F}"/>
-              </a:ext>
-            </a:extLst>
-          </p:cNvPr>
-          <p:cNvSpPr/>
-          <p:nvPr/>
-        </p:nvSpPr>
-        <p:spPr>
-          <a:xfrm>
-            <a:off x="6724660" y="1103781"/>
-            <a:ext cx="3168088" cy="1291011"/>
-          </a:xfrm>
-          <a:prstGeom prst="rect">
-            <a:avLst/>
-          </a:prstGeom>
-        </p:spPr>
-        <p:style>
-          <a:lnRef idx="2">
-            <a:schemeClr val="accent1">
-              <a:shade val="15000"/>
-            </a:schemeClr>
-          </a:lnRef>
-          <a:fillRef idx="1">
-            <a:schemeClr val="accent1"/>
-          </a:fillRef>
-          <a:effectRef idx="0">
-            <a:schemeClr val="accent1"/>
-          </a:effectRef>
-          <a:fontRef idx="minor">
-            <a:schemeClr val="lt1"/>
-          </a:fontRef>
-        </p:style>
-        <p:txBody>
-          <a:bodyPr rtlCol="0" anchor="ctr"/>
-          <a:lstStyle/>
-          <a:p>
-            <a:pPr algn="ctr"/>
-            <a:r>
-              <a:rPr lang="de-DE" dirty="0"/>
-              <a:t>Internet</a:t>
-            </a:r>
-          </a:p>
-        </p:txBody>
-      </p:sp>
-      <p:sp>
-        <p:nvSpPr>
-          <p:cNvPr id="9" name="Textfeld 8">
-            <a:extLst>
-              <a:ext uri="{FF2B5EF4-FFF2-40B4-BE49-F238E27FC236}">
-                <a16:creationId xmlns:a16="http://schemas.microsoft.com/office/drawing/2014/main" id="{31022DD4-B31C-C135-D9FB-EE367C642621}"/>
-              </a:ext>
-            </a:extLst>
-          </p:cNvPr>
-          <p:cNvSpPr txBox="1"/>
-          <p:nvPr/>
-        </p:nvSpPr>
-        <p:spPr>
-          <a:xfrm>
-            <a:off x="6016487" y="1869749"/>
-            <a:ext cx="702436" cy="369332"/>
-          </a:xfrm>
-          <a:prstGeom prst="rect">
-            <a:avLst/>
-          </a:prstGeom>
-          <a:noFill/>
-        </p:spPr>
-        <p:txBody>
-          <a:bodyPr wrap="none" rtlCol="0">
-            <a:spAutoFit/>
-          </a:bodyPr>
-          <a:lstStyle/>
-          <a:p>
-            <a:r>
-              <a:rPr lang="de-DE" dirty="0"/>
-              <a:t>HTTP</a:t>
-            </a:r>
-          </a:p>
-        </p:txBody>
-      </p:sp>
       <p:cxnSp>
         <p:nvCxnSpPr>
-          <p:cNvPr id="11" name="Gerade Verbindung mit Pfeil 10">
-            <a:extLst>
-              <a:ext uri="{FF2B5EF4-FFF2-40B4-BE49-F238E27FC236}">
-                <a16:creationId xmlns:a16="http://schemas.microsoft.com/office/drawing/2014/main" id="{6A81FB52-AD59-BE96-9E60-6DD7763DAB0C}"/>
+          <p:cNvPr id="22" name="Gerade Verbindung mit Pfeil 21">
+            <a:extLst>
+              <a:ext uri="{FF2B5EF4-FFF2-40B4-BE49-F238E27FC236}">
+                <a16:creationId xmlns:a16="http://schemas.microsoft.com/office/drawing/2014/main" id="{9268B187-EEFD-48CD-C328-420B4B30D903}"/>
               </a:ext>
             </a:extLst>
           </p:cNvPr>
           <p:cNvCxnSpPr>
-            <a:stCxn id="4" idx="2"/>
-            <a:endCxn id="3" idx="0"/>
+            <a:stCxn id="21" idx="2"/>
+            <a:endCxn id="20" idx="0"/>
           </p:cNvCxnSpPr>
           <p:nvPr/>
         </p:nvCxnSpPr>
         <p:spPr>
           <a:xfrm>
-            <a:off x="3663817" y="2504122"/>
+            <a:off x="2787827" y="2611722"/>
             <a:ext cx="0" cy="279372"/>
           </a:xfrm>
           <a:prstGeom prst="straightConnector1">
@@ -15665,26 +16052,30 @@
       </p:cxnSp>
       <p:cxnSp>
         <p:nvCxnSpPr>
-          <p:cNvPr id="13" name="Gerade Verbindung 12">
-            <a:extLst>
-              <a:ext uri="{FF2B5EF4-FFF2-40B4-BE49-F238E27FC236}">
-                <a16:creationId xmlns:a16="http://schemas.microsoft.com/office/drawing/2014/main" id="{4ED397CF-CD1B-E9AA-A5FE-25D12F949D04}"/>
+          <p:cNvPr id="25" name="Gerade Verbindung mit Pfeil 24">
+            <a:extLst>
+              <a:ext uri="{FF2B5EF4-FFF2-40B4-BE49-F238E27FC236}">
+                <a16:creationId xmlns:a16="http://schemas.microsoft.com/office/drawing/2014/main" id="{BC4E60CE-721E-44F8-FB2D-7631CEF8028B}"/>
               </a:ext>
             </a:extLst>
           </p:cNvPr>
           <p:cNvCxnSpPr>
-            <a:stCxn id="5" idx="0"/>
+            <a:cxnSpLocks/>
+            <a:stCxn id="5" idx="2"/>
           </p:cNvCxnSpPr>
           <p:nvPr/>
         </p:nvCxnSpPr>
         <p:spPr>
-          <a:xfrm flipV="1">
-            <a:off x="3000799" y="4074504"/>
-            <a:ext cx="0" cy="457740"/>
-          </a:xfrm>
-          <a:prstGeom prst="line">
-            <a:avLst/>
-          </a:prstGeom>
+          <a:xfrm flipH="1">
+            <a:off x="1846922" y="1593272"/>
+            <a:ext cx="9657" cy="581667"/>
+          </a:xfrm>
+          <a:prstGeom prst="straightConnector1">
+            <a:avLst/>
+          </a:prstGeom>
+          <a:ln>
+            <a:tailEnd type="triangle"/>
+          </a:ln>
         </p:spPr>
         <p:style>
           <a:lnRef idx="2">
@@ -15703,25 +16094,128 @@
       </p:cxnSp>
       <p:cxnSp>
         <p:nvCxnSpPr>
-          <p:cNvPr id="12" name="Gewinkelte Verbindung 11">
-            <a:extLst>
-              <a:ext uri="{FF2B5EF4-FFF2-40B4-BE49-F238E27FC236}">
-                <a16:creationId xmlns:a16="http://schemas.microsoft.com/office/drawing/2014/main" id="{FD09F7C4-9C43-9233-15B0-2FBB683968AA}"/>
+          <p:cNvPr id="30" name="Gerade Verbindung mit Pfeil 29">
+            <a:extLst>
+              <a:ext uri="{FF2B5EF4-FFF2-40B4-BE49-F238E27FC236}">
+                <a16:creationId xmlns:a16="http://schemas.microsoft.com/office/drawing/2014/main" id="{036D16D9-96D6-FCA1-A1DC-26A53E1F8FED}"/>
               </a:ext>
             </a:extLst>
           </p:cNvPr>
           <p:cNvCxnSpPr>
-            <a:stCxn id="3" idx="3"/>
-            <a:endCxn id="6" idx="1"/>
+            <a:cxnSpLocks/>
+            <a:endCxn id="6" idx="2"/>
           </p:cNvCxnSpPr>
           <p:nvPr/>
         </p:nvCxnSpPr>
         <p:spPr>
           <a:xfrm flipV="1">
-            <a:off x="5247861" y="1749287"/>
-            <a:ext cx="1476799" cy="1679713"/>
-          </a:xfrm>
-          <a:prstGeom prst="bentConnector3">
+            <a:off x="3478996" y="1593272"/>
+            <a:ext cx="0" cy="581667"/>
+          </a:xfrm>
+          <a:prstGeom prst="straightConnector1">
+            <a:avLst/>
+          </a:prstGeom>
+          <a:ln>
+            <a:tailEnd type="triangle"/>
+          </a:ln>
+        </p:spPr>
+        <p:style>
+          <a:lnRef idx="2">
+            <a:schemeClr val="accent1"/>
+          </a:lnRef>
+          <a:fillRef idx="0">
+            <a:schemeClr val="accent1"/>
+          </a:fillRef>
+          <a:effectRef idx="1">
+            <a:schemeClr val="accent1"/>
+          </a:effectRef>
+          <a:fontRef idx="minor">
+            <a:schemeClr val="tx1"/>
+          </a:fontRef>
+        </p:style>
+      </p:cxnSp>
+      <p:sp>
+        <p:nvSpPr>
+          <p:cNvPr id="32" name="Abgerundetes Rechteck 31">
+            <a:extLst>
+              <a:ext uri="{FF2B5EF4-FFF2-40B4-BE49-F238E27FC236}">
+                <a16:creationId xmlns:a16="http://schemas.microsoft.com/office/drawing/2014/main" id="{1D6920EB-B4F3-6E0C-1B5F-E9E54D344689}"/>
+              </a:ext>
+            </a:extLst>
+          </p:cNvPr>
+          <p:cNvSpPr/>
+          <p:nvPr/>
+        </p:nvSpPr>
+        <p:spPr bwMode="gray">
+          <a:xfrm>
+            <a:off x="2137196" y="4834552"/>
+            <a:ext cx="1301262" cy="545123"/>
+          </a:xfrm>
+          <a:prstGeom prst="roundRect">
+            <a:avLst/>
+          </a:prstGeom>
+          <a:solidFill>
+            <a:schemeClr val="bg1"/>
+          </a:solidFill>
+          <a:ln w="9525">
+            <a:solidFill>
+              <a:schemeClr val="tx1"/>
+            </a:solidFill>
+          </a:ln>
+        </p:spPr>
+        <p:style>
+          <a:lnRef idx="2">
+            <a:schemeClr val="accent1">
+              <a:shade val="50000"/>
+            </a:schemeClr>
+          </a:lnRef>
+          <a:fillRef idx="1">
+            <a:schemeClr val="accent1"/>
+          </a:fillRef>
+          <a:effectRef idx="0">
+            <a:schemeClr val="accent1"/>
+          </a:effectRef>
+          <a:fontRef idx="minor">
+            <a:schemeClr val="lt1"/>
+          </a:fontRef>
+        </p:style>
+        <p:txBody>
+          <a:bodyPr lIns="0" tIns="0" rIns="0" bIns="0" rtlCol="0" anchor="ctr"/>
+          <a:lstStyle/>
+          <a:p>
+            <a:pPr algn="ctr"/>
+            <a:r>
+              <a:rPr lang="de-DE" sz="1400" dirty="0">
+                <a:solidFill>
+                  <a:schemeClr val="tx1"/>
+                </a:solidFill>
+              </a:rPr>
+              <a:t>Environment</a:t>
+            </a:r>
+          </a:p>
+        </p:txBody>
+      </p:sp>
+      <p:cxnSp>
+        <p:nvCxnSpPr>
+          <p:cNvPr id="34" name="Gerade Verbindung mit Pfeil 33">
+            <a:extLst>
+              <a:ext uri="{FF2B5EF4-FFF2-40B4-BE49-F238E27FC236}">
+                <a16:creationId xmlns:a16="http://schemas.microsoft.com/office/drawing/2014/main" id="{8EA668F0-43F1-1D75-016E-528C45A4474B}"/>
+              </a:ext>
+            </a:extLst>
+          </p:cNvPr>
+          <p:cNvCxnSpPr>
+            <a:stCxn id="20" idx="2"/>
+            <a:endCxn id="32" idx="0"/>
+          </p:cNvCxnSpPr>
+          <p:nvPr/>
+        </p:nvCxnSpPr>
+        <p:spPr>
+          <a:xfrm>
+            <a:off x="2787827" y="4182105"/>
+            <a:ext cx="0" cy="652447"/>
+          </a:xfrm>
+          <a:prstGeom prst="straightConnector1">
             <a:avLst/>
           </a:prstGeom>
           <a:ln>
@@ -15746,10 +16240,10 @@
       </p:cxnSp>
       <p:sp>
         <p:nvSpPr>
-          <p:cNvPr id="14" name="Rechteck 13">
-            <a:extLst>
-              <a:ext uri="{FF2B5EF4-FFF2-40B4-BE49-F238E27FC236}">
-                <a16:creationId xmlns:a16="http://schemas.microsoft.com/office/drawing/2014/main" id="{B30D464B-6D9D-7E38-80D1-EA8DBB40D667}"/>
+          <p:cNvPr id="35" name="Geschweifte Klammer rechts 34">
+            <a:extLst>
+              <a:ext uri="{FF2B5EF4-FFF2-40B4-BE49-F238E27FC236}">
+                <a16:creationId xmlns:a16="http://schemas.microsoft.com/office/drawing/2014/main" id="{54C51CAB-9128-9EB4-81C9-6F1A0191C1DC}"/>
               </a:ext>
             </a:extLst>
           </p:cNvPr>
@@ -15757,28 +16251,26 @@
           <p:nvPr/>
         </p:nvSpPr>
         <p:spPr>
-          <a:xfrm>
-            <a:off x="6718923" y="2784343"/>
-            <a:ext cx="3168088" cy="1291011"/>
-          </a:xfrm>
-          <a:prstGeom prst="rect">
-            <a:avLst/>
-          </a:prstGeom>
-        </p:spPr>
-        <p:style>
-          <a:lnRef idx="2">
-            <a:schemeClr val="accent1">
-              <a:shade val="15000"/>
-            </a:schemeClr>
-          </a:lnRef>
-          <a:fillRef idx="1">
-            <a:schemeClr val="accent1"/>
-          </a:fillRef>
-          <a:effectRef idx="0">
-            <a:schemeClr val="accent1"/>
-          </a:effectRef>
-          <a:fontRef idx="minor">
-            <a:schemeClr val="lt1"/>
+          <a:xfrm rot="10800000">
+            <a:off x="4982730" y="2091795"/>
+            <a:ext cx="344245" cy="2674409"/>
+          </a:xfrm>
+          <a:prstGeom prst="rightBrace">
+            <a:avLst/>
+          </a:prstGeom>
+        </p:spPr>
+        <p:style>
+          <a:lnRef idx="2">
+            <a:schemeClr val="accent1"/>
+          </a:lnRef>
+          <a:fillRef idx="0">
+            <a:schemeClr val="accent1"/>
+          </a:fillRef>
+          <a:effectRef idx="1">
+            <a:schemeClr val="accent1"/>
+          </a:effectRef>
+          <a:fontRef idx="minor">
+            <a:schemeClr val="tx1"/>
           </a:fontRef>
         </p:style>
         <p:txBody>
@@ -15786,223 +16278,14 @@
           <a:lstStyle/>
           <a:p>
             <a:pPr algn="ctr"/>
-            <a:r>
-              <a:rPr lang="de-DE" dirty="0"/>
-              <a:t>Fachverfahren</a:t>
-            </a:r>
-          </a:p>
-        </p:txBody>
-      </p:sp>
-      <p:cxnSp>
-        <p:nvCxnSpPr>
-          <p:cNvPr id="16" name="Gewinkelte Verbindung 15">
-            <a:extLst>
-              <a:ext uri="{FF2B5EF4-FFF2-40B4-BE49-F238E27FC236}">
-                <a16:creationId xmlns:a16="http://schemas.microsoft.com/office/drawing/2014/main" id="{1E8E102F-51A7-E915-6136-3DF6A0B6E1C0}"/>
-              </a:ext>
-            </a:extLst>
-          </p:cNvPr>
-          <p:cNvCxnSpPr>
-            <a:stCxn id="3" idx="3"/>
-            <a:endCxn id="14" idx="1"/>
-          </p:cNvCxnSpPr>
-          <p:nvPr/>
-        </p:nvCxnSpPr>
-        <p:spPr>
-          <a:xfrm>
-            <a:off x="5247861" y="3429000"/>
-            <a:ext cx="1471062" cy="849"/>
-          </a:xfrm>
-          <a:prstGeom prst="bentConnector3">
-            <a:avLst/>
-          </a:prstGeom>
-          <a:ln>
-            <a:headEnd type="triangle"/>
-            <a:tailEnd type="triangle"/>
-          </a:ln>
-        </p:spPr>
-        <p:style>
-          <a:lnRef idx="2">
-            <a:schemeClr val="accent1"/>
-          </a:lnRef>
-          <a:fillRef idx="0">
-            <a:schemeClr val="accent1"/>
-          </a:fillRef>
-          <a:effectRef idx="1">
-            <a:schemeClr val="accent1"/>
-          </a:effectRef>
-          <a:fontRef idx="minor">
-            <a:schemeClr val="tx1"/>
-          </a:fontRef>
-        </p:style>
-      </p:cxnSp>
-      <p:sp>
-        <p:nvSpPr>
-          <p:cNvPr id="17" name="Textfeld 16">
-            <a:extLst>
-              <a:ext uri="{FF2B5EF4-FFF2-40B4-BE49-F238E27FC236}">
-                <a16:creationId xmlns:a16="http://schemas.microsoft.com/office/drawing/2014/main" id="{341A85E1-20F1-748C-D8CB-985574DAE2C5}"/>
-              </a:ext>
-            </a:extLst>
-          </p:cNvPr>
-          <p:cNvSpPr txBox="1"/>
-          <p:nvPr/>
-        </p:nvSpPr>
-        <p:spPr>
-          <a:xfrm>
-            <a:off x="6095709" y="3403784"/>
-            <a:ext cx="617477" cy="369332"/>
-          </a:xfrm>
-          <a:prstGeom prst="rect">
-            <a:avLst/>
-          </a:prstGeom>
-          <a:noFill/>
-        </p:spPr>
-        <p:txBody>
-          <a:bodyPr wrap="none" rtlCol="0">
-            <a:spAutoFit/>
-          </a:bodyPr>
-          <a:lstStyle/>
-          <a:p>
-            <a:r>
-              <a:rPr lang="de-DE" dirty="0"/>
-              <a:t>RPC</a:t>
-            </a:r>
-          </a:p>
-        </p:txBody>
-      </p:sp>
-      <p:sp>
-        <p:nvSpPr>
-          <p:cNvPr id="18" name="Rechteck 17">
-            <a:extLst>
-              <a:ext uri="{FF2B5EF4-FFF2-40B4-BE49-F238E27FC236}">
-                <a16:creationId xmlns:a16="http://schemas.microsoft.com/office/drawing/2014/main" id="{41A6D7A5-9F00-19CD-6CC0-9CEB1A93E8F7}"/>
-              </a:ext>
-            </a:extLst>
-          </p:cNvPr>
-          <p:cNvSpPr/>
-          <p:nvPr/>
-        </p:nvSpPr>
-        <p:spPr>
-          <a:xfrm>
-            <a:off x="6724660" y="4483086"/>
-            <a:ext cx="3168088" cy="1291011"/>
-          </a:xfrm>
-          <a:prstGeom prst="rect">
-            <a:avLst/>
-          </a:prstGeom>
-        </p:spPr>
-        <p:style>
-          <a:lnRef idx="2">
-            <a:schemeClr val="accent1">
-              <a:shade val="15000"/>
-            </a:schemeClr>
-          </a:lnRef>
-          <a:fillRef idx="1">
-            <a:schemeClr val="accent1"/>
-          </a:fillRef>
-          <a:effectRef idx="0">
-            <a:schemeClr val="accent1"/>
-          </a:effectRef>
-          <a:fontRef idx="minor">
-            <a:schemeClr val="lt1"/>
-          </a:fontRef>
-        </p:style>
-        <p:txBody>
-          <a:bodyPr rtlCol="0" anchor="ctr"/>
-          <a:lstStyle/>
-          <a:p>
-            <a:pPr algn="ctr"/>
-            <a:r>
-              <a:rPr lang="de-DE" dirty="0"/>
-              <a:t>Sandbox</a:t>
-            </a:r>
-          </a:p>
-        </p:txBody>
-      </p:sp>
-      <p:cxnSp>
-        <p:nvCxnSpPr>
-          <p:cNvPr id="20" name="Gewinkelte Verbindung 19">
-            <a:extLst>
-              <a:ext uri="{FF2B5EF4-FFF2-40B4-BE49-F238E27FC236}">
-                <a16:creationId xmlns:a16="http://schemas.microsoft.com/office/drawing/2014/main" id="{1ED1FF8A-949E-1BFB-9E90-84F49C35F7FF}"/>
-              </a:ext>
-            </a:extLst>
-          </p:cNvPr>
-          <p:cNvCxnSpPr>
-            <a:stCxn id="3" idx="3"/>
-            <a:endCxn id="18" idx="1"/>
-          </p:cNvCxnSpPr>
-          <p:nvPr/>
-        </p:nvCxnSpPr>
-        <p:spPr>
-          <a:xfrm>
-            <a:off x="5247861" y="3429000"/>
-            <a:ext cx="1476799" cy="1699592"/>
-          </a:xfrm>
-          <a:prstGeom prst="bentConnector3">
-            <a:avLst/>
-          </a:prstGeom>
-          <a:ln>
-            <a:headEnd type="triangle"/>
-            <a:tailEnd type="triangle"/>
-          </a:ln>
-        </p:spPr>
-        <p:style>
-          <a:lnRef idx="2">
-            <a:schemeClr val="accent1"/>
-          </a:lnRef>
-          <a:fillRef idx="0">
-            <a:schemeClr val="accent1"/>
-          </a:fillRef>
-          <a:effectRef idx="1">
-            <a:schemeClr val="accent1"/>
-          </a:effectRef>
-          <a:fontRef idx="minor">
-            <a:schemeClr val="tx1"/>
-          </a:fontRef>
-        </p:style>
-      </p:cxnSp>
-      <p:sp>
-        <p:nvSpPr>
-          <p:cNvPr id="21" name="Textfeld 20">
-            <a:extLst>
-              <a:ext uri="{FF2B5EF4-FFF2-40B4-BE49-F238E27FC236}">
-                <a16:creationId xmlns:a16="http://schemas.microsoft.com/office/drawing/2014/main" id="{47C3D592-0B7B-2749-D5E8-C99D943FD1F9}"/>
-              </a:ext>
-            </a:extLst>
-          </p:cNvPr>
-          <p:cNvSpPr txBox="1"/>
-          <p:nvPr/>
-        </p:nvSpPr>
-        <p:spPr>
-          <a:xfrm>
-            <a:off x="5754843" y="5181602"/>
-            <a:ext cx="969817" cy="369332"/>
-          </a:xfrm>
-          <a:prstGeom prst="rect">
-            <a:avLst/>
-          </a:prstGeom>
-          <a:noFill/>
-        </p:spPr>
-        <p:txBody>
-          <a:bodyPr wrap="none" rtlCol="0">
-            <a:spAutoFit/>
-          </a:bodyPr>
-          <a:lstStyle/>
-          <a:p>
-            <a:r>
-              <a:rPr lang="de-DE" dirty="0" err="1"/>
-              <a:t>execute</a:t>
-            </a:r>
-            <a:endParaRPr lang="de-DE" dirty="0"/>
+            <a:endParaRPr lang="de-DE"/>
           </a:p>
         </p:txBody>
       </p:sp>
     </p:spTree>
     <p:extLst>
       <p:ext uri="{BB962C8B-B14F-4D97-AF65-F5344CB8AC3E}">
-        <p14:creationId xmlns:p14="http://schemas.microsoft.com/office/powerpoint/2010/main" val="14209618"/>
+        <p14:creationId xmlns:p14="http://schemas.microsoft.com/office/powerpoint/2010/main" val="580521837"/>
       </p:ext>
     </p:extLst>
   </p:cSld>

--- a/RAKIPOEV-docs/docs/ppt/Building-Blocks.pptx
+++ b/RAKIPOEV-docs/docs/ppt/Building-Blocks.pptx
@@ -20,7 +20,8 @@
     <p:sldId id="270" r:id="rId14"/>
     <p:sldId id="261" r:id="rId15"/>
     <p:sldId id="262" r:id="rId16"/>
-    <p:sldId id="271" r:id="rId17"/>
+    <p:sldId id="272" r:id="rId17"/>
+    <p:sldId id="271" r:id="rId18"/>
   </p:sldIdLst>
   <p:sldSz cx="12192000" cy="6858000"/>
   <p:notesSz cx="6858000" cy="9144000"/>
@@ -274,7 +275,7 @@
           <a:p>
             <a:fld id="{BA6DBFC3-540E-6444-9571-9AC72F552CFB}" type="datetimeFigureOut">
               <a:rPr lang="de-DE" smtClean="0"/>
-              <a:t>04.02.25</a:t>
+              <a:t>08.02.25</a:t>
             </a:fld>
             <a:endParaRPr lang="de-DE"/>
           </a:p>
@@ -472,7 +473,7 @@
           <a:p>
             <a:fld id="{BA6DBFC3-540E-6444-9571-9AC72F552CFB}" type="datetimeFigureOut">
               <a:rPr lang="de-DE" smtClean="0"/>
-              <a:t>04.02.25</a:t>
+              <a:t>08.02.25</a:t>
             </a:fld>
             <a:endParaRPr lang="de-DE"/>
           </a:p>
@@ -680,7 +681,7 @@
           <a:p>
             <a:fld id="{BA6DBFC3-540E-6444-9571-9AC72F552CFB}" type="datetimeFigureOut">
               <a:rPr lang="de-DE" smtClean="0"/>
-              <a:t>04.02.25</a:t>
+              <a:t>08.02.25</a:t>
             </a:fld>
             <a:endParaRPr lang="de-DE"/>
           </a:p>
@@ -878,7 +879,7 @@
           <a:p>
             <a:fld id="{BA6DBFC3-540E-6444-9571-9AC72F552CFB}" type="datetimeFigureOut">
               <a:rPr lang="de-DE" smtClean="0"/>
-              <a:t>04.02.25</a:t>
+              <a:t>08.02.25</a:t>
             </a:fld>
             <a:endParaRPr lang="de-DE"/>
           </a:p>
@@ -1153,7 +1154,7 @@
           <a:p>
             <a:fld id="{BA6DBFC3-540E-6444-9571-9AC72F552CFB}" type="datetimeFigureOut">
               <a:rPr lang="de-DE" smtClean="0"/>
-              <a:t>04.02.25</a:t>
+              <a:t>08.02.25</a:t>
             </a:fld>
             <a:endParaRPr lang="de-DE"/>
           </a:p>
@@ -1418,7 +1419,7 @@
           <a:p>
             <a:fld id="{BA6DBFC3-540E-6444-9571-9AC72F552CFB}" type="datetimeFigureOut">
               <a:rPr lang="de-DE" smtClean="0"/>
-              <a:t>04.02.25</a:t>
+              <a:t>08.02.25</a:t>
             </a:fld>
             <a:endParaRPr lang="de-DE"/>
           </a:p>
@@ -1830,7 +1831,7 @@
           <a:p>
             <a:fld id="{BA6DBFC3-540E-6444-9571-9AC72F552CFB}" type="datetimeFigureOut">
               <a:rPr lang="de-DE" smtClean="0"/>
-              <a:t>04.02.25</a:t>
+              <a:t>08.02.25</a:t>
             </a:fld>
             <a:endParaRPr lang="de-DE"/>
           </a:p>
@@ -1971,7 +1972,7 @@
           <a:p>
             <a:fld id="{BA6DBFC3-540E-6444-9571-9AC72F552CFB}" type="datetimeFigureOut">
               <a:rPr lang="de-DE" smtClean="0"/>
-              <a:t>04.02.25</a:t>
+              <a:t>08.02.25</a:t>
             </a:fld>
             <a:endParaRPr lang="de-DE"/>
           </a:p>
@@ -2084,7 +2085,7 @@
           <a:p>
             <a:fld id="{BA6DBFC3-540E-6444-9571-9AC72F552CFB}" type="datetimeFigureOut">
               <a:rPr lang="de-DE" smtClean="0"/>
-              <a:t>04.02.25</a:t>
+              <a:t>08.02.25</a:t>
             </a:fld>
             <a:endParaRPr lang="de-DE"/>
           </a:p>
@@ -2395,7 +2396,7 @@
           <a:p>
             <a:fld id="{BA6DBFC3-540E-6444-9571-9AC72F552CFB}" type="datetimeFigureOut">
               <a:rPr lang="de-DE" smtClean="0"/>
-              <a:t>04.02.25</a:t>
+              <a:t>08.02.25</a:t>
             </a:fld>
             <a:endParaRPr lang="de-DE"/>
           </a:p>
@@ -2683,7 +2684,7 @@
           <a:p>
             <a:fld id="{BA6DBFC3-540E-6444-9571-9AC72F552CFB}" type="datetimeFigureOut">
               <a:rPr lang="de-DE" smtClean="0"/>
-              <a:t>04.02.25</a:t>
+              <a:t>08.02.25</a:t>
             </a:fld>
             <a:endParaRPr lang="de-DE"/>
           </a:p>
@@ -2924,7 +2925,7 @@
           <a:p>
             <a:fld id="{BA6DBFC3-540E-6444-9571-9AC72F552CFB}" type="datetimeFigureOut">
               <a:rPr lang="de-DE" smtClean="0"/>
-              <a:t>04.02.25</a:t>
+              <a:t>08.02.25</a:t>
             </a:fld>
             <a:endParaRPr lang="de-DE"/>
           </a:p>
@@ -10439,6 +10440,105 @@
   <p:cSld>
     <p:spTree>
       <p:nvGrpSpPr>
+        <p:cNvPr id="1" name="">
+          <a:extLst>
+            <a:ext uri="{FF2B5EF4-FFF2-40B4-BE49-F238E27FC236}">
+              <a16:creationId xmlns:a16="http://schemas.microsoft.com/office/drawing/2014/main" id="{FEFF7C22-7EFA-42F7-4FA3-4E5F7C666942}"/>
+            </a:ext>
+          </a:extLst>
+        </p:cNvPr>
+        <p:cNvGrpSpPr/>
+        <p:nvPr/>
+      </p:nvGrpSpPr>
+      <p:grpSpPr>
+        <a:xfrm>
+          <a:off x="0" y="0"/>
+          <a:ext cx="0" cy="0"/>
+          <a:chOff x="0" y="0"/>
+          <a:chExt cx="0" cy="0"/>
+        </a:xfrm>
+      </p:grpSpPr>
+      <p:sp>
+        <p:nvSpPr>
+          <p:cNvPr id="2" name="Titel 1">
+            <a:extLst>
+              <a:ext uri="{FF2B5EF4-FFF2-40B4-BE49-F238E27FC236}">
+                <a16:creationId xmlns:a16="http://schemas.microsoft.com/office/drawing/2014/main" id="{2316F7E6-A903-4E7D-0AA5-8E56AE9015C8}"/>
+              </a:ext>
+            </a:extLst>
+          </p:cNvPr>
+          <p:cNvSpPr>
+            <a:spLocks noGrp="1"/>
+          </p:cNvSpPr>
+          <p:nvPr>
+            <p:ph type="ctrTitle"/>
+          </p:nvPr>
+        </p:nvSpPr>
+        <p:spPr/>
+        <p:txBody>
+          <a:bodyPr>
+            <a:normAutofit fontScale="90000"/>
+          </a:bodyPr>
+          <a:lstStyle/>
+          <a:p>
+            <a:r>
+              <a:rPr lang="de-DE" dirty="0"/>
+              <a:t>Referenzarchitektur KI-Plattform für die öffentliche Verwaltung</a:t>
+            </a:r>
+          </a:p>
+        </p:txBody>
+      </p:sp>
+      <p:sp>
+        <p:nvSpPr>
+          <p:cNvPr id="3" name="Untertitel 2">
+            <a:extLst>
+              <a:ext uri="{FF2B5EF4-FFF2-40B4-BE49-F238E27FC236}">
+                <a16:creationId xmlns:a16="http://schemas.microsoft.com/office/drawing/2014/main" id="{2465EC95-E49E-5D57-1CA8-DC4C730AA927}"/>
+              </a:ext>
+            </a:extLst>
+          </p:cNvPr>
+          <p:cNvSpPr>
+            <a:spLocks noGrp="1"/>
+          </p:cNvSpPr>
+          <p:nvPr>
+            <p:ph type="subTitle" idx="1"/>
+          </p:nvPr>
+        </p:nvSpPr>
+        <p:spPr/>
+        <p:txBody>
+          <a:bodyPr>
+            <a:normAutofit/>
+          </a:bodyPr>
+          <a:lstStyle/>
+          <a:p>
+            <a:endParaRPr lang="de-DE" sz="4800" dirty="0"/>
+          </a:p>
+          <a:p>
+            <a:r>
+              <a:rPr lang="de-DE" sz="4800" dirty="0"/>
+              <a:t>Daten Management</a:t>
+            </a:r>
+          </a:p>
+        </p:txBody>
+      </p:sp>
+    </p:spTree>
+    <p:extLst>
+      <p:ext uri="{BB962C8B-B14F-4D97-AF65-F5344CB8AC3E}">
+        <p14:creationId xmlns:p14="http://schemas.microsoft.com/office/powerpoint/2010/main" val="438824736"/>
+      </p:ext>
+    </p:extLst>
+  </p:cSld>
+  <p:clrMapOvr>
+    <a:masterClrMapping/>
+  </p:clrMapOvr>
+</p:sld>
+</file>
+
+<file path=ppt/slides/slide17.xml><?xml version="1.0" encoding="utf-8"?>
+<p:sld xmlns:a="http://schemas.openxmlformats.org/drawingml/2006/main" xmlns:r="http://schemas.openxmlformats.org/officeDocument/2006/relationships" xmlns:p="http://schemas.openxmlformats.org/presentationml/2006/main">
+  <p:cSld>
+    <p:spTree>
+      <p:nvGrpSpPr>
         <p:cNvPr id="1" name=""/>
         <p:cNvGrpSpPr/>
         <p:nvPr/>
@@ -10451,6 +10551,1206 @@
           <a:chExt cx="0" cy="0"/>
         </a:xfrm>
       </p:grpSpPr>
+      <p:sp>
+        <p:nvSpPr>
+          <p:cNvPr id="4" name="Zylinder 3">
+            <a:extLst>
+              <a:ext uri="{FF2B5EF4-FFF2-40B4-BE49-F238E27FC236}">
+                <a16:creationId xmlns:a16="http://schemas.microsoft.com/office/drawing/2014/main" id="{00CF6E75-1614-ACC5-A691-DC5003A187D5}"/>
+              </a:ext>
+            </a:extLst>
+          </p:cNvPr>
+          <p:cNvSpPr/>
+          <p:nvPr/>
+        </p:nvSpPr>
+        <p:spPr>
+          <a:xfrm>
+            <a:off x="10050910" y="3539016"/>
+            <a:ext cx="1534631" cy="1216152"/>
+          </a:xfrm>
+          <a:prstGeom prst="can">
+            <a:avLst/>
+          </a:prstGeom>
+        </p:spPr>
+        <p:style>
+          <a:lnRef idx="2">
+            <a:schemeClr val="accent1">
+              <a:shade val="15000"/>
+            </a:schemeClr>
+          </a:lnRef>
+          <a:fillRef idx="1">
+            <a:schemeClr val="accent1"/>
+          </a:fillRef>
+          <a:effectRef idx="0">
+            <a:schemeClr val="accent1"/>
+          </a:effectRef>
+          <a:fontRef idx="minor">
+            <a:schemeClr val="lt1"/>
+          </a:fontRef>
+        </p:style>
+        <p:txBody>
+          <a:bodyPr rtlCol="0" anchor="ctr"/>
+          <a:lstStyle/>
+          <a:p>
+            <a:pPr algn="ctr"/>
+            <a:r>
+              <a:rPr lang="de-DE" dirty="0" err="1"/>
+              <a:t>Spent</a:t>
+            </a:r>
+            <a:r>
+              <a:rPr lang="de-DE" dirty="0"/>
+              <a:t> &amp; </a:t>
+            </a:r>
+            <a:r>
+              <a:rPr lang="de-DE" dirty="0" err="1"/>
+              <a:t>Usage</a:t>
+            </a:r>
+            <a:endParaRPr lang="de-DE" dirty="0"/>
+          </a:p>
+        </p:txBody>
+      </p:sp>
+      <p:sp>
+        <p:nvSpPr>
+          <p:cNvPr id="5" name="Zylinder 4">
+            <a:extLst>
+              <a:ext uri="{FF2B5EF4-FFF2-40B4-BE49-F238E27FC236}">
+                <a16:creationId xmlns:a16="http://schemas.microsoft.com/office/drawing/2014/main" id="{26146730-C944-626B-6FD8-36015A90071B}"/>
+              </a:ext>
+            </a:extLst>
+          </p:cNvPr>
+          <p:cNvSpPr/>
+          <p:nvPr/>
+        </p:nvSpPr>
+        <p:spPr>
+          <a:xfrm>
+            <a:off x="10050910" y="2146449"/>
+            <a:ext cx="1534631" cy="1216152"/>
+          </a:xfrm>
+          <a:prstGeom prst="can">
+            <a:avLst/>
+          </a:prstGeom>
+        </p:spPr>
+        <p:style>
+          <a:lnRef idx="2">
+            <a:schemeClr val="accent1">
+              <a:shade val="15000"/>
+            </a:schemeClr>
+          </a:lnRef>
+          <a:fillRef idx="1">
+            <a:schemeClr val="accent1"/>
+          </a:fillRef>
+          <a:effectRef idx="0">
+            <a:schemeClr val="accent1"/>
+          </a:effectRef>
+          <a:fontRef idx="minor">
+            <a:schemeClr val="lt1"/>
+          </a:fontRef>
+        </p:style>
+        <p:txBody>
+          <a:bodyPr rtlCol="0" anchor="ctr"/>
+          <a:lstStyle/>
+          <a:p>
+            <a:pPr algn="ctr"/>
+            <a:r>
+              <a:rPr lang="de-DE" dirty="0"/>
+              <a:t>Modelle</a:t>
+            </a:r>
+          </a:p>
+        </p:txBody>
+      </p:sp>
+      <p:sp>
+        <p:nvSpPr>
+          <p:cNvPr id="6" name="Zylinder 5">
+            <a:extLst>
+              <a:ext uri="{FF2B5EF4-FFF2-40B4-BE49-F238E27FC236}">
+                <a16:creationId xmlns:a16="http://schemas.microsoft.com/office/drawing/2014/main" id="{7C1E7582-6CA7-C8DC-5F20-AB6030411ADF}"/>
+              </a:ext>
+            </a:extLst>
+          </p:cNvPr>
+          <p:cNvSpPr/>
+          <p:nvPr/>
+        </p:nvSpPr>
+        <p:spPr>
+          <a:xfrm>
+            <a:off x="7105174" y="5551553"/>
+            <a:ext cx="1534631" cy="831565"/>
+          </a:xfrm>
+          <a:prstGeom prst="can">
+            <a:avLst/>
+          </a:prstGeom>
+        </p:spPr>
+        <p:style>
+          <a:lnRef idx="2">
+            <a:schemeClr val="accent1">
+              <a:shade val="15000"/>
+            </a:schemeClr>
+          </a:lnRef>
+          <a:fillRef idx="1">
+            <a:schemeClr val="accent1"/>
+          </a:fillRef>
+          <a:effectRef idx="0">
+            <a:schemeClr val="accent1"/>
+          </a:effectRef>
+          <a:fontRef idx="minor">
+            <a:schemeClr val="lt1"/>
+          </a:fontRef>
+        </p:style>
+        <p:txBody>
+          <a:bodyPr rtlCol="0" anchor="ctr"/>
+          <a:lstStyle/>
+          <a:p>
+            <a:pPr algn="ctr"/>
+            <a:r>
+              <a:rPr lang="de-DE" dirty="0" err="1"/>
+              <a:t>Logging</a:t>
+            </a:r>
+            <a:endParaRPr lang="de-DE" dirty="0"/>
+          </a:p>
+        </p:txBody>
+      </p:sp>
+      <p:sp>
+        <p:nvSpPr>
+          <p:cNvPr id="7" name="Zylinder 6">
+            <a:extLst>
+              <a:ext uri="{FF2B5EF4-FFF2-40B4-BE49-F238E27FC236}">
+                <a16:creationId xmlns:a16="http://schemas.microsoft.com/office/drawing/2014/main" id="{0E119669-EFB6-5B06-1495-F8218E4A136C}"/>
+              </a:ext>
+            </a:extLst>
+          </p:cNvPr>
+          <p:cNvSpPr/>
+          <p:nvPr/>
+        </p:nvSpPr>
+        <p:spPr>
+          <a:xfrm>
+            <a:off x="3845753" y="5580121"/>
+            <a:ext cx="1534631" cy="831565"/>
+          </a:xfrm>
+          <a:prstGeom prst="can">
+            <a:avLst/>
+          </a:prstGeom>
+        </p:spPr>
+        <p:style>
+          <a:lnRef idx="2">
+            <a:schemeClr val="accent1">
+              <a:shade val="15000"/>
+            </a:schemeClr>
+          </a:lnRef>
+          <a:fillRef idx="1">
+            <a:schemeClr val="accent1"/>
+          </a:fillRef>
+          <a:effectRef idx="0">
+            <a:schemeClr val="accent1"/>
+          </a:effectRef>
+          <a:fontRef idx="minor">
+            <a:schemeClr val="lt1"/>
+          </a:fontRef>
+        </p:style>
+        <p:txBody>
+          <a:bodyPr rtlCol="0" anchor="ctr"/>
+          <a:lstStyle/>
+          <a:p>
+            <a:pPr algn="ctr"/>
+            <a:r>
+              <a:rPr lang="de-DE" dirty="0"/>
+              <a:t>Tracing</a:t>
+            </a:r>
+          </a:p>
+        </p:txBody>
+      </p:sp>
+      <p:sp>
+        <p:nvSpPr>
+          <p:cNvPr id="8" name="Zylinder 7">
+            <a:extLst>
+              <a:ext uri="{FF2B5EF4-FFF2-40B4-BE49-F238E27FC236}">
+                <a16:creationId xmlns:a16="http://schemas.microsoft.com/office/drawing/2014/main" id="{AED4C157-EDFB-B463-442F-EDB99E070F57}"/>
+              </a:ext>
+            </a:extLst>
+          </p:cNvPr>
+          <p:cNvSpPr/>
+          <p:nvPr/>
+        </p:nvSpPr>
+        <p:spPr>
+          <a:xfrm>
+            <a:off x="3254105" y="1362205"/>
+            <a:ext cx="1889747" cy="1216152"/>
+          </a:xfrm>
+          <a:prstGeom prst="can">
+            <a:avLst/>
+          </a:prstGeom>
+        </p:spPr>
+        <p:style>
+          <a:lnRef idx="2">
+            <a:schemeClr val="accent1">
+              <a:shade val="15000"/>
+            </a:schemeClr>
+          </a:lnRef>
+          <a:fillRef idx="1">
+            <a:schemeClr val="accent1"/>
+          </a:fillRef>
+          <a:effectRef idx="0">
+            <a:schemeClr val="accent1"/>
+          </a:effectRef>
+          <a:fontRef idx="minor">
+            <a:schemeClr val="lt1"/>
+          </a:fontRef>
+        </p:style>
+        <p:txBody>
+          <a:bodyPr rtlCol="0" anchor="ctr"/>
+          <a:lstStyle/>
+          <a:p>
+            <a:pPr algn="ctr"/>
+            <a:r>
+              <a:rPr lang="de-DE" dirty="0"/>
+              <a:t>User &amp; Rechte,</a:t>
+            </a:r>
+          </a:p>
+          <a:p>
+            <a:pPr algn="ctr"/>
+            <a:r>
+              <a:rPr lang="de-DE" dirty="0"/>
+              <a:t> Chat-Historie</a:t>
+            </a:r>
+          </a:p>
+        </p:txBody>
+      </p:sp>
+      <p:sp>
+        <p:nvSpPr>
+          <p:cNvPr id="9" name="Rechteck 8">
+            <a:extLst>
+              <a:ext uri="{FF2B5EF4-FFF2-40B4-BE49-F238E27FC236}">
+                <a16:creationId xmlns:a16="http://schemas.microsoft.com/office/drawing/2014/main" id="{2957449E-979E-2C26-ED67-0ECB86B75333}"/>
+              </a:ext>
+            </a:extLst>
+          </p:cNvPr>
+          <p:cNvSpPr/>
+          <p:nvPr/>
+        </p:nvSpPr>
+        <p:spPr>
+          <a:xfrm>
+            <a:off x="489098" y="1722783"/>
+            <a:ext cx="1839432" cy="1552045"/>
+          </a:xfrm>
+          <a:prstGeom prst="rect">
+            <a:avLst/>
+          </a:prstGeom>
+        </p:spPr>
+        <p:style>
+          <a:lnRef idx="2">
+            <a:schemeClr val="accent1">
+              <a:shade val="15000"/>
+            </a:schemeClr>
+          </a:lnRef>
+          <a:fillRef idx="1">
+            <a:schemeClr val="accent1"/>
+          </a:fillRef>
+          <a:effectRef idx="0">
+            <a:schemeClr val="accent1"/>
+          </a:effectRef>
+          <a:fontRef idx="minor">
+            <a:schemeClr val="lt1"/>
+          </a:fontRef>
+        </p:style>
+        <p:txBody>
+          <a:bodyPr rtlCol="0" anchor="ctr"/>
+          <a:lstStyle/>
+          <a:p>
+            <a:pPr algn="ctr"/>
+            <a:r>
+              <a:rPr lang="de-DE" sz="1400" dirty="0"/>
+              <a:t>Identity- &amp; Access-management</a:t>
+            </a:r>
+          </a:p>
+          <a:p>
+            <a:pPr algn="ctr"/>
+            <a:r>
+              <a:rPr lang="de-DE" sz="1400" dirty="0"/>
+              <a:t>(</a:t>
+            </a:r>
+            <a:r>
+              <a:rPr lang="de-DE" sz="1400" dirty="0" err="1"/>
+              <a:t>Keycloak</a:t>
+            </a:r>
+            <a:r>
+              <a:rPr lang="de-DE" sz="1400" dirty="0"/>
+              <a:t>, </a:t>
+            </a:r>
+            <a:r>
+              <a:rPr lang="de-DE" sz="1400" dirty="0" err="1"/>
+              <a:t>OpenID</a:t>
+            </a:r>
+            <a:r>
+              <a:rPr lang="de-DE" sz="1400" dirty="0"/>
+              <a:t> Connect)</a:t>
+            </a:r>
+          </a:p>
+        </p:txBody>
+      </p:sp>
+      <p:sp>
+        <p:nvSpPr>
+          <p:cNvPr id="10" name="Zylinder 9">
+            <a:extLst>
+              <a:ext uri="{FF2B5EF4-FFF2-40B4-BE49-F238E27FC236}">
+                <a16:creationId xmlns:a16="http://schemas.microsoft.com/office/drawing/2014/main" id="{40AFFF81-19CF-984B-07BD-6017D3FA5DB9}"/>
+              </a:ext>
+            </a:extLst>
+          </p:cNvPr>
+          <p:cNvSpPr/>
+          <p:nvPr/>
+        </p:nvSpPr>
+        <p:spPr>
+          <a:xfrm>
+            <a:off x="641498" y="4427185"/>
+            <a:ext cx="1534631" cy="1216152"/>
+          </a:xfrm>
+          <a:prstGeom prst="can">
+            <a:avLst/>
+          </a:prstGeom>
+        </p:spPr>
+        <p:style>
+          <a:lnRef idx="2">
+            <a:schemeClr val="accent1">
+              <a:shade val="15000"/>
+            </a:schemeClr>
+          </a:lnRef>
+          <a:fillRef idx="1">
+            <a:schemeClr val="accent1"/>
+          </a:fillRef>
+          <a:effectRef idx="0">
+            <a:schemeClr val="accent1"/>
+          </a:effectRef>
+          <a:fontRef idx="minor">
+            <a:schemeClr val="lt1"/>
+          </a:fontRef>
+        </p:style>
+        <p:txBody>
+          <a:bodyPr rtlCol="0" anchor="ctr"/>
+          <a:lstStyle/>
+          <a:p>
+            <a:pPr algn="ctr"/>
+            <a:r>
+              <a:rPr lang="de-DE" dirty="0" err="1"/>
+              <a:t>Active</a:t>
+            </a:r>
+            <a:r>
+              <a:rPr lang="de-DE" dirty="0"/>
+              <a:t> Directory / LDAP</a:t>
+            </a:r>
+          </a:p>
+        </p:txBody>
+      </p:sp>
+      <p:cxnSp>
+        <p:nvCxnSpPr>
+          <p:cNvPr id="12" name="Gerade Verbindung mit Pfeil 11">
+            <a:extLst>
+              <a:ext uri="{FF2B5EF4-FFF2-40B4-BE49-F238E27FC236}">
+                <a16:creationId xmlns:a16="http://schemas.microsoft.com/office/drawing/2014/main" id="{5636A109-E10B-38F1-B3D3-375329AC812A}"/>
+              </a:ext>
+            </a:extLst>
+          </p:cNvPr>
+          <p:cNvCxnSpPr>
+            <a:cxnSpLocks/>
+            <a:stCxn id="9" idx="2"/>
+            <a:endCxn id="10" idx="1"/>
+          </p:cNvCxnSpPr>
+          <p:nvPr/>
+        </p:nvCxnSpPr>
+        <p:spPr>
+          <a:xfrm>
+            <a:off x="1408814" y="3274828"/>
+            <a:ext cx="0" cy="1152357"/>
+          </a:xfrm>
+          <a:prstGeom prst="straightConnector1">
+            <a:avLst/>
+          </a:prstGeom>
+          <a:ln>
+            <a:headEnd type="triangle"/>
+            <a:tailEnd type="triangle"/>
+          </a:ln>
+        </p:spPr>
+        <p:style>
+          <a:lnRef idx="2">
+            <a:schemeClr val="accent1"/>
+          </a:lnRef>
+          <a:fillRef idx="0">
+            <a:schemeClr val="accent1"/>
+          </a:fillRef>
+          <a:effectRef idx="1">
+            <a:schemeClr val="accent1"/>
+          </a:effectRef>
+          <a:fontRef idx="minor">
+            <a:schemeClr val="tx1"/>
+          </a:fontRef>
+        </p:style>
+      </p:cxnSp>
+      <p:sp>
+        <p:nvSpPr>
+          <p:cNvPr id="13" name="Rechteck 12">
+            <a:extLst>
+              <a:ext uri="{FF2B5EF4-FFF2-40B4-BE49-F238E27FC236}">
+                <a16:creationId xmlns:a16="http://schemas.microsoft.com/office/drawing/2014/main" id="{98013099-4ED0-FF7A-6AC4-03FE988689A2}"/>
+              </a:ext>
+            </a:extLst>
+          </p:cNvPr>
+          <p:cNvSpPr/>
+          <p:nvPr/>
+        </p:nvSpPr>
+        <p:spPr>
+          <a:xfrm>
+            <a:off x="2939142" y="446314"/>
+            <a:ext cx="8948039" cy="6030686"/>
+          </a:xfrm>
+          <a:prstGeom prst="rect">
+            <a:avLst/>
+          </a:prstGeom>
+          <a:noFill/>
+        </p:spPr>
+        <p:style>
+          <a:lnRef idx="2">
+            <a:schemeClr val="accent1">
+              <a:shade val="15000"/>
+            </a:schemeClr>
+          </a:lnRef>
+          <a:fillRef idx="1">
+            <a:schemeClr val="accent1"/>
+          </a:fillRef>
+          <a:effectRef idx="0">
+            <a:schemeClr val="accent1"/>
+          </a:effectRef>
+          <a:fontRef idx="minor">
+            <a:schemeClr val="lt1"/>
+          </a:fontRef>
+        </p:style>
+        <p:txBody>
+          <a:bodyPr rtlCol="0" anchor="t"/>
+          <a:lstStyle/>
+          <a:p>
+            <a:pPr algn="ctr"/>
+            <a:r>
+              <a:rPr lang="de-DE" dirty="0">
+                <a:solidFill>
+                  <a:schemeClr val="tx1"/>
+                </a:solidFill>
+              </a:rPr>
+              <a:t>KI-Plattform</a:t>
+            </a:r>
+          </a:p>
+        </p:txBody>
+      </p:sp>
+      <p:sp>
+        <p:nvSpPr>
+          <p:cNvPr id="15" name="Textfeld 14">
+            <a:extLst>
+              <a:ext uri="{FF2B5EF4-FFF2-40B4-BE49-F238E27FC236}">
+                <a16:creationId xmlns:a16="http://schemas.microsoft.com/office/drawing/2014/main" id="{13A25B2B-13D3-5CA9-D655-C9B289069FB6}"/>
+              </a:ext>
+            </a:extLst>
+          </p:cNvPr>
+          <p:cNvSpPr txBox="1"/>
+          <p:nvPr/>
+        </p:nvSpPr>
+        <p:spPr>
+          <a:xfrm>
+            <a:off x="489098" y="570426"/>
+            <a:ext cx="2371162" cy="923330"/>
+          </a:xfrm>
+          <a:prstGeom prst="rect">
+            <a:avLst/>
+          </a:prstGeom>
+          <a:noFill/>
+        </p:spPr>
+        <p:txBody>
+          <a:bodyPr wrap="none" rtlCol="0">
+            <a:spAutoFit/>
+          </a:bodyPr>
+          <a:lstStyle/>
+          <a:p>
+            <a:pPr marL="285750" indent="-285750">
+              <a:buFont typeface="Arial" panose="020B0604020202020204" pitchFamily="34" charset="0"/>
+              <a:buChar char="•"/>
+            </a:pPr>
+            <a:r>
+              <a:rPr lang="de-DE" b="0" i="1" u="none" strike="noStrike" dirty="0">
+                <a:solidFill>
+                  <a:srgbClr val="161C1F"/>
+                </a:solidFill>
+                <a:effectLst/>
+                <a:latin typeface="IBMPlexSans"/>
+              </a:rPr>
+              <a:t>Single </a:t>
+            </a:r>
+            <a:r>
+              <a:rPr lang="de-DE" b="0" i="1" u="none" strike="noStrike" dirty="0" err="1">
+                <a:solidFill>
+                  <a:srgbClr val="161C1F"/>
+                </a:solidFill>
+                <a:effectLst/>
+                <a:latin typeface="IBMPlexSans"/>
+              </a:rPr>
+              <a:t>Sign</a:t>
+            </a:r>
+            <a:r>
+              <a:rPr lang="de-DE" b="0" i="1" u="none" strike="noStrike" dirty="0">
+                <a:solidFill>
+                  <a:srgbClr val="161C1F"/>
+                </a:solidFill>
+                <a:effectLst/>
+                <a:latin typeface="IBMPlexSans"/>
+              </a:rPr>
+              <a:t>-On (SSO)</a:t>
+            </a:r>
+          </a:p>
+          <a:p>
+            <a:pPr marL="285750" indent="-285750">
+              <a:buFont typeface="Arial" panose="020B0604020202020204" pitchFamily="34" charset="0"/>
+              <a:buChar char="•"/>
+            </a:pPr>
+            <a:r>
+              <a:rPr lang="de-DE" b="0" i="1" u="none" strike="noStrike" dirty="0">
+                <a:solidFill>
+                  <a:srgbClr val="161C1F"/>
+                </a:solidFill>
+                <a:effectLst/>
+                <a:latin typeface="IBMPlexSans"/>
+              </a:rPr>
+              <a:t>Identitäten</a:t>
+            </a:r>
+            <a:endParaRPr lang="de-DE" i="1" dirty="0">
+              <a:solidFill>
+                <a:srgbClr val="161C1F"/>
+              </a:solidFill>
+              <a:latin typeface="IBMPlexSans"/>
+            </a:endParaRPr>
+          </a:p>
+          <a:p>
+            <a:pPr marL="285750" indent="-285750">
+              <a:buFont typeface="Arial" panose="020B0604020202020204" pitchFamily="34" charset="0"/>
+              <a:buChar char="•"/>
+            </a:pPr>
+            <a:r>
+              <a:rPr lang="de-DE" b="0" i="1" u="none" strike="noStrike" dirty="0">
+                <a:solidFill>
+                  <a:srgbClr val="161C1F"/>
+                </a:solidFill>
+                <a:effectLst/>
+                <a:latin typeface="IBMPlexSans"/>
+              </a:rPr>
+              <a:t>Zugriffskontrolle</a:t>
+            </a:r>
+            <a:endParaRPr lang="de-DE" dirty="0"/>
+          </a:p>
+        </p:txBody>
+      </p:sp>
+      <p:sp>
+        <p:nvSpPr>
+          <p:cNvPr id="17" name="Rechteck 16">
+            <a:extLst>
+              <a:ext uri="{FF2B5EF4-FFF2-40B4-BE49-F238E27FC236}">
+                <a16:creationId xmlns:a16="http://schemas.microsoft.com/office/drawing/2014/main" id="{EA90E269-C4F8-D486-6FF4-E7AD295909D0}"/>
+              </a:ext>
+            </a:extLst>
+          </p:cNvPr>
+          <p:cNvSpPr/>
+          <p:nvPr/>
+        </p:nvSpPr>
+        <p:spPr>
+          <a:xfrm>
+            <a:off x="3091544" y="901149"/>
+            <a:ext cx="2288840" cy="1881810"/>
+          </a:xfrm>
+          <a:prstGeom prst="rect">
+            <a:avLst/>
+          </a:prstGeom>
+          <a:noFill/>
+        </p:spPr>
+        <p:style>
+          <a:lnRef idx="2">
+            <a:schemeClr val="accent1">
+              <a:shade val="15000"/>
+            </a:schemeClr>
+          </a:lnRef>
+          <a:fillRef idx="1">
+            <a:schemeClr val="accent1"/>
+          </a:fillRef>
+          <a:effectRef idx="0">
+            <a:schemeClr val="accent1"/>
+          </a:effectRef>
+          <a:fontRef idx="minor">
+            <a:schemeClr val="lt1"/>
+          </a:fontRef>
+        </p:style>
+        <p:txBody>
+          <a:bodyPr rtlCol="0" anchor="t"/>
+          <a:lstStyle/>
+          <a:p>
+            <a:pPr algn="ctr"/>
+            <a:r>
+              <a:rPr lang="de-DE" dirty="0">
+                <a:solidFill>
+                  <a:sysClr val="windowText" lastClr="000000"/>
+                </a:solidFill>
+              </a:rPr>
+              <a:t>Chat-Anwendung</a:t>
+            </a:r>
+          </a:p>
+        </p:txBody>
+      </p:sp>
+      <p:sp>
+        <p:nvSpPr>
+          <p:cNvPr id="18" name="Zylinder 17">
+            <a:extLst>
+              <a:ext uri="{FF2B5EF4-FFF2-40B4-BE49-F238E27FC236}">
+                <a16:creationId xmlns:a16="http://schemas.microsoft.com/office/drawing/2014/main" id="{97555AFE-0C10-624E-16A7-00389705C7B4}"/>
+              </a:ext>
+            </a:extLst>
+          </p:cNvPr>
+          <p:cNvSpPr/>
+          <p:nvPr/>
+        </p:nvSpPr>
+        <p:spPr>
+          <a:xfrm>
+            <a:off x="3227642" y="3376940"/>
+            <a:ext cx="1889747" cy="1216152"/>
+          </a:xfrm>
+          <a:prstGeom prst="can">
+            <a:avLst/>
+          </a:prstGeom>
+        </p:spPr>
+        <p:style>
+          <a:lnRef idx="2">
+            <a:schemeClr val="accent1">
+              <a:shade val="15000"/>
+            </a:schemeClr>
+          </a:lnRef>
+          <a:fillRef idx="1">
+            <a:schemeClr val="accent1"/>
+          </a:fillRef>
+          <a:effectRef idx="0">
+            <a:schemeClr val="accent1"/>
+          </a:effectRef>
+          <a:fontRef idx="minor">
+            <a:schemeClr val="lt1"/>
+          </a:fontRef>
+        </p:style>
+        <p:txBody>
+          <a:bodyPr rtlCol="0" anchor="ctr"/>
+          <a:lstStyle/>
+          <a:p>
+            <a:pPr algn="ctr"/>
+            <a:r>
+              <a:rPr lang="de-DE" dirty="0"/>
+              <a:t>User &amp; Rechte,</a:t>
+            </a:r>
+          </a:p>
+          <a:p>
+            <a:pPr algn="ctr"/>
+            <a:r>
+              <a:rPr lang="de-DE" dirty="0"/>
+              <a:t> Chat-Historie</a:t>
+            </a:r>
+          </a:p>
+        </p:txBody>
+      </p:sp>
+      <p:sp>
+        <p:nvSpPr>
+          <p:cNvPr id="19" name="Rechteck 18">
+            <a:extLst>
+              <a:ext uri="{FF2B5EF4-FFF2-40B4-BE49-F238E27FC236}">
+                <a16:creationId xmlns:a16="http://schemas.microsoft.com/office/drawing/2014/main" id="{178E2FD8-7CE5-A3C8-2660-FBFE229BC097}"/>
+              </a:ext>
+            </a:extLst>
+          </p:cNvPr>
+          <p:cNvSpPr/>
+          <p:nvPr/>
+        </p:nvSpPr>
+        <p:spPr>
+          <a:xfrm>
+            <a:off x="3091543" y="2885360"/>
+            <a:ext cx="2288841" cy="1881810"/>
+          </a:xfrm>
+          <a:prstGeom prst="rect">
+            <a:avLst/>
+          </a:prstGeom>
+          <a:noFill/>
+        </p:spPr>
+        <p:style>
+          <a:lnRef idx="2">
+            <a:schemeClr val="accent1">
+              <a:shade val="15000"/>
+            </a:schemeClr>
+          </a:lnRef>
+          <a:fillRef idx="1">
+            <a:schemeClr val="accent1"/>
+          </a:fillRef>
+          <a:effectRef idx="0">
+            <a:schemeClr val="accent1"/>
+          </a:effectRef>
+          <a:fontRef idx="minor">
+            <a:schemeClr val="lt1"/>
+          </a:fontRef>
+        </p:style>
+        <p:txBody>
+          <a:bodyPr rtlCol="0" anchor="t"/>
+          <a:lstStyle/>
+          <a:p>
+            <a:pPr algn="ctr"/>
+            <a:r>
+              <a:rPr lang="de-DE" dirty="0">
+                <a:solidFill>
+                  <a:sysClr val="windowText" lastClr="000000"/>
+                </a:solidFill>
+              </a:rPr>
+              <a:t>RAG-Anwendung</a:t>
+            </a:r>
+          </a:p>
+        </p:txBody>
+      </p:sp>
+      <p:sp>
+        <p:nvSpPr>
+          <p:cNvPr id="20" name="Zylinder 19">
+            <a:extLst>
+              <a:ext uri="{FF2B5EF4-FFF2-40B4-BE49-F238E27FC236}">
+                <a16:creationId xmlns:a16="http://schemas.microsoft.com/office/drawing/2014/main" id="{AE397221-8B8A-EBEF-729C-7B39DFF42408}"/>
+              </a:ext>
+            </a:extLst>
+          </p:cNvPr>
+          <p:cNvSpPr/>
+          <p:nvPr/>
+        </p:nvSpPr>
+        <p:spPr>
+          <a:xfrm>
+            <a:off x="7009589" y="3376940"/>
+            <a:ext cx="1534631" cy="1216152"/>
+          </a:xfrm>
+          <a:prstGeom prst="can">
+            <a:avLst/>
+          </a:prstGeom>
+        </p:spPr>
+        <p:style>
+          <a:lnRef idx="2">
+            <a:schemeClr val="accent1">
+              <a:shade val="15000"/>
+            </a:schemeClr>
+          </a:lnRef>
+          <a:fillRef idx="1">
+            <a:schemeClr val="accent1"/>
+          </a:fillRef>
+          <a:effectRef idx="0">
+            <a:schemeClr val="accent1"/>
+          </a:effectRef>
+          <a:fontRef idx="minor">
+            <a:schemeClr val="lt1"/>
+          </a:fontRef>
+        </p:style>
+        <p:txBody>
+          <a:bodyPr rtlCol="0" anchor="ctr"/>
+          <a:lstStyle/>
+          <a:p>
+            <a:pPr algn="ctr"/>
+            <a:r>
+              <a:rPr lang="de-DE" dirty="0"/>
+              <a:t>Knowledge</a:t>
+            </a:r>
+          </a:p>
+        </p:txBody>
+      </p:sp>
+      <p:sp>
+        <p:nvSpPr>
+          <p:cNvPr id="21" name="Zylinder 20">
+            <a:extLst>
+              <a:ext uri="{FF2B5EF4-FFF2-40B4-BE49-F238E27FC236}">
+                <a16:creationId xmlns:a16="http://schemas.microsoft.com/office/drawing/2014/main" id="{BB798642-A676-9CAB-C740-D8007486A76A}"/>
+              </a:ext>
+            </a:extLst>
+          </p:cNvPr>
+          <p:cNvSpPr/>
+          <p:nvPr/>
+        </p:nvSpPr>
+        <p:spPr>
+          <a:xfrm>
+            <a:off x="6976526" y="1362205"/>
+            <a:ext cx="1534631" cy="1216152"/>
+          </a:xfrm>
+          <a:prstGeom prst="can">
+            <a:avLst/>
+          </a:prstGeom>
+        </p:spPr>
+        <p:style>
+          <a:lnRef idx="2">
+            <a:schemeClr val="accent1">
+              <a:shade val="15000"/>
+            </a:schemeClr>
+          </a:lnRef>
+          <a:fillRef idx="1">
+            <a:schemeClr val="accent1"/>
+          </a:fillRef>
+          <a:effectRef idx="0">
+            <a:schemeClr val="accent1"/>
+          </a:effectRef>
+          <a:fontRef idx="minor">
+            <a:schemeClr val="lt1"/>
+          </a:fontRef>
+        </p:style>
+        <p:txBody>
+          <a:bodyPr rtlCol="0" anchor="ctr"/>
+          <a:lstStyle/>
+          <a:p>
+            <a:pPr algn="ctr"/>
+            <a:r>
+              <a:rPr lang="de-DE" dirty="0"/>
+              <a:t>Prompt</a:t>
+            </a:r>
+          </a:p>
+        </p:txBody>
+      </p:sp>
+      <p:sp>
+        <p:nvSpPr>
+          <p:cNvPr id="22" name="Rechteck 21">
+            <a:extLst>
+              <a:ext uri="{FF2B5EF4-FFF2-40B4-BE49-F238E27FC236}">
+                <a16:creationId xmlns:a16="http://schemas.microsoft.com/office/drawing/2014/main" id="{3DF45D56-5094-3FA4-D4D9-188468C0E0A3}"/>
+              </a:ext>
+            </a:extLst>
+          </p:cNvPr>
+          <p:cNvSpPr/>
+          <p:nvPr/>
+        </p:nvSpPr>
+        <p:spPr>
+          <a:xfrm>
+            <a:off x="5507852" y="901149"/>
+            <a:ext cx="935145" cy="3866021"/>
+          </a:xfrm>
+          <a:prstGeom prst="rect">
+            <a:avLst/>
+          </a:prstGeom>
+        </p:spPr>
+        <p:style>
+          <a:lnRef idx="2">
+            <a:schemeClr val="accent1">
+              <a:shade val="15000"/>
+            </a:schemeClr>
+          </a:lnRef>
+          <a:fillRef idx="1">
+            <a:schemeClr val="accent1"/>
+          </a:fillRef>
+          <a:effectRef idx="0">
+            <a:schemeClr val="accent1"/>
+          </a:effectRef>
+          <a:fontRef idx="minor">
+            <a:schemeClr val="lt1"/>
+          </a:fontRef>
+        </p:style>
+        <p:txBody>
+          <a:bodyPr vert="vert270" rtlCol="0" anchor="ctr"/>
+          <a:lstStyle/>
+          <a:p>
+            <a:pPr algn="ctr"/>
+            <a:r>
+              <a:rPr lang="de-DE" sz="1400" dirty="0"/>
+              <a:t>API-Gateway</a:t>
+            </a:r>
+          </a:p>
+        </p:txBody>
+      </p:sp>
+      <p:sp>
+        <p:nvSpPr>
+          <p:cNvPr id="23" name="Rechteck 22">
+            <a:extLst>
+              <a:ext uri="{FF2B5EF4-FFF2-40B4-BE49-F238E27FC236}">
+                <a16:creationId xmlns:a16="http://schemas.microsoft.com/office/drawing/2014/main" id="{DF2BD460-5B93-1A88-3AEC-17C16FCE35F1}"/>
+              </a:ext>
+            </a:extLst>
+          </p:cNvPr>
+          <p:cNvSpPr/>
+          <p:nvPr/>
+        </p:nvSpPr>
+        <p:spPr>
+          <a:xfrm>
+            <a:off x="6570465" y="911014"/>
+            <a:ext cx="2288840" cy="1881810"/>
+          </a:xfrm>
+          <a:prstGeom prst="rect">
+            <a:avLst/>
+          </a:prstGeom>
+          <a:noFill/>
+        </p:spPr>
+        <p:style>
+          <a:lnRef idx="2">
+            <a:schemeClr val="accent1">
+              <a:shade val="15000"/>
+            </a:schemeClr>
+          </a:lnRef>
+          <a:fillRef idx="1">
+            <a:schemeClr val="accent1"/>
+          </a:fillRef>
+          <a:effectRef idx="0">
+            <a:schemeClr val="accent1"/>
+          </a:effectRef>
+          <a:fontRef idx="minor">
+            <a:schemeClr val="lt1"/>
+          </a:fontRef>
+        </p:style>
+        <p:txBody>
+          <a:bodyPr rtlCol="0" anchor="t"/>
+          <a:lstStyle/>
+          <a:p>
+            <a:pPr algn="ctr"/>
+            <a:r>
+              <a:rPr lang="de-DE" dirty="0">
+                <a:solidFill>
+                  <a:sysClr val="windowText" lastClr="000000"/>
+                </a:solidFill>
+              </a:rPr>
+              <a:t>Chat-Services</a:t>
+            </a:r>
+          </a:p>
+        </p:txBody>
+      </p:sp>
+      <p:sp>
+        <p:nvSpPr>
+          <p:cNvPr id="24" name="Rechteck 23">
+            <a:extLst>
+              <a:ext uri="{FF2B5EF4-FFF2-40B4-BE49-F238E27FC236}">
+                <a16:creationId xmlns:a16="http://schemas.microsoft.com/office/drawing/2014/main" id="{944C288E-CD46-8F86-1616-CB3B7C27E543}"/>
+              </a:ext>
+            </a:extLst>
+          </p:cNvPr>
+          <p:cNvSpPr/>
+          <p:nvPr/>
+        </p:nvSpPr>
+        <p:spPr>
+          <a:xfrm>
+            <a:off x="6576793" y="2883597"/>
+            <a:ext cx="2288840" cy="1881810"/>
+          </a:xfrm>
+          <a:prstGeom prst="rect">
+            <a:avLst/>
+          </a:prstGeom>
+          <a:noFill/>
+        </p:spPr>
+        <p:style>
+          <a:lnRef idx="2">
+            <a:schemeClr val="accent1">
+              <a:shade val="15000"/>
+            </a:schemeClr>
+          </a:lnRef>
+          <a:fillRef idx="1">
+            <a:schemeClr val="accent1"/>
+          </a:fillRef>
+          <a:effectRef idx="0">
+            <a:schemeClr val="accent1"/>
+          </a:effectRef>
+          <a:fontRef idx="minor">
+            <a:schemeClr val="lt1"/>
+          </a:fontRef>
+        </p:style>
+        <p:txBody>
+          <a:bodyPr rtlCol="0" anchor="t"/>
+          <a:lstStyle/>
+          <a:p>
+            <a:pPr algn="ctr"/>
+            <a:r>
+              <a:rPr lang="de-DE" dirty="0">
+                <a:solidFill>
+                  <a:sysClr val="windowText" lastClr="000000"/>
+                </a:solidFill>
+              </a:rPr>
+              <a:t>RAG-Services</a:t>
+            </a:r>
+          </a:p>
+        </p:txBody>
+      </p:sp>
+      <p:sp>
+        <p:nvSpPr>
+          <p:cNvPr id="25" name="Rechteck 24">
+            <a:extLst>
+              <a:ext uri="{FF2B5EF4-FFF2-40B4-BE49-F238E27FC236}">
+                <a16:creationId xmlns:a16="http://schemas.microsoft.com/office/drawing/2014/main" id="{BD6EA0DD-2BA1-A071-CEF6-F74913991835}"/>
+              </a:ext>
+            </a:extLst>
+          </p:cNvPr>
+          <p:cNvSpPr/>
+          <p:nvPr/>
+        </p:nvSpPr>
+        <p:spPr>
+          <a:xfrm>
+            <a:off x="8967361" y="895772"/>
+            <a:ext cx="935145" cy="3866021"/>
+          </a:xfrm>
+          <a:prstGeom prst="rect">
+            <a:avLst/>
+          </a:prstGeom>
+        </p:spPr>
+        <p:style>
+          <a:lnRef idx="2">
+            <a:schemeClr val="accent1">
+              <a:shade val="15000"/>
+            </a:schemeClr>
+          </a:lnRef>
+          <a:fillRef idx="1">
+            <a:schemeClr val="accent1"/>
+          </a:fillRef>
+          <a:effectRef idx="0">
+            <a:schemeClr val="accent1"/>
+          </a:effectRef>
+          <a:fontRef idx="minor">
+            <a:schemeClr val="lt1"/>
+          </a:fontRef>
+        </p:style>
+        <p:txBody>
+          <a:bodyPr vert="vert270" rtlCol="0" anchor="ctr"/>
+          <a:lstStyle/>
+          <a:p>
+            <a:pPr algn="ctr"/>
+            <a:r>
+              <a:rPr lang="de-DE" sz="1400" dirty="0"/>
+              <a:t>LLM-Gateway</a:t>
+            </a:r>
+          </a:p>
+        </p:txBody>
+      </p:sp>
+      <p:sp>
+        <p:nvSpPr>
+          <p:cNvPr id="26" name="Rechteck 25">
+            <a:extLst>
+              <a:ext uri="{FF2B5EF4-FFF2-40B4-BE49-F238E27FC236}">
+                <a16:creationId xmlns:a16="http://schemas.microsoft.com/office/drawing/2014/main" id="{987CED32-7A52-278C-9F06-CFDA59009A02}"/>
+              </a:ext>
+            </a:extLst>
+          </p:cNvPr>
+          <p:cNvSpPr/>
+          <p:nvPr/>
+        </p:nvSpPr>
+        <p:spPr>
+          <a:xfrm rot="5400000">
+            <a:off x="6175851" y="1769141"/>
+            <a:ext cx="661308" cy="6792001"/>
+          </a:xfrm>
+          <a:prstGeom prst="rect">
+            <a:avLst/>
+          </a:prstGeom>
+        </p:spPr>
+        <p:style>
+          <a:lnRef idx="2">
+            <a:schemeClr val="accent1">
+              <a:shade val="15000"/>
+            </a:schemeClr>
+          </a:lnRef>
+          <a:fillRef idx="1">
+            <a:schemeClr val="accent1"/>
+          </a:fillRef>
+          <a:effectRef idx="0">
+            <a:schemeClr val="accent1"/>
+          </a:effectRef>
+          <a:fontRef idx="minor">
+            <a:schemeClr val="lt1"/>
+          </a:fontRef>
+        </p:style>
+        <p:txBody>
+          <a:bodyPr vert="vert270" rtlCol="0" anchor="ctr"/>
+          <a:lstStyle/>
+          <a:p>
+            <a:pPr algn="ctr"/>
+            <a:r>
+              <a:rPr lang="de-DE" sz="1400" dirty="0" err="1"/>
+              <a:t>Observability</a:t>
+            </a:r>
+            <a:endParaRPr lang="de-DE" sz="1400" dirty="0"/>
+          </a:p>
+        </p:txBody>
+      </p:sp>
+      <p:sp>
+        <p:nvSpPr>
+          <p:cNvPr id="27" name="Zylinder 26">
+            <a:extLst>
+              <a:ext uri="{FF2B5EF4-FFF2-40B4-BE49-F238E27FC236}">
+                <a16:creationId xmlns:a16="http://schemas.microsoft.com/office/drawing/2014/main" id="{D54D39D9-FF35-DEC3-8EA5-928E82D3276C}"/>
+              </a:ext>
+            </a:extLst>
+          </p:cNvPr>
+          <p:cNvSpPr/>
+          <p:nvPr/>
+        </p:nvSpPr>
+        <p:spPr>
+          <a:xfrm>
+            <a:off x="5474958" y="5580121"/>
+            <a:ext cx="1534631" cy="831565"/>
+          </a:xfrm>
+          <a:prstGeom prst="can">
+            <a:avLst/>
+          </a:prstGeom>
+        </p:spPr>
+        <p:style>
+          <a:lnRef idx="2">
+            <a:schemeClr val="accent1">
+              <a:shade val="15000"/>
+            </a:schemeClr>
+          </a:lnRef>
+          <a:fillRef idx="1">
+            <a:schemeClr val="accent1"/>
+          </a:fillRef>
+          <a:effectRef idx="0">
+            <a:schemeClr val="accent1"/>
+          </a:effectRef>
+          <a:fontRef idx="minor">
+            <a:schemeClr val="lt1"/>
+          </a:fontRef>
+        </p:style>
+        <p:txBody>
+          <a:bodyPr rtlCol="0" anchor="ctr"/>
+          <a:lstStyle/>
+          <a:p>
+            <a:pPr algn="ctr"/>
+            <a:r>
+              <a:rPr lang="de-DE" dirty="0" err="1"/>
+              <a:t>Metrics</a:t>
+            </a:r>
+            <a:endParaRPr lang="de-DE" dirty="0"/>
+          </a:p>
+        </p:txBody>
+      </p:sp>
+      <p:cxnSp>
+        <p:nvCxnSpPr>
+          <p:cNvPr id="29" name="Gerade Verbindung mit Pfeil 28">
+            <a:extLst>
+              <a:ext uri="{FF2B5EF4-FFF2-40B4-BE49-F238E27FC236}">
+                <a16:creationId xmlns:a16="http://schemas.microsoft.com/office/drawing/2014/main" id="{7D3D065C-DB18-8A76-9FA0-EB5DEDC8648B}"/>
+              </a:ext>
+            </a:extLst>
+          </p:cNvPr>
+          <p:cNvCxnSpPr>
+            <a:cxnSpLocks/>
+            <a:stCxn id="9" idx="3"/>
+          </p:cNvCxnSpPr>
+          <p:nvPr/>
+        </p:nvCxnSpPr>
+        <p:spPr>
+          <a:xfrm flipV="1">
+            <a:off x="2328530" y="2498805"/>
+            <a:ext cx="610612" cy="1"/>
+          </a:xfrm>
+          <a:prstGeom prst="straightConnector1">
+            <a:avLst/>
+          </a:prstGeom>
+          <a:ln>
+            <a:headEnd type="triangle"/>
+            <a:tailEnd type="triangle"/>
+          </a:ln>
+        </p:spPr>
+        <p:style>
+          <a:lnRef idx="2">
+            <a:schemeClr val="accent1"/>
+          </a:lnRef>
+          <a:fillRef idx="0">
+            <a:schemeClr val="accent1"/>
+          </a:fillRef>
+          <a:effectRef idx="1">
+            <a:schemeClr val="accent1"/>
+          </a:effectRef>
+          <a:fontRef idx="minor">
+            <a:schemeClr val="tx1"/>
+          </a:fontRef>
+        </p:style>
+      </p:cxnSp>
     </p:spTree>
     <p:extLst>
       <p:ext uri="{BB962C8B-B14F-4D97-AF65-F5344CB8AC3E}">

--- a/RAKIPOEV-docs/docs/ppt/Building-Blocks.pptx
+++ b/RAKIPOEV-docs/docs/ppt/Building-Blocks.pptx
@@ -18,10 +18,11 @@
     <p:sldId id="263" r:id="rId12"/>
     <p:sldId id="269" r:id="rId13"/>
     <p:sldId id="270" r:id="rId14"/>
-    <p:sldId id="261" r:id="rId15"/>
-    <p:sldId id="262" r:id="rId16"/>
-    <p:sldId id="272" r:id="rId17"/>
-    <p:sldId id="271" r:id="rId18"/>
+    <p:sldId id="273" r:id="rId15"/>
+    <p:sldId id="261" r:id="rId16"/>
+    <p:sldId id="262" r:id="rId17"/>
+    <p:sldId id="272" r:id="rId18"/>
+    <p:sldId id="271" r:id="rId19"/>
   </p:sldIdLst>
   <p:sldSz cx="12192000" cy="6858000"/>
   <p:notesSz cx="6858000" cy="9144000"/>
@@ -275,7 +276,7 @@
           <a:p>
             <a:fld id="{BA6DBFC3-540E-6444-9571-9AC72F552CFB}" type="datetimeFigureOut">
               <a:rPr lang="de-DE" smtClean="0"/>
-              <a:t>08.02.25</a:t>
+              <a:t>10.02.25</a:t>
             </a:fld>
             <a:endParaRPr lang="de-DE"/>
           </a:p>
@@ -473,7 +474,7 @@
           <a:p>
             <a:fld id="{BA6DBFC3-540E-6444-9571-9AC72F552CFB}" type="datetimeFigureOut">
               <a:rPr lang="de-DE" smtClean="0"/>
-              <a:t>08.02.25</a:t>
+              <a:t>10.02.25</a:t>
             </a:fld>
             <a:endParaRPr lang="de-DE"/>
           </a:p>
@@ -681,7 +682,7 @@
           <a:p>
             <a:fld id="{BA6DBFC3-540E-6444-9571-9AC72F552CFB}" type="datetimeFigureOut">
               <a:rPr lang="de-DE" smtClean="0"/>
-              <a:t>08.02.25</a:t>
+              <a:t>10.02.25</a:t>
             </a:fld>
             <a:endParaRPr lang="de-DE"/>
           </a:p>
@@ -879,7 +880,7 @@
           <a:p>
             <a:fld id="{BA6DBFC3-540E-6444-9571-9AC72F552CFB}" type="datetimeFigureOut">
               <a:rPr lang="de-DE" smtClean="0"/>
-              <a:t>08.02.25</a:t>
+              <a:t>10.02.25</a:t>
             </a:fld>
             <a:endParaRPr lang="de-DE"/>
           </a:p>
@@ -1154,7 +1155,7 @@
           <a:p>
             <a:fld id="{BA6DBFC3-540E-6444-9571-9AC72F552CFB}" type="datetimeFigureOut">
               <a:rPr lang="de-DE" smtClean="0"/>
-              <a:t>08.02.25</a:t>
+              <a:t>10.02.25</a:t>
             </a:fld>
             <a:endParaRPr lang="de-DE"/>
           </a:p>
@@ -1419,7 +1420,7 @@
           <a:p>
             <a:fld id="{BA6DBFC3-540E-6444-9571-9AC72F552CFB}" type="datetimeFigureOut">
               <a:rPr lang="de-DE" smtClean="0"/>
-              <a:t>08.02.25</a:t>
+              <a:t>10.02.25</a:t>
             </a:fld>
             <a:endParaRPr lang="de-DE"/>
           </a:p>
@@ -1831,7 +1832,7 @@
           <a:p>
             <a:fld id="{BA6DBFC3-540E-6444-9571-9AC72F552CFB}" type="datetimeFigureOut">
               <a:rPr lang="de-DE" smtClean="0"/>
-              <a:t>08.02.25</a:t>
+              <a:t>10.02.25</a:t>
             </a:fld>
             <a:endParaRPr lang="de-DE"/>
           </a:p>
@@ -1972,7 +1973,7 @@
           <a:p>
             <a:fld id="{BA6DBFC3-540E-6444-9571-9AC72F552CFB}" type="datetimeFigureOut">
               <a:rPr lang="de-DE" smtClean="0"/>
-              <a:t>08.02.25</a:t>
+              <a:t>10.02.25</a:t>
             </a:fld>
             <a:endParaRPr lang="de-DE"/>
           </a:p>
@@ -2085,7 +2086,7 @@
           <a:p>
             <a:fld id="{BA6DBFC3-540E-6444-9571-9AC72F552CFB}" type="datetimeFigureOut">
               <a:rPr lang="de-DE" smtClean="0"/>
-              <a:t>08.02.25</a:t>
+              <a:t>10.02.25</a:t>
             </a:fld>
             <a:endParaRPr lang="de-DE"/>
           </a:p>
@@ -2396,7 +2397,7 @@
           <a:p>
             <a:fld id="{BA6DBFC3-540E-6444-9571-9AC72F552CFB}" type="datetimeFigureOut">
               <a:rPr lang="de-DE" smtClean="0"/>
-              <a:t>08.02.25</a:t>
+              <a:t>10.02.25</a:t>
             </a:fld>
             <a:endParaRPr lang="de-DE"/>
           </a:p>
@@ -2684,7 +2685,7 @@
           <a:p>
             <a:fld id="{BA6DBFC3-540E-6444-9571-9AC72F552CFB}" type="datetimeFigureOut">
               <a:rPr lang="de-DE" smtClean="0"/>
-              <a:t>08.02.25</a:t>
+              <a:t>10.02.25</a:t>
             </a:fld>
             <a:endParaRPr lang="de-DE"/>
           </a:p>
@@ -2925,7 +2926,7 @@
           <a:p>
             <a:fld id="{BA6DBFC3-540E-6444-9571-9AC72F552CFB}" type="datetimeFigureOut">
               <a:rPr lang="de-DE" smtClean="0"/>
-              <a:t>08.02.25</a:t>
+              <a:t>10.02.25</a:t>
             </a:fld>
             <a:endParaRPr lang="de-DE"/>
           </a:p>
@@ -9935,6 +9936,1372 @@
   <p:cSld>
     <p:spTree>
       <p:nvGrpSpPr>
+        <p:cNvPr id="1" name=""/>
+        <p:cNvGrpSpPr/>
+        <p:nvPr/>
+      </p:nvGrpSpPr>
+      <p:grpSpPr>
+        <a:xfrm>
+          <a:off x="0" y="0"/>
+          <a:ext cx="0" cy="0"/>
+          <a:chOff x="0" y="0"/>
+          <a:chExt cx="0" cy="0"/>
+        </a:xfrm>
+      </p:grpSpPr>
+      <p:sp>
+        <p:nvSpPr>
+          <p:cNvPr id="4" name="Rechteck 3">
+            <a:extLst>
+              <a:ext uri="{FF2B5EF4-FFF2-40B4-BE49-F238E27FC236}">
+                <a16:creationId xmlns:a16="http://schemas.microsoft.com/office/drawing/2014/main" id="{C7D879C1-02E2-090B-2D22-144C7E2CE238}"/>
+              </a:ext>
+            </a:extLst>
+          </p:cNvPr>
+          <p:cNvSpPr/>
+          <p:nvPr/>
+        </p:nvSpPr>
+        <p:spPr>
+          <a:xfrm>
+            <a:off x="297712" y="148857"/>
+            <a:ext cx="11812772" cy="5978304"/>
+          </a:xfrm>
+          <a:prstGeom prst="rect">
+            <a:avLst/>
+          </a:prstGeom>
+          <a:solidFill>
+            <a:schemeClr val="bg1"/>
+          </a:solidFill>
+        </p:spPr>
+        <p:style>
+          <a:lnRef idx="2">
+            <a:schemeClr val="accent1">
+              <a:shade val="15000"/>
+            </a:schemeClr>
+          </a:lnRef>
+          <a:fillRef idx="1">
+            <a:schemeClr val="accent1"/>
+          </a:fillRef>
+          <a:effectRef idx="0">
+            <a:schemeClr val="accent1"/>
+          </a:effectRef>
+          <a:fontRef idx="minor">
+            <a:schemeClr val="lt1"/>
+          </a:fontRef>
+        </p:style>
+        <p:txBody>
+          <a:bodyPr rtlCol="0" anchor="t"/>
+          <a:lstStyle/>
+          <a:p>
+            <a:pPr algn="ctr"/>
+            <a:r>
+              <a:rPr lang="de-DE" dirty="0" err="1">
+                <a:solidFill>
+                  <a:sysClr val="windowText" lastClr="000000"/>
+                </a:solidFill>
+              </a:rPr>
+              <a:t>MLOps</a:t>
+            </a:r>
+            <a:endParaRPr lang="de-DE" dirty="0">
+              <a:solidFill>
+                <a:sysClr val="windowText" lastClr="000000"/>
+              </a:solidFill>
+            </a:endParaRPr>
+          </a:p>
+        </p:txBody>
+      </p:sp>
+      <p:sp>
+        <p:nvSpPr>
+          <p:cNvPr id="11" name="Rechteck 10">
+            <a:extLst>
+              <a:ext uri="{FF2B5EF4-FFF2-40B4-BE49-F238E27FC236}">
+                <a16:creationId xmlns:a16="http://schemas.microsoft.com/office/drawing/2014/main" id="{FE872F87-F242-9381-E937-B7DD9664CF31}"/>
+              </a:ext>
+            </a:extLst>
+          </p:cNvPr>
+          <p:cNvSpPr/>
+          <p:nvPr/>
+        </p:nvSpPr>
+        <p:spPr>
+          <a:xfrm>
+            <a:off x="400569" y="1743546"/>
+            <a:ext cx="3939296" cy="1307805"/>
+          </a:xfrm>
+          <a:prstGeom prst="rect">
+            <a:avLst/>
+          </a:prstGeom>
+          <a:solidFill>
+            <a:schemeClr val="bg1"/>
+          </a:solidFill>
+        </p:spPr>
+        <p:style>
+          <a:lnRef idx="2">
+            <a:schemeClr val="accent1">
+              <a:shade val="15000"/>
+            </a:schemeClr>
+          </a:lnRef>
+          <a:fillRef idx="1">
+            <a:schemeClr val="accent1"/>
+          </a:fillRef>
+          <a:effectRef idx="0">
+            <a:schemeClr val="accent1"/>
+          </a:effectRef>
+          <a:fontRef idx="minor">
+            <a:schemeClr val="lt1"/>
+          </a:fontRef>
+        </p:style>
+        <p:txBody>
+          <a:bodyPr rtlCol="0" anchor="t"/>
+          <a:lstStyle/>
+          <a:p>
+            <a:pPr algn="ctr"/>
+            <a:r>
+              <a:rPr lang="de-DE" dirty="0">
+                <a:solidFill>
+                  <a:sysClr val="windowText" lastClr="000000"/>
+                </a:solidFill>
+              </a:rPr>
+              <a:t>Datenmanagement (Feature Pipeline)</a:t>
+            </a:r>
+          </a:p>
+        </p:txBody>
+      </p:sp>
+      <p:sp>
+        <p:nvSpPr>
+          <p:cNvPr id="2" name="Textfeld 1">
+            <a:extLst>
+              <a:ext uri="{FF2B5EF4-FFF2-40B4-BE49-F238E27FC236}">
+                <a16:creationId xmlns:a16="http://schemas.microsoft.com/office/drawing/2014/main" id="{786621BF-0E08-5A71-1488-F273F33277C0}"/>
+              </a:ext>
+            </a:extLst>
+          </p:cNvPr>
+          <p:cNvSpPr txBox="1"/>
+          <p:nvPr/>
+        </p:nvSpPr>
+        <p:spPr>
+          <a:xfrm>
+            <a:off x="10434468" y="6127161"/>
+            <a:ext cx="886909" cy="369332"/>
+          </a:xfrm>
+          <a:prstGeom prst="rect">
+            <a:avLst/>
+          </a:prstGeom>
+          <a:noFill/>
+        </p:spPr>
+        <p:txBody>
+          <a:bodyPr wrap="none" rtlCol="0">
+            <a:spAutoFit/>
+          </a:bodyPr>
+          <a:lstStyle/>
+          <a:p>
+            <a:r>
+              <a:rPr lang="de-DE" dirty="0" err="1"/>
+              <a:t>MLOps</a:t>
+            </a:r>
+            <a:endParaRPr lang="de-DE" dirty="0"/>
+          </a:p>
+        </p:txBody>
+      </p:sp>
+      <p:sp>
+        <p:nvSpPr>
+          <p:cNvPr id="3" name="Rechteck 2">
+            <a:extLst>
+              <a:ext uri="{FF2B5EF4-FFF2-40B4-BE49-F238E27FC236}">
+                <a16:creationId xmlns:a16="http://schemas.microsoft.com/office/drawing/2014/main" id="{498BF8E3-EEDD-9E1C-53E3-DBF7516E08F4}"/>
+              </a:ext>
+            </a:extLst>
+          </p:cNvPr>
+          <p:cNvSpPr/>
+          <p:nvPr/>
+        </p:nvSpPr>
+        <p:spPr>
+          <a:xfrm rot="5400000">
+            <a:off x="10535173" y="2870882"/>
+            <a:ext cx="1026732" cy="1951053"/>
+          </a:xfrm>
+          <a:prstGeom prst="rect">
+            <a:avLst/>
+          </a:prstGeom>
+        </p:spPr>
+        <p:style>
+          <a:lnRef idx="2">
+            <a:schemeClr val="accent1">
+              <a:shade val="15000"/>
+            </a:schemeClr>
+          </a:lnRef>
+          <a:fillRef idx="1">
+            <a:schemeClr val="accent1"/>
+          </a:fillRef>
+          <a:effectRef idx="0">
+            <a:schemeClr val="accent1"/>
+          </a:effectRef>
+          <a:fontRef idx="minor">
+            <a:schemeClr val="lt1"/>
+          </a:fontRef>
+        </p:style>
+        <p:txBody>
+          <a:bodyPr vert="vert270" rtlCol="0" anchor="ctr"/>
+          <a:lstStyle/>
+          <a:p>
+            <a:pPr algn="ctr"/>
+            <a:r>
+              <a:rPr lang="de-DE" dirty="0"/>
+              <a:t>Model Registry</a:t>
+            </a:r>
+          </a:p>
+        </p:txBody>
+      </p:sp>
+      <p:sp>
+        <p:nvSpPr>
+          <p:cNvPr id="5" name="Abgerundetes Rechteck 4">
+            <a:extLst>
+              <a:ext uri="{FF2B5EF4-FFF2-40B4-BE49-F238E27FC236}">
+                <a16:creationId xmlns:a16="http://schemas.microsoft.com/office/drawing/2014/main" id="{58AB3E34-C6DD-C8B7-771C-5197159372BF}"/>
+              </a:ext>
+            </a:extLst>
+          </p:cNvPr>
+          <p:cNvSpPr/>
+          <p:nvPr/>
+        </p:nvSpPr>
+        <p:spPr>
+          <a:xfrm>
+            <a:off x="630942" y="2104357"/>
+            <a:ext cx="1051764" cy="580171"/>
+          </a:xfrm>
+          <a:prstGeom prst="roundRect">
+            <a:avLst/>
+          </a:prstGeom>
+        </p:spPr>
+        <p:style>
+          <a:lnRef idx="2">
+            <a:schemeClr val="accent6"/>
+          </a:lnRef>
+          <a:fillRef idx="1">
+            <a:schemeClr val="lt1"/>
+          </a:fillRef>
+          <a:effectRef idx="0">
+            <a:schemeClr val="accent6"/>
+          </a:effectRef>
+          <a:fontRef idx="minor">
+            <a:schemeClr val="dk1"/>
+          </a:fontRef>
+        </p:style>
+        <p:txBody>
+          <a:bodyPr rtlCol="0" anchor="ctr"/>
+          <a:lstStyle/>
+          <a:p>
+            <a:pPr algn="ctr"/>
+            <a:r>
+              <a:rPr lang="de-DE" sz="1100" dirty="0"/>
+              <a:t>Data </a:t>
+            </a:r>
+            <a:r>
+              <a:rPr lang="de-DE" sz="1100" dirty="0" err="1"/>
+              <a:t>Extraction</a:t>
+            </a:r>
+            <a:endParaRPr lang="de-DE" sz="1100" dirty="0"/>
+          </a:p>
+        </p:txBody>
+      </p:sp>
+      <p:sp>
+        <p:nvSpPr>
+          <p:cNvPr id="6" name="Abgerundetes Rechteck 5">
+            <a:extLst>
+              <a:ext uri="{FF2B5EF4-FFF2-40B4-BE49-F238E27FC236}">
+                <a16:creationId xmlns:a16="http://schemas.microsoft.com/office/drawing/2014/main" id="{A41BBB47-5698-3B50-E17B-D0A6EA5DCA3A}"/>
+              </a:ext>
+            </a:extLst>
+          </p:cNvPr>
+          <p:cNvSpPr/>
+          <p:nvPr/>
+        </p:nvSpPr>
+        <p:spPr>
+          <a:xfrm>
+            <a:off x="1878507" y="2104356"/>
+            <a:ext cx="1051764" cy="580171"/>
+          </a:xfrm>
+          <a:prstGeom prst="roundRect">
+            <a:avLst/>
+          </a:prstGeom>
+        </p:spPr>
+        <p:style>
+          <a:lnRef idx="2">
+            <a:schemeClr val="accent6"/>
+          </a:lnRef>
+          <a:fillRef idx="1">
+            <a:schemeClr val="lt1"/>
+          </a:fillRef>
+          <a:effectRef idx="0">
+            <a:schemeClr val="accent6"/>
+          </a:effectRef>
+          <a:fontRef idx="minor">
+            <a:schemeClr val="dk1"/>
+          </a:fontRef>
+        </p:style>
+        <p:txBody>
+          <a:bodyPr rtlCol="0" anchor="ctr"/>
+          <a:lstStyle/>
+          <a:p>
+            <a:pPr algn="ctr"/>
+            <a:r>
+              <a:rPr lang="de-DE" sz="1100" dirty="0"/>
+              <a:t>Data Validation</a:t>
+            </a:r>
+          </a:p>
+        </p:txBody>
+      </p:sp>
+      <p:sp>
+        <p:nvSpPr>
+          <p:cNvPr id="7" name="Abgerundetes Rechteck 6">
+            <a:extLst>
+              <a:ext uri="{FF2B5EF4-FFF2-40B4-BE49-F238E27FC236}">
+                <a16:creationId xmlns:a16="http://schemas.microsoft.com/office/drawing/2014/main" id="{D15F0F84-73F5-6FC9-FD04-6484786CB686}"/>
+              </a:ext>
+            </a:extLst>
+          </p:cNvPr>
+          <p:cNvSpPr/>
+          <p:nvPr/>
+        </p:nvSpPr>
+        <p:spPr>
+          <a:xfrm>
+            <a:off x="3109186" y="2104355"/>
+            <a:ext cx="1051764" cy="580171"/>
+          </a:xfrm>
+          <a:prstGeom prst="roundRect">
+            <a:avLst/>
+          </a:prstGeom>
+        </p:spPr>
+        <p:style>
+          <a:lnRef idx="2">
+            <a:schemeClr val="accent6"/>
+          </a:lnRef>
+          <a:fillRef idx="1">
+            <a:schemeClr val="lt1"/>
+          </a:fillRef>
+          <a:effectRef idx="0">
+            <a:schemeClr val="accent6"/>
+          </a:effectRef>
+          <a:fontRef idx="minor">
+            <a:schemeClr val="dk1"/>
+          </a:fontRef>
+        </p:style>
+        <p:txBody>
+          <a:bodyPr rtlCol="0" anchor="ctr"/>
+          <a:lstStyle/>
+          <a:p>
+            <a:pPr algn="ctr"/>
+            <a:r>
+              <a:rPr lang="de-DE" sz="1100" dirty="0"/>
+              <a:t>Data </a:t>
+            </a:r>
+            <a:r>
+              <a:rPr lang="de-DE" sz="1100" dirty="0" err="1"/>
+              <a:t>Preparation</a:t>
+            </a:r>
+            <a:endParaRPr lang="de-DE" sz="1100" dirty="0"/>
+          </a:p>
+        </p:txBody>
+      </p:sp>
+      <p:sp>
+        <p:nvSpPr>
+          <p:cNvPr id="12" name="Abgerundetes Rechteck 11">
+            <a:extLst>
+              <a:ext uri="{FF2B5EF4-FFF2-40B4-BE49-F238E27FC236}">
+                <a16:creationId xmlns:a16="http://schemas.microsoft.com/office/drawing/2014/main" id="{C079B07C-3A87-7F62-4DA7-3ACB02714F08}"/>
+              </a:ext>
+            </a:extLst>
+          </p:cNvPr>
+          <p:cNvSpPr/>
+          <p:nvPr/>
+        </p:nvSpPr>
+        <p:spPr>
+          <a:xfrm>
+            <a:off x="400569" y="1123617"/>
+            <a:ext cx="1051764" cy="580171"/>
+          </a:xfrm>
+          <a:prstGeom prst="roundRect">
+            <a:avLst/>
+          </a:prstGeom>
+          <a:solidFill>
+            <a:schemeClr val="accent3">
+              <a:lumMod val="60000"/>
+              <a:lumOff val="40000"/>
+            </a:schemeClr>
+          </a:solidFill>
+        </p:spPr>
+        <p:style>
+          <a:lnRef idx="2">
+            <a:schemeClr val="accent6"/>
+          </a:lnRef>
+          <a:fillRef idx="1">
+            <a:schemeClr val="lt1"/>
+          </a:fillRef>
+          <a:effectRef idx="0">
+            <a:schemeClr val="accent6"/>
+          </a:effectRef>
+          <a:fontRef idx="minor">
+            <a:schemeClr val="dk1"/>
+          </a:fontRef>
+        </p:style>
+        <p:txBody>
+          <a:bodyPr rtlCol="0" anchor="ctr"/>
+          <a:lstStyle/>
+          <a:p>
+            <a:pPr algn="ctr"/>
+            <a:r>
+              <a:rPr lang="de-DE" sz="1200" dirty="0"/>
+              <a:t>Data Analysis</a:t>
+            </a:r>
+          </a:p>
+        </p:txBody>
+      </p:sp>
+      <p:sp>
+        <p:nvSpPr>
+          <p:cNvPr id="13" name="Abgerundetes Rechteck 12">
+            <a:extLst>
+              <a:ext uri="{FF2B5EF4-FFF2-40B4-BE49-F238E27FC236}">
+                <a16:creationId xmlns:a16="http://schemas.microsoft.com/office/drawing/2014/main" id="{BBF8F91C-F025-3BA6-1E1A-06D461D01242}"/>
+              </a:ext>
+            </a:extLst>
+          </p:cNvPr>
+          <p:cNvSpPr/>
+          <p:nvPr/>
+        </p:nvSpPr>
+        <p:spPr>
+          <a:xfrm>
+            <a:off x="6374197" y="1059242"/>
+            <a:ext cx="1051764" cy="580171"/>
+          </a:xfrm>
+          <a:prstGeom prst="roundRect">
+            <a:avLst/>
+          </a:prstGeom>
+          <a:solidFill>
+            <a:schemeClr val="accent3">
+              <a:lumMod val="60000"/>
+              <a:lumOff val="40000"/>
+            </a:schemeClr>
+          </a:solidFill>
+        </p:spPr>
+        <p:style>
+          <a:lnRef idx="2">
+            <a:schemeClr val="accent6"/>
+          </a:lnRef>
+          <a:fillRef idx="1">
+            <a:schemeClr val="lt1"/>
+          </a:fillRef>
+          <a:effectRef idx="0">
+            <a:schemeClr val="accent6"/>
+          </a:effectRef>
+          <a:fontRef idx="minor">
+            <a:schemeClr val="dk1"/>
+          </a:fontRef>
+        </p:style>
+        <p:txBody>
+          <a:bodyPr rtlCol="0" anchor="ctr"/>
+          <a:lstStyle/>
+          <a:p>
+            <a:pPr algn="ctr"/>
+            <a:r>
+              <a:rPr lang="de-DE" sz="1200" dirty="0"/>
+              <a:t>Model Analysis</a:t>
+            </a:r>
+          </a:p>
+        </p:txBody>
+      </p:sp>
+      <p:sp>
+        <p:nvSpPr>
+          <p:cNvPr id="14" name="Rechteck 13">
+            <a:extLst>
+              <a:ext uri="{FF2B5EF4-FFF2-40B4-BE49-F238E27FC236}">
+                <a16:creationId xmlns:a16="http://schemas.microsoft.com/office/drawing/2014/main" id="{CFB6E944-0C5D-B923-C845-D7559F9B08F3}"/>
+              </a:ext>
+            </a:extLst>
+          </p:cNvPr>
+          <p:cNvSpPr/>
+          <p:nvPr/>
+        </p:nvSpPr>
+        <p:spPr>
+          <a:xfrm rot="5400000">
+            <a:off x="4885304" y="2858058"/>
+            <a:ext cx="1026732" cy="1951054"/>
+          </a:xfrm>
+          <a:prstGeom prst="rect">
+            <a:avLst/>
+          </a:prstGeom>
+        </p:spPr>
+        <p:style>
+          <a:lnRef idx="2">
+            <a:schemeClr val="accent1">
+              <a:shade val="15000"/>
+            </a:schemeClr>
+          </a:lnRef>
+          <a:fillRef idx="1">
+            <a:schemeClr val="accent1"/>
+          </a:fillRef>
+          <a:effectRef idx="0">
+            <a:schemeClr val="accent1"/>
+          </a:effectRef>
+          <a:fontRef idx="minor">
+            <a:schemeClr val="lt1"/>
+          </a:fontRef>
+        </p:style>
+        <p:txBody>
+          <a:bodyPr vert="vert270" rtlCol="0" anchor="ctr"/>
+          <a:lstStyle/>
+          <a:p>
+            <a:pPr algn="ctr"/>
+            <a:r>
+              <a:rPr lang="de-DE" dirty="0"/>
+              <a:t>Feature Store</a:t>
+            </a:r>
+          </a:p>
+        </p:txBody>
+      </p:sp>
+      <p:cxnSp>
+        <p:nvCxnSpPr>
+          <p:cNvPr id="16" name="Gewinkelte Verbindung 15">
+            <a:extLst>
+              <a:ext uri="{FF2B5EF4-FFF2-40B4-BE49-F238E27FC236}">
+                <a16:creationId xmlns:a16="http://schemas.microsoft.com/office/drawing/2014/main" id="{438414B3-74AA-7FC5-D766-B55287CBD4B8}"/>
+              </a:ext>
+            </a:extLst>
+          </p:cNvPr>
+          <p:cNvCxnSpPr>
+            <a:stCxn id="11" idx="3"/>
+          </p:cNvCxnSpPr>
+          <p:nvPr/>
+        </p:nvCxnSpPr>
+        <p:spPr>
+          <a:xfrm>
+            <a:off x="4339865" y="2397449"/>
+            <a:ext cx="657437" cy="922769"/>
+          </a:xfrm>
+          <a:prstGeom prst="bentConnector2">
+            <a:avLst/>
+          </a:prstGeom>
+          <a:ln>
+            <a:tailEnd type="triangle"/>
+          </a:ln>
+        </p:spPr>
+        <p:style>
+          <a:lnRef idx="2">
+            <a:schemeClr val="accent1"/>
+          </a:lnRef>
+          <a:fillRef idx="0">
+            <a:schemeClr val="accent1"/>
+          </a:fillRef>
+          <a:effectRef idx="1">
+            <a:schemeClr val="accent1"/>
+          </a:effectRef>
+          <a:fontRef idx="minor">
+            <a:schemeClr val="tx1"/>
+          </a:fontRef>
+        </p:style>
+      </p:cxnSp>
+      <p:sp>
+        <p:nvSpPr>
+          <p:cNvPr id="17" name="Textfeld 16">
+            <a:extLst>
+              <a:ext uri="{FF2B5EF4-FFF2-40B4-BE49-F238E27FC236}">
+                <a16:creationId xmlns:a16="http://schemas.microsoft.com/office/drawing/2014/main" id="{0CC0172C-8B46-4400-DB4D-FC5D48666156}"/>
+              </a:ext>
+            </a:extLst>
+          </p:cNvPr>
+          <p:cNvSpPr txBox="1"/>
+          <p:nvPr/>
+        </p:nvSpPr>
+        <p:spPr>
+          <a:xfrm>
+            <a:off x="4296264" y="2453693"/>
+            <a:ext cx="799642" cy="461665"/>
+          </a:xfrm>
+          <a:prstGeom prst="rect">
+            <a:avLst/>
+          </a:prstGeom>
+          <a:noFill/>
+        </p:spPr>
+        <p:txBody>
+          <a:bodyPr wrap="none" rtlCol="0">
+            <a:spAutoFit/>
+          </a:bodyPr>
+          <a:lstStyle/>
+          <a:p>
+            <a:r>
+              <a:rPr lang="de-DE" sz="1200" dirty="0"/>
+              <a:t>Features </a:t>
+            </a:r>
+          </a:p>
+          <a:p>
+            <a:r>
+              <a:rPr lang="de-DE" sz="1200" dirty="0"/>
+              <a:t>&amp; Labels</a:t>
+            </a:r>
+          </a:p>
+        </p:txBody>
+      </p:sp>
+      <p:sp>
+        <p:nvSpPr>
+          <p:cNvPr id="18" name="Rechteck 17">
+            <a:extLst>
+              <a:ext uri="{FF2B5EF4-FFF2-40B4-BE49-F238E27FC236}">
+                <a16:creationId xmlns:a16="http://schemas.microsoft.com/office/drawing/2014/main" id="{D88D8572-54A5-508E-9E43-33878E45C005}"/>
+              </a:ext>
+            </a:extLst>
+          </p:cNvPr>
+          <p:cNvSpPr/>
+          <p:nvPr/>
+        </p:nvSpPr>
+        <p:spPr>
+          <a:xfrm>
+            <a:off x="6374197" y="1703788"/>
+            <a:ext cx="3939296" cy="1307805"/>
+          </a:xfrm>
+          <a:prstGeom prst="rect">
+            <a:avLst/>
+          </a:prstGeom>
+          <a:solidFill>
+            <a:schemeClr val="bg1"/>
+          </a:solidFill>
+        </p:spPr>
+        <p:style>
+          <a:lnRef idx="2">
+            <a:schemeClr val="accent1">
+              <a:shade val="15000"/>
+            </a:schemeClr>
+          </a:lnRef>
+          <a:fillRef idx="1">
+            <a:schemeClr val="accent1"/>
+          </a:fillRef>
+          <a:effectRef idx="0">
+            <a:schemeClr val="accent1"/>
+          </a:effectRef>
+          <a:fontRef idx="minor">
+            <a:schemeClr val="lt1"/>
+          </a:fontRef>
+        </p:style>
+        <p:txBody>
+          <a:bodyPr rtlCol="0" anchor="t"/>
+          <a:lstStyle/>
+          <a:p>
+            <a:pPr algn="ctr"/>
+            <a:r>
+              <a:rPr lang="de-DE" dirty="0">
+                <a:solidFill>
+                  <a:sysClr val="windowText" lastClr="000000"/>
+                </a:solidFill>
+              </a:rPr>
+              <a:t>Modelltraining (Training Pipeline)</a:t>
+            </a:r>
+          </a:p>
+        </p:txBody>
+      </p:sp>
+      <p:sp>
+        <p:nvSpPr>
+          <p:cNvPr id="19" name="Abgerundetes Rechteck 18">
+            <a:extLst>
+              <a:ext uri="{FF2B5EF4-FFF2-40B4-BE49-F238E27FC236}">
+                <a16:creationId xmlns:a16="http://schemas.microsoft.com/office/drawing/2014/main" id="{99D53EBB-6A00-CD6A-628A-85711915FD21}"/>
+              </a:ext>
+            </a:extLst>
+          </p:cNvPr>
+          <p:cNvSpPr/>
+          <p:nvPr/>
+        </p:nvSpPr>
+        <p:spPr>
+          <a:xfrm>
+            <a:off x="6604356" y="2147242"/>
+            <a:ext cx="1051764" cy="580171"/>
+          </a:xfrm>
+          <a:prstGeom prst="roundRect">
+            <a:avLst/>
+          </a:prstGeom>
+        </p:spPr>
+        <p:style>
+          <a:lnRef idx="2">
+            <a:schemeClr val="accent6"/>
+          </a:lnRef>
+          <a:fillRef idx="1">
+            <a:schemeClr val="lt1"/>
+          </a:fillRef>
+          <a:effectRef idx="0">
+            <a:schemeClr val="accent6"/>
+          </a:effectRef>
+          <a:fontRef idx="minor">
+            <a:schemeClr val="dk1"/>
+          </a:fontRef>
+        </p:style>
+        <p:txBody>
+          <a:bodyPr rtlCol="0" anchor="ctr"/>
+          <a:lstStyle/>
+          <a:p>
+            <a:pPr algn="ctr"/>
+            <a:r>
+              <a:rPr lang="de-DE" sz="1100" dirty="0"/>
+              <a:t>Model Training</a:t>
+            </a:r>
+          </a:p>
+        </p:txBody>
+      </p:sp>
+      <p:sp>
+        <p:nvSpPr>
+          <p:cNvPr id="20" name="Abgerundetes Rechteck 19">
+            <a:extLst>
+              <a:ext uri="{FF2B5EF4-FFF2-40B4-BE49-F238E27FC236}">
+                <a16:creationId xmlns:a16="http://schemas.microsoft.com/office/drawing/2014/main" id="{977B4CBE-1481-B90B-E80E-FA0C2F307328}"/>
+              </a:ext>
+            </a:extLst>
+          </p:cNvPr>
+          <p:cNvSpPr/>
+          <p:nvPr/>
+        </p:nvSpPr>
+        <p:spPr>
+          <a:xfrm>
+            <a:off x="7827791" y="2147241"/>
+            <a:ext cx="1051764" cy="580171"/>
+          </a:xfrm>
+          <a:prstGeom prst="roundRect">
+            <a:avLst/>
+          </a:prstGeom>
+        </p:spPr>
+        <p:style>
+          <a:lnRef idx="2">
+            <a:schemeClr val="accent6"/>
+          </a:lnRef>
+          <a:fillRef idx="1">
+            <a:schemeClr val="lt1"/>
+          </a:fillRef>
+          <a:effectRef idx="0">
+            <a:schemeClr val="accent6"/>
+          </a:effectRef>
+          <a:fontRef idx="minor">
+            <a:schemeClr val="dk1"/>
+          </a:fontRef>
+        </p:style>
+        <p:txBody>
+          <a:bodyPr rtlCol="0" anchor="ctr"/>
+          <a:lstStyle/>
+          <a:p>
+            <a:pPr algn="ctr"/>
+            <a:r>
+              <a:rPr lang="de-DE" sz="1100" dirty="0"/>
+              <a:t>Model Evaluation</a:t>
+            </a:r>
+          </a:p>
+        </p:txBody>
+      </p:sp>
+      <p:sp>
+        <p:nvSpPr>
+          <p:cNvPr id="21" name="Abgerundetes Rechteck 20">
+            <a:extLst>
+              <a:ext uri="{FF2B5EF4-FFF2-40B4-BE49-F238E27FC236}">
+                <a16:creationId xmlns:a16="http://schemas.microsoft.com/office/drawing/2014/main" id="{E8991386-B561-72B3-5D32-C720CEB2E531}"/>
+              </a:ext>
+            </a:extLst>
+          </p:cNvPr>
+          <p:cNvSpPr/>
+          <p:nvPr/>
+        </p:nvSpPr>
+        <p:spPr>
+          <a:xfrm>
+            <a:off x="9058470" y="2147240"/>
+            <a:ext cx="1051764" cy="580171"/>
+          </a:xfrm>
+          <a:prstGeom prst="roundRect">
+            <a:avLst/>
+          </a:prstGeom>
+        </p:spPr>
+        <p:style>
+          <a:lnRef idx="2">
+            <a:schemeClr val="accent6"/>
+          </a:lnRef>
+          <a:fillRef idx="1">
+            <a:schemeClr val="lt1"/>
+          </a:fillRef>
+          <a:effectRef idx="0">
+            <a:schemeClr val="accent6"/>
+          </a:effectRef>
+          <a:fontRef idx="minor">
+            <a:schemeClr val="dk1"/>
+          </a:fontRef>
+        </p:style>
+        <p:txBody>
+          <a:bodyPr rtlCol="0" anchor="ctr"/>
+          <a:lstStyle/>
+          <a:p>
+            <a:pPr algn="ctr"/>
+            <a:r>
+              <a:rPr lang="de-DE" sz="1100" dirty="0"/>
+              <a:t>Model Validation</a:t>
+            </a:r>
+          </a:p>
+        </p:txBody>
+      </p:sp>
+      <p:cxnSp>
+        <p:nvCxnSpPr>
+          <p:cNvPr id="23" name="Gewinkelte Verbindung 22">
+            <a:extLst>
+              <a:ext uri="{FF2B5EF4-FFF2-40B4-BE49-F238E27FC236}">
+                <a16:creationId xmlns:a16="http://schemas.microsoft.com/office/drawing/2014/main" id="{B2A5BEAD-BA94-15E0-8B50-1DBF4EFF42B0}"/>
+              </a:ext>
+            </a:extLst>
+          </p:cNvPr>
+          <p:cNvCxnSpPr>
+            <a:cxnSpLocks/>
+            <a:endCxn id="18" idx="1"/>
+          </p:cNvCxnSpPr>
+          <p:nvPr/>
+        </p:nvCxnSpPr>
+        <p:spPr>
+          <a:xfrm rot="5400000" flipH="1" flipV="1">
+            <a:off x="5518868" y="2477714"/>
+            <a:ext cx="975351" cy="735307"/>
+          </a:xfrm>
+          <a:prstGeom prst="bentConnector2">
+            <a:avLst/>
+          </a:prstGeom>
+          <a:ln>
+            <a:tailEnd type="triangle"/>
+          </a:ln>
+        </p:spPr>
+        <p:style>
+          <a:lnRef idx="2">
+            <a:schemeClr val="accent1"/>
+          </a:lnRef>
+          <a:fillRef idx="0">
+            <a:schemeClr val="accent1"/>
+          </a:fillRef>
+          <a:effectRef idx="1">
+            <a:schemeClr val="accent1"/>
+          </a:effectRef>
+          <a:fontRef idx="minor">
+            <a:schemeClr val="tx1"/>
+          </a:fontRef>
+        </p:style>
+      </p:cxnSp>
+      <p:sp>
+        <p:nvSpPr>
+          <p:cNvPr id="26" name="Textfeld 25">
+            <a:extLst>
+              <a:ext uri="{FF2B5EF4-FFF2-40B4-BE49-F238E27FC236}">
+                <a16:creationId xmlns:a16="http://schemas.microsoft.com/office/drawing/2014/main" id="{E4D7A2F8-679E-8E71-A5BB-9CE65331522F}"/>
+              </a:ext>
+            </a:extLst>
+          </p:cNvPr>
+          <p:cNvSpPr txBox="1"/>
+          <p:nvPr/>
+        </p:nvSpPr>
+        <p:spPr>
+          <a:xfrm>
+            <a:off x="5616575" y="2397168"/>
+            <a:ext cx="799642" cy="461665"/>
+          </a:xfrm>
+          <a:prstGeom prst="rect">
+            <a:avLst/>
+          </a:prstGeom>
+          <a:noFill/>
+        </p:spPr>
+        <p:txBody>
+          <a:bodyPr wrap="none" rtlCol="0">
+            <a:spAutoFit/>
+          </a:bodyPr>
+          <a:lstStyle/>
+          <a:p>
+            <a:r>
+              <a:rPr lang="de-DE" sz="1200" dirty="0"/>
+              <a:t>Features </a:t>
+            </a:r>
+          </a:p>
+          <a:p>
+            <a:r>
+              <a:rPr lang="de-DE" sz="1200" dirty="0"/>
+              <a:t>&amp; Labels</a:t>
+            </a:r>
+          </a:p>
+        </p:txBody>
+      </p:sp>
+      <p:cxnSp>
+        <p:nvCxnSpPr>
+          <p:cNvPr id="28" name="Gewinkelte Verbindung 27">
+            <a:extLst>
+              <a:ext uri="{FF2B5EF4-FFF2-40B4-BE49-F238E27FC236}">
+                <a16:creationId xmlns:a16="http://schemas.microsoft.com/office/drawing/2014/main" id="{4FFF38E6-C7F0-7786-AC70-2C52A0243FFF}"/>
+              </a:ext>
+            </a:extLst>
+          </p:cNvPr>
+          <p:cNvCxnSpPr>
+            <a:cxnSpLocks/>
+            <a:stCxn id="18" idx="3"/>
+            <a:endCxn id="3" idx="1"/>
+          </p:cNvCxnSpPr>
+          <p:nvPr/>
+        </p:nvCxnSpPr>
+        <p:spPr>
+          <a:xfrm>
+            <a:off x="10313493" y="2357691"/>
+            <a:ext cx="735046" cy="975352"/>
+          </a:xfrm>
+          <a:prstGeom prst="bentConnector2">
+            <a:avLst/>
+          </a:prstGeom>
+          <a:ln>
+            <a:tailEnd type="triangle"/>
+          </a:ln>
+        </p:spPr>
+        <p:style>
+          <a:lnRef idx="2">
+            <a:schemeClr val="accent1"/>
+          </a:lnRef>
+          <a:fillRef idx="0">
+            <a:schemeClr val="accent1"/>
+          </a:fillRef>
+          <a:effectRef idx="1">
+            <a:schemeClr val="accent1"/>
+          </a:effectRef>
+          <a:fontRef idx="minor">
+            <a:schemeClr val="tx1"/>
+          </a:fontRef>
+        </p:style>
+      </p:cxnSp>
+      <p:sp>
+        <p:nvSpPr>
+          <p:cNvPr id="30" name="Textfeld 29">
+            <a:extLst>
+              <a:ext uri="{FF2B5EF4-FFF2-40B4-BE49-F238E27FC236}">
+                <a16:creationId xmlns:a16="http://schemas.microsoft.com/office/drawing/2014/main" id="{7A88D6D9-3042-2F6D-E445-4F58BF641A3A}"/>
+              </a:ext>
+            </a:extLst>
+          </p:cNvPr>
+          <p:cNvSpPr txBox="1"/>
+          <p:nvPr/>
+        </p:nvSpPr>
+        <p:spPr>
+          <a:xfrm>
+            <a:off x="10333149" y="2357690"/>
+            <a:ext cx="599844" cy="276999"/>
+          </a:xfrm>
+          <a:prstGeom prst="rect">
+            <a:avLst/>
+          </a:prstGeom>
+          <a:noFill/>
+        </p:spPr>
+        <p:txBody>
+          <a:bodyPr wrap="none" rtlCol="0">
+            <a:spAutoFit/>
+          </a:bodyPr>
+          <a:lstStyle/>
+          <a:p>
+            <a:r>
+              <a:rPr lang="de-DE" sz="1200" dirty="0"/>
+              <a:t>Model</a:t>
+            </a:r>
+          </a:p>
+        </p:txBody>
+      </p:sp>
+      <p:sp>
+        <p:nvSpPr>
+          <p:cNvPr id="31" name="Rechteck 30">
+            <a:extLst>
+              <a:ext uri="{FF2B5EF4-FFF2-40B4-BE49-F238E27FC236}">
+                <a16:creationId xmlns:a16="http://schemas.microsoft.com/office/drawing/2014/main" id="{885BEDC1-657B-FC8D-091D-2BC85F2E50F6}"/>
+              </a:ext>
+            </a:extLst>
+          </p:cNvPr>
+          <p:cNvSpPr/>
+          <p:nvPr/>
+        </p:nvSpPr>
+        <p:spPr>
+          <a:xfrm>
+            <a:off x="6374197" y="4500309"/>
+            <a:ext cx="3939296" cy="1307805"/>
+          </a:xfrm>
+          <a:prstGeom prst="rect">
+            <a:avLst/>
+          </a:prstGeom>
+          <a:solidFill>
+            <a:schemeClr val="bg1"/>
+          </a:solidFill>
+        </p:spPr>
+        <p:style>
+          <a:lnRef idx="2">
+            <a:schemeClr val="accent1">
+              <a:shade val="15000"/>
+            </a:schemeClr>
+          </a:lnRef>
+          <a:fillRef idx="1">
+            <a:schemeClr val="accent1"/>
+          </a:fillRef>
+          <a:effectRef idx="0">
+            <a:schemeClr val="accent1"/>
+          </a:effectRef>
+          <a:fontRef idx="minor">
+            <a:schemeClr val="lt1"/>
+          </a:fontRef>
+        </p:style>
+        <p:txBody>
+          <a:bodyPr rtlCol="0" anchor="t"/>
+          <a:lstStyle/>
+          <a:p>
+            <a:pPr algn="ctr"/>
+            <a:r>
+              <a:rPr lang="de-DE" dirty="0">
+                <a:solidFill>
+                  <a:sysClr val="windowText" lastClr="000000"/>
+                </a:solidFill>
+              </a:rPr>
+              <a:t>Modellbereitstellung (</a:t>
+            </a:r>
+            <a:r>
+              <a:rPr lang="de-DE" dirty="0" err="1">
+                <a:solidFill>
+                  <a:sysClr val="windowText" lastClr="000000"/>
+                </a:solidFill>
+              </a:rPr>
+              <a:t>Inference</a:t>
+            </a:r>
+            <a:r>
+              <a:rPr lang="de-DE" dirty="0">
+                <a:solidFill>
+                  <a:sysClr val="windowText" lastClr="000000"/>
+                </a:solidFill>
+              </a:rPr>
+              <a:t>)</a:t>
+            </a:r>
+          </a:p>
+        </p:txBody>
+      </p:sp>
+      <p:cxnSp>
+        <p:nvCxnSpPr>
+          <p:cNvPr id="33" name="Gewinkelte Verbindung 32">
+            <a:extLst>
+              <a:ext uri="{FF2B5EF4-FFF2-40B4-BE49-F238E27FC236}">
+                <a16:creationId xmlns:a16="http://schemas.microsoft.com/office/drawing/2014/main" id="{411FCD52-594A-F2B1-BB57-C33C3E509A69}"/>
+              </a:ext>
+            </a:extLst>
+          </p:cNvPr>
+          <p:cNvCxnSpPr>
+            <a:stCxn id="3" idx="3"/>
+            <a:endCxn id="31" idx="3"/>
+          </p:cNvCxnSpPr>
+          <p:nvPr/>
+        </p:nvCxnSpPr>
+        <p:spPr>
+          <a:xfrm rot="5400000">
+            <a:off x="10283798" y="4389470"/>
+            <a:ext cx="794437" cy="735046"/>
+          </a:xfrm>
+          <a:prstGeom prst="bentConnector2">
+            <a:avLst/>
+          </a:prstGeom>
+          <a:ln>
+            <a:tailEnd type="triangle"/>
+          </a:ln>
+        </p:spPr>
+        <p:style>
+          <a:lnRef idx="2">
+            <a:schemeClr val="accent1"/>
+          </a:lnRef>
+          <a:fillRef idx="0">
+            <a:schemeClr val="accent1"/>
+          </a:fillRef>
+          <a:effectRef idx="1">
+            <a:schemeClr val="accent1"/>
+          </a:effectRef>
+          <a:fontRef idx="minor">
+            <a:schemeClr val="tx1"/>
+          </a:fontRef>
+        </p:style>
+      </p:cxnSp>
+      <p:sp>
+        <p:nvSpPr>
+          <p:cNvPr id="34" name="Abgerundetes Rechteck 33">
+            <a:extLst>
+              <a:ext uri="{FF2B5EF4-FFF2-40B4-BE49-F238E27FC236}">
+                <a16:creationId xmlns:a16="http://schemas.microsoft.com/office/drawing/2014/main" id="{24550F16-9A5B-44F1-91A3-258DA3AD849B}"/>
+              </a:ext>
+            </a:extLst>
+          </p:cNvPr>
+          <p:cNvSpPr/>
+          <p:nvPr/>
+        </p:nvSpPr>
+        <p:spPr>
+          <a:xfrm>
+            <a:off x="9021248" y="4946870"/>
+            <a:ext cx="1051764" cy="580171"/>
+          </a:xfrm>
+          <a:prstGeom prst="roundRect">
+            <a:avLst/>
+          </a:prstGeom>
+        </p:spPr>
+        <p:style>
+          <a:lnRef idx="2">
+            <a:schemeClr val="accent6"/>
+          </a:lnRef>
+          <a:fillRef idx="1">
+            <a:schemeClr val="lt1"/>
+          </a:fillRef>
+          <a:effectRef idx="0">
+            <a:schemeClr val="accent6"/>
+          </a:effectRef>
+          <a:fontRef idx="minor">
+            <a:schemeClr val="dk1"/>
+          </a:fontRef>
+        </p:style>
+        <p:txBody>
+          <a:bodyPr rtlCol="0" anchor="ctr"/>
+          <a:lstStyle/>
+          <a:p>
+            <a:pPr algn="ctr"/>
+            <a:r>
+              <a:rPr lang="de-DE" sz="1100" dirty="0"/>
+              <a:t>Model </a:t>
+            </a:r>
+            <a:r>
+              <a:rPr lang="de-DE" sz="1100" dirty="0" err="1"/>
+              <a:t>Loading</a:t>
+            </a:r>
+            <a:endParaRPr lang="de-DE" sz="1100" dirty="0"/>
+          </a:p>
+        </p:txBody>
+      </p:sp>
+      <p:sp>
+        <p:nvSpPr>
+          <p:cNvPr id="35" name="Abgerundetes Rechteck 34">
+            <a:extLst>
+              <a:ext uri="{FF2B5EF4-FFF2-40B4-BE49-F238E27FC236}">
+                <a16:creationId xmlns:a16="http://schemas.microsoft.com/office/drawing/2014/main" id="{3B92E7AF-64AF-075E-2541-BC886C32DFDB}"/>
+              </a:ext>
+            </a:extLst>
+          </p:cNvPr>
+          <p:cNvSpPr/>
+          <p:nvPr/>
+        </p:nvSpPr>
+        <p:spPr>
+          <a:xfrm>
+            <a:off x="7817963" y="4946870"/>
+            <a:ext cx="1051764" cy="580171"/>
+          </a:xfrm>
+          <a:prstGeom prst="roundRect">
+            <a:avLst/>
+          </a:prstGeom>
+        </p:spPr>
+        <p:style>
+          <a:lnRef idx="2">
+            <a:schemeClr val="accent6"/>
+          </a:lnRef>
+          <a:fillRef idx="1">
+            <a:schemeClr val="lt1"/>
+          </a:fillRef>
+          <a:effectRef idx="0">
+            <a:schemeClr val="accent6"/>
+          </a:effectRef>
+          <a:fontRef idx="minor">
+            <a:schemeClr val="dk1"/>
+          </a:fontRef>
+        </p:style>
+        <p:txBody>
+          <a:bodyPr rtlCol="0" anchor="ctr"/>
+          <a:lstStyle/>
+          <a:p>
+            <a:pPr algn="ctr"/>
+            <a:r>
+              <a:rPr lang="de-DE" sz="1100" dirty="0"/>
+              <a:t>Model </a:t>
+            </a:r>
+            <a:r>
+              <a:rPr lang="de-DE" sz="1100" dirty="0" err="1"/>
+              <a:t>Prediction</a:t>
+            </a:r>
+            <a:endParaRPr lang="de-DE" sz="1100" dirty="0"/>
+          </a:p>
+        </p:txBody>
+      </p:sp>
+      <p:sp>
+        <p:nvSpPr>
+          <p:cNvPr id="36" name="Abgerundetes Rechteck 35">
+            <a:extLst>
+              <a:ext uri="{FF2B5EF4-FFF2-40B4-BE49-F238E27FC236}">
+                <a16:creationId xmlns:a16="http://schemas.microsoft.com/office/drawing/2014/main" id="{53627F10-871A-9644-AED0-5D99E2E7A266}"/>
+              </a:ext>
+            </a:extLst>
+          </p:cNvPr>
+          <p:cNvSpPr/>
+          <p:nvPr/>
+        </p:nvSpPr>
+        <p:spPr>
+          <a:xfrm>
+            <a:off x="6645959" y="4959547"/>
+            <a:ext cx="1051764" cy="580171"/>
+          </a:xfrm>
+          <a:prstGeom prst="roundRect">
+            <a:avLst/>
+          </a:prstGeom>
+        </p:spPr>
+        <p:style>
+          <a:lnRef idx="2">
+            <a:schemeClr val="accent6"/>
+          </a:lnRef>
+          <a:fillRef idx="1">
+            <a:schemeClr val="lt1"/>
+          </a:fillRef>
+          <a:effectRef idx="0">
+            <a:schemeClr val="accent6"/>
+          </a:effectRef>
+          <a:fontRef idx="minor">
+            <a:schemeClr val="dk1"/>
+          </a:fontRef>
+        </p:style>
+        <p:txBody>
+          <a:bodyPr rtlCol="0" anchor="ctr"/>
+          <a:lstStyle/>
+          <a:p>
+            <a:pPr algn="ctr"/>
+            <a:r>
+              <a:rPr lang="de-DE" sz="1100" dirty="0"/>
+              <a:t>Model </a:t>
+            </a:r>
+            <a:r>
+              <a:rPr lang="de-DE" sz="1100" dirty="0" err="1"/>
+              <a:t>Observability</a:t>
+            </a:r>
+            <a:endParaRPr lang="de-DE" sz="1100" dirty="0"/>
+          </a:p>
+        </p:txBody>
+      </p:sp>
+      <p:cxnSp>
+        <p:nvCxnSpPr>
+          <p:cNvPr id="38" name="Gewinkelte Verbindung 37">
+            <a:extLst>
+              <a:ext uri="{FF2B5EF4-FFF2-40B4-BE49-F238E27FC236}">
+                <a16:creationId xmlns:a16="http://schemas.microsoft.com/office/drawing/2014/main" id="{66510131-DF0B-B2E2-158A-E22A32FBAF6D}"/>
+              </a:ext>
+            </a:extLst>
+          </p:cNvPr>
+          <p:cNvCxnSpPr>
+            <a:stCxn id="31" idx="1"/>
+            <a:endCxn id="14" idx="3"/>
+          </p:cNvCxnSpPr>
+          <p:nvPr/>
+        </p:nvCxnSpPr>
+        <p:spPr>
+          <a:xfrm rot="10800000">
+            <a:off x="5398671" y="4346952"/>
+            <a:ext cx="975527" cy="807261"/>
+          </a:xfrm>
+          <a:prstGeom prst="bentConnector2">
+            <a:avLst/>
+          </a:prstGeom>
+          <a:ln>
+            <a:tailEnd type="triangle"/>
+          </a:ln>
+        </p:spPr>
+        <p:style>
+          <a:lnRef idx="2">
+            <a:schemeClr val="accent1"/>
+          </a:lnRef>
+          <a:fillRef idx="0">
+            <a:schemeClr val="accent1"/>
+          </a:fillRef>
+          <a:effectRef idx="1">
+            <a:schemeClr val="accent1"/>
+          </a:effectRef>
+          <a:fontRef idx="minor">
+            <a:schemeClr val="tx1"/>
+          </a:fontRef>
+        </p:style>
+      </p:cxnSp>
+      <p:sp>
+        <p:nvSpPr>
+          <p:cNvPr id="39" name="Textfeld 38">
+            <a:extLst>
+              <a:ext uri="{FF2B5EF4-FFF2-40B4-BE49-F238E27FC236}">
+                <a16:creationId xmlns:a16="http://schemas.microsoft.com/office/drawing/2014/main" id="{1AB236B3-0611-02D5-5E28-427DF049099B}"/>
+              </a:ext>
+            </a:extLst>
+          </p:cNvPr>
+          <p:cNvSpPr txBox="1"/>
+          <p:nvPr/>
+        </p:nvSpPr>
+        <p:spPr>
+          <a:xfrm>
+            <a:off x="5524255" y="4544558"/>
+            <a:ext cx="799642" cy="461665"/>
+          </a:xfrm>
+          <a:prstGeom prst="rect">
+            <a:avLst/>
+          </a:prstGeom>
+          <a:noFill/>
+        </p:spPr>
+        <p:txBody>
+          <a:bodyPr wrap="none" rtlCol="0">
+            <a:spAutoFit/>
+          </a:bodyPr>
+          <a:lstStyle/>
+          <a:p>
+            <a:r>
+              <a:rPr lang="de-DE" sz="1200" dirty="0"/>
+              <a:t>Features </a:t>
+            </a:r>
+          </a:p>
+          <a:p>
+            <a:r>
+              <a:rPr lang="de-DE" sz="1200" dirty="0"/>
+              <a:t>&amp; Labels</a:t>
+            </a:r>
+          </a:p>
+        </p:txBody>
+      </p:sp>
+      <p:sp>
+        <p:nvSpPr>
+          <p:cNvPr id="40" name="Textfeld 39">
+            <a:extLst>
+              <a:ext uri="{FF2B5EF4-FFF2-40B4-BE49-F238E27FC236}">
+                <a16:creationId xmlns:a16="http://schemas.microsoft.com/office/drawing/2014/main" id="{504CC954-A775-44CA-A0E8-41352AE2B537}"/>
+              </a:ext>
+            </a:extLst>
+          </p:cNvPr>
+          <p:cNvSpPr txBox="1"/>
+          <p:nvPr/>
+        </p:nvSpPr>
+        <p:spPr>
+          <a:xfrm>
+            <a:off x="10381094" y="4709306"/>
+            <a:ext cx="599844" cy="276999"/>
+          </a:xfrm>
+          <a:prstGeom prst="rect">
+            <a:avLst/>
+          </a:prstGeom>
+          <a:noFill/>
+        </p:spPr>
+        <p:txBody>
+          <a:bodyPr wrap="none" rtlCol="0">
+            <a:spAutoFit/>
+          </a:bodyPr>
+          <a:lstStyle/>
+          <a:p>
+            <a:r>
+              <a:rPr lang="de-DE" sz="1200" dirty="0"/>
+              <a:t>Model</a:t>
+            </a:r>
+          </a:p>
+        </p:txBody>
+      </p:sp>
+    </p:spTree>
+    <p:extLst>
+      <p:ext uri="{BB962C8B-B14F-4D97-AF65-F5344CB8AC3E}">
+        <p14:creationId xmlns:p14="http://schemas.microsoft.com/office/powerpoint/2010/main" val="4007265318"/>
+      </p:ext>
+    </p:extLst>
+  </p:cSld>
+  <p:clrMapOvr>
+    <a:masterClrMapping/>
+  </p:clrMapOvr>
+</p:sld>
+</file>
+
+<file path=ppt/slides/slide15.xml><?xml version="1.0" encoding="utf-8"?>
+<p:sld xmlns:a="http://schemas.openxmlformats.org/drawingml/2006/main" xmlns:r="http://schemas.openxmlformats.org/officeDocument/2006/relationships" xmlns:p="http://schemas.openxmlformats.org/presentationml/2006/main">
+  <p:cSld>
+    <p:spTree>
+      <p:nvGrpSpPr>
         <p:cNvPr id="1" name="">
           <a:extLst>
             <a:ext uri="{FF2B5EF4-FFF2-40B4-BE49-F238E27FC236}">
@@ -10029,7 +11396,7 @@
 </p:sld>
 </file>
 
-<file path=ppt/slides/slide15.xml><?xml version="1.0" encoding="utf-8"?>
+<file path=ppt/slides/slide16.xml><?xml version="1.0" encoding="utf-8"?>
 <p:sld xmlns:a="http://schemas.openxmlformats.org/drawingml/2006/main" xmlns:r="http://schemas.openxmlformats.org/officeDocument/2006/relationships" xmlns:p="http://schemas.openxmlformats.org/presentationml/2006/main">
   <p:cSld>
     <p:spTree>
@@ -10435,7 +11802,7 @@
 </p:sld>
 </file>
 
-<file path=ppt/slides/slide16.xml><?xml version="1.0" encoding="utf-8"?>
+<file path=ppt/slides/slide17.xml><?xml version="1.0" encoding="utf-8"?>
 <p:sld xmlns:a="http://schemas.openxmlformats.org/drawingml/2006/main" xmlns:r="http://schemas.openxmlformats.org/officeDocument/2006/relationships" xmlns:p="http://schemas.openxmlformats.org/presentationml/2006/main">
   <p:cSld>
     <p:spTree>
@@ -10534,7 +11901,7 @@
 </p:sld>
 </file>
 
-<file path=ppt/slides/slide17.xml><?xml version="1.0" encoding="utf-8"?>
+<file path=ppt/slides/slide18.xml><?xml version="1.0" encoding="utf-8"?>
 <p:sld xmlns:a="http://schemas.openxmlformats.org/drawingml/2006/main" xmlns:r="http://schemas.openxmlformats.org/officeDocument/2006/relationships" xmlns:p="http://schemas.openxmlformats.org/presentationml/2006/main">
   <p:cSld>
     <p:spTree>

--- a/RAKIPOEV-docs/docs/ppt/Building-Blocks.pptx
+++ b/RAKIPOEV-docs/docs/ppt/Building-Blocks.pptx
@@ -18,11 +18,12 @@
     <p:sldId id="263" r:id="rId12"/>
     <p:sldId id="269" r:id="rId13"/>
     <p:sldId id="270" r:id="rId14"/>
-    <p:sldId id="273" r:id="rId15"/>
-    <p:sldId id="261" r:id="rId16"/>
-    <p:sldId id="262" r:id="rId17"/>
-    <p:sldId id="272" r:id="rId18"/>
-    <p:sldId id="271" r:id="rId19"/>
+    <p:sldId id="274" r:id="rId15"/>
+    <p:sldId id="273" r:id="rId16"/>
+    <p:sldId id="261" r:id="rId17"/>
+    <p:sldId id="262" r:id="rId18"/>
+    <p:sldId id="272" r:id="rId19"/>
+    <p:sldId id="271" r:id="rId20"/>
   </p:sldIdLst>
   <p:sldSz cx="12192000" cy="6858000"/>
   <p:notesSz cx="6858000" cy="9144000"/>
@@ -276,7 +277,7 @@
           <a:p>
             <a:fld id="{BA6DBFC3-540E-6444-9571-9AC72F552CFB}" type="datetimeFigureOut">
               <a:rPr lang="de-DE" smtClean="0"/>
-              <a:t>10.02.25</a:t>
+              <a:t>12.02.25</a:t>
             </a:fld>
             <a:endParaRPr lang="de-DE"/>
           </a:p>
@@ -474,7 +475,7 @@
           <a:p>
             <a:fld id="{BA6DBFC3-540E-6444-9571-9AC72F552CFB}" type="datetimeFigureOut">
               <a:rPr lang="de-DE" smtClean="0"/>
-              <a:t>10.02.25</a:t>
+              <a:t>12.02.25</a:t>
             </a:fld>
             <a:endParaRPr lang="de-DE"/>
           </a:p>
@@ -682,7 +683,7 @@
           <a:p>
             <a:fld id="{BA6DBFC3-540E-6444-9571-9AC72F552CFB}" type="datetimeFigureOut">
               <a:rPr lang="de-DE" smtClean="0"/>
-              <a:t>10.02.25</a:t>
+              <a:t>12.02.25</a:t>
             </a:fld>
             <a:endParaRPr lang="de-DE"/>
           </a:p>
@@ -880,7 +881,7 @@
           <a:p>
             <a:fld id="{BA6DBFC3-540E-6444-9571-9AC72F552CFB}" type="datetimeFigureOut">
               <a:rPr lang="de-DE" smtClean="0"/>
-              <a:t>10.02.25</a:t>
+              <a:t>12.02.25</a:t>
             </a:fld>
             <a:endParaRPr lang="de-DE"/>
           </a:p>
@@ -1155,7 +1156,7 @@
           <a:p>
             <a:fld id="{BA6DBFC3-540E-6444-9571-9AC72F552CFB}" type="datetimeFigureOut">
               <a:rPr lang="de-DE" smtClean="0"/>
-              <a:t>10.02.25</a:t>
+              <a:t>12.02.25</a:t>
             </a:fld>
             <a:endParaRPr lang="de-DE"/>
           </a:p>
@@ -1420,7 +1421,7 @@
           <a:p>
             <a:fld id="{BA6DBFC3-540E-6444-9571-9AC72F552CFB}" type="datetimeFigureOut">
               <a:rPr lang="de-DE" smtClean="0"/>
-              <a:t>10.02.25</a:t>
+              <a:t>12.02.25</a:t>
             </a:fld>
             <a:endParaRPr lang="de-DE"/>
           </a:p>
@@ -1832,7 +1833,7 @@
           <a:p>
             <a:fld id="{BA6DBFC3-540E-6444-9571-9AC72F552CFB}" type="datetimeFigureOut">
               <a:rPr lang="de-DE" smtClean="0"/>
-              <a:t>10.02.25</a:t>
+              <a:t>12.02.25</a:t>
             </a:fld>
             <a:endParaRPr lang="de-DE"/>
           </a:p>
@@ -1973,7 +1974,7 @@
           <a:p>
             <a:fld id="{BA6DBFC3-540E-6444-9571-9AC72F552CFB}" type="datetimeFigureOut">
               <a:rPr lang="de-DE" smtClean="0"/>
-              <a:t>10.02.25</a:t>
+              <a:t>12.02.25</a:t>
             </a:fld>
             <a:endParaRPr lang="de-DE"/>
           </a:p>
@@ -2086,7 +2087,7 @@
           <a:p>
             <a:fld id="{BA6DBFC3-540E-6444-9571-9AC72F552CFB}" type="datetimeFigureOut">
               <a:rPr lang="de-DE" smtClean="0"/>
-              <a:t>10.02.25</a:t>
+              <a:t>12.02.25</a:t>
             </a:fld>
             <a:endParaRPr lang="de-DE"/>
           </a:p>
@@ -2397,7 +2398,7 @@
           <a:p>
             <a:fld id="{BA6DBFC3-540E-6444-9571-9AC72F552CFB}" type="datetimeFigureOut">
               <a:rPr lang="de-DE" smtClean="0"/>
-              <a:t>10.02.25</a:t>
+              <a:t>12.02.25</a:t>
             </a:fld>
             <a:endParaRPr lang="de-DE"/>
           </a:p>
@@ -2685,7 +2686,7 @@
           <a:p>
             <a:fld id="{BA6DBFC3-540E-6444-9571-9AC72F552CFB}" type="datetimeFigureOut">
               <a:rPr lang="de-DE" smtClean="0"/>
-              <a:t>10.02.25</a:t>
+              <a:t>12.02.25</a:t>
             </a:fld>
             <a:endParaRPr lang="de-DE"/>
           </a:p>
@@ -2926,7 +2927,7 @@
           <a:p>
             <a:fld id="{BA6DBFC3-540E-6444-9571-9AC72F552CFB}" type="datetimeFigureOut">
               <a:rPr lang="de-DE" smtClean="0"/>
-              <a:t>10.02.25</a:t>
+              <a:t>12.02.25</a:t>
             </a:fld>
             <a:endParaRPr lang="de-DE"/>
           </a:p>
@@ -9178,8 +9179,13 @@
             </a:r>
             <a:r>
               <a:rPr lang="de-DE" dirty="0"/>
-              <a:t> &amp; Tracing</a:t>
-            </a:r>
+              <a:t> &amp; Tracing &amp; </a:t>
+            </a:r>
+            <a:r>
+              <a:rPr lang="de-DE" dirty="0" err="1"/>
+              <a:t>Metrics</a:t>
+            </a:r>
+            <a:endParaRPr lang="de-DE" dirty="0"/>
           </a:p>
         </p:txBody>
       </p:sp>
@@ -9950,6 +9956,587 @@
       </p:grpSpPr>
       <p:sp>
         <p:nvSpPr>
+          <p:cNvPr id="2" name="Textfeld 1">
+            <a:extLst>
+              <a:ext uri="{FF2B5EF4-FFF2-40B4-BE49-F238E27FC236}">
+                <a16:creationId xmlns:a16="http://schemas.microsoft.com/office/drawing/2014/main" id="{5C76D0FE-D61E-7688-DF24-505E20134C22}"/>
+              </a:ext>
+            </a:extLst>
+          </p:cNvPr>
+          <p:cNvSpPr txBox="1"/>
+          <p:nvPr/>
+        </p:nvSpPr>
+        <p:spPr>
+          <a:xfrm>
+            <a:off x="10434468" y="6127161"/>
+            <a:ext cx="1693733" cy="369332"/>
+          </a:xfrm>
+          <a:prstGeom prst="rect">
+            <a:avLst/>
+          </a:prstGeom>
+          <a:noFill/>
+        </p:spPr>
+        <p:txBody>
+          <a:bodyPr wrap="none" rtlCol="0">
+            <a:spAutoFit/>
+          </a:bodyPr>
+          <a:lstStyle/>
+          <a:p>
+            <a:r>
+              <a:rPr lang="de-DE" dirty="0" err="1"/>
+              <a:t>OpenTelemetry</a:t>
+            </a:r>
+            <a:endParaRPr lang="de-DE" dirty="0"/>
+          </a:p>
+        </p:txBody>
+      </p:sp>
+      <p:sp>
+        <p:nvSpPr>
+          <p:cNvPr id="3" name="Rechteck 2">
+            <a:extLst>
+              <a:ext uri="{FF2B5EF4-FFF2-40B4-BE49-F238E27FC236}">
+                <a16:creationId xmlns:a16="http://schemas.microsoft.com/office/drawing/2014/main" id="{8C0DF7F8-43EC-7105-556F-6412525B5036}"/>
+              </a:ext>
+            </a:extLst>
+          </p:cNvPr>
+          <p:cNvSpPr/>
+          <p:nvPr/>
+        </p:nvSpPr>
+        <p:spPr>
+          <a:xfrm>
+            <a:off x="2119421" y="1714075"/>
+            <a:ext cx="1534632" cy="843750"/>
+          </a:xfrm>
+          <a:prstGeom prst="rect">
+            <a:avLst/>
+          </a:prstGeom>
+        </p:spPr>
+        <p:style>
+          <a:lnRef idx="2">
+            <a:schemeClr val="accent1">
+              <a:shade val="15000"/>
+            </a:schemeClr>
+          </a:lnRef>
+          <a:fillRef idx="1">
+            <a:schemeClr val="accent1"/>
+          </a:fillRef>
+          <a:effectRef idx="0">
+            <a:schemeClr val="accent1"/>
+          </a:effectRef>
+          <a:fontRef idx="minor">
+            <a:schemeClr val="lt1"/>
+          </a:fontRef>
+        </p:style>
+        <p:txBody>
+          <a:bodyPr rtlCol="0" anchor="ctr"/>
+          <a:lstStyle/>
+          <a:p>
+            <a:pPr algn="ctr"/>
+            <a:r>
+              <a:rPr lang="de-DE" dirty="0"/>
+              <a:t>Client</a:t>
+            </a:r>
+          </a:p>
+        </p:txBody>
+      </p:sp>
+      <p:sp>
+        <p:nvSpPr>
+          <p:cNvPr id="4" name="Rechteck 3">
+            <a:extLst>
+              <a:ext uri="{FF2B5EF4-FFF2-40B4-BE49-F238E27FC236}">
+                <a16:creationId xmlns:a16="http://schemas.microsoft.com/office/drawing/2014/main" id="{91C704DE-E3BF-0FAB-F462-1C3101A90617}"/>
+              </a:ext>
+            </a:extLst>
+          </p:cNvPr>
+          <p:cNvSpPr/>
+          <p:nvPr/>
+        </p:nvSpPr>
+        <p:spPr>
+          <a:xfrm>
+            <a:off x="2119421" y="3483702"/>
+            <a:ext cx="1534632" cy="843750"/>
+          </a:xfrm>
+          <a:prstGeom prst="rect">
+            <a:avLst/>
+          </a:prstGeom>
+        </p:spPr>
+        <p:style>
+          <a:lnRef idx="2">
+            <a:schemeClr val="accent1">
+              <a:shade val="15000"/>
+            </a:schemeClr>
+          </a:lnRef>
+          <a:fillRef idx="1">
+            <a:schemeClr val="accent1"/>
+          </a:fillRef>
+          <a:effectRef idx="0">
+            <a:schemeClr val="accent1"/>
+          </a:effectRef>
+          <a:fontRef idx="minor">
+            <a:schemeClr val="lt1"/>
+          </a:fontRef>
+        </p:style>
+        <p:txBody>
+          <a:bodyPr rtlCol="0" anchor="ctr"/>
+          <a:lstStyle/>
+          <a:p>
+            <a:pPr algn="ctr"/>
+            <a:r>
+              <a:rPr lang="de-DE" sz="1600" dirty="0" err="1"/>
+              <a:t>OpenTelemetry</a:t>
+            </a:r>
+            <a:r>
+              <a:rPr lang="de-DE" sz="1600" dirty="0"/>
+              <a:t> SDK</a:t>
+            </a:r>
+          </a:p>
+        </p:txBody>
+      </p:sp>
+      <p:cxnSp>
+        <p:nvCxnSpPr>
+          <p:cNvPr id="6" name="Gerade Verbindung mit Pfeil 5">
+            <a:extLst>
+              <a:ext uri="{FF2B5EF4-FFF2-40B4-BE49-F238E27FC236}">
+                <a16:creationId xmlns:a16="http://schemas.microsoft.com/office/drawing/2014/main" id="{0C24261B-4462-0E8B-870A-7ADEE05672B3}"/>
+              </a:ext>
+            </a:extLst>
+          </p:cNvPr>
+          <p:cNvCxnSpPr>
+            <a:stCxn id="4" idx="0"/>
+            <a:endCxn id="3" idx="2"/>
+          </p:cNvCxnSpPr>
+          <p:nvPr/>
+        </p:nvCxnSpPr>
+        <p:spPr>
+          <a:xfrm flipV="1">
+            <a:off x="2886737" y="2557825"/>
+            <a:ext cx="0" cy="925877"/>
+          </a:xfrm>
+          <a:prstGeom prst="straightConnector1">
+            <a:avLst/>
+          </a:prstGeom>
+          <a:ln>
+            <a:tailEnd type="triangle"/>
+          </a:ln>
+        </p:spPr>
+        <p:style>
+          <a:lnRef idx="2">
+            <a:schemeClr val="accent1"/>
+          </a:lnRef>
+          <a:fillRef idx="0">
+            <a:schemeClr val="accent1"/>
+          </a:fillRef>
+          <a:effectRef idx="1">
+            <a:schemeClr val="accent1"/>
+          </a:effectRef>
+          <a:fontRef idx="minor">
+            <a:schemeClr val="tx1"/>
+          </a:fontRef>
+        </p:style>
+      </p:cxnSp>
+      <p:sp>
+        <p:nvSpPr>
+          <p:cNvPr id="7" name="Textfeld 6">
+            <a:extLst>
+              <a:ext uri="{FF2B5EF4-FFF2-40B4-BE49-F238E27FC236}">
+                <a16:creationId xmlns:a16="http://schemas.microsoft.com/office/drawing/2014/main" id="{3BFEA0A7-04C3-DBD4-1ACB-87D1A034D0FA}"/>
+              </a:ext>
+            </a:extLst>
+          </p:cNvPr>
+          <p:cNvSpPr txBox="1"/>
+          <p:nvPr/>
+        </p:nvSpPr>
+        <p:spPr>
+          <a:xfrm>
+            <a:off x="1608567" y="2836097"/>
+            <a:ext cx="1278170" cy="369332"/>
+          </a:xfrm>
+          <a:prstGeom prst="rect">
+            <a:avLst/>
+          </a:prstGeom>
+          <a:noFill/>
+        </p:spPr>
+        <p:txBody>
+          <a:bodyPr wrap="none" rtlCol="0">
+            <a:spAutoFit/>
+          </a:bodyPr>
+          <a:lstStyle/>
+          <a:p>
+            <a:r>
+              <a:rPr lang="de-DE" dirty="0" err="1"/>
+              <a:t>instrument</a:t>
+            </a:r>
+            <a:endParaRPr lang="de-DE" dirty="0"/>
+          </a:p>
+        </p:txBody>
+      </p:sp>
+      <p:sp>
+        <p:nvSpPr>
+          <p:cNvPr id="8" name="Rechteck 7">
+            <a:extLst>
+              <a:ext uri="{FF2B5EF4-FFF2-40B4-BE49-F238E27FC236}">
+                <a16:creationId xmlns:a16="http://schemas.microsoft.com/office/drawing/2014/main" id="{82596B9F-8CB4-863D-7936-4F0490B9E834}"/>
+              </a:ext>
+            </a:extLst>
+          </p:cNvPr>
+          <p:cNvSpPr/>
+          <p:nvPr/>
+        </p:nvSpPr>
+        <p:spPr>
+          <a:xfrm>
+            <a:off x="5995481" y="1714075"/>
+            <a:ext cx="1534632" cy="843750"/>
+          </a:xfrm>
+          <a:prstGeom prst="rect">
+            <a:avLst/>
+          </a:prstGeom>
+        </p:spPr>
+        <p:style>
+          <a:lnRef idx="2">
+            <a:schemeClr val="accent1">
+              <a:shade val="15000"/>
+            </a:schemeClr>
+          </a:lnRef>
+          <a:fillRef idx="1">
+            <a:schemeClr val="accent1"/>
+          </a:fillRef>
+          <a:effectRef idx="0">
+            <a:schemeClr val="accent1"/>
+          </a:effectRef>
+          <a:fontRef idx="minor">
+            <a:schemeClr val="lt1"/>
+          </a:fontRef>
+        </p:style>
+        <p:txBody>
+          <a:bodyPr rtlCol="0" anchor="ctr"/>
+          <a:lstStyle/>
+          <a:p>
+            <a:pPr algn="ctr"/>
+            <a:r>
+              <a:rPr lang="de-DE" sz="1600" dirty="0" err="1"/>
+              <a:t>OpenTelemetry</a:t>
+            </a:r>
+            <a:r>
+              <a:rPr lang="de-DE" sz="1600" dirty="0"/>
+              <a:t> </a:t>
+            </a:r>
+            <a:r>
+              <a:rPr lang="de-DE" sz="1600" dirty="0" err="1"/>
+              <a:t>Collector</a:t>
+            </a:r>
+            <a:endParaRPr lang="de-DE" sz="1600" dirty="0"/>
+          </a:p>
+        </p:txBody>
+      </p:sp>
+      <p:cxnSp>
+        <p:nvCxnSpPr>
+          <p:cNvPr id="10" name="Gerade Verbindung mit Pfeil 9">
+            <a:extLst>
+              <a:ext uri="{FF2B5EF4-FFF2-40B4-BE49-F238E27FC236}">
+                <a16:creationId xmlns:a16="http://schemas.microsoft.com/office/drawing/2014/main" id="{8988B8B8-6536-C7C6-E91A-854AFFFA9771}"/>
+              </a:ext>
+            </a:extLst>
+          </p:cNvPr>
+          <p:cNvCxnSpPr>
+            <a:stCxn id="3" idx="3"/>
+            <a:endCxn id="8" idx="1"/>
+          </p:cNvCxnSpPr>
+          <p:nvPr/>
+        </p:nvCxnSpPr>
+        <p:spPr>
+          <a:xfrm>
+            <a:off x="3654053" y="2135950"/>
+            <a:ext cx="2341428" cy="0"/>
+          </a:xfrm>
+          <a:prstGeom prst="straightConnector1">
+            <a:avLst/>
+          </a:prstGeom>
+          <a:ln>
+            <a:tailEnd type="triangle"/>
+          </a:ln>
+        </p:spPr>
+        <p:style>
+          <a:lnRef idx="2">
+            <a:schemeClr val="accent1"/>
+          </a:lnRef>
+          <a:fillRef idx="0">
+            <a:schemeClr val="accent1"/>
+          </a:fillRef>
+          <a:effectRef idx="1">
+            <a:schemeClr val="accent1"/>
+          </a:effectRef>
+          <a:fontRef idx="minor">
+            <a:schemeClr val="tx1"/>
+          </a:fontRef>
+        </p:style>
+      </p:cxnSp>
+      <p:sp>
+        <p:nvSpPr>
+          <p:cNvPr id="11" name="Textfeld 10">
+            <a:extLst>
+              <a:ext uri="{FF2B5EF4-FFF2-40B4-BE49-F238E27FC236}">
+                <a16:creationId xmlns:a16="http://schemas.microsoft.com/office/drawing/2014/main" id="{CE566CAA-6A2C-AC45-718F-CCFBFC0E2215}"/>
+              </a:ext>
+            </a:extLst>
+          </p:cNvPr>
+          <p:cNvSpPr txBox="1"/>
+          <p:nvPr/>
+        </p:nvSpPr>
+        <p:spPr>
+          <a:xfrm>
+            <a:off x="3654053" y="1766618"/>
+            <a:ext cx="2197718" cy="369332"/>
+          </a:xfrm>
+          <a:prstGeom prst="rect">
+            <a:avLst/>
+          </a:prstGeom>
+          <a:noFill/>
+        </p:spPr>
+        <p:txBody>
+          <a:bodyPr wrap="none" rtlCol="0">
+            <a:spAutoFit/>
+          </a:bodyPr>
+          <a:lstStyle/>
+          <a:p>
+            <a:r>
+              <a:rPr lang="de-DE" dirty="0" err="1"/>
+              <a:t>traces</a:t>
+            </a:r>
+            <a:r>
+              <a:rPr lang="de-DE" dirty="0"/>
+              <a:t>, logs, </a:t>
+            </a:r>
+            <a:r>
+              <a:rPr lang="de-DE" dirty="0" err="1"/>
+              <a:t>metrics</a:t>
+            </a:r>
+            <a:endParaRPr lang="de-DE" dirty="0"/>
+          </a:p>
+        </p:txBody>
+      </p:sp>
+      <p:sp>
+        <p:nvSpPr>
+          <p:cNvPr id="12" name="Textfeld 11">
+            <a:extLst>
+              <a:ext uri="{FF2B5EF4-FFF2-40B4-BE49-F238E27FC236}">
+                <a16:creationId xmlns:a16="http://schemas.microsoft.com/office/drawing/2014/main" id="{4CAB1F73-6E98-8959-B817-D55FF32093AF}"/>
+              </a:ext>
+            </a:extLst>
+          </p:cNvPr>
+          <p:cNvSpPr txBox="1"/>
+          <p:nvPr/>
+        </p:nvSpPr>
+        <p:spPr>
+          <a:xfrm>
+            <a:off x="5952597" y="788199"/>
+            <a:ext cx="2481770" cy="830997"/>
+          </a:xfrm>
+          <a:prstGeom prst="rect">
+            <a:avLst/>
+          </a:prstGeom>
+          <a:noFill/>
+        </p:spPr>
+        <p:txBody>
+          <a:bodyPr wrap="none" rtlCol="0">
+            <a:spAutoFit/>
+          </a:bodyPr>
+          <a:lstStyle/>
+          <a:p>
+            <a:r>
+              <a:rPr lang="de-DE" sz="1600" i="0" u="none" strike="noStrike" dirty="0">
+                <a:effectLst/>
+                <a:latin typeface="SFMono-Regular"/>
+              </a:rPr>
+              <a:t>Receivers:</a:t>
+            </a:r>
+            <a:endParaRPr lang="de-DE" sz="1600" dirty="0">
+              <a:effectLst/>
+            </a:endParaRPr>
+          </a:p>
+          <a:p>
+            <a:pPr marL="285750" indent="-285750">
+              <a:buFont typeface="Arial" panose="020B0604020202020204" pitchFamily="34" charset="0"/>
+              <a:buChar char="•"/>
+            </a:pPr>
+            <a:r>
+              <a:rPr lang="de-DE" sz="1600" dirty="0" err="1">
+                <a:effectLst/>
+              </a:rPr>
+              <a:t>grpc</a:t>
+            </a:r>
+            <a:r>
+              <a:rPr lang="de-DE" sz="1600" dirty="0">
+                <a:effectLst/>
+              </a:rPr>
+              <a:t>: 	</a:t>
+            </a:r>
+            <a:r>
+              <a:rPr lang="de-DE" sz="1600" dirty="0" err="1">
+                <a:effectLst/>
+              </a:rPr>
+              <a:t>endpoint</a:t>
+            </a:r>
+            <a:r>
+              <a:rPr lang="de-DE" sz="1600" dirty="0">
+                <a:effectLst/>
+              </a:rPr>
+              <a:t>: 4317 </a:t>
+            </a:r>
+          </a:p>
+          <a:p>
+            <a:pPr marL="285750" indent="-285750">
+              <a:buFont typeface="Arial" panose="020B0604020202020204" pitchFamily="34" charset="0"/>
+              <a:buChar char="•"/>
+            </a:pPr>
+            <a:r>
+              <a:rPr lang="de-DE" sz="1600" dirty="0">
+                <a:effectLst/>
+              </a:rPr>
+              <a:t>http: 	</a:t>
+            </a:r>
+            <a:r>
+              <a:rPr lang="de-DE" sz="1600" dirty="0" err="1">
+                <a:effectLst/>
+              </a:rPr>
+              <a:t>endpoint</a:t>
+            </a:r>
+            <a:r>
+              <a:rPr lang="de-DE" sz="1600" dirty="0">
+                <a:effectLst/>
+              </a:rPr>
+              <a:t>: 4318</a:t>
+            </a:r>
+            <a:endParaRPr lang="de-DE" sz="1600" dirty="0"/>
+          </a:p>
+        </p:txBody>
+      </p:sp>
+      <p:sp>
+        <p:nvSpPr>
+          <p:cNvPr id="13" name="Rechteck 12">
+            <a:extLst>
+              <a:ext uri="{FF2B5EF4-FFF2-40B4-BE49-F238E27FC236}">
+                <a16:creationId xmlns:a16="http://schemas.microsoft.com/office/drawing/2014/main" id="{A579EBF8-3C19-43AC-28BB-4895DA5C4FBE}"/>
+              </a:ext>
+            </a:extLst>
+          </p:cNvPr>
+          <p:cNvSpPr/>
+          <p:nvPr/>
+        </p:nvSpPr>
+        <p:spPr>
+          <a:xfrm>
+            <a:off x="9226460" y="1704211"/>
+            <a:ext cx="1534632" cy="843750"/>
+          </a:xfrm>
+          <a:prstGeom prst="rect">
+            <a:avLst/>
+          </a:prstGeom>
+        </p:spPr>
+        <p:style>
+          <a:lnRef idx="2">
+            <a:schemeClr val="accent1">
+              <a:shade val="15000"/>
+            </a:schemeClr>
+          </a:lnRef>
+          <a:fillRef idx="1">
+            <a:schemeClr val="accent1"/>
+          </a:fillRef>
+          <a:effectRef idx="0">
+            <a:schemeClr val="accent1"/>
+          </a:effectRef>
+          <a:fontRef idx="minor">
+            <a:schemeClr val="lt1"/>
+          </a:fontRef>
+        </p:style>
+        <p:txBody>
+          <a:bodyPr rtlCol="0" anchor="ctr"/>
+          <a:lstStyle/>
+          <a:p>
+            <a:pPr algn="ctr"/>
+            <a:r>
+              <a:rPr lang="de-DE" sz="1600" dirty="0" err="1"/>
+              <a:t>OpenTelemetry</a:t>
+            </a:r>
+            <a:r>
+              <a:rPr lang="de-DE" sz="1600" dirty="0"/>
+              <a:t> Backend</a:t>
+            </a:r>
+          </a:p>
+        </p:txBody>
+      </p:sp>
+      <p:cxnSp>
+        <p:nvCxnSpPr>
+          <p:cNvPr id="15" name="Gerade Verbindung mit Pfeil 14">
+            <a:extLst>
+              <a:ext uri="{FF2B5EF4-FFF2-40B4-BE49-F238E27FC236}">
+                <a16:creationId xmlns:a16="http://schemas.microsoft.com/office/drawing/2014/main" id="{58518F29-D3A4-219F-4ADD-817224D78F8A}"/>
+              </a:ext>
+            </a:extLst>
+          </p:cNvPr>
+          <p:cNvCxnSpPr>
+            <a:stCxn id="8" idx="3"/>
+            <a:endCxn id="13" idx="1"/>
+          </p:cNvCxnSpPr>
+          <p:nvPr/>
+        </p:nvCxnSpPr>
+        <p:spPr>
+          <a:xfrm flipV="1">
+            <a:off x="7530113" y="2126086"/>
+            <a:ext cx="1696347" cy="9864"/>
+          </a:xfrm>
+          <a:prstGeom prst="straightConnector1">
+            <a:avLst/>
+          </a:prstGeom>
+          <a:ln>
+            <a:tailEnd type="triangle"/>
+          </a:ln>
+        </p:spPr>
+        <p:style>
+          <a:lnRef idx="2">
+            <a:schemeClr val="accent1"/>
+          </a:lnRef>
+          <a:fillRef idx="0">
+            <a:schemeClr val="accent1"/>
+          </a:fillRef>
+          <a:effectRef idx="1">
+            <a:schemeClr val="accent1"/>
+          </a:effectRef>
+          <a:fontRef idx="minor">
+            <a:schemeClr val="tx1"/>
+          </a:fontRef>
+        </p:style>
+      </p:cxnSp>
+    </p:spTree>
+    <p:extLst>
+      <p:ext uri="{BB962C8B-B14F-4D97-AF65-F5344CB8AC3E}">
+        <p14:creationId xmlns:p14="http://schemas.microsoft.com/office/powerpoint/2010/main" val="3145038747"/>
+      </p:ext>
+    </p:extLst>
+  </p:cSld>
+  <p:clrMapOvr>
+    <a:masterClrMapping/>
+  </p:clrMapOvr>
+</p:sld>
+</file>
+
+<file path=ppt/slides/slide15.xml><?xml version="1.0" encoding="utf-8"?>
+<p:sld xmlns:a="http://schemas.openxmlformats.org/drawingml/2006/main" xmlns:r="http://schemas.openxmlformats.org/officeDocument/2006/relationships" xmlns:p="http://schemas.openxmlformats.org/presentationml/2006/main">
+  <p:cSld>
+    <p:spTree>
+      <p:nvGrpSpPr>
+        <p:cNvPr id="1" name=""/>
+        <p:cNvGrpSpPr/>
+        <p:nvPr/>
+      </p:nvGrpSpPr>
+      <p:grpSpPr>
+        <a:xfrm>
+          <a:off x="0" y="0"/>
+          <a:ext cx="0" cy="0"/>
+          <a:chOff x="0" y="0"/>
+          <a:chExt cx="0" cy="0"/>
+        </a:xfrm>
+      </p:grpSpPr>
+      <p:sp>
+        <p:nvSpPr>
           <p:cNvPr id="4" name="Rechteck 3">
             <a:extLst>
               <a:ext uri="{FF2B5EF4-FFF2-40B4-BE49-F238E27FC236}">
@@ -11297,7 +11884,7 @@
 </p:sld>
 </file>
 
-<file path=ppt/slides/slide15.xml><?xml version="1.0" encoding="utf-8"?>
+<file path=ppt/slides/slide16.xml><?xml version="1.0" encoding="utf-8"?>
 <p:sld xmlns:a="http://schemas.openxmlformats.org/drawingml/2006/main" xmlns:r="http://schemas.openxmlformats.org/officeDocument/2006/relationships" xmlns:p="http://schemas.openxmlformats.org/presentationml/2006/main">
   <p:cSld>
     <p:spTree>
@@ -11396,7 +11983,7 @@
 </p:sld>
 </file>
 
-<file path=ppt/slides/slide16.xml><?xml version="1.0" encoding="utf-8"?>
+<file path=ppt/slides/slide17.xml><?xml version="1.0" encoding="utf-8"?>
 <p:sld xmlns:a="http://schemas.openxmlformats.org/drawingml/2006/main" xmlns:r="http://schemas.openxmlformats.org/officeDocument/2006/relationships" xmlns:p="http://schemas.openxmlformats.org/presentationml/2006/main">
   <p:cSld>
     <p:spTree>
@@ -11802,7 +12389,7 @@
 </p:sld>
 </file>
 
-<file path=ppt/slides/slide17.xml><?xml version="1.0" encoding="utf-8"?>
+<file path=ppt/slides/slide18.xml><?xml version="1.0" encoding="utf-8"?>
 <p:sld xmlns:a="http://schemas.openxmlformats.org/drawingml/2006/main" xmlns:r="http://schemas.openxmlformats.org/officeDocument/2006/relationships" xmlns:p="http://schemas.openxmlformats.org/presentationml/2006/main">
   <p:cSld>
     <p:spTree>
@@ -11901,7 +12488,7 @@
 </p:sld>
 </file>
 
-<file path=ppt/slides/slide18.xml><?xml version="1.0" encoding="utf-8"?>
+<file path=ppt/slides/slide19.xml><?xml version="1.0" encoding="utf-8"?>
 <p:sld xmlns:a="http://schemas.openxmlformats.org/drawingml/2006/main" xmlns:r="http://schemas.openxmlformats.org/officeDocument/2006/relationships" xmlns:p="http://schemas.openxmlformats.org/presentationml/2006/main">
   <p:cSld>
     <p:spTree>

--- a/RAKIPOEV-docs/docs/ppt/Building-Blocks.pptx
+++ b/RAKIPOEV-docs/docs/ppt/Building-Blocks.pptx
@@ -13,19 +13,21 @@
     <p:sldId id="265" r:id="rId7"/>
     <p:sldId id="258" r:id="rId8"/>
     <p:sldId id="266" r:id="rId9"/>
-    <p:sldId id="267" r:id="rId10"/>
-    <p:sldId id="268" r:id="rId11"/>
-    <p:sldId id="264" r:id="rId12"/>
-    <p:sldId id="263" r:id="rId13"/>
-    <p:sldId id="275" r:id="rId14"/>
-    <p:sldId id="269" r:id="rId15"/>
-    <p:sldId id="270" r:id="rId16"/>
-    <p:sldId id="274" r:id="rId17"/>
-    <p:sldId id="273" r:id="rId18"/>
-    <p:sldId id="261" r:id="rId19"/>
-    <p:sldId id="262" r:id="rId20"/>
-    <p:sldId id="272" r:id="rId21"/>
-    <p:sldId id="271" r:id="rId22"/>
+    <p:sldId id="278" r:id="rId10"/>
+    <p:sldId id="267" r:id="rId11"/>
+    <p:sldId id="268" r:id="rId12"/>
+    <p:sldId id="264" r:id="rId13"/>
+    <p:sldId id="263" r:id="rId14"/>
+    <p:sldId id="275" r:id="rId15"/>
+    <p:sldId id="277" r:id="rId16"/>
+    <p:sldId id="269" r:id="rId17"/>
+    <p:sldId id="270" r:id="rId18"/>
+    <p:sldId id="274" r:id="rId19"/>
+    <p:sldId id="273" r:id="rId20"/>
+    <p:sldId id="261" r:id="rId21"/>
+    <p:sldId id="262" r:id="rId22"/>
+    <p:sldId id="272" r:id="rId23"/>
+    <p:sldId id="271" r:id="rId24"/>
   </p:sldIdLst>
   <p:sldSz cx="12192000" cy="6858000"/>
   <p:notesSz cx="6858000" cy="9144000"/>
@@ -279,7 +281,7 @@
           <a:p>
             <a:fld id="{BA6DBFC3-540E-6444-9571-9AC72F552CFB}" type="datetimeFigureOut">
               <a:rPr lang="de-DE" smtClean="0"/>
-              <a:t>16.02.25</a:t>
+              <a:t>27.02.25</a:t>
             </a:fld>
             <a:endParaRPr lang="de-DE"/>
           </a:p>
@@ -477,7 +479,7 @@
           <a:p>
             <a:fld id="{BA6DBFC3-540E-6444-9571-9AC72F552CFB}" type="datetimeFigureOut">
               <a:rPr lang="de-DE" smtClean="0"/>
-              <a:t>16.02.25</a:t>
+              <a:t>27.02.25</a:t>
             </a:fld>
             <a:endParaRPr lang="de-DE"/>
           </a:p>
@@ -685,7 +687,7 @@
           <a:p>
             <a:fld id="{BA6DBFC3-540E-6444-9571-9AC72F552CFB}" type="datetimeFigureOut">
               <a:rPr lang="de-DE" smtClean="0"/>
-              <a:t>16.02.25</a:t>
+              <a:t>27.02.25</a:t>
             </a:fld>
             <a:endParaRPr lang="de-DE"/>
           </a:p>
@@ -883,7 +885,7 @@
           <a:p>
             <a:fld id="{BA6DBFC3-540E-6444-9571-9AC72F552CFB}" type="datetimeFigureOut">
               <a:rPr lang="de-DE" smtClean="0"/>
-              <a:t>16.02.25</a:t>
+              <a:t>27.02.25</a:t>
             </a:fld>
             <a:endParaRPr lang="de-DE"/>
           </a:p>
@@ -1158,7 +1160,7 @@
           <a:p>
             <a:fld id="{BA6DBFC3-540E-6444-9571-9AC72F552CFB}" type="datetimeFigureOut">
               <a:rPr lang="de-DE" smtClean="0"/>
-              <a:t>16.02.25</a:t>
+              <a:t>27.02.25</a:t>
             </a:fld>
             <a:endParaRPr lang="de-DE"/>
           </a:p>
@@ -1423,7 +1425,7 @@
           <a:p>
             <a:fld id="{BA6DBFC3-540E-6444-9571-9AC72F552CFB}" type="datetimeFigureOut">
               <a:rPr lang="de-DE" smtClean="0"/>
-              <a:t>16.02.25</a:t>
+              <a:t>27.02.25</a:t>
             </a:fld>
             <a:endParaRPr lang="de-DE"/>
           </a:p>
@@ -1835,7 +1837,7 @@
           <a:p>
             <a:fld id="{BA6DBFC3-540E-6444-9571-9AC72F552CFB}" type="datetimeFigureOut">
               <a:rPr lang="de-DE" smtClean="0"/>
-              <a:t>16.02.25</a:t>
+              <a:t>27.02.25</a:t>
             </a:fld>
             <a:endParaRPr lang="de-DE"/>
           </a:p>
@@ -1976,7 +1978,7 @@
           <a:p>
             <a:fld id="{BA6DBFC3-540E-6444-9571-9AC72F552CFB}" type="datetimeFigureOut">
               <a:rPr lang="de-DE" smtClean="0"/>
-              <a:t>16.02.25</a:t>
+              <a:t>27.02.25</a:t>
             </a:fld>
             <a:endParaRPr lang="de-DE"/>
           </a:p>
@@ -2089,7 +2091,7 @@
           <a:p>
             <a:fld id="{BA6DBFC3-540E-6444-9571-9AC72F552CFB}" type="datetimeFigureOut">
               <a:rPr lang="de-DE" smtClean="0"/>
-              <a:t>16.02.25</a:t>
+              <a:t>27.02.25</a:t>
             </a:fld>
             <a:endParaRPr lang="de-DE"/>
           </a:p>
@@ -2400,7 +2402,7 @@
           <a:p>
             <a:fld id="{BA6DBFC3-540E-6444-9571-9AC72F552CFB}" type="datetimeFigureOut">
               <a:rPr lang="de-DE" smtClean="0"/>
-              <a:t>16.02.25</a:t>
+              <a:t>27.02.25</a:t>
             </a:fld>
             <a:endParaRPr lang="de-DE"/>
           </a:p>
@@ -2688,7 +2690,7 @@
           <a:p>
             <a:fld id="{BA6DBFC3-540E-6444-9571-9AC72F552CFB}" type="datetimeFigureOut">
               <a:rPr lang="de-DE" smtClean="0"/>
-              <a:t>16.02.25</a:t>
+              <a:t>27.02.25</a:t>
             </a:fld>
             <a:endParaRPr lang="de-DE"/>
           </a:p>
@@ -2929,7 +2931,7 @@
           <a:p>
             <a:fld id="{BA6DBFC3-540E-6444-9571-9AC72F552CFB}" type="datetimeFigureOut">
               <a:rPr lang="de-DE" smtClean="0"/>
-              <a:t>16.02.25</a:t>
+              <a:t>27.02.25</a:t>
             </a:fld>
             <a:endParaRPr lang="de-DE"/>
           </a:p>
@@ -3441,6 +3443,522 @@
       </p:grpSpPr>
       <p:sp>
         <p:nvSpPr>
+          <p:cNvPr id="2" name="Textfeld 1">
+            <a:extLst>
+              <a:ext uri="{FF2B5EF4-FFF2-40B4-BE49-F238E27FC236}">
+                <a16:creationId xmlns:a16="http://schemas.microsoft.com/office/drawing/2014/main" id="{C16616D8-E7D2-EED6-1440-C328B0431A4A}"/>
+              </a:ext>
+            </a:extLst>
+          </p:cNvPr>
+          <p:cNvSpPr txBox="1"/>
+          <p:nvPr/>
+        </p:nvSpPr>
+        <p:spPr>
+          <a:xfrm>
+            <a:off x="11322115" y="6488668"/>
+            <a:ext cx="618374" cy="369332"/>
+          </a:xfrm>
+          <a:prstGeom prst="rect">
+            <a:avLst/>
+          </a:prstGeom>
+          <a:noFill/>
+        </p:spPr>
+        <p:txBody>
+          <a:bodyPr wrap="none" rtlCol="0">
+            <a:spAutoFit/>
+          </a:bodyPr>
+          <a:lstStyle/>
+          <a:p>
+            <a:r>
+              <a:rPr lang="de-DE" dirty="0"/>
+              <a:t>RAG</a:t>
+            </a:r>
+          </a:p>
+        </p:txBody>
+      </p:sp>
+      <p:sp>
+        <p:nvSpPr>
+          <p:cNvPr id="3" name="Rechteck 2">
+            <a:extLst>
+              <a:ext uri="{FF2B5EF4-FFF2-40B4-BE49-F238E27FC236}">
+                <a16:creationId xmlns:a16="http://schemas.microsoft.com/office/drawing/2014/main" id="{19205BB8-847E-EBB2-8B2F-46DD0FA0BC58}"/>
+              </a:ext>
+            </a:extLst>
+          </p:cNvPr>
+          <p:cNvSpPr/>
+          <p:nvPr/>
+        </p:nvSpPr>
+        <p:spPr>
+          <a:xfrm>
+            <a:off x="3776051" y="2783494"/>
+            <a:ext cx="3168088" cy="1291011"/>
+          </a:xfrm>
+          <a:prstGeom prst="rect">
+            <a:avLst/>
+          </a:prstGeom>
+        </p:spPr>
+        <p:style>
+          <a:lnRef idx="2">
+            <a:schemeClr val="accent1">
+              <a:shade val="15000"/>
+            </a:schemeClr>
+          </a:lnRef>
+          <a:fillRef idx="1">
+            <a:schemeClr val="accent1"/>
+          </a:fillRef>
+          <a:effectRef idx="0">
+            <a:schemeClr val="accent1"/>
+          </a:effectRef>
+          <a:fontRef idx="minor">
+            <a:schemeClr val="lt1"/>
+          </a:fontRef>
+        </p:style>
+        <p:txBody>
+          <a:bodyPr rtlCol="0" anchor="ctr"/>
+          <a:lstStyle/>
+          <a:p>
+            <a:pPr algn="ctr"/>
+            <a:r>
+              <a:rPr lang="de-DE" dirty="0"/>
+              <a:t>RAG</a:t>
+            </a:r>
+          </a:p>
+        </p:txBody>
+      </p:sp>
+      <p:sp>
+        <p:nvSpPr>
+          <p:cNvPr id="4" name="Rechteck 3">
+            <a:extLst>
+              <a:ext uri="{FF2B5EF4-FFF2-40B4-BE49-F238E27FC236}">
+                <a16:creationId xmlns:a16="http://schemas.microsoft.com/office/drawing/2014/main" id="{D7C291F3-0537-4AAC-57E1-F3E1222362A2}"/>
+              </a:ext>
+            </a:extLst>
+          </p:cNvPr>
+          <p:cNvSpPr/>
+          <p:nvPr/>
+        </p:nvSpPr>
+        <p:spPr>
+          <a:xfrm>
+            <a:off x="3776051" y="2067339"/>
+            <a:ext cx="3168088" cy="436783"/>
+          </a:xfrm>
+          <a:prstGeom prst="rect">
+            <a:avLst/>
+          </a:prstGeom>
+        </p:spPr>
+        <p:style>
+          <a:lnRef idx="2">
+            <a:schemeClr val="accent1">
+              <a:shade val="15000"/>
+            </a:schemeClr>
+          </a:lnRef>
+          <a:fillRef idx="1">
+            <a:schemeClr val="accent1"/>
+          </a:fillRef>
+          <a:effectRef idx="0">
+            <a:schemeClr val="accent1"/>
+          </a:effectRef>
+          <a:fontRef idx="minor">
+            <a:schemeClr val="lt1"/>
+          </a:fontRef>
+        </p:style>
+        <p:txBody>
+          <a:bodyPr rtlCol="0" anchor="ctr"/>
+          <a:lstStyle/>
+          <a:p>
+            <a:pPr algn="ctr"/>
+            <a:r>
+              <a:rPr lang="de-DE" dirty="0"/>
+              <a:t>API</a:t>
+            </a:r>
+          </a:p>
+        </p:txBody>
+      </p:sp>
+      <p:sp>
+        <p:nvSpPr>
+          <p:cNvPr id="5" name="Gefaltete Ecke 4">
+            <a:extLst>
+              <a:ext uri="{FF2B5EF4-FFF2-40B4-BE49-F238E27FC236}">
+                <a16:creationId xmlns:a16="http://schemas.microsoft.com/office/drawing/2014/main" id="{449BFB25-BFE6-AACE-5D7B-EA86A8984214}"/>
+              </a:ext>
+            </a:extLst>
+          </p:cNvPr>
+          <p:cNvSpPr/>
+          <p:nvPr/>
+        </p:nvSpPr>
+        <p:spPr>
+          <a:xfrm>
+            <a:off x="1113183" y="2787132"/>
+            <a:ext cx="2275686" cy="1287372"/>
+          </a:xfrm>
+          <a:prstGeom prst="foldedCorner">
+            <a:avLst/>
+          </a:prstGeom>
+        </p:spPr>
+        <p:style>
+          <a:lnRef idx="2">
+            <a:schemeClr val="accent1">
+              <a:shade val="15000"/>
+            </a:schemeClr>
+          </a:lnRef>
+          <a:fillRef idx="1">
+            <a:schemeClr val="accent1"/>
+          </a:fillRef>
+          <a:effectRef idx="0">
+            <a:schemeClr val="accent1"/>
+          </a:effectRef>
+          <a:fontRef idx="minor">
+            <a:schemeClr val="lt1"/>
+          </a:fontRef>
+        </p:style>
+        <p:txBody>
+          <a:bodyPr rtlCol="0" anchor="ctr"/>
+          <a:lstStyle/>
+          <a:p>
+            <a:pPr algn="ctr"/>
+            <a:r>
+              <a:rPr lang="de-DE" dirty="0"/>
+              <a:t>Framework</a:t>
+            </a:r>
+          </a:p>
+        </p:txBody>
+      </p:sp>
+      <p:sp>
+        <p:nvSpPr>
+          <p:cNvPr id="6" name="Rechteck 5">
+            <a:extLst>
+              <a:ext uri="{FF2B5EF4-FFF2-40B4-BE49-F238E27FC236}">
+                <a16:creationId xmlns:a16="http://schemas.microsoft.com/office/drawing/2014/main" id="{9C5F0B66-35BB-2B71-AF9E-5EE39A74C319}"/>
+              </a:ext>
+            </a:extLst>
+          </p:cNvPr>
+          <p:cNvSpPr/>
+          <p:nvPr/>
+        </p:nvSpPr>
+        <p:spPr>
+          <a:xfrm>
+            <a:off x="8420938" y="2783493"/>
+            <a:ext cx="3168088" cy="1291011"/>
+          </a:xfrm>
+          <a:prstGeom prst="rect">
+            <a:avLst/>
+          </a:prstGeom>
+        </p:spPr>
+        <p:style>
+          <a:lnRef idx="2">
+            <a:schemeClr val="accent1">
+              <a:shade val="15000"/>
+            </a:schemeClr>
+          </a:lnRef>
+          <a:fillRef idx="1">
+            <a:schemeClr val="accent1"/>
+          </a:fillRef>
+          <a:effectRef idx="0">
+            <a:schemeClr val="accent1"/>
+          </a:effectRef>
+          <a:fontRef idx="minor">
+            <a:schemeClr val="lt1"/>
+          </a:fontRef>
+        </p:style>
+        <p:txBody>
+          <a:bodyPr rtlCol="0" anchor="ctr"/>
+          <a:lstStyle/>
+          <a:p>
+            <a:pPr algn="ctr"/>
+            <a:r>
+              <a:rPr lang="de-DE" dirty="0"/>
+              <a:t>Modell</a:t>
+            </a:r>
+          </a:p>
+        </p:txBody>
+      </p:sp>
+      <p:cxnSp>
+        <p:nvCxnSpPr>
+          <p:cNvPr id="7" name="Gerade Verbindung mit Pfeil 6">
+            <a:extLst>
+              <a:ext uri="{FF2B5EF4-FFF2-40B4-BE49-F238E27FC236}">
+                <a16:creationId xmlns:a16="http://schemas.microsoft.com/office/drawing/2014/main" id="{8226F0F9-01BC-27E9-7B0B-CC23425489D0}"/>
+              </a:ext>
+            </a:extLst>
+          </p:cNvPr>
+          <p:cNvCxnSpPr>
+            <a:stCxn id="3" idx="3"/>
+            <a:endCxn id="6" idx="1"/>
+          </p:cNvCxnSpPr>
+          <p:nvPr/>
+        </p:nvCxnSpPr>
+        <p:spPr>
+          <a:xfrm flipV="1">
+            <a:off x="6944139" y="3428999"/>
+            <a:ext cx="1476799" cy="1"/>
+          </a:xfrm>
+          <a:prstGeom prst="straightConnector1">
+            <a:avLst/>
+          </a:prstGeom>
+          <a:ln>
+            <a:headEnd type="triangle"/>
+            <a:tailEnd type="triangle"/>
+          </a:ln>
+        </p:spPr>
+        <p:style>
+          <a:lnRef idx="2">
+            <a:schemeClr val="accent1"/>
+          </a:lnRef>
+          <a:fillRef idx="0">
+            <a:schemeClr val="accent1"/>
+          </a:fillRef>
+          <a:effectRef idx="1">
+            <a:schemeClr val="accent1"/>
+          </a:effectRef>
+          <a:fontRef idx="minor">
+            <a:schemeClr val="tx1"/>
+          </a:fontRef>
+        </p:style>
+      </p:cxnSp>
+      <p:sp>
+        <p:nvSpPr>
+          <p:cNvPr id="8" name="Textfeld 7">
+            <a:extLst>
+              <a:ext uri="{FF2B5EF4-FFF2-40B4-BE49-F238E27FC236}">
+                <a16:creationId xmlns:a16="http://schemas.microsoft.com/office/drawing/2014/main" id="{F4AD29CD-6E0D-4B86-AAF1-DBDEAE458405}"/>
+              </a:ext>
+            </a:extLst>
+          </p:cNvPr>
+          <p:cNvSpPr txBox="1"/>
+          <p:nvPr/>
+        </p:nvSpPr>
+        <p:spPr>
+          <a:xfrm>
+            <a:off x="7331320" y="3059666"/>
+            <a:ext cx="702436" cy="369332"/>
+          </a:xfrm>
+          <a:prstGeom prst="rect">
+            <a:avLst/>
+          </a:prstGeom>
+          <a:noFill/>
+        </p:spPr>
+        <p:txBody>
+          <a:bodyPr wrap="none" rtlCol="0">
+            <a:spAutoFit/>
+          </a:bodyPr>
+          <a:lstStyle/>
+          <a:p>
+            <a:r>
+              <a:rPr lang="de-DE" dirty="0"/>
+              <a:t>HTTP</a:t>
+            </a:r>
+          </a:p>
+        </p:txBody>
+      </p:sp>
+      <p:cxnSp>
+        <p:nvCxnSpPr>
+          <p:cNvPr id="9" name="Gerade Verbindung mit Pfeil 8">
+            <a:extLst>
+              <a:ext uri="{FF2B5EF4-FFF2-40B4-BE49-F238E27FC236}">
+                <a16:creationId xmlns:a16="http://schemas.microsoft.com/office/drawing/2014/main" id="{2570699F-3085-B632-49B0-B60E6584C417}"/>
+              </a:ext>
+            </a:extLst>
+          </p:cNvPr>
+          <p:cNvCxnSpPr>
+            <a:stCxn id="4" idx="2"/>
+            <a:endCxn id="3" idx="0"/>
+          </p:cNvCxnSpPr>
+          <p:nvPr/>
+        </p:nvCxnSpPr>
+        <p:spPr>
+          <a:xfrm>
+            <a:off x="5360095" y="2504122"/>
+            <a:ext cx="0" cy="279372"/>
+          </a:xfrm>
+          <a:prstGeom prst="straightConnector1">
+            <a:avLst/>
+          </a:prstGeom>
+          <a:ln>
+            <a:headEnd type="triangle"/>
+            <a:tailEnd type="triangle"/>
+          </a:ln>
+        </p:spPr>
+        <p:style>
+          <a:lnRef idx="2">
+            <a:schemeClr val="accent1"/>
+          </a:lnRef>
+          <a:fillRef idx="0">
+            <a:schemeClr val="accent1"/>
+          </a:fillRef>
+          <a:effectRef idx="1">
+            <a:schemeClr val="accent1"/>
+          </a:effectRef>
+          <a:fontRef idx="minor">
+            <a:schemeClr val="tx1"/>
+          </a:fontRef>
+        </p:style>
+      </p:cxnSp>
+      <p:cxnSp>
+        <p:nvCxnSpPr>
+          <p:cNvPr id="18" name="Gerade Verbindung 17">
+            <a:extLst>
+              <a:ext uri="{FF2B5EF4-FFF2-40B4-BE49-F238E27FC236}">
+                <a16:creationId xmlns:a16="http://schemas.microsoft.com/office/drawing/2014/main" id="{93410C5E-28FB-5A42-76BF-14177615CD57}"/>
+              </a:ext>
+            </a:extLst>
+          </p:cNvPr>
+          <p:cNvCxnSpPr>
+            <a:stCxn id="5" idx="3"/>
+            <a:endCxn id="3" idx="1"/>
+          </p:cNvCxnSpPr>
+          <p:nvPr/>
+        </p:nvCxnSpPr>
+        <p:spPr>
+          <a:xfrm flipV="1">
+            <a:off x="3388869" y="3429000"/>
+            <a:ext cx="387182" cy="1818"/>
+          </a:xfrm>
+          <a:prstGeom prst="line">
+            <a:avLst/>
+          </a:prstGeom>
+          <a:ln>
+            <a:prstDash val="dash"/>
+          </a:ln>
+        </p:spPr>
+        <p:style>
+          <a:lnRef idx="2">
+            <a:schemeClr val="accent1"/>
+          </a:lnRef>
+          <a:fillRef idx="0">
+            <a:schemeClr val="accent1"/>
+          </a:fillRef>
+          <a:effectRef idx="1">
+            <a:schemeClr val="accent1"/>
+          </a:effectRef>
+          <a:fontRef idx="minor">
+            <a:schemeClr val="tx1"/>
+          </a:fontRef>
+        </p:style>
+      </p:cxnSp>
+      <p:sp>
+        <p:nvSpPr>
+          <p:cNvPr id="19" name="Zylinder 18">
+            <a:extLst>
+              <a:ext uri="{FF2B5EF4-FFF2-40B4-BE49-F238E27FC236}">
+                <a16:creationId xmlns:a16="http://schemas.microsoft.com/office/drawing/2014/main" id="{FC80FBA4-AD69-1285-C631-A022AB35BDFD}"/>
+              </a:ext>
+            </a:extLst>
+          </p:cNvPr>
+          <p:cNvSpPr/>
+          <p:nvPr/>
+        </p:nvSpPr>
+        <p:spPr>
+          <a:xfrm>
+            <a:off x="3776051" y="4611756"/>
+            <a:ext cx="3168088" cy="1216152"/>
+          </a:xfrm>
+          <a:prstGeom prst="can">
+            <a:avLst/>
+          </a:prstGeom>
+        </p:spPr>
+        <p:style>
+          <a:lnRef idx="2">
+            <a:schemeClr val="accent1">
+              <a:shade val="15000"/>
+            </a:schemeClr>
+          </a:lnRef>
+          <a:fillRef idx="1">
+            <a:schemeClr val="accent1"/>
+          </a:fillRef>
+          <a:effectRef idx="0">
+            <a:schemeClr val="accent1"/>
+          </a:effectRef>
+          <a:fontRef idx="minor">
+            <a:schemeClr val="lt1"/>
+          </a:fontRef>
+        </p:style>
+        <p:txBody>
+          <a:bodyPr rtlCol="0" anchor="ctr"/>
+          <a:lstStyle/>
+          <a:p>
+            <a:pPr algn="ctr"/>
+            <a:r>
+              <a:rPr lang="de-DE" dirty="0"/>
+              <a:t>Datenquelle</a:t>
+            </a:r>
+          </a:p>
+        </p:txBody>
+      </p:sp>
+      <p:cxnSp>
+        <p:nvCxnSpPr>
+          <p:cNvPr id="21" name="Gerade Verbindung mit Pfeil 20">
+            <a:extLst>
+              <a:ext uri="{FF2B5EF4-FFF2-40B4-BE49-F238E27FC236}">
+                <a16:creationId xmlns:a16="http://schemas.microsoft.com/office/drawing/2014/main" id="{20C0CCDE-B912-9D23-8CCC-031A31C55106}"/>
+              </a:ext>
+            </a:extLst>
+          </p:cNvPr>
+          <p:cNvCxnSpPr>
+            <a:stCxn id="3" idx="2"/>
+            <a:endCxn id="19" idx="1"/>
+          </p:cNvCxnSpPr>
+          <p:nvPr/>
+        </p:nvCxnSpPr>
+        <p:spPr>
+          <a:xfrm>
+            <a:off x="5360095" y="4074505"/>
+            <a:ext cx="0" cy="537251"/>
+          </a:xfrm>
+          <a:prstGeom prst="straightConnector1">
+            <a:avLst/>
+          </a:prstGeom>
+          <a:ln>
+            <a:headEnd type="triangle"/>
+            <a:tailEnd type="triangle"/>
+          </a:ln>
+        </p:spPr>
+        <p:style>
+          <a:lnRef idx="2">
+            <a:schemeClr val="accent1"/>
+          </a:lnRef>
+          <a:fillRef idx="0">
+            <a:schemeClr val="accent1"/>
+          </a:fillRef>
+          <a:effectRef idx="1">
+            <a:schemeClr val="accent1"/>
+          </a:effectRef>
+          <a:fontRef idx="minor">
+            <a:schemeClr val="tx1"/>
+          </a:fontRef>
+        </p:style>
+      </p:cxnSp>
+    </p:spTree>
+    <p:extLst>
+      <p:ext uri="{BB962C8B-B14F-4D97-AF65-F5344CB8AC3E}">
+        <p14:creationId xmlns:p14="http://schemas.microsoft.com/office/powerpoint/2010/main" val="204256130"/>
+      </p:ext>
+    </p:extLst>
+  </p:cSld>
+  <p:clrMapOvr>
+    <a:masterClrMapping/>
+  </p:clrMapOvr>
+</p:sld>
+</file>
+
+<file path=ppt/slides/slide11.xml><?xml version="1.0" encoding="utf-8"?>
+<p:sld xmlns:a="http://schemas.openxmlformats.org/drawingml/2006/main" xmlns:r="http://schemas.openxmlformats.org/officeDocument/2006/relationships" xmlns:p="http://schemas.openxmlformats.org/presentationml/2006/main">
+  <p:cSld>
+    <p:spTree>
+      <p:nvGrpSpPr>
+        <p:cNvPr id="1" name=""/>
+        <p:cNvGrpSpPr/>
+        <p:nvPr/>
+      </p:nvGrpSpPr>
+      <p:grpSpPr>
+        <a:xfrm>
+          <a:off x="0" y="0"/>
+          <a:ext cx="0" cy="0"/>
+          <a:chOff x="0" y="0"/>
+          <a:chExt cx="0" cy="0"/>
+        </a:xfrm>
+      </p:grpSpPr>
+      <p:sp>
+        <p:nvSpPr>
           <p:cNvPr id="2" name="Abgerundetes Rechteck 1">
             <a:extLst>
               <a:ext uri="{FF2B5EF4-FFF2-40B4-BE49-F238E27FC236}">
@@ -4655,7 +5173,7 @@
 </p:sld>
 </file>
 
-<file path=ppt/slides/slide11.xml><?xml version="1.0" encoding="utf-8"?>
+<file path=ppt/slides/slide12.xml><?xml version="1.0" encoding="utf-8"?>
 <p:sld xmlns:a="http://schemas.openxmlformats.org/drawingml/2006/main" xmlns:r="http://schemas.openxmlformats.org/officeDocument/2006/relationships" xmlns:p="http://schemas.openxmlformats.org/presentationml/2006/main">
   <p:cSld>
     <p:spTree>
@@ -6345,7 +6863,7 @@
 </p:sld>
 </file>
 
-<file path=ppt/slides/slide12.xml><?xml version="1.0" encoding="utf-8"?>
+<file path=ppt/slides/slide13.xml><?xml version="1.0" encoding="utf-8"?>
 <p:sld xmlns:a="http://schemas.openxmlformats.org/drawingml/2006/main" xmlns:r="http://schemas.openxmlformats.org/officeDocument/2006/relationships" xmlns:p="http://schemas.openxmlformats.org/presentationml/2006/main">
   <p:cSld>
     <p:spTree>
@@ -9098,7 +9616,7 @@
 </p:sld>
 </file>
 
-<file path=ppt/slides/slide13.xml><?xml version="1.0" encoding="utf-8"?>
+<file path=ppt/slides/slide14.xml><?xml version="1.0" encoding="utf-8"?>
 <p:sld xmlns:a="http://schemas.openxmlformats.org/drawingml/2006/main" xmlns:r="http://schemas.openxmlformats.org/officeDocument/2006/relationships" xmlns:p="http://schemas.openxmlformats.org/presentationml/2006/main">
   <p:cSld>
     <p:spTree>
@@ -9851,1095 +10369,6 @@
     <p:extLst>
       <p:ext uri="{BB962C8B-B14F-4D97-AF65-F5344CB8AC3E}">
         <p14:creationId xmlns:p14="http://schemas.microsoft.com/office/powerpoint/2010/main" val="2974413400"/>
-      </p:ext>
-    </p:extLst>
-  </p:cSld>
-  <p:clrMapOvr>
-    <a:masterClrMapping/>
-  </p:clrMapOvr>
-</p:sld>
-</file>
-
-<file path=ppt/slides/slide14.xml><?xml version="1.0" encoding="utf-8"?>
-<p:sld xmlns:a="http://schemas.openxmlformats.org/drawingml/2006/main" xmlns:r="http://schemas.openxmlformats.org/officeDocument/2006/relationships" xmlns:p="http://schemas.openxmlformats.org/presentationml/2006/main">
-  <p:cSld>
-    <p:spTree>
-      <p:nvGrpSpPr>
-        <p:cNvPr id="1" name=""/>
-        <p:cNvGrpSpPr/>
-        <p:nvPr/>
-      </p:nvGrpSpPr>
-      <p:grpSpPr>
-        <a:xfrm>
-          <a:off x="0" y="0"/>
-          <a:ext cx="0" cy="0"/>
-          <a:chOff x="0" y="0"/>
-          <a:chExt cx="0" cy="0"/>
-        </a:xfrm>
-      </p:grpSpPr>
-      <p:sp>
-        <p:nvSpPr>
-          <p:cNvPr id="2" name="Textfeld 1">
-            <a:extLst>
-              <a:ext uri="{FF2B5EF4-FFF2-40B4-BE49-F238E27FC236}">
-                <a16:creationId xmlns:a16="http://schemas.microsoft.com/office/drawing/2014/main" id="{9B582775-FF59-6B78-0305-BD3FCB234491}"/>
-              </a:ext>
-            </a:extLst>
-          </p:cNvPr>
-          <p:cNvSpPr txBox="1"/>
-          <p:nvPr/>
-        </p:nvSpPr>
-        <p:spPr>
-          <a:xfrm>
-            <a:off x="10434468" y="6127161"/>
-            <a:ext cx="1124347" cy="369332"/>
-          </a:xfrm>
-          <a:prstGeom prst="rect">
-            <a:avLst/>
-          </a:prstGeom>
-          <a:noFill/>
-        </p:spPr>
-        <p:txBody>
-          <a:bodyPr wrap="none" rtlCol="0">
-            <a:spAutoFit/>
-          </a:bodyPr>
-          <a:lstStyle/>
-          <a:p>
-            <a:r>
-              <a:rPr lang="de-DE" dirty="0" err="1"/>
-              <a:t>Inference</a:t>
-            </a:r>
-            <a:endParaRPr lang="de-DE" dirty="0"/>
-          </a:p>
-        </p:txBody>
-      </p:sp>
-      <p:sp>
-        <p:nvSpPr>
-          <p:cNvPr id="3" name="Rechteck 2">
-            <a:extLst>
-              <a:ext uri="{FF2B5EF4-FFF2-40B4-BE49-F238E27FC236}">
-                <a16:creationId xmlns:a16="http://schemas.microsoft.com/office/drawing/2014/main" id="{402181A9-3C3D-5E48-EF19-73B15C6D9CD7}"/>
-              </a:ext>
-            </a:extLst>
-          </p:cNvPr>
-          <p:cNvSpPr/>
-          <p:nvPr/>
-        </p:nvSpPr>
-        <p:spPr>
-          <a:xfrm>
-            <a:off x="988825" y="1152929"/>
-            <a:ext cx="397095" cy="3323370"/>
-          </a:xfrm>
-          <a:prstGeom prst="rect">
-            <a:avLst/>
-          </a:prstGeom>
-        </p:spPr>
-        <p:style>
-          <a:lnRef idx="2">
-            <a:schemeClr val="accent1">
-              <a:shade val="15000"/>
-            </a:schemeClr>
-          </a:lnRef>
-          <a:fillRef idx="1">
-            <a:schemeClr val="accent1"/>
-          </a:fillRef>
-          <a:effectRef idx="0">
-            <a:schemeClr val="accent1"/>
-          </a:effectRef>
-          <a:fontRef idx="minor">
-            <a:schemeClr val="lt1"/>
-          </a:fontRef>
-        </p:style>
-        <p:txBody>
-          <a:bodyPr vert="vert270" rtlCol="0" anchor="ctr"/>
-          <a:lstStyle/>
-          <a:p>
-            <a:pPr algn="ctr"/>
-            <a:r>
-              <a:rPr lang="de-DE" dirty="0"/>
-              <a:t>LLM Gateway</a:t>
-            </a:r>
-          </a:p>
-        </p:txBody>
-      </p:sp>
-      <p:sp>
-        <p:nvSpPr>
-          <p:cNvPr id="4" name="Rechteck 3">
-            <a:extLst>
-              <a:ext uri="{FF2B5EF4-FFF2-40B4-BE49-F238E27FC236}">
-                <a16:creationId xmlns:a16="http://schemas.microsoft.com/office/drawing/2014/main" id="{F24FC566-0F97-CA29-89F3-854D5B1A2109}"/>
-              </a:ext>
-            </a:extLst>
-          </p:cNvPr>
-          <p:cNvSpPr/>
-          <p:nvPr/>
-        </p:nvSpPr>
-        <p:spPr>
-          <a:xfrm>
-            <a:off x="2392323" y="1152928"/>
-            <a:ext cx="7325834" cy="3323371"/>
-          </a:xfrm>
-          <a:prstGeom prst="rect">
-            <a:avLst/>
-          </a:prstGeom>
-        </p:spPr>
-        <p:style>
-          <a:lnRef idx="2">
-            <a:schemeClr val="accent1">
-              <a:shade val="15000"/>
-            </a:schemeClr>
-          </a:lnRef>
-          <a:fillRef idx="1">
-            <a:schemeClr val="accent1"/>
-          </a:fillRef>
-          <a:effectRef idx="0">
-            <a:schemeClr val="accent1"/>
-          </a:effectRef>
-          <a:fontRef idx="minor">
-            <a:schemeClr val="lt1"/>
-          </a:fontRef>
-        </p:style>
-        <p:txBody>
-          <a:bodyPr rtlCol="0" anchor="ctr"/>
-          <a:lstStyle/>
-          <a:p>
-            <a:pPr algn="ctr"/>
-            <a:endParaRPr lang="de-DE"/>
-          </a:p>
-        </p:txBody>
-      </p:sp>
-      <p:sp>
-        <p:nvSpPr>
-          <p:cNvPr id="5" name="Abgerundetes Rechteck 4">
-            <a:extLst>
-              <a:ext uri="{FF2B5EF4-FFF2-40B4-BE49-F238E27FC236}">
-                <a16:creationId xmlns:a16="http://schemas.microsoft.com/office/drawing/2014/main" id="{F89F3C77-079C-3600-FA69-67144CDB21BC}"/>
-              </a:ext>
-            </a:extLst>
-          </p:cNvPr>
-          <p:cNvSpPr/>
-          <p:nvPr/>
-        </p:nvSpPr>
-        <p:spPr>
-          <a:xfrm>
-            <a:off x="2867685" y="2025561"/>
-            <a:ext cx="983660" cy="580171"/>
-          </a:xfrm>
-          <a:prstGeom prst="roundRect">
-            <a:avLst/>
-          </a:prstGeom>
-        </p:spPr>
-        <p:style>
-          <a:lnRef idx="2">
-            <a:schemeClr val="accent6"/>
-          </a:lnRef>
-          <a:fillRef idx="1">
-            <a:schemeClr val="lt1"/>
-          </a:fillRef>
-          <a:effectRef idx="0">
-            <a:schemeClr val="accent6"/>
-          </a:effectRef>
-          <a:fontRef idx="minor">
-            <a:schemeClr val="dk1"/>
-          </a:fontRef>
-        </p:style>
-        <p:txBody>
-          <a:bodyPr rtlCol="0" anchor="ctr"/>
-          <a:lstStyle/>
-          <a:p>
-            <a:pPr algn="ctr"/>
-            <a:r>
-              <a:rPr lang="de-DE" sz="1200" dirty="0"/>
-              <a:t>Queue Scheduler</a:t>
-            </a:r>
-          </a:p>
-        </p:txBody>
-      </p:sp>
-      <p:cxnSp>
-        <p:nvCxnSpPr>
-          <p:cNvPr id="7" name="Gerade Verbindung mit Pfeil 6">
-            <a:extLst>
-              <a:ext uri="{FF2B5EF4-FFF2-40B4-BE49-F238E27FC236}">
-                <a16:creationId xmlns:a16="http://schemas.microsoft.com/office/drawing/2014/main" id="{C0C414BD-BD45-3CAE-088F-563DB7F4ACC3}"/>
-              </a:ext>
-            </a:extLst>
-          </p:cNvPr>
-          <p:cNvCxnSpPr>
-            <a:endCxn id="5" idx="1"/>
-          </p:cNvCxnSpPr>
-          <p:nvPr/>
-        </p:nvCxnSpPr>
-        <p:spPr>
-          <a:xfrm>
-            <a:off x="1385920" y="2315646"/>
-            <a:ext cx="1481765" cy="1"/>
-          </a:xfrm>
-          <a:prstGeom prst="straightConnector1">
-            <a:avLst/>
-          </a:prstGeom>
-          <a:ln>
-            <a:tailEnd type="triangle"/>
-          </a:ln>
-        </p:spPr>
-        <p:style>
-          <a:lnRef idx="1">
-            <a:schemeClr val="accent6"/>
-          </a:lnRef>
-          <a:fillRef idx="0">
-            <a:schemeClr val="accent6"/>
-          </a:fillRef>
-          <a:effectRef idx="0">
-            <a:schemeClr val="accent6"/>
-          </a:effectRef>
-          <a:fontRef idx="minor">
-            <a:schemeClr val="tx1"/>
-          </a:fontRef>
-        </p:style>
-      </p:cxnSp>
-      <p:sp>
-        <p:nvSpPr>
-          <p:cNvPr id="8" name="Textfeld 7">
-            <a:extLst>
-              <a:ext uri="{FF2B5EF4-FFF2-40B4-BE49-F238E27FC236}">
-                <a16:creationId xmlns:a16="http://schemas.microsoft.com/office/drawing/2014/main" id="{7352304F-500E-65AE-2EB1-A6C27D8DD6DB}"/>
-              </a:ext>
-            </a:extLst>
-          </p:cNvPr>
-          <p:cNvSpPr txBox="1"/>
-          <p:nvPr/>
-        </p:nvSpPr>
-        <p:spPr>
-          <a:xfrm>
-            <a:off x="1438661" y="2025561"/>
-            <a:ext cx="1008609" cy="276999"/>
-          </a:xfrm>
-          <a:prstGeom prst="rect">
-            <a:avLst/>
-          </a:prstGeom>
-          <a:noFill/>
-        </p:spPr>
-        <p:txBody>
-          <a:bodyPr wrap="none" rtlCol="0">
-            <a:spAutoFit/>
-          </a:bodyPr>
-          <a:lstStyle/>
-          <a:p>
-            <a:r>
-              <a:rPr lang="de-DE" sz="1200" dirty="0"/>
-              <a:t>HTTP / gRPC</a:t>
-            </a:r>
-          </a:p>
-        </p:txBody>
-      </p:sp>
-      <p:sp>
-        <p:nvSpPr>
-          <p:cNvPr id="9" name="Abgerundetes Rechteck 8">
-            <a:extLst>
-              <a:ext uri="{FF2B5EF4-FFF2-40B4-BE49-F238E27FC236}">
-                <a16:creationId xmlns:a16="http://schemas.microsoft.com/office/drawing/2014/main" id="{BEB5CC34-EA08-C911-A809-9DE8678CCB67}"/>
-              </a:ext>
-            </a:extLst>
-          </p:cNvPr>
-          <p:cNvSpPr/>
-          <p:nvPr/>
-        </p:nvSpPr>
-        <p:spPr>
-          <a:xfrm>
-            <a:off x="4426328" y="1588449"/>
-            <a:ext cx="3994656" cy="1903839"/>
-          </a:xfrm>
-          <a:prstGeom prst="roundRect">
-            <a:avLst/>
-          </a:prstGeom>
-        </p:spPr>
-        <p:style>
-          <a:lnRef idx="2">
-            <a:schemeClr val="accent6"/>
-          </a:lnRef>
-          <a:fillRef idx="1">
-            <a:schemeClr val="lt1"/>
-          </a:fillRef>
-          <a:effectRef idx="0">
-            <a:schemeClr val="accent6"/>
-          </a:effectRef>
-          <a:fontRef idx="minor">
-            <a:schemeClr val="dk1"/>
-          </a:fontRef>
-        </p:style>
-        <p:txBody>
-          <a:bodyPr rtlCol="0" anchor="t"/>
-          <a:lstStyle/>
-          <a:p>
-            <a:pPr algn="ctr"/>
-            <a:r>
-              <a:rPr lang="de-DE" sz="1200" dirty="0" err="1"/>
-              <a:t>Inference</a:t>
-            </a:r>
-            <a:r>
-              <a:rPr lang="de-DE" sz="1200" dirty="0"/>
-              <a:t> Engine</a:t>
-            </a:r>
-          </a:p>
-        </p:txBody>
-      </p:sp>
-      <p:sp>
-        <p:nvSpPr>
-          <p:cNvPr id="10" name="Abgerundetes Rechteck 9">
-            <a:extLst>
-              <a:ext uri="{FF2B5EF4-FFF2-40B4-BE49-F238E27FC236}">
-                <a16:creationId xmlns:a16="http://schemas.microsoft.com/office/drawing/2014/main" id="{4178716A-37B9-5E2F-B43B-2A0439C77673}"/>
-              </a:ext>
-            </a:extLst>
-          </p:cNvPr>
-          <p:cNvSpPr/>
-          <p:nvPr/>
-        </p:nvSpPr>
-        <p:spPr>
-          <a:xfrm>
-            <a:off x="4532862" y="2019488"/>
-            <a:ext cx="983660" cy="580171"/>
-          </a:xfrm>
-          <a:prstGeom prst="roundRect">
-            <a:avLst/>
-          </a:prstGeom>
-        </p:spPr>
-        <p:style>
-          <a:lnRef idx="2">
-            <a:schemeClr val="accent6"/>
-          </a:lnRef>
-          <a:fillRef idx="1">
-            <a:schemeClr val="lt1"/>
-          </a:fillRef>
-          <a:effectRef idx="0">
-            <a:schemeClr val="accent6"/>
-          </a:effectRef>
-          <a:fontRef idx="minor">
-            <a:schemeClr val="dk1"/>
-          </a:fontRef>
-        </p:style>
-        <p:txBody>
-          <a:bodyPr rtlCol="0" anchor="ctr"/>
-          <a:lstStyle/>
-          <a:p>
-            <a:pPr algn="ctr"/>
-            <a:r>
-              <a:rPr lang="de-DE" sz="1200" dirty="0"/>
-              <a:t>Dynamic </a:t>
-            </a:r>
-            <a:r>
-              <a:rPr lang="de-DE" sz="1200" dirty="0" err="1"/>
-              <a:t>Batching</a:t>
-            </a:r>
-            <a:endParaRPr lang="de-DE" sz="1200" dirty="0"/>
-          </a:p>
-        </p:txBody>
-      </p:sp>
-      <p:sp>
-        <p:nvSpPr>
-          <p:cNvPr id="11" name="Abgerundetes Rechteck 10">
-            <a:extLst>
-              <a:ext uri="{FF2B5EF4-FFF2-40B4-BE49-F238E27FC236}">
-                <a16:creationId xmlns:a16="http://schemas.microsoft.com/office/drawing/2014/main" id="{0D5A8207-2898-E14E-9979-AD3A421C6B43}"/>
-              </a:ext>
-            </a:extLst>
-          </p:cNvPr>
-          <p:cNvSpPr/>
-          <p:nvPr/>
-        </p:nvSpPr>
-        <p:spPr>
-          <a:xfrm>
-            <a:off x="4532862" y="2777659"/>
-            <a:ext cx="983660" cy="580171"/>
-          </a:xfrm>
-          <a:prstGeom prst="roundRect">
-            <a:avLst/>
-          </a:prstGeom>
-        </p:spPr>
-        <p:style>
-          <a:lnRef idx="2">
-            <a:schemeClr val="accent6"/>
-          </a:lnRef>
-          <a:fillRef idx="1">
-            <a:schemeClr val="lt1"/>
-          </a:fillRef>
-          <a:effectRef idx="0">
-            <a:schemeClr val="accent6"/>
-          </a:effectRef>
-          <a:fontRef idx="minor">
-            <a:schemeClr val="dk1"/>
-          </a:fontRef>
-        </p:style>
-        <p:txBody>
-          <a:bodyPr rtlCol="0" anchor="ctr"/>
-          <a:lstStyle/>
-          <a:p>
-            <a:pPr algn="ctr"/>
-            <a:r>
-              <a:rPr lang="de-DE" sz="1200" dirty="0"/>
-              <a:t>Response</a:t>
-            </a:r>
-          </a:p>
-        </p:txBody>
-      </p:sp>
-      <p:sp>
-        <p:nvSpPr>
-          <p:cNvPr id="12" name="Abgerundetes Rechteck 11">
-            <a:extLst>
-              <a:ext uri="{FF2B5EF4-FFF2-40B4-BE49-F238E27FC236}">
-                <a16:creationId xmlns:a16="http://schemas.microsoft.com/office/drawing/2014/main" id="{9AAC590D-D263-1955-BFC4-CB0BD9E204E7}"/>
-              </a:ext>
-            </a:extLst>
-          </p:cNvPr>
-          <p:cNvSpPr/>
-          <p:nvPr/>
-        </p:nvSpPr>
-        <p:spPr>
-          <a:xfrm>
-            <a:off x="7067514" y="2011662"/>
-            <a:ext cx="974510" cy="580171"/>
-          </a:xfrm>
-          <a:prstGeom prst="roundRect">
-            <a:avLst/>
-          </a:prstGeom>
-        </p:spPr>
-        <p:style>
-          <a:lnRef idx="2">
-            <a:schemeClr val="accent6"/>
-          </a:lnRef>
-          <a:fillRef idx="1">
-            <a:schemeClr val="lt1"/>
-          </a:fillRef>
-          <a:effectRef idx="0">
-            <a:schemeClr val="accent6"/>
-          </a:effectRef>
-          <a:fontRef idx="minor">
-            <a:schemeClr val="dk1"/>
-          </a:fontRef>
-        </p:style>
-        <p:txBody>
-          <a:bodyPr rtlCol="0" anchor="ctr"/>
-          <a:lstStyle/>
-          <a:p>
-            <a:pPr algn="ctr"/>
-            <a:r>
-              <a:rPr lang="de-DE" sz="1200" dirty="0"/>
-              <a:t>Model</a:t>
-            </a:r>
-          </a:p>
-        </p:txBody>
-      </p:sp>
-      <p:sp>
-        <p:nvSpPr>
-          <p:cNvPr id="13" name="Abgerundetes Rechteck 12">
-            <a:extLst>
-              <a:ext uri="{FF2B5EF4-FFF2-40B4-BE49-F238E27FC236}">
-                <a16:creationId xmlns:a16="http://schemas.microsoft.com/office/drawing/2014/main" id="{7F38D1E1-4A6C-95BA-12F4-C57BE9BEE7EA}"/>
-              </a:ext>
-            </a:extLst>
-          </p:cNvPr>
-          <p:cNvSpPr/>
-          <p:nvPr/>
-        </p:nvSpPr>
-        <p:spPr>
-          <a:xfrm>
-            <a:off x="5675877" y="2019487"/>
-            <a:ext cx="983660" cy="580171"/>
-          </a:xfrm>
-          <a:prstGeom prst="roundRect">
-            <a:avLst/>
-          </a:prstGeom>
-        </p:spPr>
-        <p:style>
-          <a:lnRef idx="2">
-            <a:schemeClr val="accent6"/>
-          </a:lnRef>
-          <a:fillRef idx="1">
-            <a:schemeClr val="lt1"/>
-          </a:fillRef>
-          <a:effectRef idx="0">
-            <a:schemeClr val="accent6"/>
-          </a:effectRef>
-          <a:fontRef idx="minor">
-            <a:schemeClr val="dk1"/>
-          </a:fontRef>
-        </p:style>
-        <p:txBody>
-          <a:bodyPr rtlCol="0" anchor="ctr"/>
-          <a:lstStyle/>
-          <a:p>
-            <a:pPr algn="ctr"/>
-            <a:r>
-              <a:rPr lang="de-DE" sz="1200" dirty="0"/>
-              <a:t>Generate</a:t>
-            </a:r>
-          </a:p>
-        </p:txBody>
-      </p:sp>
-      <p:cxnSp>
-        <p:nvCxnSpPr>
-          <p:cNvPr id="15" name="Gerade Verbindung mit Pfeil 14">
-            <a:extLst>
-              <a:ext uri="{FF2B5EF4-FFF2-40B4-BE49-F238E27FC236}">
-                <a16:creationId xmlns:a16="http://schemas.microsoft.com/office/drawing/2014/main" id="{84528BD7-E1E1-C71C-4232-2EE2E37D8928}"/>
-              </a:ext>
-            </a:extLst>
-          </p:cNvPr>
-          <p:cNvCxnSpPr>
-            <a:stCxn id="13" idx="3"/>
-            <a:endCxn id="12" idx="1"/>
-          </p:cNvCxnSpPr>
-          <p:nvPr/>
-        </p:nvCxnSpPr>
-        <p:spPr>
-          <a:xfrm flipV="1">
-            <a:off x="6659537" y="2301748"/>
-            <a:ext cx="407977" cy="7825"/>
-          </a:xfrm>
-          <a:prstGeom prst="straightConnector1">
-            <a:avLst/>
-          </a:prstGeom>
-          <a:ln>
-            <a:headEnd type="triangle"/>
-            <a:tailEnd type="triangle"/>
-          </a:ln>
-        </p:spPr>
-        <p:style>
-          <a:lnRef idx="2">
-            <a:schemeClr val="accent1"/>
-          </a:lnRef>
-          <a:fillRef idx="0">
-            <a:schemeClr val="accent1"/>
-          </a:fillRef>
-          <a:effectRef idx="1">
-            <a:schemeClr val="accent1"/>
-          </a:effectRef>
-          <a:fontRef idx="minor">
-            <a:schemeClr val="tx1"/>
-          </a:fontRef>
-        </p:style>
-      </p:cxnSp>
-      <p:sp>
-        <p:nvSpPr>
-          <p:cNvPr id="16" name="Textfeld 15">
-            <a:extLst>
-              <a:ext uri="{FF2B5EF4-FFF2-40B4-BE49-F238E27FC236}">
-                <a16:creationId xmlns:a16="http://schemas.microsoft.com/office/drawing/2014/main" id="{79C1AA3E-E327-A921-0FDD-1C26205CBB41}"/>
-              </a:ext>
-            </a:extLst>
-          </p:cNvPr>
-          <p:cNvSpPr txBox="1"/>
-          <p:nvPr/>
-        </p:nvSpPr>
-        <p:spPr>
-          <a:xfrm>
-            <a:off x="6622914" y="2024748"/>
-            <a:ext cx="481222" cy="276999"/>
-          </a:xfrm>
-          <a:prstGeom prst="rect">
-            <a:avLst/>
-          </a:prstGeom>
-          <a:noFill/>
-        </p:spPr>
-        <p:txBody>
-          <a:bodyPr wrap="none" rtlCol="0">
-            <a:spAutoFit/>
-          </a:bodyPr>
-          <a:lstStyle/>
-          <a:p>
-            <a:r>
-              <a:rPr lang="de-DE" sz="1200" dirty="0"/>
-              <a:t>loop</a:t>
-            </a:r>
-          </a:p>
-        </p:txBody>
-      </p:sp>
-      <p:cxnSp>
-        <p:nvCxnSpPr>
-          <p:cNvPr id="18" name="Gerade Verbindung mit Pfeil 17">
-            <a:extLst>
-              <a:ext uri="{FF2B5EF4-FFF2-40B4-BE49-F238E27FC236}">
-                <a16:creationId xmlns:a16="http://schemas.microsoft.com/office/drawing/2014/main" id="{62176BB9-79AB-F7EC-2EE3-BC291D5201F4}"/>
-              </a:ext>
-            </a:extLst>
-          </p:cNvPr>
-          <p:cNvCxnSpPr>
-            <a:stCxn id="10" idx="3"/>
-            <a:endCxn id="13" idx="1"/>
-          </p:cNvCxnSpPr>
-          <p:nvPr/>
-        </p:nvCxnSpPr>
-        <p:spPr>
-          <a:xfrm flipV="1">
-            <a:off x="5516522" y="2309573"/>
-            <a:ext cx="159355" cy="1"/>
-          </a:xfrm>
-          <a:prstGeom prst="straightConnector1">
-            <a:avLst/>
-          </a:prstGeom>
-          <a:ln>
-            <a:tailEnd type="triangle"/>
-          </a:ln>
-        </p:spPr>
-        <p:style>
-          <a:lnRef idx="2">
-            <a:schemeClr val="accent1"/>
-          </a:lnRef>
-          <a:fillRef idx="0">
-            <a:schemeClr val="accent1"/>
-          </a:fillRef>
-          <a:effectRef idx="1">
-            <a:schemeClr val="accent1"/>
-          </a:effectRef>
-          <a:fontRef idx="minor">
-            <a:schemeClr val="tx1"/>
-          </a:fontRef>
-        </p:style>
-      </p:cxnSp>
-      <p:cxnSp>
-        <p:nvCxnSpPr>
-          <p:cNvPr id="20" name="Gewinkelte Verbindung 19">
-            <a:extLst>
-              <a:ext uri="{FF2B5EF4-FFF2-40B4-BE49-F238E27FC236}">
-                <a16:creationId xmlns:a16="http://schemas.microsoft.com/office/drawing/2014/main" id="{59F9F2C6-5B00-CAEA-C6DB-FF520E0A85B2}"/>
-              </a:ext>
-            </a:extLst>
-          </p:cNvPr>
-          <p:cNvCxnSpPr>
-            <a:stCxn id="13" idx="2"/>
-            <a:endCxn id="11" idx="3"/>
-          </p:cNvCxnSpPr>
-          <p:nvPr/>
-        </p:nvCxnSpPr>
-        <p:spPr>
-          <a:xfrm rot="5400000">
-            <a:off x="5608072" y="2508109"/>
-            <a:ext cx="468087" cy="651185"/>
-          </a:xfrm>
-          <a:prstGeom prst="bentConnector2">
-            <a:avLst/>
-          </a:prstGeom>
-          <a:ln>
-            <a:tailEnd type="triangle"/>
-          </a:ln>
-        </p:spPr>
-        <p:style>
-          <a:lnRef idx="2">
-            <a:schemeClr val="accent1"/>
-          </a:lnRef>
-          <a:fillRef idx="0">
-            <a:schemeClr val="accent1"/>
-          </a:fillRef>
-          <a:effectRef idx="1">
-            <a:schemeClr val="accent1"/>
-          </a:effectRef>
-          <a:fontRef idx="minor">
-            <a:schemeClr val="tx1"/>
-          </a:fontRef>
-        </p:style>
-      </p:cxnSp>
-      <p:cxnSp>
-        <p:nvCxnSpPr>
-          <p:cNvPr id="22" name="Gerade Verbindung mit Pfeil 21">
-            <a:extLst>
-              <a:ext uri="{FF2B5EF4-FFF2-40B4-BE49-F238E27FC236}">
-                <a16:creationId xmlns:a16="http://schemas.microsoft.com/office/drawing/2014/main" id="{72BAC15D-BBCC-9DB6-2276-4539444E3F40}"/>
-              </a:ext>
-            </a:extLst>
-          </p:cNvPr>
-          <p:cNvCxnSpPr>
-            <a:stCxn id="5" idx="3"/>
-            <a:endCxn id="10" idx="1"/>
-          </p:cNvCxnSpPr>
-          <p:nvPr/>
-        </p:nvCxnSpPr>
-        <p:spPr>
-          <a:xfrm flipV="1">
-            <a:off x="3851345" y="2309574"/>
-            <a:ext cx="681517" cy="6073"/>
-          </a:xfrm>
-          <a:prstGeom prst="straightConnector1">
-            <a:avLst/>
-          </a:prstGeom>
-          <a:ln>
-            <a:tailEnd type="triangle"/>
-          </a:ln>
-        </p:spPr>
-        <p:style>
-          <a:lnRef idx="1">
-            <a:schemeClr val="accent6"/>
-          </a:lnRef>
-          <a:fillRef idx="0">
-            <a:schemeClr val="accent6"/>
-          </a:fillRef>
-          <a:effectRef idx="0">
-            <a:schemeClr val="accent6"/>
-          </a:effectRef>
-          <a:fontRef idx="minor">
-            <a:schemeClr val="tx1"/>
-          </a:fontRef>
-        </p:style>
-      </p:cxnSp>
-      <p:cxnSp>
-        <p:nvCxnSpPr>
-          <p:cNvPr id="24" name="Gerade Verbindung mit Pfeil 23">
-            <a:extLst>
-              <a:ext uri="{FF2B5EF4-FFF2-40B4-BE49-F238E27FC236}">
-                <a16:creationId xmlns:a16="http://schemas.microsoft.com/office/drawing/2014/main" id="{A9973DEF-1CFA-9DAE-EDF5-31AB2A3D2152}"/>
-              </a:ext>
-            </a:extLst>
-          </p:cNvPr>
-          <p:cNvCxnSpPr>
-            <a:stCxn id="11" idx="1"/>
-          </p:cNvCxnSpPr>
-          <p:nvPr/>
-        </p:nvCxnSpPr>
-        <p:spPr>
-          <a:xfrm flipH="1" flipV="1">
-            <a:off x="1385920" y="3067744"/>
-            <a:ext cx="3146942" cy="1"/>
-          </a:xfrm>
-          <a:prstGeom prst="straightConnector1">
-            <a:avLst/>
-          </a:prstGeom>
-          <a:ln>
-            <a:tailEnd type="triangle"/>
-          </a:ln>
-        </p:spPr>
-        <p:style>
-          <a:lnRef idx="1">
-            <a:schemeClr val="accent6"/>
-          </a:lnRef>
-          <a:fillRef idx="0">
-            <a:schemeClr val="accent6"/>
-          </a:fillRef>
-          <a:effectRef idx="0">
-            <a:schemeClr val="accent6"/>
-          </a:effectRef>
-          <a:fontRef idx="minor">
-            <a:schemeClr val="tx1"/>
-          </a:fontRef>
-        </p:style>
-      </p:cxnSp>
-      <p:sp>
-        <p:nvSpPr>
-          <p:cNvPr id="25" name="Textfeld 24">
-            <a:extLst>
-              <a:ext uri="{FF2B5EF4-FFF2-40B4-BE49-F238E27FC236}">
-                <a16:creationId xmlns:a16="http://schemas.microsoft.com/office/drawing/2014/main" id="{565310B2-977C-512F-9847-A489FAB03222}"/>
-              </a:ext>
-            </a:extLst>
-          </p:cNvPr>
-          <p:cNvSpPr txBox="1"/>
-          <p:nvPr/>
-        </p:nvSpPr>
-        <p:spPr>
-          <a:xfrm>
-            <a:off x="1449545" y="3114135"/>
-            <a:ext cx="1008609" cy="276999"/>
-          </a:xfrm>
-          <a:prstGeom prst="rect">
-            <a:avLst/>
-          </a:prstGeom>
-          <a:noFill/>
-        </p:spPr>
-        <p:txBody>
-          <a:bodyPr wrap="none" rtlCol="0">
-            <a:spAutoFit/>
-          </a:bodyPr>
-          <a:lstStyle/>
-          <a:p>
-            <a:r>
-              <a:rPr lang="de-DE" sz="1200" dirty="0"/>
-              <a:t>HTTP / gRPC</a:t>
-            </a:r>
-          </a:p>
-        </p:txBody>
-      </p:sp>
-      <p:sp>
-        <p:nvSpPr>
-          <p:cNvPr id="26" name="Abgerundetes Rechteck 25">
-            <a:extLst>
-              <a:ext uri="{FF2B5EF4-FFF2-40B4-BE49-F238E27FC236}">
-                <a16:creationId xmlns:a16="http://schemas.microsoft.com/office/drawing/2014/main" id="{7FCFCC05-2906-3F64-BAA7-694D22B8C7E7}"/>
-              </a:ext>
-            </a:extLst>
-          </p:cNvPr>
-          <p:cNvSpPr/>
-          <p:nvPr/>
-        </p:nvSpPr>
-        <p:spPr>
-          <a:xfrm>
-            <a:off x="2788448" y="3748049"/>
-            <a:ext cx="3266792" cy="580171"/>
-          </a:xfrm>
-          <a:prstGeom prst="roundRect">
-            <a:avLst/>
-          </a:prstGeom>
-        </p:spPr>
-        <p:style>
-          <a:lnRef idx="2">
-            <a:schemeClr val="accent6"/>
-          </a:lnRef>
-          <a:fillRef idx="1">
-            <a:schemeClr val="lt1"/>
-          </a:fillRef>
-          <a:effectRef idx="0">
-            <a:schemeClr val="accent6"/>
-          </a:effectRef>
-          <a:fontRef idx="minor">
-            <a:schemeClr val="dk1"/>
-          </a:fontRef>
-        </p:style>
-        <p:txBody>
-          <a:bodyPr rtlCol="0" anchor="ctr"/>
-          <a:lstStyle/>
-          <a:p>
-            <a:pPr algn="ctr"/>
-            <a:r>
-              <a:rPr lang="de-DE" sz="1200" dirty="0" err="1"/>
-              <a:t>Metrics</a:t>
-            </a:r>
-            <a:r>
-              <a:rPr lang="de-DE" sz="1200" dirty="0"/>
-              <a:t> (Durchsatz &amp; Latenz)</a:t>
-            </a:r>
-          </a:p>
-        </p:txBody>
-      </p:sp>
-      <p:sp>
-        <p:nvSpPr>
-          <p:cNvPr id="27" name="Abgerundetes Rechteck 26">
-            <a:extLst>
-              <a:ext uri="{FF2B5EF4-FFF2-40B4-BE49-F238E27FC236}">
-                <a16:creationId xmlns:a16="http://schemas.microsoft.com/office/drawing/2014/main" id="{96156987-7718-A741-19A5-09610FA08715}"/>
-              </a:ext>
-            </a:extLst>
-          </p:cNvPr>
-          <p:cNvSpPr/>
-          <p:nvPr/>
-        </p:nvSpPr>
-        <p:spPr>
-          <a:xfrm>
-            <a:off x="8508430" y="1588449"/>
-            <a:ext cx="974510" cy="1903839"/>
-          </a:xfrm>
-          <a:prstGeom prst="roundRect">
-            <a:avLst/>
-          </a:prstGeom>
-        </p:spPr>
-        <p:style>
-          <a:lnRef idx="2">
-            <a:schemeClr val="accent6"/>
-          </a:lnRef>
-          <a:fillRef idx="1">
-            <a:schemeClr val="lt1"/>
-          </a:fillRef>
-          <a:effectRef idx="0">
-            <a:schemeClr val="accent6"/>
-          </a:effectRef>
-          <a:fontRef idx="minor">
-            <a:schemeClr val="dk1"/>
-          </a:fontRef>
-        </p:style>
-        <p:txBody>
-          <a:bodyPr vert="vert270" rtlCol="0" anchor="ctr"/>
-          <a:lstStyle/>
-          <a:p>
-            <a:pPr algn="ctr"/>
-            <a:r>
-              <a:rPr lang="de-DE" sz="1200" dirty="0"/>
-              <a:t>Multi-Model Management</a:t>
-            </a:r>
-          </a:p>
-        </p:txBody>
-      </p:sp>
-      <p:sp>
-        <p:nvSpPr>
-          <p:cNvPr id="28" name="Rechteck 27">
-            <a:extLst>
-              <a:ext uri="{FF2B5EF4-FFF2-40B4-BE49-F238E27FC236}">
-                <a16:creationId xmlns:a16="http://schemas.microsoft.com/office/drawing/2014/main" id="{978E31BD-50AF-E96C-B401-6154BE28C1CD}"/>
-              </a:ext>
-            </a:extLst>
-          </p:cNvPr>
-          <p:cNvSpPr/>
-          <p:nvPr/>
-        </p:nvSpPr>
-        <p:spPr>
-          <a:xfrm>
-            <a:off x="10242417" y="1152929"/>
-            <a:ext cx="1026732" cy="2791749"/>
-          </a:xfrm>
-          <a:prstGeom prst="rect">
-            <a:avLst/>
-          </a:prstGeom>
-        </p:spPr>
-        <p:style>
-          <a:lnRef idx="2">
-            <a:schemeClr val="accent1">
-              <a:shade val="15000"/>
-            </a:schemeClr>
-          </a:lnRef>
-          <a:fillRef idx="1">
-            <a:schemeClr val="accent1"/>
-          </a:fillRef>
-          <a:effectRef idx="0">
-            <a:schemeClr val="accent1"/>
-          </a:effectRef>
-          <a:fontRef idx="minor">
-            <a:schemeClr val="lt1"/>
-          </a:fontRef>
-        </p:style>
-        <p:txBody>
-          <a:bodyPr vert="vert270" rtlCol="0" anchor="ctr"/>
-          <a:lstStyle/>
-          <a:p>
-            <a:pPr algn="ctr"/>
-            <a:r>
-              <a:rPr lang="de-DE" dirty="0"/>
-              <a:t>Model Registry</a:t>
-            </a:r>
-          </a:p>
-        </p:txBody>
-      </p:sp>
-      <p:cxnSp>
-        <p:nvCxnSpPr>
-          <p:cNvPr id="30" name="Gerade Verbindung mit Pfeil 29">
-            <a:extLst>
-              <a:ext uri="{FF2B5EF4-FFF2-40B4-BE49-F238E27FC236}">
-                <a16:creationId xmlns:a16="http://schemas.microsoft.com/office/drawing/2014/main" id="{607ADCEE-C847-92DE-8011-FEA72C586452}"/>
-              </a:ext>
-            </a:extLst>
-          </p:cNvPr>
-          <p:cNvCxnSpPr>
-            <a:cxnSpLocks/>
-            <a:stCxn id="27" idx="3"/>
-          </p:cNvCxnSpPr>
-          <p:nvPr/>
-        </p:nvCxnSpPr>
-        <p:spPr>
-          <a:xfrm>
-            <a:off x="9482940" y="2540369"/>
-            <a:ext cx="759477" cy="0"/>
-          </a:xfrm>
-          <a:prstGeom prst="straightConnector1">
-            <a:avLst/>
-          </a:prstGeom>
-          <a:ln>
-            <a:solidFill>
-              <a:schemeClr val="accent6"/>
-            </a:solidFill>
-            <a:headEnd type="triangle"/>
-            <a:tailEnd type="triangle"/>
-          </a:ln>
-        </p:spPr>
-        <p:style>
-          <a:lnRef idx="2">
-            <a:schemeClr val="accent1"/>
-          </a:lnRef>
-          <a:fillRef idx="0">
-            <a:schemeClr val="accent1"/>
-          </a:fillRef>
-          <a:effectRef idx="1">
-            <a:schemeClr val="accent1"/>
-          </a:effectRef>
-          <a:fontRef idx="minor">
-            <a:schemeClr val="tx1"/>
-          </a:fontRef>
-        </p:style>
-      </p:cxnSp>
-      <p:sp>
-        <p:nvSpPr>
-          <p:cNvPr id="32" name="Rechteck 31">
-            <a:extLst>
-              <a:ext uri="{FF2B5EF4-FFF2-40B4-BE49-F238E27FC236}">
-                <a16:creationId xmlns:a16="http://schemas.microsoft.com/office/drawing/2014/main" id="{1E79F723-EE87-0E9C-8C9C-8143DDBF4581}"/>
-              </a:ext>
-            </a:extLst>
-          </p:cNvPr>
-          <p:cNvSpPr/>
-          <p:nvPr/>
-        </p:nvSpPr>
-        <p:spPr>
-          <a:xfrm>
-            <a:off x="2458153" y="4859078"/>
-            <a:ext cx="7260003" cy="914400"/>
-          </a:xfrm>
-          <a:prstGeom prst="rect">
-            <a:avLst/>
-          </a:prstGeom>
-        </p:spPr>
-        <p:style>
-          <a:lnRef idx="2">
-            <a:schemeClr val="accent1">
-              <a:shade val="15000"/>
-            </a:schemeClr>
-          </a:lnRef>
-          <a:fillRef idx="1">
-            <a:schemeClr val="accent1"/>
-          </a:fillRef>
-          <a:effectRef idx="0">
-            <a:schemeClr val="accent1"/>
-          </a:effectRef>
-          <a:fontRef idx="minor">
-            <a:schemeClr val="lt1"/>
-          </a:fontRef>
-        </p:style>
-        <p:txBody>
-          <a:bodyPr rtlCol="0" anchor="ctr"/>
-          <a:lstStyle/>
-          <a:p>
-            <a:pPr algn="ctr"/>
-            <a:r>
-              <a:rPr lang="de-DE" dirty="0"/>
-              <a:t>Hardware GPU</a:t>
-            </a:r>
-          </a:p>
-        </p:txBody>
-      </p:sp>
-      <p:cxnSp>
-        <p:nvCxnSpPr>
-          <p:cNvPr id="34" name="Gerade Verbindung mit Pfeil 33">
-            <a:extLst>
-              <a:ext uri="{FF2B5EF4-FFF2-40B4-BE49-F238E27FC236}">
-                <a16:creationId xmlns:a16="http://schemas.microsoft.com/office/drawing/2014/main" id="{FB25368E-55D7-71CE-1EFA-1C25BB30EC11}"/>
-              </a:ext>
-            </a:extLst>
-          </p:cNvPr>
-          <p:cNvCxnSpPr/>
-          <p:nvPr/>
-        </p:nvCxnSpPr>
-        <p:spPr>
-          <a:xfrm>
-            <a:off x="7581012" y="2599658"/>
-            <a:ext cx="0" cy="2259420"/>
-          </a:xfrm>
-          <a:prstGeom prst="straightConnector1">
-            <a:avLst/>
-          </a:prstGeom>
-          <a:ln>
-            <a:tailEnd type="triangle"/>
-          </a:ln>
-        </p:spPr>
-        <p:style>
-          <a:lnRef idx="1">
-            <a:schemeClr val="accent6"/>
-          </a:lnRef>
-          <a:fillRef idx="0">
-            <a:schemeClr val="accent6"/>
-          </a:fillRef>
-          <a:effectRef idx="0">
-            <a:schemeClr val="accent6"/>
-          </a:effectRef>
-          <a:fontRef idx="minor">
-            <a:schemeClr val="tx1"/>
-          </a:fontRef>
-        </p:style>
-      </p:cxnSp>
-    </p:spTree>
-    <p:extLst>
-      <p:ext uri="{BB962C8B-B14F-4D97-AF65-F5344CB8AC3E}">
-        <p14:creationId xmlns:p14="http://schemas.microsoft.com/office/powerpoint/2010/main" val="4025392899"/>
       </p:ext>
     </p:extLst>
   </p:cSld>
@@ -10968,10 +10397,46 @@
       </p:grpSpPr>
       <p:sp>
         <p:nvSpPr>
-          <p:cNvPr id="7" name="Rechteck 6">
-            <a:extLst>
-              <a:ext uri="{FF2B5EF4-FFF2-40B4-BE49-F238E27FC236}">
-                <a16:creationId xmlns:a16="http://schemas.microsoft.com/office/drawing/2014/main" id="{94FBF044-36A2-A164-C34E-CFC8E73229E6}"/>
+          <p:cNvPr id="2" name="Textfeld 1">
+            <a:extLst>
+              <a:ext uri="{FF2B5EF4-FFF2-40B4-BE49-F238E27FC236}">
+                <a16:creationId xmlns:a16="http://schemas.microsoft.com/office/drawing/2014/main" id="{0A0C73BB-A415-AE50-B1EA-8B8B0486E012}"/>
+              </a:ext>
+            </a:extLst>
+          </p:cNvPr>
+          <p:cNvSpPr txBox="1"/>
+          <p:nvPr/>
+        </p:nvSpPr>
+        <p:spPr>
+          <a:xfrm>
+            <a:off x="10434468" y="6127161"/>
+            <a:ext cx="1124347" cy="369332"/>
+          </a:xfrm>
+          <a:prstGeom prst="rect">
+            <a:avLst/>
+          </a:prstGeom>
+          <a:noFill/>
+        </p:spPr>
+        <p:txBody>
+          <a:bodyPr wrap="none" rtlCol="0">
+            <a:spAutoFit/>
+          </a:bodyPr>
+          <a:lstStyle/>
+          <a:p>
+            <a:r>
+              <a:rPr lang="de-DE" dirty="0" err="1"/>
+              <a:t>Inference</a:t>
+            </a:r>
+            <a:endParaRPr lang="de-DE" dirty="0"/>
+          </a:p>
+        </p:txBody>
+      </p:sp>
+      <p:sp>
+        <p:nvSpPr>
+          <p:cNvPr id="3" name="Rechteck 2">
+            <a:extLst>
+              <a:ext uri="{FF2B5EF4-FFF2-40B4-BE49-F238E27FC236}">
+                <a16:creationId xmlns:a16="http://schemas.microsoft.com/office/drawing/2014/main" id="{78EC6DDA-A6F1-B4E2-A357-EA5FBE98C491}"/>
               </a:ext>
             </a:extLst>
           </p:cNvPr>
@@ -10980,15 +10445,12 @@
         </p:nvSpPr>
         <p:spPr>
           <a:xfrm>
-            <a:off x="1541722" y="951611"/>
-            <a:ext cx="1286539" cy="3508744"/>
+            <a:off x="2051824" y="1483113"/>
+            <a:ext cx="9285249" cy="1059366"/>
           </a:xfrm>
           <a:prstGeom prst="rect">
             <a:avLst/>
           </a:prstGeom>
-          <a:solidFill>
-            <a:schemeClr val="bg1"/>
-          </a:solidFill>
         </p:spPr>
         <p:style>
           <a:lnRef idx="2">
@@ -11012,22 +10474,33 @@
           <a:p>
             <a:pPr algn="ctr"/>
             <a:r>
-              <a:rPr lang="de-DE" dirty="0">
-                <a:solidFill>
-                  <a:sysClr val="windowText" lastClr="000000"/>
-                </a:solidFill>
-              </a:rPr>
-              <a:t>Client</a:t>
-            </a:r>
-          </a:p>
-        </p:txBody>
-      </p:sp>
-      <p:sp>
-        <p:nvSpPr>
-          <p:cNvPr id="8" name="Rechteck 7">
-            <a:extLst>
-              <a:ext uri="{FF2B5EF4-FFF2-40B4-BE49-F238E27FC236}">
-                <a16:creationId xmlns:a16="http://schemas.microsoft.com/office/drawing/2014/main" id="{14B94E5C-1FA5-4DFF-163E-822304CCF358}"/>
+              <a:rPr lang="de-DE" dirty="0"/>
+              <a:t>TGI</a:t>
+            </a:r>
+          </a:p>
+          <a:p>
+            <a:pPr algn="ctr"/>
+            <a:r>
+              <a:rPr lang="de-DE" dirty="0"/>
+              <a:t>(</a:t>
+            </a:r>
+            <a:r>
+              <a:rPr lang="de-DE" dirty="0" err="1"/>
+              <a:t>Hugging</a:t>
+            </a:r>
+            <a:r>
+              <a:rPr lang="de-DE" dirty="0"/>
+              <a:t> Face Text Generation Interface)</a:t>
+            </a:r>
+          </a:p>
+        </p:txBody>
+      </p:sp>
+      <p:sp>
+        <p:nvSpPr>
+          <p:cNvPr id="4" name="Abgerundetes Rechteck 3">
+            <a:extLst>
+              <a:ext uri="{FF2B5EF4-FFF2-40B4-BE49-F238E27FC236}">
+                <a16:creationId xmlns:a16="http://schemas.microsoft.com/office/drawing/2014/main" id="{7564AF7F-707C-8E8F-3A87-02040A685B81}"/>
               </a:ext>
             </a:extLst>
           </p:cNvPr>
@@ -11036,15 +10509,249 @@
         </p:nvSpPr>
         <p:spPr>
           <a:xfrm>
-            <a:off x="3193313" y="951611"/>
-            <a:ext cx="8332380" cy="3508744"/>
+            <a:off x="2051824" y="2748775"/>
+            <a:ext cx="1761893" cy="680225"/>
+          </a:xfrm>
+          <a:prstGeom prst="roundRect">
+            <a:avLst/>
+          </a:prstGeom>
+        </p:spPr>
+        <p:style>
+          <a:lnRef idx="2">
+            <a:schemeClr val="accent6"/>
+          </a:lnRef>
+          <a:fillRef idx="1">
+            <a:schemeClr val="lt1"/>
+          </a:fillRef>
+          <a:effectRef idx="0">
+            <a:schemeClr val="accent6"/>
+          </a:effectRef>
+          <a:fontRef idx="minor">
+            <a:schemeClr val="dk1"/>
+          </a:fontRef>
+        </p:style>
+        <p:txBody>
+          <a:bodyPr rtlCol="0" anchor="ctr"/>
+          <a:lstStyle/>
+          <a:p>
+            <a:pPr algn="ctr"/>
+            <a:r>
+              <a:rPr lang="de-DE" dirty="0"/>
+              <a:t>Transformers</a:t>
+            </a:r>
+          </a:p>
+        </p:txBody>
+      </p:sp>
+      <p:sp>
+        <p:nvSpPr>
+          <p:cNvPr id="5" name="Abgerundetes Rechteck 4">
+            <a:extLst>
+              <a:ext uri="{FF2B5EF4-FFF2-40B4-BE49-F238E27FC236}">
+                <a16:creationId xmlns:a16="http://schemas.microsoft.com/office/drawing/2014/main" id="{01533048-52AE-F744-0BA7-E2FD03B38DB0}"/>
+              </a:ext>
+            </a:extLst>
+          </p:cNvPr>
+          <p:cNvSpPr/>
+          <p:nvPr/>
+        </p:nvSpPr>
+        <p:spPr>
+          <a:xfrm>
+            <a:off x="3932663" y="2748774"/>
+            <a:ext cx="1761893" cy="680225"/>
+          </a:xfrm>
+          <a:prstGeom prst="roundRect">
+            <a:avLst/>
+          </a:prstGeom>
+        </p:spPr>
+        <p:style>
+          <a:lnRef idx="2">
+            <a:schemeClr val="accent6"/>
+          </a:lnRef>
+          <a:fillRef idx="1">
+            <a:schemeClr val="lt1"/>
+          </a:fillRef>
+          <a:effectRef idx="0">
+            <a:schemeClr val="accent6"/>
+          </a:effectRef>
+          <a:fontRef idx="minor">
+            <a:schemeClr val="dk1"/>
+          </a:fontRef>
+        </p:style>
+        <p:txBody>
+          <a:bodyPr rtlCol="0" anchor="ctr"/>
+          <a:lstStyle/>
+          <a:p>
+            <a:pPr algn="ctr"/>
+            <a:r>
+              <a:rPr lang="de-DE" dirty="0"/>
+              <a:t>Optimum</a:t>
+            </a:r>
+          </a:p>
+        </p:txBody>
+      </p:sp>
+      <p:sp>
+        <p:nvSpPr>
+          <p:cNvPr id="6" name="Abgerundetes Rechteck 5">
+            <a:extLst>
+              <a:ext uri="{FF2B5EF4-FFF2-40B4-BE49-F238E27FC236}">
+                <a16:creationId xmlns:a16="http://schemas.microsoft.com/office/drawing/2014/main" id="{F0CBDB2F-1B79-F86D-EBA9-6633A88DF296}"/>
+              </a:ext>
+            </a:extLst>
+          </p:cNvPr>
+          <p:cNvSpPr/>
+          <p:nvPr/>
+        </p:nvSpPr>
+        <p:spPr>
+          <a:xfrm>
+            <a:off x="5813502" y="2748774"/>
+            <a:ext cx="1761893" cy="680225"/>
+          </a:xfrm>
+          <a:prstGeom prst="roundRect">
+            <a:avLst/>
+          </a:prstGeom>
+        </p:spPr>
+        <p:style>
+          <a:lnRef idx="2">
+            <a:schemeClr val="accent6"/>
+          </a:lnRef>
+          <a:fillRef idx="1">
+            <a:schemeClr val="lt1"/>
+          </a:fillRef>
+          <a:effectRef idx="0">
+            <a:schemeClr val="accent6"/>
+          </a:effectRef>
+          <a:fontRef idx="minor">
+            <a:schemeClr val="dk1"/>
+          </a:fontRef>
+        </p:style>
+        <p:txBody>
+          <a:bodyPr rtlCol="0" anchor="ctr"/>
+          <a:lstStyle/>
+          <a:p>
+            <a:pPr algn="ctr"/>
+            <a:r>
+              <a:rPr lang="de-DE" dirty="0" err="1"/>
+              <a:t>vLLM</a:t>
+            </a:r>
+            <a:endParaRPr lang="de-DE" dirty="0"/>
+          </a:p>
+        </p:txBody>
+      </p:sp>
+      <p:sp>
+        <p:nvSpPr>
+          <p:cNvPr id="7" name="Abgerundetes Rechteck 6">
+            <a:extLst>
+              <a:ext uri="{FF2B5EF4-FFF2-40B4-BE49-F238E27FC236}">
+                <a16:creationId xmlns:a16="http://schemas.microsoft.com/office/drawing/2014/main" id="{4FED8052-1359-BFC2-9660-52FC3B00583C}"/>
+              </a:ext>
+            </a:extLst>
+          </p:cNvPr>
+          <p:cNvSpPr/>
+          <p:nvPr/>
+        </p:nvSpPr>
+        <p:spPr>
+          <a:xfrm>
+            <a:off x="7694341" y="2748774"/>
+            <a:ext cx="1761893" cy="680225"/>
+          </a:xfrm>
+          <a:prstGeom prst="roundRect">
+            <a:avLst/>
+          </a:prstGeom>
+        </p:spPr>
+        <p:style>
+          <a:lnRef idx="2">
+            <a:schemeClr val="accent6"/>
+          </a:lnRef>
+          <a:fillRef idx="1">
+            <a:schemeClr val="lt1"/>
+          </a:fillRef>
+          <a:effectRef idx="0">
+            <a:schemeClr val="accent6"/>
+          </a:effectRef>
+          <a:fontRef idx="minor">
+            <a:schemeClr val="dk1"/>
+          </a:fontRef>
+        </p:style>
+        <p:txBody>
+          <a:bodyPr rtlCol="0" anchor="ctr"/>
+          <a:lstStyle/>
+          <a:p>
+            <a:pPr algn="ctr"/>
+            <a:r>
+              <a:rPr lang="de-DE" dirty="0"/>
+              <a:t>TRTLLM</a:t>
+            </a:r>
+          </a:p>
+        </p:txBody>
+      </p:sp>
+      <p:sp>
+        <p:nvSpPr>
+          <p:cNvPr id="8" name="Abgerundetes Rechteck 7">
+            <a:extLst>
+              <a:ext uri="{FF2B5EF4-FFF2-40B4-BE49-F238E27FC236}">
+                <a16:creationId xmlns:a16="http://schemas.microsoft.com/office/drawing/2014/main" id="{4D723FD8-47E1-047D-E2E1-CAFD25BF83AE}"/>
+              </a:ext>
+            </a:extLst>
+          </p:cNvPr>
+          <p:cNvSpPr/>
+          <p:nvPr/>
+        </p:nvSpPr>
+        <p:spPr>
+          <a:xfrm>
+            <a:off x="9575180" y="2748773"/>
+            <a:ext cx="1761893" cy="680225"/>
+          </a:xfrm>
+          <a:prstGeom prst="roundRect">
+            <a:avLst/>
+          </a:prstGeom>
+        </p:spPr>
+        <p:style>
+          <a:lnRef idx="2">
+            <a:schemeClr val="accent6"/>
+          </a:lnRef>
+          <a:fillRef idx="1">
+            <a:schemeClr val="lt1"/>
+          </a:fillRef>
+          <a:effectRef idx="0">
+            <a:schemeClr val="accent6"/>
+          </a:effectRef>
+          <a:fontRef idx="minor">
+            <a:schemeClr val="dk1"/>
+          </a:fontRef>
+        </p:style>
+        <p:txBody>
+          <a:bodyPr rtlCol="0" anchor="ctr"/>
+          <a:lstStyle/>
+          <a:p>
+            <a:pPr algn="ctr"/>
+            <a:r>
+              <a:rPr lang="de-DE" dirty="0" err="1"/>
+              <a:t>Llama.cpp</a:t>
+            </a:r>
+            <a:endParaRPr lang="de-DE" dirty="0"/>
+          </a:p>
+        </p:txBody>
+      </p:sp>
+      <p:sp>
+        <p:nvSpPr>
+          <p:cNvPr id="9" name="Rechteck 8">
+            <a:extLst>
+              <a:ext uri="{FF2B5EF4-FFF2-40B4-BE49-F238E27FC236}">
+                <a16:creationId xmlns:a16="http://schemas.microsoft.com/office/drawing/2014/main" id="{B8E40396-69B0-3150-2CA1-CC65710CA452}"/>
+              </a:ext>
+            </a:extLst>
+          </p:cNvPr>
+          <p:cNvSpPr/>
+          <p:nvPr/>
+        </p:nvSpPr>
+        <p:spPr>
+          <a:xfrm>
+            <a:off x="2051823" y="3635292"/>
+            <a:ext cx="9285249" cy="1059366"/>
           </a:xfrm>
           <a:prstGeom prst="rect">
             <a:avLst/>
           </a:prstGeom>
-          <a:solidFill>
-            <a:schemeClr val="bg1"/>
-          </a:solidFill>
         </p:spPr>
         <p:style>
           <a:lnRef idx="2">
@@ -11063,1016 +10770,25 @@
           </a:fontRef>
         </p:style>
         <p:txBody>
-          <a:bodyPr rtlCol="0" anchor="t"/>
+          <a:bodyPr rtlCol="0" anchor="ctr"/>
           <a:lstStyle/>
           <a:p>
             <a:pPr algn="ctr"/>
             <a:r>
-              <a:rPr lang="de-DE" dirty="0">
-                <a:solidFill>
-                  <a:sysClr val="windowText" lastClr="000000"/>
-                </a:solidFill>
-              </a:rPr>
-              <a:t>KI-System</a:t>
-            </a:r>
-          </a:p>
-        </p:txBody>
-      </p:sp>
-      <p:sp>
-        <p:nvSpPr>
-          <p:cNvPr id="2" name="Textfeld 1">
-            <a:extLst>
-              <a:ext uri="{FF2B5EF4-FFF2-40B4-BE49-F238E27FC236}">
-                <a16:creationId xmlns:a16="http://schemas.microsoft.com/office/drawing/2014/main" id="{506C87A4-39DC-2F2E-DD8D-B09A243FFA6C}"/>
-              </a:ext>
-            </a:extLst>
-          </p:cNvPr>
-          <p:cNvSpPr txBox="1"/>
-          <p:nvPr/>
-        </p:nvSpPr>
-        <p:spPr>
-          <a:xfrm>
-            <a:off x="10434468" y="6127161"/>
-            <a:ext cx="1501821" cy="369332"/>
-          </a:xfrm>
-          <a:prstGeom prst="rect">
-            <a:avLst/>
-          </a:prstGeom>
-          <a:noFill/>
-        </p:spPr>
-        <p:txBody>
-          <a:bodyPr wrap="none" rtlCol="0">
-            <a:spAutoFit/>
-          </a:bodyPr>
-          <a:lstStyle/>
-          <a:p>
-            <a:r>
               <a:rPr lang="de-DE" dirty="0" err="1"/>
-              <a:t>Observability</a:t>
-            </a:r>
-            <a:endParaRPr lang="de-DE" dirty="0"/>
-          </a:p>
-        </p:txBody>
-      </p:sp>
-      <p:cxnSp>
-        <p:nvCxnSpPr>
-          <p:cNvPr id="3" name="Gerade Verbindung mit Pfeil 2">
-            <a:extLst>
-              <a:ext uri="{FF2B5EF4-FFF2-40B4-BE49-F238E27FC236}">
-                <a16:creationId xmlns:a16="http://schemas.microsoft.com/office/drawing/2014/main" id="{401C59DB-5C6F-5034-C4A6-141A7E0CC245}"/>
-              </a:ext>
-            </a:extLst>
-          </p:cNvPr>
-          <p:cNvCxnSpPr>
-            <a:cxnSpLocks/>
-          </p:cNvCxnSpPr>
-          <p:nvPr/>
-        </p:nvCxnSpPr>
-        <p:spPr>
-          <a:xfrm>
-            <a:off x="2594344" y="2424225"/>
-            <a:ext cx="1786270" cy="0"/>
-          </a:xfrm>
-          <a:prstGeom prst="straightConnector1">
-            <a:avLst/>
-          </a:prstGeom>
-          <a:ln w="50800">
-            <a:tailEnd type="triangle"/>
-          </a:ln>
-        </p:spPr>
-        <p:style>
-          <a:lnRef idx="2">
-            <a:schemeClr val="dk1"/>
-          </a:lnRef>
-          <a:fillRef idx="0">
-            <a:schemeClr val="dk1"/>
-          </a:fillRef>
-          <a:effectRef idx="1">
-            <a:schemeClr val="dk1"/>
-          </a:effectRef>
-          <a:fontRef idx="minor">
-            <a:schemeClr val="tx1"/>
-          </a:fontRef>
-        </p:style>
-      </p:cxnSp>
-      <p:sp>
-        <p:nvSpPr>
-          <p:cNvPr id="4" name="Textfeld 3">
-            <a:extLst>
-              <a:ext uri="{FF2B5EF4-FFF2-40B4-BE49-F238E27FC236}">
-                <a16:creationId xmlns:a16="http://schemas.microsoft.com/office/drawing/2014/main" id="{04A17496-54D5-7C09-D596-3B440EEC2C0E}"/>
-              </a:ext>
-            </a:extLst>
-          </p:cNvPr>
-          <p:cNvSpPr txBox="1"/>
-          <p:nvPr/>
-        </p:nvSpPr>
-        <p:spPr>
-          <a:xfrm>
-            <a:off x="3302881" y="1940446"/>
-            <a:ext cx="942374" cy="369332"/>
-          </a:xfrm>
-          <a:prstGeom prst="rect">
-            <a:avLst/>
-          </a:prstGeom>
-          <a:solidFill>
-            <a:schemeClr val="accent2">
-              <a:lumMod val="60000"/>
-              <a:lumOff val="40000"/>
-            </a:schemeClr>
-          </a:solidFill>
-        </p:spPr>
-        <p:txBody>
-          <a:bodyPr wrap="none" rtlCol="0">
-            <a:spAutoFit/>
-          </a:bodyPr>
-          <a:lstStyle/>
-          <a:p>
+              <a:t>Hugging</a:t>
+            </a:r>
             <a:r>
               <a:rPr lang="de-DE" dirty="0"/>
-              <a:t>Anfrage</a:t>
-            </a:r>
-          </a:p>
-        </p:txBody>
-      </p:sp>
-      <p:cxnSp>
-        <p:nvCxnSpPr>
-          <p:cNvPr id="5" name="Gerade Verbindung mit Pfeil 4">
-            <a:extLst>
-              <a:ext uri="{FF2B5EF4-FFF2-40B4-BE49-F238E27FC236}">
-                <a16:creationId xmlns:a16="http://schemas.microsoft.com/office/drawing/2014/main" id="{B74768A2-6803-9CA7-6D1B-09E9CF3ACC52}"/>
-              </a:ext>
-            </a:extLst>
-          </p:cNvPr>
-          <p:cNvCxnSpPr>
-            <a:cxnSpLocks/>
-          </p:cNvCxnSpPr>
-          <p:nvPr/>
-        </p:nvCxnSpPr>
-        <p:spPr>
-          <a:xfrm flipH="1">
-            <a:off x="2576623" y="3346742"/>
-            <a:ext cx="1803991" cy="3545"/>
-          </a:xfrm>
-          <a:prstGeom prst="straightConnector1">
-            <a:avLst/>
-          </a:prstGeom>
-          <a:ln w="50800">
-            <a:tailEnd type="triangle"/>
-          </a:ln>
-        </p:spPr>
-        <p:style>
-          <a:lnRef idx="2">
-            <a:schemeClr val="dk1"/>
-          </a:lnRef>
-          <a:fillRef idx="0">
-            <a:schemeClr val="dk1"/>
-          </a:fillRef>
-          <a:effectRef idx="1">
-            <a:schemeClr val="dk1"/>
-          </a:effectRef>
-          <a:fontRef idx="minor">
-            <a:schemeClr val="tx1"/>
-          </a:fontRef>
-        </p:style>
-      </p:cxnSp>
-      <p:sp>
-        <p:nvSpPr>
-          <p:cNvPr id="6" name="Textfeld 5">
-            <a:extLst>
-              <a:ext uri="{FF2B5EF4-FFF2-40B4-BE49-F238E27FC236}">
-                <a16:creationId xmlns:a16="http://schemas.microsoft.com/office/drawing/2014/main" id="{CDFFD883-242A-9E23-7201-FC6CF332A371}"/>
-              </a:ext>
-            </a:extLst>
-          </p:cNvPr>
-          <p:cNvSpPr txBox="1"/>
-          <p:nvPr/>
-        </p:nvSpPr>
-        <p:spPr>
-          <a:xfrm>
-            <a:off x="3286669" y="2885628"/>
-            <a:ext cx="966290" cy="369332"/>
-          </a:xfrm>
-          <a:prstGeom prst="rect">
-            <a:avLst/>
-          </a:prstGeom>
-          <a:solidFill>
-            <a:schemeClr val="accent2">
-              <a:lumMod val="60000"/>
-              <a:lumOff val="40000"/>
-            </a:schemeClr>
-          </a:solidFill>
-        </p:spPr>
-        <p:txBody>
-          <a:bodyPr wrap="none" rtlCol="0">
-            <a:spAutoFit/>
-          </a:bodyPr>
-          <a:lstStyle/>
-          <a:p>
-            <a:r>
-              <a:rPr lang="de-DE" dirty="0"/>
-              <a:t>Antwort</a:t>
-            </a:r>
-          </a:p>
-        </p:txBody>
-      </p:sp>
-      <p:sp>
-        <p:nvSpPr>
-          <p:cNvPr id="9" name="Rechteck 8">
-            <a:extLst>
-              <a:ext uri="{FF2B5EF4-FFF2-40B4-BE49-F238E27FC236}">
-                <a16:creationId xmlns:a16="http://schemas.microsoft.com/office/drawing/2014/main" id="{47702512-C6D4-8B54-F96B-117410D35AEB}"/>
-              </a:ext>
-            </a:extLst>
-          </p:cNvPr>
-          <p:cNvSpPr/>
-          <p:nvPr/>
-        </p:nvSpPr>
-        <p:spPr>
-          <a:xfrm>
-            <a:off x="3193313" y="4627968"/>
-            <a:ext cx="8332379" cy="960842"/>
-          </a:xfrm>
-          <a:prstGeom prst="rect">
-            <a:avLst/>
-          </a:prstGeom>
-        </p:spPr>
-        <p:style>
-          <a:lnRef idx="2">
-            <a:schemeClr val="accent1">
-              <a:shade val="15000"/>
-            </a:schemeClr>
-          </a:lnRef>
-          <a:fillRef idx="1">
-            <a:schemeClr val="accent1"/>
-          </a:fillRef>
-          <a:effectRef idx="0">
-            <a:schemeClr val="accent1"/>
-          </a:effectRef>
-          <a:fontRef idx="minor">
-            <a:schemeClr val="lt1"/>
-          </a:fontRef>
-        </p:style>
-        <p:txBody>
-          <a:bodyPr rtlCol="0" anchor="ctr"/>
-          <a:lstStyle/>
-          <a:p>
-            <a:pPr algn="ctr"/>
-            <a:r>
-              <a:rPr lang="de-DE" dirty="0" err="1"/>
-              <a:t>Logging</a:t>
-            </a:r>
-            <a:r>
-              <a:rPr lang="de-DE" dirty="0"/>
-              <a:t> &amp; Tracing &amp; </a:t>
-            </a:r>
-            <a:r>
-              <a:rPr lang="de-DE" dirty="0" err="1"/>
-              <a:t>Metrics</a:t>
-            </a:r>
-            <a:endParaRPr lang="de-DE" dirty="0"/>
-          </a:p>
-        </p:txBody>
-      </p:sp>
-      <p:sp>
-        <p:nvSpPr>
-          <p:cNvPr id="10" name="Rechteck 9">
-            <a:extLst>
-              <a:ext uri="{FF2B5EF4-FFF2-40B4-BE49-F238E27FC236}">
-                <a16:creationId xmlns:a16="http://schemas.microsoft.com/office/drawing/2014/main" id="{F2390BB9-AFE3-9C48-6442-AF8EE75B0806}"/>
-              </a:ext>
-            </a:extLst>
-          </p:cNvPr>
-          <p:cNvSpPr/>
-          <p:nvPr/>
-        </p:nvSpPr>
-        <p:spPr>
-          <a:xfrm>
-            <a:off x="1541722" y="4627968"/>
-            <a:ext cx="1286539" cy="960842"/>
-          </a:xfrm>
-          <a:prstGeom prst="rect">
-            <a:avLst/>
-          </a:prstGeom>
-        </p:spPr>
-        <p:style>
-          <a:lnRef idx="2">
-            <a:schemeClr val="accent1">
-              <a:shade val="15000"/>
-            </a:schemeClr>
-          </a:lnRef>
-          <a:fillRef idx="1">
-            <a:schemeClr val="accent1"/>
-          </a:fillRef>
-          <a:effectRef idx="0">
-            <a:schemeClr val="accent1"/>
-          </a:effectRef>
-          <a:fontRef idx="minor">
-            <a:schemeClr val="lt1"/>
-          </a:fontRef>
-        </p:style>
-        <p:txBody>
-          <a:bodyPr rtlCol="0" anchor="ctr"/>
-          <a:lstStyle/>
-          <a:p>
-            <a:pPr algn="ctr"/>
-            <a:r>
-              <a:rPr lang="de-DE" dirty="0"/>
-              <a:t>Analyse</a:t>
-            </a:r>
-          </a:p>
-          <a:p>
-            <a:pPr algn="ctr"/>
-            <a:r>
-              <a:rPr lang="de-DE" dirty="0"/>
-              <a:t>Client</a:t>
-            </a:r>
-          </a:p>
-        </p:txBody>
-      </p:sp>
-      <p:cxnSp>
-        <p:nvCxnSpPr>
-          <p:cNvPr id="12" name="Gerade Verbindung mit Pfeil 11">
-            <a:extLst>
-              <a:ext uri="{FF2B5EF4-FFF2-40B4-BE49-F238E27FC236}">
-                <a16:creationId xmlns:a16="http://schemas.microsoft.com/office/drawing/2014/main" id="{12BBBE48-6111-AAFF-22B5-E6DFF1674E89}"/>
-              </a:ext>
-            </a:extLst>
-          </p:cNvPr>
-          <p:cNvCxnSpPr>
-            <a:cxnSpLocks/>
-            <a:stCxn id="10" idx="3"/>
-            <a:endCxn id="9" idx="1"/>
-          </p:cNvCxnSpPr>
-          <p:nvPr/>
-        </p:nvCxnSpPr>
-        <p:spPr>
-          <a:xfrm>
-            <a:off x="2828261" y="5108389"/>
-            <a:ext cx="365052" cy="0"/>
-          </a:xfrm>
-          <a:prstGeom prst="straightConnector1">
-            <a:avLst/>
-          </a:prstGeom>
-          <a:ln>
-            <a:headEnd type="triangle"/>
-            <a:tailEnd type="triangle"/>
-          </a:ln>
-        </p:spPr>
-        <p:style>
-          <a:lnRef idx="2">
-            <a:schemeClr val="accent1"/>
-          </a:lnRef>
-          <a:fillRef idx="0">
-            <a:schemeClr val="accent1"/>
-          </a:fillRef>
-          <a:effectRef idx="1">
-            <a:schemeClr val="accent1"/>
-          </a:effectRef>
-          <a:fontRef idx="minor">
-            <a:schemeClr val="tx1"/>
-          </a:fontRef>
-        </p:style>
-      </p:cxnSp>
-      <p:cxnSp>
-        <p:nvCxnSpPr>
-          <p:cNvPr id="15" name="Gerade Verbindung mit Pfeil 14">
-            <a:extLst>
-              <a:ext uri="{FF2B5EF4-FFF2-40B4-BE49-F238E27FC236}">
-                <a16:creationId xmlns:a16="http://schemas.microsoft.com/office/drawing/2014/main" id="{9A4FF946-7FB5-3FFC-4B22-B5D461A23DCB}"/>
-              </a:ext>
-            </a:extLst>
-          </p:cNvPr>
-          <p:cNvCxnSpPr>
-            <a:cxnSpLocks/>
-            <a:stCxn id="8" idx="2"/>
-            <a:endCxn id="9" idx="0"/>
-          </p:cNvCxnSpPr>
-          <p:nvPr/>
-        </p:nvCxnSpPr>
-        <p:spPr>
-          <a:xfrm>
-            <a:off x="7359503" y="4460355"/>
-            <a:ext cx="0" cy="167613"/>
-          </a:xfrm>
-          <a:prstGeom prst="straightConnector1">
-            <a:avLst/>
-          </a:prstGeom>
-          <a:ln>
-            <a:tailEnd type="triangle"/>
-          </a:ln>
-        </p:spPr>
-        <p:style>
-          <a:lnRef idx="2">
-            <a:schemeClr val="accent1"/>
-          </a:lnRef>
-          <a:fillRef idx="0">
-            <a:schemeClr val="accent1"/>
-          </a:fillRef>
-          <a:effectRef idx="1">
-            <a:schemeClr val="accent1"/>
-          </a:effectRef>
-          <a:fontRef idx="minor">
-            <a:schemeClr val="tx1"/>
-          </a:fontRef>
-        </p:style>
-      </p:cxnSp>
-      <p:sp>
-        <p:nvSpPr>
-          <p:cNvPr id="19" name="Rechteck 18">
-            <a:extLst>
-              <a:ext uri="{FF2B5EF4-FFF2-40B4-BE49-F238E27FC236}">
-                <a16:creationId xmlns:a16="http://schemas.microsoft.com/office/drawing/2014/main" id="{3CCFA1EF-1E61-B5F4-F21B-7154417A18A1}"/>
-              </a:ext>
-            </a:extLst>
-          </p:cNvPr>
-          <p:cNvSpPr/>
-          <p:nvPr/>
-        </p:nvSpPr>
-        <p:spPr>
-          <a:xfrm>
-            <a:off x="4380614" y="1831033"/>
-            <a:ext cx="1414130" cy="1815436"/>
-          </a:xfrm>
-          <a:prstGeom prst="rect">
-            <a:avLst/>
-          </a:prstGeom>
-        </p:spPr>
-        <p:style>
-          <a:lnRef idx="2">
-            <a:schemeClr val="accent1">
-              <a:shade val="15000"/>
-            </a:schemeClr>
-          </a:lnRef>
-          <a:fillRef idx="1">
-            <a:schemeClr val="accent1"/>
-          </a:fillRef>
-          <a:effectRef idx="0">
-            <a:schemeClr val="accent1"/>
-          </a:effectRef>
-          <a:fontRef idx="minor">
-            <a:schemeClr val="lt1"/>
-          </a:fontRef>
-        </p:style>
-        <p:txBody>
-          <a:bodyPr rtlCol="0" anchor="ctr"/>
-          <a:lstStyle/>
-          <a:p>
-            <a:pPr algn="ctr"/>
-            <a:r>
-              <a:rPr lang="de-DE" dirty="0"/>
-              <a:t>Web Anwendung</a:t>
-            </a:r>
-          </a:p>
-        </p:txBody>
-      </p:sp>
-      <p:sp>
-        <p:nvSpPr>
-          <p:cNvPr id="20" name="Rechteck 19">
-            <a:extLst>
-              <a:ext uri="{FF2B5EF4-FFF2-40B4-BE49-F238E27FC236}">
-                <a16:creationId xmlns:a16="http://schemas.microsoft.com/office/drawing/2014/main" id="{753AC7E8-2876-9611-3C6F-00A94E2C2F09}"/>
-              </a:ext>
-            </a:extLst>
-          </p:cNvPr>
-          <p:cNvSpPr/>
-          <p:nvPr/>
-        </p:nvSpPr>
-        <p:spPr>
-          <a:xfrm>
-            <a:off x="7725096" y="2802719"/>
-            <a:ext cx="1534632" cy="843750"/>
-          </a:xfrm>
-          <a:prstGeom prst="rect">
-            <a:avLst/>
-          </a:prstGeom>
-        </p:spPr>
-        <p:style>
-          <a:lnRef idx="2">
-            <a:schemeClr val="accent1">
-              <a:shade val="15000"/>
-            </a:schemeClr>
-          </a:lnRef>
-          <a:fillRef idx="1">
-            <a:schemeClr val="accent1"/>
-          </a:fillRef>
-          <a:effectRef idx="0">
-            <a:schemeClr val="accent1"/>
-          </a:effectRef>
-          <a:fontRef idx="minor">
-            <a:schemeClr val="lt1"/>
-          </a:fontRef>
-        </p:style>
-        <p:txBody>
-          <a:bodyPr rtlCol="0" anchor="ctr"/>
-          <a:lstStyle/>
-          <a:p>
-            <a:pPr algn="ctr"/>
-            <a:r>
-              <a:rPr lang="de-DE" dirty="0"/>
-              <a:t>Tools</a:t>
-            </a:r>
-          </a:p>
-        </p:txBody>
-      </p:sp>
-      <p:sp>
-        <p:nvSpPr>
-          <p:cNvPr id="21" name="Rechteck 20">
-            <a:extLst>
-              <a:ext uri="{FF2B5EF4-FFF2-40B4-BE49-F238E27FC236}">
-                <a16:creationId xmlns:a16="http://schemas.microsoft.com/office/drawing/2014/main" id="{451EECDA-E8F4-5448-1D06-EDC2E28AFBA2}"/>
-              </a:ext>
-            </a:extLst>
-          </p:cNvPr>
-          <p:cNvSpPr/>
-          <p:nvPr/>
-        </p:nvSpPr>
-        <p:spPr>
-          <a:xfrm>
-            <a:off x="7725096" y="1831033"/>
-            <a:ext cx="1534632" cy="843750"/>
-          </a:xfrm>
-          <a:prstGeom prst="rect">
-            <a:avLst/>
-          </a:prstGeom>
-        </p:spPr>
-        <p:style>
-          <a:lnRef idx="2">
-            <a:schemeClr val="accent1">
-              <a:shade val="15000"/>
-            </a:schemeClr>
-          </a:lnRef>
-          <a:fillRef idx="1">
-            <a:schemeClr val="accent1"/>
-          </a:fillRef>
-          <a:effectRef idx="0">
-            <a:schemeClr val="accent1"/>
-          </a:effectRef>
-          <a:fontRef idx="minor">
-            <a:schemeClr val="lt1"/>
-          </a:fontRef>
-        </p:style>
-        <p:txBody>
-          <a:bodyPr rtlCol="0" anchor="ctr"/>
-          <a:lstStyle/>
-          <a:p>
-            <a:pPr algn="ctr"/>
-            <a:r>
-              <a:rPr lang="de-DE" dirty="0" err="1"/>
-              <a:t>Agents</a:t>
-            </a:r>
-            <a:endParaRPr lang="de-DE" dirty="0"/>
-          </a:p>
-        </p:txBody>
-      </p:sp>
-      <p:sp>
-        <p:nvSpPr>
-          <p:cNvPr id="22" name="Rechteck 21">
-            <a:extLst>
-              <a:ext uri="{FF2B5EF4-FFF2-40B4-BE49-F238E27FC236}">
-                <a16:creationId xmlns:a16="http://schemas.microsoft.com/office/drawing/2014/main" id="{9B25DC27-FAE2-715E-304D-F1E59AA5EA0D}"/>
-              </a:ext>
-            </a:extLst>
-          </p:cNvPr>
-          <p:cNvSpPr/>
-          <p:nvPr/>
-        </p:nvSpPr>
-        <p:spPr>
-          <a:xfrm>
-            <a:off x="6042835" y="2802719"/>
-            <a:ext cx="1534632" cy="843750"/>
-          </a:xfrm>
-          <a:prstGeom prst="rect">
-            <a:avLst/>
-          </a:prstGeom>
-        </p:spPr>
-        <p:style>
-          <a:lnRef idx="2">
-            <a:schemeClr val="accent1">
-              <a:shade val="15000"/>
-            </a:schemeClr>
-          </a:lnRef>
-          <a:fillRef idx="1">
-            <a:schemeClr val="accent1"/>
-          </a:fillRef>
-          <a:effectRef idx="0">
-            <a:schemeClr val="accent1"/>
-          </a:effectRef>
-          <a:fontRef idx="minor">
-            <a:schemeClr val="lt1"/>
-          </a:fontRef>
-        </p:style>
-        <p:txBody>
-          <a:bodyPr rtlCol="0" anchor="ctr"/>
-          <a:lstStyle/>
-          <a:p>
-            <a:pPr algn="ctr"/>
-            <a:r>
-              <a:rPr lang="de-DE" dirty="0"/>
-              <a:t>Tasks</a:t>
-            </a:r>
-          </a:p>
-        </p:txBody>
-      </p:sp>
-      <p:sp>
-        <p:nvSpPr>
-          <p:cNvPr id="23" name="Rechteck 22">
-            <a:extLst>
-              <a:ext uri="{FF2B5EF4-FFF2-40B4-BE49-F238E27FC236}">
-                <a16:creationId xmlns:a16="http://schemas.microsoft.com/office/drawing/2014/main" id="{56D9EEFA-BAD2-4DA6-F9BF-53E21B33B048}"/>
-              </a:ext>
-            </a:extLst>
-          </p:cNvPr>
-          <p:cNvSpPr/>
-          <p:nvPr/>
-        </p:nvSpPr>
-        <p:spPr>
-          <a:xfrm>
-            <a:off x="6042835" y="1831033"/>
-            <a:ext cx="1534632" cy="843750"/>
-          </a:xfrm>
-          <a:prstGeom prst="rect">
-            <a:avLst/>
-          </a:prstGeom>
-        </p:spPr>
-        <p:style>
-          <a:lnRef idx="2">
-            <a:schemeClr val="accent1">
-              <a:shade val="15000"/>
-            </a:schemeClr>
-          </a:lnRef>
-          <a:fillRef idx="1">
-            <a:schemeClr val="accent1"/>
-          </a:fillRef>
-          <a:effectRef idx="0">
-            <a:schemeClr val="accent1"/>
-          </a:effectRef>
-          <a:fontRef idx="minor">
-            <a:schemeClr val="lt1"/>
-          </a:fontRef>
-        </p:style>
-        <p:txBody>
-          <a:bodyPr rtlCol="0" anchor="ctr"/>
-          <a:lstStyle/>
-          <a:p>
-            <a:pPr algn="ctr"/>
-            <a:r>
-              <a:rPr lang="de-DE" dirty="0"/>
-              <a:t>RAG</a:t>
-            </a:r>
-          </a:p>
-        </p:txBody>
-      </p:sp>
-      <p:sp>
-        <p:nvSpPr>
-          <p:cNvPr id="24" name="Rechteck 23">
-            <a:extLst>
-              <a:ext uri="{FF2B5EF4-FFF2-40B4-BE49-F238E27FC236}">
-                <a16:creationId xmlns:a16="http://schemas.microsoft.com/office/drawing/2014/main" id="{999D831B-40B5-A2A8-36EC-F7350D411021}"/>
-              </a:ext>
-            </a:extLst>
-          </p:cNvPr>
-          <p:cNvSpPr/>
-          <p:nvPr/>
-        </p:nvSpPr>
-        <p:spPr>
-          <a:xfrm>
-            <a:off x="9448794" y="1788778"/>
-            <a:ext cx="397095" cy="1857691"/>
-          </a:xfrm>
-          <a:prstGeom prst="rect">
-            <a:avLst/>
-          </a:prstGeom>
-        </p:spPr>
-        <p:style>
-          <a:lnRef idx="2">
-            <a:schemeClr val="accent1">
-              <a:shade val="15000"/>
-            </a:schemeClr>
-          </a:lnRef>
-          <a:fillRef idx="1">
-            <a:schemeClr val="accent1"/>
-          </a:fillRef>
-          <a:effectRef idx="0">
-            <a:schemeClr val="accent1"/>
-          </a:effectRef>
-          <a:fontRef idx="minor">
-            <a:schemeClr val="lt1"/>
-          </a:fontRef>
-        </p:style>
-        <p:txBody>
-          <a:bodyPr vert="vert270" rtlCol="0" anchor="ctr"/>
-          <a:lstStyle/>
-          <a:p>
-            <a:pPr algn="ctr"/>
-            <a:r>
-              <a:rPr lang="de-DE" dirty="0"/>
-              <a:t>LLM Gateway</a:t>
-            </a:r>
-          </a:p>
-        </p:txBody>
-      </p:sp>
-      <p:sp>
-        <p:nvSpPr>
-          <p:cNvPr id="25" name="Rechteck 24">
-            <a:extLst>
-              <a:ext uri="{FF2B5EF4-FFF2-40B4-BE49-F238E27FC236}">
-                <a16:creationId xmlns:a16="http://schemas.microsoft.com/office/drawing/2014/main" id="{F0050B2F-D9AE-226E-A686-DED327A36D1A}"/>
-              </a:ext>
-            </a:extLst>
-          </p:cNvPr>
-          <p:cNvSpPr/>
-          <p:nvPr/>
-        </p:nvSpPr>
-        <p:spPr>
-          <a:xfrm>
-            <a:off x="10050464" y="2364931"/>
-            <a:ext cx="1199628" cy="619703"/>
-          </a:xfrm>
-          <a:prstGeom prst="rect">
-            <a:avLst/>
-          </a:prstGeom>
-        </p:spPr>
-        <p:style>
-          <a:lnRef idx="2">
-            <a:schemeClr val="accent1">
-              <a:shade val="15000"/>
-            </a:schemeClr>
-          </a:lnRef>
-          <a:fillRef idx="1">
-            <a:schemeClr val="accent1"/>
-          </a:fillRef>
-          <a:effectRef idx="0">
-            <a:schemeClr val="accent1"/>
-          </a:effectRef>
-          <a:fontRef idx="minor">
-            <a:schemeClr val="lt1"/>
-          </a:fontRef>
-        </p:style>
-        <p:txBody>
-          <a:bodyPr rtlCol="0" anchor="ctr"/>
-          <a:lstStyle/>
-          <a:p>
-            <a:pPr algn="ctr"/>
-            <a:r>
-              <a:rPr lang="de-DE" dirty="0" err="1"/>
-              <a:t>Inference</a:t>
-            </a:r>
-            <a:r>
-              <a:rPr lang="de-DE" dirty="0"/>
-              <a:t> Engine</a:t>
-            </a:r>
-          </a:p>
-        </p:txBody>
-      </p:sp>
-      <p:sp>
-        <p:nvSpPr>
-          <p:cNvPr id="26" name="Geschweifte Klammer rechts 25">
-            <a:extLst>
-              <a:ext uri="{FF2B5EF4-FFF2-40B4-BE49-F238E27FC236}">
-                <a16:creationId xmlns:a16="http://schemas.microsoft.com/office/drawing/2014/main" id="{F38BA393-DCCE-BFFD-D704-FA1FC34813E9}"/>
-              </a:ext>
-            </a:extLst>
-          </p:cNvPr>
-          <p:cNvSpPr/>
-          <p:nvPr/>
-        </p:nvSpPr>
-        <p:spPr>
-          <a:xfrm rot="5400000">
-            <a:off x="7523469" y="2298101"/>
-            <a:ext cx="255623" cy="3216893"/>
-          </a:xfrm>
-          <a:prstGeom prst="rightBrace">
-            <a:avLst/>
-          </a:prstGeom>
-        </p:spPr>
-        <p:style>
-          <a:lnRef idx="2">
-            <a:schemeClr val="accent1"/>
-          </a:lnRef>
-          <a:fillRef idx="0">
-            <a:schemeClr val="accent1"/>
-          </a:fillRef>
-          <a:effectRef idx="1">
-            <a:schemeClr val="accent1"/>
-          </a:effectRef>
-          <a:fontRef idx="minor">
-            <a:schemeClr val="tx1"/>
-          </a:fontRef>
-        </p:style>
-        <p:txBody>
-          <a:bodyPr rtlCol="0" anchor="ctr"/>
-          <a:lstStyle/>
-          <a:p>
-            <a:pPr algn="ctr"/>
-            <a:endParaRPr lang="de-DE"/>
-          </a:p>
-        </p:txBody>
-      </p:sp>
-      <p:sp>
-        <p:nvSpPr>
-          <p:cNvPr id="27" name="Textfeld 26">
-            <a:extLst>
-              <a:ext uri="{FF2B5EF4-FFF2-40B4-BE49-F238E27FC236}">
-                <a16:creationId xmlns:a16="http://schemas.microsoft.com/office/drawing/2014/main" id="{A2A25981-7B2E-8A13-8FDC-C8E1602700C4}"/>
-              </a:ext>
-            </a:extLst>
-          </p:cNvPr>
-          <p:cNvSpPr txBox="1"/>
-          <p:nvPr/>
-        </p:nvSpPr>
-        <p:spPr>
-          <a:xfrm>
-            <a:off x="6367360" y="4007217"/>
-            <a:ext cx="2293577" cy="369332"/>
-          </a:xfrm>
-          <a:prstGeom prst="rect">
-            <a:avLst/>
-          </a:prstGeom>
-          <a:noFill/>
-        </p:spPr>
-        <p:txBody>
-          <a:bodyPr wrap="none" rtlCol="0">
-            <a:spAutoFit/>
-          </a:bodyPr>
-          <a:lstStyle/>
-          <a:p>
-            <a:r>
-              <a:rPr lang="de-DE" dirty="0"/>
-              <a:t>Instrument &amp; </a:t>
-            </a:r>
-            <a:r>
-              <a:rPr lang="de-DE" dirty="0" err="1"/>
-              <a:t>anotate</a:t>
-            </a:r>
-            <a:endParaRPr lang="de-DE" dirty="0"/>
-          </a:p>
-        </p:txBody>
-      </p:sp>
-      <p:sp>
-        <p:nvSpPr>
-          <p:cNvPr id="28" name="Textfeld 27">
-            <a:extLst>
-              <a:ext uri="{FF2B5EF4-FFF2-40B4-BE49-F238E27FC236}">
-                <a16:creationId xmlns:a16="http://schemas.microsoft.com/office/drawing/2014/main" id="{DC84CF95-7066-E5A0-7A21-F9CA08FA4986}"/>
-              </a:ext>
-            </a:extLst>
-          </p:cNvPr>
-          <p:cNvSpPr txBox="1"/>
-          <p:nvPr/>
-        </p:nvSpPr>
-        <p:spPr>
-          <a:xfrm>
-            <a:off x="9760612" y="4020850"/>
-            <a:ext cx="1183401" cy="369332"/>
-          </a:xfrm>
-          <a:prstGeom prst="rect">
-            <a:avLst/>
-          </a:prstGeom>
-          <a:noFill/>
-        </p:spPr>
-        <p:txBody>
-          <a:bodyPr wrap="none" rtlCol="0">
-            <a:spAutoFit/>
-          </a:bodyPr>
-          <a:lstStyle/>
-          <a:p>
-            <a:r>
-              <a:rPr lang="de-DE" dirty="0" err="1"/>
-              <a:t>Callbacks</a:t>
-            </a:r>
-            <a:endParaRPr lang="de-DE" dirty="0"/>
-          </a:p>
-        </p:txBody>
-      </p:sp>
-      <p:sp>
-        <p:nvSpPr>
-          <p:cNvPr id="32" name="Geschweifte Klammer rechts 31">
-            <a:extLst>
-              <a:ext uri="{FF2B5EF4-FFF2-40B4-BE49-F238E27FC236}">
-                <a16:creationId xmlns:a16="http://schemas.microsoft.com/office/drawing/2014/main" id="{2D0CC849-8F6A-274B-3720-1CFDB362B69B}"/>
-              </a:ext>
-            </a:extLst>
-          </p:cNvPr>
-          <p:cNvSpPr/>
-          <p:nvPr/>
-        </p:nvSpPr>
-        <p:spPr>
-          <a:xfrm rot="5400000">
-            <a:off x="10246935" y="2886736"/>
-            <a:ext cx="255621" cy="2046712"/>
-          </a:xfrm>
-          <a:prstGeom prst="rightBrace">
-            <a:avLst/>
-          </a:prstGeom>
-        </p:spPr>
-        <p:style>
-          <a:lnRef idx="2">
-            <a:schemeClr val="accent1"/>
-          </a:lnRef>
-          <a:fillRef idx="0">
-            <a:schemeClr val="accent1"/>
-          </a:fillRef>
-          <a:effectRef idx="1">
-            <a:schemeClr val="accent1"/>
-          </a:effectRef>
-          <a:fontRef idx="minor">
-            <a:schemeClr val="tx1"/>
-          </a:fontRef>
-        </p:style>
-        <p:txBody>
-          <a:bodyPr rtlCol="0" anchor="ctr"/>
-          <a:lstStyle/>
-          <a:p>
-            <a:pPr algn="ctr"/>
-            <a:endParaRPr lang="de-DE"/>
-          </a:p>
-        </p:txBody>
-      </p:sp>
-      <p:sp>
-        <p:nvSpPr>
-          <p:cNvPr id="33" name="Textfeld 32">
-            <a:extLst>
-              <a:ext uri="{FF2B5EF4-FFF2-40B4-BE49-F238E27FC236}">
-                <a16:creationId xmlns:a16="http://schemas.microsoft.com/office/drawing/2014/main" id="{6610B779-7D64-5D9F-B604-FAEF709EC1AF}"/>
-              </a:ext>
-            </a:extLst>
-          </p:cNvPr>
-          <p:cNvSpPr txBox="1"/>
-          <p:nvPr/>
-        </p:nvSpPr>
-        <p:spPr>
-          <a:xfrm>
-            <a:off x="4513930" y="4001204"/>
-            <a:ext cx="1342035" cy="369332"/>
-          </a:xfrm>
-          <a:prstGeom prst="rect">
-            <a:avLst/>
-          </a:prstGeom>
-          <a:noFill/>
-        </p:spPr>
-        <p:txBody>
-          <a:bodyPr wrap="square" rtlCol="0">
-            <a:spAutoFit/>
-          </a:bodyPr>
-          <a:lstStyle/>
-          <a:p>
-            <a:r>
-              <a:rPr lang="de-DE" dirty="0" err="1"/>
-              <a:t>Callbacks</a:t>
-            </a:r>
-            <a:endParaRPr lang="de-DE" dirty="0"/>
-          </a:p>
-        </p:txBody>
-      </p:sp>
-      <p:sp>
-        <p:nvSpPr>
-          <p:cNvPr id="34" name="Geschweifte Klammer rechts 33">
-            <a:extLst>
-              <a:ext uri="{FF2B5EF4-FFF2-40B4-BE49-F238E27FC236}">
-                <a16:creationId xmlns:a16="http://schemas.microsoft.com/office/drawing/2014/main" id="{A03ADAD9-091F-9849-983D-C860CFAA4A54}"/>
-              </a:ext>
-            </a:extLst>
-          </p:cNvPr>
-          <p:cNvSpPr/>
-          <p:nvPr/>
-        </p:nvSpPr>
-        <p:spPr>
-          <a:xfrm rot="5400000">
-            <a:off x="4948044" y="3183158"/>
-            <a:ext cx="248539" cy="1426733"/>
-          </a:xfrm>
-          <a:prstGeom prst="rightBrace">
-            <a:avLst/>
-          </a:prstGeom>
-        </p:spPr>
-        <p:style>
-          <a:lnRef idx="2">
-            <a:schemeClr val="accent1"/>
-          </a:lnRef>
-          <a:fillRef idx="0">
-            <a:schemeClr val="accent1"/>
-          </a:fillRef>
-          <a:effectRef idx="1">
-            <a:schemeClr val="accent1"/>
-          </a:effectRef>
-          <a:fontRef idx="minor">
-            <a:schemeClr val="tx1"/>
-          </a:fontRef>
-        </p:style>
-        <p:txBody>
-          <a:bodyPr rtlCol="0" anchor="ctr"/>
-          <a:lstStyle/>
-          <a:p>
-            <a:pPr algn="ctr"/>
-            <a:endParaRPr lang="de-DE"/>
+              <a:t> Face Hub</a:t>
+            </a:r>
           </a:p>
         </p:txBody>
       </p:sp>
     </p:spTree>
     <p:extLst>
       <p:ext uri="{BB962C8B-B14F-4D97-AF65-F5344CB8AC3E}">
-        <p14:creationId xmlns:p14="http://schemas.microsoft.com/office/powerpoint/2010/main" val="2027558273"/>
+        <p14:creationId xmlns:p14="http://schemas.microsoft.com/office/powerpoint/2010/main" val="1398127977"/>
       </p:ext>
     </p:extLst>
   </p:cSld>
@@ -12104,7 +10820,7 @@
           <p:cNvPr id="2" name="Textfeld 1">
             <a:extLst>
               <a:ext uri="{FF2B5EF4-FFF2-40B4-BE49-F238E27FC236}">
-                <a16:creationId xmlns:a16="http://schemas.microsoft.com/office/drawing/2014/main" id="{5C76D0FE-D61E-7688-DF24-505E20134C22}"/>
+                <a16:creationId xmlns:a16="http://schemas.microsoft.com/office/drawing/2014/main" id="{9B582775-FF59-6B78-0305-BD3FCB234491}"/>
               </a:ext>
             </a:extLst>
           </p:cNvPr>
@@ -12114,7 +10830,7 @@
         <p:spPr>
           <a:xfrm>
             <a:off x="10434468" y="6127161"/>
-            <a:ext cx="1693733" cy="369332"/>
+            <a:ext cx="1124347" cy="369332"/>
           </a:xfrm>
           <a:prstGeom prst="rect">
             <a:avLst/>
@@ -12129,7 +10845,7 @@
           <a:p>
             <a:r>
               <a:rPr lang="de-DE" dirty="0" err="1"/>
-              <a:t>OpenTelemetry</a:t>
+              <a:t>Inference</a:t>
             </a:r>
             <a:endParaRPr lang="de-DE" dirty="0"/>
           </a:p>
@@ -12140,7 +10856,7 @@
           <p:cNvPr id="3" name="Rechteck 2">
             <a:extLst>
               <a:ext uri="{FF2B5EF4-FFF2-40B4-BE49-F238E27FC236}">
-                <a16:creationId xmlns:a16="http://schemas.microsoft.com/office/drawing/2014/main" id="{8C0DF7F8-43EC-7105-556F-6412525B5036}"/>
+                <a16:creationId xmlns:a16="http://schemas.microsoft.com/office/drawing/2014/main" id="{402181A9-3C3D-5E48-EF19-73B15C6D9CD7}"/>
               </a:ext>
             </a:extLst>
           </p:cNvPr>
@@ -12149,8 +10865,8 @@
         </p:nvSpPr>
         <p:spPr>
           <a:xfrm>
-            <a:off x="2119421" y="1714075"/>
-            <a:ext cx="1534632" cy="843750"/>
+            <a:off x="988825" y="1152929"/>
+            <a:ext cx="397095" cy="3323370"/>
           </a:xfrm>
           <a:prstGeom prst="rect">
             <a:avLst/>
@@ -12173,13 +10889,13 @@
           </a:fontRef>
         </p:style>
         <p:txBody>
-          <a:bodyPr rtlCol="0" anchor="ctr"/>
+          <a:bodyPr vert="vert270" rtlCol="0" anchor="ctr"/>
           <a:lstStyle/>
           <a:p>
             <a:pPr algn="ctr"/>
             <a:r>
               <a:rPr lang="de-DE" dirty="0"/>
-              <a:t>Client</a:t>
+              <a:t>LLM Gateway</a:t>
             </a:r>
           </a:p>
         </p:txBody>
@@ -12189,7 +10905,7 @@
           <p:cNvPr id="4" name="Rechteck 3">
             <a:extLst>
               <a:ext uri="{FF2B5EF4-FFF2-40B4-BE49-F238E27FC236}">
-                <a16:creationId xmlns:a16="http://schemas.microsoft.com/office/drawing/2014/main" id="{91C704DE-E3BF-0FAB-F462-1C3101A90617}"/>
+                <a16:creationId xmlns:a16="http://schemas.microsoft.com/office/drawing/2014/main" id="{F24FC566-0F97-CA29-89F3-854D5B1A2109}"/>
               </a:ext>
             </a:extLst>
           </p:cNvPr>
@@ -12198,8 +10914,8 @@
         </p:nvSpPr>
         <p:spPr>
           <a:xfrm>
-            <a:off x="2119421" y="3483702"/>
-            <a:ext cx="1534632" cy="843750"/>
+            <a:off x="2392323" y="1152928"/>
+            <a:ext cx="7325834" cy="3323371"/>
           </a:xfrm>
           <a:prstGeom prst="rect">
             <a:avLst/>
@@ -12226,36 +10942,75 @@
           <a:lstStyle/>
           <a:p>
             <a:pPr algn="ctr"/>
-            <a:r>
-              <a:rPr lang="de-DE" sz="1600" dirty="0" err="1"/>
-              <a:t>OpenTelemetry</a:t>
-            </a:r>
-            <a:r>
-              <a:rPr lang="de-DE" sz="1600" dirty="0"/>
-              <a:t> SDK</a:t>
+            <a:endParaRPr lang="de-DE"/>
+          </a:p>
+        </p:txBody>
+      </p:sp>
+      <p:sp>
+        <p:nvSpPr>
+          <p:cNvPr id="5" name="Abgerundetes Rechteck 4">
+            <a:extLst>
+              <a:ext uri="{FF2B5EF4-FFF2-40B4-BE49-F238E27FC236}">
+                <a16:creationId xmlns:a16="http://schemas.microsoft.com/office/drawing/2014/main" id="{F89F3C77-079C-3600-FA69-67144CDB21BC}"/>
+              </a:ext>
+            </a:extLst>
+          </p:cNvPr>
+          <p:cNvSpPr/>
+          <p:nvPr/>
+        </p:nvSpPr>
+        <p:spPr>
+          <a:xfrm>
+            <a:off x="2867685" y="2025561"/>
+            <a:ext cx="983660" cy="580171"/>
+          </a:xfrm>
+          <a:prstGeom prst="roundRect">
+            <a:avLst/>
+          </a:prstGeom>
+        </p:spPr>
+        <p:style>
+          <a:lnRef idx="2">
+            <a:schemeClr val="accent6"/>
+          </a:lnRef>
+          <a:fillRef idx="1">
+            <a:schemeClr val="lt1"/>
+          </a:fillRef>
+          <a:effectRef idx="0">
+            <a:schemeClr val="accent6"/>
+          </a:effectRef>
+          <a:fontRef idx="minor">
+            <a:schemeClr val="dk1"/>
+          </a:fontRef>
+        </p:style>
+        <p:txBody>
+          <a:bodyPr rtlCol="0" anchor="ctr"/>
+          <a:lstStyle/>
+          <a:p>
+            <a:pPr algn="ctr"/>
+            <a:r>
+              <a:rPr lang="de-DE" sz="1200" dirty="0"/>
+              <a:t>Queue Scheduler</a:t>
             </a:r>
           </a:p>
         </p:txBody>
       </p:sp>
       <p:cxnSp>
         <p:nvCxnSpPr>
-          <p:cNvPr id="6" name="Gerade Verbindung mit Pfeil 5">
-            <a:extLst>
-              <a:ext uri="{FF2B5EF4-FFF2-40B4-BE49-F238E27FC236}">
-                <a16:creationId xmlns:a16="http://schemas.microsoft.com/office/drawing/2014/main" id="{0C24261B-4462-0E8B-870A-7ADEE05672B3}"/>
+          <p:cNvPr id="7" name="Gerade Verbindung mit Pfeil 6">
+            <a:extLst>
+              <a:ext uri="{FF2B5EF4-FFF2-40B4-BE49-F238E27FC236}">
+                <a16:creationId xmlns:a16="http://schemas.microsoft.com/office/drawing/2014/main" id="{C0C414BD-BD45-3CAE-088F-563DB7F4ACC3}"/>
               </a:ext>
             </a:extLst>
           </p:cNvPr>
           <p:cNvCxnSpPr>
-            <a:stCxn id="4" idx="0"/>
-            <a:endCxn id="3" idx="2"/>
+            <a:endCxn id="5" idx="1"/>
           </p:cNvCxnSpPr>
           <p:nvPr/>
         </p:nvCxnSpPr>
         <p:spPr>
-          <a:xfrm flipV="1">
-            <a:off x="2886737" y="2557825"/>
-            <a:ext cx="0" cy="925877"/>
+          <a:xfrm>
+            <a:off x="1385920" y="2315646"/>
+            <a:ext cx="1481765" cy="1"/>
           </a:xfrm>
           <a:prstGeom prst="straightConnector1">
             <a:avLst/>
@@ -12265,14 +11020,14 @@
           </a:ln>
         </p:spPr>
         <p:style>
-          <a:lnRef idx="2">
-            <a:schemeClr val="accent1"/>
+          <a:lnRef idx="1">
+            <a:schemeClr val="accent6"/>
           </a:lnRef>
           <a:fillRef idx="0">
-            <a:schemeClr val="accent1"/>
-          </a:fillRef>
-          <a:effectRef idx="1">
-            <a:schemeClr val="accent1"/>
+            <a:schemeClr val="accent6"/>
+          </a:fillRef>
+          <a:effectRef idx="0">
+            <a:schemeClr val="accent6"/>
           </a:effectRef>
           <a:fontRef idx="minor">
             <a:schemeClr val="tx1"/>
@@ -12281,10 +11036,10 @@
       </p:cxnSp>
       <p:sp>
         <p:nvSpPr>
-          <p:cNvPr id="7" name="Textfeld 6">
-            <a:extLst>
-              <a:ext uri="{FF2B5EF4-FFF2-40B4-BE49-F238E27FC236}">
-                <a16:creationId xmlns:a16="http://schemas.microsoft.com/office/drawing/2014/main" id="{3BFEA0A7-04C3-DBD4-1ACB-87D1A034D0FA}"/>
+          <p:cNvPr id="8" name="Textfeld 7">
+            <a:extLst>
+              <a:ext uri="{FF2B5EF4-FFF2-40B4-BE49-F238E27FC236}">
+                <a16:creationId xmlns:a16="http://schemas.microsoft.com/office/drawing/2014/main" id="{7352304F-500E-65AE-2EB1-A6C27D8DD6DB}"/>
               </a:ext>
             </a:extLst>
           </p:cNvPr>
@@ -12293,8 +11048,8 @@
         </p:nvSpPr>
         <p:spPr>
           <a:xfrm>
-            <a:off x="1608567" y="2836097"/>
-            <a:ext cx="1278170" cy="369332"/>
+            <a:off x="1438661" y="2025561"/>
+            <a:ext cx="1008609" cy="276999"/>
           </a:xfrm>
           <a:prstGeom prst="rect">
             <a:avLst/>
@@ -12308,19 +11063,18 @@
           <a:lstStyle/>
           <a:p>
             <a:r>
-              <a:rPr lang="de-DE" dirty="0" err="1"/>
-              <a:t>instrument</a:t>
-            </a:r>
-            <a:endParaRPr lang="de-DE" dirty="0"/>
-          </a:p>
-        </p:txBody>
-      </p:sp>
-      <p:sp>
-        <p:nvSpPr>
-          <p:cNvPr id="8" name="Rechteck 7">
-            <a:extLst>
-              <a:ext uri="{FF2B5EF4-FFF2-40B4-BE49-F238E27FC236}">
-                <a16:creationId xmlns:a16="http://schemas.microsoft.com/office/drawing/2014/main" id="{82596B9F-8CB4-863D-7936-4F0490B9E834}"/>
+              <a:rPr lang="de-DE" sz="1200" dirty="0"/>
+              <a:t>HTTP / gRPC</a:t>
+            </a:r>
+          </a:p>
+        </p:txBody>
+      </p:sp>
+      <p:sp>
+        <p:nvSpPr>
+          <p:cNvPr id="9" name="Abgerundetes Rechteck 8">
+            <a:extLst>
+              <a:ext uri="{FF2B5EF4-FFF2-40B4-BE49-F238E27FC236}">
+                <a16:creationId xmlns:a16="http://schemas.microsoft.com/office/drawing/2014/main" id="{BEB5CC34-EA08-C911-A809-9DE8678CCB67}"/>
               </a:ext>
             </a:extLst>
           </p:cNvPr>
@@ -12329,8 +11083,630 @@
         </p:nvSpPr>
         <p:spPr>
           <a:xfrm>
-            <a:off x="5995481" y="1714075"/>
-            <a:ext cx="1534632" cy="843750"/>
+            <a:off x="4426328" y="1588449"/>
+            <a:ext cx="3994656" cy="1903839"/>
+          </a:xfrm>
+          <a:prstGeom prst="roundRect">
+            <a:avLst/>
+          </a:prstGeom>
+        </p:spPr>
+        <p:style>
+          <a:lnRef idx="2">
+            <a:schemeClr val="accent6"/>
+          </a:lnRef>
+          <a:fillRef idx="1">
+            <a:schemeClr val="lt1"/>
+          </a:fillRef>
+          <a:effectRef idx="0">
+            <a:schemeClr val="accent6"/>
+          </a:effectRef>
+          <a:fontRef idx="minor">
+            <a:schemeClr val="dk1"/>
+          </a:fontRef>
+        </p:style>
+        <p:txBody>
+          <a:bodyPr rtlCol="0" anchor="t"/>
+          <a:lstStyle/>
+          <a:p>
+            <a:pPr algn="ctr"/>
+            <a:r>
+              <a:rPr lang="de-DE" sz="1200" dirty="0" err="1"/>
+              <a:t>Inference</a:t>
+            </a:r>
+            <a:r>
+              <a:rPr lang="de-DE" sz="1200" dirty="0"/>
+              <a:t> Engine</a:t>
+            </a:r>
+          </a:p>
+        </p:txBody>
+      </p:sp>
+      <p:sp>
+        <p:nvSpPr>
+          <p:cNvPr id="10" name="Abgerundetes Rechteck 9">
+            <a:extLst>
+              <a:ext uri="{FF2B5EF4-FFF2-40B4-BE49-F238E27FC236}">
+                <a16:creationId xmlns:a16="http://schemas.microsoft.com/office/drawing/2014/main" id="{4178716A-37B9-5E2F-B43B-2A0439C77673}"/>
+              </a:ext>
+            </a:extLst>
+          </p:cNvPr>
+          <p:cNvSpPr/>
+          <p:nvPr/>
+        </p:nvSpPr>
+        <p:spPr>
+          <a:xfrm>
+            <a:off x="4532862" y="2019488"/>
+            <a:ext cx="983660" cy="580171"/>
+          </a:xfrm>
+          <a:prstGeom prst="roundRect">
+            <a:avLst/>
+          </a:prstGeom>
+        </p:spPr>
+        <p:style>
+          <a:lnRef idx="2">
+            <a:schemeClr val="accent6"/>
+          </a:lnRef>
+          <a:fillRef idx="1">
+            <a:schemeClr val="lt1"/>
+          </a:fillRef>
+          <a:effectRef idx="0">
+            <a:schemeClr val="accent6"/>
+          </a:effectRef>
+          <a:fontRef idx="minor">
+            <a:schemeClr val="dk1"/>
+          </a:fontRef>
+        </p:style>
+        <p:txBody>
+          <a:bodyPr rtlCol="0" anchor="ctr"/>
+          <a:lstStyle/>
+          <a:p>
+            <a:pPr algn="ctr"/>
+            <a:r>
+              <a:rPr lang="de-DE" sz="1200" dirty="0"/>
+              <a:t>Dynamic </a:t>
+            </a:r>
+            <a:r>
+              <a:rPr lang="de-DE" sz="1200" dirty="0" err="1"/>
+              <a:t>Batching</a:t>
+            </a:r>
+            <a:endParaRPr lang="de-DE" sz="1200" dirty="0"/>
+          </a:p>
+        </p:txBody>
+      </p:sp>
+      <p:sp>
+        <p:nvSpPr>
+          <p:cNvPr id="11" name="Abgerundetes Rechteck 10">
+            <a:extLst>
+              <a:ext uri="{FF2B5EF4-FFF2-40B4-BE49-F238E27FC236}">
+                <a16:creationId xmlns:a16="http://schemas.microsoft.com/office/drawing/2014/main" id="{0D5A8207-2898-E14E-9979-AD3A421C6B43}"/>
+              </a:ext>
+            </a:extLst>
+          </p:cNvPr>
+          <p:cNvSpPr/>
+          <p:nvPr/>
+        </p:nvSpPr>
+        <p:spPr>
+          <a:xfrm>
+            <a:off x="4532862" y="2777659"/>
+            <a:ext cx="983660" cy="580171"/>
+          </a:xfrm>
+          <a:prstGeom prst="roundRect">
+            <a:avLst/>
+          </a:prstGeom>
+        </p:spPr>
+        <p:style>
+          <a:lnRef idx="2">
+            <a:schemeClr val="accent6"/>
+          </a:lnRef>
+          <a:fillRef idx="1">
+            <a:schemeClr val="lt1"/>
+          </a:fillRef>
+          <a:effectRef idx="0">
+            <a:schemeClr val="accent6"/>
+          </a:effectRef>
+          <a:fontRef idx="minor">
+            <a:schemeClr val="dk1"/>
+          </a:fontRef>
+        </p:style>
+        <p:txBody>
+          <a:bodyPr rtlCol="0" anchor="ctr"/>
+          <a:lstStyle/>
+          <a:p>
+            <a:pPr algn="ctr"/>
+            <a:r>
+              <a:rPr lang="de-DE" sz="1200" dirty="0"/>
+              <a:t>Response</a:t>
+            </a:r>
+          </a:p>
+        </p:txBody>
+      </p:sp>
+      <p:sp>
+        <p:nvSpPr>
+          <p:cNvPr id="12" name="Abgerundetes Rechteck 11">
+            <a:extLst>
+              <a:ext uri="{FF2B5EF4-FFF2-40B4-BE49-F238E27FC236}">
+                <a16:creationId xmlns:a16="http://schemas.microsoft.com/office/drawing/2014/main" id="{9AAC590D-D263-1955-BFC4-CB0BD9E204E7}"/>
+              </a:ext>
+            </a:extLst>
+          </p:cNvPr>
+          <p:cNvSpPr/>
+          <p:nvPr/>
+        </p:nvSpPr>
+        <p:spPr>
+          <a:xfrm>
+            <a:off x="7067514" y="2011662"/>
+            <a:ext cx="974510" cy="580171"/>
+          </a:xfrm>
+          <a:prstGeom prst="roundRect">
+            <a:avLst/>
+          </a:prstGeom>
+        </p:spPr>
+        <p:style>
+          <a:lnRef idx="2">
+            <a:schemeClr val="accent6"/>
+          </a:lnRef>
+          <a:fillRef idx="1">
+            <a:schemeClr val="lt1"/>
+          </a:fillRef>
+          <a:effectRef idx="0">
+            <a:schemeClr val="accent6"/>
+          </a:effectRef>
+          <a:fontRef idx="minor">
+            <a:schemeClr val="dk1"/>
+          </a:fontRef>
+        </p:style>
+        <p:txBody>
+          <a:bodyPr rtlCol="0" anchor="ctr"/>
+          <a:lstStyle/>
+          <a:p>
+            <a:pPr algn="ctr"/>
+            <a:r>
+              <a:rPr lang="de-DE" sz="1200" dirty="0"/>
+              <a:t>Model</a:t>
+            </a:r>
+          </a:p>
+        </p:txBody>
+      </p:sp>
+      <p:sp>
+        <p:nvSpPr>
+          <p:cNvPr id="13" name="Abgerundetes Rechteck 12">
+            <a:extLst>
+              <a:ext uri="{FF2B5EF4-FFF2-40B4-BE49-F238E27FC236}">
+                <a16:creationId xmlns:a16="http://schemas.microsoft.com/office/drawing/2014/main" id="{7F38D1E1-4A6C-95BA-12F4-C57BE9BEE7EA}"/>
+              </a:ext>
+            </a:extLst>
+          </p:cNvPr>
+          <p:cNvSpPr/>
+          <p:nvPr/>
+        </p:nvSpPr>
+        <p:spPr>
+          <a:xfrm>
+            <a:off x="5675877" y="2019487"/>
+            <a:ext cx="983660" cy="580171"/>
+          </a:xfrm>
+          <a:prstGeom prst="roundRect">
+            <a:avLst/>
+          </a:prstGeom>
+        </p:spPr>
+        <p:style>
+          <a:lnRef idx="2">
+            <a:schemeClr val="accent6"/>
+          </a:lnRef>
+          <a:fillRef idx="1">
+            <a:schemeClr val="lt1"/>
+          </a:fillRef>
+          <a:effectRef idx="0">
+            <a:schemeClr val="accent6"/>
+          </a:effectRef>
+          <a:fontRef idx="minor">
+            <a:schemeClr val="dk1"/>
+          </a:fontRef>
+        </p:style>
+        <p:txBody>
+          <a:bodyPr rtlCol="0" anchor="ctr"/>
+          <a:lstStyle/>
+          <a:p>
+            <a:pPr algn="ctr"/>
+            <a:r>
+              <a:rPr lang="de-DE" sz="1200" dirty="0"/>
+              <a:t>Generate</a:t>
+            </a:r>
+          </a:p>
+        </p:txBody>
+      </p:sp>
+      <p:cxnSp>
+        <p:nvCxnSpPr>
+          <p:cNvPr id="15" name="Gerade Verbindung mit Pfeil 14">
+            <a:extLst>
+              <a:ext uri="{FF2B5EF4-FFF2-40B4-BE49-F238E27FC236}">
+                <a16:creationId xmlns:a16="http://schemas.microsoft.com/office/drawing/2014/main" id="{84528BD7-E1E1-C71C-4232-2EE2E37D8928}"/>
+              </a:ext>
+            </a:extLst>
+          </p:cNvPr>
+          <p:cNvCxnSpPr>
+            <a:stCxn id="13" idx="3"/>
+            <a:endCxn id="12" idx="1"/>
+          </p:cNvCxnSpPr>
+          <p:nvPr/>
+        </p:nvCxnSpPr>
+        <p:spPr>
+          <a:xfrm flipV="1">
+            <a:off x="6659537" y="2301748"/>
+            <a:ext cx="407977" cy="7825"/>
+          </a:xfrm>
+          <a:prstGeom prst="straightConnector1">
+            <a:avLst/>
+          </a:prstGeom>
+          <a:ln>
+            <a:headEnd type="triangle"/>
+            <a:tailEnd type="triangle"/>
+          </a:ln>
+        </p:spPr>
+        <p:style>
+          <a:lnRef idx="2">
+            <a:schemeClr val="accent1"/>
+          </a:lnRef>
+          <a:fillRef idx="0">
+            <a:schemeClr val="accent1"/>
+          </a:fillRef>
+          <a:effectRef idx="1">
+            <a:schemeClr val="accent1"/>
+          </a:effectRef>
+          <a:fontRef idx="minor">
+            <a:schemeClr val="tx1"/>
+          </a:fontRef>
+        </p:style>
+      </p:cxnSp>
+      <p:sp>
+        <p:nvSpPr>
+          <p:cNvPr id="16" name="Textfeld 15">
+            <a:extLst>
+              <a:ext uri="{FF2B5EF4-FFF2-40B4-BE49-F238E27FC236}">
+                <a16:creationId xmlns:a16="http://schemas.microsoft.com/office/drawing/2014/main" id="{79C1AA3E-E327-A921-0FDD-1C26205CBB41}"/>
+              </a:ext>
+            </a:extLst>
+          </p:cNvPr>
+          <p:cNvSpPr txBox="1"/>
+          <p:nvPr/>
+        </p:nvSpPr>
+        <p:spPr>
+          <a:xfrm>
+            <a:off x="6622914" y="2024748"/>
+            <a:ext cx="481222" cy="276999"/>
+          </a:xfrm>
+          <a:prstGeom prst="rect">
+            <a:avLst/>
+          </a:prstGeom>
+          <a:noFill/>
+        </p:spPr>
+        <p:txBody>
+          <a:bodyPr wrap="none" rtlCol="0">
+            <a:spAutoFit/>
+          </a:bodyPr>
+          <a:lstStyle/>
+          <a:p>
+            <a:r>
+              <a:rPr lang="de-DE" sz="1200" dirty="0"/>
+              <a:t>loop</a:t>
+            </a:r>
+          </a:p>
+        </p:txBody>
+      </p:sp>
+      <p:cxnSp>
+        <p:nvCxnSpPr>
+          <p:cNvPr id="18" name="Gerade Verbindung mit Pfeil 17">
+            <a:extLst>
+              <a:ext uri="{FF2B5EF4-FFF2-40B4-BE49-F238E27FC236}">
+                <a16:creationId xmlns:a16="http://schemas.microsoft.com/office/drawing/2014/main" id="{62176BB9-79AB-F7EC-2EE3-BC291D5201F4}"/>
+              </a:ext>
+            </a:extLst>
+          </p:cNvPr>
+          <p:cNvCxnSpPr>
+            <a:stCxn id="10" idx="3"/>
+            <a:endCxn id="13" idx="1"/>
+          </p:cNvCxnSpPr>
+          <p:nvPr/>
+        </p:nvCxnSpPr>
+        <p:spPr>
+          <a:xfrm flipV="1">
+            <a:off x="5516522" y="2309573"/>
+            <a:ext cx="159355" cy="1"/>
+          </a:xfrm>
+          <a:prstGeom prst="straightConnector1">
+            <a:avLst/>
+          </a:prstGeom>
+          <a:ln>
+            <a:tailEnd type="triangle"/>
+          </a:ln>
+        </p:spPr>
+        <p:style>
+          <a:lnRef idx="2">
+            <a:schemeClr val="accent1"/>
+          </a:lnRef>
+          <a:fillRef idx="0">
+            <a:schemeClr val="accent1"/>
+          </a:fillRef>
+          <a:effectRef idx="1">
+            <a:schemeClr val="accent1"/>
+          </a:effectRef>
+          <a:fontRef idx="minor">
+            <a:schemeClr val="tx1"/>
+          </a:fontRef>
+        </p:style>
+      </p:cxnSp>
+      <p:cxnSp>
+        <p:nvCxnSpPr>
+          <p:cNvPr id="20" name="Gewinkelte Verbindung 19">
+            <a:extLst>
+              <a:ext uri="{FF2B5EF4-FFF2-40B4-BE49-F238E27FC236}">
+                <a16:creationId xmlns:a16="http://schemas.microsoft.com/office/drawing/2014/main" id="{59F9F2C6-5B00-CAEA-C6DB-FF520E0A85B2}"/>
+              </a:ext>
+            </a:extLst>
+          </p:cNvPr>
+          <p:cNvCxnSpPr>
+            <a:stCxn id="13" idx="2"/>
+            <a:endCxn id="11" idx="3"/>
+          </p:cNvCxnSpPr>
+          <p:nvPr/>
+        </p:nvCxnSpPr>
+        <p:spPr>
+          <a:xfrm rot="5400000">
+            <a:off x="5608072" y="2508109"/>
+            <a:ext cx="468087" cy="651185"/>
+          </a:xfrm>
+          <a:prstGeom prst="bentConnector2">
+            <a:avLst/>
+          </a:prstGeom>
+          <a:ln>
+            <a:tailEnd type="triangle"/>
+          </a:ln>
+        </p:spPr>
+        <p:style>
+          <a:lnRef idx="2">
+            <a:schemeClr val="accent1"/>
+          </a:lnRef>
+          <a:fillRef idx="0">
+            <a:schemeClr val="accent1"/>
+          </a:fillRef>
+          <a:effectRef idx="1">
+            <a:schemeClr val="accent1"/>
+          </a:effectRef>
+          <a:fontRef idx="minor">
+            <a:schemeClr val="tx1"/>
+          </a:fontRef>
+        </p:style>
+      </p:cxnSp>
+      <p:cxnSp>
+        <p:nvCxnSpPr>
+          <p:cNvPr id="22" name="Gerade Verbindung mit Pfeil 21">
+            <a:extLst>
+              <a:ext uri="{FF2B5EF4-FFF2-40B4-BE49-F238E27FC236}">
+                <a16:creationId xmlns:a16="http://schemas.microsoft.com/office/drawing/2014/main" id="{72BAC15D-BBCC-9DB6-2276-4539444E3F40}"/>
+              </a:ext>
+            </a:extLst>
+          </p:cNvPr>
+          <p:cNvCxnSpPr>
+            <a:stCxn id="5" idx="3"/>
+            <a:endCxn id="10" idx="1"/>
+          </p:cNvCxnSpPr>
+          <p:nvPr/>
+        </p:nvCxnSpPr>
+        <p:spPr>
+          <a:xfrm flipV="1">
+            <a:off x="3851345" y="2309574"/>
+            <a:ext cx="681517" cy="6073"/>
+          </a:xfrm>
+          <a:prstGeom prst="straightConnector1">
+            <a:avLst/>
+          </a:prstGeom>
+          <a:ln>
+            <a:tailEnd type="triangle"/>
+          </a:ln>
+        </p:spPr>
+        <p:style>
+          <a:lnRef idx="1">
+            <a:schemeClr val="accent6"/>
+          </a:lnRef>
+          <a:fillRef idx="0">
+            <a:schemeClr val="accent6"/>
+          </a:fillRef>
+          <a:effectRef idx="0">
+            <a:schemeClr val="accent6"/>
+          </a:effectRef>
+          <a:fontRef idx="minor">
+            <a:schemeClr val="tx1"/>
+          </a:fontRef>
+        </p:style>
+      </p:cxnSp>
+      <p:cxnSp>
+        <p:nvCxnSpPr>
+          <p:cNvPr id="24" name="Gerade Verbindung mit Pfeil 23">
+            <a:extLst>
+              <a:ext uri="{FF2B5EF4-FFF2-40B4-BE49-F238E27FC236}">
+                <a16:creationId xmlns:a16="http://schemas.microsoft.com/office/drawing/2014/main" id="{A9973DEF-1CFA-9DAE-EDF5-31AB2A3D2152}"/>
+              </a:ext>
+            </a:extLst>
+          </p:cNvPr>
+          <p:cNvCxnSpPr>
+            <a:stCxn id="11" idx="1"/>
+          </p:cNvCxnSpPr>
+          <p:nvPr/>
+        </p:nvCxnSpPr>
+        <p:spPr>
+          <a:xfrm flipH="1" flipV="1">
+            <a:off x="1385920" y="3067744"/>
+            <a:ext cx="3146942" cy="1"/>
+          </a:xfrm>
+          <a:prstGeom prst="straightConnector1">
+            <a:avLst/>
+          </a:prstGeom>
+          <a:ln>
+            <a:tailEnd type="triangle"/>
+          </a:ln>
+        </p:spPr>
+        <p:style>
+          <a:lnRef idx="1">
+            <a:schemeClr val="accent6"/>
+          </a:lnRef>
+          <a:fillRef idx="0">
+            <a:schemeClr val="accent6"/>
+          </a:fillRef>
+          <a:effectRef idx="0">
+            <a:schemeClr val="accent6"/>
+          </a:effectRef>
+          <a:fontRef idx="minor">
+            <a:schemeClr val="tx1"/>
+          </a:fontRef>
+        </p:style>
+      </p:cxnSp>
+      <p:sp>
+        <p:nvSpPr>
+          <p:cNvPr id="25" name="Textfeld 24">
+            <a:extLst>
+              <a:ext uri="{FF2B5EF4-FFF2-40B4-BE49-F238E27FC236}">
+                <a16:creationId xmlns:a16="http://schemas.microsoft.com/office/drawing/2014/main" id="{565310B2-977C-512F-9847-A489FAB03222}"/>
+              </a:ext>
+            </a:extLst>
+          </p:cNvPr>
+          <p:cNvSpPr txBox="1"/>
+          <p:nvPr/>
+        </p:nvSpPr>
+        <p:spPr>
+          <a:xfrm>
+            <a:off x="1449545" y="3114135"/>
+            <a:ext cx="1008609" cy="276999"/>
+          </a:xfrm>
+          <a:prstGeom prst="rect">
+            <a:avLst/>
+          </a:prstGeom>
+          <a:noFill/>
+        </p:spPr>
+        <p:txBody>
+          <a:bodyPr wrap="none" rtlCol="0">
+            <a:spAutoFit/>
+          </a:bodyPr>
+          <a:lstStyle/>
+          <a:p>
+            <a:r>
+              <a:rPr lang="de-DE" sz="1200" dirty="0"/>
+              <a:t>HTTP / gRPC</a:t>
+            </a:r>
+          </a:p>
+        </p:txBody>
+      </p:sp>
+      <p:sp>
+        <p:nvSpPr>
+          <p:cNvPr id="26" name="Abgerundetes Rechteck 25">
+            <a:extLst>
+              <a:ext uri="{FF2B5EF4-FFF2-40B4-BE49-F238E27FC236}">
+                <a16:creationId xmlns:a16="http://schemas.microsoft.com/office/drawing/2014/main" id="{7FCFCC05-2906-3F64-BAA7-694D22B8C7E7}"/>
+              </a:ext>
+            </a:extLst>
+          </p:cNvPr>
+          <p:cNvSpPr/>
+          <p:nvPr/>
+        </p:nvSpPr>
+        <p:spPr>
+          <a:xfrm>
+            <a:off x="2788448" y="3748049"/>
+            <a:ext cx="3266792" cy="580171"/>
+          </a:xfrm>
+          <a:prstGeom prst="roundRect">
+            <a:avLst/>
+          </a:prstGeom>
+        </p:spPr>
+        <p:style>
+          <a:lnRef idx="2">
+            <a:schemeClr val="accent6"/>
+          </a:lnRef>
+          <a:fillRef idx="1">
+            <a:schemeClr val="lt1"/>
+          </a:fillRef>
+          <a:effectRef idx="0">
+            <a:schemeClr val="accent6"/>
+          </a:effectRef>
+          <a:fontRef idx="minor">
+            <a:schemeClr val="dk1"/>
+          </a:fontRef>
+        </p:style>
+        <p:txBody>
+          <a:bodyPr rtlCol="0" anchor="ctr"/>
+          <a:lstStyle/>
+          <a:p>
+            <a:pPr algn="ctr"/>
+            <a:r>
+              <a:rPr lang="de-DE" sz="1200" dirty="0" err="1"/>
+              <a:t>Metrics</a:t>
+            </a:r>
+            <a:r>
+              <a:rPr lang="de-DE" sz="1200" dirty="0"/>
+              <a:t> (Durchsatz &amp; Latenz)</a:t>
+            </a:r>
+          </a:p>
+        </p:txBody>
+      </p:sp>
+      <p:sp>
+        <p:nvSpPr>
+          <p:cNvPr id="27" name="Abgerundetes Rechteck 26">
+            <a:extLst>
+              <a:ext uri="{FF2B5EF4-FFF2-40B4-BE49-F238E27FC236}">
+                <a16:creationId xmlns:a16="http://schemas.microsoft.com/office/drawing/2014/main" id="{96156987-7718-A741-19A5-09610FA08715}"/>
+              </a:ext>
+            </a:extLst>
+          </p:cNvPr>
+          <p:cNvSpPr/>
+          <p:nvPr/>
+        </p:nvSpPr>
+        <p:spPr>
+          <a:xfrm>
+            <a:off x="8508430" y="1588449"/>
+            <a:ext cx="974510" cy="1903839"/>
+          </a:xfrm>
+          <a:prstGeom prst="roundRect">
+            <a:avLst/>
+          </a:prstGeom>
+        </p:spPr>
+        <p:style>
+          <a:lnRef idx="2">
+            <a:schemeClr val="accent6"/>
+          </a:lnRef>
+          <a:fillRef idx="1">
+            <a:schemeClr val="lt1"/>
+          </a:fillRef>
+          <a:effectRef idx="0">
+            <a:schemeClr val="accent6"/>
+          </a:effectRef>
+          <a:fontRef idx="minor">
+            <a:schemeClr val="dk1"/>
+          </a:fontRef>
+        </p:style>
+        <p:txBody>
+          <a:bodyPr vert="vert270" rtlCol="0" anchor="ctr"/>
+          <a:lstStyle/>
+          <a:p>
+            <a:pPr algn="ctr"/>
+            <a:r>
+              <a:rPr lang="de-DE" sz="1200" dirty="0"/>
+              <a:t>Multi-Model Management</a:t>
+            </a:r>
+          </a:p>
+        </p:txBody>
+      </p:sp>
+      <p:sp>
+        <p:nvSpPr>
+          <p:cNvPr id="28" name="Rechteck 27">
+            <a:extLst>
+              <a:ext uri="{FF2B5EF4-FFF2-40B4-BE49-F238E27FC236}">
+                <a16:creationId xmlns:a16="http://schemas.microsoft.com/office/drawing/2014/main" id="{978E31BD-50AF-E96C-B401-6154BE28C1CD}"/>
+              </a:ext>
+            </a:extLst>
+          </p:cNvPr>
+          <p:cNvSpPr/>
+          <p:nvPr/>
+        </p:nvSpPr>
+        <p:spPr>
+          <a:xfrm>
+            <a:off x="10242417" y="1152929"/>
+            <a:ext cx="1026732" cy="2791749"/>
           </a:xfrm>
           <a:prstGeom prst="rect">
             <a:avLst/>
@@ -12353,45 +11729,128 @@
           </a:fontRef>
         </p:style>
         <p:txBody>
-          <a:bodyPr rtlCol="0" anchor="ctr"/>
+          <a:bodyPr vert="vert270" rtlCol="0" anchor="ctr"/>
           <a:lstStyle/>
           <a:p>
             <a:pPr algn="ctr"/>
             <a:r>
-              <a:rPr lang="de-DE" sz="1600" dirty="0" err="1"/>
-              <a:t>OpenTelemetry</a:t>
-            </a:r>
-            <a:r>
-              <a:rPr lang="de-DE" sz="1600" dirty="0"/>
-              <a:t> </a:t>
-            </a:r>
-            <a:r>
-              <a:rPr lang="de-DE" sz="1600" dirty="0" err="1"/>
-              <a:t>Collector</a:t>
-            </a:r>
-            <a:endParaRPr lang="de-DE" sz="1600" dirty="0"/>
+              <a:rPr lang="de-DE" dirty="0"/>
+              <a:t>Model Registry</a:t>
+            </a:r>
           </a:p>
         </p:txBody>
       </p:sp>
       <p:cxnSp>
         <p:nvCxnSpPr>
-          <p:cNvPr id="10" name="Gerade Verbindung mit Pfeil 9">
-            <a:extLst>
-              <a:ext uri="{FF2B5EF4-FFF2-40B4-BE49-F238E27FC236}">
-                <a16:creationId xmlns:a16="http://schemas.microsoft.com/office/drawing/2014/main" id="{8988B8B8-6536-C7C6-E91A-854AFFFA9771}"/>
+          <p:cNvPr id="30" name="Gerade Verbindung mit Pfeil 29">
+            <a:extLst>
+              <a:ext uri="{FF2B5EF4-FFF2-40B4-BE49-F238E27FC236}">
+                <a16:creationId xmlns:a16="http://schemas.microsoft.com/office/drawing/2014/main" id="{607ADCEE-C847-92DE-8011-FEA72C586452}"/>
               </a:ext>
             </a:extLst>
           </p:cNvPr>
           <p:cNvCxnSpPr>
-            <a:stCxn id="3" idx="3"/>
-            <a:endCxn id="8" idx="1"/>
+            <a:cxnSpLocks/>
+            <a:stCxn id="27" idx="3"/>
           </p:cNvCxnSpPr>
           <p:nvPr/>
         </p:nvCxnSpPr>
         <p:spPr>
           <a:xfrm>
-            <a:off x="3654053" y="2135950"/>
-            <a:ext cx="2341428" cy="0"/>
+            <a:off x="9482940" y="2540369"/>
+            <a:ext cx="759477" cy="0"/>
+          </a:xfrm>
+          <a:prstGeom prst="straightConnector1">
+            <a:avLst/>
+          </a:prstGeom>
+          <a:ln>
+            <a:solidFill>
+              <a:schemeClr val="accent6"/>
+            </a:solidFill>
+            <a:headEnd type="triangle"/>
+            <a:tailEnd type="triangle"/>
+          </a:ln>
+        </p:spPr>
+        <p:style>
+          <a:lnRef idx="2">
+            <a:schemeClr val="accent1"/>
+          </a:lnRef>
+          <a:fillRef idx="0">
+            <a:schemeClr val="accent1"/>
+          </a:fillRef>
+          <a:effectRef idx="1">
+            <a:schemeClr val="accent1"/>
+          </a:effectRef>
+          <a:fontRef idx="minor">
+            <a:schemeClr val="tx1"/>
+          </a:fontRef>
+        </p:style>
+      </p:cxnSp>
+      <p:sp>
+        <p:nvSpPr>
+          <p:cNvPr id="32" name="Rechteck 31">
+            <a:extLst>
+              <a:ext uri="{FF2B5EF4-FFF2-40B4-BE49-F238E27FC236}">
+                <a16:creationId xmlns:a16="http://schemas.microsoft.com/office/drawing/2014/main" id="{1E79F723-EE87-0E9C-8C9C-8143DDBF4581}"/>
+              </a:ext>
+            </a:extLst>
+          </p:cNvPr>
+          <p:cNvSpPr/>
+          <p:nvPr/>
+        </p:nvSpPr>
+        <p:spPr>
+          <a:xfrm>
+            <a:off x="2458153" y="4859078"/>
+            <a:ext cx="7260003" cy="914400"/>
+          </a:xfrm>
+          <a:prstGeom prst="rect">
+            <a:avLst/>
+          </a:prstGeom>
+        </p:spPr>
+        <p:style>
+          <a:lnRef idx="2">
+            <a:schemeClr val="accent1">
+              <a:shade val="15000"/>
+            </a:schemeClr>
+          </a:lnRef>
+          <a:fillRef idx="1">
+            <a:schemeClr val="accent1"/>
+          </a:fillRef>
+          <a:effectRef idx="0">
+            <a:schemeClr val="accent1"/>
+          </a:effectRef>
+          <a:fontRef idx="minor">
+            <a:schemeClr val="lt1"/>
+          </a:fontRef>
+        </p:style>
+        <p:txBody>
+          <a:bodyPr rtlCol="0" anchor="ctr"/>
+          <a:lstStyle/>
+          <a:p>
+            <a:pPr algn="ctr"/>
+            <a:r>
+              <a:rPr lang="de-DE" dirty="0"/>
+              <a:t>Hardware GPU</a:t>
+            </a:r>
+          </a:p>
+        </p:txBody>
+      </p:sp>
+      <p:cxnSp>
+        <p:nvCxnSpPr>
+          <p:cNvPr id="34" name="Gerade Verbindung mit Pfeil 33">
+            <a:extLst>
+              <a:ext uri="{FF2B5EF4-FFF2-40B4-BE49-F238E27FC236}">
+                <a16:creationId xmlns:a16="http://schemas.microsoft.com/office/drawing/2014/main" id="{FB25368E-55D7-71CE-1EFA-1C25BB30EC11}"/>
+              </a:ext>
+            </a:extLst>
+          </p:cNvPr>
+          <p:cNvCxnSpPr/>
+          <p:nvPr/>
+        </p:nvCxnSpPr>
+        <p:spPr>
+          <a:xfrm>
+            <a:off x="7581012" y="2599658"/>
+            <a:ext cx="0" cy="2259420"/>
           </a:xfrm>
           <a:prstGeom prst="straightConnector1">
             <a:avLst/>
@@ -12401,249 +11860,14 @@
           </a:ln>
         </p:spPr>
         <p:style>
-          <a:lnRef idx="2">
-            <a:schemeClr val="accent1"/>
+          <a:lnRef idx="1">
+            <a:schemeClr val="accent6"/>
           </a:lnRef>
           <a:fillRef idx="0">
-            <a:schemeClr val="accent1"/>
-          </a:fillRef>
-          <a:effectRef idx="1">
-            <a:schemeClr val="accent1"/>
-          </a:effectRef>
-          <a:fontRef idx="minor">
-            <a:schemeClr val="tx1"/>
-          </a:fontRef>
-        </p:style>
-      </p:cxnSp>
-      <p:sp>
-        <p:nvSpPr>
-          <p:cNvPr id="11" name="Textfeld 10">
-            <a:extLst>
-              <a:ext uri="{FF2B5EF4-FFF2-40B4-BE49-F238E27FC236}">
-                <a16:creationId xmlns:a16="http://schemas.microsoft.com/office/drawing/2014/main" id="{CE566CAA-6A2C-AC45-718F-CCFBFC0E2215}"/>
-              </a:ext>
-            </a:extLst>
-          </p:cNvPr>
-          <p:cNvSpPr txBox="1"/>
-          <p:nvPr/>
-        </p:nvSpPr>
-        <p:spPr>
-          <a:xfrm>
-            <a:off x="3654053" y="1766618"/>
-            <a:ext cx="2197718" cy="369332"/>
-          </a:xfrm>
-          <a:prstGeom prst="rect">
-            <a:avLst/>
-          </a:prstGeom>
-          <a:noFill/>
-        </p:spPr>
-        <p:txBody>
-          <a:bodyPr wrap="none" rtlCol="0">
-            <a:spAutoFit/>
-          </a:bodyPr>
-          <a:lstStyle/>
-          <a:p>
-            <a:r>
-              <a:rPr lang="de-DE" dirty="0" err="1"/>
-              <a:t>traces</a:t>
-            </a:r>
-            <a:r>
-              <a:rPr lang="de-DE" dirty="0"/>
-              <a:t>, logs, </a:t>
-            </a:r>
-            <a:r>
-              <a:rPr lang="de-DE" dirty="0" err="1"/>
-              <a:t>metrics</a:t>
-            </a:r>
-            <a:endParaRPr lang="de-DE" dirty="0"/>
-          </a:p>
-        </p:txBody>
-      </p:sp>
-      <p:sp>
-        <p:nvSpPr>
-          <p:cNvPr id="12" name="Textfeld 11">
-            <a:extLst>
-              <a:ext uri="{FF2B5EF4-FFF2-40B4-BE49-F238E27FC236}">
-                <a16:creationId xmlns:a16="http://schemas.microsoft.com/office/drawing/2014/main" id="{4CAB1F73-6E98-8959-B817-D55FF32093AF}"/>
-              </a:ext>
-            </a:extLst>
-          </p:cNvPr>
-          <p:cNvSpPr txBox="1"/>
-          <p:nvPr/>
-        </p:nvSpPr>
-        <p:spPr>
-          <a:xfrm>
-            <a:off x="5952597" y="788199"/>
-            <a:ext cx="2481770" cy="830997"/>
-          </a:xfrm>
-          <a:prstGeom prst="rect">
-            <a:avLst/>
-          </a:prstGeom>
-          <a:noFill/>
-        </p:spPr>
-        <p:txBody>
-          <a:bodyPr wrap="none" rtlCol="0">
-            <a:spAutoFit/>
-          </a:bodyPr>
-          <a:lstStyle/>
-          <a:p>
-            <a:r>
-              <a:rPr lang="de-DE" sz="1600" i="0" u="none" strike="noStrike" dirty="0">
-                <a:effectLst/>
-                <a:latin typeface="SFMono-Regular"/>
-              </a:rPr>
-              <a:t>Receivers:</a:t>
-            </a:r>
-            <a:endParaRPr lang="de-DE" sz="1600" dirty="0">
-              <a:effectLst/>
-            </a:endParaRPr>
-          </a:p>
-          <a:p>
-            <a:pPr marL="285750" indent="-285750">
-              <a:buFont typeface="Arial" panose="020B0604020202020204" pitchFamily="34" charset="0"/>
-              <a:buChar char="•"/>
-            </a:pPr>
-            <a:r>
-              <a:rPr lang="de-DE" sz="1600" dirty="0" err="1">
-                <a:effectLst/>
-              </a:rPr>
-              <a:t>grpc</a:t>
-            </a:r>
-            <a:r>
-              <a:rPr lang="de-DE" sz="1600" dirty="0">
-                <a:effectLst/>
-              </a:rPr>
-              <a:t>: 	</a:t>
-            </a:r>
-            <a:r>
-              <a:rPr lang="de-DE" sz="1600" dirty="0" err="1">
-                <a:effectLst/>
-              </a:rPr>
-              <a:t>endpoint</a:t>
-            </a:r>
-            <a:r>
-              <a:rPr lang="de-DE" sz="1600" dirty="0">
-                <a:effectLst/>
-              </a:rPr>
-              <a:t>: 4317 </a:t>
-            </a:r>
-          </a:p>
-          <a:p>
-            <a:pPr marL="285750" indent="-285750">
-              <a:buFont typeface="Arial" panose="020B0604020202020204" pitchFamily="34" charset="0"/>
-              <a:buChar char="•"/>
-            </a:pPr>
-            <a:r>
-              <a:rPr lang="de-DE" sz="1600" dirty="0">
-                <a:effectLst/>
-              </a:rPr>
-              <a:t>http: 	</a:t>
-            </a:r>
-            <a:r>
-              <a:rPr lang="de-DE" sz="1600" dirty="0" err="1">
-                <a:effectLst/>
-              </a:rPr>
-              <a:t>endpoint</a:t>
-            </a:r>
-            <a:r>
-              <a:rPr lang="de-DE" sz="1600" dirty="0">
-                <a:effectLst/>
-              </a:rPr>
-              <a:t>: 4318</a:t>
-            </a:r>
-            <a:endParaRPr lang="de-DE" sz="1600" dirty="0"/>
-          </a:p>
-        </p:txBody>
-      </p:sp>
-      <p:sp>
-        <p:nvSpPr>
-          <p:cNvPr id="13" name="Rechteck 12">
-            <a:extLst>
-              <a:ext uri="{FF2B5EF4-FFF2-40B4-BE49-F238E27FC236}">
-                <a16:creationId xmlns:a16="http://schemas.microsoft.com/office/drawing/2014/main" id="{A579EBF8-3C19-43AC-28BB-4895DA5C4FBE}"/>
-              </a:ext>
-            </a:extLst>
-          </p:cNvPr>
-          <p:cNvSpPr/>
-          <p:nvPr/>
-        </p:nvSpPr>
-        <p:spPr>
-          <a:xfrm>
-            <a:off x="9226460" y="1704211"/>
-            <a:ext cx="1534632" cy="843750"/>
-          </a:xfrm>
-          <a:prstGeom prst="rect">
-            <a:avLst/>
-          </a:prstGeom>
-        </p:spPr>
-        <p:style>
-          <a:lnRef idx="2">
-            <a:schemeClr val="accent1">
-              <a:shade val="15000"/>
-            </a:schemeClr>
-          </a:lnRef>
-          <a:fillRef idx="1">
-            <a:schemeClr val="accent1"/>
+            <a:schemeClr val="accent6"/>
           </a:fillRef>
           <a:effectRef idx="0">
-            <a:schemeClr val="accent1"/>
-          </a:effectRef>
-          <a:fontRef idx="minor">
-            <a:schemeClr val="lt1"/>
-          </a:fontRef>
-        </p:style>
-        <p:txBody>
-          <a:bodyPr rtlCol="0" anchor="ctr"/>
-          <a:lstStyle/>
-          <a:p>
-            <a:pPr algn="ctr"/>
-            <a:r>
-              <a:rPr lang="de-DE" sz="1600" dirty="0" err="1"/>
-              <a:t>OpenTelemetry</a:t>
-            </a:r>
-            <a:r>
-              <a:rPr lang="de-DE" sz="1600" dirty="0"/>
-              <a:t> Backend</a:t>
-            </a:r>
-          </a:p>
-        </p:txBody>
-      </p:sp>
-      <p:cxnSp>
-        <p:nvCxnSpPr>
-          <p:cNvPr id="15" name="Gerade Verbindung mit Pfeil 14">
-            <a:extLst>
-              <a:ext uri="{FF2B5EF4-FFF2-40B4-BE49-F238E27FC236}">
-                <a16:creationId xmlns:a16="http://schemas.microsoft.com/office/drawing/2014/main" id="{58518F29-D3A4-219F-4ADD-817224D78F8A}"/>
-              </a:ext>
-            </a:extLst>
-          </p:cNvPr>
-          <p:cNvCxnSpPr>
-            <a:stCxn id="8" idx="3"/>
-            <a:endCxn id="13" idx="1"/>
-          </p:cNvCxnSpPr>
-          <p:nvPr/>
-        </p:nvCxnSpPr>
-        <p:spPr>
-          <a:xfrm flipV="1">
-            <a:off x="7530113" y="2126086"/>
-            <a:ext cx="1696347" cy="9864"/>
-          </a:xfrm>
-          <a:prstGeom prst="straightConnector1">
-            <a:avLst/>
-          </a:prstGeom>
-          <a:ln>
-            <a:tailEnd type="triangle"/>
-          </a:ln>
-        </p:spPr>
-        <p:style>
-          <a:lnRef idx="2">
-            <a:schemeClr val="accent1"/>
-          </a:lnRef>
-          <a:fillRef idx="0">
-            <a:schemeClr val="accent1"/>
-          </a:fillRef>
-          <a:effectRef idx="1">
-            <a:schemeClr val="accent1"/>
+            <a:schemeClr val="accent6"/>
           </a:effectRef>
           <a:fontRef idx="minor">
             <a:schemeClr val="tx1"/>
@@ -12653,7 +11877,7 @@
     </p:spTree>
     <p:extLst>
       <p:ext uri="{BB962C8B-B14F-4D97-AF65-F5344CB8AC3E}">
-        <p14:creationId xmlns:p14="http://schemas.microsoft.com/office/powerpoint/2010/main" val="3145038747"/>
+        <p14:creationId xmlns:p14="http://schemas.microsoft.com/office/powerpoint/2010/main" val="4025392899"/>
       </p:ext>
     </p:extLst>
   </p:cSld>
@@ -12682,10 +11906,10 @@
       </p:grpSpPr>
       <p:sp>
         <p:nvSpPr>
-          <p:cNvPr id="4" name="Rechteck 3">
-            <a:extLst>
-              <a:ext uri="{FF2B5EF4-FFF2-40B4-BE49-F238E27FC236}">
-                <a16:creationId xmlns:a16="http://schemas.microsoft.com/office/drawing/2014/main" id="{C7D879C1-02E2-090B-2D22-144C7E2CE238}"/>
+          <p:cNvPr id="7" name="Rechteck 6">
+            <a:extLst>
+              <a:ext uri="{FF2B5EF4-FFF2-40B4-BE49-F238E27FC236}">
+                <a16:creationId xmlns:a16="http://schemas.microsoft.com/office/drawing/2014/main" id="{94FBF044-36A2-A164-C34E-CFC8E73229E6}"/>
               </a:ext>
             </a:extLst>
           </p:cNvPr>
@@ -12694,8 +11918,8 @@
         </p:nvSpPr>
         <p:spPr>
           <a:xfrm>
-            <a:off x="297712" y="148857"/>
-            <a:ext cx="11812772" cy="5978304"/>
+            <a:off x="1541722" y="951611"/>
+            <a:ext cx="1286539" cy="3508744"/>
           </a:xfrm>
           <a:prstGeom prst="rect">
             <a:avLst/>
@@ -12721,68 +11945,7 @@
           </a:fontRef>
         </p:style>
         <p:txBody>
-          <a:bodyPr rtlCol="0" anchor="t"/>
-          <a:lstStyle/>
-          <a:p>
-            <a:pPr algn="ctr"/>
-            <a:r>
-              <a:rPr lang="de-DE" dirty="0" err="1">
-                <a:solidFill>
-                  <a:sysClr val="windowText" lastClr="000000"/>
-                </a:solidFill>
-              </a:rPr>
-              <a:t>MLOps</a:t>
-            </a:r>
-            <a:endParaRPr lang="de-DE" dirty="0">
-              <a:solidFill>
-                <a:sysClr val="windowText" lastClr="000000"/>
-              </a:solidFill>
-            </a:endParaRPr>
-          </a:p>
-        </p:txBody>
-      </p:sp>
-      <p:sp>
-        <p:nvSpPr>
-          <p:cNvPr id="11" name="Rechteck 10">
-            <a:extLst>
-              <a:ext uri="{FF2B5EF4-FFF2-40B4-BE49-F238E27FC236}">
-                <a16:creationId xmlns:a16="http://schemas.microsoft.com/office/drawing/2014/main" id="{FE872F87-F242-9381-E937-B7DD9664CF31}"/>
-              </a:ext>
-            </a:extLst>
-          </p:cNvPr>
-          <p:cNvSpPr/>
-          <p:nvPr/>
-        </p:nvSpPr>
-        <p:spPr>
-          <a:xfrm>
-            <a:off x="400569" y="1743546"/>
-            <a:ext cx="3939296" cy="1307805"/>
-          </a:xfrm>
-          <a:prstGeom prst="rect">
-            <a:avLst/>
-          </a:prstGeom>
-          <a:solidFill>
-            <a:schemeClr val="bg1"/>
-          </a:solidFill>
-        </p:spPr>
-        <p:style>
-          <a:lnRef idx="2">
-            <a:schemeClr val="accent1">
-              <a:shade val="15000"/>
-            </a:schemeClr>
-          </a:lnRef>
-          <a:fillRef idx="1">
-            <a:schemeClr val="accent1"/>
-          </a:fillRef>
-          <a:effectRef idx="0">
-            <a:schemeClr val="accent1"/>
-          </a:effectRef>
-          <a:fontRef idx="minor">
-            <a:schemeClr val="lt1"/>
-          </a:fontRef>
-        </p:style>
-        <p:txBody>
-          <a:bodyPr rtlCol="0" anchor="t"/>
+          <a:bodyPr rtlCol="0" anchor="ctr"/>
           <a:lstStyle/>
           <a:p>
             <a:pPr algn="ctr"/>
@@ -12792,53 +11955,17 @@
                   <a:sysClr val="windowText" lastClr="000000"/>
                 </a:solidFill>
               </a:rPr>
-              <a:t>Datenmanagement (Feature Pipeline)</a:t>
-            </a:r>
-          </a:p>
-        </p:txBody>
-      </p:sp>
-      <p:sp>
-        <p:nvSpPr>
-          <p:cNvPr id="2" name="Textfeld 1">
-            <a:extLst>
-              <a:ext uri="{FF2B5EF4-FFF2-40B4-BE49-F238E27FC236}">
-                <a16:creationId xmlns:a16="http://schemas.microsoft.com/office/drawing/2014/main" id="{786621BF-0E08-5A71-1488-F273F33277C0}"/>
-              </a:ext>
-            </a:extLst>
-          </p:cNvPr>
-          <p:cNvSpPr txBox="1"/>
-          <p:nvPr/>
-        </p:nvSpPr>
-        <p:spPr>
-          <a:xfrm>
-            <a:off x="10434468" y="6127161"/>
-            <a:ext cx="886909" cy="369332"/>
-          </a:xfrm>
-          <a:prstGeom prst="rect">
-            <a:avLst/>
-          </a:prstGeom>
-          <a:noFill/>
-        </p:spPr>
-        <p:txBody>
-          <a:bodyPr wrap="none" rtlCol="0">
-            <a:spAutoFit/>
-          </a:bodyPr>
-          <a:lstStyle/>
-          <a:p>
-            <a:r>
-              <a:rPr lang="de-DE" dirty="0" err="1"/>
-              <a:t>MLOps</a:t>
-            </a:r>
-            <a:endParaRPr lang="de-DE" dirty="0"/>
-          </a:p>
-        </p:txBody>
-      </p:sp>
-      <p:sp>
-        <p:nvSpPr>
-          <p:cNvPr id="3" name="Rechteck 2">
-            <a:extLst>
-              <a:ext uri="{FF2B5EF4-FFF2-40B4-BE49-F238E27FC236}">
-                <a16:creationId xmlns:a16="http://schemas.microsoft.com/office/drawing/2014/main" id="{498BF8E3-EEDD-9E1C-53E3-DBF7516E08F4}"/>
+              <a:t>Client</a:t>
+            </a:r>
+          </a:p>
+        </p:txBody>
+      </p:sp>
+      <p:sp>
+        <p:nvSpPr>
+          <p:cNvPr id="8" name="Rechteck 7">
+            <a:extLst>
+              <a:ext uri="{FF2B5EF4-FFF2-40B4-BE49-F238E27FC236}">
+                <a16:creationId xmlns:a16="http://schemas.microsoft.com/office/drawing/2014/main" id="{14B94E5C-1FA5-4DFF-163E-822304CCF358}"/>
               </a:ext>
             </a:extLst>
           </p:cNvPr>
@@ -12846,446 +11973,9 @@
           <p:nvPr/>
         </p:nvSpPr>
         <p:spPr>
-          <a:xfrm rot="5400000">
-            <a:off x="10535173" y="2870882"/>
-            <a:ext cx="1026732" cy="1951053"/>
-          </a:xfrm>
-          <a:prstGeom prst="rect">
-            <a:avLst/>
-          </a:prstGeom>
-        </p:spPr>
-        <p:style>
-          <a:lnRef idx="2">
-            <a:schemeClr val="accent1">
-              <a:shade val="15000"/>
-            </a:schemeClr>
-          </a:lnRef>
-          <a:fillRef idx="1">
-            <a:schemeClr val="accent1"/>
-          </a:fillRef>
-          <a:effectRef idx="0">
-            <a:schemeClr val="accent1"/>
-          </a:effectRef>
-          <a:fontRef idx="minor">
-            <a:schemeClr val="lt1"/>
-          </a:fontRef>
-        </p:style>
-        <p:txBody>
-          <a:bodyPr vert="vert270" rtlCol="0" anchor="ctr"/>
-          <a:lstStyle/>
-          <a:p>
-            <a:pPr algn="ctr"/>
-            <a:r>
-              <a:rPr lang="de-DE" dirty="0"/>
-              <a:t>Model Registry</a:t>
-            </a:r>
-          </a:p>
-        </p:txBody>
-      </p:sp>
-      <p:sp>
-        <p:nvSpPr>
-          <p:cNvPr id="5" name="Abgerundetes Rechteck 4">
-            <a:extLst>
-              <a:ext uri="{FF2B5EF4-FFF2-40B4-BE49-F238E27FC236}">
-                <a16:creationId xmlns:a16="http://schemas.microsoft.com/office/drawing/2014/main" id="{58AB3E34-C6DD-C8B7-771C-5197159372BF}"/>
-              </a:ext>
-            </a:extLst>
-          </p:cNvPr>
-          <p:cNvSpPr/>
-          <p:nvPr/>
-        </p:nvSpPr>
-        <p:spPr>
-          <a:xfrm>
-            <a:off x="630942" y="2104357"/>
-            <a:ext cx="1051764" cy="580171"/>
-          </a:xfrm>
-          <a:prstGeom prst="roundRect">
-            <a:avLst/>
-          </a:prstGeom>
-        </p:spPr>
-        <p:style>
-          <a:lnRef idx="2">
-            <a:schemeClr val="accent6"/>
-          </a:lnRef>
-          <a:fillRef idx="1">
-            <a:schemeClr val="lt1"/>
-          </a:fillRef>
-          <a:effectRef idx="0">
-            <a:schemeClr val="accent6"/>
-          </a:effectRef>
-          <a:fontRef idx="minor">
-            <a:schemeClr val="dk1"/>
-          </a:fontRef>
-        </p:style>
-        <p:txBody>
-          <a:bodyPr rtlCol="0" anchor="ctr"/>
-          <a:lstStyle/>
-          <a:p>
-            <a:pPr algn="ctr"/>
-            <a:r>
-              <a:rPr lang="de-DE" sz="1100" dirty="0"/>
-              <a:t>Data </a:t>
-            </a:r>
-            <a:r>
-              <a:rPr lang="de-DE" sz="1100" dirty="0" err="1"/>
-              <a:t>Extraction</a:t>
-            </a:r>
-            <a:endParaRPr lang="de-DE" sz="1100" dirty="0"/>
-          </a:p>
-        </p:txBody>
-      </p:sp>
-      <p:sp>
-        <p:nvSpPr>
-          <p:cNvPr id="6" name="Abgerundetes Rechteck 5">
-            <a:extLst>
-              <a:ext uri="{FF2B5EF4-FFF2-40B4-BE49-F238E27FC236}">
-                <a16:creationId xmlns:a16="http://schemas.microsoft.com/office/drawing/2014/main" id="{A41BBB47-5698-3B50-E17B-D0A6EA5DCA3A}"/>
-              </a:ext>
-            </a:extLst>
-          </p:cNvPr>
-          <p:cNvSpPr/>
-          <p:nvPr/>
-        </p:nvSpPr>
-        <p:spPr>
-          <a:xfrm>
-            <a:off x="1878507" y="2104356"/>
-            <a:ext cx="1051764" cy="580171"/>
-          </a:xfrm>
-          <a:prstGeom prst="roundRect">
-            <a:avLst/>
-          </a:prstGeom>
-        </p:spPr>
-        <p:style>
-          <a:lnRef idx="2">
-            <a:schemeClr val="accent6"/>
-          </a:lnRef>
-          <a:fillRef idx="1">
-            <a:schemeClr val="lt1"/>
-          </a:fillRef>
-          <a:effectRef idx="0">
-            <a:schemeClr val="accent6"/>
-          </a:effectRef>
-          <a:fontRef idx="minor">
-            <a:schemeClr val="dk1"/>
-          </a:fontRef>
-        </p:style>
-        <p:txBody>
-          <a:bodyPr rtlCol="0" anchor="ctr"/>
-          <a:lstStyle/>
-          <a:p>
-            <a:pPr algn="ctr"/>
-            <a:r>
-              <a:rPr lang="de-DE" sz="1100" dirty="0"/>
-              <a:t>Data Validation</a:t>
-            </a:r>
-          </a:p>
-        </p:txBody>
-      </p:sp>
-      <p:sp>
-        <p:nvSpPr>
-          <p:cNvPr id="7" name="Abgerundetes Rechteck 6">
-            <a:extLst>
-              <a:ext uri="{FF2B5EF4-FFF2-40B4-BE49-F238E27FC236}">
-                <a16:creationId xmlns:a16="http://schemas.microsoft.com/office/drawing/2014/main" id="{D15F0F84-73F5-6FC9-FD04-6484786CB686}"/>
-              </a:ext>
-            </a:extLst>
-          </p:cNvPr>
-          <p:cNvSpPr/>
-          <p:nvPr/>
-        </p:nvSpPr>
-        <p:spPr>
-          <a:xfrm>
-            <a:off x="3109186" y="2104355"/>
-            <a:ext cx="1051764" cy="580171"/>
-          </a:xfrm>
-          <a:prstGeom prst="roundRect">
-            <a:avLst/>
-          </a:prstGeom>
-        </p:spPr>
-        <p:style>
-          <a:lnRef idx="2">
-            <a:schemeClr val="accent6"/>
-          </a:lnRef>
-          <a:fillRef idx="1">
-            <a:schemeClr val="lt1"/>
-          </a:fillRef>
-          <a:effectRef idx="0">
-            <a:schemeClr val="accent6"/>
-          </a:effectRef>
-          <a:fontRef idx="minor">
-            <a:schemeClr val="dk1"/>
-          </a:fontRef>
-        </p:style>
-        <p:txBody>
-          <a:bodyPr rtlCol="0" anchor="ctr"/>
-          <a:lstStyle/>
-          <a:p>
-            <a:pPr algn="ctr"/>
-            <a:r>
-              <a:rPr lang="de-DE" sz="1100" dirty="0"/>
-              <a:t>Data </a:t>
-            </a:r>
-            <a:r>
-              <a:rPr lang="de-DE" sz="1100" dirty="0" err="1"/>
-              <a:t>Preparation</a:t>
-            </a:r>
-            <a:endParaRPr lang="de-DE" sz="1100" dirty="0"/>
-          </a:p>
-        </p:txBody>
-      </p:sp>
-      <p:sp>
-        <p:nvSpPr>
-          <p:cNvPr id="12" name="Abgerundetes Rechteck 11">
-            <a:extLst>
-              <a:ext uri="{FF2B5EF4-FFF2-40B4-BE49-F238E27FC236}">
-                <a16:creationId xmlns:a16="http://schemas.microsoft.com/office/drawing/2014/main" id="{C079B07C-3A87-7F62-4DA7-3ACB02714F08}"/>
-              </a:ext>
-            </a:extLst>
-          </p:cNvPr>
-          <p:cNvSpPr/>
-          <p:nvPr/>
-        </p:nvSpPr>
-        <p:spPr>
-          <a:xfrm>
-            <a:off x="400569" y="1123617"/>
-            <a:ext cx="1051764" cy="580171"/>
-          </a:xfrm>
-          <a:prstGeom prst="roundRect">
-            <a:avLst/>
-          </a:prstGeom>
-          <a:solidFill>
-            <a:schemeClr val="accent3">
-              <a:lumMod val="60000"/>
-              <a:lumOff val="40000"/>
-            </a:schemeClr>
-          </a:solidFill>
-        </p:spPr>
-        <p:style>
-          <a:lnRef idx="2">
-            <a:schemeClr val="accent6"/>
-          </a:lnRef>
-          <a:fillRef idx="1">
-            <a:schemeClr val="lt1"/>
-          </a:fillRef>
-          <a:effectRef idx="0">
-            <a:schemeClr val="accent6"/>
-          </a:effectRef>
-          <a:fontRef idx="minor">
-            <a:schemeClr val="dk1"/>
-          </a:fontRef>
-        </p:style>
-        <p:txBody>
-          <a:bodyPr rtlCol="0" anchor="ctr"/>
-          <a:lstStyle/>
-          <a:p>
-            <a:pPr algn="ctr"/>
-            <a:r>
-              <a:rPr lang="de-DE" sz="1200" dirty="0"/>
-              <a:t>Data Analysis</a:t>
-            </a:r>
-          </a:p>
-        </p:txBody>
-      </p:sp>
-      <p:sp>
-        <p:nvSpPr>
-          <p:cNvPr id="13" name="Abgerundetes Rechteck 12">
-            <a:extLst>
-              <a:ext uri="{FF2B5EF4-FFF2-40B4-BE49-F238E27FC236}">
-                <a16:creationId xmlns:a16="http://schemas.microsoft.com/office/drawing/2014/main" id="{BBF8F91C-F025-3BA6-1E1A-06D461D01242}"/>
-              </a:ext>
-            </a:extLst>
-          </p:cNvPr>
-          <p:cNvSpPr/>
-          <p:nvPr/>
-        </p:nvSpPr>
-        <p:spPr>
-          <a:xfrm>
-            <a:off x="6374197" y="1059242"/>
-            <a:ext cx="1051764" cy="580171"/>
-          </a:xfrm>
-          <a:prstGeom prst="roundRect">
-            <a:avLst/>
-          </a:prstGeom>
-          <a:solidFill>
-            <a:schemeClr val="accent3">
-              <a:lumMod val="60000"/>
-              <a:lumOff val="40000"/>
-            </a:schemeClr>
-          </a:solidFill>
-        </p:spPr>
-        <p:style>
-          <a:lnRef idx="2">
-            <a:schemeClr val="accent6"/>
-          </a:lnRef>
-          <a:fillRef idx="1">
-            <a:schemeClr val="lt1"/>
-          </a:fillRef>
-          <a:effectRef idx="0">
-            <a:schemeClr val="accent6"/>
-          </a:effectRef>
-          <a:fontRef idx="minor">
-            <a:schemeClr val="dk1"/>
-          </a:fontRef>
-        </p:style>
-        <p:txBody>
-          <a:bodyPr rtlCol="0" anchor="ctr"/>
-          <a:lstStyle/>
-          <a:p>
-            <a:pPr algn="ctr"/>
-            <a:r>
-              <a:rPr lang="de-DE" sz="1200" dirty="0"/>
-              <a:t>Model Analysis</a:t>
-            </a:r>
-          </a:p>
-        </p:txBody>
-      </p:sp>
-      <p:sp>
-        <p:nvSpPr>
-          <p:cNvPr id="14" name="Rechteck 13">
-            <a:extLst>
-              <a:ext uri="{FF2B5EF4-FFF2-40B4-BE49-F238E27FC236}">
-                <a16:creationId xmlns:a16="http://schemas.microsoft.com/office/drawing/2014/main" id="{CFB6E944-0C5D-B923-C845-D7559F9B08F3}"/>
-              </a:ext>
-            </a:extLst>
-          </p:cNvPr>
-          <p:cNvSpPr/>
-          <p:nvPr/>
-        </p:nvSpPr>
-        <p:spPr>
-          <a:xfrm rot="5400000">
-            <a:off x="4885304" y="2858058"/>
-            <a:ext cx="1026732" cy="1951054"/>
-          </a:xfrm>
-          <a:prstGeom prst="rect">
-            <a:avLst/>
-          </a:prstGeom>
-        </p:spPr>
-        <p:style>
-          <a:lnRef idx="2">
-            <a:schemeClr val="accent1">
-              <a:shade val="15000"/>
-            </a:schemeClr>
-          </a:lnRef>
-          <a:fillRef idx="1">
-            <a:schemeClr val="accent1"/>
-          </a:fillRef>
-          <a:effectRef idx="0">
-            <a:schemeClr val="accent1"/>
-          </a:effectRef>
-          <a:fontRef idx="minor">
-            <a:schemeClr val="lt1"/>
-          </a:fontRef>
-        </p:style>
-        <p:txBody>
-          <a:bodyPr vert="vert270" rtlCol="0" anchor="ctr"/>
-          <a:lstStyle/>
-          <a:p>
-            <a:pPr algn="ctr"/>
-            <a:r>
-              <a:rPr lang="de-DE" dirty="0"/>
-              <a:t>Feature Store</a:t>
-            </a:r>
-          </a:p>
-        </p:txBody>
-      </p:sp>
-      <p:cxnSp>
-        <p:nvCxnSpPr>
-          <p:cNvPr id="16" name="Gewinkelte Verbindung 15">
-            <a:extLst>
-              <a:ext uri="{FF2B5EF4-FFF2-40B4-BE49-F238E27FC236}">
-                <a16:creationId xmlns:a16="http://schemas.microsoft.com/office/drawing/2014/main" id="{438414B3-74AA-7FC5-D766-B55287CBD4B8}"/>
-              </a:ext>
-            </a:extLst>
-          </p:cNvPr>
-          <p:cNvCxnSpPr>
-            <a:stCxn id="11" idx="3"/>
-          </p:cNvCxnSpPr>
-          <p:nvPr/>
-        </p:nvCxnSpPr>
-        <p:spPr>
-          <a:xfrm>
-            <a:off x="4339865" y="2397449"/>
-            <a:ext cx="657437" cy="922769"/>
-          </a:xfrm>
-          <a:prstGeom prst="bentConnector2">
-            <a:avLst/>
-          </a:prstGeom>
-          <a:ln>
-            <a:tailEnd type="triangle"/>
-          </a:ln>
-        </p:spPr>
-        <p:style>
-          <a:lnRef idx="2">
-            <a:schemeClr val="accent1"/>
-          </a:lnRef>
-          <a:fillRef idx="0">
-            <a:schemeClr val="accent1"/>
-          </a:fillRef>
-          <a:effectRef idx="1">
-            <a:schemeClr val="accent1"/>
-          </a:effectRef>
-          <a:fontRef idx="minor">
-            <a:schemeClr val="tx1"/>
-          </a:fontRef>
-        </p:style>
-      </p:cxnSp>
-      <p:sp>
-        <p:nvSpPr>
-          <p:cNvPr id="17" name="Textfeld 16">
-            <a:extLst>
-              <a:ext uri="{FF2B5EF4-FFF2-40B4-BE49-F238E27FC236}">
-                <a16:creationId xmlns:a16="http://schemas.microsoft.com/office/drawing/2014/main" id="{0CC0172C-8B46-4400-DB4D-FC5D48666156}"/>
-              </a:ext>
-            </a:extLst>
-          </p:cNvPr>
-          <p:cNvSpPr txBox="1"/>
-          <p:nvPr/>
-        </p:nvSpPr>
-        <p:spPr>
-          <a:xfrm>
-            <a:off x="4296264" y="2453693"/>
-            <a:ext cx="799642" cy="461665"/>
-          </a:xfrm>
-          <a:prstGeom prst="rect">
-            <a:avLst/>
-          </a:prstGeom>
-          <a:noFill/>
-        </p:spPr>
-        <p:txBody>
-          <a:bodyPr wrap="none" rtlCol="0">
-            <a:spAutoFit/>
-          </a:bodyPr>
-          <a:lstStyle/>
-          <a:p>
-            <a:r>
-              <a:rPr lang="de-DE" sz="1200" dirty="0"/>
-              <a:t>Features </a:t>
-            </a:r>
-          </a:p>
-          <a:p>
-            <a:r>
-              <a:rPr lang="de-DE" sz="1200" dirty="0"/>
-              <a:t>&amp; Labels</a:t>
-            </a:r>
-          </a:p>
-        </p:txBody>
-      </p:sp>
-      <p:sp>
-        <p:nvSpPr>
-          <p:cNvPr id="18" name="Rechteck 17">
-            <a:extLst>
-              <a:ext uri="{FF2B5EF4-FFF2-40B4-BE49-F238E27FC236}">
-                <a16:creationId xmlns:a16="http://schemas.microsoft.com/office/drawing/2014/main" id="{D88D8572-54A5-508E-9E43-33878E45C005}"/>
-              </a:ext>
-            </a:extLst>
-          </p:cNvPr>
-          <p:cNvSpPr/>
-          <p:nvPr/>
-        </p:nvSpPr>
-        <p:spPr>
-          <a:xfrm>
-            <a:off x="6374197" y="1703788"/>
-            <a:ext cx="3939296" cy="1307805"/>
+          <a:xfrm>
+            <a:off x="3193313" y="951611"/>
+            <a:ext cx="8332380" cy="3508744"/>
           </a:xfrm>
           <a:prstGeom prst="rect">
             <a:avLst/>
@@ -13321,173 +12011,389 @@
                   <a:sysClr val="windowText" lastClr="000000"/>
                 </a:solidFill>
               </a:rPr>
-              <a:t>Modelltraining (Training Pipeline)</a:t>
-            </a:r>
-          </a:p>
-        </p:txBody>
-      </p:sp>
-      <p:sp>
-        <p:nvSpPr>
-          <p:cNvPr id="19" name="Abgerundetes Rechteck 18">
-            <a:extLst>
-              <a:ext uri="{FF2B5EF4-FFF2-40B4-BE49-F238E27FC236}">
-                <a16:creationId xmlns:a16="http://schemas.microsoft.com/office/drawing/2014/main" id="{99D53EBB-6A00-CD6A-628A-85711915FD21}"/>
-              </a:ext>
-            </a:extLst>
-          </p:cNvPr>
-          <p:cNvSpPr/>
-          <p:nvPr/>
-        </p:nvSpPr>
-        <p:spPr>
-          <a:xfrm>
-            <a:off x="6604356" y="2147242"/>
-            <a:ext cx="1051764" cy="580171"/>
-          </a:xfrm>
-          <a:prstGeom prst="roundRect">
-            <a:avLst/>
-          </a:prstGeom>
-        </p:spPr>
-        <p:style>
-          <a:lnRef idx="2">
-            <a:schemeClr val="accent6"/>
-          </a:lnRef>
-          <a:fillRef idx="1">
-            <a:schemeClr val="lt1"/>
-          </a:fillRef>
-          <a:effectRef idx="0">
-            <a:schemeClr val="accent6"/>
-          </a:effectRef>
-          <a:fontRef idx="minor">
-            <a:schemeClr val="dk1"/>
-          </a:fontRef>
-        </p:style>
-        <p:txBody>
-          <a:bodyPr rtlCol="0" anchor="ctr"/>
-          <a:lstStyle/>
-          <a:p>
-            <a:pPr algn="ctr"/>
-            <a:r>
-              <a:rPr lang="de-DE" sz="1100" dirty="0"/>
-              <a:t>Model Training</a:t>
-            </a:r>
-          </a:p>
-        </p:txBody>
-      </p:sp>
-      <p:sp>
-        <p:nvSpPr>
-          <p:cNvPr id="20" name="Abgerundetes Rechteck 19">
-            <a:extLst>
-              <a:ext uri="{FF2B5EF4-FFF2-40B4-BE49-F238E27FC236}">
-                <a16:creationId xmlns:a16="http://schemas.microsoft.com/office/drawing/2014/main" id="{977B4CBE-1481-B90B-E80E-FA0C2F307328}"/>
-              </a:ext>
-            </a:extLst>
-          </p:cNvPr>
-          <p:cNvSpPr/>
-          <p:nvPr/>
-        </p:nvSpPr>
-        <p:spPr>
-          <a:xfrm>
-            <a:off x="7827791" y="2147241"/>
-            <a:ext cx="1051764" cy="580171"/>
-          </a:xfrm>
-          <a:prstGeom prst="roundRect">
-            <a:avLst/>
-          </a:prstGeom>
-        </p:spPr>
-        <p:style>
-          <a:lnRef idx="2">
-            <a:schemeClr val="accent6"/>
-          </a:lnRef>
-          <a:fillRef idx="1">
-            <a:schemeClr val="lt1"/>
-          </a:fillRef>
-          <a:effectRef idx="0">
-            <a:schemeClr val="accent6"/>
-          </a:effectRef>
-          <a:fontRef idx="minor">
-            <a:schemeClr val="dk1"/>
-          </a:fontRef>
-        </p:style>
-        <p:txBody>
-          <a:bodyPr rtlCol="0" anchor="ctr"/>
-          <a:lstStyle/>
-          <a:p>
-            <a:pPr algn="ctr"/>
-            <a:r>
-              <a:rPr lang="de-DE" sz="1100" dirty="0"/>
-              <a:t>Model Evaluation</a:t>
-            </a:r>
-          </a:p>
-        </p:txBody>
-      </p:sp>
-      <p:sp>
-        <p:nvSpPr>
-          <p:cNvPr id="21" name="Abgerundetes Rechteck 20">
-            <a:extLst>
-              <a:ext uri="{FF2B5EF4-FFF2-40B4-BE49-F238E27FC236}">
-                <a16:creationId xmlns:a16="http://schemas.microsoft.com/office/drawing/2014/main" id="{E8991386-B561-72B3-5D32-C720CEB2E531}"/>
-              </a:ext>
-            </a:extLst>
-          </p:cNvPr>
-          <p:cNvSpPr/>
-          <p:nvPr/>
-        </p:nvSpPr>
-        <p:spPr>
-          <a:xfrm>
-            <a:off x="9058470" y="2147240"/>
-            <a:ext cx="1051764" cy="580171"/>
-          </a:xfrm>
-          <a:prstGeom prst="roundRect">
-            <a:avLst/>
-          </a:prstGeom>
-        </p:spPr>
-        <p:style>
-          <a:lnRef idx="2">
-            <a:schemeClr val="accent6"/>
-          </a:lnRef>
-          <a:fillRef idx="1">
-            <a:schemeClr val="lt1"/>
-          </a:fillRef>
-          <a:effectRef idx="0">
-            <a:schemeClr val="accent6"/>
-          </a:effectRef>
-          <a:fontRef idx="minor">
-            <a:schemeClr val="dk1"/>
-          </a:fontRef>
-        </p:style>
-        <p:txBody>
-          <a:bodyPr rtlCol="0" anchor="ctr"/>
-          <a:lstStyle/>
-          <a:p>
-            <a:pPr algn="ctr"/>
-            <a:r>
-              <a:rPr lang="de-DE" sz="1100" dirty="0"/>
-              <a:t>Model Validation</a:t>
-            </a:r>
+              <a:t>KI-System</a:t>
+            </a:r>
+          </a:p>
+        </p:txBody>
+      </p:sp>
+      <p:sp>
+        <p:nvSpPr>
+          <p:cNvPr id="2" name="Textfeld 1">
+            <a:extLst>
+              <a:ext uri="{FF2B5EF4-FFF2-40B4-BE49-F238E27FC236}">
+                <a16:creationId xmlns:a16="http://schemas.microsoft.com/office/drawing/2014/main" id="{506C87A4-39DC-2F2E-DD8D-B09A243FFA6C}"/>
+              </a:ext>
+            </a:extLst>
+          </p:cNvPr>
+          <p:cNvSpPr txBox="1"/>
+          <p:nvPr/>
+        </p:nvSpPr>
+        <p:spPr>
+          <a:xfrm>
+            <a:off x="10434468" y="6127161"/>
+            <a:ext cx="1501821" cy="369332"/>
+          </a:xfrm>
+          <a:prstGeom prst="rect">
+            <a:avLst/>
+          </a:prstGeom>
+          <a:noFill/>
+        </p:spPr>
+        <p:txBody>
+          <a:bodyPr wrap="none" rtlCol="0">
+            <a:spAutoFit/>
+          </a:bodyPr>
+          <a:lstStyle/>
+          <a:p>
+            <a:r>
+              <a:rPr lang="de-DE" dirty="0" err="1"/>
+              <a:t>Observability</a:t>
+            </a:r>
+            <a:endParaRPr lang="de-DE" dirty="0"/>
           </a:p>
         </p:txBody>
       </p:sp>
       <p:cxnSp>
         <p:nvCxnSpPr>
-          <p:cNvPr id="23" name="Gewinkelte Verbindung 22">
-            <a:extLst>
-              <a:ext uri="{FF2B5EF4-FFF2-40B4-BE49-F238E27FC236}">
-                <a16:creationId xmlns:a16="http://schemas.microsoft.com/office/drawing/2014/main" id="{B2A5BEAD-BA94-15E0-8B50-1DBF4EFF42B0}"/>
+          <p:cNvPr id="3" name="Gerade Verbindung mit Pfeil 2">
+            <a:extLst>
+              <a:ext uri="{FF2B5EF4-FFF2-40B4-BE49-F238E27FC236}">
+                <a16:creationId xmlns:a16="http://schemas.microsoft.com/office/drawing/2014/main" id="{401C59DB-5C6F-5034-C4A6-141A7E0CC245}"/>
               </a:ext>
             </a:extLst>
           </p:cNvPr>
           <p:cNvCxnSpPr>
             <a:cxnSpLocks/>
-            <a:endCxn id="18" idx="1"/>
           </p:cNvCxnSpPr>
           <p:nvPr/>
         </p:nvCxnSpPr>
         <p:spPr>
-          <a:xfrm rot="5400000" flipH="1" flipV="1">
-            <a:off x="5518868" y="2477714"/>
-            <a:ext cx="975351" cy="735307"/>
-          </a:xfrm>
-          <a:prstGeom prst="bentConnector2">
+          <a:xfrm>
+            <a:off x="2594344" y="2424225"/>
+            <a:ext cx="1786270" cy="0"/>
+          </a:xfrm>
+          <a:prstGeom prst="straightConnector1">
+            <a:avLst/>
+          </a:prstGeom>
+          <a:ln w="50800">
+            <a:tailEnd type="triangle"/>
+          </a:ln>
+        </p:spPr>
+        <p:style>
+          <a:lnRef idx="2">
+            <a:schemeClr val="dk1"/>
+          </a:lnRef>
+          <a:fillRef idx="0">
+            <a:schemeClr val="dk1"/>
+          </a:fillRef>
+          <a:effectRef idx="1">
+            <a:schemeClr val="dk1"/>
+          </a:effectRef>
+          <a:fontRef idx="minor">
+            <a:schemeClr val="tx1"/>
+          </a:fontRef>
+        </p:style>
+      </p:cxnSp>
+      <p:sp>
+        <p:nvSpPr>
+          <p:cNvPr id="4" name="Textfeld 3">
+            <a:extLst>
+              <a:ext uri="{FF2B5EF4-FFF2-40B4-BE49-F238E27FC236}">
+                <a16:creationId xmlns:a16="http://schemas.microsoft.com/office/drawing/2014/main" id="{04A17496-54D5-7C09-D596-3B440EEC2C0E}"/>
+              </a:ext>
+            </a:extLst>
+          </p:cNvPr>
+          <p:cNvSpPr txBox="1"/>
+          <p:nvPr/>
+        </p:nvSpPr>
+        <p:spPr>
+          <a:xfrm>
+            <a:off x="3302881" y="1940446"/>
+            <a:ext cx="942374" cy="369332"/>
+          </a:xfrm>
+          <a:prstGeom prst="rect">
+            <a:avLst/>
+          </a:prstGeom>
+          <a:solidFill>
+            <a:schemeClr val="accent2">
+              <a:lumMod val="60000"/>
+              <a:lumOff val="40000"/>
+            </a:schemeClr>
+          </a:solidFill>
+        </p:spPr>
+        <p:txBody>
+          <a:bodyPr wrap="none" rtlCol="0">
+            <a:spAutoFit/>
+          </a:bodyPr>
+          <a:lstStyle/>
+          <a:p>
+            <a:r>
+              <a:rPr lang="de-DE" dirty="0"/>
+              <a:t>Anfrage</a:t>
+            </a:r>
+          </a:p>
+        </p:txBody>
+      </p:sp>
+      <p:cxnSp>
+        <p:nvCxnSpPr>
+          <p:cNvPr id="5" name="Gerade Verbindung mit Pfeil 4">
+            <a:extLst>
+              <a:ext uri="{FF2B5EF4-FFF2-40B4-BE49-F238E27FC236}">
+                <a16:creationId xmlns:a16="http://schemas.microsoft.com/office/drawing/2014/main" id="{B74768A2-6803-9CA7-6D1B-09E9CF3ACC52}"/>
+              </a:ext>
+            </a:extLst>
+          </p:cNvPr>
+          <p:cNvCxnSpPr>
+            <a:cxnSpLocks/>
+          </p:cNvCxnSpPr>
+          <p:nvPr/>
+        </p:nvCxnSpPr>
+        <p:spPr>
+          <a:xfrm flipH="1">
+            <a:off x="2576623" y="3346742"/>
+            <a:ext cx="1803991" cy="3545"/>
+          </a:xfrm>
+          <a:prstGeom prst="straightConnector1">
+            <a:avLst/>
+          </a:prstGeom>
+          <a:ln w="50800">
+            <a:tailEnd type="triangle"/>
+          </a:ln>
+        </p:spPr>
+        <p:style>
+          <a:lnRef idx="2">
+            <a:schemeClr val="dk1"/>
+          </a:lnRef>
+          <a:fillRef idx="0">
+            <a:schemeClr val="dk1"/>
+          </a:fillRef>
+          <a:effectRef idx="1">
+            <a:schemeClr val="dk1"/>
+          </a:effectRef>
+          <a:fontRef idx="minor">
+            <a:schemeClr val="tx1"/>
+          </a:fontRef>
+        </p:style>
+      </p:cxnSp>
+      <p:sp>
+        <p:nvSpPr>
+          <p:cNvPr id="6" name="Textfeld 5">
+            <a:extLst>
+              <a:ext uri="{FF2B5EF4-FFF2-40B4-BE49-F238E27FC236}">
+                <a16:creationId xmlns:a16="http://schemas.microsoft.com/office/drawing/2014/main" id="{CDFFD883-242A-9E23-7201-FC6CF332A371}"/>
+              </a:ext>
+            </a:extLst>
+          </p:cNvPr>
+          <p:cNvSpPr txBox="1"/>
+          <p:nvPr/>
+        </p:nvSpPr>
+        <p:spPr>
+          <a:xfrm>
+            <a:off x="3286669" y="2885628"/>
+            <a:ext cx="966290" cy="369332"/>
+          </a:xfrm>
+          <a:prstGeom prst="rect">
+            <a:avLst/>
+          </a:prstGeom>
+          <a:solidFill>
+            <a:schemeClr val="accent2">
+              <a:lumMod val="60000"/>
+              <a:lumOff val="40000"/>
+            </a:schemeClr>
+          </a:solidFill>
+        </p:spPr>
+        <p:txBody>
+          <a:bodyPr wrap="none" rtlCol="0">
+            <a:spAutoFit/>
+          </a:bodyPr>
+          <a:lstStyle/>
+          <a:p>
+            <a:r>
+              <a:rPr lang="de-DE" dirty="0"/>
+              <a:t>Antwort</a:t>
+            </a:r>
+          </a:p>
+        </p:txBody>
+      </p:sp>
+      <p:sp>
+        <p:nvSpPr>
+          <p:cNvPr id="9" name="Rechteck 8">
+            <a:extLst>
+              <a:ext uri="{FF2B5EF4-FFF2-40B4-BE49-F238E27FC236}">
+                <a16:creationId xmlns:a16="http://schemas.microsoft.com/office/drawing/2014/main" id="{47702512-C6D4-8B54-F96B-117410D35AEB}"/>
+              </a:ext>
+            </a:extLst>
+          </p:cNvPr>
+          <p:cNvSpPr/>
+          <p:nvPr/>
+        </p:nvSpPr>
+        <p:spPr>
+          <a:xfrm>
+            <a:off x="3193313" y="4627968"/>
+            <a:ext cx="8332379" cy="960842"/>
+          </a:xfrm>
+          <a:prstGeom prst="rect">
+            <a:avLst/>
+          </a:prstGeom>
+        </p:spPr>
+        <p:style>
+          <a:lnRef idx="2">
+            <a:schemeClr val="accent1">
+              <a:shade val="15000"/>
+            </a:schemeClr>
+          </a:lnRef>
+          <a:fillRef idx="1">
+            <a:schemeClr val="accent1"/>
+          </a:fillRef>
+          <a:effectRef idx="0">
+            <a:schemeClr val="accent1"/>
+          </a:effectRef>
+          <a:fontRef idx="minor">
+            <a:schemeClr val="lt1"/>
+          </a:fontRef>
+        </p:style>
+        <p:txBody>
+          <a:bodyPr rtlCol="0" anchor="ctr"/>
+          <a:lstStyle/>
+          <a:p>
+            <a:pPr algn="ctr"/>
+            <a:r>
+              <a:rPr lang="de-DE" dirty="0" err="1"/>
+              <a:t>Logging</a:t>
+            </a:r>
+            <a:r>
+              <a:rPr lang="de-DE" dirty="0"/>
+              <a:t> &amp; Tracing &amp; </a:t>
+            </a:r>
+            <a:r>
+              <a:rPr lang="de-DE" dirty="0" err="1"/>
+              <a:t>Metrics</a:t>
+            </a:r>
+            <a:endParaRPr lang="de-DE" dirty="0"/>
+          </a:p>
+        </p:txBody>
+      </p:sp>
+      <p:sp>
+        <p:nvSpPr>
+          <p:cNvPr id="10" name="Rechteck 9">
+            <a:extLst>
+              <a:ext uri="{FF2B5EF4-FFF2-40B4-BE49-F238E27FC236}">
+                <a16:creationId xmlns:a16="http://schemas.microsoft.com/office/drawing/2014/main" id="{F2390BB9-AFE3-9C48-6442-AF8EE75B0806}"/>
+              </a:ext>
+            </a:extLst>
+          </p:cNvPr>
+          <p:cNvSpPr/>
+          <p:nvPr/>
+        </p:nvSpPr>
+        <p:spPr>
+          <a:xfrm>
+            <a:off x="1541722" y="4627968"/>
+            <a:ext cx="1286539" cy="960842"/>
+          </a:xfrm>
+          <a:prstGeom prst="rect">
+            <a:avLst/>
+          </a:prstGeom>
+        </p:spPr>
+        <p:style>
+          <a:lnRef idx="2">
+            <a:schemeClr val="accent1">
+              <a:shade val="15000"/>
+            </a:schemeClr>
+          </a:lnRef>
+          <a:fillRef idx="1">
+            <a:schemeClr val="accent1"/>
+          </a:fillRef>
+          <a:effectRef idx="0">
+            <a:schemeClr val="accent1"/>
+          </a:effectRef>
+          <a:fontRef idx="minor">
+            <a:schemeClr val="lt1"/>
+          </a:fontRef>
+        </p:style>
+        <p:txBody>
+          <a:bodyPr rtlCol="0" anchor="ctr"/>
+          <a:lstStyle/>
+          <a:p>
+            <a:pPr algn="ctr"/>
+            <a:r>
+              <a:rPr lang="de-DE" dirty="0"/>
+              <a:t>Analyse</a:t>
+            </a:r>
+          </a:p>
+          <a:p>
+            <a:pPr algn="ctr"/>
+            <a:r>
+              <a:rPr lang="de-DE" dirty="0"/>
+              <a:t>Client</a:t>
+            </a:r>
+          </a:p>
+        </p:txBody>
+      </p:sp>
+      <p:cxnSp>
+        <p:nvCxnSpPr>
+          <p:cNvPr id="12" name="Gerade Verbindung mit Pfeil 11">
+            <a:extLst>
+              <a:ext uri="{FF2B5EF4-FFF2-40B4-BE49-F238E27FC236}">
+                <a16:creationId xmlns:a16="http://schemas.microsoft.com/office/drawing/2014/main" id="{12BBBE48-6111-AAFF-22B5-E6DFF1674E89}"/>
+              </a:ext>
+            </a:extLst>
+          </p:cNvPr>
+          <p:cNvCxnSpPr>
+            <a:cxnSpLocks/>
+            <a:stCxn id="10" idx="3"/>
+            <a:endCxn id="9" idx="1"/>
+          </p:cNvCxnSpPr>
+          <p:nvPr/>
+        </p:nvCxnSpPr>
+        <p:spPr>
+          <a:xfrm>
+            <a:off x="2828261" y="5108389"/>
+            <a:ext cx="365052" cy="0"/>
+          </a:xfrm>
+          <a:prstGeom prst="straightConnector1">
+            <a:avLst/>
+          </a:prstGeom>
+          <a:ln>
+            <a:headEnd type="triangle"/>
+            <a:tailEnd type="triangle"/>
+          </a:ln>
+        </p:spPr>
+        <p:style>
+          <a:lnRef idx="2">
+            <a:schemeClr val="accent1"/>
+          </a:lnRef>
+          <a:fillRef idx="0">
+            <a:schemeClr val="accent1"/>
+          </a:fillRef>
+          <a:effectRef idx="1">
+            <a:schemeClr val="accent1"/>
+          </a:effectRef>
+          <a:fontRef idx="minor">
+            <a:schemeClr val="tx1"/>
+          </a:fontRef>
+        </p:style>
+      </p:cxnSp>
+      <p:cxnSp>
+        <p:nvCxnSpPr>
+          <p:cNvPr id="15" name="Gerade Verbindung mit Pfeil 14">
+            <a:extLst>
+              <a:ext uri="{FF2B5EF4-FFF2-40B4-BE49-F238E27FC236}">
+                <a16:creationId xmlns:a16="http://schemas.microsoft.com/office/drawing/2014/main" id="{9A4FF946-7FB5-3FFC-4B22-B5D461A23DCB}"/>
+              </a:ext>
+            </a:extLst>
+          </p:cNvPr>
+          <p:cNvCxnSpPr>
+            <a:cxnSpLocks/>
+            <a:stCxn id="8" idx="2"/>
+            <a:endCxn id="9" idx="0"/>
+          </p:cNvCxnSpPr>
+          <p:nvPr/>
+        </p:nvCxnSpPr>
+        <p:spPr>
+          <a:xfrm>
+            <a:off x="7359503" y="4460355"/>
+            <a:ext cx="0" cy="167613"/>
+          </a:xfrm>
+          <a:prstGeom prst="straightConnector1">
             <a:avLst/>
           </a:prstGeom>
           <a:ln>
@@ -13511,10 +12417,402 @@
       </p:cxnSp>
       <p:sp>
         <p:nvSpPr>
-          <p:cNvPr id="26" name="Textfeld 25">
-            <a:extLst>
-              <a:ext uri="{FF2B5EF4-FFF2-40B4-BE49-F238E27FC236}">
-                <a16:creationId xmlns:a16="http://schemas.microsoft.com/office/drawing/2014/main" id="{E4D7A2F8-679E-8E71-A5BB-9CE65331522F}"/>
+          <p:cNvPr id="19" name="Rechteck 18">
+            <a:extLst>
+              <a:ext uri="{FF2B5EF4-FFF2-40B4-BE49-F238E27FC236}">
+                <a16:creationId xmlns:a16="http://schemas.microsoft.com/office/drawing/2014/main" id="{3CCFA1EF-1E61-B5F4-F21B-7154417A18A1}"/>
+              </a:ext>
+            </a:extLst>
+          </p:cNvPr>
+          <p:cNvSpPr/>
+          <p:nvPr/>
+        </p:nvSpPr>
+        <p:spPr>
+          <a:xfrm>
+            <a:off x="4380614" y="1831033"/>
+            <a:ext cx="1414130" cy="1815436"/>
+          </a:xfrm>
+          <a:prstGeom prst="rect">
+            <a:avLst/>
+          </a:prstGeom>
+        </p:spPr>
+        <p:style>
+          <a:lnRef idx="2">
+            <a:schemeClr val="accent1">
+              <a:shade val="15000"/>
+            </a:schemeClr>
+          </a:lnRef>
+          <a:fillRef idx="1">
+            <a:schemeClr val="accent1"/>
+          </a:fillRef>
+          <a:effectRef idx="0">
+            <a:schemeClr val="accent1"/>
+          </a:effectRef>
+          <a:fontRef idx="minor">
+            <a:schemeClr val="lt1"/>
+          </a:fontRef>
+        </p:style>
+        <p:txBody>
+          <a:bodyPr rtlCol="0" anchor="ctr"/>
+          <a:lstStyle/>
+          <a:p>
+            <a:pPr algn="ctr"/>
+            <a:r>
+              <a:rPr lang="de-DE" dirty="0"/>
+              <a:t>Web Anwendung</a:t>
+            </a:r>
+          </a:p>
+        </p:txBody>
+      </p:sp>
+      <p:sp>
+        <p:nvSpPr>
+          <p:cNvPr id="20" name="Rechteck 19">
+            <a:extLst>
+              <a:ext uri="{FF2B5EF4-FFF2-40B4-BE49-F238E27FC236}">
+                <a16:creationId xmlns:a16="http://schemas.microsoft.com/office/drawing/2014/main" id="{753AC7E8-2876-9611-3C6F-00A94E2C2F09}"/>
+              </a:ext>
+            </a:extLst>
+          </p:cNvPr>
+          <p:cNvSpPr/>
+          <p:nvPr/>
+        </p:nvSpPr>
+        <p:spPr>
+          <a:xfrm>
+            <a:off x="7725096" y="2802719"/>
+            <a:ext cx="1534632" cy="843750"/>
+          </a:xfrm>
+          <a:prstGeom prst="rect">
+            <a:avLst/>
+          </a:prstGeom>
+        </p:spPr>
+        <p:style>
+          <a:lnRef idx="2">
+            <a:schemeClr val="accent1">
+              <a:shade val="15000"/>
+            </a:schemeClr>
+          </a:lnRef>
+          <a:fillRef idx="1">
+            <a:schemeClr val="accent1"/>
+          </a:fillRef>
+          <a:effectRef idx="0">
+            <a:schemeClr val="accent1"/>
+          </a:effectRef>
+          <a:fontRef idx="minor">
+            <a:schemeClr val="lt1"/>
+          </a:fontRef>
+        </p:style>
+        <p:txBody>
+          <a:bodyPr rtlCol="0" anchor="ctr"/>
+          <a:lstStyle/>
+          <a:p>
+            <a:pPr algn="ctr"/>
+            <a:r>
+              <a:rPr lang="de-DE" dirty="0"/>
+              <a:t>Tools</a:t>
+            </a:r>
+          </a:p>
+        </p:txBody>
+      </p:sp>
+      <p:sp>
+        <p:nvSpPr>
+          <p:cNvPr id="21" name="Rechteck 20">
+            <a:extLst>
+              <a:ext uri="{FF2B5EF4-FFF2-40B4-BE49-F238E27FC236}">
+                <a16:creationId xmlns:a16="http://schemas.microsoft.com/office/drawing/2014/main" id="{451EECDA-E8F4-5448-1D06-EDC2E28AFBA2}"/>
+              </a:ext>
+            </a:extLst>
+          </p:cNvPr>
+          <p:cNvSpPr/>
+          <p:nvPr/>
+        </p:nvSpPr>
+        <p:spPr>
+          <a:xfrm>
+            <a:off x="7725096" y="1831033"/>
+            <a:ext cx="1534632" cy="843750"/>
+          </a:xfrm>
+          <a:prstGeom prst="rect">
+            <a:avLst/>
+          </a:prstGeom>
+        </p:spPr>
+        <p:style>
+          <a:lnRef idx="2">
+            <a:schemeClr val="accent1">
+              <a:shade val="15000"/>
+            </a:schemeClr>
+          </a:lnRef>
+          <a:fillRef idx="1">
+            <a:schemeClr val="accent1"/>
+          </a:fillRef>
+          <a:effectRef idx="0">
+            <a:schemeClr val="accent1"/>
+          </a:effectRef>
+          <a:fontRef idx="minor">
+            <a:schemeClr val="lt1"/>
+          </a:fontRef>
+        </p:style>
+        <p:txBody>
+          <a:bodyPr rtlCol="0" anchor="ctr"/>
+          <a:lstStyle/>
+          <a:p>
+            <a:pPr algn="ctr"/>
+            <a:r>
+              <a:rPr lang="de-DE" dirty="0" err="1"/>
+              <a:t>Agents</a:t>
+            </a:r>
+            <a:endParaRPr lang="de-DE" dirty="0"/>
+          </a:p>
+        </p:txBody>
+      </p:sp>
+      <p:sp>
+        <p:nvSpPr>
+          <p:cNvPr id="22" name="Rechteck 21">
+            <a:extLst>
+              <a:ext uri="{FF2B5EF4-FFF2-40B4-BE49-F238E27FC236}">
+                <a16:creationId xmlns:a16="http://schemas.microsoft.com/office/drawing/2014/main" id="{9B25DC27-FAE2-715E-304D-F1E59AA5EA0D}"/>
+              </a:ext>
+            </a:extLst>
+          </p:cNvPr>
+          <p:cNvSpPr/>
+          <p:nvPr/>
+        </p:nvSpPr>
+        <p:spPr>
+          <a:xfrm>
+            <a:off x="6042835" y="2802719"/>
+            <a:ext cx="1534632" cy="843750"/>
+          </a:xfrm>
+          <a:prstGeom prst="rect">
+            <a:avLst/>
+          </a:prstGeom>
+        </p:spPr>
+        <p:style>
+          <a:lnRef idx="2">
+            <a:schemeClr val="accent1">
+              <a:shade val="15000"/>
+            </a:schemeClr>
+          </a:lnRef>
+          <a:fillRef idx="1">
+            <a:schemeClr val="accent1"/>
+          </a:fillRef>
+          <a:effectRef idx="0">
+            <a:schemeClr val="accent1"/>
+          </a:effectRef>
+          <a:fontRef idx="minor">
+            <a:schemeClr val="lt1"/>
+          </a:fontRef>
+        </p:style>
+        <p:txBody>
+          <a:bodyPr rtlCol="0" anchor="ctr"/>
+          <a:lstStyle/>
+          <a:p>
+            <a:pPr algn="ctr"/>
+            <a:r>
+              <a:rPr lang="de-DE" dirty="0"/>
+              <a:t>Tasks</a:t>
+            </a:r>
+          </a:p>
+        </p:txBody>
+      </p:sp>
+      <p:sp>
+        <p:nvSpPr>
+          <p:cNvPr id="23" name="Rechteck 22">
+            <a:extLst>
+              <a:ext uri="{FF2B5EF4-FFF2-40B4-BE49-F238E27FC236}">
+                <a16:creationId xmlns:a16="http://schemas.microsoft.com/office/drawing/2014/main" id="{56D9EEFA-BAD2-4DA6-F9BF-53E21B33B048}"/>
+              </a:ext>
+            </a:extLst>
+          </p:cNvPr>
+          <p:cNvSpPr/>
+          <p:nvPr/>
+        </p:nvSpPr>
+        <p:spPr>
+          <a:xfrm>
+            <a:off x="6042835" y="1831033"/>
+            <a:ext cx="1534632" cy="843750"/>
+          </a:xfrm>
+          <a:prstGeom prst="rect">
+            <a:avLst/>
+          </a:prstGeom>
+        </p:spPr>
+        <p:style>
+          <a:lnRef idx="2">
+            <a:schemeClr val="accent1">
+              <a:shade val="15000"/>
+            </a:schemeClr>
+          </a:lnRef>
+          <a:fillRef idx="1">
+            <a:schemeClr val="accent1"/>
+          </a:fillRef>
+          <a:effectRef idx="0">
+            <a:schemeClr val="accent1"/>
+          </a:effectRef>
+          <a:fontRef idx="minor">
+            <a:schemeClr val="lt1"/>
+          </a:fontRef>
+        </p:style>
+        <p:txBody>
+          <a:bodyPr rtlCol="0" anchor="ctr"/>
+          <a:lstStyle/>
+          <a:p>
+            <a:pPr algn="ctr"/>
+            <a:r>
+              <a:rPr lang="de-DE" dirty="0"/>
+              <a:t>RAG</a:t>
+            </a:r>
+          </a:p>
+        </p:txBody>
+      </p:sp>
+      <p:sp>
+        <p:nvSpPr>
+          <p:cNvPr id="24" name="Rechteck 23">
+            <a:extLst>
+              <a:ext uri="{FF2B5EF4-FFF2-40B4-BE49-F238E27FC236}">
+                <a16:creationId xmlns:a16="http://schemas.microsoft.com/office/drawing/2014/main" id="{999D831B-40B5-A2A8-36EC-F7350D411021}"/>
+              </a:ext>
+            </a:extLst>
+          </p:cNvPr>
+          <p:cNvSpPr/>
+          <p:nvPr/>
+        </p:nvSpPr>
+        <p:spPr>
+          <a:xfrm>
+            <a:off x="9448794" y="1788778"/>
+            <a:ext cx="397095" cy="1857691"/>
+          </a:xfrm>
+          <a:prstGeom prst="rect">
+            <a:avLst/>
+          </a:prstGeom>
+        </p:spPr>
+        <p:style>
+          <a:lnRef idx="2">
+            <a:schemeClr val="accent1">
+              <a:shade val="15000"/>
+            </a:schemeClr>
+          </a:lnRef>
+          <a:fillRef idx="1">
+            <a:schemeClr val="accent1"/>
+          </a:fillRef>
+          <a:effectRef idx="0">
+            <a:schemeClr val="accent1"/>
+          </a:effectRef>
+          <a:fontRef idx="minor">
+            <a:schemeClr val="lt1"/>
+          </a:fontRef>
+        </p:style>
+        <p:txBody>
+          <a:bodyPr vert="vert270" rtlCol="0" anchor="ctr"/>
+          <a:lstStyle/>
+          <a:p>
+            <a:pPr algn="ctr"/>
+            <a:r>
+              <a:rPr lang="de-DE" dirty="0"/>
+              <a:t>LLM Gateway</a:t>
+            </a:r>
+          </a:p>
+        </p:txBody>
+      </p:sp>
+      <p:sp>
+        <p:nvSpPr>
+          <p:cNvPr id="25" name="Rechteck 24">
+            <a:extLst>
+              <a:ext uri="{FF2B5EF4-FFF2-40B4-BE49-F238E27FC236}">
+                <a16:creationId xmlns:a16="http://schemas.microsoft.com/office/drawing/2014/main" id="{F0050B2F-D9AE-226E-A686-DED327A36D1A}"/>
+              </a:ext>
+            </a:extLst>
+          </p:cNvPr>
+          <p:cNvSpPr/>
+          <p:nvPr/>
+        </p:nvSpPr>
+        <p:spPr>
+          <a:xfrm>
+            <a:off x="10050464" y="2364931"/>
+            <a:ext cx="1199628" cy="619703"/>
+          </a:xfrm>
+          <a:prstGeom prst="rect">
+            <a:avLst/>
+          </a:prstGeom>
+        </p:spPr>
+        <p:style>
+          <a:lnRef idx="2">
+            <a:schemeClr val="accent1">
+              <a:shade val="15000"/>
+            </a:schemeClr>
+          </a:lnRef>
+          <a:fillRef idx="1">
+            <a:schemeClr val="accent1"/>
+          </a:fillRef>
+          <a:effectRef idx="0">
+            <a:schemeClr val="accent1"/>
+          </a:effectRef>
+          <a:fontRef idx="minor">
+            <a:schemeClr val="lt1"/>
+          </a:fontRef>
+        </p:style>
+        <p:txBody>
+          <a:bodyPr rtlCol="0" anchor="ctr"/>
+          <a:lstStyle/>
+          <a:p>
+            <a:pPr algn="ctr"/>
+            <a:r>
+              <a:rPr lang="de-DE" dirty="0" err="1"/>
+              <a:t>Inference</a:t>
+            </a:r>
+            <a:r>
+              <a:rPr lang="de-DE" dirty="0"/>
+              <a:t> Engine</a:t>
+            </a:r>
+          </a:p>
+        </p:txBody>
+      </p:sp>
+      <p:sp>
+        <p:nvSpPr>
+          <p:cNvPr id="26" name="Geschweifte Klammer rechts 25">
+            <a:extLst>
+              <a:ext uri="{FF2B5EF4-FFF2-40B4-BE49-F238E27FC236}">
+                <a16:creationId xmlns:a16="http://schemas.microsoft.com/office/drawing/2014/main" id="{F38BA393-DCCE-BFFD-D704-FA1FC34813E9}"/>
+              </a:ext>
+            </a:extLst>
+          </p:cNvPr>
+          <p:cNvSpPr/>
+          <p:nvPr/>
+        </p:nvSpPr>
+        <p:spPr>
+          <a:xfrm rot="5400000">
+            <a:off x="7523469" y="2298101"/>
+            <a:ext cx="255623" cy="3216893"/>
+          </a:xfrm>
+          <a:prstGeom prst="rightBrace">
+            <a:avLst/>
+          </a:prstGeom>
+        </p:spPr>
+        <p:style>
+          <a:lnRef idx="2">
+            <a:schemeClr val="accent1"/>
+          </a:lnRef>
+          <a:fillRef idx="0">
+            <a:schemeClr val="accent1"/>
+          </a:fillRef>
+          <a:effectRef idx="1">
+            <a:schemeClr val="accent1"/>
+          </a:effectRef>
+          <a:fontRef idx="minor">
+            <a:schemeClr val="tx1"/>
+          </a:fontRef>
+        </p:style>
+        <p:txBody>
+          <a:bodyPr rtlCol="0" anchor="ctr"/>
+          <a:lstStyle/>
+          <a:p>
+            <a:pPr algn="ctr"/>
+            <a:endParaRPr lang="de-DE"/>
+          </a:p>
+        </p:txBody>
+      </p:sp>
+      <p:sp>
+        <p:nvSpPr>
+          <p:cNvPr id="27" name="Textfeld 26">
+            <a:extLst>
+              <a:ext uri="{FF2B5EF4-FFF2-40B4-BE49-F238E27FC236}">
+                <a16:creationId xmlns:a16="http://schemas.microsoft.com/office/drawing/2014/main" id="{A2A25981-7B2E-8A13-8FDC-C8E1602700C4}"/>
               </a:ext>
             </a:extLst>
           </p:cNvPr>
@@ -13523,8 +12821,8 @@
         </p:nvSpPr>
         <p:spPr>
           <a:xfrm>
-            <a:off x="5616575" y="2397168"/>
-            <a:ext cx="799642" cy="461665"/>
+            <a:off x="6367360" y="4007217"/>
+            <a:ext cx="2293577" cy="369332"/>
           </a:xfrm>
           <a:prstGeom prst="rect">
             <a:avLst/>
@@ -13538,67 +12836,23 @@
           <a:lstStyle/>
           <a:p>
             <a:r>
-              <a:rPr lang="de-DE" sz="1200" dirty="0"/>
-              <a:t>Features </a:t>
-            </a:r>
-          </a:p>
-          <a:p>
-            <a:r>
-              <a:rPr lang="de-DE" sz="1200" dirty="0"/>
-              <a:t>&amp; Labels</a:t>
-            </a:r>
-          </a:p>
-        </p:txBody>
-      </p:sp>
-      <p:cxnSp>
-        <p:nvCxnSpPr>
-          <p:cNvPr id="28" name="Gewinkelte Verbindung 27">
-            <a:extLst>
-              <a:ext uri="{FF2B5EF4-FFF2-40B4-BE49-F238E27FC236}">
-                <a16:creationId xmlns:a16="http://schemas.microsoft.com/office/drawing/2014/main" id="{4FFF38E6-C7F0-7786-AC70-2C52A0243FFF}"/>
-              </a:ext>
-            </a:extLst>
-          </p:cNvPr>
-          <p:cNvCxnSpPr>
-            <a:cxnSpLocks/>
-            <a:stCxn id="18" idx="3"/>
-            <a:endCxn id="3" idx="1"/>
-          </p:cNvCxnSpPr>
-          <p:nvPr/>
-        </p:nvCxnSpPr>
-        <p:spPr>
-          <a:xfrm>
-            <a:off x="10313493" y="2357691"/>
-            <a:ext cx="735046" cy="975352"/>
-          </a:xfrm>
-          <a:prstGeom prst="bentConnector2">
-            <a:avLst/>
-          </a:prstGeom>
-          <a:ln>
-            <a:tailEnd type="triangle"/>
-          </a:ln>
-        </p:spPr>
-        <p:style>
-          <a:lnRef idx="2">
-            <a:schemeClr val="accent1"/>
-          </a:lnRef>
-          <a:fillRef idx="0">
-            <a:schemeClr val="accent1"/>
-          </a:fillRef>
-          <a:effectRef idx="1">
-            <a:schemeClr val="accent1"/>
-          </a:effectRef>
-          <a:fontRef idx="minor">
-            <a:schemeClr val="tx1"/>
-          </a:fontRef>
-        </p:style>
-      </p:cxnSp>
-      <p:sp>
-        <p:nvSpPr>
-          <p:cNvPr id="30" name="Textfeld 29">
-            <a:extLst>
-              <a:ext uri="{FF2B5EF4-FFF2-40B4-BE49-F238E27FC236}">
-                <a16:creationId xmlns:a16="http://schemas.microsoft.com/office/drawing/2014/main" id="{7A88D6D9-3042-2F6D-E445-4F58BF641A3A}"/>
+              <a:rPr lang="de-DE" dirty="0"/>
+              <a:t>Instrument &amp; </a:t>
+            </a:r>
+            <a:r>
+              <a:rPr lang="de-DE" dirty="0" err="1"/>
+              <a:t>anotate</a:t>
+            </a:r>
+            <a:endParaRPr lang="de-DE" dirty="0"/>
+          </a:p>
+        </p:txBody>
+      </p:sp>
+      <p:sp>
+        <p:nvSpPr>
+          <p:cNvPr id="28" name="Textfeld 27">
+            <a:extLst>
+              <a:ext uri="{FF2B5EF4-FFF2-40B4-BE49-F238E27FC236}">
+                <a16:creationId xmlns:a16="http://schemas.microsoft.com/office/drawing/2014/main" id="{DC84CF95-7066-E5A0-7A21-F9CA08FA4986}"/>
               </a:ext>
             </a:extLst>
           </p:cNvPr>
@@ -13607,8 +12861,8 @@
         </p:nvSpPr>
         <p:spPr>
           <a:xfrm>
-            <a:off x="10333149" y="2357690"/>
-            <a:ext cx="599844" cy="276999"/>
+            <a:off x="9760612" y="4020850"/>
+            <a:ext cx="1183401" cy="369332"/>
           </a:xfrm>
           <a:prstGeom prst="rect">
             <a:avLst/>
@@ -13622,18 +12876,19 @@
           <a:lstStyle/>
           <a:p>
             <a:r>
-              <a:rPr lang="de-DE" sz="1200" dirty="0"/>
-              <a:t>Model</a:t>
-            </a:r>
-          </a:p>
-        </p:txBody>
-      </p:sp>
-      <p:sp>
-        <p:nvSpPr>
-          <p:cNvPr id="31" name="Rechteck 30">
-            <a:extLst>
-              <a:ext uri="{FF2B5EF4-FFF2-40B4-BE49-F238E27FC236}">
-                <a16:creationId xmlns:a16="http://schemas.microsoft.com/office/drawing/2014/main" id="{885BEDC1-657B-FC8D-091D-2BC85F2E50F6}"/>
+              <a:rPr lang="de-DE" dirty="0" err="1"/>
+              <a:t>Callbacks</a:t>
+            </a:r>
+            <a:endParaRPr lang="de-DE" dirty="0"/>
+          </a:p>
+        </p:txBody>
+      </p:sp>
+      <p:sp>
+        <p:nvSpPr>
+          <p:cNvPr id="32" name="Geschweifte Klammer rechts 31">
+            <a:extLst>
+              <a:ext uri="{FF2B5EF4-FFF2-40B4-BE49-F238E27FC236}">
+                <a16:creationId xmlns:a16="http://schemas.microsoft.com/office/drawing/2014/main" id="{2D0CC849-8F6A-274B-3720-1CFDB362B69B}"/>
               </a:ext>
             </a:extLst>
           </p:cNvPr>
@@ -13641,385 +12896,121 @@
           <p:nvPr/>
         </p:nvSpPr>
         <p:spPr>
-          <a:xfrm>
-            <a:off x="6374197" y="4500309"/>
-            <a:ext cx="3939296" cy="1307805"/>
+          <a:xfrm rot="5400000">
+            <a:off x="10246935" y="2886736"/>
+            <a:ext cx="255621" cy="2046712"/>
+          </a:xfrm>
+          <a:prstGeom prst="rightBrace">
+            <a:avLst/>
+          </a:prstGeom>
+        </p:spPr>
+        <p:style>
+          <a:lnRef idx="2">
+            <a:schemeClr val="accent1"/>
+          </a:lnRef>
+          <a:fillRef idx="0">
+            <a:schemeClr val="accent1"/>
+          </a:fillRef>
+          <a:effectRef idx="1">
+            <a:schemeClr val="accent1"/>
+          </a:effectRef>
+          <a:fontRef idx="minor">
+            <a:schemeClr val="tx1"/>
+          </a:fontRef>
+        </p:style>
+        <p:txBody>
+          <a:bodyPr rtlCol="0" anchor="ctr"/>
+          <a:lstStyle/>
+          <a:p>
+            <a:pPr algn="ctr"/>
+            <a:endParaRPr lang="de-DE"/>
+          </a:p>
+        </p:txBody>
+      </p:sp>
+      <p:sp>
+        <p:nvSpPr>
+          <p:cNvPr id="33" name="Textfeld 32">
+            <a:extLst>
+              <a:ext uri="{FF2B5EF4-FFF2-40B4-BE49-F238E27FC236}">
+                <a16:creationId xmlns:a16="http://schemas.microsoft.com/office/drawing/2014/main" id="{6610B779-7D64-5D9F-B604-FAEF709EC1AF}"/>
+              </a:ext>
+            </a:extLst>
+          </p:cNvPr>
+          <p:cNvSpPr txBox="1"/>
+          <p:nvPr/>
+        </p:nvSpPr>
+        <p:spPr>
+          <a:xfrm>
+            <a:off x="4513930" y="4001204"/>
+            <a:ext cx="1342035" cy="369332"/>
           </a:xfrm>
           <a:prstGeom prst="rect">
             <a:avLst/>
           </a:prstGeom>
-          <a:solidFill>
-            <a:schemeClr val="bg1"/>
-          </a:solidFill>
-        </p:spPr>
-        <p:style>
-          <a:lnRef idx="2">
-            <a:schemeClr val="accent1">
-              <a:shade val="15000"/>
-            </a:schemeClr>
-          </a:lnRef>
-          <a:fillRef idx="1">
-            <a:schemeClr val="accent1"/>
-          </a:fillRef>
-          <a:effectRef idx="0">
-            <a:schemeClr val="accent1"/>
-          </a:effectRef>
-          <a:fontRef idx="minor">
-            <a:schemeClr val="lt1"/>
-          </a:fontRef>
-        </p:style>
-        <p:txBody>
-          <a:bodyPr rtlCol="0" anchor="t"/>
-          <a:lstStyle/>
-          <a:p>
-            <a:pPr algn="ctr"/>
-            <a:r>
-              <a:rPr lang="de-DE" dirty="0">
-                <a:solidFill>
-                  <a:sysClr val="windowText" lastClr="000000"/>
-                </a:solidFill>
-              </a:rPr>
-              <a:t>Modellbereitstellung (</a:t>
-            </a:r>
-            <a:r>
-              <a:rPr lang="de-DE" dirty="0" err="1">
-                <a:solidFill>
-                  <a:sysClr val="windowText" lastClr="000000"/>
-                </a:solidFill>
-              </a:rPr>
-              <a:t>Inference</a:t>
-            </a:r>
-            <a:r>
-              <a:rPr lang="de-DE" dirty="0">
-                <a:solidFill>
-                  <a:sysClr val="windowText" lastClr="000000"/>
-                </a:solidFill>
-              </a:rPr>
-              <a:t>)</a:t>
-            </a:r>
-          </a:p>
-        </p:txBody>
-      </p:sp>
-      <p:cxnSp>
-        <p:nvCxnSpPr>
-          <p:cNvPr id="33" name="Gewinkelte Verbindung 32">
-            <a:extLst>
-              <a:ext uri="{FF2B5EF4-FFF2-40B4-BE49-F238E27FC236}">
-                <a16:creationId xmlns:a16="http://schemas.microsoft.com/office/drawing/2014/main" id="{411FCD52-594A-F2B1-BB57-C33C3E509A69}"/>
-              </a:ext>
-            </a:extLst>
-          </p:cNvPr>
-          <p:cNvCxnSpPr>
-            <a:stCxn id="3" idx="3"/>
-            <a:endCxn id="31" idx="3"/>
-          </p:cNvCxnSpPr>
-          <p:nvPr/>
-        </p:nvCxnSpPr>
-        <p:spPr>
-          <a:xfrm rot="5400000">
-            <a:off x="10283798" y="4389470"/>
-            <a:ext cx="794437" cy="735046"/>
-          </a:xfrm>
-          <a:prstGeom prst="bentConnector2">
-            <a:avLst/>
-          </a:prstGeom>
-          <a:ln>
-            <a:tailEnd type="triangle"/>
-          </a:ln>
-        </p:spPr>
-        <p:style>
-          <a:lnRef idx="2">
-            <a:schemeClr val="accent1"/>
-          </a:lnRef>
-          <a:fillRef idx="0">
-            <a:schemeClr val="accent1"/>
-          </a:fillRef>
-          <a:effectRef idx="1">
-            <a:schemeClr val="accent1"/>
-          </a:effectRef>
-          <a:fontRef idx="minor">
-            <a:schemeClr val="tx1"/>
-          </a:fontRef>
-        </p:style>
-      </p:cxnSp>
-      <p:sp>
-        <p:nvSpPr>
-          <p:cNvPr id="34" name="Abgerundetes Rechteck 33">
-            <a:extLst>
-              <a:ext uri="{FF2B5EF4-FFF2-40B4-BE49-F238E27FC236}">
-                <a16:creationId xmlns:a16="http://schemas.microsoft.com/office/drawing/2014/main" id="{24550F16-9A5B-44F1-91A3-258DA3AD849B}"/>
-              </a:ext>
-            </a:extLst>
-          </p:cNvPr>
-          <p:cNvSpPr/>
-          <p:nvPr/>
-        </p:nvSpPr>
-        <p:spPr>
-          <a:xfrm>
-            <a:off x="9021248" y="4946870"/>
-            <a:ext cx="1051764" cy="580171"/>
-          </a:xfrm>
-          <a:prstGeom prst="roundRect">
-            <a:avLst/>
-          </a:prstGeom>
-        </p:spPr>
-        <p:style>
-          <a:lnRef idx="2">
-            <a:schemeClr val="accent6"/>
-          </a:lnRef>
-          <a:fillRef idx="1">
-            <a:schemeClr val="lt1"/>
-          </a:fillRef>
-          <a:effectRef idx="0">
-            <a:schemeClr val="accent6"/>
-          </a:effectRef>
-          <a:fontRef idx="minor">
-            <a:schemeClr val="dk1"/>
-          </a:fontRef>
-        </p:style>
-        <p:txBody>
-          <a:bodyPr rtlCol="0" anchor="ctr"/>
-          <a:lstStyle/>
-          <a:p>
-            <a:pPr algn="ctr"/>
-            <a:r>
-              <a:rPr lang="de-DE" sz="1100" dirty="0"/>
-              <a:t>Model </a:t>
-            </a:r>
-            <a:r>
-              <a:rPr lang="de-DE" sz="1100" dirty="0" err="1"/>
-              <a:t>Loading</a:t>
-            </a:r>
-            <a:endParaRPr lang="de-DE" sz="1100" dirty="0"/>
-          </a:p>
-        </p:txBody>
-      </p:sp>
-      <p:sp>
-        <p:nvSpPr>
-          <p:cNvPr id="35" name="Abgerundetes Rechteck 34">
-            <a:extLst>
-              <a:ext uri="{FF2B5EF4-FFF2-40B4-BE49-F238E27FC236}">
-                <a16:creationId xmlns:a16="http://schemas.microsoft.com/office/drawing/2014/main" id="{3B92E7AF-64AF-075E-2541-BC886C32DFDB}"/>
-              </a:ext>
-            </a:extLst>
-          </p:cNvPr>
-          <p:cNvSpPr/>
-          <p:nvPr/>
-        </p:nvSpPr>
-        <p:spPr>
-          <a:xfrm>
-            <a:off x="7817963" y="4946870"/>
-            <a:ext cx="1051764" cy="580171"/>
-          </a:xfrm>
-          <a:prstGeom prst="roundRect">
-            <a:avLst/>
-          </a:prstGeom>
-        </p:spPr>
-        <p:style>
-          <a:lnRef idx="2">
-            <a:schemeClr val="accent6"/>
-          </a:lnRef>
-          <a:fillRef idx="1">
-            <a:schemeClr val="lt1"/>
-          </a:fillRef>
-          <a:effectRef idx="0">
-            <a:schemeClr val="accent6"/>
-          </a:effectRef>
-          <a:fontRef idx="minor">
-            <a:schemeClr val="dk1"/>
-          </a:fontRef>
-        </p:style>
-        <p:txBody>
-          <a:bodyPr rtlCol="0" anchor="ctr"/>
-          <a:lstStyle/>
-          <a:p>
-            <a:pPr algn="ctr"/>
-            <a:r>
-              <a:rPr lang="de-DE" sz="1100" dirty="0"/>
-              <a:t>Model </a:t>
-            </a:r>
-            <a:r>
-              <a:rPr lang="de-DE" sz="1100" dirty="0" err="1"/>
-              <a:t>Prediction</a:t>
-            </a:r>
-            <a:endParaRPr lang="de-DE" sz="1100" dirty="0"/>
-          </a:p>
-        </p:txBody>
-      </p:sp>
-      <p:sp>
-        <p:nvSpPr>
-          <p:cNvPr id="36" name="Abgerundetes Rechteck 35">
-            <a:extLst>
-              <a:ext uri="{FF2B5EF4-FFF2-40B4-BE49-F238E27FC236}">
-                <a16:creationId xmlns:a16="http://schemas.microsoft.com/office/drawing/2014/main" id="{53627F10-871A-9644-AED0-5D99E2E7A266}"/>
-              </a:ext>
-            </a:extLst>
-          </p:cNvPr>
-          <p:cNvSpPr/>
-          <p:nvPr/>
-        </p:nvSpPr>
-        <p:spPr>
-          <a:xfrm>
-            <a:off x="6645959" y="4959547"/>
-            <a:ext cx="1051764" cy="580171"/>
-          </a:xfrm>
-          <a:prstGeom prst="roundRect">
-            <a:avLst/>
-          </a:prstGeom>
-        </p:spPr>
-        <p:style>
-          <a:lnRef idx="2">
-            <a:schemeClr val="accent6"/>
-          </a:lnRef>
-          <a:fillRef idx="1">
-            <a:schemeClr val="lt1"/>
-          </a:fillRef>
-          <a:effectRef idx="0">
-            <a:schemeClr val="accent6"/>
-          </a:effectRef>
-          <a:fontRef idx="minor">
-            <a:schemeClr val="dk1"/>
-          </a:fontRef>
-        </p:style>
-        <p:txBody>
-          <a:bodyPr rtlCol="0" anchor="ctr"/>
-          <a:lstStyle/>
-          <a:p>
-            <a:pPr algn="ctr"/>
-            <a:r>
-              <a:rPr lang="de-DE" sz="1100" dirty="0"/>
-              <a:t>Model </a:t>
-            </a:r>
-            <a:r>
-              <a:rPr lang="de-DE" sz="1100" dirty="0" err="1"/>
-              <a:t>Observability</a:t>
-            </a:r>
-            <a:endParaRPr lang="de-DE" sz="1100" dirty="0"/>
-          </a:p>
-        </p:txBody>
-      </p:sp>
-      <p:cxnSp>
-        <p:nvCxnSpPr>
-          <p:cNvPr id="38" name="Gewinkelte Verbindung 37">
-            <a:extLst>
-              <a:ext uri="{FF2B5EF4-FFF2-40B4-BE49-F238E27FC236}">
-                <a16:creationId xmlns:a16="http://schemas.microsoft.com/office/drawing/2014/main" id="{66510131-DF0B-B2E2-158A-E22A32FBAF6D}"/>
-              </a:ext>
-            </a:extLst>
-          </p:cNvPr>
-          <p:cNvCxnSpPr>
-            <a:stCxn id="31" idx="1"/>
-            <a:endCxn id="14" idx="3"/>
-          </p:cNvCxnSpPr>
-          <p:nvPr/>
-        </p:nvCxnSpPr>
-        <p:spPr>
-          <a:xfrm rot="10800000">
-            <a:off x="5398671" y="4346952"/>
-            <a:ext cx="975527" cy="807261"/>
-          </a:xfrm>
-          <a:prstGeom prst="bentConnector2">
-            <a:avLst/>
-          </a:prstGeom>
-          <a:ln>
-            <a:tailEnd type="triangle"/>
-          </a:ln>
-        </p:spPr>
-        <p:style>
-          <a:lnRef idx="2">
-            <a:schemeClr val="accent1"/>
-          </a:lnRef>
-          <a:fillRef idx="0">
-            <a:schemeClr val="accent1"/>
-          </a:fillRef>
-          <a:effectRef idx="1">
-            <a:schemeClr val="accent1"/>
-          </a:effectRef>
-          <a:fontRef idx="minor">
-            <a:schemeClr val="tx1"/>
-          </a:fontRef>
-        </p:style>
-      </p:cxnSp>
-      <p:sp>
-        <p:nvSpPr>
-          <p:cNvPr id="39" name="Textfeld 38">
-            <a:extLst>
-              <a:ext uri="{FF2B5EF4-FFF2-40B4-BE49-F238E27FC236}">
-                <a16:creationId xmlns:a16="http://schemas.microsoft.com/office/drawing/2014/main" id="{1AB236B3-0611-02D5-5E28-427DF049099B}"/>
-              </a:ext>
-            </a:extLst>
-          </p:cNvPr>
-          <p:cNvSpPr txBox="1"/>
-          <p:nvPr/>
-        </p:nvSpPr>
-        <p:spPr>
-          <a:xfrm>
-            <a:off x="5524255" y="4544558"/>
-            <a:ext cx="799642" cy="461665"/>
-          </a:xfrm>
-          <a:prstGeom prst="rect">
-            <a:avLst/>
-          </a:prstGeom>
           <a:noFill/>
         </p:spPr>
         <p:txBody>
-          <a:bodyPr wrap="none" rtlCol="0">
+          <a:bodyPr wrap="square" rtlCol="0">
             <a:spAutoFit/>
           </a:bodyPr>
           <a:lstStyle/>
           <a:p>
             <a:r>
-              <a:rPr lang="de-DE" sz="1200" dirty="0"/>
-              <a:t>Features </a:t>
-            </a:r>
-          </a:p>
-          <a:p>
-            <a:r>
-              <a:rPr lang="de-DE" sz="1200" dirty="0"/>
-              <a:t>&amp; Labels</a:t>
-            </a:r>
-          </a:p>
-        </p:txBody>
-      </p:sp>
-      <p:sp>
-        <p:nvSpPr>
-          <p:cNvPr id="40" name="Textfeld 39">
-            <a:extLst>
-              <a:ext uri="{FF2B5EF4-FFF2-40B4-BE49-F238E27FC236}">
-                <a16:creationId xmlns:a16="http://schemas.microsoft.com/office/drawing/2014/main" id="{504CC954-A775-44CA-A0E8-41352AE2B537}"/>
-              </a:ext>
-            </a:extLst>
-          </p:cNvPr>
-          <p:cNvSpPr txBox="1"/>
-          <p:nvPr/>
-        </p:nvSpPr>
-        <p:spPr>
-          <a:xfrm>
-            <a:off x="10381094" y="4709306"/>
-            <a:ext cx="599844" cy="276999"/>
-          </a:xfrm>
-          <a:prstGeom prst="rect">
-            <a:avLst/>
-          </a:prstGeom>
-          <a:noFill/>
-        </p:spPr>
-        <p:txBody>
-          <a:bodyPr wrap="none" rtlCol="0">
-            <a:spAutoFit/>
-          </a:bodyPr>
-          <a:lstStyle/>
-          <a:p>
-            <a:r>
-              <a:rPr lang="de-DE" sz="1200" dirty="0"/>
-              <a:t>Model</a:t>
-            </a:r>
+              <a:rPr lang="de-DE" dirty="0" err="1"/>
+              <a:t>Callbacks</a:t>
+            </a:r>
+            <a:endParaRPr lang="de-DE" dirty="0"/>
+          </a:p>
+        </p:txBody>
+      </p:sp>
+      <p:sp>
+        <p:nvSpPr>
+          <p:cNvPr id="34" name="Geschweifte Klammer rechts 33">
+            <a:extLst>
+              <a:ext uri="{FF2B5EF4-FFF2-40B4-BE49-F238E27FC236}">
+                <a16:creationId xmlns:a16="http://schemas.microsoft.com/office/drawing/2014/main" id="{A03ADAD9-091F-9849-983D-C860CFAA4A54}"/>
+              </a:ext>
+            </a:extLst>
+          </p:cNvPr>
+          <p:cNvSpPr/>
+          <p:nvPr/>
+        </p:nvSpPr>
+        <p:spPr>
+          <a:xfrm rot="5400000">
+            <a:off x="4948044" y="3183158"/>
+            <a:ext cx="248539" cy="1426733"/>
+          </a:xfrm>
+          <a:prstGeom prst="rightBrace">
+            <a:avLst/>
+          </a:prstGeom>
+        </p:spPr>
+        <p:style>
+          <a:lnRef idx="2">
+            <a:schemeClr val="accent1"/>
+          </a:lnRef>
+          <a:fillRef idx="0">
+            <a:schemeClr val="accent1"/>
+          </a:fillRef>
+          <a:effectRef idx="1">
+            <a:schemeClr val="accent1"/>
+          </a:effectRef>
+          <a:fontRef idx="minor">
+            <a:schemeClr val="tx1"/>
+          </a:fontRef>
+        </p:style>
+        <p:txBody>
+          <a:bodyPr rtlCol="0" anchor="ctr"/>
+          <a:lstStyle/>
+          <a:p>
+            <a:pPr algn="ctr"/>
+            <a:endParaRPr lang="de-DE"/>
           </a:p>
         </p:txBody>
       </p:sp>
     </p:spTree>
     <p:extLst>
       <p:ext uri="{BB962C8B-B14F-4D97-AF65-F5344CB8AC3E}">
-        <p14:creationId xmlns:p14="http://schemas.microsoft.com/office/powerpoint/2010/main" val="4007265318"/>
+        <p14:creationId xmlns:p14="http://schemas.microsoft.com/office/powerpoint/2010/main" val="2027558273"/>
       </p:ext>
     </p:extLst>
   </p:cSld>
@@ -14034,13 +13025,7 @@
   <p:cSld>
     <p:spTree>
       <p:nvGrpSpPr>
-        <p:cNvPr id="1" name="">
-          <a:extLst>
-            <a:ext uri="{FF2B5EF4-FFF2-40B4-BE49-F238E27FC236}">
-              <a16:creationId xmlns:a16="http://schemas.microsoft.com/office/drawing/2014/main" id="{DD1C70AB-7412-3488-47A4-785B2DB30A47}"/>
-            </a:ext>
-          </a:extLst>
-        </p:cNvPr>
+        <p:cNvPr id="1" name=""/>
         <p:cNvGrpSpPr/>
         <p:nvPr/>
       </p:nvGrpSpPr>
@@ -14054,71 +13039,559 @@
       </p:grpSpPr>
       <p:sp>
         <p:nvSpPr>
-          <p:cNvPr id="2" name="Titel 1">
-            <a:extLst>
-              <a:ext uri="{FF2B5EF4-FFF2-40B4-BE49-F238E27FC236}">
-                <a16:creationId xmlns:a16="http://schemas.microsoft.com/office/drawing/2014/main" id="{35BDD1AD-7069-5964-C2E1-6DB438992E33}"/>
-              </a:ext>
-            </a:extLst>
-          </p:cNvPr>
-          <p:cNvSpPr>
-            <a:spLocks noGrp="1"/>
-          </p:cNvSpPr>
-          <p:nvPr>
-            <p:ph type="ctrTitle"/>
-          </p:nvPr>
-        </p:nvSpPr>
-        <p:spPr/>
-        <p:txBody>
-          <a:bodyPr>
-            <a:normAutofit fontScale="90000"/>
+          <p:cNvPr id="2" name="Textfeld 1">
+            <a:extLst>
+              <a:ext uri="{FF2B5EF4-FFF2-40B4-BE49-F238E27FC236}">
+                <a16:creationId xmlns:a16="http://schemas.microsoft.com/office/drawing/2014/main" id="{5C76D0FE-D61E-7688-DF24-505E20134C22}"/>
+              </a:ext>
+            </a:extLst>
+          </p:cNvPr>
+          <p:cNvSpPr txBox="1"/>
+          <p:nvPr/>
+        </p:nvSpPr>
+        <p:spPr>
+          <a:xfrm>
+            <a:off x="10434468" y="6127161"/>
+            <a:ext cx="1693733" cy="369332"/>
+          </a:xfrm>
+          <a:prstGeom prst="rect">
+            <a:avLst/>
+          </a:prstGeom>
+          <a:noFill/>
+        </p:spPr>
+        <p:txBody>
+          <a:bodyPr wrap="none" rtlCol="0">
+            <a:spAutoFit/>
           </a:bodyPr>
           <a:lstStyle/>
           <a:p>
             <a:r>
+              <a:rPr lang="de-DE" dirty="0" err="1"/>
+              <a:t>OpenTelemetry</a:t>
+            </a:r>
+            <a:endParaRPr lang="de-DE" dirty="0"/>
+          </a:p>
+        </p:txBody>
+      </p:sp>
+      <p:sp>
+        <p:nvSpPr>
+          <p:cNvPr id="3" name="Rechteck 2">
+            <a:extLst>
+              <a:ext uri="{FF2B5EF4-FFF2-40B4-BE49-F238E27FC236}">
+                <a16:creationId xmlns:a16="http://schemas.microsoft.com/office/drawing/2014/main" id="{8C0DF7F8-43EC-7105-556F-6412525B5036}"/>
+              </a:ext>
+            </a:extLst>
+          </p:cNvPr>
+          <p:cNvSpPr/>
+          <p:nvPr/>
+        </p:nvSpPr>
+        <p:spPr>
+          <a:xfrm>
+            <a:off x="2119421" y="1714075"/>
+            <a:ext cx="1534632" cy="843750"/>
+          </a:xfrm>
+          <a:prstGeom prst="rect">
+            <a:avLst/>
+          </a:prstGeom>
+        </p:spPr>
+        <p:style>
+          <a:lnRef idx="2">
+            <a:schemeClr val="accent1">
+              <a:shade val="15000"/>
+            </a:schemeClr>
+          </a:lnRef>
+          <a:fillRef idx="1">
+            <a:schemeClr val="accent1"/>
+          </a:fillRef>
+          <a:effectRef idx="0">
+            <a:schemeClr val="accent1"/>
+          </a:effectRef>
+          <a:fontRef idx="minor">
+            <a:schemeClr val="lt1"/>
+          </a:fontRef>
+        </p:style>
+        <p:txBody>
+          <a:bodyPr rtlCol="0" anchor="ctr"/>
+          <a:lstStyle/>
+          <a:p>
+            <a:pPr algn="ctr"/>
+            <a:r>
               <a:rPr lang="de-DE" dirty="0"/>
-              <a:t>Referenzarchitektur KI-Plattform für die öffentliche Verwaltung</a:t>
-            </a:r>
-          </a:p>
-        </p:txBody>
-      </p:sp>
-      <p:sp>
-        <p:nvSpPr>
-          <p:cNvPr id="3" name="Untertitel 2">
-            <a:extLst>
-              <a:ext uri="{FF2B5EF4-FFF2-40B4-BE49-F238E27FC236}">
-                <a16:creationId xmlns:a16="http://schemas.microsoft.com/office/drawing/2014/main" id="{1397753B-E554-BE6F-D3D4-D49425BA8062}"/>
-              </a:ext>
-            </a:extLst>
-          </p:cNvPr>
-          <p:cNvSpPr>
-            <a:spLocks noGrp="1"/>
-          </p:cNvSpPr>
-          <p:nvPr>
-            <p:ph type="subTitle" idx="1"/>
-          </p:nvPr>
-        </p:nvSpPr>
-        <p:spPr/>
-        <p:txBody>
-          <a:bodyPr>
-            <a:normAutofit/>
+              <a:t>Client</a:t>
+            </a:r>
+          </a:p>
+        </p:txBody>
+      </p:sp>
+      <p:sp>
+        <p:nvSpPr>
+          <p:cNvPr id="4" name="Rechteck 3">
+            <a:extLst>
+              <a:ext uri="{FF2B5EF4-FFF2-40B4-BE49-F238E27FC236}">
+                <a16:creationId xmlns:a16="http://schemas.microsoft.com/office/drawing/2014/main" id="{91C704DE-E3BF-0FAB-F462-1C3101A90617}"/>
+              </a:ext>
+            </a:extLst>
+          </p:cNvPr>
+          <p:cNvSpPr/>
+          <p:nvPr/>
+        </p:nvSpPr>
+        <p:spPr>
+          <a:xfrm>
+            <a:off x="2119421" y="3483702"/>
+            <a:ext cx="1534632" cy="843750"/>
+          </a:xfrm>
+          <a:prstGeom prst="rect">
+            <a:avLst/>
+          </a:prstGeom>
+        </p:spPr>
+        <p:style>
+          <a:lnRef idx="2">
+            <a:schemeClr val="accent1">
+              <a:shade val="15000"/>
+            </a:schemeClr>
+          </a:lnRef>
+          <a:fillRef idx="1">
+            <a:schemeClr val="accent1"/>
+          </a:fillRef>
+          <a:effectRef idx="0">
+            <a:schemeClr val="accent1"/>
+          </a:effectRef>
+          <a:fontRef idx="minor">
+            <a:schemeClr val="lt1"/>
+          </a:fontRef>
+        </p:style>
+        <p:txBody>
+          <a:bodyPr rtlCol="0" anchor="ctr"/>
+          <a:lstStyle/>
+          <a:p>
+            <a:pPr algn="ctr"/>
+            <a:r>
+              <a:rPr lang="de-DE" sz="1600" dirty="0" err="1"/>
+              <a:t>OpenTelemetry</a:t>
+            </a:r>
+            <a:r>
+              <a:rPr lang="de-DE" sz="1600" dirty="0"/>
+              <a:t> SDK</a:t>
+            </a:r>
+          </a:p>
+        </p:txBody>
+      </p:sp>
+      <p:cxnSp>
+        <p:nvCxnSpPr>
+          <p:cNvPr id="6" name="Gerade Verbindung mit Pfeil 5">
+            <a:extLst>
+              <a:ext uri="{FF2B5EF4-FFF2-40B4-BE49-F238E27FC236}">
+                <a16:creationId xmlns:a16="http://schemas.microsoft.com/office/drawing/2014/main" id="{0C24261B-4462-0E8B-870A-7ADEE05672B3}"/>
+              </a:ext>
+            </a:extLst>
+          </p:cNvPr>
+          <p:cNvCxnSpPr>
+            <a:stCxn id="4" idx="0"/>
+            <a:endCxn id="3" idx="2"/>
+          </p:cNvCxnSpPr>
+          <p:nvPr/>
+        </p:nvCxnSpPr>
+        <p:spPr>
+          <a:xfrm flipV="1">
+            <a:off x="2886737" y="2557825"/>
+            <a:ext cx="0" cy="925877"/>
+          </a:xfrm>
+          <a:prstGeom prst="straightConnector1">
+            <a:avLst/>
+          </a:prstGeom>
+          <a:ln>
+            <a:tailEnd type="triangle"/>
+          </a:ln>
+        </p:spPr>
+        <p:style>
+          <a:lnRef idx="2">
+            <a:schemeClr val="accent1"/>
+          </a:lnRef>
+          <a:fillRef idx="0">
+            <a:schemeClr val="accent1"/>
+          </a:fillRef>
+          <a:effectRef idx="1">
+            <a:schemeClr val="accent1"/>
+          </a:effectRef>
+          <a:fontRef idx="minor">
+            <a:schemeClr val="tx1"/>
+          </a:fontRef>
+        </p:style>
+      </p:cxnSp>
+      <p:sp>
+        <p:nvSpPr>
+          <p:cNvPr id="7" name="Textfeld 6">
+            <a:extLst>
+              <a:ext uri="{FF2B5EF4-FFF2-40B4-BE49-F238E27FC236}">
+                <a16:creationId xmlns:a16="http://schemas.microsoft.com/office/drawing/2014/main" id="{3BFEA0A7-04C3-DBD4-1ACB-87D1A034D0FA}"/>
+              </a:ext>
+            </a:extLst>
+          </p:cNvPr>
+          <p:cNvSpPr txBox="1"/>
+          <p:nvPr/>
+        </p:nvSpPr>
+        <p:spPr>
+          <a:xfrm>
+            <a:off x="1608567" y="2836097"/>
+            <a:ext cx="1278170" cy="369332"/>
+          </a:xfrm>
+          <a:prstGeom prst="rect">
+            <a:avLst/>
+          </a:prstGeom>
+          <a:noFill/>
+        </p:spPr>
+        <p:txBody>
+          <a:bodyPr wrap="none" rtlCol="0">
+            <a:spAutoFit/>
           </a:bodyPr>
           <a:lstStyle/>
           <a:p>
-            <a:endParaRPr lang="de-DE" sz="4800" dirty="0"/>
-          </a:p>
-          <a:p>
-            <a:r>
-              <a:rPr lang="de-DE" sz="4800" dirty="0"/>
-              <a:t>Use Cases Umsetzung</a:t>
-            </a:r>
-          </a:p>
-        </p:txBody>
-      </p:sp>
+            <a:r>
+              <a:rPr lang="de-DE" dirty="0" err="1"/>
+              <a:t>instrument</a:t>
+            </a:r>
+            <a:endParaRPr lang="de-DE" dirty="0"/>
+          </a:p>
+        </p:txBody>
+      </p:sp>
+      <p:sp>
+        <p:nvSpPr>
+          <p:cNvPr id="8" name="Rechteck 7">
+            <a:extLst>
+              <a:ext uri="{FF2B5EF4-FFF2-40B4-BE49-F238E27FC236}">
+                <a16:creationId xmlns:a16="http://schemas.microsoft.com/office/drawing/2014/main" id="{82596B9F-8CB4-863D-7936-4F0490B9E834}"/>
+              </a:ext>
+            </a:extLst>
+          </p:cNvPr>
+          <p:cNvSpPr/>
+          <p:nvPr/>
+        </p:nvSpPr>
+        <p:spPr>
+          <a:xfrm>
+            <a:off x="5995481" y="1714075"/>
+            <a:ext cx="1534632" cy="843750"/>
+          </a:xfrm>
+          <a:prstGeom prst="rect">
+            <a:avLst/>
+          </a:prstGeom>
+        </p:spPr>
+        <p:style>
+          <a:lnRef idx="2">
+            <a:schemeClr val="accent1">
+              <a:shade val="15000"/>
+            </a:schemeClr>
+          </a:lnRef>
+          <a:fillRef idx="1">
+            <a:schemeClr val="accent1"/>
+          </a:fillRef>
+          <a:effectRef idx="0">
+            <a:schemeClr val="accent1"/>
+          </a:effectRef>
+          <a:fontRef idx="minor">
+            <a:schemeClr val="lt1"/>
+          </a:fontRef>
+        </p:style>
+        <p:txBody>
+          <a:bodyPr rtlCol="0" anchor="ctr"/>
+          <a:lstStyle/>
+          <a:p>
+            <a:pPr algn="ctr"/>
+            <a:r>
+              <a:rPr lang="de-DE" sz="1600" dirty="0" err="1"/>
+              <a:t>OpenTelemetry</a:t>
+            </a:r>
+            <a:r>
+              <a:rPr lang="de-DE" sz="1600" dirty="0"/>
+              <a:t> </a:t>
+            </a:r>
+            <a:r>
+              <a:rPr lang="de-DE" sz="1600" dirty="0" err="1"/>
+              <a:t>Collector</a:t>
+            </a:r>
+            <a:endParaRPr lang="de-DE" sz="1600" dirty="0"/>
+          </a:p>
+        </p:txBody>
+      </p:sp>
+      <p:cxnSp>
+        <p:nvCxnSpPr>
+          <p:cNvPr id="10" name="Gerade Verbindung mit Pfeil 9">
+            <a:extLst>
+              <a:ext uri="{FF2B5EF4-FFF2-40B4-BE49-F238E27FC236}">
+                <a16:creationId xmlns:a16="http://schemas.microsoft.com/office/drawing/2014/main" id="{8988B8B8-6536-C7C6-E91A-854AFFFA9771}"/>
+              </a:ext>
+            </a:extLst>
+          </p:cNvPr>
+          <p:cNvCxnSpPr>
+            <a:stCxn id="3" idx="3"/>
+            <a:endCxn id="8" idx="1"/>
+          </p:cNvCxnSpPr>
+          <p:nvPr/>
+        </p:nvCxnSpPr>
+        <p:spPr>
+          <a:xfrm>
+            <a:off x="3654053" y="2135950"/>
+            <a:ext cx="2341428" cy="0"/>
+          </a:xfrm>
+          <a:prstGeom prst="straightConnector1">
+            <a:avLst/>
+          </a:prstGeom>
+          <a:ln>
+            <a:tailEnd type="triangle"/>
+          </a:ln>
+        </p:spPr>
+        <p:style>
+          <a:lnRef idx="2">
+            <a:schemeClr val="accent1"/>
+          </a:lnRef>
+          <a:fillRef idx="0">
+            <a:schemeClr val="accent1"/>
+          </a:fillRef>
+          <a:effectRef idx="1">
+            <a:schemeClr val="accent1"/>
+          </a:effectRef>
+          <a:fontRef idx="minor">
+            <a:schemeClr val="tx1"/>
+          </a:fontRef>
+        </p:style>
+      </p:cxnSp>
+      <p:sp>
+        <p:nvSpPr>
+          <p:cNvPr id="11" name="Textfeld 10">
+            <a:extLst>
+              <a:ext uri="{FF2B5EF4-FFF2-40B4-BE49-F238E27FC236}">
+                <a16:creationId xmlns:a16="http://schemas.microsoft.com/office/drawing/2014/main" id="{CE566CAA-6A2C-AC45-718F-CCFBFC0E2215}"/>
+              </a:ext>
+            </a:extLst>
+          </p:cNvPr>
+          <p:cNvSpPr txBox="1"/>
+          <p:nvPr/>
+        </p:nvSpPr>
+        <p:spPr>
+          <a:xfrm>
+            <a:off x="3654053" y="1766618"/>
+            <a:ext cx="2197718" cy="369332"/>
+          </a:xfrm>
+          <a:prstGeom prst="rect">
+            <a:avLst/>
+          </a:prstGeom>
+          <a:noFill/>
+        </p:spPr>
+        <p:txBody>
+          <a:bodyPr wrap="none" rtlCol="0">
+            <a:spAutoFit/>
+          </a:bodyPr>
+          <a:lstStyle/>
+          <a:p>
+            <a:r>
+              <a:rPr lang="de-DE" dirty="0" err="1"/>
+              <a:t>traces</a:t>
+            </a:r>
+            <a:r>
+              <a:rPr lang="de-DE" dirty="0"/>
+              <a:t>, logs, </a:t>
+            </a:r>
+            <a:r>
+              <a:rPr lang="de-DE" dirty="0" err="1"/>
+              <a:t>metrics</a:t>
+            </a:r>
+            <a:endParaRPr lang="de-DE" dirty="0"/>
+          </a:p>
+        </p:txBody>
+      </p:sp>
+      <p:sp>
+        <p:nvSpPr>
+          <p:cNvPr id="12" name="Textfeld 11">
+            <a:extLst>
+              <a:ext uri="{FF2B5EF4-FFF2-40B4-BE49-F238E27FC236}">
+                <a16:creationId xmlns:a16="http://schemas.microsoft.com/office/drawing/2014/main" id="{4CAB1F73-6E98-8959-B817-D55FF32093AF}"/>
+              </a:ext>
+            </a:extLst>
+          </p:cNvPr>
+          <p:cNvSpPr txBox="1"/>
+          <p:nvPr/>
+        </p:nvSpPr>
+        <p:spPr>
+          <a:xfrm>
+            <a:off x="5952597" y="788199"/>
+            <a:ext cx="2481770" cy="830997"/>
+          </a:xfrm>
+          <a:prstGeom prst="rect">
+            <a:avLst/>
+          </a:prstGeom>
+          <a:noFill/>
+        </p:spPr>
+        <p:txBody>
+          <a:bodyPr wrap="none" rtlCol="0">
+            <a:spAutoFit/>
+          </a:bodyPr>
+          <a:lstStyle/>
+          <a:p>
+            <a:r>
+              <a:rPr lang="de-DE" sz="1600" i="0" u="none" strike="noStrike" dirty="0">
+                <a:effectLst/>
+                <a:latin typeface="SFMono-Regular"/>
+              </a:rPr>
+              <a:t>Receivers:</a:t>
+            </a:r>
+            <a:endParaRPr lang="de-DE" sz="1600" dirty="0">
+              <a:effectLst/>
+            </a:endParaRPr>
+          </a:p>
+          <a:p>
+            <a:pPr marL="285750" indent="-285750">
+              <a:buFont typeface="Arial" panose="020B0604020202020204" pitchFamily="34" charset="0"/>
+              <a:buChar char="•"/>
+            </a:pPr>
+            <a:r>
+              <a:rPr lang="de-DE" sz="1600" dirty="0" err="1">
+                <a:effectLst/>
+              </a:rPr>
+              <a:t>grpc</a:t>
+            </a:r>
+            <a:r>
+              <a:rPr lang="de-DE" sz="1600" dirty="0">
+                <a:effectLst/>
+              </a:rPr>
+              <a:t>: 	</a:t>
+            </a:r>
+            <a:r>
+              <a:rPr lang="de-DE" sz="1600" dirty="0" err="1">
+                <a:effectLst/>
+              </a:rPr>
+              <a:t>endpoint</a:t>
+            </a:r>
+            <a:r>
+              <a:rPr lang="de-DE" sz="1600" dirty="0">
+                <a:effectLst/>
+              </a:rPr>
+              <a:t>: 4317 </a:t>
+            </a:r>
+          </a:p>
+          <a:p>
+            <a:pPr marL="285750" indent="-285750">
+              <a:buFont typeface="Arial" panose="020B0604020202020204" pitchFamily="34" charset="0"/>
+              <a:buChar char="•"/>
+            </a:pPr>
+            <a:r>
+              <a:rPr lang="de-DE" sz="1600" dirty="0">
+                <a:effectLst/>
+              </a:rPr>
+              <a:t>http: 	</a:t>
+            </a:r>
+            <a:r>
+              <a:rPr lang="de-DE" sz="1600" dirty="0" err="1">
+                <a:effectLst/>
+              </a:rPr>
+              <a:t>endpoint</a:t>
+            </a:r>
+            <a:r>
+              <a:rPr lang="de-DE" sz="1600" dirty="0">
+                <a:effectLst/>
+              </a:rPr>
+              <a:t>: 4318</a:t>
+            </a:r>
+            <a:endParaRPr lang="de-DE" sz="1600" dirty="0"/>
+          </a:p>
+        </p:txBody>
+      </p:sp>
+      <p:sp>
+        <p:nvSpPr>
+          <p:cNvPr id="13" name="Rechteck 12">
+            <a:extLst>
+              <a:ext uri="{FF2B5EF4-FFF2-40B4-BE49-F238E27FC236}">
+                <a16:creationId xmlns:a16="http://schemas.microsoft.com/office/drawing/2014/main" id="{A579EBF8-3C19-43AC-28BB-4895DA5C4FBE}"/>
+              </a:ext>
+            </a:extLst>
+          </p:cNvPr>
+          <p:cNvSpPr/>
+          <p:nvPr/>
+        </p:nvSpPr>
+        <p:spPr>
+          <a:xfrm>
+            <a:off x="9226460" y="1704211"/>
+            <a:ext cx="1534632" cy="843750"/>
+          </a:xfrm>
+          <a:prstGeom prst="rect">
+            <a:avLst/>
+          </a:prstGeom>
+        </p:spPr>
+        <p:style>
+          <a:lnRef idx="2">
+            <a:schemeClr val="accent1">
+              <a:shade val="15000"/>
+            </a:schemeClr>
+          </a:lnRef>
+          <a:fillRef idx="1">
+            <a:schemeClr val="accent1"/>
+          </a:fillRef>
+          <a:effectRef idx="0">
+            <a:schemeClr val="accent1"/>
+          </a:effectRef>
+          <a:fontRef idx="minor">
+            <a:schemeClr val="lt1"/>
+          </a:fontRef>
+        </p:style>
+        <p:txBody>
+          <a:bodyPr rtlCol="0" anchor="ctr"/>
+          <a:lstStyle/>
+          <a:p>
+            <a:pPr algn="ctr"/>
+            <a:r>
+              <a:rPr lang="de-DE" sz="1600" dirty="0" err="1"/>
+              <a:t>OpenTelemetry</a:t>
+            </a:r>
+            <a:r>
+              <a:rPr lang="de-DE" sz="1600" dirty="0"/>
+              <a:t> Backend</a:t>
+            </a:r>
+          </a:p>
+        </p:txBody>
+      </p:sp>
+      <p:cxnSp>
+        <p:nvCxnSpPr>
+          <p:cNvPr id="15" name="Gerade Verbindung mit Pfeil 14">
+            <a:extLst>
+              <a:ext uri="{FF2B5EF4-FFF2-40B4-BE49-F238E27FC236}">
+                <a16:creationId xmlns:a16="http://schemas.microsoft.com/office/drawing/2014/main" id="{58518F29-D3A4-219F-4ADD-817224D78F8A}"/>
+              </a:ext>
+            </a:extLst>
+          </p:cNvPr>
+          <p:cNvCxnSpPr>
+            <a:stCxn id="8" idx="3"/>
+            <a:endCxn id="13" idx="1"/>
+          </p:cNvCxnSpPr>
+          <p:nvPr/>
+        </p:nvCxnSpPr>
+        <p:spPr>
+          <a:xfrm flipV="1">
+            <a:off x="7530113" y="2126086"/>
+            <a:ext cx="1696347" cy="9864"/>
+          </a:xfrm>
+          <a:prstGeom prst="straightConnector1">
+            <a:avLst/>
+          </a:prstGeom>
+          <a:ln>
+            <a:tailEnd type="triangle"/>
+          </a:ln>
+        </p:spPr>
+        <p:style>
+          <a:lnRef idx="2">
+            <a:schemeClr val="accent1"/>
+          </a:lnRef>
+          <a:fillRef idx="0">
+            <a:schemeClr val="accent1"/>
+          </a:fillRef>
+          <a:effectRef idx="1">
+            <a:schemeClr val="accent1"/>
+          </a:effectRef>
+          <a:fontRef idx="minor">
+            <a:schemeClr val="tx1"/>
+          </a:fontRef>
+        </p:style>
+      </p:cxnSp>
     </p:spTree>
     <p:extLst>
       <p:ext uri="{BB962C8B-B14F-4D97-AF65-F5344CB8AC3E}">
-        <p14:creationId xmlns:p14="http://schemas.microsoft.com/office/powerpoint/2010/main" val="2019303433"/>
+        <p14:creationId xmlns:p14="http://schemas.microsoft.com/office/powerpoint/2010/main" val="3145038747"/>
       </p:ext>
     </p:extLst>
   </p:cSld>
@@ -14133,13 +13606,7 @@
   <p:cSld>
     <p:spTree>
       <p:nvGrpSpPr>
-        <p:cNvPr id="1" name="">
-          <a:extLst>
-            <a:ext uri="{FF2B5EF4-FFF2-40B4-BE49-F238E27FC236}">
-              <a16:creationId xmlns:a16="http://schemas.microsoft.com/office/drawing/2014/main" id="{2A794731-87A7-A3FF-0CB4-237DC35FAC29}"/>
-            </a:ext>
-          </a:extLst>
-        </p:cNvPr>
+        <p:cNvPr id="1" name=""/>
         <p:cNvGrpSpPr/>
         <p:nvPr/>
       </p:nvGrpSpPr>
@@ -14153,10 +13620,127 @@
       </p:grpSpPr>
       <p:sp>
         <p:nvSpPr>
+          <p:cNvPr id="4" name="Rechteck 3">
+            <a:extLst>
+              <a:ext uri="{FF2B5EF4-FFF2-40B4-BE49-F238E27FC236}">
+                <a16:creationId xmlns:a16="http://schemas.microsoft.com/office/drawing/2014/main" id="{C7D879C1-02E2-090B-2D22-144C7E2CE238}"/>
+              </a:ext>
+            </a:extLst>
+          </p:cNvPr>
+          <p:cNvSpPr/>
+          <p:nvPr/>
+        </p:nvSpPr>
+        <p:spPr>
+          <a:xfrm>
+            <a:off x="297712" y="148857"/>
+            <a:ext cx="11812772" cy="5978304"/>
+          </a:xfrm>
+          <a:prstGeom prst="rect">
+            <a:avLst/>
+          </a:prstGeom>
+          <a:solidFill>
+            <a:schemeClr val="bg1"/>
+          </a:solidFill>
+        </p:spPr>
+        <p:style>
+          <a:lnRef idx="2">
+            <a:schemeClr val="accent1">
+              <a:shade val="15000"/>
+            </a:schemeClr>
+          </a:lnRef>
+          <a:fillRef idx="1">
+            <a:schemeClr val="accent1"/>
+          </a:fillRef>
+          <a:effectRef idx="0">
+            <a:schemeClr val="accent1"/>
+          </a:effectRef>
+          <a:fontRef idx="minor">
+            <a:schemeClr val="lt1"/>
+          </a:fontRef>
+        </p:style>
+        <p:txBody>
+          <a:bodyPr rtlCol="0" anchor="t"/>
+          <a:lstStyle/>
+          <a:p>
+            <a:pPr algn="ctr"/>
+            <a:r>
+              <a:rPr lang="de-DE" dirty="0" err="1">
+                <a:solidFill>
+                  <a:sysClr val="windowText" lastClr="000000"/>
+                </a:solidFill>
+              </a:rPr>
+              <a:t>MLOps</a:t>
+            </a:r>
+            <a:endParaRPr lang="de-DE" dirty="0">
+              <a:solidFill>
+                <a:sysClr val="windowText" lastClr="000000"/>
+              </a:solidFill>
+            </a:endParaRPr>
+          </a:p>
+        </p:txBody>
+      </p:sp>
+      <p:sp>
+        <p:nvSpPr>
+          <p:cNvPr id="11" name="Rechteck 10">
+            <a:extLst>
+              <a:ext uri="{FF2B5EF4-FFF2-40B4-BE49-F238E27FC236}">
+                <a16:creationId xmlns:a16="http://schemas.microsoft.com/office/drawing/2014/main" id="{FE872F87-F242-9381-E937-B7DD9664CF31}"/>
+              </a:ext>
+            </a:extLst>
+          </p:cNvPr>
+          <p:cNvSpPr/>
+          <p:nvPr/>
+        </p:nvSpPr>
+        <p:spPr>
+          <a:xfrm>
+            <a:off x="400569" y="1743546"/>
+            <a:ext cx="3939296" cy="1307805"/>
+          </a:xfrm>
+          <a:prstGeom prst="rect">
+            <a:avLst/>
+          </a:prstGeom>
+          <a:solidFill>
+            <a:schemeClr val="bg1"/>
+          </a:solidFill>
+        </p:spPr>
+        <p:style>
+          <a:lnRef idx="2">
+            <a:schemeClr val="accent1">
+              <a:shade val="15000"/>
+            </a:schemeClr>
+          </a:lnRef>
+          <a:fillRef idx="1">
+            <a:schemeClr val="accent1"/>
+          </a:fillRef>
+          <a:effectRef idx="0">
+            <a:schemeClr val="accent1"/>
+          </a:effectRef>
+          <a:fontRef idx="minor">
+            <a:schemeClr val="lt1"/>
+          </a:fontRef>
+        </p:style>
+        <p:txBody>
+          <a:bodyPr rtlCol="0" anchor="t"/>
+          <a:lstStyle/>
+          <a:p>
+            <a:pPr algn="ctr"/>
+            <a:r>
+              <a:rPr lang="de-DE" dirty="0">
+                <a:solidFill>
+                  <a:sysClr val="windowText" lastClr="000000"/>
+                </a:solidFill>
+              </a:rPr>
+              <a:t>Datenmanagement (Feature Pipeline)</a:t>
+            </a:r>
+          </a:p>
+        </p:txBody>
+      </p:sp>
+      <p:sp>
+        <p:nvSpPr>
           <p:cNvPr id="2" name="Textfeld 1">
             <a:extLst>
               <a:ext uri="{FF2B5EF4-FFF2-40B4-BE49-F238E27FC236}">
-                <a16:creationId xmlns:a16="http://schemas.microsoft.com/office/drawing/2014/main" id="{5709D430-2F5F-AED9-23BE-BF5D36369B78}"/>
+                <a16:creationId xmlns:a16="http://schemas.microsoft.com/office/drawing/2014/main" id="{786621BF-0E08-5A71-1488-F273F33277C0}"/>
               </a:ext>
             </a:extLst>
           </p:cNvPr>
@@ -14165,8 +13749,8 @@
         </p:nvSpPr>
         <p:spPr>
           <a:xfrm>
-            <a:off x="10875550" y="6488668"/>
-            <a:ext cx="1252009" cy="369332"/>
+            <a:off x="10434468" y="6127161"/>
+            <a:ext cx="886909" cy="369332"/>
           </a:xfrm>
           <a:prstGeom prst="rect">
             <a:avLst/>
@@ -14180,18 +13764,19 @@
           <a:lstStyle/>
           <a:p>
             <a:r>
-              <a:rPr lang="de-DE" dirty="0"/>
-              <a:t>Use Cases</a:t>
-            </a:r>
-          </a:p>
-        </p:txBody>
-      </p:sp>
-      <p:sp>
-        <p:nvSpPr>
-          <p:cNvPr id="3" name="Abgerundetes Rechteck 2">
-            <a:extLst>
-              <a:ext uri="{FF2B5EF4-FFF2-40B4-BE49-F238E27FC236}">
-                <a16:creationId xmlns:a16="http://schemas.microsoft.com/office/drawing/2014/main" id="{3D9A61AF-44A5-3151-EBCC-C0CE89025EDB}"/>
+              <a:rPr lang="de-DE" dirty="0" err="1"/>
+              <a:t>MLOps</a:t>
+            </a:r>
+            <a:endParaRPr lang="de-DE" dirty="0"/>
+          </a:p>
+        </p:txBody>
+      </p:sp>
+      <p:sp>
+        <p:nvSpPr>
+          <p:cNvPr id="3" name="Rechteck 2">
+            <a:extLst>
+              <a:ext uri="{FF2B5EF4-FFF2-40B4-BE49-F238E27FC236}">
+                <a16:creationId xmlns:a16="http://schemas.microsoft.com/office/drawing/2014/main" id="{498BF8E3-EEDD-9E1C-53E3-DBF7516E08F4}"/>
               </a:ext>
             </a:extLst>
           </p:cNvPr>
@@ -14199,19 +13784,13 @@
           <p:nvPr/>
         </p:nvSpPr>
         <p:spPr>
-          <a:xfrm>
-            <a:off x="1493723" y="4189244"/>
-            <a:ext cx="1706678" cy="1139133"/>
-          </a:xfrm>
-          <a:prstGeom prst="roundRect">
-            <a:avLst/>
-          </a:prstGeom>
-          <a:noFill/>
-          <a:ln>
-            <a:solidFill>
-              <a:schemeClr val="accent1"/>
-            </a:solidFill>
-          </a:ln>
+          <a:xfrm rot="5400000">
+            <a:off x="10535173" y="2870882"/>
+            <a:ext cx="1026732" cy="1951053"/>
+          </a:xfrm>
+          <a:prstGeom prst="rect">
+            <a:avLst/>
+          </a:prstGeom>
         </p:spPr>
         <p:style>
           <a:lnRef idx="2">
@@ -14230,47 +13809,343 @@
           </a:fontRef>
         </p:style>
         <p:txBody>
+          <a:bodyPr vert="vert270" rtlCol="0" anchor="ctr"/>
+          <a:lstStyle/>
+          <a:p>
+            <a:pPr algn="ctr"/>
+            <a:r>
+              <a:rPr lang="de-DE" dirty="0"/>
+              <a:t>Model Registry</a:t>
+            </a:r>
+          </a:p>
+        </p:txBody>
+      </p:sp>
+      <p:sp>
+        <p:nvSpPr>
+          <p:cNvPr id="5" name="Abgerundetes Rechteck 4">
+            <a:extLst>
+              <a:ext uri="{FF2B5EF4-FFF2-40B4-BE49-F238E27FC236}">
+                <a16:creationId xmlns:a16="http://schemas.microsoft.com/office/drawing/2014/main" id="{58AB3E34-C6DD-C8B7-771C-5197159372BF}"/>
+              </a:ext>
+            </a:extLst>
+          </p:cNvPr>
+          <p:cNvSpPr/>
+          <p:nvPr/>
+        </p:nvSpPr>
+        <p:spPr>
+          <a:xfrm>
+            <a:off x="630942" y="2104357"/>
+            <a:ext cx="1051764" cy="580171"/>
+          </a:xfrm>
+          <a:prstGeom prst="roundRect">
+            <a:avLst/>
+          </a:prstGeom>
+        </p:spPr>
+        <p:style>
+          <a:lnRef idx="2">
+            <a:schemeClr val="accent6"/>
+          </a:lnRef>
+          <a:fillRef idx="1">
+            <a:schemeClr val="lt1"/>
+          </a:fillRef>
+          <a:effectRef idx="0">
+            <a:schemeClr val="accent6"/>
+          </a:effectRef>
+          <a:fontRef idx="minor">
+            <a:schemeClr val="dk1"/>
+          </a:fontRef>
+        </p:style>
+        <p:txBody>
           <a:bodyPr rtlCol="0" anchor="ctr"/>
           <a:lstStyle/>
           <a:p>
             <a:pPr algn="ctr"/>
             <a:r>
-              <a:rPr lang="de-DE" sz="1600" dirty="0" err="1">
-                <a:solidFill>
-                  <a:schemeClr val="tx1"/>
-                </a:solidFill>
-              </a:rPr>
-              <a:t>Conversational</a:t>
-            </a:r>
-            <a:r>
-              <a:rPr lang="de-DE" sz="1600" dirty="0">
-                <a:solidFill>
-                  <a:schemeClr val="tx1"/>
-                </a:solidFill>
-              </a:rPr>
-              <a:t> AI</a:t>
+              <a:rPr lang="de-DE" sz="1100" dirty="0"/>
+              <a:t>Data </a:t>
+            </a:r>
+            <a:r>
+              <a:rPr lang="de-DE" sz="1100" dirty="0" err="1"/>
+              <a:t>Extraction</a:t>
+            </a:r>
+            <a:endParaRPr lang="de-DE" sz="1100" dirty="0"/>
+          </a:p>
+        </p:txBody>
+      </p:sp>
+      <p:sp>
+        <p:nvSpPr>
+          <p:cNvPr id="6" name="Abgerundetes Rechteck 5">
+            <a:extLst>
+              <a:ext uri="{FF2B5EF4-FFF2-40B4-BE49-F238E27FC236}">
+                <a16:creationId xmlns:a16="http://schemas.microsoft.com/office/drawing/2014/main" id="{A41BBB47-5698-3B50-E17B-D0A6EA5DCA3A}"/>
+              </a:ext>
+            </a:extLst>
+          </p:cNvPr>
+          <p:cNvSpPr/>
+          <p:nvPr/>
+        </p:nvSpPr>
+        <p:spPr>
+          <a:xfrm>
+            <a:off x="1878507" y="2104356"/>
+            <a:ext cx="1051764" cy="580171"/>
+          </a:xfrm>
+          <a:prstGeom prst="roundRect">
+            <a:avLst/>
+          </a:prstGeom>
+        </p:spPr>
+        <p:style>
+          <a:lnRef idx="2">
+            <a:schemeClr val="accent6"/>
+          </a:lnRef>
+          <a:fillRef idx="1">
+            <a:schemeClr val="lt1"/>
+          </a:fillRef>
+          <a:effectRef idx="0">
+            <a:schemeClr val="accent6"/>
+          </a:effectRef>
+          <a:fontRef idx="minor">
+            <a:schemeClr val="dk1"/>
+          </a:fontRef>
+        </p:style>
+        <p:txBody>
+          <a:bodyPr rtlCol="0" anchor="ctr"/>
+          <a:lstStyle/>
+          <a:p>
+            <a:pPr algn="ctr"/>
+            <a:r>
+              <a:rPr lang="de-DE" sz="1100" dirty="0"/>
+              <a:t>Data Validation</a:t>
+            </a:r>
+          </a:p>
+        </p:txBody>
+      </p:sp>
+      <p:sp>
+        <p:nvSpPr>
+          <p:cNvPr id="7" name="Abgerundetes Rechteck 6">
+            <a:extLst>
+              <a:ext uri="{FF2B5EF4-FFF2-40B4-BE49-F238E27FC236}">
+                <a16:creationId xmlns:a16="http://schemas.microsoft.com/office/drawing/2014/main" id="{D15F0F84-73F5-6FC9-FD04-6484786CB686}"/>
+              </a:ext>
+            </a:extLst>
+          </p:cNvPr>
+          <p:cNvSpPr/>
+          <p:nvPr/>
+        </p:nvSpPr>
+        <p:spPr>
+          <a:xfrm>
+            <a:off x="3109186" y="2104355"/>
+            <a:ext cx="1051764" cy="580171"/>
+          </a:xfrm>
+          <a:prstGeom prst="roundRect">
+            <a:avLst/>
+          </a:prstGeom>
+        </p:spPr>
+        <p:style>
+          <a:lnRef idx="2">
+            <a:schemeClr val="accent6"/>
+          </a:lnRef>
+          <a:fillRef idx="1">
+            <a:schemeClr val="lt1"/>
+          </a:fillRef>
+          <a:effectRef idx="0">
+            <a:schemeClr val="accent6"/>
+          </a:effectRef>
+          <a:fontRef idx="minor">
+            <a:schemeClr val="dk1"/>
+          </a:fontRef>
+        </p:style>
+        <p:txBody>
+          <a:bodyPr rtlCol="0" anchor="ctr"/>
+          <a:lstStyle/>
+          <a:p>
+            <a:pPr algn="ctr"/>
+            <a:r>
+              <a:rPr lang="de-DE" sz="1100" dirty="0"/>
+              <a:t>Data </a:t>
+            </a:r>
+            <a:r>
+              <a:rPr lang="de-DE" sz="1100" dirty="0" err="1"/>
+              <a:t>Preparation</a:t>
+            </a:r>
+            <a:endParaRPr lang="de-DE" sz="1100" dirty="0"/>
+          </a:p>
+        </p:txBody>
+      </p:sp>
+      <p:sp>
+        <p:nvSpPr>
+          <p:cNvPr id="12" name="Abgerundetes Rechteck 11">
+            <a:extLst>
+              <a:ext uri="{FF2B5EF4-FFF2-40B4-BE49-F238E27FC236}">
+                <a16:creationId xmlns:a16="http://schemas.microsoft.com/office/drawing/2014/main" id="{C079B07C-3A87-7F62-4DA7-3ACB02714F08}"/>
+              </a:ext>
+            </a:extLst>
+          </p:cNvPr>
+          <p:cNvSpPr/>
+          <p:nvPr/>
+        </p:nvSpPr>
+        <p:spPr>
+          <a:xfrm>
+            <a:off x="400569" y="1123617"/>
+            <a:ext cx="1051764" cy="580171"/>
+          </a:xfrm>
+          <a:prstGeom prst="roundRect">
+            <a:avLst/>
+          </a:prstGeom>
+          <a:solidFill>
+            <a:schemeClr val="accent3">
+              <a:lumMod val="60000"/>
+              <a:lumOff val="40000"/>
+            </a:schemeClr>
+          </a:solidFill>
+        </p:spPr>
+        <p:style>
+          <a:lnRef idx="2">
+            <a:schemeClr val="accent6"/>
+          </a:lnRef>
+          <a:fillRef idx="1">
+            <a:schemeClr val="lt1"/>
+          </a:fillRef>
+          <a:effectRef idx="0">
+            <a:schemeClr val="accent6"/>
+          </a:effectRef>
+          <a:fontRef idx="minor">
+            <a:schemeClr val="dk1"/>
+          </a:fontRef>
+        </p:style>
+        <p:txBody>
+          <a:bodyPr rtlCol="0" anchor="ctr"/>
+          <a:lstStyle/>
+          <a:p>
+            <a:pPr algn="ctr"/>
+            <a:r>
+              <a:rPr lang="de-DE" sz="1200" dirty="0"/>
+              <a:t>Data Analysis</a:t>
+            </a:r>
+          </a:p>
+        </p:txBody>
+      </p:sp>
+      <p:sp>
+        <p:nvSpPr>
+          <p:cNvPr id="13" name="Abgerundetes Rechteck 12">
+            <a:extLst>
+              <a:ext uri="{FF2B5EF4-FFF2-40B4-BE49-F238E27FC236}">
+                <a16:creationId xmlns:a16="http://schemas.microsoft.com/office/drawing/2014/main" id="{BBF8F91C-F025-3BA6-1E1A-06D461D01242}"/>
+              </a:ext>
+            </a:extLst>
+          </p:cNvPr>
+          <p:cNvSpPr/>
+          <p:nvPr/>
+        </p:nvSpPr>
+        <p:spPr>
+          <a:xfrm>
+            <a:off x="6374197" y="1059242"/>
+            <a:ext cx="1051764" cy="580171"/>
+          </a:xfrm>
+          <a:prstGeom prst="roundRect">
+            <a:avLst/>
+          </a:prstGeom>
+          <a:solidFill>
+            <a:schemeClr val="accent3">
+              <a:lumMod val="60000"/>
+              <a:lumOff val="40000"/>
+            </a:schemeClr>
+          </a:solidFill>
+        </p:spPr>
+        <p:style>
+          <a:lnRef idx="2">
+            <a:schemeClr val="accent6"/>
+          </a:lnRef>
+          <a:fillRef idx="1">
+            <a:schemeClr val="lt1"/>
+          </a:fillRef>
+          <a:effectRef idx="0">
+            <a:schemeClr val="accent6"/>
+          </a:effectRef>
+          <a:fontRef idx="minor">
+            <a:schemeClr val="dk1"/>
+          </a:fontRef>
+        </p:style>
+        <p:txBody>
+          <a:bodyPr rtlCol="0" anchor="ctr"/>
+          <a:lstStyle/>
+          <a:p>
+            <a:pPr algn="ctr"/>
+            <a:r>
+              <a:rPr lang="de-DE" sz="1200" dirty="0"/>
+              <a:t>Model Analysis</a:t>
+            </a:r>
+          </a:p>
+        </p:txBody>
+      </p:sp>
+      <p:sp>
+        <p:nvSpPr>
+          <p:cNvPr id="14" name="Rechteck 13">
+            <a:extLst>
+              <a:ext uri="{FF2B5EF4-FFF2-40B4-BE49-F238E27FC236}">
+                <a16:creationId xmlns:a16="http://schemas.microsoft.com/office/drawing/2014/main" id="{CFB6E944-0C5D-B923-C845-D7559F9B08F3}"/>
+              </a:ext>
+            </a:extLst>
+          </p:cNvPr>
+          <p:cNvSpPr/>
+          <p:nvPr/>
+        </p:nvSpPr>
+        <p:spPr>
+          <a:xfrm rot="5400000">
+            <a:off x="4885304" y="2858058"/>
+            <a:ext cx="1026732" cy="1951054"/>
+          </a:xfrm>
+          <a:prstGeom prst="rect">
+            <a:avLst/>
+          </a:prstGeom>
+        </p:spPr>
+        <p:style>
+          <a:lnRef idx="2">
+            <a:schemeClr val="accent1">
+              <a:shade val="15000"/>
+            </a:schemeClr>
+          </a:lnRef>
+          <a:fillRef idx="1">
+            <a:schemeClr val="accent1"/>
+          </a:fillRef>
+          <a:effectRef idx="0">
+            <a:schemeClr val="accent1"/>
+          </a:effectRef>
+          <a:fontRef idx="minor">
+            <a:schemeClr val="lt1"/>
+          </a:fontRef>
+        </p:style>
+        <p:txBody>
+          <a:bodyPr vert="vert270" rtlCol="0" anchor="ctr"/>
+          <a:lstStyle/>
+          <a:p>
+            <a:pPr algn="ctr"/>
+            <a:r>
+              <a:rPr lang="de-DE" dirty="0"/>
+              <a:t>Feature Store</a:t>
             </a:r>
           </a:p>
         </p:txBody>
       </p:sp>
       <p:cxnSp>
         <p:nvCxnSpPr>
-          <p:cNvPr id="5" name="Gerade Verbindung mit Pfeil 4">
-            <a:extLst>
-              <a:ext uri="{FF2B5EF4-FFF2-40B4-BE49-F238E27FC236}">
-                <a16:creationId xmlns:a16="http://schemas.microsoft.com/office/drawing/2014/main" id="{6AF8935C-0424-F2E5-2F63-7E96E312D2DC}"/>
-              </a:ext>
-            </a:extLst>
-          </p:cNvPr>
-          <p:cNvCxnSpPr/>
+          <p:cNvPr id="16" name="Gewinkelte Verbindung 15">
+            <a:extLst>
+              <a:ext uri="{FF2B5EF4-FFF2-40B4-BE49-F238E27FC236}">
+                <a16:creationId xmlns:a16="http://schemas.microsoft.com/office/drawing/2014/main" id="{438414B3-74AA-7FC5-D766-B55287CBD4B8}"/>
+              </a:ext>
+            </a:extLst>
+          </p:cNvPr>
+          <p:cNvCxnSpPr>
+            <a:stCxn id="11" idx="3"/>
+          </p:cNvCxnSpPr>
           <p:nvPr/>
         </p:nvCxnSpPr>
         <p:spPr>
-          <a:xfrm flipV="1">
-            <a:off x="1254642" y="701749"/>
-            <a:ext cx="0" cy="5018567"/>
-          </a:xfrm>
-          <a:prstGeom prst="straightConnector1">
+          <a:xfrm>
+            <a:off x="4339865" y="2397449"/>
+            <a:ext cx="657437" cy="922769"/>
+          </a:xfrm>
+          <a:prstGeom prst="bentConnector2">
             <a:avLst/>
           </a:prstGeom>
           <a:ln>
@@ -14292,26 +14167,265 @@
           </a:fontRef>
         </p:style>
       </p:cxnSp>
+      <p:sp>
+        <p:nvSpPr>
+          <p:cNvPr id="17" name="Textfeld 16">
+            <a:extLst>
+              <a:ext uri="{FF2B5EF4-FFF2-40B4-BE49-F238E27FC236}">
+                <a16:creationId xmlns:a16="http://schemas.microsoft.com/office/drawing/2014/main" id="{0CC0172C-8B46-4400-DB4D-FC5D48666156}"/>
+              </a:ext>
+            </a:extLst>
+          </p:cNvPr>
+          <p:cNvSpPr txBox="1"/>
+          <p:nvPr/>
+        </p:nvSpPr>
+        <p:spPr>
+          <a:xfrm>
+            <a:off x="4296264" y="2453693"/>
+            <a:ext cx="799642" cy="461665"/>
+          </a:xfrm>
+          <a:prstGeom prst="rect">
+            <a:avLst/>
+          </a:prstGeom>
+          <a:noFill/>
+        </p:spPr>
+        <p:txBody>
+          <a:bodyPr wrap="none" rtlCol="0">
+            <a:spAutoFit/>
+          </a:bodyPr>
+          <a:lstStyle/>
+          <a:p>
+            <a:r>
+              <a:rPr lang="de-DE" sz="1200" dirty="0"/>
+              <a:t>Features </a:t>
+            </a:r>
+          </a:p>
+          <a:p>
+            <a:r>
+              <a:rPr lang="de-DE" sz="1200" dirty="0"/>
+              <a:t>&amp; Labels</a:t>
+            </a:r>
+          </a:p>
+        </p:txBody>
+      </p:sp>
+      <p:sp>
+        <p:nvSpPr>
+          <p:cNvPr id="18" name="Rechteck 17">
+            <a:extLst>
+              <a:ext uri="{FF2B5EF4-FFF2-40B4-BE49-F238E27FC236}">
+                <a16:creationId xmlns:a16="http://schemas.microsoft.com/office/drawing/2014/main" id="{D88D8572-54A5-508E-9E43-33878E45C005}"/>
+              </a:ext>
+            </a:extLst>
+          </p:cNvPr>
+          <p:cNvSpPr/>
+          <p:nvPr/>
+        </p:nvSpPr>
+        <p:spPr>
+          <a:xfrm>
+            <a:off x="6374197" y="1703788"/>
+            <a:ext cx="3939296" cy="1307805"/>
+          </a:xfrm>
+          <a:prstGeom prst="rect">
+            <a:avLst/>
+          </a:prstGeom>
+          <a:solidFill>
+            <a:schemeClr val="bg1"/>
+          </a:solidFill>
+        </p:spPr>
+        <p:style>
+          <a:lnRef idx="2">
+            <a:schemeClr val="accent1">
+              <a:shade val="15000"/>
+            </a:schemeClr>
+          </a:lnRef>
+          <a:fillRef idx="1">
+            <a:schemeClr val="accent1"/>
+          </a:fillRef>
+          <a:effectRef idx="0">
+            <a:schemeClr val="accent1"/>
+          </a:effectRef>
+          <a:fontRef idx="minor">
+            <a:schemeClr val="lt1"/>
+          </a:fontRef>
+        </p:style>
+        <p:txBody>
+          <a:bodyPr rtlCol="0" anchor="t"/>
+          <a:lstStyle/>
+          <a:p>
+            <a:pPr algn="ctr"/>
+            <a:r>
+              <a:rPr lang="de-DE" dirty="0">
+                <a:solidFill>
+                  <a:sysClr val="windowText" lastClr="000000"/>
+                </a:solidFill>
+              </a:rPr>
+              <a:t>Modelltraining (Training Pipeline)</a:t>
+            </a:r>
+          </a:p>
+        </p:txBody>
+      </p:sp>
+      <p:sp>
+        <p:nvSpPr>
+          <p:cNvPr id="19" name="Abgerundetes Rechteck 18">
+            <a:extLst>
+              <a:ext uri="{FF2B5EF4-FFF2-40B4-BE49-F238E27FC236}">
+                <a16:creationId xmlns:a16="http://schemas.microsoft.com/office/drawing/2014/main" id="{99D53EBB-6A00-CD6A-628A-85711915FD21}"/>
+              </a:ext>
+            </a:extLst>
+          </p:cNvPr>
+          <p:cNvSpPr/>
+          <p:nvPr/>
+        </p:nvSpPr>
+        <p:spPr>
+          <a:xfrm>
+            <a:off x="6604356" y="2147242"/>
+            <a:ext cx="1051764" cy="580171"/>
+          </a:xfrm>
+          <a:prstGeom prst="roundRect">
+            <a:avLst/>
+          </a:prstGeom>
+        </p:spPr>
+        <p:style>
+          <a:lnRef idx="2">
+            <a:schemeClr val="accent6"/>
+          </a:lnRef>
+          <a:fillRef idx="1">
+            <a:schemeClr val="lt1"/>
+          </a:fillRef>
+          <a:effectRef idx="0">
+            <a:schemeClr val="accent6"/>
+          </a:effectRef>
+          <a:fontRef idx="minor">
+            <a:schemeClr val="dk1"/>
+          </a:fontRef>
+        </p:style>
+        <p:txBody>
+          <a:bodyPr rtlCol="0" anchor="ctr"/>
+          <a:lstStyle/>
+          <a:p>
+            <a:pPr algn="ctr"/>
+            <a:r>
+              <a:rPr lang="de-DE" sz="1100" dirty="0"/>
+              <a:t>Model Training</a:t>
+            </a:r>
+          </a:p>
+        </p:txBody>
+      </p:sp>
+      <p:sp>
+        <p:nvSpPr>
+          <p:cNvPr id="20" name="Abgerundetes Rechteck 19">
+            <a:extLst>
+              <a:ext uri="{FF2B5EF4-FFF2-40B4-BE49-F238E27FC236}">
+                <a16:creationId xmlns:a16="http://schemas.microsoft.com/office/drawing/2014/main" id="{977B4CBE-1481-B90B-E80E-FA0C2F307328}"/>
+              </a:ext>
+            </a:extLst>
+          </p:cNvPr>
+          <p:cNvSpPr/>
+          <p:nvPr/>
+        </p:nvSpPr>
+        <p:spPr>
+          <a:xfrm>
+            <a:off x="7827791" y="2147241"/>
+            <a:ext cx="1051764" cy="580171"/>
+          </a:xfrm>
+          <a:prstGeom prst="roundRect">
+            <a:avLst/>
+          </a:prstGeom>
+        </p:spPr>
+        <p:style>
+          <a:lnRef idx="2">
+            <a:schemeClr val="accent6"/>
+          </a:lnRef>
+          <a:fillRef idx="1">
+            <a:schemeClr val="lt1"/>
+          </a:fillRef>
+          <a:effectRef idx="0">
+            <a:schemeClr val="accent6"/>
+          </a:effectRef>
+          <a:fontRef idx="minor">
+            <a:schemeClr val="dk1"/>
+          </a:fontRef>
+        </p:style>
+        <p:txBody>
+          <a:bodyPr rtlCol="0" anchor="ctr"/>
+          <a:lstStyle/>
+          <a:p>
+            <a:pPr algn="ctr"/>
+            <a:r>
+              <a:rPr lang="de-DE" sz="1100" dirty="0"/>
+              <a:t>Model Evaluation</a:t>
+            </a:r>
+          </a:p>
+        </p:txBody>
+      </p:sp>
+      <p:sp>
+        <p:nvSpPr>
+          <p:cNvPr id="21" name="Abgerundetes Rechteck 20">
+            <a:extLst>
+              <a:ext uri="{FF2B5EF4-FFF2-40B4-BE49-F238E27FC236}">
+                <a16:creationId xmlns:a16="http://schemas.microsoft.com/office/drawing/2014/main" id="{E8991386-B561-72B3-5D32-C720CEB2E531}"/>
+              </a:ext>
+            </a:extLst>
+          </p:cNvPr>
+          <p:cNvSpPr/>
+          <p:nvPr/>
+        </p:nvSpPr>
+        <p:spPr>
+          <a:xfrm>
+            <a:off x="9058470" y="2147240"/>
+            <a:ext cx="1051764" cy="580171"/>
+          </a:xfrm>
+          <a:prstGeom prst="roundRect">
+            <a:avLst/>
+          </a:prstGeom>
+        </p:spPr>
+        <p:style>
+          <a:lnRef idx="2">
+            <a:schemeClr val="accent6"/>
+          </a:lnRef>
+          <a:fillRef idx="1">
+            <a:schemeClr val="lt1"/>
+          </a:fillRef>
+          <a:effectRef idx="0">
+            <a:schemeClr val="accent6"/>
+          </a:effectRef>
+          <a:fontRef idx="minor">
+            <a:schemeClr val="dk1"/>
+          </a:fontRef>
+        </p:style>
+        <p:txBody>
+          <a:bodyPr rtlCol="0" anchor="ctr"/>
+          <a:lstStyle/>
+          <a:p>
+            <a:pPr algn="ctr"/>
+            <a:r>
+              <a:rPr lang="de-DE" sz="1100" dirty="0"/>
+              <a:t>Model Validation</a:t>
+            </a:r>
+          </a:p>
+        </p:txBody>
+      </p:sp>
       <p:cxnSp>
         <p:nvCxnSpPr>
-          <p:cNvPr id="6" name="Gerade Verbindung mit Pfeil 5">
-            <a:extLst>
-              <a:ext uri="{FF2B5EF4-FFF2-40B4-BE49-F238E27FC236}">
-                <a16:creationId xmlns:a16="http://schemas.microsoft.com/office/drawing/2014/main" id="{A4B79B18-BD8F-7B7B-7369-8EBE222DB8F9}"/>
+          <p:cNvPr id="23" name="Gewinkelte Verbindung 22">
+            <a:extLst>
+              <a:ext uri="{FF2B5EF4-FFF2-40B4-BE49-F238E27FC236}">
+                <a16:creationId xmlns:a16="http://schemas.microsoft.com/office/drawing/2014/main" id="{B2A5BEAD-BA94-15E0-8B50-1DBF4EFF42B0}"/>
               </a:ext>
             </a:extLst>
           </p:cNvPr>
           <p:cNvCxnSpPr>
             <a:cxnSpLocks/>
+            <a:endCxn id="18" idx="1"/>
           </p:cNvCxnSpPr>
           <p:nvPr/>
         </p:nvCxnSpPr>
         <p:spPr>
-          <a:xfrm>
-            <a:off x="1109331" y="5564371"/>
-            <a:ext cx="5748670" cy="0"/>
-          </a:xfrm>
-          <a:prstGeom prst="straightConnector1">
+          <a:xfrm rot="5400000" flipH="1" flipV="1">
+            <a:off x="5518868" y="2477714"/>
+            <a:ext cx="975351" cy="735307"/>
+          </a:xfrm>
+          <a:prstGeom prst="bentConnector2">
             <a:avLst/>
           </a:prstGeom>
           <a:ln>
@@ -14335,10 +14449,10 @@
       </p:cxnSp>
       <p:sp>
         <p:nvSpPr>
-          <p:cNvPr id="8" name="Textfeld 7">
-            <a:extLst>
-              <a:ext uri="{FF2B5EF4-FFF2-40B4-BE49-F238E27FC236}">
-                <a16:creationId xmlns:a16="http://schemas.microsoft.com/office/drawing/2014/main" id="{B39C4ABB-579E-F5D4-05BC-648394F199B5}"/>
+          <p:cNvPr id="26" name="Textfeld 25">
+            <a:extLst>
+              <a:ext uri="{FF2B5EF4-FFF2-40B4-BE49-F238E27FC236}">
+                <a16:creationId xmlns:a16="http://schemas.microsoft.com/office/drawing/2014/main" id="{E4D7A2F8-679E-8E71-A5BB-9CE65331522F}"/>
               </a:ext>
             </a:extLst>
           </p:cNvPr>
@@ -14347,8 +14461,8 @@
         </p:nvSpPr>
         <p:spPr>
           <a:xfrm>
-            <a:off x="5726552" y="5592726"/>
-            <a:ext cx="1276760" cy="369332"/>
+            <a:off x="5616575" y="2397168"/>
+            <a:ext cx="799642" cy="461665"/>
           </a:xfrm>
           <a:prstGeom prst="rect">
             <a:avLst/>
@@ -14362,18 +14476,67 @@
           <a:lstStyle/>
           <a:p>
             <a:r>
-              <a:rPr lang="de-DE" dirty="0"/>
-              <a:t>Autonomie</a:t>
-            </a:r>
-          </a:p>
-        </p:txBody>
-      </p:sp>
-      <p:sp>
-        <p:nvSpPr>
-          <p:cNvPr id="9" name="Textfeld 8">
-            <a:extLst>
-              <a:ext uri="{FF2B5EF4-FFF2-40B4-BE49-F238E27FC236}">
-                <a16:creationId xmlns:a16="http://schemas.microsoft.com/office/drawing/2014/main" id="{A2C376AC-BA79-79D9-36B4-C2F9B776DF58}"/>
+              <a:rPr lang="de-DE" sz="1200" dirty="0"/>
+              <a:t>Features </a:t>
+            </a:r>
+          </a:p>
+          <a:p>
+            <a:r>
+              <a:rPr lang="de-DE" sz="1200" dirty="0"/>
+              <a:t>&amp; Labels</a:t>
+            </a:r>
+          </a:p>
+        </p:txBody>
+      </p:sp>
+      <p:cxnSp>
+        <p:nvCxnSpPr>
+          <p:cNvPr id="28" name="Gewinkelte Verbindung 27">
+            <a:extLst>
+              <a:ext uri="{FF2B5EF4-FFF2-40B4-BE49-F238E27FC236}">
+                <a16:creationId xmlns:a16="http://schemas.microsoft.com/office/drawing/2014/main" id="{4FFF38E6-C7F0-7786-AC70-2C52A0243FFF}"/>
+              </a:ext>
+            </a:extLst>
+          </p:cNvPr>
+          <p:cNvCxnSpPr>
+            <a:cxnSpLocks/>
+            <a:stCxn id="18" idx="3"/>
+            <a:endCxn id="3" idx="1"/>
+          </p:cNvCxnSpPr>
+          <p:nvPr/>
+        </p:nvCxnSpPr>
+        <p:spPr>
+          <a:xfrm>
+            <a:off x="10313493" y="2357691"/>
+            <a:ext cx="735046" cy="975352"/>
+          </a:xfrm>
+          <a:prstGeom prst="bentConnector2">
+            <a:avLst/>
+          </a:prstGeom>
+          <a:ln>
+            <a:tailEnd type="triangle"/>
+          </a:ln>
+        </p:spPr>
+        <p:style>
+          <a:lnRef idx="2">
+            <a:schemeClr val="accent1"/>
+          </a:lnRef>
+          <a:fillRef idx="0">
+            <a:schemeClr val="accent1"/>
+          </a:fillRef>
+          <a:effectRef idx="1">
+            <a:schemeClr val="accent1"/>
+          </a:effectRef>
+          <a:fontRef idx="minor">
+            <a:schemeClr val="tx1"/>
+          </a:fontRef>
+        </p:style>
+      </p:cxnSp>
+      <p:sp>
+        <p:nvSpPr>
+          <p:cNvPr id="30" name="Textfeld 29">
+            <a:extLst>
+              <a:ext uri="{FF2B5EF4-FFF2-40B4-BE49-F238E27FC236}">
+                <a16:creationId xmlns:a16="http://schemas.microsoft.com/office/drawing/2014/main" id="{7A88D6D9-3042-2F6D-E445-4F58BF641A3A}"/>
               </a:ext>
             </a:extLst>
           </p:cNvPr>
@@ -14381,9 +14544,9 @@
           <p:nvPr/>
         </p:nvSpPr>
         <p:spPr>
-          <a:xfrm rot="16200000">
-            <a:off x="80491" y="1333709"/>
-            <a:ext cx="1688347" cy="369332"/>
+          <a:xfrm>
+            <a:off x="10333149" y="2357690"/>
+            <a:ext cx="599844" cy="276999"/>
           </a:xfrm>
           <a:prstGeom prst="rect">
             <a:avLst/>
@@ -14397,18 +14560,18 @@
           <a:lstStyle/>
           <a:p>
             <a:r>
-              <a:rPr lang="de-DE" dirty="0"/>
-              <a:t>Spezialisierung</a:t>
-            </a:r>
-          </a:p>
-        </p:txBody>
-      </p:sp>
-      <p:sp>
-        <p:nvSpPr>
-          <p:cNvPr id="12" name="Abgerundetes Rechteck 11">
-            <a:extLst>
-              <a:ext uri="{FF2B5EF4-FFF2-40B4-BE49-F238E27FC236}">
-                <a16:creationId xmlns:a16="http://schemas.microsoft.com/office/drawing/2014/main" id="{C5D665A4-941C-0952-8AE0-1EC3C54B38A8}"/>
+              <a:rPr lang="de-DE" sz="1200" dirty="0"/>
+              <a:t>Model</a:t>
+            </a:r>
+          </a:p>
+        </p:txBody>
+      </p:sp>
+      <p:sp>
+        <p:nvSpPr>
+          <p:cNvPr id="31" name="Rechteck 30">
+            <a:extLst>
+              <a:ext uri="{FF2B5EF4-FFF2-40B4-BE49-F238E27FC236}">
+                <a16:creationId xmlns:a16="http://schemas.microsoft.com/office/drawing/2014/main" id="{885BEDC1-657B-FC8D-091D-2BC85F2E50F6}"/>
               </a:ext>
             </a:extLst>
           </p:cNvPr>
@@ -14417,18 +14580,15 @@
         </p:nvSpPr>
         <p:spPr>
           <a:xfrm>
-            <a:off x="3294168" y="2788369"/>
-            <a:ext cx="1706678" cy="1139133"/>
-          </a:xfrm>
-          <a:prstGeom prst="roundRect">
-            <a:avLst/>
-          </a:prstGeom>
-          <a:noFill/>
-          <a:ln>
-            <a:solidFill>
-              <a:schemeClr val="accent1"/>
-            </a:solidFill>
-          </a:ln>
+            <a:off x="6374197" y="4500309"/>
+            <a:ext cx="3939296" cy="1307805"/>
+          </a:xfrm>
+          <a:prstGeom prst="rect">
+            <a:avLst/>
+          </a:prstGeom>
+          <a:solidFill>
+            <a:schemeClr val="bg1"/>
+          </a:solidFill>
         </p:spPr>
         <p:style>
           <a:lnRef idx="2">
@@ -14447,76 +14607,349 @@
           </a:fontRef>
         </p:style>
         <p:txBody>
-          <a:bodyPr rtlCol="0" anchor="ctr"/>
+          <a:bodyPr rtlCol="0" anchor="t"/>
           <a:lstStyle/>
           <a:p>
             <a:pPr algn="ctr"/>
             <a:r>
-              <a:rPr lang="de-DE" sz="1600" dirty="0">
+              <a:rPr lang="de-DE" dirty="0">
                 <a:solidFill>
-                  <a:schemeClr val="tx1"/>
+                  <a:sysClr val="windowText" lastClr="000000"/>
                 </a:solidFill>
               </a:rPr>
-              <a:t>Copilot</a:t>
-            </a:r>
-          </a:p>
-        </p:txBody>
-      </p:sp>
-      <p:sp>
-        <p:nvSpPr>
-          <p:cNvPr id="13" name="Abgerundetes Rechteck 12">
-            <a:extLst>
-              <a:ext uri="{FF2B5EF4-FFF2-40B4-BE49-F238E27FC236}">
-                <a16:creationId xmlns:a16="http://schemas.microsoft.com/office/drawing/2014/main" id="{54CFACF8-B03B-CD84-A797-3E5F1B7F74AA}"/>
-              </a:ext>
-            </a:extLst>
-          </p:cNvPr>
-          <p:cNvSpPr/>
-          <p:nvPr/>
-        </p:nvSpPr>
-        <p:spPr>
-          <a:xfrm>
-            <a:off x="5032745" y="1223415"/>
-            <a:ext cx="1706678" cy="1139133"/>
-          </a:xfrm>
-          <a:prstGeom prst="roundRect">
-            <a:avLst/>
-          </a:prstGeom>
-          <a:noFill/>
-          <a:ln>
-            <a:solidFill>
-              <a:schemeClr val="accent1"/>
-            </a:solidFill>
-          </a:ln>
-        </p:spPr>
-        <p:style>
-          <a:lnRef idx="2">
-            <a:schemeClr val="accent1">
-              <a:shade val="15000"/>
-            </a:schemeClr>
-          </a:lnRef>
-          <a:fillRef idx="1">
-            <a:schemeClr val="accent1"/>
-          </a:fillRef>
-          <a:effectRef idx="0">
-            <a:schemeClr val="accent1"/>
-          </a:effectRef>
-          <a:fontRef idx="minor">
-            <a:schemeClr val="lt1"/>
-          </a:fontRef>
-        </p:style>
-        <p:txBody>
-          <a:bodyPr rtlCol="0" anchor="ctr"/>
-          <a:lstStyle/>
-          <a:p>
-            <a:pPr algn="ctr"/>
-            <a:r>
-              <a:rPr lang="de-DE" sz="1600" dirty="0">
+              <a:t>Modellbereitstellung (</a:t>
+            </a:r>
+            <a:r>
+              <a:rPr lang="de-DE" dirty="0" err="1">
                 <a:solidFill>
-                  <a:schemeClr val="tx1"/>
+                  <a:sysClr val="windowText" lastClr="000000"/>
                 </a:solidFill>
               </a:rPr>
-              <a:t>Multi-Agent Problem Solver</a:t>
+              <a:t>Inference</a:t>
+            </a:r>
+            <a:r>
+              <a:rPr lang="de-DE" dirty="0">
+                <a:solidFill>
+                  <a:sysClr val="windowText" lastClr="000000"/>
+                </a:solidFill>
+              </a:rPr>
+              <a:t>)</a:t>
+            </a:r>
+          </a:p>
+        </p:txBody>
+      </p:sp>
+      <p:cxnSp>
+        <p:nvCxnSpPr>
+          <p:cNvPr id="33" name="Gewinkelte Verbindung 32">
+            <a:extLst>
+              <a:ext uri="{FF2B5EF4-FFF2-40B4-BE49-F238E27FC236}">
+                <a16:creationId xmlns:a16="http://schemas.microsoft.com/office/drawing/2014/main" id="{411FCD52-594A-F2B1-BB57-C33C3E509A69}"/>
+              </a:ext>
+            </a:extLst>
+          </p:cNvPr>
+          <p:cNvCxnSpPr>
+            <a:stCxn id="3" idx="3"/>
+            <a:endCxn id="31" idx="3"/>
+          </p:cNvCxnSpPr>
+          <p:nvPr/>
+        </p:nvCxnSpPr>
+        <p:spPr>
+          <a:xfrm rot="5400000">
+            <a:off x="10283798" y="4389470"/>
+            <a:ext cx="794437" cy="735046"/>
+          </a:xfrm>
+          <a:prstGeom prst="bentConnector2">
+            <a:avLst/>
+          </a:prstGeom>
+          <a:ln>
+            <a:tailEnd type="triangle"/>
+          </a:ln>
+        </p:spPr>
+        <p:style>
+          <a:lnRef idx="2">
+            <a:schemeClr val="accent1"/>
+          </a:lnRef>
+          <a:fillRef idx="0">
+            <a:schemeClr val="accent1"/>
+          </a:fillRef>
+          <a:effectRef idx="1">
+            <a:schemeClr val="accent1"/>
+          </a:effectRef>
+          <a:fontRef idx="minor">
+            <a:schemeClr val="tx1"/>
+          </a:fontRef>
+        </p:style>
+      </p:cxnSp>
+      <p:sp>
+        <p:nvSpPr>
+          <p:cNvPr id="34" name="Abgerundetes Rechteck 33">
+            <a:extLst>
+              <a:ext uri="{FF2B5EF4-FFF2-40B4-BE49-F238E27FC236}">
+                <a16:creationId xmlns:a16="http://schemas.microsoft.com/office/drawing/2014/main" id="{24550F16-9A5B-44F1-91A3-258DA3AD849B}"/>
+              </a:ext>
+            </a:extLst>
+          </p:cNvPr>
+          <p:cNvSpPr/>
+          <p:nvPr/>
+        </p:nvSpPr>
+        <p:spPr>
+          <a:xfrm>
+            <a:off x="9021248" y="4946870"/>
+            <a:ext cx="1051764" cy="580171"/>
+          </a:xfrm>
+          <a:prstGeom prst="roundRect">
+            <a:avLst/>
+          </a:prstGeom>
+        </p:spPr>
+        <p:style>
+          <a:lnRef idx="2">
+            <a:schemeClr val="accent6"/>
+          </a:lnRef>
+          <a:fillRef idx="1">
+            <a:schemeClr val="lt1"/>
+          </a:fillRef>
+          <a:effectRef idx="0">
+            <a:schemeClr val="accent6"/>
+          </a:effectRef>
+          <a:fontRef idx="minor">
+            <a:schemeClr val="dk1"/>
+          </a:fontRef>
+        </p:style>
+        <p:txBody>
+          <a:bodyPr rtlCol="0" anchor="ctr"/>
+          <a:lstStyle/>
+          <a:p>
+            <a:pPr algn="ctr"/>
+            <a:r>
+              <a:rPr lang="de-DE" sz="1100" dirty="0"/>
+              <a:t>Model </a:t>
+            </a:r>
+            <a:r>
+              <a:rPr lang="de-DE" sz="1100" dirty="0" err="1"/>
+              <a:t>Loading</a:t>
+            </a:r>
+            <a:endParaRPr lang="de-DE" sz="1100" dirty="0"/>
+          </a:p>
+        </p:txBody>
+      </p:sp>
+      <p:sp>
+        <p:nvSpPr>
+          <p:cNvPr id="35" name="Abgerundetes Rechteck 34">
+            <a:extLst>
+              <a:ext uri="{FF2B5EF4-FFF2-40B4-BE49-F238E27FC236}">
+                <a16:creationId xmlns:a16="http://schemas.microsoft.com/office/drawing/2014/main" id="{3B92E7AF-64AF-075E-2541-BC886C32DFDB}"/>
+              </a:ext>
+            </a:extLst>
+          </p:cNvPr>
+          <p:cNvSpPr/>
+          <p:nvPr/>
+        </p:nvSpPr>
+        <p:spPr>
+          <a:xfrm>
+            <a:off x="7817963" y="4946870"/>
+            <a:ext cx="1051764" cy="580171"/>
+          </a:xfrm>
+          <a:prstGeom prst="roundRect">
+            <a:avLst/>
+          </a:prstGeom>
+        </p:spPr>
+        <p:style>
+          <a:lnRef idx="2">
+            <a:schemeClr val="accent6"/>
+          </a:lnRef>
+          <a:fillRef idx="1">
+            <a:schemeClr val="lt1"/>
+          </a:fillRef>
+          <a:effectRef idx="0">
+            <a:schemeClr val="accent6"/>
+          </a:effectRef>
+          <a:fontRef idx="minor">
+            <a:schemeClr val="dk1"/>
+          </a:fontRef>
+        </p:style>
+        <p:txBody>
+          <a:bodyPr rtlCol="0" anchor="ctr"/>
+          <a:lstStyle/>
+          <a:p>
+            <a:pPr algn="ctr"/>
+            <a:r>
+              <a:rPr lang="de-DE" sz="1100" dirty="0"/>
+              <a:t>Model </a:t>
+            </a:r>
+            <a:r>
+              <a:rPr lang="de-DE" sz="1100" dirty="0" err="1"/>
+              <a:t>Prediction</a:t>
+            </a:r>
+            <a:endParaRPr lang="de-DE" sz="1100" dirty="0"/>
+          </a:p>
+        </p:txBody>
+      </p:sp>
+      <p:sp>
+        <p:nvSpPr>
+          <p:cNvPr id="36" name="Abgerundetes Rechteck 35">
+            <a:extLst>
+              <a:ext uri="{FF2B5EF4-FFF2-40B4-BE49-F238E27FC236}">
+                <a16:creationId xmlns:a16="http://schemas.microsoft.com/office/drawing/2014/main" id="{53627F10-871A-9644-AED0-5D99E2E7A266}"/>
+              </a:ext>
+            </a:extLst>
+          </p:cNvPr>
+          <p:cNvSpPr/>
+          <p:nvPr/>
+        </p:nvSpPr>
+        <p:spPr>
+          <a:xfrm>
+            <a:off x="6645959" y="4959547"/>
+            <a:ext cx="1051764" cy="580171"/>
+          </a:xfrm>
+          <a:prstGeom prst="roundRect">
+            <a:avLst/>
+          </a:prstGeom>
+        </p:spPr>
+        <p:style>
+          <a:lnRef idx="2">
+            <a:schemeClr val="accent6"/>
+          </a:lnRef>
+          <a:fillRef idx="1">
+            <a:schemeClr val="lt1"/>
+          </a:fillRef>
+          <a:effectRef idx="0">
+            <a:schemeClr val="accent6"/>
+          </a:effectRef>
+          <a:fontRef idx="minor">
+            <a:schemeClr val="dk1"/>
+          </a:fontRef>
+        </p:style>
+        <p:txBody>
+          <a:bodyPr rtlCol="0" anchor="ctr"/>
+          <a:lstStyle/>
+          <a:p>
+            <a:pPr algn="ctr"/>
+            <a:r>
+              <a:rPr lang="de-DE" sz="1100" dirty="0"/>
+              <a:t>Model </a:t>
+            </a:r>
+            <a:r>
+              <a:rPr lang="de-DE" sz="1100" dirty="0" err="1"/>
+              <a:t>Observability</a:t>
+            </a:r>
+            <a:endParaRPr lang="de-DE" sz="1100" dirty="0"/>
+          </a:p>
+        </p:txBody>
+      </p:sp>
+      <p:cxnSp>
+        <p:nvCxnSpPr>
+          <p:cNvPr id="38" name="Gewinkelte Verbindung 37">
+            <a:extLst>
+              <a:ext uri="{FF2B5EF4-FFF2-40B4-BE49-F238E27FC236}">
+                <a16:creationId xmlns:a16="http://schemas.microsoft.com/office/drawing/2014/main" id="{66510131-DF0B-B2E2-158A-E22A32FBAF6D}"/>
+              </a:ext>
+            </a:extLst>
+          </p:cNvPr>
+          <p:cNvCxnSpPr>
+            <a:stCxn id="31" idx="1"/>
+            <a:endCxn id="14" idx="3"/>
+          </p:cNvCxnSpPr>
+          <p:nvPr/>
+        </p:nvCxnSpPr>
+        <p:spPr>
+          <a:xfrm rot="10800000">
+            <a:off x="5398671" y="4346952"/>
+            <a:ext cx="975527" cy="807261"/>
+          </a:xfrm>
+          <a:prstGeom prst="bentConnector2">
+            <a:avLst/>
+          </a:prstGeom>
+          <a:ln>
+            <a:tailEnd type="triangle"/>
+          </a:ln>
+        </p:spPr>
+        <p:style>
+          <a:lnRef idx="2">
+            <a:schemeClr val="accent1"/>
+          </a:lnRef>
+          <a:fillRef idx="0">
+            <a:schemeClr val="accent1"/>
+          </a:fillRef>
+          <a:effectRef idx="1">
+            <a:schemeClr val="accent1"/>
+          </a:effectRef>
+          <a:fontRef idx="minor">
+            <a:schemeClr val="tx1"/>
+          </a:fontRef>
+        </p:style>
+      </p:cxnSp>
+      <p:sp>
+        <p:nvSpPr>
+          <p:cNvPr id="39" name="Textfeld 38">
+            <a:extLst>
+              <a:ext uri="{FF2B5EF4-FFF2-40B4-BE49-F238E27FC236}">
+                <a16:creationId xmlns:a16="http://schemas.microsoft.com/office/drawing/2014/main" id="{1AB236B3-0611-02D5-5E28-427DF049099B}"/>
+              </a:ext>
+            </a:extLst>
+          </p:cNvPr>
+          <p:cNvSpPr txBox="1"/>
+          <p:nvPr/>
+        </p:nvSpPr>
+        <p:spPr>
+          <a:xfrm>
+            <a:off x="5524255" y="4544558"/>
+            <a:ext cx="799642" cy="461665"/>
+          </a:xfrm>
+          <a:prstGeom prst="rect">
+            <a:avLst/>
+          </a:prstGeom>
+          <a:noFill/>
+        </p:spPr>
+        <p:txBody>
+          <a:bodyPr wrap="none" rtlCol="0">
+            <a:spAutoFit/>
+          </a:bodyPr>
+          <a:lstStyle/>
+          <a:p>
+            <a:r>
+              <a:rPr lang="de-DE" sz="1200" dirty="0"/>
+              <a:t>Features </a:t>
+            </a:r>
+          </a:p>
+          <a:p>
+            <a:r>
+              <a:rPr lang="de-DE" sz="1200" dirty="0"/>
+              <a:t>&amp; Labels</a:t>
+            </a:r>
+          </a:p>
+        </p:txBody>
+      </p:sp>
+      <p:sp>
+        <p:nvSpPr>
+          <p:cNvPr id="40" name="Textfeld 39">
+            <a:extLst>
+              <a:ext uri="{FF2B5EF4-FFF2-40B4-BE49-F238E27FC236}">
+                <a16:creationId xmlns:a16="http://schemas.microsoft.com/office/drawing/2014/main" id="{504CC954-A775-44CA-A0E8-41352AE2B537}"/>
+              </a:ext>
+            </a:extLst>
+          </p:cNvPr>
+          <p:cNvSpPr txBox="1"/>
+          <p:nvPr/>
+        </p:nvSpPr>
+        <p:spPr>
+          <a:xfrm>
+            <a:off x="10381094" y="4709306"/>
+            <a:ext cx="599844" cy="276999"/>
+          </a:xfrm>
+          <a:prstGeom prst="rect">
+            <a:avLst/>
+          </a:prstGeom>
+          <a:noFill/>
+        </p:spPr>
+        <p:txBody>
+          <a:bodyPr wrap="none" rtlCol="0">
+            <a:spAutoFit/>
+          </a:bodyPr>
+          <a:lstStyle/>
+          <a:p>
+            <a:r>
+              <a:rPr lang="de-DE" sz="1200" dirty="0"/>
+              <a:t>Model</a:t>
             </a:r>
           </a:p>
         </p:txBody>
@@ -14524,7 +14957,7 @@
     </p:spTree>
     <p:extLst>
       <p:ext uri="{BB962C8B-B14F-4D97-AF65-F5344CB8AC3E}">
-        <p14:creationId xmlns:p14="http://schemas.microsoft.com/office/powerpoint/2010/main" val="3569590208"/>
+        <p14:creationId xmlns:p14="http://schemas.microsoft.com/office/powerpoint/2010/main" val="4007265318"/>
       </p:ext>
     </p:extLst>
   </p:cSld>
@@ -15269,6 +15702,511 @@
         <p:cNvPr id="1" name="">
           <a:extLst>
             <a:ext uri="{FF2B5EF4-FFF2-40B4-BE49-F238E27FC236}">
+              <a16:creationId xmlns:a16="http://schemas.microsoft.com/office/drawing/2014/main" id="{DD1C70AB-7412-3488-47A4-785B2DB30A47}"/>
+            </a:ext>
+          </a:extLst>
+        </p:cNvPr>
+        <p:cNvGrpSpPr/>
+        <p:nvPr/>
+      </p:nvGrpSpPr>
+      <p:grpSpPr>
+        <a:xfrm>
+          <a:off x="0" y="0"/>
+          <a:ext cx="0" cy="0"/>
+          <a:chOff x="0" y="0"/>
+          <a:chExt cx="0" cy="0"/>
+        </a:xfrm>
+      </p:grpSpPr>
+      <p:sp>
+        <p:nvSpPr>
+          <p:cNvPr id="2" name="Titel 1">
+            <a:extLst>
+              <a:ext uri="{FF2B5EF4-FFF2-40B4-BE49-F238E27FC236}">
+                <a16:creationId xmlns:a16="http://schemas.microsoft.com/office/drawing/2014/main" id="{35BDD1AD-7069-5964-C2E1-6DB438992E33}"/>
+              </a:ext>
+            </a:extLst>
+          </p:cNvPr>
+          <p:cNvSpPr>
+            <a:spLocks noGrp="1"/>
+          </p:cNvSpPr>
+          <p:nvPr>
+            <p:ph type="ctrTitle"/>
+          </p:nvPr>
+        </p:nvSpPr>
+        <p:spPr/>
+        <p:txBody>
+          <a:bodyPr>
+            <a:normAutofit fontScale="90000"/>
+          </a:bodyPr>
+          <a:lstStyle/>
+          <a:p>
+            <a:r>
+              <a:rPr lang="de-DE" dirty="0"/>
+              <a:t>Referenzarchitektur KI-Plattform für die öffentliche Verwaltung</a:t>
+            </a:r>
+          </a:p>
+        </p:txBody>
+      </p:sp>
+      <p:sp>
+        <p:nvSpPr>
+          <p:cNvPr id="3" name="Untertitel 2">
+            <a:extLst>
+              <a:ext uri="{FF2B5EF4-FFF2-40B4-BE49-F238E27FC236}">
+                <a16:creationId xmlns:a16="http://schemas.microsoft.com/office/drawing/2014/main" id="{1397753B-E554-BE6F-D3D4-D49425BA8062}"/>
+              </a:ext>
+            </a:extLst>
+          </p:cNvPr>
+          <p:cNvSpPr>
+            <a:spLocks noGrp="1"/>
+          </p:cNvSpPr>
+          <p:nvPr>
+            <p:ph type="subTitle" idx="1"/>
+          </p:nvPr>
+        </p:nvSpPr>
+        <p:spPr/>
+        <p:txBody>
+          <a:bodyPr>
+            <a:normAutofit/>
+          </a:bodyPr>
+          <a:lstStyle/>
+          <a:p>
+            <a:endParaRPr lang="de-DE" sz="4800" dirty="0"/>
+          </a:p>
+          <a:p>
+            <a:r>
+              <a:rPr lang="de-DE" sz="4800" dirty="0"/>
+              <a:t>Use Cases Umsetzung</a:t>
+            </a:r>
+          </a:p>
+        </p:txBody>
+      </p:sp>
+    </p:spTree>
+    <p:extLst>
+      <p:ext uri="{BB962C8B-B14F-4D97-AF65-F5344CB8AC3E}">
+        <p14:creationId xmlns:p14="http://schemas.microsoft.com/office/powerpoint/2010/main" val="2019303433"/>
+      </p:ext>
+    </p:extLst>
+  </p:cSld>
+  <p:clrMapOvr>
+    <a:masterClrMapping/>
+  </p:clrMapOvr>
+</p:sld>
+</file>
+
+<file path=ppt/slides/slide21.xml><?xml version="1.0" encoding="utf-8"?>
+<p:sld xmlns:a="http://schemas.openxmlformats.org/drawingml/2006/main" xmlns:r="http://schemas.openxmlformats.org/officeDocument/2006/relationships" xmlns:p="http://schemas.openxmlformats.org/presentationml/2006/main">
+  <p:cSld>
+    <p:spTree>
+      <p:nvGrpSpPr>
+        <p:cNvPr id="1" name="">
+          <a:extLst>
+            <a:ext uri="{FF2B5EF4-FFF2-40B4-BE49-F238E27FC236}">
+              <a16:creationId xmlns:a16="http://schemas.microsoft.com/office/drawing/2014/main" id="{2A794731-87A7-A3FF-0CB4-237DC35FAC29}"/>
+            </a:ext>
+          </a:extLst>
+        </p:cNvPr>
+        <p:cNvGrpSpPr/>
+        <p:nvPr/>
+      </p:nvGrpSpPr>
+      <p:grpSpPr>
+        <a:xfrm>
+          <a:off x="0" y="0"/>
+          <a:ext cx="0" cy="0"/>
+          <a:chOff x="0" y="0"/>
+          <a:chExt cx="0" cy="0"/>
+        </a:xfrm>
+      </p:grpSpPr>
+      <p:sp>
+        <p:nvSpPr>
+          <p:cNvPr id="2" name="Textfeld 1">
+            <a:extLst>
+              <a:ext uri="{FF2B5EF4-FFF2-40B4-BE49-F238E27FC236}">
+                <a16:creationId xmlns:a16="http://schemas.microsoft.com/office/drawing/2014/main" id="{5709D430-2F5F-AED9-23BE-BF5D36369B78}"/>
+              </a:ext>
+            </a:extLst>
+          </p:cNvPr>
+          <p:cNvSpPr txBox="1"/>
+          <p:nvPr/>
+        </p:nvSpPr>
+        <p:spPr>
+          <a:xfrm>
+            <a:off x="10875550" y="6488668"/>
+            <a:ext cx="1252009" cy="369332"/>
+          </a:xfrm>
+          <a:prstGeom prst="rect">
+            <a:avLst/>
+          </a:prstGeom>
+          <a:noFill/>
+        </p:spPr>
+        <p:txBody>
+          <a:bodyPr wrap="none" rtlCol="0">
+            <a:spAutoFit/>
+          </a:bodyPr>
+          <a:lstStyle/>
+          <a:p>
+            <a:r>
+              <a:rPr lang="de-DE" dirty="0"/>
+              <a:t>Use Cases</a:t>
+            </a:r>
+          </a:p>
+        </p:txBody>
+      </p:sp>
+      <p:sp>
+        <p:nvSpPr>
+          <p:cNvPr id="3" name="Abgerundetes Rechteck 2">
+            <a:extLst>
+              <a:ext uri="{FF2B5EF4-FFF2-40B4-BE49-F238E27FC236}">
+                <a16:creationId xmlns:a16="http://schemas.microsoft.com/office/drawing/2014/main" id="{3D9A61AF-44A5-3151-EBCC-C0CE89025EDB}"/>
+              </a:ext>
+            </a:extLst>
+          </p:cNvPr>
+          <p:cNvSpPr/>
+          <p:nvPr/>
+        </p:nvSpPr>
+        <p:spPr>
+          <a:xfrm>
+            <a:off x="1493723" y="4189244"/>
+            <a:ext cx="1706678" cy="1139133"/>
+          </a:xfrm>
+          <a:prstGeom prst="roundRect">
+            <a:avLst/>
+          </a:prstGeom>
+          <a:noFill/>
+          <a:ln>
+            <a:solidFill>
+              <a:schemeClr val="accent1"/>
+            </a:solidFill>
+          </a:ln>
+        </p:spPr>
+        <p:style>
+          <a:lnRef idx="2">
+            <a:schemeClr val="accent1">
+              <a:shade val="15000"/>
+            </a:schemeClr>
+          </a:lnRef>
+          <a:fillRef idx="1">
+            <a:schemeClr val="accent1"/>
+          </a:fillRef>
+          <a:effectRef idx="0">
+            <a:schemeClr val="accent1"/>
+          </a:effectRef>
+          <a:fontRef idx="minor">
+            <a:schemeClr val="lt1"/>
+          </a:fontRef>
+        </p:style>
+        <p:txBody>
+          <a:bodyPr rtlCol="0" anchor="ctr"/>
+          <a:lstStyle/>
+          <a:p>
+            <a:pPr algn="ctr"/>
+            <a:r>
+              <a:rPr lang="de-DE" sz="1600" dirty="0" err="1">
+                <a:solidFill>
+                  <a:schemeClr val="tx1"/>
+                </a:solidFill>
+              </a:rPr>
+              <a:t>Conversational</a:t>
+            </a:r>
+            <a:r>
+              <a:rPr lang="de-DE" sz="1600" dirty="0">
+                <a:solidFill>
+                  <a:schemeClr val="tx1"/>
+                </a:solidFill>
+              </a:rPr>
+              <a:t> AI</a:t>
+            </a:r>
+          </a:p>
+        </p:txBody>
+      </p:sp>
+      <p:cxnSp>
+        <p:nvCxnSpPr>
+          <p:cNvPr id="5" name="Gerade Verbindung mit Pfeil 4">
+            <a:extLst>
+              <a:ext uri="{FF2B5EF4-FFF2-40B4-BE49-F238E27FC236}">
+                <a16:creationId xmlns:a16="http://schemas.microsoft.com/office/drawing/2014/main" id="{6AF8935C-0424-F2E5-2F63-7E96E312D2DC}"/>
+              </a:ext>
+            </a:extLst>
+          </p:cNvPr>
+          <p:cNvCxnSpPr/>
+          <p:nvPr/>
+        </p:nvCxnSpPr>
+        <p:spPr>
+          <a:xfrm flipV="1">
+            <a:off x="1254642" y="701749"/>
+            <a:ext cx="0" cy="5018567"/>
+          </a:xfrm>
+          <a:prstGeom prst="straightConnector1">
+            <a:avLst/>
+          </a:prstGeom>
+          <a:ln>
+            <a:tailEnd type="triangle"/>
+          </a:ln>
+        </p:spPr>
+        <p:style>
+          <a:lnRef idx="2">
+            <a:schemeClr val="accent1"/>
+          </a:lnRef>
+          <a:fillRef idx="0">
+            <a:schemeClr val="accent1"/>
+          </a:fillRef>
+          <a:effectRef idx="1">
+            <a:schemeClr val="accent1"/>
+          </a:effectRef>
+          <a:fontRef idx="minor">
+            <a:schemeClr val="tx1"/>
+          </a:fontRef>
+        </p:style>
+      </p:cxnSp>
+      <p:cxnSp>
+        <p:nvCxnSpPr>
+          <p:cNvPr id="6" name="Gerade Verbindung mit Pfeil 5">
+            <a:extLst>
+              <a:ext uri="{FF2B5EF4-FFF2-40B4-BE49-F238E27FC236}">
+                <a16:creationId xmlns:a16="http://schemas.microsoft.com/office/drawing/2014/main" id="{A4B79B18-BD8F-7B7B-7369-8EBE222DB8F9}"/>
+              </a:ext>
+            </a:extLst>
+          </p:cNvPr>
+          <p:cNvCxnSpPr>
+            <a:cxnSpLocks/>
+          </p:cNvCxnSpPr>
+          <p:nvPr/>
+        </p:nvCxnSpPr>
+        <p:spPr>
+          <a:xfrm>
+            <a:off x="1109331" y="5564371"/>
+            <a:ext cx="5748670" cy="0"/>
+          </a:xfrm>
+          <a:prstGeom prst="straightConnector1">
+            <a:avLst/>
+          </a:prstGeom>
+          <a:ln>
+            <a:tailEnd type="triangle"/>
+          </a:ln>
+        </p:spPr>
+        <p:style>
+          <a:lnRef idx="2">
+            <a:schemeClr val="accent1"/>
+          </a:lnRef>
+          <a:fillRef idx="0">
+            <a:schemeClr val="accent1"/>
+          </a:fillRef>
+          <a:effectRef idx="1">
+            <a:schemeClr val="accent1"/>
+          </a:effectRef>
+          <a:fontRef idx="minor">
+            <a:schemeClr val="tx1"/>
+          </a:fontRef>
+        </p:style>
+      </p:cxnSp>
+      <p:sp>
+        <p:nvSpPr>
+          <p:cNvPr id="8" name="Textfeld 7">
+            <a:extLst>
+              <a:ext uri="{FF2B5EF4-FFF2-40B4-BE49-F238E27FC236}">
+                <a16:creationId xmlns:a16="http://schemas.microsoft.com/office/drawing/2014/main" id="{B39C4ABB-579E-F5D4-05BC-648394F199B5}"/>
+              </a:ext>
+            </a:extLst>
+          </p:cNvPr>
+          <p:cNvSpPr txBox="1"/>
+          <p:nvPr/>
+        </p:nvSpPr>
+        <p:spPr>
+          <a:xfrm>
+            <a:off x="5726552" y="5592726"/>
+            <a:ext cx="1276760" cy="369332"/>
+          </a:xfrm>
+          <a:prstGeom prst="rect">
+            <a:avLst/>
+          </a:prstGeom>
+          <a:noFill/>
+        </p:spPr>
+        <p:txBody>
+          <a:bodyPr wrap="none" rtlCol="0">
+            <a:spAutoFit/>
+          </a:bodyPr>
+          <a:lstStyle/>
+          <a:p>
+            <a:r>
+              <a:rPr lang="de-DE" dirty="0"/>
+              <a:t>Autonomie</a:t>
+            </a:r>
+          </a:p>
+        </p:txBody>
+      </p:sp>
+      <p:sp>
+        <p:nvSpPr>
+          <p:cNvPr id="9" name="Textfeld 8">
+            <a:extLst>
+              <a:ext uri="{FF2B5EF4-FFF2-40B4-BE49-F238E27FC236}">
+                <a16:creationId xmlns:a16="http://schemas.microsoft.com/office/drawing/2014/main" id="{A2C376AC-BA79-79D9-36B4-C2F9B776DF58}"/>
+              </a:ext>
+            </a:extLst>
+          </p:cNvPr>
+          <p:cNvSpPr txBox="1"/>
+          <p:nvPr/>
+        </p:nvSpPr>
+        <p:spPr>
+          <a:xfrm rot="16200000">
+            <a:off x="80491" y="1333709"/>
+            <a:ext cx="1688347" cy="369332"/>
+          </a:xfrm>
+          <a:prstGeom prst="rect">
+            <a:avLst/>
+          </a:prstGeom>
+          <a:noFill/>
+        </p:spPr>
+        <p:txBody>
+          <a:bodyPr wrap="none" rtlCol="0">
+            <a:spAutoFit/>
+          </a:bodyPr>
+          <a:lstStyle/>
+          <a:p>
+            <a:r>
+              <a:rPr lang="de-DE" dirty="0"/>
+              <a:t>Spezialisierung</a:t>
+            </a:r>
+          </a:p>
+        </p:txBody>
+      </p:sp>
+      <p:sp>
+        <p:nvSpPr>
+          <p:cNvPr id="12" name="Abgerundetes Rechteck 11">
+            <a:extLst>
+              <a:ext uri="{FF2B5EF4-FFF2-40B4-BE49-F238E27FC236}">
+                <a16:creationId xmlns:a16="http://schemas.microsoft.com/office/drawing/2014/main" id="{C5D665A4-941C-0952-8AE0-1EC3C54B38A8}"/>
+              </a:ext>
+            </a:extLst>
+          </p:cNvPr>
+          <p:cNvSpPr/>
+          <p:nvPr/>
+        </p:nvSpPr>
+        <p:spPr>
+          <a:xfrm>
+            <a:off x="3294168" y="2788369"/>
+            <a:ext cx="1706678" cy="1139133"/>
+          </a:xfrm>
+          <a:prstGeom prst="roundRect">
+            <a:avLst/>
+          </a:prstGeom>
+          <a:noFill/>
+          <a:ln>
+            <a:solidFill>
+              <a:schemeClr val="accent1"/>
+            </a:solidFill>
+          </a:ln>
+        </p:spPr>
+        <p:style>
+          <a:lnRef idx="2">
+            <a:schemeClr val="accent1">
+              <a:shade val="15000"/>
+            </a:schemeClr>
+          </a:lnRef>
+          <a:fillRef idx="1">
+            <a:schemeClr val="accent1"/>
+          </a:fillRef>
+          <a:effectRef idx="0">
+            <a:schemeClr val="accent1"/>
+          </a:effectRef>
+          <a:fontRef idx="minor">
+            <a:schemeClr val="lt1"/>
+          </a:fontRef>
+        </p:style>
+        <p:txBody>
+          <a:bodyPr rtlCol="0" anchor="ctr"/>
+          <a:lstStyle/>
+          <a:p>
+            <a:pPr algn="ctr"/>
+            <a:r>
+              <a:rPr lang="de-DE" sz="1600" dirty="0">
+                <a:solidFill>
+                  <a:schemeClr val="tx1"/>
+                </a:solidFill>
+              </a:rPr>
+              <a:t>Copilot</a:t>
+            </a:r>
+          </a:p>
+        </p:txBody>
+      </p:sp>
+      <p:sp>
+        <p:nvSpPr>
+          <p:cNvPr id="13" name="Abgerundetes Rechteck 12">
+            <a:extLst>
+              <a:ext uri="{FF2B5EF4-FFF2-40B4-BE49-F238E27FC236}">
+                <a16:creationId xmlns:a16="http://schemas.microsoft.com/office/drawing/2014/main" id="{54CFACF8-B03B-CD84-A797-3E5F1B7F74AA}"/>
+              </a:ext>
+            </a:extLst>
+          </p:cNvPr>
+          <p:cNvSpPr/>
+          <p:nvPr/>
+        </p:nvSpPr>
+        <p:spPr>
+          <a:xfrm>
+            <a:off x="5032745" y="1223415"/>
+            <a:ext cx="1706678" cy="1139133"/>
+          </a:xfrm>
+          <a:prstGeom prst="roundRect">
+            <a:avLst/>
+          </a:prstGeom>
+          <a:noFill/>
+          <a:ln>
+            <a:solidFill>
+              <a:schemeClr val="accent1"/>
+            </a:solidFill>
+          </a:ln>
+        </p:spPr>
+        <p:style>
+          <a:lnRef idx="2">
+            <a:schemeClr val="accent1">
+              <a:shade val="15000"/>
+            </a:schemeClr>
+          </a:lnRef>
+          <a:fillRef idx="1">
+            <a:schemeClr val="accent1"/>
+          </a:fillRef>
+          <a:effectRef idx="0">
+            <a:schemeClr val="accent1"/>
+          </a:effectRef>
+          <a:fontRef idx="minor">
+            <a:schemeClr val="lt1"/>
+          </a:fontRef>
+        </p:style>
+        <p:txBody>
+          <a:bodyPr rtlCol="0" anchor="ctr"/>
+          <a:lstStyle/>
+          <a:p>
+            <a:pPr algn="ctr"/>
+            <a:r>
+              <a:rPr lang="de-DE" sz="1600" dirty="0">
+                <a:solidFill>
+                  <a:schemeClr val="tx1"/>
+                </a:solidFill>
+              </a:rPr>
+              <a:t>Multi-Agent Problem Solver</a:t>
+            </a:r>
+          </a:p>
+        </p:txBody>
+      </p:sp>
+    </p:spTree>
+    <p:extLst>
+      <p:ext uri="{BB962C8B-B14F-4D97-AF65-F5344CB8AC3E}">
+        <p14:creationId xmlns:p14="http://schemas.microsoft.com/office/powerpoint/2010/main" val="3569590208"/>
+      </p:ext>
+    </p:extLst>
+  </p:cSld>
+  <p:clrMapOvr>
+    <a:masterClrMapping/>
+  </p:clrMapOvr>
+</p:sld>
+</file>
+
+<file path=ppt/slides/slide22.xml><?xml version="1.0" encoding="utf-8"?>
+<p:sld xmlns:a="http://schemas.openxmlformats.org/drawingml/2006/main" xmlns:r="http://schemas.openxmlformats.org/officeDocument/2006/relationships" xmlns:p="http://schemas.openxmlformats.org/presentationml/2006/main">
+  <p:cSld>
+    <p:spTree>
+      <p:nvGrpSpPr>
+        <p:cNvPr id="1" name="">
+          <a:extLst>
+            <a:ext uri="{FF2B5EF4-FFF2-40B4-BE49-F238E27FC236}">
               <a16:creationId xmlns:a16="http://schemas.microsoft.com/office/drawing/2014/main" id="{FEFF7C22-7EFA-42F7-4FA3-4E5F7C666942}"/>
             </a:ext>
           </a:extLst>
@@ -15360,7 +16298,7 @@
 </p:sld>
 </file>
 
-<file path=ppt/slides/slide21.xml><?xml version="1.0" encoding="utf-8"?>
+<file path=ppt/slides/slide23.xml><?xml version="1.0" encoding="utf-8"?>
 <p:sld xmlns:a="http://schemas.openxmlformats.org/drawingml/2006/main" xmlns:r="http://schemas.openxmlformats.org/officeDocument/2006/relationships" xmlns:p="http://schemas.openxmlformats.org/presentationml/2006/main">
   <p:cSld>
     <p:spTree>
@@ -20694,7 +21632,7 @@
           <p:cNvPr id="2" name="Textfeld 1">
             <a:extLst>
               <a:ext uri="{FF2B5EF4-FFF2-40B4-BE49-F238E27FC236}">
-                <a16:creationId xmlns:a16="http://schemas.microsoft.com/office/drawing/2014/main" id="{C16616D8-E7D2-EED6-1440-C328B0431A4A}"/>
+                <a16:creationId xmlns:a16="http://schemas.microsoft.com/office/drawing/2014/main" id="{D2DE89B3-5BA3-549C-C38C-3909E3955856}"/>
               </a:ext>
             </a:extLst>
           </p:cNvPr>
@@ -20703,8 +21641,8 @@
         </p:nvSpPr>
         <p:spPr>
           <a:xfrm>
-            <a:off x="11322115" y="6488668"/>
-            <a:ext cx="618374" cy="369332"/>
+            <a:off x="1028700" y="765810"/>
+            <a:ext cx="1174104" cy="646331"/>
           </a:xfrm>
           <a:prstGeom prst="rect">
             <a:avLst/>
@@ -20718,467 +21656,23 @@
           <a:lstStyle/>
           <a:p>
             <a:r>
+              <a:rPr lang="de-DE" dirty="0" err="1"/>
+              <a:t>OctoTools</a:t>
+            </a:r>
+            <a:endParaRPr lang="de-DE" dirty="0"/>
+          </a:p>
+          <a:p>
+            <a:r>
               <a:rPr lang="de-DE" dirty="0"/>
-              <a:t>RAG</a:t>
-            </a:r>
-          </a:p>
-        </p:txBody>
-      </p:sp>
-      <p:sp>
-        <p:nvSpPr>
-          <p:cNvPr id="3" name="Rechteck 2">
-            <a:extLst>
-              <a:ext uri="{FF2B5EF4-FFF2-40B4-BE49-F238E27FC236}">
-                <a16:creationId xmlns:a16="http://schemas.microsoft.com/office/drawing/2014/main" id="{19205BB8-847E-EBB2-8B2F-46DD0FA0BC58}"/>
-              </a:ext>
-            </a:extLst>
-          </p:cNvPr>
-          <p:cNvSpPr/>
-          <p:nvPr/>
-        </p:nvSpPr>
-        <p:spPr>
-          <a:xfrm>
-            <a:off x="3776051" y="2783494"/>
-            <a:ext cx="3168088" cy="1291011"/>
-          </a:xfrm>
-          <a:prstGeom prst="rect">
-            <a:avLst/>
-          </a:prstGeom>
-        </p:spPr>
-        <p:style>
-          <a:lnRef idx="2">
-            <a:schemeClr val="accent1">
-              <a:shade val="15000"/>
-            </a:schemeClr>
-          </a:lnRef>
-          <a:fillRef idx="1">
-            <a:schemeClr val="accent1"/>
-          </a:fillRef>
-          <a:effectRef idx="0">
-            <a:schemeClr val="accent1"/>
-          </a:effectRef>
-          <a:fontRef idx="minor">
-            <a:schemeClr val="lt1"/>
-          </a:fontRef>
-        </p:style>
-        <p:txBody>
-          <a:bodyPr rtlCol="0" anchor="ctr"/>
-          <a:lstStyle/>
-          <a:p>
-            <a:pPr algn="ctr"/>
-            <a:r>
-              <a:rPr lang="de-DE" dirty="0"/>
-              <a:t>RAG</a:t>
-            </a:r>
-          </a:p>
-        </p:txBody>
-      </p:sp>
-      <p:sp>
-        <p:nvSpPr>
-          <p:cNvPr id="4" name="Rechteck 3">
-            <a:extLst>
-              <a:ext uri="{FF2B5EF4-FFF2-40B4-BE49-F238E27FC236}">
-                <a16:creationId xmlns:a16="http://schemas.microsoft.com/office/drawing/2014/main" id="{D7C291F3-0537-4AAC-57E1-F3E1222362A2}"/>
-              </a:ext>
-            </a:extLst>
-          </p:cNvPr>
-          <p:cNvSpPr/>
-          <p:nvPr/>
-        </p:nvSpPr>
-        <p:spPr>
-          <a:xfrm>
-            <a:off x="3776051" y="2067339"/>
-            <a:ext cx="3168088" cy="436783"/>
-          </a:xfrm>
-          <a:prstGeom prst="rect">
-            <a:avLst/>
-          </a:prstGeom>
-        </p:spPr>
-        <p:style>
-          <a:lnRef idx="2">
-            <a:schemeClr val="accent1">
-              <a:shade val="15000"/>
-            </a:schemeClr>
-          </a:lnRef>
-          <a:fillRef idx="1">
-            <a:schemeClr val="accent1"/>
-          </a:fillRef>
-          <a:effectRef idx="0">
-            <a:schemeClr val="accent1"/>
-          </a:effectRef>
-          <a:fontRef idx="minor">
-            <a:schemeClr val="lt1"/>
-          </a:fontRef>
-        </p:style>
-        <p:txBody>
-          <a:bodyPr rtlCol="0" anchor="ctr"/>
-          <a:lstStyle/>
-          <a:p>
-            <a:pPr algn="ctr"/>
-            <a:r>
-              <a:rPr lang="de-DE" dirty="0"/>
-              <a:t>API</a:t>
-            </a:r>
-          </a:p>
-        </p:txBody>
-      </p:sp>
-      <p:sp>
-        <p:nvSpPr>
-          <p:cNvPr id="5" name="Gefaltete Ecke 4">
-            <a:extLst>
-              <a:ext uri="{FF2B5EF4-FFF2-40B4-BE49-F238E27FC236}">
-                <a16:creationId xmlns:a16="http://schemas.microsoft.com/office/drawing/2014/main" id="{449BFB25-BFE6-AACE-5D7B-EA86A8984214}"/>
-              </a:ext>
-            </a:extLst>
-          </p:cNvPr>
-          <p:cNvSpPr/>
-          <p:nvPr/>
-        </p:nvSpPr>
-        <p:spPr>
-          <a:xfrm>
-            <a:off x="1113183" y="2787132"/>
-            <a:ext cx="2275686" cy="1287372"/>
-          </a:xfrm>
-          <a:prstGeom prst="foldedCorner">
-            <a:avLst/>
-          </a:prstGeom>
-        </p:spPr>
-        <p:style>
-          <a:lnRef idx="2">
-            <a:schemeClr val="accent1">
-              <a:shade val="15000"/>
-            </a:schemeClr>
-          </a:lnRef>
-          <a:fillRef idx="1">
-            <a:schemeClr val="accent1"/>
-          </a:fillRef>
-          <a:effectRef idx="0">
-            <a:schemeClr val="accent1"/>
-          </a:effectRef>
-          <a:fontRef idx="minor">
-            <a:schemeClr val="lt1"/>
-          </a:fontRef>
-        </p:style>
-        <p:txBody>
-          <a:bodyPr rtlCol="0" anchor="ctr"/>
-          <a:lstStyle/>
-          <a:p>
-            <a:pPr algn="ctr"/>
-            <a:r>
-              <a:rPr lang="de-DE" dirty="0"/>
-              <a:t>Framework</a:t>
-            </a:r>
-          </a:p>
-        </p:txBody>
-      </p:sp>
-      <p:sp>
-        <p:nvSpPr>
-          <p:cNvPr id="6" name="Rechteck 5">
-            <a:extLst>
-              <a:ext uri="{FF2B5EF4-FFF2-40B4-BE49-F238E27FC236}">
-                <a16:creationId xmlns:a16="http://schemas.microsoft.com/office/drawing/2014/main" id="{9C5F0B66-35BB-2B71-AF9E-5EE39A74C319}"/>
-              </a:ext>
-            </a:extLst>
-          </p:cNvPr>
-          <p:cNvSpPr/>
-          <p:nvPr/>
-        </p:nvSpPr>
-        <p:spPr>
-          <a:xfrm>
-            <a:off x="8420938" y="2783493"/>
-            <a:ext cx="3168088" cy="1291011"/>
-          </a:xfrm>
-          <a:prstGeom prst="rect">
-            <a:avLst/>
-          </a:prstGeom>
-        </p:spPr>
-        <p:style>
-          <a:lnRef idx="2">
-            <a:schemeClr val="accent1">
-              <a:shade val="15000"/>
-            </a:schemeClr>
-          </a:lnRef>
-          <a:fillRef idx="1">
-            <a:schemeClr val="accent1"/>
-          </a:fillRef>
-          <a:effectRef idx="0">
-            <a:schemeClr val="accent1"/>
-          </a:effectRef>
-          <a:fontRef idx="minor">
-            <a:schemeClr val="lt1"/>
-          </a:fontRef>
-        </p:style>
-        <p:txBody>
-          <a:bodyPr rtlCol="0" anchor="ctr"/>
-          <a:lstStyle/>
-          <a:p>
-            <a:pPr algn="ctr"/>
-            <a:r>
-              <a:rPr lang="de-DE" dirty="0"/>
-              <a:t>Modell</a:t>
-            </a:r>
-          </a:p>
-        </p:txBody>
-      </p:sp>
-      <p:cxnSp>
-        <p:nvCxnSpPr>
-          <p:cNvPr id="7" name="Gerade Verbindung mit Pfeil 6">
-            <a:extLst>
-              <a:ext uri="{FF2B5EF4-FFF2-40B4-BE49-F238E27FC236}">
-                <a16:creationId xmlns:a16="http://schemas.microsoft.com/office/drawing/2014/main" id="{8226F0F9-01BC-27E9-7B0B-CC23425489D0}"/>
-              </a:ext>
-            </a:extLst>
-          </p:cNvPr>
-          <p:cNvCxnSpPr>
-            <a:stCxn id="3" idx="3"/>
-            <a:endCxn id="6" idx="1"/>
-          </p:cNvCxnSpPr>
-          <p:nvPr/>
-        </p:nvCxnSpPr>
-        <p:spPr>
-          <a:xfrm flipV="1">
-            <a:off x="6944139" y="3428999"/>
-            <a:ext cx="1476799" cy="1"/>
-          </a:xfrm>
-          <a:prstGeom prst="straightConnector1">
-            <a:avLst/>
-          </a:prstGeom>
-          <a:ln>
-            <a:headEnd type="triangle"/>
-            <a:tailEnd type="triangle"/>
-          </a:ln>
-        </p:spPr>
-        <p:style>
-          <a:lnRef idx="2">
-            <a:schemeClr val="accent1"/>
-          </a:lnRef>
-          <a:fillRef idx="0">
-            <a:schemeClr val="accent1"/>
-          </a:fillRef>
-          <a:effectRef idx="1">
-            <a:schemeClr val="accent1"/>
-          </a:effectRef>
-          <a:fontRef idx="minor">
-            <a:schemeClr val="tx1"/>
-          </a:fontRef>
-        </p:style>
-      </p:cxnSp>
-      <p:sp>
-        <p:nvSpPr>
-          <p:cNvPr id="8" name="Textfeld 7">
-            <a:extLst>
-              <a:ext uri="{FF2B5EF4-FFF2-40B4-BE49-F238E27FC236}">
-                <a16:creationId xmlns:a16="http://schemas.microsoft.com/office/drawing/2014/main" id="{F4AD29CD-6E0D-4B86-AAF1-DBDEAE458405}"/>
-              </a:ext>
-            </a:extLst>
-          </p:cNvPr>
-          <p:cNvSpPr txBox="1"/>
-          <p:nvPr/>
-        </p:nvSpPr>
-        <p:spPr>
-          <a:xfrm>
-            <a:off x="7331320" y="3059666"/>
-            <a:ext cx="702436" cy="369332"/>
-          </a:xfrm>
-          <a:prstGeom prst="rect">
-            <a:avLst/>
-          </a:prstGeom>
-          <a:noFill/>
-        </p:spPr>
-        <p:txBody>
-          <a:bodyPr wrap="none" rtlCol="0">
-            <a:spAutoFit/>
-          </a:bodyPr>
-          <a:lstStyle/>
-          <a:p>
-            <a:r>
-              <a:rPr lang="de-DE" dirty="0"/>
-              <a:t>HTTP</a:t>
-            </a:r>
-          </a:p>
-        </p:txBody>
-      </p:sp>
-      <p:cxnSp>
-        <p:nvCxnSpPr>
-          <p:cNvPr id="9" name="Gerade Verbindung mit Pfeil 8">
-            <a:extLst>
-              <a:ext uri="{FF2B5EF4-FFF2-40B4-BE49-F238E27FC236}">
-                <a16:creationId xmlns:a16="http://schemas.microsoft.com/office/drawing/2014/main" id="{2570699F-3085-B632-49B0-B60E6584C417}"/>
-              </a:ext>
-            </a:extLst>
-          </p:cNvPr>
-          <p:cNvCxnSpPr>
-            <a:stCxn id="4" idx="2"/>
-            <a:endCxn id="3" idx="0"/>
-          </p:cNvCxnSpPr>
-          <p:nvPr/>
-        </p:nvCxnSpPr>
-        <p:spPr>
-          <a:xfrm>
-            <a:off x="5360095" y="2504122"/>
-            <a:ext cx="0" cy="279372"/>
-          </a:xfrm>
-          <a:prstGeom prst="straightConnector1">
-            <a:avLst/>
-          </a:prstGeom>
-          <a:ln>
-            <a:headEnd type="triangle"/>
-            <a:tailEnd type="triangle"/>
-          </a:ln>
-        </p:spPr>
-        <p:style>
-          <a:lnRef idx="2">
-            <a:schemeClr val="accent1"/>
-          </a:lnRef>
-          <a:fillRef idx="0">
-            <a:schemeClr val="accent1"/>
-          </a:fillRef>
-          <a:effectRef idx="1">
-            <a:schemeClr val="accent1"/>
-          </a:effectRef>
-          <a:fontRef idx="minor">
-            <a:schemeClr val="tx1"/>
-          </a:fontRef>
-        </p:style>
-      </p:cxnSp>
-      <p:cxnSp>
-        <p:nvCxnSpPr>
-          <p:cNvPr id="18" name="Gerade Verbindung 17">
-            <a:extLst>
-              <a:ext uri="{FF2B5EF4-FFF2-40B4-BE49-F238E27FC236}">
-                <a16:creationId xmlns:a16="http://schemas.microsoft.com/office/drawing/2014/main" id="{93410C5E-28FB-5A42-76BF-14177615CD57}"/>
-              </a:ext>
-            </a:extLst>
-          </p:cNvPr>
-          <p:cNvCxnSpPr>
-            <a:stCxn id="5" idx="3"/>
-            <a:endCxn id="3" idx="1"/>
-          </p:cNvCxnSpPr>
-          <p:nvPr/>
-        </p:nvCxnSpPr>
-        <p:spPr>
-          <a:xfrm flipV="1">
-            <a:off x="3388869" y="3429000"/>
-            <a:ext cx="387182" cy="1818"/>
-          </a:xfrm>
-          <a:prstGeom prst="line">
-            <a:avLst/>
-          </a:prstGeom>
-          <a:ln>
-            <a:prstDash val="dash"/>
-          </a:ln>
-        </p:spPr>
-        <p:style>
-          <a:lnRef idx="2">
-            <a:schemeClr val="accent1"/>
-          </a:lnRef>
-          <a:fillRef idx="0">
-            <a:schemeClr val="accent1"/>
-          </a:fillRef>
-          <a:effectRef idx="1">
-            <a:schemeClr val="accent1"/>
-          </a:effectRef>
-          <a:fontRef idx="minor">
-            <a:schemeClr val="tx1"/>
-          </a:fontRef>
-        </p:style>
-      </p:cxnSp>
-      <p:sp>
-        <p:nvSpPr>
-          <p:cNvPr id="19" name="Zylinder 18">
-            <a:extLst>
-              <a:ext uri="{FF2B5EF4-FFF2-40B4-BE49-F238E27FC236}">
-                <a16:creationId xmlns:a16="http://schemas.microsoft.com/office/drawing/2014/main" id="{FC80FBA4-AD69-1285-C631-A022AB35BDFD}"/>
-              </a:ext>
-            </a:extLst>
-          </p:cNvPr>
-          <p:cNvSpPr/>
-          <p:nvPr/>
-        </p:nvSpPr>
-        <p:spPr>
-          <a:xfrm>
-            <a:off x="3776051" y="4611756"/>
-            <a:ext cx="3168088" cy="1216152"/>
-          </a:xfrm>
-          <a:prstGeom prst="can">
-            <a:avLst/>
-          </a:prstGeom>
-        </p:spPr>
-        <p:style>
-          <a:lnRef idx="2">
-            <a:schemeClr val="accent1">
-              <a:shade val="15000"/>
-            </a:schemeClr>
-          </a:lnRef>
-          <a:fillRef idx="1">
-            <a:schemeClr val="accent1"/>
-          </a:fillRef>
-          <a:effectRef idx="0">
-            <a:schemeClr val="accent1"/>
-          </a:effectRef>
-          <a:fontRef idx="minor">
-            <a:schemeClr val="lt1"/>
-          </a:fontRef>
-        </p:style>
-        <p:txBody>
-          <a:bodyPr rtlCol="0" anchor="ctr"/>
-          <a:lstStyle/>
-          <a:p>
-            <a:pPr algn="ctr"/>
-            <a:r>
-              <a:rPr lang="de-DE" dirty="0"/>
-              <a:t>Datenquelle</a:t>
-            </a:r>
-          </a:p>
-        </p:txBody>
-      </p:sp>
-      <p:cxnSp>
-        <p:nvCxnSpPr>
-          <p:cNvPr id="21" name="Gerade Verbindung mit Pfeil 20">
-            <a:extLst>
-              <a:ext uri="{FF2B5EF4-FFF2-40B4-BE49-F238E27FC236}">
-                <a16:creationId xmlns:a16="http://schemas.microsoft.com/office/drawing/2014/main" id="{20C0CCDE-B912-9D23-8CCC-031A31C55106}"/>
-              </a:ext>
-            </a:extLst>
-          </p:cNvPr>
-          <p:cNvCxnSpPr>
-            <a:stCxn id="3" idx="2"/>
-            <a:endCxn id="19" idx="1"/>
-          </p:cNvCxnSpPr>
-          <p:nvPr/>
-        </p:nvCxnSpPr>
-        <p:spPr>
-          <a:xfrm>
-            <a:off x="5360095" y="4074505"/>
-            <a:ext cx="0" cy="537251"/>
-          </a:xfrm>
-          <a:prstGeom prst="straightConnector1">
-            <a:avLst/>
-          </a:prstGeom>
-          <a:ln>
-            <a:headEnd type="triangle"/>
-            <a:tailEnd type="triangle"/>
-          </a:ln>
-        </p:spPr>
-        <p:style>
-          <a:lnRef idx="2">
-            <a:schemeClr val="accent1"/>
-          </a:lnRef>
-          <a:fillRef idx="0">
-            <a:schemeClr val="accent1"/>
-          </a:fillRef>
-          <a:effectRef idx="1">
-            <a:schemeClr val="accent1"/>
-          </a:effectRef>
-          <a:fontRef idx="minor">
-            <a:schemeClr val="tx1"/>
-          </a:fontRef>
-        </p:style>
-      </p:cxnSp>
+              <a:t>E2B</a:t>
+            </a:r>
+          </a:p>
+        </p:txBody>
+      </p:sp>
     </p:spTree>
     <p:extLst>
       <p:ext uri="{BB962C8B-B14F-4D97-AF65-F5344CB8AC3E}">
-        <p14:creationId xmlns:p14="http://schemas.microsoft.com/office/powerpoint/2010/main" val="204256130"/>
+        <p14:creationId xmlns:p14="http://schemas.microsoft.com/office/powerpoint/2010/main" val="1567851576"/>
       </p:ext>
     </p:extLst>
   </p:cSld>

--- a/RAKIPOEV-docs/docs/ppt/Building-Blocks.pptx
+++ b/RAKIPOEV-docs/docs/ppt/Building-Blocks.pptx
@@ -28,6 +28,8 @@
     <p:sldId id="262" r:id="rId22"/>
     <p:sldId id="272" r:id="rId23"/>
     <p:sldId id="271" r:id="rId24"/>
+    <p:sldId id="279" r:id="rId25"/>
+    <p:sldId id="280" r:id="rId26"/>
   </p:sldIdLst>
   <p:sldSz cx="12192000" cy="6858000"/>
   <p:notesSz cx="6858000" cy="9144000"/>
@@ -281,7 +283,7 @@
           <a:p>
             <a:fld id="{BA6DBFC3-540E-6444-9571-9AC72F552CFB}" type="datetimeFigureOut">
               <a:rPr lang="de-DE" smtClean="0"/>
-              <a:t>27.02.25</a:t>
+              <a:t>08.03.25</a:t>
             </a:fld>
             <a:endParaRPr lang="de-DE"/>
           </a:p>
@@ -479,7 +481,7 @@
           <a:p>
             <a:fld id="{BA6DBFC3-540E-6444-9571-9AC72F552CFB}" type="datetimeFigureOut">
               <a:rPr lang="de-DE" smtClean="0"/>
-              <a:t>27.02.25</a:t>
+              <a:t>08.03.25</a:t>
             </a:fld>
             <a:endParaRPr lang="de-DE"/>
           </a:p>
@@ -687,7 +689,7 @@
           <a:p>
             <a:fld id="{BA6DBFC3-540E-6444-9571-9AC72F552CFB}" type="datetimeFigureOut">
               <a:rPr lang="de-DE" smtClean="0"/>
-              <a:t>27.02.25</a:t>
+              <a:t>08.03.25</a:t>
             </a:fld>
             <a:endParaRPr lang="de-DE"/>
           </a:p>
@@ -885,7 +887,7 @@
           <a:p>
             <a:fld id="{BA6DBFC3-540E-6444-9571-9AC72F552CFB}" type="datetimeFigureOut">
               <a:rPr lang="de-DE" smtClean="0"/>
-              <a:t>27.02.25</a:t>
+              <a:t>08.03.25</a:t>
             </a:fld>
             <a:endParaRPr lang="de-DE"/>
           </a:p>
@@ -1160,7 +1162,7 @@
           <a:p>
             <a:fld id="{BA6DBFC3-540E-6444-9571-9AC72F552CFB}" type="datetimeFigureOut">
               <a:rPr lang="de-DE" smtClean="0"/>
-              <a:t>27.02.25</a:t>
+              <a:t>08.03.25</a:t>
             </a:fld>
             <a:endParaRPr lang="de-DE"/>
           </a:p>
@@ -1425,7 +1427,7 @@
           <a:p>
             <a:fld id="{BA6DBFC3-540E-6444-9571-9AC72F552CFB}" type="datetimeFigureOut">
               <a:rPr lang="de-DE" smtClean="0"/>
-              <a:t>27.02.25</a:t>
+              <a:t>08.03.25</a:t>
             </a:fld>
             <a:endParaRPr lang="de-DE"/>
           </a:p>
@@ -1837,7 +1839,7 @@
           <a:p>
             <a:fld id="{BA6DBFC3-540E-6444-9571-9AC72F552CFB}" type="datetimeFigureOut">
               <a:rPr lang="de-DE" smtClean="0"/>
-              <a:t>27.02.25</a:t>
+              <a:t>08.03.25</a:t>
             </a:fld>
             <a:endParaRPr lang="de-DE"/>
           </a:p>
@@ -1978,7 +1980,7 @@
           <a:p>
             <a:fld id="{BA6DBFC3-540E-6444-9571-9AC72F552CFB}" type="datetimeFigureOut">
               <a:rPr lang="de-DE" smtClean="0"/>
-              <a:t>27.02.25</a:t>
+              <a:t>08.03.25</a:t>
             </a:fld>
             <a:endParaRPr lang="de-DE"/>
           </a:p>
@@ -2091,7 +2093,7 @@
           <a:p>
             <a:fld id="{BA6DBFC3-540E-6444-9571-9AC72F552CFB}" type="datetimeFigureOut">
               <a:rPr lang="de-DE" smtClean="0"/>
-              <a:t>27.02.25</a:t>
+              <a:t>08.03.25</a:t>
             </a:fld>
             <a:endParaRPr lang="de-DE"/>
           </a:p>
@@ -2402,7 +2404,7 @@
           <a:p>
             <a:fld id="{BA6DBFC3-540E-6444-9571-9AC72F552CFB}" type="datetimeFigureOut">
               <a:rPr lang="de-DE" smtClean="0"/>
-              <a:t>27.02.25</a:t>
+              <a:t>08.03.25</a:t>
             </a:fld>
             <a:endParaRPr lang="de-DE"/>
           </a:p>
@@ -2690,7 +2692,7 @@
           <a:p>
             <a:fld id="{BA6DBFC3-540E-6444-9571-9AC72F552CFB}" type="datetimeFigureOut">
               <a:rPr lang="de-DE" smtClean="0"/>
-              <a:t>27.02.25</a:t>
+              <a:t>08.03.25</a:t>
             </a:fld>
             <a:endParaRPr lang="de-DE"/>
           </a:p>
@@ -2931,7 +2933,7 @@
           <a:p>
             <a:fld id="{BA6DBFC3-540E-6444-9571-9AC72F552CFB}" type="datetimeFigureOut">
               <a:rPr lang="de-DE" smtClean="0"/>
-              <a:t>27.02.25</a:t>
+              <a:t>08.03.25</a:t>
             </a:fld>
             <a:endParaRPr lang="de-DE"/>
           </a:p>
@@ -17519,6 +17521,1499 @@
     <p:extLst>
       <p:ext uri="{BB962C8B-B14F-4D97-AF65-F5344CB8AC3E}">
         <p14:creationId xmlns:p14="http://schemas.microsoft.com/office/powerpoint/2010/main" val="3729991217"/>
+      </p:ext>
+    </p:extLst>
+  </p:cSld>
+  <p:clrMapOvr>
+    <a:masterClrMapping/>
+  </p:clrMapOvr>
+</p:sld>
+</file>
+
+<file path=ppt/slides/slide24.xml><?xml version="1.0" encoding="utf-8"?>
+<p:sld xmlns:a="http://schemas.openxmlformats.org/drawingml/2006/main" xmlns:r="http://schemas.openxmlformats.org/officeDocument/2006/relationships" xmlns:p="http://schemas.openxmlformats.org/presentationml/2006/main">
+  <p:cSld>
+    <p:spTree>
+      <p:nvGrpSpPr>
+        <p:cNvPr id="1" name="">
+          <a:extLst>
+            <a:ext uri="{FF2B5EF4-FFF2-40B4-BE49-F238E27FC236}">
+              <a16:creationId xmlns:a16="http://schemas.microsoft.com/office/drawing/2014/main" id="{DE11A3AA-C68E-27D3-7FB5-72C17EF361FF}"/>
+            </a:ext>
+          </a:extLst>
+        </p:cNvPr>
+        <p:cNvGrpSpPr/>
+        <p:nvPr/>
+      </p:nvGrpSpPr>
+      <p:grpSpPr>
+        <a:xfrm>
+          <a:off x="0" y="0"/>
+          <a:ext cx="0" cy="0"/>
+          <a:chOff x="0" y="0"/>
+          <a:chExt cx="0" cy="0"/>
+        </a:xfrm>
+      </p:grpSpPr>
+      <p:sp>
+        <p:nvSpPr>
+          <p:cNvPr id="2" name="Titel 1">
+            <a:extLst>
+              <a:ext uri="{FF2B5EF4-FFF2-40B4-BE49-F238E27FC236}">
+                <a16:creationId xmlns:a16="http://schemas.microsoft.com/office/drawing/2014/main" id="{EDDAE443-C5B4-61C6-21A6-859EA9510EDC}"/>
+              </a:ext>
+            </a:extLst>
+          </p:cNvPr>
+          <p:cNvSpPr>
+            <a:spLocks noGrp="1"/>
+          </p:cNvSpPr>
+          <p:nvPr>
+            <p:ph type="ctrTitle"/>
+          </p:nvPr>
+        </p:nvSpPr>
+        <p:spPr/>
+        <p:txBody>
+          <a:bodyPr>
+            <a:normAutofit fontScale="90000"/>
+          </a:bodyPr>
+          <a:lstStyle/>
+          <a:p>
+            <a:r>
+              <a:rPr lang="de-DE" dirty="0"/>
+              <a:t>Referenzarchitektur KI-Plattform für die öffentliche Verwaltung</a:t>
+            </a:r>
+          </a:p>
+        </p:txBody>
+      </p:sp>
+      <p:sp>
+        <p:nvSpPr>
+          <p:cNvPr id="3" name="Untertitel 2">
+            <a:extLst>
+              <a:ext uri="{FF2B5EF4-FFF2-40B4-BE49-F238E27FC236}">
+                <a16:creationId xmlns:a16="http://schemas.microsoft.com/office/drawing/2014/main" id="{0374E4E0-3233-0679-9AC5-5B05E1264917}"/>
+              </a:ext>
+            </a:extLst>
+          </p:cNvPr>
+          <p:cNvSpPr>
+            <a:spLocks noGrp="1"/>
+          </p:cNvSpPr>
+          <p:nvPr>
+            <p:ph type="subTitle" idx="1"/>
+          </p:nvPr>
+        </p:nvSpPr>
+        <p:spPr/>
+        <p:txBody>
+          <a:bodyPr>
+            <a:normAutofit/>
+          </a:bodyPr>
+          <a:lstStyle/>
+          <a:p>
+            <a:endParaRPr lang="de-DE" sz="4800" dirty="0"/>
+          </a:p>
+          <a:p>
+            <a:r>
+              <a:rPr lang="de-DE" sz="4800" dirty="0"/>
+              <a:t>Sicherheitsmechanismen</a:t>
+            </a:r>
+          </a:p>
+        </p:txBody>
+      </p:sp>
+    </p:spTree>
+    <p:extLst>
+      <p:ext uri="{BB962C8B-B14F-4D97-AF65-F5344CB8AC3E}">
+        <p14:creationId xmlns:p14="http://schemas.microsoft.com/office/powerpoint/2010/main" val="1995424326"/>
+      </p:ext>
+    </p:extLst>
+  </p:cSld>
+  <p:clrMapOvr>
+    <a:masterClrMapping/>
+  </p:clrMapOvr>
+</p:sld>
+</file>
+
+<file path=ppt/slides/slide25.xml><?xml version="1.0" encoding="utf-8"?>
+<p:sld xmlns:a="http://schemas.openxmlformats.org/drawingml/2006/main" xmlns:r="http://schemas.openxmlformats.org/officeDocument/2006/relationships" xmlns:p="http://schemas.openxmlformats.org/presentationml/2006/main">
+  <p:cSld>
+    <p:spTree>
+      <p:nvGrpSpPr>
+        <p:cNvPr id="1" name=""/>
+        <p:cNvGrpSpPr/>
+        <p:nvPr/>
+      </p:nvGrpSpPr>
+      <p:grpSpPr>
+        <a:xfrm>
+          <a:off x="0" y="0"/>
+          <a:ext cx="0" cy="0"/>
+          <a:chOff x="0" y="0"/>
+          <a:chExt cx="0" cy="0"/>
+        </a:xfrm>
+      </p:grpSpPr>
+      <p:sp>
+        <p:nvSpPr>
+          <p:cNvPr id="4" name="Rechteck 3">
+            <a:extLst>
+              <a:ext uri="{FF2B5EF4-FFF2-40B4-BE49-F238E27FC236}">
+                <a16:creationId xmlns:a16="http://schemas.microsoft.com/office/drawing/2014/main" id="{984CDD20-1ECF-A3EE-ABD2-2601D7BDE641}"/>
+              </a:ext>
+            </a:extLst>
+          </p:cNvPr>
+          <p:cNvSpPr/>
+          <p:nvPr/>
+        </p:nvSpPr>
+        <p:spPr>
+          <a:xfrm>
+            <a:off x="1515957" y="2447871"/>
+            <a:ext cx="1534632" cy="1555923"/>
+          </a:xfrm>
+          <a:prstGeom prst="rect">
+            <a:avLst/>
+          </a:prstGeom>
+        </p:spPr>
+        <p:style>
+          <a:lnRef idx="2">
+            <a:schemeClr val="accent1">
+              <a:shade val="15000"/>
+            </a:schemeClr>
+          </a:lnRef>
+          <a:fillRef idx="1">
+            <a:schemeClr val="accent1"/>
+          </a:fillRef>
+          <a:effectRef idx="0">
+            <a:schemeClr val="accent1"/>
+          </a:effectRef>
+          <a:fontRef idx="minor">
+            <a:schemeClr val="lt1"/>
+          </a:fontRef>
+        </p:style>
+        <p:txBody>
+          <a:bodyPr rtlCol="0" anchor="ctr"/>
+          <a:lstStyle/>
+          <a:p>
+            <a:pPr algn="ctr"/>
+            <a:r>
+              <a:rPr lang="de-DE" dirty="0"/>
+              <a:t>Client</a:t>
+            </a:r>
+          </a:p>
+          <a:p>
+            <a:pPr algn="ctr"/>
+            <a:r>
+              <a:rPr lang="de-DE" dirty="0"/>
+              <a:t>(Chat, RAG)</a:t>
+            </a:r>
+          </a:p>
+        </p:txBody>
+      </p:sp>
+      <p:sp>
+        <p:nvSpPr>
+          <p:cNvPr id="5" name="Rechteck 4">
+            <a:extLst>
+              <a:ext uri="{FF2B5EF4-FFF2-40B4-BE49-F238E27FC236}">
+                <a16:creationId xmlns:a16="http://schemas.microsoft.com/office/drawing/2014/main" id="{4B7F7AD1-0988-FAA1-0342-D0A9AD340AD3}"/>
+              </a:ext>
+            </a:extLst>
+          </p:cNvPr>
+          <p:cNvSpPr/>
+          <p:nvPr/>
+        </p:nvSpPr>
+        <p:spPr>
+          <a:xfrm>
+            <a:off x="4167407" y="2447871"/>
+            <a:ext cx="3137832" cy="1555923"/>
+          </a:xfrm>
+          <a:prstGeom prst="rect">
+            <a:avLst/>
+          </a:prstGeom>
+        </p:spPr>
+        <p:style>
+          <a:lnRef idx="2">
+            <a:schemeClr val="accent1">
+              <a:shade val="15000"/>
+            </a:schemeClr>
+          </a:lnRef>
+          <a:fillRef idx="1">
+            <a:schemeClr val="accent1"/>
+          </a:fillRef>
+          <a:effectRef idx="0">
+            <a:schemeClr val="accent1"/>
+          </a:effectRef>
+          <a:fontRef idx="minor">
+            <a:schemeClr val="lt1"/>
+          </a:fontRef>
+        </p:style>
+        <p:txBody>
+          <a:bodyPr rtlCol="0" anchor="ctr"/>
+          <a:lstStyle/>
+          <a:p>
+            <a:pPr algn="ctr"/>
+            <a:r>
+              <a:rPr lang="de-DE" dirty="0"/>
+              <a:t>LLM Gateway</a:t>
+            </a:r>
+          </a:p>
+        </p:txBody>
+      </p:sp>
+      <p:sp>
+        <p:nvSpPr>
+          <p:cNvPr id="6" name="Rechteck 5">
+            <a:extLst>
+              <a:ext uri="{FF2B5EF4-FFF2-40B4-BE49-F238E27FC236}">
+                <a16:creationId xmlns:a16="http://schemas.microsoft.com/office/drawing/2014/main" id="{2708CE6B-50D3-2F7B-B146-67E197B04766}"/>
+              </a:ext>
+            </a:extLst>
+          </p:cNvPr>
+          <p:cNvSpPr/>
+          <p:nvPr/>
+        </p:nvSpPr>
+        <p:spPr>
+          <a:xfrm>
+            <a:off x="7638734" y="2434794"/>
+            <a:ext cx="1199628" cy="1555923"/>
+          </a:xfrm>
+          <a:prstGeom prst="rect">
+            <a:avLst/>
+          </a:prstGeom>
+        </p:spPr>
+        <p:style>
+          <a:lnRef idx="2">
+            <a:schemeClr val="accent1">
+              <a:shade val="15000"/>
+            </a:schemeClr>
+          </a:lnRef>
+          <a:fillRef idx="1">
+            <a:schemeClr val="accent1"/>
+          </a:fillRef>
+          <a:effectRef idx="0">
+            <a:schemeClr val="accent1"/>
+          </a:effectRef>
+          <a:fontRef idx="minor">
+            <a:schemeClr val="lt1"/>
+          </a:fontRef>
+        </p:style>
+        <p:txBody>
+          <a:bodyPr rtlCol="0" anchor="ctr"/>
+          <a:lstStyle/>
+          <a:p>
+            <a:pPr algn="ctr"/>
+            <a:r>
+              <a:rPr lang="de-DE" dirty="0" err="1"/>
+              <a:t>Inference</a:t>
+            </a:r>
+            <a:r>
+              <a:rPr lang="de-DE" dirty="0"/>
+              <a:t> Engine</a:t>
+            </a:r>
+          </a:p>
+        </p:txBody>
+      </p:sp>
+      <p:sp>
+        <p:nvSpPr>
+          <p:cNvPr id="7" name="Abgerundetes Rechteck 6">
+            <a:extLst>
+              <a:ext uri="{FF2B5EF4-FFF2-40B4-BE49-F238E27FC236}">
+                <a16:creationId xmlns:a16="http://schemas.microsoft.com/office/drawing/2014/main" id="{3CE30384-4C4B-6E87-142E-4B84C3ACF3A6}"/>
+              </a:ext>
+            </a:extLst>
+          </p:cNvPr>
+          <p:cNvSpPr/>
+          <p:nvPr/>
+        </p:nvSpPr>
+        <p:spPr>
+          <a:xfrm>
+            <a:off x="9013709" y="2857807"/>
+            <a:ext cx="914400" cy="580889"/>
+          </a:xfrm>
+          <a:prstGeom prst="roundRect">
+            <a:avLst/>
+          </a:prstGeom>
+        </p:spPr>
+        <p:style>
+          <a:lnRef idx="2">
+            <a:schemeClr val="accent1">
+              <a:shade val="15000"/>
+            </a:schemeClr>
+          </a:lnRef>
+          <a:fillRef idx="1">
+            <a:schemeClr val="accent1"/>
+          </a:fillRef>
+          <a:effectRef idx="0">
+            <a:schemeClr val="accent1"/>
+          </a:effectRef>
+          <a:fontRef idx="minor">
+            <a:schemeClr val="lt1"/>
+          </a:fontRef>
+        </p:style>
+        <p:txBody>
+          <a:bodyPr rtlCol="0" anchor="ctr"/>
+          <a:lstStyle/>
+          <a:p>
+            <a:pPr algn="ctr"/>
+            <a:r>
+              <a:rPr lang="de-DE" dirty="0"/>
+              <a:t>Model</a:t>
+            </a:r>
+          </a:p>
+        </p:txBody>
+      </p:sp>
+      <p:sp>
+        <p:nvSpPr>
+          <p:cNvPr id="8" name="Eine Ecke des Rechtecks schneiden 7">
+            <a:extLst>
+              <a:ext uri="{FF2B5EF4-FFF2-40B4-BE49-F238E27FC236}">
+                <a16:creationId xmlns:a16="http://schemas.microsoft.com/office/drawing/2014/main" id="{D95431F5-BE27-6241-465B-8958278E1BF7}"/>
+              </a:ext>
+            </a:extLst>
+          </p:cNvPr>
+          <p:cNvSpPr/>
+          <p:nvPr/>
+        </p:nvSpPr>
+        <p:spPr>
+          <a:xfrm>
+            <a:off x="9255855" y="343434"/>
+            <a:ext cx="1534631" cy="2000250"/>
+          </a:xfrm>
+          <a:prstGeom prst="snip1Rect">
+            <a:avLst/>
+          </a:prstGeom>
+        </p:spPr>
+        <p:style>
+          <a:lnRef idx="2">
+            <a:schemeClr val="accent6"/>
+          </a:lnRef>
+          <a:fillRef idx="1">
+            <a:schemeClr val="lt1"/>
+          </a:fillRef>
+          <a:effectRef idx="0">
+            <a:schemeClr val="accent6"/>
+          </a:effectRef>
+          <a:fontRef idx="minor">
+            <a:schemeClr val="dk1"/>
+          </a:fontRef>
+        </p:style>
+        <p:txBody>
+          <a:bodyPr rtlCol="0" anchor="ctr"/>
+          <a:lstStyle/>
+          <a:p>
+            <a:pPr algn="ctr"/>
+            <a:r>
+              <a:rPr lang="de-DE" dirty="0"/>
+              <a:t>(1) </a:t>
+            </a:r>
+            <a:r>
+              <a:rPr lang="de-DE" dirty="0" err="1"/>
+              <a:t>Constrain</a:t>
+            </a:r>
+            <a:r>
+              <a:rPr lang="de-DE" dirty="0"/>
+              <a:t> Model </a:t>
+            </a:r>
+            <a:r>
+              <a:rPr lang="de-DE" dirty="0" err="1"/>
+              <a:t>Behavior</a:t>
+            </a:r>
+            <a:r>
+              <a:rPr lang="de-DE" dirty="0"/>
+              <a:t> via System Prompt</a:t>
+            </a:r>
+          </a:p>
+        </p:txBody>
+      </p:sp>
+      <p:cxnSp>
+        <p:nvCxnSpPr>
+          <p:cNvPr id="10" name="Gekrümmte Verbindung 9">
+            <a:extLst>
+              <a:ext uri="{FF2B5EF4-FFF2-40B4-BE49-F238E27FC236}">
+                <a16:creationId xmlns:a16="http://schemas.microsoft.com/office/drawing/2014/main" id="{52061952-DE69-9DD4-FBE1-F4C0EA509BFE}"/>
+              </a:ext>
+            </a:extLst>
+          </p:cNvPr>
+          <p:cNvCxnSpPr>
+            <a:cxnSpLocks/>
+            <a:stCxn id="8" idx="2"/>
+          </p:cNvCxnSpPr>
+          <p:nvPr/>
+        </p:nvCxnSpPr>
+        <p:spPr>
+          <a:xfrm rot="10800000" flipV="1">
+            <a:off x="7442135" y="1343559"/>
+            <a:ext cx="1813721" cy="1452790"/>
+          </a:xfrm>
+          <a:prstGeom prst="curvedConnector3">
+            <a:avLst>
+              <a:gd name="adj1" fmla="val 99786"/>
+            </a:avLst>
+          </a:prstGeom>
+          <a:ln>
+            <a:solidFill>
+              <a:schemeClr val="accent6"/>
+            </a:solidFill>
+            <a:tailEnd type="triangle"/>
+          </a:ln>
+        </p:spPr>
+        <p:style>
+          <a:lnRef idx="2">
+            <a:schemeClr val="accent1"/>
+          </a:lnRef>
+          <a:fillRef idx="0">
+            <a:schemeClr val="accent1"/>
+          </a:fillRef>
+          <a:effectRef idx="1">
+            <a:schemeClr val="accent1"/>
+          </a:effectRef>
+          <a:fontRef idx="minor">
+            <a:schemeClr val="tx1"/>
+          </a:fontRef>
+        </p:style>
+      </p:cxnSp>
+      <p:sp>
+        <p:nvSpPr>
+          <p:cNvPr id="12" name="Eine Ecke des Rechtecks schneiden 11">
+            <a:extLst>
+              <a:ext uri="{FF2B5EF4-FFF2-40B4-BE49-F238E27FC236}">
+                <a16:creationId xmlns:a16="http://schemas.microsoft.com/office/drawing/2014/main" id="{5E2A2F2C-4763-B29F-526D-48EAAC0E7EE0}"/>
+              </a:ext>
+            </a:extLst>
+          </p:cNvPr>
+          <p:cNvSpPr/>
+          <p:nvPr/>
+        </p:nvSpPr>
+        <p:spPr>
+          <a:xfrm>
+            <a:off x="7770997" y="4495800"/>
+            <a:ext cx="1534631" cy="2000250"/>
+          </a:xfrm>
+          <a:prstGeom prst="snip1Rect">
+            <a:avLst/>
+          </a:prstGeom>
+        </p:spPr>
+        <p:style>
+          <a:lnRef idx="2">
+            <a:schemeClr val="accent6"/>
+          </a:lnRef>
+          <a:fillRef idx="1">
+            <a:schemeClr val="lt1"/>
+          </a:fillRef>
+          <a:effectRef idx="0">
+            <a:schemeClr val="accent6"/>
+          </a:effectRef>
+          <a:fontRef idx="minor">
+            <a:schemeClr val="dk1"/>
+          </a:fontRef>
+        </p:style>
+        <p:txBody>
+          <a:bodyPr rtlCol="0" anchor="ctr"/>
+          <a:lstStyle/>
+          <a:p>
+            <a:pPr algn="ctr"/>
+            <a:r>
+              <a:rPr lang="de-DE" dirty="0"/>
+              <a:t>(2) </a:t>
+            </a:r>
+            <a:r>
+              <a:rPr lang="de-DE" dirty="0" err="1"/>
+              <a:t>Define</a:t>
+            </a:r>
+            <a:r>
+              <a:rPr lang="de-DE" dirty="0"/>
+              <a:t> &amp; </a:t>
+            </a:r>
+            <a:r>
+              <a:rPr lang="de-DE" dirty="0" err="1"/>
+              <a:t>validate</a:t>
+            </a:r>
+            <a:r>
+              <a:rPr lang="de-DE" dirty="0"/>
+              <a:t> </a:t>
+            </a:r>
+            <a:r>
+              <a:rPr lang="de-DE" dirty="0" err="1"/>
+              <a:t>expected</a:t>
+            </a:r>
+            <a:r>
+              <a:rPr lang="de-DE" dirty="0"/>
+              <a:t> Output Formats</a:t>
+            </a:r>
+          </a:p>
+        </p:txBody>
+      </p:sp>
+      <p:cxnSp>
+        <p:nvCxnSpPr>
+          <p:cNvPr id="13" name="Gerade Verbindung mit Pfeil 12">
+            <a:extLst>
+              <a:ext uri="{FF2B5EF4-FFF2-40B4-BE49-F238E27FC236}">
+                <a16:creationId xmlns:a16="http://schemas.microsoft.com/office/drawing/2014/main" id="{1A48459C-BE5C-EE3D-77F9-515CA778D71A}"/>
+              </a:ext>
+            </a:extLst>
+          </p:cNvPr>
+          <p:cNvCxnSpPr>
+            <a:cxnSpLocks/>
+          </p:cNvCxnSpPr>
+          <p:nvPr/>
+        </p:nvCxnSpPr>
+        <p:spPr>
+          <a:xfrm>
+            <a:off x="2823210" y="2878095"/>
+            <a:ext cx="1577340" cy="0"/>
+          </a:xfrm>
+          <a:prstGeom prst="straightConnector1">
+            <a:avLst/>
+          </a:prstGeom>
+          <a:ln w="50800">
+            <a:tailEnd type="triangle"/>
+          </a:ln>
+        </p:spPr>
+        <p:style>
+          <a:lnRef idx="2">
+            <a:schemeClr val="dk1"/>
+          </a:lnRef>
+          <a:fillRef idx="0">
+            <a:schemeClr val="dk1"/>
+          </a:fillRef>
+          <a:effectRef idx="1">
+            <a:schemeClr val="dk1"/>
+          </a:effectRef>
+          <a:fontRef idx="minor">
+            <a:schemeClr val="tx1"/>
+          </a:fontRef>
+        </p:style>
+      </p:cxnSp>
+      <p:sp>
+        <p:nvSpPr>
+          <p:cNvPr id="14" name="Textfeld 13">
+            <a:extLst>
+              <a:ext uri="{FF2B5EF4-FFF2-40B4-BE49-F238E27FC236}">
+                <a16:creationId xmlns:a16="http://schemas.microsoft.com/office/drawing/2014/main" id="{DD078CD4-21CE-F5E8-83C3-4C29322D3D1A}"/>
+              </a:ext>
+            </a:extLst>
+          </p:cNvPr>
+          <p:cNvSpPr txBox="1"/>
+          <p:nvPr/>
+        </p:nvSpPr>
+        <p:spPr>
+          <a:xfrm>
+            <a:off x="3150942" y="2431989"/>
+            <a:ext cx="942374" cy="369332"/>
+          </a:xfrm>
+          <a:prstGeom prst="rect">
+            <a:avLst/>
+          </a:prstGeom>
+          <a:solidFill>
+            <a:schemeClr val="accent2">
+              <a:lumMod val="60000"/>
+              <a:lumOff val="40000"/>
+            </a:schemeClr>
+          </a:solidFill>
+        </p:spPr>
+        <p:txBody>
+          <a:bodyPr wrap="square" rtlCol="0">
+            <a:spAutoFit/>
+          </a:bodyPr>
+          <a:lstStyle/>
+          <a:p>
+            <a:r>
+              <a:rPr lang="de-DE" dirty="0"/>
+              <a:t>Input</a:t>
+            </a:r>
+          </a:p>
+        </p:txBody>
+      </p:sp>
+      <p:cxnSp>
+        <p:nvCxnSpPr>
+          <p:cNvPr id="15" name="Gerade Verbindung mit Pfeil 14">
+            <a:extLst>
+              <a:ext uri="{FF2B5EF4-FFF2-40B4-BE49-F238E27FC236}">
+                <a16:creationId xmlns:a16="http://schemas.microsoft.com/office/drawing/2014/main" id="{E31ACBC5-E0C5-6C7B-36D1-7E6A08E454F1}"/>
+              </a:ext>
+            </a:extLst>
+          </p:cNvPr>
+          <p:cNvCxnSpPr>
+            <a:cxnSpLocks/>
+          </p:cNvCxnSpPr>
+          <p:nvPr/>
+        </p:nvCxnSpPr>
+        <p:spPr>
+          <a:xfrm flipH="1">
+            <a:off x="2823210" y="3885020"/>
+            <a:ext cx="1577340" cy="0"/>
+          </a:xfrm>
+          <a:prstGeom prst="straightConnector1">
+            <a:avLst/>
+          </a:prstGeom>
+          <a:ln w="50800">
+            <a:tailEnd type="triangle"/>
+          </a:ln>
+        </p:spPr>
+        <p:style>
+          <a:lnRef idx="2">
+            <a:schemeClr val="dk1"/>
+          </a:lnRef>
+          <a:fillRef idx="0">
+            <a:schemeClr val="dk1"/>
+          </a:fillRef>
+          <a:effectRef idx="1">
+            <a:schemeClr val="dk1"/>
+          </a:effectRef>
+          <a:fontRef idx="minor">
+            <a:schemeClr val="tx1"/>
+          </a:fontRef>
+        </p:style>
+      </p:cxnSp>
+      <p:sp>
+        <p:nvSpPr>
+          <p:cNvPr id="16" name="Textfeld 15">
+            <a:extLst>
+              <a:ext uri="{FF2B5EF4-FFF2-40B4-BE49-F238E27FC236}">
+                <a16:creationId xmlns:a16="http://schemas.microsoft.com/office/drawing/2014/main" id="{AF6FD342-4527-1A05-DBF4-1EA8E82E478D}"/>
+              </a:ext>
+            </a:extLst>
+          </p:cNvPr>
+          <p:cNvSpPr txBox="1"/>
+          <p:nvPr/>
+        </p:nvSpPr>
+        <p:spPr>
+          <a:xfrm>
+            <a:off x="3100765" y="3423906"/>
+            <a:ext cx="966290" cy="369332"/>
+          </a:xfrm>
+          <a:prstGeom prst="rect">
+            <a:avLst/>
+          </a:prstGeom>
+          <a:solidFill>
+            <a:schemeClr val="accent2">
+              <a:lumMod val="60000"/>
+              <a:lumOff val="40000"/>
+            </a:schemeClr>
+          </a:solidFill>
+        </p:spPr>
+        <p:txBody>
+          <a:bodyPr wrap="square" rtlCol="0">
+            <a:spAutoFit/>
+          </a:bodyPr>
+          <a:lstStyle/>
+          <a:p>
+            <a:r>
+              <a:rPr lang="de-DE" dirty="0"/>
+              <a:t>Output</a:t>
+            </a:r>
+          </a:p>
+        </p:txBody>
+      </p:sp>
+      <p:cxnSp>
+        <p:nvCxnSpPr>
+          <p:cNvPr id="23" name="Gerade Verbindung mit Pfeil 22">
+            <a:extLst>
+              <a:ext uri="{FF2B5EF4-FFF2-40B4-BE49-F238E27FC236}">
+                <a16:creationId xmlns:a16="http://schemas.microsoft.com/office/drawing/2014/main" id="{A066D6F0-6DA3-9F8F-F0E5-3DA42D011E0F}"/>
+              </a:ext>
+            </a:extLst>
+          </p:cNvPr>
+          <p:cNvCxnSpPr>
+            <a:cxnSpLocks/>
+          </p:cNvCxnSpPr>
+          <p:nvPr/>
+        </p:nvCxnSpPr>
+        <p:spPr>
+          <a:xfrm flipV="1">
+            <a:off x="6858000" y="2848008"/>
+            <a:ext cx="1043940" cy="30087"/>
+          </a:xfrm>
+          <a:prstGeom prst="straightConnector1">
+            <a:avLst/>
+          </a:prstGeom>
+          <a:ln w="50800">
+            <a:tailEnd type="triangle"/>
+          </a:ln>
+        </p:spPr>
+        <p:style>
+          <a:lnRef idx="2">
+            <a:schemeClr val="dk1"/>
+          </a:lnRef>
+          <a:fillRef idx="0">
+            <a:schemeClr val="dk1"/>
+          </a:fillRef>
+          <a:effectRef idx="1">
+            <a:schemeClr val="dk1"/>
+          </a:effectRef>
+          <a:fontRef idx="minor">
+            <a:schemeClr val="tx1"/>
+          </a:fontRef>
+        </p:style>
+      </p:cxnSp>
+      <p:cxnSp>
+        <p:nvCxnSpPr>
+          <p:cNvPr id="24" name="Gerade Verbindung mit Pfeil 23">
+            <a:extLst>
+              <a:ext uri="{FF2B5EF4-FFF2-40B4-BE49-F238E27FC236}">
+                <a16:creationId xmlns:a16="http://schemas.microsoft.com/office/drawing/2014/main" id="{8406795D-B9B3-A4AA-B71F-EAF061189DB1}"/>
+              </a:ext>
+            </a:extLst>
+          </p:cNvPr>
+          <p:cNvCxnSpPr>
+            <a:cxnSpLocks/>
+          </p:cNvCxnSpPr>
+          <p:nvPr/>
+        </p:nvCxnSpPr>
+        <p:spPr>
+          <a:xfrm flipH="1">
+            <a:off x="6858000" y="3854933"/>
+            <a:ext cx="1043940" cy="0"/>
+          </a:xfrm>
+          <a:prstGeom prst="straightConnector1">
+            <a:avLst/>
+          </a:prstGeom>
+          <a:ln w="50800">
+            <a:tailEnd type="triangle"/>
+          </a:ln>
+        </p:spPr>
+        <p:style>
+          <a:lnRef idx="2">
+            <a:schemeClr val="dk1"/>
+          </a:lnRef>
+          <a:fillRef idx="0">
+            <a:schemeClr val="dk1"/>
+          </a:fillRef>
+          <a:effectRef idx="1">
+            <a:schemeClr val="dk1"/>
+          </a:effectRef>
+          <a:fontRef idx="minor">
+            <a:schemeClr val="tx1"/>
+          </a:fontRef>
+        </p:style>
+      </p:cxnSp>
+      <p:sp>
+        <p:nvSpPr>
+          <p:cNvPr id="28" name="Eine Ecke des Rechtecks schneiden 27">
+            <a:extLst>
+              <a:ext uri="{FF2B5EF4-FFF2-40B4-BE49-F238E27FC236}">
+                <a16:creationId xmlns:a16="http://schemas.microsoft.com/office/drawing/2014/main" id="{C0209A16-8ABC-80B3-490D-A55EC1C494B2}"/>
+              </a:ext>
+            </a:extLst>
+          </p:cNvPr>
+          <p:cNvSpPr/>
+          <p:nvPr/>
+        </p:nvSpPr>
+        <p:spPr>
+          <a:xfrm>
+            <a:off x="4827930" y="265400"/>
+            <a:ext cx="1534631" cy="2000250"/>
+          </a:xfrm>
+          <a:prstGeom prst="snip1Rect">
+            <a:avLst/>
+          </a:prstGeom>
+        </p:spPr>
+        <p:style>
+          <a:lnRef idx="2">
+            <a:schemeClr val="accent6"/>
+          </a:lnRef>
+          <a:fillRef idx="1">
+            <a:schemeClr val="lt1"/>
+          </a:fillRef>
+          <a:effectRef idx="0">
+            <a:schemeClr val="accent6"/>
+          </a:effectRef>
+          <a:fontRef idx="minor">
+            <a:schemeClr val="dk1"/>
+          </a:fontRef>
+        </p:style>
+        <p:txBody>
+          <a:bodyPr rtlCol="0" anchor="ctr"/>
+          <a:lstStyle/>
+          <a:p>
+            <a:pPr algn="ctr"/>
+            <a:r>
+              <a:rPr lang="de-DE" dirty="0"/>
+              <a:t>(3) Implement Input Filter</a:t>
+            </a:r>
+          </a:p>
+        </p:txBody>
+      </p:sp>
+      <p:sp>
+        <p:nvSpPr>
+          <p:cNvPr id="29" name="Eine Ecke des Rechtecks schneiden 28">
+            <a:extLst>
+              <a:ext uri="{FF2B5EF4-FFF2-40B4-BE49-F238E27FC236}">
+                <a16:creationId xmlns:a16="http://schemas.microsoft.com/office/drawing/2014/main" id="{BBF4E828-AA60-4234-D915-055E5E76F590}"/>
+              </a:ext>
+            </a:extLst>
+          </p:cNvPr>
+          <p:cNvSpPr/>
+          <p:nvPr/>
+        </p:nvSpPr>
+        <p:spPr>
+          <a:xfrm>
+            <a:off x="4827930" y="4663440"/>
+            <a:ext cx="1534631" cy="2000250"/>
+          </a:xfrm>
+          <a:prstGeom prst="snip1Rect">
+            <a:avLst/>
+          </a:prstGeom>
+        </p:spPr>
+        <p:style>
+          <a:lnRef idx="2">
+            <a:schemeClr val="accent6"/>
+          </a:lnRef>
+          <a:fillRef idx="1">
+            <a:schemeClr val="lt1"/>
+          </a:fillRef>
+          <a:effectRef idx="0">
+            <a:schemeClr val="accent6"/>
+          </a:effectRef>
+          <a:fontRef idx="minor">
+            <a:schemeClr val="dk1"/>
+          </a:fontRef>
+        </p:style>
+        <p:txBody>
+          <a:bodyPr rtlCol="0" anchor="ctr"/>
+          <a:lstStyle/>
+          <a:p>
+            <a:pPr algn="ctr"/>
+            <a:r>
+              <a:rPr lang="de-DE" dirty="0"/>
+              <a:t>(4) Implement Output Filter</a:t>
+            </a:r>
+          </a:p>
+        </p:txBody>
+      </p:sp>
+      <p:sp>
+        <p:nvSpPr>
+          <p:cNvPr id="45" name="Eine Ecke des Rechtecks schneiden 44">
+            <a:extLst>
+              <a:ext uri="{FF2B5EF4-FFF2-40B4-BE49-F238E27FC236}">
+                <a16:creationId xmlns:a16="http://schemas.microsoft.com/office/drawing/2014/main" id="{1B1B05A2-EB07-75CE-CA47-AEDAA5BE5A63}"/>
+              </a:ext>
+            </a:extLst>
+          </p:cNvPr>
+          <p:cNvSpPr/>
+          <p:nvPr/>
+        </p:nvSpPr>
+        <p:spPr>
+          <a:xfrm>
+            <a:off x="2577298" y="129364"/>
+            <a:ext cx="1534631" cy="2000250"/>
+          </a:xfrm>
+          <a:prstGeom prst="snip1Rect">
+            <a:avLst/>
+          </a:prstGeom>
+        </p:spPr>
+        <p:style>
+          <a:lnRef idx="2">
+            <a:schemeClr val="accent6"/>
+          </a:lnRef>
+          <a:fillRef idx="1">
+            <a:schemeClr val="lt1"/>
+          </a:fillRef>
+          <a:effectRef idx="0">
+            <a:schemeClr val="accent6"/>
+          </a:effectRef>
+          <a:fontRef idx="minor">
+            <a:schemeClr val="dk1"/>
+          </a:fontRef>
+        </p:style>
+        <p:txBody>
+          <a:bodyPr rtlCol="0" anchor="ctr"/>
+          <a:lstStyle/>
+          <a:p>
+            <a:pPr algn="ctr"/>
+            <a:r>
+              <a:rPr lang="de-DE" dirty="0"/>
+              <a:t>(5) RBAC</a:t>
+            </a:r>
+          </a:p>
+        </p:txBody>
+      </p:sp>
+      <p:cxnSp>
+        <p:nvCxnSpPr>
+          <p:cNvPr id="48" name="Gerade Verbindung mit Pfeil 47">
+            <a:extLst>
+              <a:ext uri="{FF2B5EF4-FFF2-40B4-BE49-F238E27FC236}">
+                <a16:creationId xmlns:a16="http://schemas.microsoft.com/office/drawing/2014/main" id="{5AC9296B-9984-5CAA-AEE9-6DB78CE80719}"/>
+              </a:ext>
+            </a:extLst>
+          </p:cNvPr>
+          <p:cNvCxnSpPr>
+            <a:stCxn id="45" idx="1"/>
+            <a:endCxn id="4" idx="0"/>
+          </p:cNvCxnSpPr>
+          <p:nvPr/>
+        </p:nvCxnSpPr>
+        <p:spPr>
+          <a:xfrm flipH="1">
+            <a:off x="2283273" y="2129614"/>
+            <a:ext cx="1061341" cy="318257"/>
+          </a:xfrm>
+          <a:prstGeom prst="straightConnector1">
+            <a:avLst/>
+          </a:prstGeom>
+          <a:ln>
+            <a:solidFill>
+              <a:schemeClr val="accent6"/>
+            </a:solidFill>
+            <a:tailEnd type="triangle"/>
+          </a:ln>
+        </p:spPr>
+        <p:style>
+          <a:lnRef idx="2">
+            <a:schemeClr val="accent1"/>
+          </a:lnRef>
+          <a:fillRef idx="0">
+            <a:schemeClr val="accent1"/>
+          </a:fillRef>
+          <a:effectRef idx="1">
+            <a:schemeClr val="accent1"/>
+          </a:effectRef>
+          <a:fontRef idx="minor">
+            <a:schemeClr val="tx1"/>
+          </a:fontRef>
+        </p:style>
+      </p:cxnSp>
+      <p:cxnSp>
+        <p:nvCxnSpPr>
+          <p:cNvPr id="50" name="Gerade Verbindung mit Pfeil 49">
+            <a:extLst>
+              <a:ext uri="{FF2B5EF4-FFF2-40B4-BE49-F238E27FC236}">
+                <a16:creationId xmlns:a16="http://schemas.microsoft.com/office/drawing/2014/main" id="{A2AE6ED9-7B87-523E-470C-B8DEF10DD1CF}"/>
+              </a:ext>
+            </a:extLst>
+          </p:cNvPr>
+          <p:cNvCxnSpPr>
+            <a:cxnSpLocks/>
+            <a:stCxn id="45" idx="1"/>
+          </p:cNvCxnSpPr>
+          <p:nvPr/>
+        </p:nvCxnSpPr>
+        <p:spPr>
+          <a:xfrm>
+            <a:off x="3344614" y="2129614"/>
+            <a:ext cx="822793" cy="294168"/>
+          </a:xfrm>
+          <a:prstGeom prst="straightConnector1">
+            <a:avLst/>
+          </a:prstGeom>
+          <a:ln>
+            <a:solidFill>
+              <a:schemeClr val="accent6"/>
+            </a:solidFill>
+            <a:tailEnd type="triangle"/>
+          </a:ln>
+        </p:spPr>
+        <p:style>
+          <a:lnRef idx="2">
+            <a:schemeClr val="accent1"/>
+          </a:lnRef>
+          <a:fillRef idx="0">
+            <a:schemeClr val="accent1"/>
+          </a:fillRef>
+          <a:effectRef idx="1">
+            <a:schemeClr val="accent1"/>
+          </a:effectRef>
+          <a:fontRef idx="minor">
+            <a:schemeClr val="tx1"/>
+          </a:fontRef>
+        </p:style>
+      </p:cxnSp>
+      <p:sp>
+        <p:nvSpPr>
+          <p:cNvPr id="52" name="Eine Ecke des Rechtecks schneiden 51">
+            <a:extLst>
+              <a:ext uri="{FF2B5EF4-FFF2-40B4-BE49-F238E27FC236}">
+                <a16:creationId xmlns:a16="http://schemas.microsoft.com/office/drawing/2014/main" id="{9C45D572-7745-F5A0-B4BC-0C1217DA0F7C}"/>
+              </a:ext>
+            </a:extLst>
+          </p:cNvPr>
+          <p:cNvSpPr/>
+          <p:nvPr/>
+        </p:nvSpPr>
+        <p:spPr>
+          <a:xfrm>
+            <a:off x="1515957" y="4690574"/>
+            <a:ext cx="1534631" cy="2000250"/>
+          </a:xfrm>
+          <a:prstGeom prst="snip1Rect">
+            <a:avLst/>
+          </a:prstGeom>
+        </p:spPr>
+        <p:style>
+          <a:lnRef idx="2">
+            <a:schemeClr val="accent6"/>
+          </a:lnRef>
+          <a:fillRef idx="1">
+            <a:schemeClr val="lt1"/>
+          </a:fillRef>
+          <a:effectRef idx="0">
+            <a:schemeClr val="accent6"/>
+          </a:effectRef>
+          <a:fontRef idx="minor">
+            <a:schemeClr val="dk1"/>
+          </a:fontRef>
+        </p:style>
+        <p:txBody>
+          <a:bodyPr rtlCol="0" anchor="ctr"/>
+          <a:lstStyle/>
+          <a:p>
+            <a:pPr algn="ctr"/>
+            <a:r>
+              <a:rPr lang="de-DE" dirty="0"/>
+              <a:t>(6) Implement Human In The Loop</a:t>
+            </a:r>
+          </a:p>
+        </p:txBody>
+      </p:sp>
+      <p:sp>
+        <p:nvSpPr>
+          <p:cNvPr id="56" name="Rechteck 55">
+            <a:extLst>
+              <a:ext uri="{FF2B5EF4-FFF2-40B4-BE49-F238E27FC236}">
+                <a16:creationId xmlns:a16="http://schemas.microsoft.com/office/drawing/2014/main" id="{FE40270E-D95F-39DE-A530-89FB77E29FF3}"/>
+              </a:ext>
+            </a:extLst>
+          </p:cNvPr>
+          <p:cNvSpPr/>
+          <p:nvPr/>
+        </p:nvSpPr>
+        <p:spPr>
+          <a:xfrm rot="5400000">
+            <a:off x="5011452" y="585073"/>
+            <a:ext cx="331414" cy="7322405"/>
+          </a:xfrm>
+          <a:prstGeom prst="rect">
+            <a:avLst/>
+          </a:prstGeom>
+        </p:spPr>
+        <p:style>
+          <a:lnRef idx="2">
+            <a:schemeClr val="accent1">
+              <a:shade val="15000"/>
+            </a:schemeClr>
+          </a:lnRef>
+          <a:fillRef idx="1">
+            <a:schemeClr val="accent1"/>
+          </a:fillRef>
+          <a:effectRef idx="0">
+            <a:schemeClr val="accent1"/>
+          </a:effectRef>
+          <a:fontRef idx="minor">
+            <a:schemeClr val="lt1"/>
+          </a:fontRef>
+        </p:style>
+        <p:txBody>
+          <a:bodyPr vert="vert270" rtlCol="0" anchor="ctr"/>
+          <a:lstStyle/>
+          <a:p>
+            <a:pPr algn="ctr"/>
+            <a:r>
+              <a:rPr lang="de-DE" dirty="0" err="1"/>
+              <a:t>Observability</a:t>
+            </a:r>
+            <a:endParaRPr lang="de-DE" dirty="0"/>
+          </a:p>
+        </p:txBody>
+      </p:sp>
+      <p:cxnSp>
+        <p:nvCxnSpPr>
+          <p:cNvPr id="54" name="Gerade Verbindung mit Pfeil 53">
+            <a:extLst>
+              <a:ext uri="{FF2B5EF4-FFF2-40B4-BE49-F238E27FC236}">
+                <a16:creationId xmlns:a16="http://schemas.microsoft.com/office/drawing/2014/main" id="{29262448-EC36-405A-B285-5D29F9EDA779}"/>
+              </a:ext>
+            </a:extLst>
+          </p:cNvPr>
+          <p:cNvCxnSpPr>
+            <a:stCxn id="52" idx="3"/>
+            <a:endCxn id="4" idx="2"/>
+          </p:cNvCxnSpPr>
+          <p:nvPr/>
+        </p:nvCxnSpPr>
+        <p:spPr>
+          <a:xfrm flipV="1">
+            <a:off x="2283273" y="4003794"/>
+            <a:ext cx="0" cy="686780"/>
+          </a:xfrm>
+          <a:prstGeom prst="straightConnector1">
+            <a:avLst/>
+          </a:prstGeom>
+          <a:ln>
+            <a:solidFill>
+              <a:schemeClr val="accent6"/>
+            </a:solidFill>
+            <a:tailEnd type="triangle"/>
+          </a:ln>
+        </p:spPr>
+        <p:style>
+          <a:lnRef idx="2">
+            <a:schemeClr val="accent1"/>
+          </a:lnRef>
+          <a:fillRef idx="0">
+            <a:schemeClr val="accent1"/>
+          </a:fillRef>
+          <a:effectRef idx="1">
+            <a:schemeClr val="accent1"/>
+          </a:effectRef>
+          <a:fontRef idx="minor">
+            <a:schemeClr val="tx1"/>
+          </a:fontRef>
+        </p:style>
+      </p:cxnSp>
+      <p:cxnSp>
+        <p:nvCxnSpPr>
+          <p:cNvPr id="26" name="Gekrümmte Verbindung 25">
+            <a:extLst>
+              <a:ext uri="{FF2B5EF4-FFF2-40B4-BE49-F238E27FC236}">
+                <a16:creationId xmlns:a16="http://schemas.microsoft.com/office/drawing/2014/main" id="{7F90AE68-BCBD-9754-C8AE-92FB98E27D9F}"/>
+              </a:ext>
+            </a:extLst>
+          </p:cNvPr>
+          <p:cNvCxnSpPr>
+            <a:stCxn id="12" idx="2"/>
+          </p:cNvCxnSpPr>
+          <p:nvPr/>
+        </p:nvCxnSpPr>
+        <p:spPr>
+          <a:xfrm rot="10800000">
+            <a:off x="7113271" y="3990717"/>
+            <a:ext cx="657727" cy="1505208"/>
+          </a:xfrm>
+          <a:prstGeom prst="curvedConnector2">
+            <a:avLst/>
+          </a:prstGeom>
+          <a:ln>
+            <a:solidFill>
+              <a:schemeClr val="accent6"/>
+            </a:solidFill>
+            <a:tailEnd type="triangle"/>
+          </a:ln>
+        </p:spPr>
+        <p:style>
+          <a:lnRef idx="2">
+            <a:schemeClr val="accent1"/>
+          </a:lnRef>
+          <a:fillRef idx="0">
+            <a:schemeClr val="accent1"/>
+          </a:fillRef>
+          <a:effectRef idx="1">
+            <a:schemeClr val="accent1"/>
+          </a:effectRef>
+          <a:fontRef idx="minor">
+            <a:schemeClr val="tx1"/>
+          </a:fontRef>
+        </p:style>
+      </p:cxnSp>
+      <p:cxnSp>
+        <p:nvCxnSpPr>
+          <p:cNvPr id="31" name="Gekrümmte Verbindung 30">
+            <a:extLst>
+              <a:ext uri="{FF2B5EF4-FFF2-40B4-BE49-F238E27FC236}">
+                <a16:creationId xmlns:a16="http://schemas.microsoft.com/office/drawing/2014/main" id="{4507FBF1-40F3-162B-63C3-BC61F9B6C43C}"/>
+              </a:ext>
+            </a:extLst>
+          </p:cNvPr>
+          <p:cNvCxnSpPr>
+            <a:cxnSpLocks/>
+            <a:stCxn id="29" idx="2"/>
+          </p:cNvCxnSpPr>
+          <p:nvPr/>
+        </p:nvCxnSpPr>
+        <p:spPr>
+          <a:xfrm rot="10800000">
+            <a:off x="4400550" y="3715235"/>
+            <a:ext cx="427380" cy="1948331"/>
+          </a:xfrm>
+          <a:prstGeom prst="curvedConnector2">
+            <a:avLst/>
+          </a:prstGeom>
+          <a:ln>
+            <a:solidFill>
+              <a:schemeClr val="accent6"/>
+            </a:solidFill>
+            <a:tailEnd type="triangle"/>
+          </a:ln>
+        </p:spPr>
+        <p:style>
+          <a:lnRef idx="2">
+            <a:schemeClr val="accent1"/>
+          </a:lnRef>
+          <a:fillRef idx="0">
+            <a:schemeClr val="accent1"/>
+          </a:fillRef>
+          <a:effectRef idx="1">
+            <a:schemeClr val="accent1"/>
+          </a:effectRef>
+          <a:fontRef idx="minor">
+            <a:schemeClr val="tx1"/>
+          </a:fontRef>
+        </p:style>
+      </p:cxnSp>
+      <p:cxnSp>
+        <p:nvCxnSpPr>
+          <p:cNvPr id="33" name="Gekrümmte Verbindung 32">
+            <a:extLst>
+              <a:ext uri="{FF2B5EF4-FFF2-40B4-BE49-F238E27FC236}">
+                <a16:creationId xmlns:a16="http://schemas.microsoft.com/office/drawing/2014/main" id="{FD2F15C3-AEED-7DA1-0238-32A9F4414AB2}"/>
+              </a:ext>
+            </a:extLst>
+          </p:cNvPr>
+          <p:cNvCxnSpPr>
+            <a:cxnSpLocks/>
+            <a:stCxn id="28" idx="2"/>
+          </p:cNvCxnSpPr>
+          <p:nvPr/>
+        </p:nvCxnSpPr>
+        <p:spPr>
+          <a:xfrm rot="10800000" flipV="1">
+            <a:off x="4289916" y="1265524"/>
+            <a:ext cx="538015" cy="1430349"/>
+          </a:xfrm>
+          <a:prstGeom prst="curvedConnector2">
+            <a:avLst/>
+          </a:prstGeom>
+          <a:ln>
+            <a:solidFill>
+              <a:schemeClr val="accent6"/>
+            </a:solidFill>
+            <a:tailEnd type="triangle"/>
+          </a:ln>
+        </p:spPr>
+        <p:style>
+          <a:lnRef idx="2">
+            <a:schemeClr val="accent1"/>
+          </a:lnRef>
+          <a:fillRef idx="0">
+            <a:schemeClr val="accent1"/>
+          </a:fillRef>
+          <a:effectRef idx="1">
+            <a:schemeClr val="accent1"/>
+          </a:effectRef>
+          <a:fontRef idx="minor">
+            <a:schemeClr val="tx1"/>
+          </a:fontRef>
+        </p:style>
+      </p:cxnSp>
+      <p:sp>
+        <p:nvSpPr>
+          <p:cNvPr id="57" name="Eine Ecke des Rechtecks schneiden 56">
+            <a:extLst>
+              <a:ext uri="{FF2B5EF4-FFF2-40B4-BE49-F238E27FC236}">
+                <a16:creationId xmlns:a16="http://schemas.microsoft.com/office/drawing/2014/main" id="{6BE9D328-B13C-81E6-AD76-5F373184F3D0}"/>
+              </a:ext>
+            </a:extLst>
+          </p:cNvPr>
+          <p:cNvSpPr/>
+          <p:nvPr/>
+        </p:nvSpPr>
+        <p:spPr>
+          <a:xfrm>
+            <a:off x="10125482" y="3232785"/>
+            <a:ext cx="1715998" cy="2000250"/>
+          </a:xfrm>
+          <a:prstGeom prst="snip1Rect">
+            <a:avLst/>
+          </a:prstGeom>
+          <a:ln>
+            <a:solidFill>
+              <a:schemeClr val="accent6"/>
+            </a:solidFill>
+          </a:ln>
+        </p:spPr>
+        <p:style>
+          <a:lnRef idx="2">
+            <a:schemeClr val="accent6"/>
+          </a:lnRef>
+          <a:fillRef idx="1">
+            <a:schemeClr val="lt1"/>
+          </a:fillRef>
+          <a:effectRef idx="0">
+            <a:schemeClr val="accent6"/>
+          </a:effectRef>
+          <a:fontRef idx="minor">
+            <a:schemeClr val="dk1"/>
+          </a:fontRef>
+        </p:style>
+        <p:txBody>
+          <a:bodyPr rtlCol="0" anchor="ctr"/>
+          <a:lstStyle/>
+          <a:p>
+            <a:pPr algn="ctr"/>
+            <a:r>
+              <a:rPr lang="de-DE" dirty="0"/>
+              <a:t>(7) Implement </a:t>
+            </a:r>
+            <a:r>
+              <a:rPr lang="de-DE" dirty="0" err="1"/>
+              <a:t>Observability</a:t>
+            </a:r>
+            <a:endParaRPr lang="de-DE" dirty="0"/>
+          </a:p>
+        </p:txBody>
+      </p:sp>
+      <p:cxnSp>
+        <p:nvCxnSpPr>
+          <p:cNvPr id="59" name="Gerade Verbindung mit Pfeil 58">
+            <a:extLst>
+              <a:ext uri="{FF2B5EF4-FFF2-40B4-BE49-F238E27FC236}">
+                <a16:creationId xmlns:a16="http://schemas.microsoft.com/office/drawing/2014/main" id="{D72FD781-8973-7A1E-B157-320CF18272E0}"/>
+              </a:ext>
+            </a:extLst>
+          </p:cNvPr>
+          <p:cNvCxnSpPr>
+            <a:stCxn id="57" idx="2"/>
+            <a:endCxn id="56" idx="0"/>
+          </p:cNvCxnSpPr>
+          <p:nvPr/>
+        </p:nvCxnSpPr>
+        <p:spPr>
+          <a:xfrm flipH="1">
+            <a:off x="8838362" y="4232910"/>
+            <a:ext cx="1287120" cy="13366"/>
+          </a:xfrm>
+          <a:prstGeom prst="straightConnector1">
+            <a:avLst/>
+          </a:prstGeom>
+          <a:ln>
+            <a:solidFill>
+              <a:schemeClr val="accent6"/>
+            </a:solidFill>
+            <a:tailEnd type="triangle"/>
+          </a:ln>
+        </p:spPr>
+        <p:style>
+          <a:lnRef idx="2">
+            <a:schemeClr val="accent1"/>
+          </a:lnRef>
+          <a:fillRef idx="0">
+            <a:schemeClr val="accent1"/>
+          </a:fillRef>
+          <a:effectRef idx="1">
+            <a:schemeClr val="accent1"/>
+          </a:effectRef>
+          <a:fontRef idx="minor">
+            <a:schemeClr val="tx1"/>
+          </a:fontRef>
+        </p:style>
+      </p:cxnSp>
+      <p:sp>
+        <p:nvSpPr>
+          <p:cNvPr id="60" name="Eine Ecke des Rechtecks schneiden 59">
+            <a:extLst>
+              <a:ext uri="{FF2B5EF4-FFF2-40B4-BE49-F238E27FC236}">
+                <a16:creationId xmlns:a16="http://schemas.microsoft.com/office/drawing/2014/main" id="{3FFA5E47-1A0B-C82B-8197-85EA9EF481F3}"/>
+              </a:ext>
+            </a:extLst>
+          </p:cNvPr>
+          <p:cNvSpPr/>
+          <p:nvPr/>
+        </p:nvSpPr>
+        <p:spPr>
+          <a:xfrm>
+            <a:off x="170539" y="162873"/>
+            <a:ext cx="1715998" cy="2000250"/>
+          </a:xfrm>
+          <a:prstGeom prst="snip1Rect">
+            <a:avLst/>
+          </a:prstGeom>
+          <a:ln>
+            <a:solidFill>
+              <a:schemeClr val="accent6"/>
+            </a:solidFill>
+          </a:ln>
+        </p:spPr>
+        <p:style>
+          <a:lnRef idx="2">
+            <a:schemeClr val="accent6"/>
+          </a:lnRef>
+          <a:fillRef idx="1">
+            <a:schemeClr val="lt1"/>
+          </a:fillRef>
+          <a:effectRef idx="0">
+            <a:schemeClr val="accent6"/>
+          </a:effectRef>
+          <a:fontRef idx="minor">
+            <a:schemeClr val="dk1"/>
+          </a:fontRef>
+        </p:style>
+        <p:txBody>
+          <a:bodyPr rtlCol="0" anchor="ctr"/>
+          <a:lstStyle/>
+          <a:p>
+            <a:pPr algn="ctr"/>
+            <a:r>
+              <a:rPr lang="de-DE" dirty="0"/>
+              <a:t>(8) Conduct </a:t>
+            </a:r>
+            <a:r>
+              <a:rPr lang="de-DE" dirty="0" err="1"/>
+              <a:t>Adversarial</a:t>
+            </a:r>
+            <a:r>
+              <a:rPr lang="de-DE" dirty="0"/>
+              <a:t> </a:t>
+            </a:r>
+            <a:r>
+              <a:rPr lang="de-DE"/>
+              <a:t>Testing</a:t>
+            </a:r>
+            <a:r>
+              <a:rPr lang="de-DE" dirty="0"/>
+              <a:t> &amp; </a:t>
+            </a:r>
+            <a:r>
+              <a:rPr lang="de-DE" dirty="0" err="1"/>
+              <a:t>Attack</a:t>
+            </a:r>
+            <a:r>
+              <a:rPr lang="de-DE" dirty="0"/>
+              <a:t> </a:t>
+            </a:r>
+            <a:r>
+              <a:rPr lang="de-DE" dirty="0" err="1"/>
+              <a:t>Simulations</a:t>
+            </a:r>
+            <a:endParaRPr lang="de-DE" dirty="0"/>
+          </a:p>
+        </p:txBody>
+      </p:sp>
+      <p:cxnSp>
+        <p:nvCxnSpPr>
+          <p:cNvPr id="66" name="Gekrümmte Verbindung 65">
+            <a:extLst>
+              <a:ext uri="{FF2B5EF4-FFF2-40B4-BE49-F238E27FC236}">
+                <a16:creationId xmlns:a16="http://schemas.microsoft.com/office/drawing/2014/main" id="{4673EEEA-3B79-721B-3F69-9FA67838A2A6}"/>
+              </a:ext>
+            </a:extLst>
+          </p:cNvPr>
+          <p:cNvCxnSpPr>
+            <a:stCxn id="60" idx="1"/>
+            <a:endCxn id="4" idx="1"/>
+          </p:cNvCxnSpPr>
+          <p:nvPr/>
+        </p:nvCxnSpPr>
+        <p:spPr>
+          <a:xfrm rot="16200000" flipH="1">
+            <a:off x="740892" y="2450768"/>
+            <a:ext cx="1062710" cy="487419"/>
+          </a:xfrm>
+          <a:prstGeom prst="curvedConnector2">
+            <a:avLst/>
+          </a:prstGeom>
+          <a:ln>
+            <a:tailEnd type="triangle"/>
+          </a:ln>
+        </p:spPr>
+        <p:style>
+          <a:lnRef idx="2">
+            <a:schemeClr val="accent1"/>
+          </a:lnRef>
+          <a:fillRef idx="0">
+            <a:schemeClr val="accent1"/>
+          </a:fillRef>
+          <a:effectRef idx="1">
+            <a:schemeClr val="accent1"/>
+          </a:effectRef>
+          <a:fontRef idx="minor">
+            <a:schemeClr val="tx1"/>
+          </a:fontRef>
+        </p:style>
+      </p:cxnSp>
+    </p:spTree>
+    <p:extLst>
+      <p:ext uri="{BB962C8B-B14F-4D97-AF65-F5344CB8AC3E}">
+        <p14:creationId xmlns:p14="http://schemas.microsoft.com/office/powerpoint/2010/main" val="2641807938"/>
       </p:ext>
     </p:extLst>
   </p:cSld>
